--- a/example/Rapportage Zandwijk.pptx
+++ b/example/Rapportage Zandwijk.pptx
@@ -5,10 +5,10 @@
     <p:sldMasterId id="2147483648" r:id="rId4"/>
   </p:sldMasterIdLst>
   <p:notesMasterIdLst>
-    <p:notesMasterId r:id="rId13"/>
+    <p:notesMasterId r:id="rId14"/>
   </p:notesMasterIdLst>
   <p:handoutMasterIdLst>
-    <p:handoutMasterId r:id="rId14"/>
+    <p:handoutMasterId r:id="rId15"/>
   </p:handoutMasterIdLst>
   <p:sldIdLst>
     <p:sldId id="256" r:id="rId5"/>
@@ -19,6 +19,7 @@
     <p:sldId id="262" r:id="rId10"/>
     <p:sldId id="263" r:id="rId11"/>
     <p:sldId id="264" r:id="rId12"/>
+    <p:sldId id="265" r:id="rId13"/>
   </p:sldIdLst>
   <p:sldSz cx="12192000" cy="6858000"/>
   <p:notesSz cx="6858000" cy="9144000"/>
@@ -154,7 +155,7 @@
 <file path=ppt/revisionInfo.xml><?xml version="1.0" encoding="utf-8"?>
 <p1510:revInfo xmlns:a="http://schemas.openxmlformats.org/drawingml/2006/main" xmlns:r="http://schemas.openxmlformats.org/officeDocument/2006/relationships" xmlns:p1510="http://schemas.microsoft.com/office/powerpoint/2015/10/main">
   <p1510:revLst>
-    <p1510:client id="{B876D7DA-DFE9-446E-BF99-95F4DD9EE379}" v="29" dt="2025-04-17T09:59:24.528"/>
+    <p1510:client id="{B876D7DA-DFE9-446E-BF99-95F4DD9EE379}" v="33" dt="2025-04-30T10:56:35.537"/>
   </p1510:revLst>
 </p1510:revInfo>
 </file>
@@ -219,7 +220,7 @@
   <pc:docChgLst>
     <pc:chgData name="Vermeulen - van Gent, Sander" userId="e08259fd-81d2-4a86-9b20-28ba02d67a18" providerId="ADAL" clId="{B876D7DA-DFE9-446E-BF99-95F4DD9EE379}"/>
     <pc:docChg chg="undo custSel addSld delSld modSld modMainMaster">
-      <pc:chgData name="Vermeulen - van Gent, Sander" userId="e08259fd-81d2-4a86-9b20-28ba02d67a18" providerId="ADAL" clId="{B876D7DA-DFE9-446E-BF99-95F4DD9EE379}" dt="2025-04-17T09:59:29.669" v="148" actId="20577"/>
+      <pc:chgData name="Vermeulen - van Gent, Sander" userId="e08259fd-81d2-4a86-9b20-28ba02d67a18" providerId="ADAL" clId="{B876D7DA-DFE9-446E-BF99-95F4DD9EE379}" dt="2025-04-30T10:59:21.168" v="212" actId="14430"/>
       <pc:docMkLst>
         <pc:docMk/>
       </pc:docMkLst>
@@ -264,68 +265,98 @@
           <pc:docMk/>
           <pc:sldMk cId="1769976180" sldId="264"/>
         </pc:sldMkLst>
-        <pc:spChg chg="del">
-          <ac:chgData name="Vermeulen - van Gent, Sander" userId="e08259fd-81d2-4a86-9b20-28ba02d67a18" providerId="ADAL" clId="{B876D7DA-DFE9-446E-BF99-95F4DD9EE379}" dt="2025-04-17T08:00:16.585" v="133" actId="700"/>
+      </pc:sldChg>
+      <pc:sldChg chg="add del">
+        <pc:chgData name="Vermeulen - van Gent, Sander" userId="e08259fd-81d2-4a86-9b20-28ba02d67a18" providerId="ADAL" clId="{B876D7DA-DFE9-446E-BF99-95F4DD9EE379}" dt="2025-04-30T09:53:32.545" v="162" actId="2890"/>
+        <pc:sldMkLst>
+          <pc:docMk/>
+          <pc:sldMk cId="1153038210" sldId="265"/>
+        </pc:sldMkLst>
+      </pc:sldChg>
+      <pc:sldChg chg="addSp delSp modSp new mod modClrScheme chgLayout">
+        <pc:chgData name="Vermeulen - van Gent, Sander" userId="e08259fd-81d2-4a86-9b20-28ba02d67a18" providerId="ADAL" clId="{B876D7DA-DFE9-446E-BF99-95F4DD9EE379}" dt="2025-04-30T10:18:59.726" v="207" actId="478"/>
+        <pc:sldMkLst>
+          <pc:docMk/>
+          <pc:sldMk cId="1857189599" sldId="265"/>
+        </pc:sldMkLst>
+        <pc:spChg chg="add del mod">
+          <ac:chgData name="Vermeulen - van Gent, Sander" userId="e08259fd-81d2-4a86-9b20-28ba02d67a18" providerId="ADAL" clId="{B876D7DA-DFE9-446E-BF99-95F4DD9EE379}" dt="2025-04-30T10:18:59.726" v="207" actId="478"/>
           <ac:spMkLst>
             <pc:docMk/>
-            <pc:sldMk cId="1769976180" sldId="264"/>
-            <ac:spMk id="2" creationId="{F164BDDB-DF0F-5DFE-BC10-B8A6885C3D92}"/>
+            <pc:sldMk cId="1857189599" sldId="265"/>
+            <ac:spMk id="2" creationId="{8901271D-6AF1-65EA-C49A-E22D16CEF927}"/>
           </ac:spMkLst>
         </pc:spChg>
-        <pc:spChg chg="del">
-          <ac:chgData name="Vermeulen - van Gent, Sander" userId="e08259fd-81d2-4a86-9b20-28ba02d67a18" providerId="ADAL" clId="{B876D7DA-DFE9-446E-BF99-95F4DD9EE379}" dt="2025-04-17T08:00:16.585" v="133" actId="700"/>
+        <pc:spChg chg="del mod ord">
+          <ac:chgData name="Vermeulen - van Gent, Sander" userId="e08259fd-81d2-4a86-9b20-28ba02d67a18" providerId="ADAL" clId="{B876D7DA-DFE9-446E-BF99-95F4DD9EE379}" dt="2025-04-30T09:55:24.174" v="174" actId="700"/>
           <ac:spMkLst>
             <pc:docMk/>
-            <pc:sldMk cId="1769976180" sldId="264"/>
-            <ac:spMk id="3" creationId="{7C3DBDC4-A6BF-B5A0-001A-D7E94C271409}"/>
+            <pc:sldMk cId="1857189599" sldId="265"/>
+            <ac:spMk id="2" creationId="{947A568B-0E1E-CABE-09BB-D86A2113249A}"/>
           </ac:spMkLst>
         </pc:spChg>
-        <pc:spChg chg="del">
-          <ac:chgData name="Vermeulen - van Gent, Sander" userId="e08259fd-81d2-4a86-9b20-28ba02d67a18" providerId="ADAL" clId="{B876D7DA-DFE9-446E-BF99-95F4DD9EE379}" dt="2025-04-17T08:00:16.585" v="133" actId="700"/>
+        <pc:spChg chg="del mod ord">
+          <ac:chgData name="Vermeulen - van Gent, Sander" userId="e08259fd-81d2-4a86-9b20-28ba02d67a18" providerId="ADAL" clId="{B876D7DA-DFE9-446E-BF99-95F4DD9EE379}" dt="2025-04-30T09:55:24.174" v="174" actId="700"/>
           <ac:spMkLst>
             <pc:docMk/>
-            <pc:sldMk cId="1769976180" sldId="264"/>
-            <ac:spMk id="4" creationId="{AFCDB6EF-563D-1007-2FD8-D6DD6DAE66AA}"/>
+            <pc:sldMk cId="1857189599" sldId="265"/>
+            <ac:spMk id="3" creationId="{D1202DE5-F5D2-3DD0-F29C-5F5A56E23CD3}"/>
           </ac:spMkLst>
         </pc:spChg>
-        <pc:spChg chg="del">
-          <ac:chgData name="Vermeulen - van Gent, Sander" userId="e08259fd-81d2-4a86-9b20-28ba02d67a18" providerId="ADAL" clId="{B876D7DA-DFE9-446E-BF99-95F4DD9EE379}" dt="2025-04-17T08:00:16.585" v="133" actId="700"/>
+        <pc:spChg chg="del mod ord">
+          <ac:chgData name="Vermeulen - van Gent, Sander" userId="e08259fd-81d2-4a86-9b20-28ba02d67a18" providerId="ADAL" clId="{B876D7DA-DFE9-446E-BF99-95F4DD9EE379}" dt="2025-04-30T09:55:24.174" v="174" actId="700"/>
           <ac:spMkLst>
             <pc:docMk/>
-            <pc:sldMk cId="1769976180" sldId="264"/>
-            <ac:spMk id="5" creationId="{23264F67-0DC7-C588-1FDC-92090CB5AFF6}"/>
+            <pc:sldMk cId="1857189599" sldId="265"/>
+            <ac:spMk id="4" creationId="{EE76D8F9-A023-6C5E-78FD-39A4F6C552DC}"/>
+          </ac:spMkLst>
+        </pc:spChg>
+        <pc:spChg chg="del mod ord">
+          <ac:chgData name="Vermeulen - van Gent, Sander" userId="e08259fd-81d2-4a86-9b20-28ba02d67a18" providerId="ADAL" clId="{B876D7DA-DFE9-446E-BF99-95F4DD9EE379}" dt="2025-04-30T09:55:24.174" v="174" actId="700"/>
+          <ac:spMkLst>
+            <pc:docMk/>
+            <pc:sldMk cId="1857189599" sldId="265"/>
+            <ac:spMk id="5" creationId="{AE0BF931-F507-CD70-1476-B24FE3D0F127}"/>
+          </ac:spMkLst>
+        </pc:spChg>
+        <pc:spChg chg="add del mod ord">
+          <ac:chgData name="Vermeulen - van Gent, Sander" userId="e08259fd-81d2-4a86-9b20-28ba02d67a18" providerId="ADAL" clId="{B876D7DA-DFE9-446E-BF99-95F4DD9EE379}" dt="2025-04-30T09:55:26.569" v="175" actId="478"/>
+          <ac:spMkLst>
+            <pc:docMk/>
+            <pc:sldMk cId="1857189599" sldId="265"/>
+            <ac:spMk id="6" creationId="{A204A25F-A52D-3841-CC82-1E0EB4A7E756}"/>
+          </ac:spMkLst>
+        </pc:spChg>
+        <pc:spChg chg="add del mod ord">
+          <ac:chgData name="Vermeulen - van Gent, Sander" userId="e08259fd-81d2-4a86-9b20-28ba02d67a18" providerId="ADAL" clId="{B876D7DA-DFE9-446E-BF99-95F4DD9EE379}" dt="2025-04-30T09:55:26.569" v="175" actId="478"/>
+          <ac:spMkLst>
+            <pc:docMk/>
+            <pc:sldMk cId="1857189599" sldId="265"/>
+            <ac:spMk id="7" creationId="{16870BFC-B9D9-E878-FE94-A1EA15C3D097}"/>
+          </ac:spMkLst>
+        </pc:spChg>
+        <pc:spChg chg="add del mod ord">
+          <ac:chgData name="Vermeulen - van Gent, Sander" userId="e08259fd-81d2-4a86-9b20-28ba02d67a18" providerId="ADAL" clId="{B876D7DA-DFE9-446E-BF99-95F4DD9EE379}" dt="2025-04-30T09:55:26.569" v="175" actId="478"/>
+          <ac:spMkLst>
+            <pc:docMk/>
+            <pc:sldMk cId="1857189599" sldId="265"/>
+            <ac:spMk id="8" creationId="{5AD78278-87DF-8D88-1D8D-4F22BEB8DDD1}"/>
+          </ac:spMkLst>
+        </pc:spChg>
+        <pc:spChg chg="add del mod ord">
+          <ac:chgData name="Vermeulen - van Gent, Sander" userId="e08259fd-81d2-4a86-9b20-28ba02d67a18" providerId="ADAL" clId="{B876D7DA-DFE9-446E-BF99-95F4DD9EE379}" dt="2025-04-30T09:55:26.569" v="175" actId="478"/>
+          <ac:spMkLst>
+            <pc:docMk/>
+            <pc:sldMk cId="1857189599" sldId="265"/>
+            <ac:spMk id="9" creationId="{B4633C2F-6705-FB5A-72B4-A08FEB0AC4C6}"/>
           </ac:spMkLst>
         </pc:spChg>
         <pc:spChg chg="add del mod">
-          <ac:chgData name="Vermeulen - van Gent, Sander" userId="e08259fd-81d2-4a86-9b20-28ba02d67a18" providerId="ADAL" clId="{B876D7DA-DFE9-446E-BF99-95F4DD9EE379}" dt="2025-04-17T08:00:18.406" v="134" actId="478"/>
+          <ac:chgData name="Vermeulen - van Gent, Sander" userId="e08259fd-81d2-4a86-9b20-28ba02d67a18" providerId="ADAL" clId="{B876D7DA-DFE9-446E-BF99-95F4DD9EE379}" dt="2025-04-30T09:59:45.765" v="205" actId="478"/>
           <ac:spMkLst>
             <pc:docMk/>
-            <pc:sldMk cId="1769976180" sldId="264"/>
-            <ac:spMk id="6" creationId="{A6296924-FD59-FD14-883D-E39A37262778}"/>
-          </ac:spMkLst>
-        </pc:spChg>
-        <pc:spChg chg="add del mod">
-          <ac:chgData name="Vermeulen - van Gent, Sander" userId="e08259fd-81d2-4a86-9b20-28ba02d67a18" providerId="ADAL" clId="{B876D7DA-DFE9-446E-BF99-95F4DD9EE379}" dt="2025-04-17T08:00:18.406" v="134" actId="478"/>
-          <ac:spMkLst>
-            <pc:docMk/>
-            <pc:sldMk cId="1769976180" sldId="264"/>
-            <ac:spMk id="7" creationId="{B99403B8-3DCA-3298-B590-4356252789AF}"/>
-          </ac:spMkLst>
-        </pc:spChg>
-        <pc:spChg chg="add del mod">
-          <ac:chgData name="Vermeulen - van Gent, Sander" userId="e08259fd-81d2-4a86-9b20-28ba02d67a18" providerId="ADAL" clId="{B876D7DA-DFE9-446E-BF99-95F4DD9EE379}" dt="2025-04-17T08:00:18.406" v="134" actId="478"/>
-          <ac:spMkLst>
-            <pc:docMk/>
-            <pc:sldMk cId="1769976180" sldId="264"/>
-            <ac:spMk id="8" creationId="{C078BB40-B759-C296-6126-8FA043865572}"/>
-          </ac:spMkLst>
-        </pc:spChg>
-        <pc:spChg chg="add del mod">
-          <ac:chgData name="Vermeulen - van Gent, Sander" userId="e08259fd-81d2-4a86-9b20-28ba02d67a18" providerId="ADAL" clId="{B876D7DA-DFE9-446E-BF99-95F4DD9EE379}" dt="2025-04-17T08:00:18.406" v="134" actId="478"/>
-          <ac:spMkLst>
-            <pc:docMk/>
-            <pc:sldMk cId="1769976180" sldId="264"/>
-            <ac:spMk id="9" creationId="{B5B039A0-DB41-E178-126F-00041E1F090A}"/>
+            <pc:sldMk cId="1857189599" sldId="265"/>
+            <ac:spMk id="10" creationId="{7381E8DA-A0F8-1C69-49BF-53E276A94C09}"/>
           </ac:spMkLst>
         </pc:spChg>
       </pc:sldChg>
@@ -335,81 +366,9 @@
           <pc:docMk/>
           <pc:sldMk cId="3211769070" sldId="265"/>
         </pc:sldMkLst>
-        <pc:spChg chg="del">
-          <ac:chgData name="Vermeulen - van Gent, Sander" userId="e08259fd-81d2-4a86-9b20-28ba02d67a18" providerId="ADAL" clId="{B876D7DA-DFE9-446E-BF99-95F4DD9EE379}" dt="2025-04-17T09:26:41.908" v="138" actId="700"/>
-          <ac:spMkLst>
-            <pc:docMk/>
-            <pc:sldMk cId="3211769070" sldId="265"/>
-            <ac:spMk id="2" creationId="{F002FDAD-2C90-7F5B-0F2D-C8488C78BF32}"/>
-          </ac:spMkLst>
-        </pc:spChg>
-        <pc:spChg chg="del">
-          <ac:chgData name="Vermeulen - van Gent, Sander" userId="e08259fd-81d2-4a86-9b20-28ba02d67a18" providerId="ADAL" clId="{B876D7DA-DFE9-446E-BF99-95F4DD9EE379}" dt="2025-04-17T09:26:41.908" v="138" actId="700"/>
-          <ac:spMkLst>
-            <pc:docMk/>
-            <pc:sldMk cId="3211769070" sldId="265"/>
-            <ac:spMk id="3" creationId="{8E2E2B0C-5544-8D99-A58E-A85397595218}"/>
-          </ac:spMkLst>
-        </pc:spChg>
-        <pc:spChg chg="del">
-          <ac:chgData name="Vermeulen - van Gent, Sander" userId="e08259fd-81d2-4a86-9b20-28ba02d67a18" providerId="ADAL" clId="{B876D7DA-DFE9-446E-BF99-95F4DD9EE379}" dt="2025-04-17T09:26:41.908" v="138" actId="700"/>
-          <ac:spMkLst>
-            <pc:docMk/>
-            <pc:sldMk cId="3211769070" sldId="265"/>
-            <ac:spMk id="4" creationId="{39110194-B834-3B4C-83EE-2CAB98C0B582}"/>
-          </ac:spMkLst>
-        </pc:spChg>
-        <pc:spChg chg="del">
-          <ac:chgData name="Vermeulen - van Gent, Sander" userId="e08259fd-81d2-4a86-9b20-28ba02d67a18" providerId="ADAL" clId="{B876D7DA-DFE9-446E-BF99-95F4DD9EE379}" dt="2025-04-17T09:26:41.908" v="138" actId="700"/>
-          <ac:spMkLst>
-            <pc:docMk/>
-            <pc:sldMk cId="3211769070" sldId="265"/>
-            <ac:spMk id="5" creationId="{71EEF77A-DB04-EDAF-E3CF-702DBC49E1D6}"/>
-          </ac:spMkLst>
-        </pc:spChg>
-        <pc:spChg chg="add del mod">
-          <ac:chgData name="Vermeulen - van Gent, Sander" userId="e08259fd-81d2-4a86-9b20-28ba02d67a18" providerId="ADAL" clId="{B876D7DA-DFE9-446E-BF99-95F4DD9EE379}" dt="2025-04-17T09:27:09.900" v="141" actId="478"/>
-          <ac:spMkLst>
-            <pc:docMk/>
-            <pc:sldMk cId="3211769070" sldId="265"/>
-            <ac:spMk id="6" creationId="{D5706145-23FF-45BD-0502-2D0159326E95}"/>
-          </ac:spMkLst>
-        </pc:spChg>
-        <pc:spChg chg="add del mod">
-          <ac:chgData name="Vermeulen - van Gent, Sander" userId="e08259fd-81d2-4a86-9b20-28ba02d67a18" providerId="ADAL" clId="{B876D7DA-DFE9-446E-BF99-95F4DD9EE379}" dt="2025-04-17T09:27:09.900" v="141" actId="478"/>
-          <ac:spMkLst>
-            <pc:docMk/>
-            <pc:sldMk cId="3211769070" sldId="265"/>
-            <ac:spMk id="7" creationId="{70090F2D-6471-B696-014E-2301DE241151}"/>
-          </ac:spMkLst>
-        </pc:spChg>
-        <pc:spChg chg="add del mod">
-          <ac:chgData name="Vermeulen - van Gent, Sander" userId="e08259fd-81d2-4a86-9b20-28ba02d67a18" providerId="ADAL" clId="{B876D7DA-DFE9-446E-BF99-95F4DD9EE379}" dt="2025-04-17T09:27:09.900" v="141" actId="478"/>
-          <ac:spMkLst>
-            <pc:docMk/>
-            <pc:sldMk cId="3211769070" sldId="265"/>
-            <ac:spMk id="8" creationId="{B6239C86-4BC4-29AC-D225-858347F161D5}"/>
-          </ac:spMkLst>
-        </pc:spChg>
-        <pc:spChg chg="add del mod">
-          <ac:chgData name="Vermeulen - van Gent, Sander" userId="e08259fd-81d2-4a86-9b20-28ba02d67a18" providerId="ADAL" clId="{B876D7DA-DFE9-446E-BF99-95F4DD9EE379}" dt="2025-04-17T09:27:09.900" v="141" actId="478"/>
-          <ac:spMkLst>
-            <pc:docMk/>
-            <pc:sldMk cId="3211769070" sldId="265"/>
-            <ac:spMk id="9" creationId="{2E30B5F7-35E1-80B8-1C3E-D7CE5F8FC9AD}"/>
-          </ac:spMkLst>
-        </pc:spChg>
-        <pc:spChg chg="add del mod">
-          <ac:chgData name="Vermeulen - van Gent, Sander" userId="e08259fd-81d2-4a86-9b20-28ba02d67a18" providerId="ADAL" clId="{B876D7DA-DFE9-446E-BF99-95F4DD9EE379}" dt="2025-04-17T09:27:09.900" v="141" actId="478"/>
-          <ac:spMkLst>
-            <pc:docMk/>
-            <pc:sldMk cId="3211769070" sldId="265"/>
-            <ac:spMk id="10" creationId="{D58D8F3F-F136-4899-D09B-92E79EED7900}"/>
-          </ac:spMkLst>
-        </pc:spChg>
       </pc:sldChg>
       <pc:sldMasterChg chg="modSp mod addSldLayout delSldLayout modSldLayout sldLayoutOrd">
-        <pc:chgData name="Vermeulen - van Gent, Sander" userId="e08259fd-81d2-4a86-9b20-28ba02d67a18" providerId="ADAL" clId="{B876D7DA-DFE9-446E-BF99-95F4DD9EE379}" dt="2025-04-17T09:59:29.669" v="148" actId="20577"/>
+        <pc:chgData name="Vermeulen - van Gent, Sander" userId="e08259fd-81d2-4a86-9b20-28ba02d67a18" providerId="ADAL" clId="{B876D7DA-DFE9-446E-BF99-95F4DD9EE379}" dt="2025-04-30T10:59:21.168" v="212" actId="14430"/>
         <pc:sldMasterMkLst>
           <pc:docMk/>
           <pc:sldMasterMk cId="582609979" sldId="2147483648"/>
@@ -796,13 +755,22 @@
             </ac:spMkLst>
           </pc:spChg>
         </pc:sldLayoutChg>
-        <pc:sldLayoutChg chg="modSp mod">
-          <pc:chgData name="Vermeulen - van Gent, Sander" userId="e08259fd-81d2-4a86-9b20-28ba02d67a18" providerId="ADAL" clId="{B876D7DA-DFE9-446E-BF99-95F4DD9EE379}" dt="2025-04-09T09:47:40.585" v="11" actId="2711"/>
+        <pc:sldLayoutChg chg="addSp delSp modSp mod">
+          <pc:chgData name="Vermeulen - van Gent, Sander" userId="e08259fd-81d2-4a86-9b20-28ba02d67a18" providerId="ADAL" clId="{B876D7DA-DFE9-446E-BF99-95F4DD9EE379}" dt="2025-04-30T10:59:21.168" v="212" actId="14430"/>
           <pc:sldLayoutMkLst>
             <pc:docMk/>
             <pc:sldMasterMk cId="582609979" sldId="2147483648"/>
             <pc:sldLayoutMk cId="3849775906" sldId="2147483704"/>
           </pc:sldLayoutMkLst>
+          <pc:spChg chg="add del mod">
+            <ac:chgData name="Vermeulen - van Gent, Sander" userId="e08259fd-81d2-4a86-9b20-28ba02d67a18" providerId="ADAL" clId="{B876D7DA-DFE9-446E-BF99-95F4DD9EE379}" dt="2025-04-30T10:56:41.385" v="210" actId="478"/>
+            <ac:spMkLst>
+              <pc:docMk/>
+              <pc:sldMasterMk cId="582609979" sldId="2147483648"/>
+              <pc:sldLayoutMk cId="3849775906" sldId="2147483704"/>
+              <ac:spMk id="3" creationId="{C3B62D36-52EF-7312-D144-46274A55EF35}"/>
+            </ac:spMkLst>
+          </pc:spChg>
           <pc:spChg chg="mod">
             <ac:chgData name="Vermeulen - van Gent, Sander" userId="e08259fd-81d2-4a86-9b20-28ba02d67a18" providerId="ADAL" clId="{B876D7DA-DFE9-446E-BF99-95F4DD9EE379}" dt="2025-04-09T09:47:36.282" v="10" actId="2711"/>
             <ac:spMkLst>
@@ -813,7 +781,7 @@
             </ac:spMkLst>
           </pc:spChg>
           <pc:spChg chg="mod">
-            <ac:chgData name="Vermeulen - van Gent, Sander" userId="e08259fd-81d2-4a86-9b20-28ba02d67a18" providerId="ADAL" clId="{B876D7DA-DFE9-446E-BF99-95F4DD9EE379}" dt="2025-04-09T09:47:40.585" v="11" actId="2711"/>
+            <ac:chgData name="Vermeulen - van Gent, Sander" userId="e08259fd-81d2-4a86-9b20-28ba02d67a18" providerId="ADAL" clId="{B876D7DA-DFE9-446E-BF99-95F4DD9EE379}" dt="2025-04-30T09:59:10.443" v="192" actId="20577"/>
             <ac:spMkLst>
               <pc:docMk/>
               <pc:sldMasterMk cId="582609979" sldId="2147483648"/>
@@ -822,7 +790,7 @@
             </ac:spMkLst>
           </pc:spChg>
           <pc:spChg chg="mod">
-            <ac:chgData name="Vermeulen - van Gent, Sander" userId="e08259fd-81d2-4a86-9b20-28ba02d67a18" providerId="ADAL" clId="{B876D7DA-DFE9-446E-BF99-95F4DD9EE379}" dt="2025-04-09T09:47:36.282" v="10" actId="2711"/>
+            <ac:chgData name="Vermeulen - van Gent, Sander" userId="e08259fd-81d2-4a86-9b20-28ba02d67a18" providerId="ADAL" clId="{B876D7DA-DFE9-446E-BF99-95F4DD9EE379}" dt="2025-04-30T09:59:14.090" v="201" actId="20577"/>
             <ac:spMkLst>
               <pc:docMk/>
               <pc:sldMasterMk cId="582609979" sldId="2147483648"/>
@@ -830,8 +798,8 @@
               <ac:spMk id="13" creationId="{B5C74B2A-748B-0740-1934-6885F2B1E828}"/>
             </ac:spMkLst>
           </pc:spChg>
-          <pc:spChg chg="mod">
-            <ac:chgData name="Vermeulen - van Gent, Sander" userId="e08259fd-81d2-4a86-9b20-28ba02d67a18" providerId="ADAL" clId="{B876D7DA-DFE9-446E-BF99-95F4DD9EE379}" dt="2025-04-09T09:47:36.282" v="10" actId="2711"/>
+          <pc:spChg chg="del mod">
+            <ac:chgData name="Vermeulen - van Gent, Sander" userId="e08259fd-81d2-4a86-9b20-28ba02d67a18" providerId="ADAL" clId="{B876D7DA-DFE9-446E-BF99-95F4DD9EE379}" dt="2025-04-30T09:59:36.635" v="203" actId="478"/>
             <ac:spMkLst>
               <pc:docMk/>
               <pc:sldMasterMk cId="582609979" sldId="2147483648"/>
@@ -839,8 +807,8 @@
               <ac:spMk id="14" creationId="{5571B4FA-5AE5-9A9D-0255-A58C8CD0F28C}"/>
             </ac:spMkLst>
           </pc:spChg>
-          <pc:spChg chg="mod">
-            <ac:chgData name="Vermeulen - van Gent, Sander" userId="e08259fd-81d2-4a86-9b20-28ba02d67a18" providerId="ADAL" clId="{B876D7DA-DFE9-446E-BF99-95F4DD9EE379}" dt="2025-04-09T09:47:36.282" v="10" actId="2711"/>
+          <pc:spChg chg="del mod">
+            <ac:chgData name="Vermeulen - van Gent, Sander" userId="e08259fd-81d2-4a86-9b20-28ba02d67a18" providerId="ADAL" clId="{B876D7DA-DFE9-446E-BF99-95F4DD9EE379}" dt="2025-04-30T09:59:36.635" v="203" actId="478"/>
             <ac:spMkLst>
               <pc:docMk/>
               <pc:sldMasterMk cId="582609979" sldId="2147483648"/>
@@ -848,8 +816,8 @@
               <ac:spMk id="15" creationId="{C2E38561-545A-6019-51B5-5CBFC5E5C694}"/>
             </ac:spMkLst>
           </pc:spChg>
-          <pc:spChg chg="mod">
-            <ac:chgData name="Vermeulen - van Gent, Sander" userId="e08259fd-81d2-4a86-9b20-28ba02d67a18" providerId="ADAL" clId="{B876D7DA-DFE9-446E-BF99-95F4DD9EE379}" dt="2025-04-09T09:47:36.282" v="10" actId="2711"/>
+          <pc:spChg chg="del mod">
+            <ac:chgData name="Vermeulen - van Gent, Sander" userId="e08259fd-81d2-4a86-9b20-28ba02d67a18" providerId="ADAL" clId="{B876D7DA-DFE9-446E-BF99-95F4DD9EE379}" dt="2025-04-30T09:59:36.635" v="203" actId="478"/>
             <ac:spMkLst>
               <pc:docMk/>
               <pc:sldMasterMk cId="582609979" sldId="2147483648"/>
@@ -858,7 +826,7 @@
             </ac:spMkLst>
           </pc:spChg>
           <pc:spChg chg="mod">
-            <ac:chgData name="Vermeulen - van Gent, Sander" userId="e08259fd-81d2-4a86-9b20-28ba02d67a18" providerId="ADAL" clId="{B876D7DA-DFE9-446E-BF99-95F4DD9EE379}" dt="2025-04-09T09:47:36.282" v="10" actId="2711"/>
+            <ac:chgData name="Vermeulen - van Gent, Sander" userId="e08259fd-81d2-4a86-9b20-28ba02d67a18" providerId="ADAL" clId="{B876D7DA-DFE9-446E-BF99-95F4DD9EE379}" dt="2025-04-30T10:56:38.630" v="209" actId="14100"/>
             <ac:spMkLst>
               <pc:docMk/>
               <pc:sldMasterMk cId="582609979" sldId="2147483648"/>
@@ -866,8 +834,8 @@
               <ac:spMk id="17" creationId="{3D7EF6FF-2FDF-DFF5-CEBD-A0147DE93889}"/>
             </ac:spMkLst>
           </pc:spChg>
-          <pc:cxnChg chg="mod">
-            <ac:chgData name="Vermeulen - van Gent, Sander" userId="e08259fd-81d2-4a86-9b20-28ba02d67a18" providerId="ADAL" clId="{B876D7DA-DFE9-446E-BF99-95F4DD9EE379}" dt="2025-04-09T09:47:36.282" v="10" actId="2711"/>
+          <pc:cxnChg chg="mod modVis">
+            <ac:chgData name="Vermeulen - van Gent, Sander" userId="e08259fd-81d2-4a86-9b20-28ba02d67a18" providerId="ADAL" clId="{B876D7DA-DFE9-446E-BF99-95F4DD9EE379}" dt="2025-04-30T10:59:21.168" v="212" actId="14430"/>
             <ac:cxnSpMkLst>
               <pc:docMk/>
               <pc:sldMasterMk cId="582609979" sldId="2147483648"/>
@@ -884,8 +852,8 @@
               <ac:cxnSpMk id="5" creationId="{024B5762-4C9B-2E1A-D584-EA7C43CAD9B0}"/>
             </ac:cxnSpMkLst>
           </pc:cxnChg>
-          <pc:cxnChg chg="mod">
-            <ac:chgData name="Vermeulen - van Gent, Sander" userId="e08259fd-81d2-4a86-9b20-28ba02d67a18" providerId="ADAL" clId="{B876D7DA-DFE9-446E-BF99-95F4DD9EE379}" dt="2025-04-09T09:47:36.282" v="10" actId="2711"/>
+          <pc:cxnChg chg="del mod">
+            <ac:chgData name="Vermeulen - van Gent, Sander" userId="e08259fd-81d2-4a86-9b20-28ba02d67a18" providerId="ADAL" clId="{B876D7DA-DFE9-446E-BF99-95F4DD9EE379}" dt="2025-04-30T10:56:43.954" v="211" actId="478"/>
             <ac:cxnSpMkLst>
               <pc:docMk/>
               <pc:sldMasterMk cId="582609979" sldId="2147483648"/>
@@ -1203,13 +1171,1802 @@
             </ac:spMkLst>
           </pc:spChg>
         </pc:sldLayoutChg>
+        <pc:sldLayoutChg chg="delSp modSp mod">
+          <pc:chgData name="Vermeulen - van Gent, Sander" userId="e08259fd-81d2-4a86-9b20-28ba02d67a18" providerId="ADAL" clId="{B876D7DA-DFE9-446E-BF99-95F4DD9EE379}" dt="2025-04-24T08:50:11.284" v="160" actId="962"/>
+          <pc:sldLayoutMkLst>
+            <pc:docMk/>
+            <pc:sldMasterMk cId="582609979" sldId="2147483648"/>
+            <pc:sldLayoutMk cId="2726465838" sldId="2147483709"/>
+          </pc:sldLayoutMkLst>
+          <pc:spChg chg="mod">
+            <ac:chgData name="Vermeulen - van Gent, Sander" userId="e08259fd-81d2-4a86-9b20-28ba02d67a18" providerId="ADAL" clId="{B876D7DA-DFE9-446E-BF99-95F4DD9EE379}" dt="2025-04-24T08:49:50.721" v="155" actId="20577"/>
+            <ac:spMkLst>
+              <pc:docMk/>
+              <pc:sldMasterMk cId="582609979" sldId="2147483648"/>
+              <pc:sldLayoutMk cId="2726465838" sldId="2147483709"/>
+              <ac:spMk id="11" creationId="{25BB0762-1AD0-F5A1-E01E-F53682EB8F5D}"/>
+            </ac:spMkLst>
+          </pc:spChg>
+          <pc:spChg chg="mod">
+            <ac:chgData name="Vermeulen - van Gent, Sander" userId="e08259fd-81d2-4a86-9b20-28ba02d67a18" providerId="ADAL" clId="{B876D7DA-DFE9-446E-BF99-95F4DD9EE379}" dt="2025-04-24T08:49:54.233" v="156"/>
+            <ac:spMkLst>
+              <pc:docMk/>
+              <pc:sldMasterMk cId="582609979" sldId="2147483648"/>
+              <pc:sldLayoutMk cId="2726465838" sldId="2147483709"/>
+              <ac:spMk id="13" creationId="{B5C74B2A-748B-0740-1934-6885F2B1E828}"/>
+            </ac:spMkLst>
+          </pc:spChg>
+          <pc:spChg chg="mod">
+            <ac:chgData name="Vermeulen - van Gent, Sander" userId="e08259fd-81d2-4a86-9b20-28ba02d67a18" providerId="ADAL" clId="{B876D7DA-DFE9-446E-BF99-95F4DD9EE379}" dt="2025-04-24T08:50:11.284" v="160" actId="962"/>
+            <ac:spMkLst>
+              <pc:docMk/>
+              <pc:sldMasterMk cId="582609979" sldId="2147483648"/>
+              <pc:sldLayoutMk cId="2726465838" sldId="2147483709"/>
+              <ac:spMk id="17" creationId="{33EB2F31-A51E-D3F5-6CA3-3AC4B7CB1972}"/>
+            </ac:spMkLst>
+          </pc:spChg>
+        </pc:sldLayoutChg>
       </pc:sldMasterChg>
     </pc:docChg>
   </pc:docChgLst>
 </pc:chgInfo>
 </file>
 
-<file path=ppt/charts/chart49281a6d348e.xml><?xml version="1.0" encoding="utf-8"?>
+<file path=ppt/charts/chart436412f06ebc.xml><?xml version="1.0" encoding="utf-8"?>
+<c:chartSpace xmlns:c="http://schemas.openxmlformats.org/drawingml/2006/chart" xmlns:a="http://schemas.openxmlformats.org/drawingml/2006/main" xmlns:r="http://schemas.openxmlformats.org/officeDocument/2006/relationships">
+  <c:date1904 val="0"/>
+  <c:lang val="fr-FR"/>
+  <c:roundedCorners val="0"/>
+  <mc:AlternateContent xmlns:mc="http://schemas.openxmlformats.org/markup-compatibility/2006">
+    <mc:Choice xmlns:c14="http://schemas.microsoft.com/office/drawing/2007/8/2/chart" Requires="c14">
+      <c14:style val="118"/>
+    </mc:Choice>
+    <mc:Fallback>
+      <c:style val="18"/>
+    </mc:Fallback>
+  </mc:AlternateContent>
+  <c:chart>
+    <c:title xmlns:c="http://schemas.openxmlformats.org/drawingml/2006/chart" xmlns:a="http://schemas.openxmlformats.org/drawingml/2006/main" xmlns:r="http://schemas.openxmlformats.org/officeDocument/2006/relationships">
+      <c:tx>
+        <c:rich>
+          <a:bodyPr/>
+          <a:lstStyle/>
+          <a:p>
+            <a:pPr>
+              <a:defRPr/>
+            </a:pPr>
+            <a:r>
+              <a:rPr cap="none" sz="900" i="0" b="1" u="none">
+                <a:solidFill>
+                  <a:srgbClr val="000000">
+                    <a:alpha val="100000"/>
+                  </a:srgbClr>
+                </a:solidFill>
+                <a:latin typeface="Calibri"/>
+                <a:cs typeface="Calibri"/>
+                <a:ea typeface="Calibri"/>
+                <a:sym typeface="Calibri"/>
+              </a:rPr>
+              <a:t>Heeft psychische klachten</a:t>
+            </a:r>
+          </a:p>
+        </c:rich>
+      </c:tx>
+      <c:layout/>
+      <c:overlay val="0"/>
+    </c:title>
+    <c:autoTitleDeleted val="0"/>
+    <c:plotArea xmlns:c="http://schemas.openxmlformats.org/drawingml/2006/chart" xmlns:a="http://schemas.openxmlformats.org/drawingml/2006/main" xmlns:r="http://schemas.openxmlformats.org/officeDocument/2006/relationships">
+      <c:layout/>
+      <c:barChart>
+        <c:barDir val="col"/>
+        <c:grouping val="clustered"/>
+        <c:varyColors val="0"/>
+        <c:ser>
+          <c:idx val="0"/>
+          <c:order val="0"/>
+          <c:tx>
+            <c:strRef>
+              <c:f>sheet1!$B$1</c:f>
+              <c:strCache>
+                <c:ptCount val="1"/>
+                <c:pt idx="0">
+                  <c:v>Jongen</c:v>
+                </c:pt>
+              </c:strCache>
+            </c:strRef>
+          </c:tx>
+          <c:spPr>
+            <a:solidFill>
+              <a:srgbClr val="005C96">
+                <a:alpha val="100000"/>
+              </a:srgbClr>
+            </a:solidFill>
+            <a:ln w="25400">
+              <a:solidFill>
+                <a:srgbClr val="FFFFFF">
+                  <a:alpha val="0"/>
+                </a:srgbClr>
+              </a:solidFill>
+            </a:ln>
+            <a:effectLst/>
+          </c:spPr>
+          <c:invertIfNegative val="0"/>
+          <c:dLbls>
+            <c:dLblPos val="outEnd"/>
+            <c:numFmt formatCode="0%" sourceLinked="0"/>
+            <c:separator val=", "/>
+            <c:showBubbleSize val="0"/>
+            <c:showCatName val="0"/>
+            <c:showLegendKey val="0"/>
+            <c:showPercent val="0"/>
+            <c:showSerName val="0"/>
+            <c:showVal val="1"/>
+            <c:txPr>
+              <a:bodyPr/>
+              <a:lstStyle/>
+              <a:p>
+                <a:pPr>
+                  <a:defRPr cap="none" sz="800" i="0" b="0" u="none">
+                    <a:solidFill>
+                      <a:srgbClr val="000000">
+                        <a:alpha val="100000"/>
+                      </a:srgbClr>
+                    </a:solidFill>
+                    <a:latin typeface="Calibri"/>
+                    <a:cs typeface="Calibri"/>
+                    <a:ea typeface="Calibri"/>
+                    <a:sym typeface="Calibri"/>
+                  </a:defRPr>
+                </a:pPr>
+              </a:p>
+            </c:txPr>
+          </c:dLbls>
+          <c:cat>
+            <c:strRef>
+              <c:f>sheet1!$A$2:$A$3</c:f>
+              <c:strCache>
+                <c:ptCount val="2"/>
+                <c:pt idx="0">
+                  <c:v>Klas 2</c:v>
+                </c:pt>
+                <c:pt idx="1">
+                  <c:v>Klas 4</c:v>
+                </c:pt>
+              </c:strCache>
+            </c:strRef>
+          </c:cat>
+          <c:val>
+            <c:numRef>
+              <c:f>sheet1!$B$2:$B$3</c:f>
+              <c:numCache>
+                <c:ptCount val="2"/>
+                <c:pt idx="0">
+                  <c:v>0.2942601</c:v>
+                </c:pt>
+                <c:pt idx="1">
+                  <c:v>0.2788376</c:v>
+                </c:pt>
+              </c:numCache>
+            </c:numRef>
+          </c:val>
+        </c:ser>
+        <c:ser>
+          <c:idx val="1"/>
+          <c:order val="1"/>
+          <c:tx>
+            <c:strRef>
+              <c:f>sheet1!$C$1</c:f>
+              <c:strCache>
+                <c:ptCount val="1"/>
+                <c:pt idx="0">
+                  <c:v>Meisje</c:v>
+                </c:pt>
+              </c:strCache>
+            </c:strRef>
+          </c:tx>
+          <c:spPr>
+            <a:solidFill>
+              <a:srgbClr val="6FC7FF">
+                <a:alpha val="100000"/>
+              </a:srgbClr>
+            </a:solidFill>
+            <a:ln w="25400">
+              <a:solidFill>
+                <a:srgbClr val="FFFFFF">
+                  <a:alpha val="0"/>
+                </a:srgbClr>
+              </a:solidFill>
+            </a:ln>
+            <a:effectLst/>
+          </c:spPr>
+          <c:invertIfNegative val="0"/>
+          <c:dLbls>
+            <c:dLblPos val="outEnd"/>
+            <c:numFmt formatCode="0%" sourceLinked="0"/>
+            <c:separator val=", "/>
+            <c:showBubbleSize val="0"/>
+            <c:showCatName val="0"/>
+            <c:showLegendKey val="0"/>
+            <c:showPercent val="0"/>
+            <c:showSerName val="0"/>
+            <c:showVal val="1"/>
+            <c:txPr>
+              <a:bodyPr/>
+              <a:lstStyle/>
+              <a:p>
+                <a:pPr>
+                  <a:defRPr cap="none" sz="800" i="0" b="0" u="none">
+                    <a:solidFill>
+                      <a:srgbClr val="000000">
+                        <a:alpha val="100000"/>
+                      </a:srgbClr>
+                    </a:solidFill>
+                    <a:latin typeface="Calibri"/>
+                    <a:cs typeface="Calibri"/>
+                    <a:ea typeface="Calibri"/>
+                    <a:sym typeface="Calibri"/>
+                  </a:defRPr>
+                </a:pPr>
+              </a:p>
+            </c:txPr>
+          </c:dLbls>
+          <c:cat>
+            <c:strRef>
+              <c:f>sheet1!$A$2:$A$3</c:f>
+              <c:strCache>
+                <c:ptCount val="2"/>
+                <c:pt idx="0">
+                  <c:v>Klas 2</c:v>
+                </c:pt>
+                <c:pt idx="1">
+                  <c:v>Klas 4</c:v>
+                </c:pt>
+              </c:strCache>
+            </c:strRef>
+          </c:cat>
+          <c:val>
+            <c:numRef>
+              <c:f>sheet1!$C$2:$C$3</c:f>
+              <c:numCache>
+                <c:ptCount val="2"/>
+                <c:pt idx="0">
+                  <c:v>0.2950323</c:v>
+                </c:pt>
+                <c:pt idx="1">
+                  <c:v>0.2381023</c:v>
+                </c:pt>
+              </c:numCache>
+            </c:numRef>
+          </c:val>
+        </c:ser>
+        <c:dLbls>
+          <c:dLblPos val="outEnd"/>
+          <c:numFmt formatCode="0%" sourceLinked="0"/>
+          <c:separator val=", "/>
+          <c:showBubbleSize val="0"/>
+          <c:showCatName val="0"/>
+          <c:showLegendKey val="0"/>
+          <c:showPercent val="0"/>
+          <c:showSerName val="0"/>
+          <c:showVal val="1"/>
+        </c:dLbls>
+        <c:gapWidth val="150"/>
+        <c:overlap val="0"/>
+        <c:axId val="64451712"/>
+        <c:axId val="64453248"/>
+      </c:barChart>
+      <c:catAx>
+        <c:axId val="64451712"/>
+        <c:scaling>
+          <c:orientation val="minMax"/>
+        </c:scaling>
+        <c:delete val="0"/>
+        <c:axPos val="l"/>
+        <c:majorTickMark val="none"/>
+        <c:minorTickMark val="none"/>
+        <c:tickLblPos val="nextTo"/>
+        <c:txPr>
+          <a:bodyPr rot="0" vert="horz"/>
+          <a:lstStyle/>
+          <a:p>
+            <a:pPr>
+              <a:defRPr cap="none" sz="800" i="0" b="0" u="none">
+                <a:solidFill>
+                  <a:srgbClr val="000000">
+                    <a:alpha val="100000"/>
+                  </a:srgbClr>
+                </a:solidFill>
+                <a:latin typeface="Calibri"/>
+                <a:cs typeface="Calibri"/>
+                <a:ea typeface="Calibri"/>
+                <a:sym typeface="Calibri"/>
+              </a:defRPr>
+            </a:pPr>
+          </a:p>
+        </c:txPr>
+        <c:spPr>
+          <a:ln algn="ctr" w="12700">
+            <a:solidFill>
+              <a:srgbClr val="000000">
+                <a:alpha val="100000"/>
+              </a:srgbClr>
+            </a:solidFill>
+            <a:prstDash val="solid"/>
+          </a:ln>
+        </c:spPr>
+        <c:numFmt formatCode="General" sourceLinked="0"/>
+        <c:crossAx val="64453248"/>
+        <c:crosses val="autoZero"/>
+      </c:catAx>
+      <c:valAx>
+        <c:axId val="64453248"/>
+        <c:scaling>
+          <c:orientation val="minMax"/>
+          <c:max val="1.00"/>
+          <c:min val="0.00"/>
+        </c:scaling>
+        <c:delete val="0"/>
+        <c:axPos val="l"/>
+        <c:majorTickMark val="none"/>
+        <c:minorTickMark val="none"/>
+        <c:tickLblPos val="nextTo"/>
+        <c:txPr>
+          <a:bodyPr rot="0" vert="horz"/>
+          <a:lstStyle/>
+          <a:p>
+            <a:pPr>
+              <a:defRPr cap="none" sz="900" i="0" b="0" u="none">
+                <a:solidFill>
+                  <a:srgbClr val="000000">
+                    <a:alpha val="100000"/>
+                  </a:srgbClr>
+                </a:solidFill>
+                <a:latin typeface="Calibri"/>
+                <a:cs typeface="Calibri"/>
+                <a:ea typeface="Calibri"/>
+                <a:sym typeface="Calibri"/>
+              </a:defRPr>
+            </a:pPr>
+          </a:p>
+        </c:txPr>
+        <c:spPr>
+          <a:ln algn="ctr" w="12700">
+            <a:solidFill>
+              <a:srgbClr val="000000">
+                <a:alpha val="100000"/>
+              </a:srgbClr>
+            </a:solidFill>
+            <a:prstDash val="solid"/>
+          </a:ln>
+        </c:spPr>
+        <c:numFmt formatCode="0%" sourceLinked="0"/>
+        <c:crossAx val="64451712"/>
+        <c:crosses val="autoZero"/>
+      </c:valAx>
+    </c:plotArea>
+    <c:legend>
+      <c:legendPos val="b"/>
+      <c:layout/>
+      <c:overlay val="0"/>
+      <c:txPr xmlns:c="http://schemas.openxmlformats.org/drawingml/2006/chart" xmlns:a="http://schemas.openxmlformats.org/drawingml/2006/main">
+        <a:bodyPr/>
+        <a:lstStyle/>
+        <a:p>
+          <a:pPr>
+            <a:defRPr cap="none" sz="900" i="0" b="0" u="none">
+              <a:solidFill>
+                <a:srgbClr val="000000">
+                  <a:alpha val="100000"/>
+                </a:srgbClr>
+              </a:solidFill>
+              <a:latin typeface="Calibri"/>
+              <a:cs typeface="Calibri"/>
+              <a:ea typeface="Calibri"/>
+              <a:sym typeface="Calibri"/>
+            </a:defRPr>
+          </a:pPr>
+        </a:p>
+      </c:txPr>
+    </c:legend>
+    <c:plotVisOnly val="1"/>
+    <c:dispBlanksAs val="gap"/>
+    <c:showDLblsOverMax val="0"/>
+  </c:chart>
+  <c:txPr>
+    <a:bodyPr/>
+    <a:lstStyle/>
+    <a:p>
+      <a:pPr>
+        <a:defRPr sz="1800"/>
+      </a:pPr>
+      <a:endParaRPr lang="fr-FR"/>
+    </a:p>
+  </c:txPr>
+  <c:externalData r:id="rId1">
+    <c:autoUpdate val="0"/>
+  </c:externalData>
+</c:chartSpace>
+</file>
+
+<file path=ppt/charts/chart43643251f21.xml><?xml version="1.0" encoding="utf-8"?>
+<c:chartSpace xmlns:c="http://schemas.openxmlformats.org/drawingml/2006/chart" xmlns:a="http://schemas.openxmlformats.org/drawingml/2006/main" xmlns:r="http://schemas.openxmlformats.org/officeDocument/2006/relationships">
+  <c:date1904 val="0"/>
+  <c:lang val="fr-FR"/>
+  <c:roundedCorners val="0"/>
+  <mc:AlternateContent xmlns:mc="http://schemas.openxmlformats.org/markup-compatibility/2006">
+    <mc:Choice xmlns:c14="http://schemas.microsoft.com/office/drawing/2007/8/2/chart" Requires="c14">
+      <c14:style val="118"/>
+    </mc:Choice>
+    <mc:Fallback>
+      <c:style val="18"/>
+    </mc:Fallback>
+  </mc:AlternateContent>
+  <c:chart>
+    <c:title xmlns:c="http://schemas.openxmlformats.org/drawingml/2006/chart" xmlns:a="http://schemas.openxmlformats.org/drawingml/2006/main" xmlns:r="http://schemas.openxmlformats.org/officeDocument/2006/relationships">
+      <c:tx>
+        <c:rich>
+          <a:bodyPr/>
+          <a:lstStyle/>
+          <a:p>
+            <a:pPr>
+              <a:defRPr/>
+            </a:pPr>
+            <a:r>
+              <a:rPr cap="none" sz="900" i="0" b="1" u="none">
+                <a:solidFill>
+                  <a:srgbClr val="000000">
+                    <a:alpha val="100000"/>
+                  </a:srgbClr>
+                </a:solidFill>
+                <a:latin typeface="Calibri"/>
+                <a:cs typeface="Calibri"/>
+                <a:ea typeface="Calibri"/>
+                <a:sym typeface="Calibri"/>
+              </a:rPr>
+              <a:t>Heeft psychische klachten</a:t>
+            </a:r>
+          </a:p>
+        </c:rich>
+      </c:tx>
+      <c:layout/>
+      <c:overlay val="0"/>
+    </c:title>
+    <c:autoTitleDeleted val="0"/>
+    <c:plotArea xmlns:c="http://schemas.openxmlformats.org/drawingml/2006/chart" xmlns:a="http://schemas.openxmlformats.org/drawingml/2006/main" xmlns:r="http://schemas.openxmlformats.org/officeDocument/2006/relationships">
+      <c:layout/>
+      <c:barChart>
+        <c:barDir val="col"/>
+        <c:grouping val="clustered"/>
+        <c:varyColors val="0"/>
+        <c:ser>
+          <c:idx val="0"/>
+          <c:order val="0"/>
+          <c:tx>
+            <c:strRef>
+              <c:f>sheet1!$B$1</c:f>
+              <c:strCache>
+                <c:ptCount val="1"/>
+                <c:pt idx="0">
+                  <c:v>Klas 2</c:v>
+                </c:pt>
+              </c:strCache>
+            </c:strRef>
+          </c:tx>
+          <c:spPr>
+            <a:solidFill>
+              <a:srgbClr val="005C96">
+                <a:alpha val="100000"/>
+              </a:srgbClr>
+            </a:solidFill>
+            <a:ln w="25400">
+              <a:solidFill>
+                <a:srgbClr val="FFFFFF">
+                  <a:alpha val="0"/>
+                </a:srgbClr>
+              </a:solidFill>
+            </a:ln>
+            <a:effectLst/>
+          </c:spPr>
+          <c:invertIfNegative val="0"/>
+          <c:dLbls>
+            <c:dLblPos val="outEnd"/>
+            <c:numFmt formatCode="0%" sourceLinked="0"/>
+            <c:separator val=", "/>
+            <c:showBubbleSize val="0"/>
+            <c:showCatName val="0"/>
+            <c:showLegendKey val="0"/>
+            <c:showPercent val="0"/>
+            <c:showSerName val="0"/>
+            <c:showVal val="1"/>
+            <c:txPr>
+              <a:bodyPr/>
+              <a:lstStyle/>
+              <a:p>
+                <a:pPr>
+                  <a:defRPr cap="none" sz="800" i="0" b="0" u="none">
+                    <a:solidFill>
+                      <a:srgbClr val="000000">
+                        <a:alpha val="100000"/>
+                      </a:srgbClr>
+                    </a:solidFill>
+                    <a:latin typeface="Calibri"/>
+                    <a:cs typeface="Calibri"/>
+                    <a:ea typeface="Calibri"/>
+                    <a:sym typeface="Calibri"/>
+                  </a:defRPr>
+                </a:pPr>
+              </a:p>
+            </c:txPr>
+          </c:dLbls>
+          <c:cat>
+            <c:strRef>
+              <c:f>sheet1!$A$2:$A$2</c:f>
+              <c:strCache>
+                <c:ptCount val="1"/>
+                <c:pt idx="0">
+                  <c:v>Ja</c:v>
+                </c:pt>
+              </c:strCache>
+            </c:strRef>
+          </c:cat>
+          <c:val>
+            <c:numRef>
+              <c:f>sheet1!$B$2:$B$2</c:f>
+              <c:numCache>
+                <c:ptCount val="1"/>
+                <c:pt idx="0">
+                  <c:v>0.2994161</c:v>
+                </c:pt>
+              </c:numCache>
+            </c:numRef>
+          </c:val>
+        </c:ser>
+        <c:ser>
+          <c:idx val="1"/>
+          <c:order val="1"/>
+          <c:tx>
+            <c:strRef>
+              <c:f>sheet1!$C$1</c:f>
+              <c:strCache>
+                <c:ptCount val="1"/>
+                <c:pt idx="0">
+                  <c:v>Klas 4</c:v>
+                </c:pt>
+              </c:strCache>
+            </c:strRef>
+          </c:tx>
+          <c:spPr>
+            <a:solidFill>
+              <a:srgbClr val="6FC7FF">
+                <a:alpha val="100000"/>
+              </a:srgbClr>
+            </a:solidFill>
+            <a:ln w="25400">
+              <a:solidFill>
+                <a:srgbClr val="FFFFFF">
+                  <a:alpha val="0"/>
+                </a:srgbClr>
+              </a:solidFill>
+            </a:ln>
+            <a:effectLst/>
+          </c:spPr>
+          <c:invertIfNegative val="0"/>
+          <c:dLbls>
+            <c:dLblPos val="outEnd"/>
+            <c:numFmt formatCode="0%" sourceLinked="0"/>
+            <c:separator val=", "/>
+            <c:showBubbleSize val="0"/>
+            <c:showCatName val="0"/>
+            <c:showLegendKey val="0"/>
+            <c:showPercent val="0"/>
+            <c:showSerName val="0"/>
+            <c:showVal val="1"/>
+            <c:txPr>
+              <a:bodyPr/>
+              <a:lstStyle/>
+              <a:p>
+                <a:pPr>
+                  <a:defRPr cap="none" sz="800" i="0" b="0" u="none">
+                    <a:solidFill>
+                      <a:srgbClr val="000000">
+                        <a:alpha val="100000"/>
+                      </a:srgbClr>
+                    </a:solidFill>
+                    <a:latin typeface="Calibri"/>
+                    <a:cs typeface="Calibri"/>
+                    <a:ea typeface="Calibri"/>
+                    <a:sym typeface="Calibri"/>
+                  </a:defRPr>
+                </a:pPr>
+              </a:p>
+            </c:txPr>
+          </c:dLbls>
+          <c:cat>
+            <c:strRef>
+              <c:f>sheet1!$A$2:$A$2</c:f>
+              <c:strCache>
+                <c:ptCount val="1"/>
+                <c:pt idx="0">
+                  <c:v>Ja</c:v>
+                </c:pt>
+              </c:strCache>
+            </c:strRef>
+          </c:cat>
+          <c:val>
+            <c:numRef>
+              <c:f>sheet1!$C$2:$C$2</c:f>
+              <c:numCache>
+                <c:ptCount val="1"/>
+                <c:pt idx="0">
+                  <c:v>0.2597708</c:v>
+                </c:pt>
+              </c:numCache>
+            </c:numRef>
+          </c:val>
+        </c:ser>
+        <c:dLbls>
+          <c:dLblPos val="outEnd"/>
+          <c:numFmt formatCode="0%" sourceLinked="0"/>
+          <c:separator val=", "/>
+          <c:showBubbleSize val="0"/>
+          <c:showCatName val="0"/>
+          <c:showLegendKey val="0"/>
+          <c:showPercent val="0"/>
+          <c:showSerName val="0"/>
+          <c:showVal val="1"/>
+        </c:dLbls>
+        <c:gapWidth val="150"/>
+        <c:overlap val="0"/>
+        <c:axId val="64451712"/>
+        <c:axId val="64453248"/>
+      </c:barChart>
+      <c:catAx>
+        <c:axId val="64451712"/>
+        <c:scaling>
+          <c:orientation val="minMax"/>
+        </c:scaling>
+        <c:delete val="0"/>
+        <c:axPos val="l"/>
+        <c:majorTickMark val="none"/>
+        <c:minorTickMark val="none"/>
+        <c:tickLblPos val="nextTo"/>
+        <c:txPr>
+          <a:bodyPr rot="0" vert="horz"/>
+          <a:lstStyle/>
+          <a:p>
+            <a:pPr>
+              <a:defRPr cap="none" sz="800" i="0" b="0" u="none">
+                <a:solidFill>
+                  <a:srgbClr val="000000">
+                    <a:alpha val="100000"/>
+                  </a:srgbClr>
+                </a:solidFill>
+                <a:latin typeface="Calibri"/>
+                <a:cs typeface="Calibri"/>
+                <a:ea typeface="Calibri"/>
+                <a:sym typeface="Calibri"/>
+              </a:defRPr>
+            </a:pPr>
+          </a:p>
+        </c:txPr>
+        <c:spPr>
+          <a:ln algn="ctr" w="12700">
+            <a:solidFill>
+              <a:srgbClr val="000000">
+                <a:alpha val="100000"/>
+              </a:srgbClr>
+            </a:solidFill>
+            <a:prstDash val="solid"/>
+          </a:ln>
+        </c:spPr>
+        <c:numFmt formatCode="General" sourceLinked="0"/>
+        <c:crossAx val="64453248"/>
+        <c:crosses val="autoZero"/>
+      </c:catAx>
+      <c:valAx>
+        <c:axId val="64453248"/>
+        <c:scaling>
+          <c:orientation val="minMax"/>
+          <c:max val="1.00"/>
+          <c:min val="0.00"/>
+        </c:scaling>
+        <c:delete val="0"/>
+        <c:axPos val="l"/>
+        <c:majorTickMark val="none"/>
+        <c:minorTickMark val="none"/>
+        <c:tickLblPos val="nextTo"/>
+        <c:txPr>
+          <a:bodyPr rot="0" vert="horz"/>
+          <a:lstStyle/>
+          <a:p>
+            <a:pPr>
+              <a:defRPr cap="none" sz="900" i="0" b="0" u="none">
+                <a:solidFill>
+                  <a:srgbClr val="000000">
+                    <a:alpha val="100000"/>
+                  </a:srgbClr>
+                </a:solidFill>
+                <a:latin typeface="Calibri"/>
+                <a:cs typeface="Calibri"/>
+                <a:ea typeface="Calibri"/>
+                <a:sym typeface="Calibri"/>
+              </a:defRPr>
+            </a:pPr>
+          </a:p>
+        </c:txPr>
+        <c:spPr>
+          <a:ln algn="ctr" w="12700">
+            <a:solidFill>
+              <a:srgbClr val="000000">
+                <a:alpha val="100000"/>
+              </a:srgbClr>
+            </a:solidFill>
+            <a:prstDash val="solid"/>
+          </a:ln>
+        </c:spPr>
+        <c:numFmt formatCode="0%" sourceLinked="0"/>
+        <c:crossAx val="64451712"/>
+        <c:crosses val="autoZero"/>
+      </c:valAx>
+    </c:plotArea>
+    <c:legend>
+      <c:legendPos val="b"/>
+      <c:layout/>
+      <c:overlay val="0"/>
+      <c:txPr xmlns:c="http://schemas.openxmlformats.org/drawingml/2006/chart" xmlns:a="http://schemas.openxmlformats.org/drawingml/2006/main">
+        <a:bodyPr/>
+        <a:lstStyle/>
+        <a:p>
+          <a:pPr>
+            <a:defRPr cap="none" sz="900" i="0" b="0" u="none">
+              <a:solidFill>
+                <a:srgbClr val="000000">
+                  <a:alpha val="100000"/>
+                </a:srgbClr>
+              </a:solidFill>
+              <a:latin typeface="Calibri"/>
+              <a:cs typeface="Calibri"/>
+              <a:ea typeface="Calibri"/>
+              <a:sym typeface="Calibri"/>
+            </a:defRPr>
+          </a:pPr>
+        </a:p>
+      </c:txPr>
+    </c:legend>
+    <c:plotVisOnly val="1"/>
+    <c:dispBlanksAs val="gap"/>
+    <c:showDLblsOverMax val="0"/>
+  </c:chart>
+  <c:txPr>
+    <a:bodyPr/>
+    <a:lstStyle/>
+    <a:p>
+      <a:pPr>
+        <a:defRPr sz="1800"/>
+      </a:pPr>
+      <a:endParaRPr lang="fr-FR"/>
+    </a:p>
+  </c:txPr>
+  <c:externalData r:id="rId1">
+    <c:autoUpdate val="0"/>
+  </c:externalData>
+</c:chartSpace>
+</file>
+
+<file path=ppt/charts/chart43643b676156.xml><?xml version="1.0" encoding="utf-8"?>
+<c:chartSpace xmlns:c="http://schemas.openxmlformats.org/drawingml/2006/chart" xmlns:a="http://schemas.openxmlformats.org/drawingml/2006/main" xmlns:r="http://schemas.openxmlformats.org/officeDocument/2006/relationships">
+  <c:date1904 val="0"/>
+  <c:lang val="fr-FR"/>
+  <c:roundedCorners val="0"/>
+  <mc:AlternateContent xmlns:mc="http://schemas.openxmlformats.org/markup-compatibility/2006">
+    <mc:Choice xmlns:c14="http://schemas.microsoft.com/office/drawing/2007/8/2/chart" Requires="c14">
+      <c14:style val="118"/>
+    </mc:Choice>
+    <mc:Fallback>
+      <c:style val="18"/>
+    </mc:Fallback>
+  </mc:AlternateContent>
+  <c:chart>
+    <c:title xmlns:c="http://schemas.openxmlformats.org/drawingml/2006/chart" xmlns:a="http://schemas.openxmlformats.org/drawingml/2006/main" xmlns:r="http://schemas.openxmlformats.org/officeDocument/2006/relationships">
+      <c:tx>
+        <c:rich>
+          <a:bodyPr/>
+          <a:lstStyle/>
+          <a:p>
+            <a:pPr>
+              <a:defRPr/>
+            </a:pPr>
+            <a:r>
+              <a:rPr cap="none" sz="900" i="0" b="1" u="none">
+                <a:solidFill>
+                  <a:srgbClr val="000000">
+                    <a:alpha val="100000"/>
+                  </a:srgbClr>
+                </a:solidFill>
+                <a:latin typeface="Calibri"/>
+                <a:cs typeface="Calibri"/>
+                <a:ea typeface="Calibri"/>
+                <a:sym typeface="Calibri"/>
+              </a:rPr>
+              <a:t>Heeft psychische klachten</a:t>
+            </a:r>
+          </a:p>
+        </c:rich>
+      </c:tx>
+      <c:layout/>
+      <c:overlay val="0"/>
+    </c:title>
+    <c:autoTitleDeleted val="0"/>
+    <c:plotArea xmlns:c="http://schemas.openxmlformats.org/drawingml/2006/chart" xmlns:a="http://schemas.openxmlformats.org/drawingml/2006/main" xmlns:r="http://schemas.openxmlformats.org/officeDocument/2006/relationships">
+      <c:layout/>
+      <c:barChart>
+        <c:barDir val="col"/>
+        <c:grouping val="clustered"/>
+        <c:varyColors val="0"/>
+        <c:ser>
+          <c:idx val="0"/>
+          <c:order val="0"/>
+          <c:tx>
+            <c:strRef>
+              <c:f>sheet1!$B$1</c:f>
+              <c:strCache>
+                <c:ptCount val="1"/>
+                <c:pt idx="0">
+                  <c:v>Zandwijk</c:v>
+                </c:pt>
+              </c:strCache>
+            </c:strRef>
+          </c:tx>
+          <c:spPr>
+            <a:solidFill>
+              <a:srgbClr val="005C96">
+                <a:alpha val="100000"/>
+              </a:srgbClr>
+            </a:solidFill>
+            <a:ln w="25400">
+              <a:solidFill>
+                <a:srgbClr val="FFFFFF">
+                  <a:alpha val="0"/>
+                </a:srgbClr>
+              </a:solidFill>
+            </a:ln>
+            <a:effectLst/>
+          </c:spPr>
+          <c:invertIfNegative val="0"/>
+          <c:dLbls>
+            <c:dLblPos val="outEnd"/>
+            <c:numFmt formatCode="0%" sourceLinked="0"/>
+            <c:separator val=", "/>
+            <c:showBubbleSize val="0"/>
+            <c:showCatName val="0"/>
+            <c:showLegendKey val="0"/>
+            <c:showPercent val="0"/>
+            <c:showSerName val="0"/>
+            <c:showVal val="1"/>
+            <c:txPr>
+              <a:bodyPr/>
+              <a:lstStyle/>
+              <a:p>
+                <a:pPr>
+                  <a:defRPr cap="none" sz="800" i="0" b="0" u="none">
+                    <a:solidFill>
+                      <a:srgbClr val="000000">
+                        <a:alpha val="100000"/>
+                      </a:srgbClr>
+                    </a:solidFill>
+                    <a:latin typeface="Calibri"/>
+                    <a:cs typeface="Calibri"/>
+                    <a:ea typeface="Calibri"/>
+                    <a:sym typeface="Calibri"/>
+                  </a:defRPr>
+                </a:pPr>
+              </a:p>
+            </c:txPr>
+          </c:dLbls>
+          <c:cat>
+            <c:strRef>
+              <c:f>sheet1!$A$2:$A$3</c:f>
+              <c:strCache>
+                <c:ptCount val="2"/>
+                <c:pt idx="0">
+                  <c:v>Psychische klachten</c:v>
+                </c:pt>
+                <c:pt idx="1">
+                  <c:v>Ervaren gezondheid</c:v>
+                </c:pt>
+              </c:strCache>
+            </c:strRef>
+          </c:cat>
+          <c:val>
+            <c:numRef>
+              <c:f>sheet1!$B$2:$B$3</c:f>
+              <c:numCache>
+                <c:ptCount val="2"/>
+                <c:pt idx="0">
+                  <c:v>0.2805121</c:v>
+                </c:pt>
+                <c:pt idx="1">
+                  <c:v>0.3122552</c:v>
+                </c:pt>
+              </c:numCache>
+            </c:numRef>
+          </c:val>
+        </c:ser>
+        <c:ser>
+          <c:idx val="1"/>
+          <c:order val="1"/>
+          <c:tx>
+            <c:strRef>
+              <c:f>sheet1!$C$1</c:f>
+              <c:strCache>
+                <c:ptCount val="1"/>
+                <c:pt idx="0">
+                  <c:v>Nederland</c:v>
+                </c:pt>
+              </c:strCache>
+            </c:strRef>
+          </c:tx>
+          <c:spPr>
+            <a:solidFill>
+              <a:srgbClr val="E54800">
+                <a:alpha val="100000"/>
+              </a:srgbClr>
+            </a:solidFill>
+            <a:ln w="25400">
+              <a:solidFill>
+                <a:srgbClr val="FFFFFF">
+                  <a:alpha val="0"/>
+                </a:srgbClr>
+              </a:solidFill>
+            </a:ln>
+            <a:effectLst/>
+          </c:spPr>
+          <c:invertIfNegative val="0"/>
+          <c:dLbls>
+            <c:dLblPos val="outEnd"/>
+            <c:numFmt formatCode="0%" sourceLinked="0"/>
+            <c:separator val=", "/>
+            <c:showBubbleSize val="0"/>
+            <c:showCatName val="0"/>
+            <c:showLegendKey val="0"/>
+            <c:showPercent val="0"/>
+            <c:showSerName val="0"/>
+            <c:showVal val="1"/>
+            <c:txPr>
+              <a:bodyPr/>
+              <a:lstStyle/>
+              <a:p>
+                <a:pPr>
+                  <a:defRPr cap="none" sz="800" i="0" b="0" u="none">
+                    <a:solidFill>
+                      <a:srgbClr val="000000">
+                        <a:alpha val="100000"/>
+                      </a:srgbClr>
+                    </a:solidFill>
+                    <a:latin typeface="Calibri"/>
+                    <a:cs typeface="Calibri"/>
+                    <a:ea typeface="Calibri"/>
+                    <a:sym typeface="Calibri"/>
+                  </a:defRPr>
+                </a:pPr>
+              </a:p>
+            </c:txPr>
+          </c:dLbls>
+          <c:cat>
+            <c:strRef>
+              <c:f>sheet1!$A$2:$A$3</c:f>
+              <c:strCache>
+                <c:ptCount val="2"/>
+                <c:pt idx="0">
+                  <c:v>Psychische klachten</c:v>
+                </c:pt>
+                <c:pt idx="1">
+                  <c:v>Ervaren gezondheid</c:v>
+                </c:pt>
+              </c:strCache>
+            </c:strRef>
+          </c:cat>
+          <c:val>
+            <c:numRef>
+              <c:f>sheet1!$C$2:$C$3</c:f>
+              <c:numCache>
+                <c:ptCount val="2"/>
+                <c:pt idx="0">
+                  <c:v>0.2753591</c:v>
+                </c:pt>
+                <c:pt idx="1">
+                  <c:v>0.3070725</c:v>
+                </c:pt>
+              </c:numCache>
+            </c:numRef>
+          </c:val>
+        </c:ser>
+        <c:dLbls>
+          <c:dLblPos val="outEnd"/>
+          <c:numFmt formatCode="0%" sourceLinked="0"/>
+          <c:separator val=", "/>
+          <c:showBubbleSize val="0"/>
+          <c:showCatName val="0"/>
+          <c:showLegendKey val="0"/>
+          <c:showPercent val="0"/>
+          <c:showSerName val="0"/>
+          <c:showVal val="1"/>
+        </c:dLbls>
+        <c:gapWidth val="150"/>
+        <c:overlap val="0"/>
+        <c:axId val="64451712"/>
+        <c:axId val="64453248"/>
+      </c:barChart>
+      <c:catAx>
+        <c:axId val="64451712"/>
+        <c:scaling>
+          <c:orientation val="minMax"/>
+        </c:scaling>
+        <c:delete val="0"/>
+        <c:axPos val="l"/>
+        <c:majorTickMark val="none"/>
+        <c:minorTickMark val="none"/>
+        <c:tickLblPos val="nextTo"/>
+        <c:txPr>
+          <a:bodyPr rot="0" vert="horz"/>
+          <a:lstStyle/>
+          <a:p>
+            <a:pPr>
+              <a:defRPr cap="none" sz="800" i="0" b="0" u="none">
+                <a:solidFill>
+                  <a:srgbClr val="000000">
+                    <a:alpha val="100000"/>
+                  </a:srgbClr>
+                </a:solidFill>
+                <a:latin typeface="Calibri"/>
+                <a:cs typeface="Calibri"/>
+                <a:ea typeface="Calibri"/>
+                <a:sym typeface="Calibri"/>
+              </a:defRPr>
+            </a:pPr>
+          </a:p>
+        </c:txPr>
+        <c:spPr>
+          <a:ln algn="ctr" w="12700">
+            <a:solidFill>
+              <a:srgbClr val="000000">
+                <a:alpha val="100000"/>
+              </a:srgbClr>
+            </a:solidFill>
+            <a:prstDash val="solid"/>
+          </a:ln>
+        </c:spPr>
+        <c:numFmt formatCode="General" sourceLinked="0"/>
+        <c:crossAx val="64453248"/>
+        <c:crosses val="autoZero"/>
+      </c:catAx>
+      <c:valAx>
+        <c:axId val="64453248"/>
+        <c:scaling>
+          <c:orientation val="minMax"/>
+          <c:max val="0.30"/>
+          <c:min val="0.00"/>
+        </c:scaling>
+        <c:delete val="0"/>
+        <c:axPos val="l"/>
+        <c:majorTickMark val="none"/>
+        <c:minorTickMark val="none"/>
+        <c:tickLblPos val="nextTo"/>
+        <c:txPr>
+          <a:bodyPr rot="0" vert="horz"/>
+          <a:lstStyle/>
+          <a:p>
+            <a:pPr>
+              <a:defRPr cap="none" sz="900" i="0" b="0" u="none">
+                <a:solidFill>
+                  <a:srgbClr val="000000">
+                    <a:alpha val="100000"/>
+                  </a:srgbClr>
+                </a:solidFill>
+                <a:latin typeface="Calibri"/>
+                <a:cs typeface="Calibri"/>
+                <a:ea typeface="Calibri"/>
+                <a:sym typeface="Calibri"/>
+              </a:defRPr>
+            </a:pPr>
+          </a:p>
+        </c:txPr>
+        <c:spPr>
+          <a:ln algn="ctr" w="12700">
+            <a:solidFill>
+              <a:srgbClr val="000000">
+                <a:alpha val="100000"/>
+              </a:srgbClr>
+            </a:solidFill>
+            <a:prstDash val="solid"/>
+          </a:ln>
+        </c:spPr>
+        <c:numFmt formatCode="0%" sourceLinked="0"/>
+        <c:crossAx val="64451712"/>
+        <c:crosses val="autoZero"/>
+      </c:valAx>
+    </c:plotArea>
+    <c:legend>
+      <c:legendPos val="b"/>
+      <c:layout/>
+      <c:overlay val="0"/>
+      <c:txPr xmlns:c="http://schemas.openxmlformats.org/drawingml/2006/chart" xmlns:a="http://schemas.openxmlformats.org/drawingml/2006/main">
+        <a:bodyPr/>
+        <a:lstStyle/>
+        <a:p>
+          <a:pPr>
+            <a:defRPr cap="none" sz="900" i="0" b="0" u="none">
+              <a:solidFill>
+                <a:srgbClr val="000000">
+                  <a:alpha val="100000"/>
+                </a:srgbClr>
+              </a:solidFill>
+              <a:latin typeface="Calibri"/>
+              <a:cs typeface="Calibri"/>
+              <a:ea typeface="Calibri"/>
+              <a:sym typeface="Calibri"/>
+            </a:defRPr>
+          </a:pPr>
+        </a:p>
+      </c:txPr>
+    </c:legend>
+    <c:plotVisOnly val="1"/>
+    <c:dispBlanksAs val="gap"/>
+    <c:showDLblsOverMax val="0"/>
+  </c:chart>
+  <c:txPr>
+    <a:bodyPr/>
+    <a:lstStyle/>
+    <a:p>
+      <a:pPr>
+        <a:defRPr sz="1800"/>
+      </a:pPr>
+      <a:endParaRPr lang="fr-FR"/>
+    </a:p>
+  </c:txPr>
+  <c:externalData r:id="rId1">
+    <c:autoUpdate val="0"/>
+  </c:externalData>
+</c:chartSpace>
+</file>
+
+<file path=ppt/charts/chart436451b32f86.xml><?xml version="1.0" encoding="utf-8"?>
+<c:chartSpace xmlns:c="http://schemas.openxmlformats.org/drawingml/2006/chart" xmlns:a="http://schemas.openxmlformats.org/drawingml/2006/main" xmlns:r="http://schemas.openxmlformats.org/officeDocument/2006/relationships">
+  <c:date1904 val="0"/>
+  <c:lang val="fr-FR"/>
+  <c:roundedCorners val="0"/>
+  <mc:AlternateContent xmlns:mc="http://schemas.openxmlformats.org/markup-compatibility/2006">
+    <mc:Choice xmlns:c14="http://schemas.microsoft.com/office/drawing/2007/8/2/chart" Requires="c14">
+      <c14:style val="118"/>
+    </mc:Choice>
+    <mc:Fallback>
+      <c:style val="18"/>
+    </mc:Fallback>
+  </mc:AlternateContent>
+  <c:chart>
+    <c:title xmlns:c="http://schemas.openxmlformats.org/drawingml/2006/chart" xmlns:a="http://schemas.openxmlformats.org/drawingml/2006/main" xmlns:r="http://schemas.openxmlformats.org/officeDocument/2006/relationships">
+      <c:tx>
+        <c:rich>
+          <a:bodyPr/>
+          <a:lstStyle/>
+          <a:p>
+            <a:pPr>
+              <a:defRPr/>
+            </a:pPr>
+            <a:r>
+              <a:rPr cap="none" sz="900" i="0" b="1" u="none">
+                <a:solidFill>
+                  <a:srgbClr val="000000">
+                    <a:alpha val="100000"/>
+                  </a:srgbClr>
+                </a:solidFill>
+                <a:latin typeface="Calibri"/>
+                <a:cs typeface="Calibri"/>
+                <a:ea typeface="Calibri"/>
+                <a:sym typeface="Calibri"/>
+              </a:rPr>
+              <a:t>Heeft psychische klachten</a:t>
+            </a:r>
+          </a:p>
+        </c:rich>
+      </c:tx>
+      <c:layout/>
+      <c:overlay val="0"/>
+    </c:title>
+    <c:autoTitleDeleted val="0"/>
+    <c:plotArea xmlns:c="http://schemas.openxmlformats.org/drawingml/2006/chart" xmlns:a="http://schemas.openxmlformats.org/drawingml/2006/main" xmlns:r="http://schemas.openxmlformats.org/officeDocument/2006/relationships">
+      <c:layout/>
+      <c:barChart>
+        <c:barDir val="bar"/>
+        <c:grouping val="clustered"/>
+        <c:varyColors val="0"/>
+        <c:ser>
+          <c:idx val="0"/>
+          <c:order val="0"/>
+          <c:tx>
+            <c:strRef>
+              <c:f>sheet1!$B$1</c:f>
+              <c:strCache>
+                <c:ptCount val="1"/>
+                <c:pt idx="0">
+                  <c:v>Jongen</c:v>
+                </c:pt>
+              </c:strCache>
+            </c:strRef>
+          </c:tx>
+          <c:spPr>
+            <a:solidFill>
+              <a:srgbClr val="005C96">
+                <a:alpha val="100000"/>
+              </a:srgbClr>
+            </a:solidFill>
+            <a:ln w="25400">
+              <a:solidFill>
+                <a:srgbClr val="FFFFFF">
+                  <a:alpha val="0"/>
+                </a:srgbClr>
+              </a:solidFill>
+            </a:ln>
+            <a:effectLst/>
+          </c:spPr>
+          <c:invertIfNegative val="0"/>
+          <c:dLbls>
+            <c:dLblPos val="outEnd"/>
+            <c:numFmt formatCode="0%" sourceLinked="0"/>
+            <c:separator val=", "/>
+            <c:showBubbleSize val="0"/>
+            <c:showCatName val="0"/>
+            <c:showLegendKey val="0"/>
+            <c:showPercent val="0"/>
+            <c:showSerName val="0"/>
+            <c:showVal val="1"/>
+            <c:txPr>
+              <a:bodyPr/>
+              <a:lstStyle/>
+              <a:p>
+                <a:pPr>
+                  <a:defRPr cap="none" sz="800" i="0" b="0" u="none">
+                    <a:solidFill>
+                      <a:srgbClr val="000000">
+                        <a:alpha val="100000"/>
+                      </a:srgbClr>
+                    </a:solidFill>
+                    <a:latin typeface="Calibri"/>
+                    <a:cs typeface="Calibri"/>
+                    <a:ea typeface="Calibri"/>
+                    <a:sym typeface="Calibri"/>
+                  </a:defRPr>
+                </a:pPr>
+              </a:p>
+            </c:txPr>
+          </c:dLbls>
+          <c:cat>
+            <c:strRef>
+              <c:f>sheet1!$A$2:$A$2</c:f>
+              <c:strCache>
+                <c:ptCount val="1"/>
+                <c:pt idx="0">
+                  <c:v>Ja</c:v>
+                </c:pt>
+              </c:strCache>
+            </c:strRef>
+          </c:cat>
+          <c:val>
+            <c:numRef>
+              <c:f>sheet1!$B$2:$B$2</c:f>
+              <c:numCache>
+                <c:ptCount val="1"/>
+                <c:pt idx="0">
+                  <c:v>0.2885178</c:v>
+                </c:pt>
+              </c:numCache>
+            </c:numRef>
+          </c:val>
+        </c:ser>
+        <c:ser>
+          <c:idx val="1"/>
+          <c:order val="1"/>
+          <c:tx>
+            <c:strRef>
+              <c:f>sheet1!$C$1</c:f>
+              <c:strCache>
+                <c:ptCount val="1"/>
+                <c:pt idx="0">
+                  <c:v>Meisje</c:v>
+                </c:pt>
+              </c:strCache>
+            </c:strRef>
+          </c:tx>
+          <c:spPr>
+            <a:solidFill>
+              <a:srgbClr val="6FC7FF">
+                <a:alpha val="100000"/>
+              </a:srgbClr>
+            </a:solidFill>
+            <a:ln w="25400">
+              <a:solidFill>
+                <a:srgbClr val="FFFFFF">
+                  <a:alpha val="0"/>
+                </a:srgbClr>
+              </a:solidFill>
+            </a:ln>
+            <a:effectLst/>
+          </c:spPr>
+          <c:invertIfNegative val="0"/>
+          <c:dLbls>
+            <c:dLblPos val="outEnd"/>
+            <c:numFmt formatCode="0%" sourceLinked="0"/>
+            <c:separator val=", "/>
+            <c:showBubbleSize val="0"/>
+            <c:showCatName val="0"/>
+            <c:showLegendKey val="0"/>
+            <c:showPercent val="0"/>
+            <c:showSerName val="0"/>
+            <c:showVal val="1"/>
+            <c:txPr>
+              <a:bodyPr/>
+              <a:lstStyle/>
+              <a:p>
+                <a:pPr>
+                  <a:defRPr cap="none" sz="800" i="0" b="0" u="none">
+                    <a:solidFill>
+                      <a:srgbClr val="000000">
+                        <a:alpha val="100000"/>
+                      </a:srgbClr>
+                    </a:solidFill>
+                    <a:latin typeface="Calibri"/>
+                    <a:cs typeface="Calibri"/>
+                    <a:ea typeface="Calibri"/>
+                    <a:sym typeface="Calibri"/>
+                  </a:defRPr>
+                </a:pPr>
+              </a:p>
+            </c:txPr>
+          </c:dLbls>
+          <c:cat>
+            <c:strRef>
+              <c:f>sheet1!$A$2:$A$2</c:f>
+              <c:strCache>
+                <c:ptCount val="1"/>
+                <c:pt idx="0">
+                  <c:v>Ja</c:v>
+                </c:pt>
+              </c:strCache>
+            </c:strRef>
+          </c:cat>
+          <c:val>
+            <c:numRef>
+              <c:f>sheet1!$C$2:$C$2</c:f>
+              <c:numCache>
+                <c:ptCount val="1"/>
+                <c:pt idx="0">
+                  <c:v>0.2690928</c:v>
+                </c:pt>
+              </c:numCache>
+            </c:numRef>
+          </c:val>
+        </c:ser>
+        <c:dLbls>
+          <c:dLblPos val="outEnd"/>
+          <c:numFmt formatCode="0%" sourceLinked="0"/>
+          <c:separator val=", "/>
+          <c:showBubbleSize val="0"/>
+          <c:showCatName val="0"/>
+          <c:showLegendKey val="0"/>
+          <c:showPercent val="0"/>
+          <c:showSerName val="0"/>
+          <c:showVal val="1"/>
+        </c:dLbls>
+        <c:gapWidth val="30"/>
+        <c:overlap val="-30"/>
+        <c:axId val="64451712"/>
+        <c:axId val="64453248"/>
+      </c:barChart>
+      <c:catAx>
+        <c:axId val="64451712"/>
+        <c:scaling>
+          <c:orientation val="minMax"/>
+        </c:scaling>
+        <c:delete val="0"/>
+        <c:axPos val="l"/>
+        <c:majorTickMark val="none"/>
+        <c:minorTickMark val="none"/>
+        <c:tickLblPos val="nextTo"/>
+        <c:txPr>
+          <a:bodyPr rot="0" vert="horz"/>
+          <a:lstStyle/>
+          <a:p>
+            <a:pPr>
+              <a:defRPr cap="none" sz="800" i="0" b="0" u="none">
+                <a:solidFill>
+                  <a:srgbClr val="000000">
+                    <a:alpha val="100000"/>
+                  </a:srgbClr>
+                </a:solidFill>
+                <a:latin typeface="Calibri"/>
+                <a:cs typeface="Calibri"/>
+                <a:ea typeface="Calibri"/>
+                <a:sym typeface="Calibri"/>
+              </a:defRPr>
+            </a:pPr>
+          </a:p>
+        </c:txPr>
+        <c:spPr>
+          <a:ln algn="ctr" w="12700">
+            <a:solidFill>
+              <a:srgbClr val="000000">
+                <a:alpha val="100000"/>
+              </a:srgbClr>
+            </a:solidFill>
+            <a:prstDash val="solid"/>
+          </a:ln>
+        </c:spPr>
+        <c:numFmt formatCode="General" sourceLinked="0"/>
+        <c:crossAx val="64453248"/>
+        <c:crosses val="autoZero"/>
+      </c:catAx>
+      <c:valAx>
+        <c:axId val="64453248"/>
+        <c:scaling>
+          <c:orientation val="minMax"/>
+          <c:max val="1.00"/>
+          <c:min val="0.00"/>
+        </c:scaling>
+        <c:delete val="0"/>
+        <c:axPos val="l"/>
+        <c:majorTickMark val="none"/>
+        <c:minorTickMark val="none"/>
+        <c:tickLblPos val="nextTo"/>
+        <c:txPr>
+          <a:bodyPr rot="0" vert="horz"/>
+          <a:lstStyle/>
+          <a:p>
+            <a:pPr>
+              <a:defRPr cap="none" sz="900" i="0" b="0" u="none">
+                <a:solidFill>
+                  <a:srgbClr val="000000">
+                    <a:alpha val="100000"/>
+                  </a:srgbClr>
+                </a:solidFill>
+                <a:latin typeface="Calibri"/>
+                <a:cs typeface="Calibri"/>
+                <a:ea typeface="Calibri"/>
+                <a:sym typeface="Calibri"/>
+              </a:defRPr>
+            </a:pPr>
+          </a:p>
+        </c:txPr>
+        <c:spPr>
+          <a:ln algn="ctr" w="12700">
+            <a:solidFill>
+              <a:srgbClr val="000000">
+                <a:alpha val="100000"/>
+              </a:srgbClr>
+            </a:solidFill>
+            <a:prstDash val="solid"/>
+          </a:ln>
+        </c:spPr>
+        <c:numFmt formatCode="0%" sourceLinked="0"/>
+        <c:crossAx val="64451712"/>
+        <c:crosses val="autoZero"/>
+      </c:valAx>
+    </c:plotArea>
+    <c:legend>
+      <c:legendPos val="b"/>
+      <c:layout/>
+      <c:overlay val="0"/>
+      <c:txPr xmlns:c="http://schemas.openxmlformats.org/drawingml/2006/chart" xmlns:a="http://schemas.openxmlformats.org/drawingml/2006/main">
+        <a:bodyPr/>
+        <a:lstStyle/>
+        <a:p>
+          <a:pPr>
+            <a:defRPr cap="none" sz="900" i="0" b="0" u="none">
+              <a:solidFill>
+                <a:srgbClr val="000000">
+                  <a:alpha val="100000"/>
+                </a:srgbClr>
+              </a:solidFill>
+              <a:latin typeface="Calibri"/>
+              <a:cs typeface="Calibri"/>
+              <a:ea typeface="Calibri"/>
+              <a:sym typeface="Calibri"/>
+            </a:defRPr>
+          </a:pPr>
+        </a:p>
+      </c:txPr>
+    </c:legend>
+    <c:plotVisOnly val="1"/>
+    <c:dispBlanksAs val="gap"/>
+    <c:showDLblsOverMax val="0"/>
+  </c:chart>
+  <c:txPr>
+    <a:bodyPr/>
+    <a:lstStyle/>
+    <a:p>
+      <a:pPr>
+        <a:defRPr sz="1800"/>
+      </a:pPr>
+      <a:endParaRPr lang="fr-FR"/>
+    </a:p>
+  </c:txPr>
+  <c:externalData r:id="rId1">
+    <c:autoUpdate val="0"/>
+  </c:externalData>
+</c:chartSpace>
+</file>
+
+<file path=ppt/charts/chart4364564917e2.xml><?xml version="1.0" encoding="utf-8"?>
+<c:chartSpace xmlns:c="http://schemas.openxmlformats.org/drawingml/2006/chart" xmlns:a="http://schemas.openxmlformats.org/drawingml/2006/main" xmlns:r="http://schemas.openxmlformats.org/officeDocument/2006/relationships">
+  <c:date1904 val="0"/>
+  <c:lang val="fr-FR"/>
+  <c:roundedCorners val="0"/>
+  <mc:AlternateContent xmlns:mc="http://schemas.openxmlformats.org/markup-compatibility/2006">
+    <mc:Choice xmlns:c14="http://schemas.microsoft.com/office/drawing/2007/8/2/chart" Requires="c14">
+      <c14:style val="118"/>
+    </mc:Choice>
+    <mc:Fallback>
+      <c:style val="18"/>
+    </mc:Fallback>
+  </mc:AlternateContent>
+  <c:chart>
+    <c:title xmlns:c="http://schemas.openxmlformats.org/drawingml/2006/chart" xmlns:a="http://schemas.openxmlformats.org/drawingml/2006/main" xmlns:r="http://schemas.openxmlformats.org/officeDocument/2006/relationships">
+      <c:tx>
+        <c:rich>
+          <a:bodyPr/>
+          <a:lstStyle/>
+          <a:p>
+            <a:pPr>
+              <a:defRPr/>
+            </a:pPr>
+            <a:r>
+              <a:rPr cap="none" sz="900" i="0" b="1" u="none">
+                <a:solidFill>
+                  <a:srgbClr val="000000">
+                    <a:alpha val="100000"/>
+                  </a:srgbClr>
+                </a:solidFill>
+                <a:latin typeface="Calibri"/>
+                <a:cs typeface="Calibri"/>
+                <a:ea typeface="Calibri"/>
+                <a:sym typeface="Calibri"/>
+              </a:rPr>
+              <a:t>Top 3 bronnen van stress</a:t>
+            </a:r>
+          </a:p>
+        </c:rich>
+      </c:tx>
+      <c:layout/>
+      <c:overlay val="0"/>
+    </c:title>
+    <c:autoTitleDeleted val="0"/>
+    <c:plotArea xmlns:c="http://schemas.openxmlformats.org/drawingml/2006/chart" xmlns:a="http://schemas.openxmlformats.org/drawingml/2006/main" xmlns:r="http://schemas.openxmlformats.org/officeDocument/2006/relationships">
+      <c:layout/>
+      <c:barChart>
+        <c:barDir val="bar"/>
+        <c:grouping val="clustered"/>
+        <c:varyColors val="0"/>
+        <c:ser>
+          <c:idx val="0"/>
+          <c:order val="0"/>
+          <c:tx>
+            <c:strRef>
+              <c:f>sheet1!$B$1</c:f>
+              <c:strCache>
+                <c:ptCount val="1"/>
+                <c:pt idx="0">
+                  <c:v>p</c:v>
+                </c:pt>
+              </c:strCache>
+            </c:strRef>
+          </c:tx>
+          <c:spPr>
+            <a:solidFill>
+              <a:srgbClr val="005C96">
+                <a:alpha val="100000"/>
+              </a:srgbClr>
+            </a:solidFill>
+            <a:ln w="25400">
+              <a:solidFill>
+                <a:srgbClr val="FFFFFF">
+                  <a:alpha val="0"/>
+                </a:srgbClr>
+              </a:solidFill>
+            </a:ln>
+            <a:effectLst/>
+          </c:spPr>
+          <c:invertIfNegative val="0"/>
+          <c:dLbls>
+            <c:dLblPos val="outEnd"/>
+            <c:numFmt formatCode="0%" sourceLinked="0"/>
+            <c:separator val=", "/>
+            <c:showBubbleSize val="0"/>
+            <c:showCatName val="0"/>
+            <c:showLegendKey val="0"/>
+            <c:showPercent val="0"/>
+            <c:showSerName val="0"/>
+            <c:showVal val="1"/>
+            <c:txPr>
+              <a:bodyPr/>
+              <a:lstStyle/>
+              <a:p>
+                <a:pPr>
+                  <a:defRPr cap="none" sz="800" i="0" b="0" u="none">
+                    <a:solidFill>
+                      <a:srgbClr val="000000">
+                        <a:alpha val="100000"/>
+                      </a:srgbClr>
+                    </a:solidFill>
+                    <a:latin typeface="Calibri"/>
+                    <a:cs typeface="Calibri"/>
+                    <a:ea typeface="Calibri"/>
+                    <a:sym typeface="Calibri"/>
+                  </a:defRPr>
+                </a:pPr>
+              </a:p>
+            </c:txPr>
+          </c:dLbls>
+          <c:cat>
+            <c:strRef>
+              <c:f>sheet1!$A$2:$A$4</c:f>
+              <c:strCache>
+                <c:ptCount val="3"/>
+                <c:pt idx="0">
+                  <c:v>Huiswerk</c:v>
+                </c:pt>
+                <c:pt idx="1">
+                  <c:v>Thuissituatie</c:v>
+                </c:pt>
+                <c:pt idx="2">
+                  <c:v>Werk</c:v>
+                </c:pt>
+              </c:strCache>
+            </c:strRef>
+          </c:cat>
+          <c:val>
+            <c:numRef>
+              <c:f>sheet1!$B$2:$B$4</c:f>
+              <c:numCache>
+                <c:ptCount val="3"/>
+                <c:pt idx="0">
+                  <c:v>0.5941587</c:v>
+                </c:pt>
+                <c:pt idx="1">
+                  <c:v>0.7000854</c:v>
+                </c:pt>
+                <c:pt idx="2">
+                  <c:v>0.8911974</c:v>
+                </c:pt>
+              </c:numCache>
+            </c:numRef>
+          </c:val>
+        </c:ser>
+        <c:dLbls>
+          <c:dLblPos val="outEnd"/>
+          <c:numFmt formatCode="0%" sourceLinked="0"/>
+          <c:separator val=", "/>
+          <c:showBubbleSize val="0"/>
+          <c:showCatName val="0"/>
+          <c:showLegendKey val="0"/>
+          <c:showPercent val="0"/>
+          <c:showSerName val="0"/>
+          <c:showVal val="1"/>
+        </c:dLbls>
+        <c:gapWidth val="30"/>
+        <c:overlap val="-30"/>
+        <c:axId val="64451712"/>
+        <c:axId val="64453248"/>
+      </c:barChart>
+      <c:catAx>
+        <c:axId val="64451712"/>
+        <c:scaling>
+          <c:orientation val="minMax"/>
+        </c:scaling>
+        <c:delete val="0"/>
+        <c:axPos val="l"/>
+        <c:majorTickMark val="none"/>
+        <c:minorTickMark val="none"/>
+        <c:tickLblPos val="nextTo"/>
+        <c:txPr>
+          <a:bodyPr rot="0" vert="horz"/>
+          <a:lstStyle/>
+          <a:p>
+            <a:pPr>
+              <a:defRPr cap="none" sz="800" i="0" b="0" u="none">
+                <a:solidFill>
+                  <a:srgbClr val="000000">
+                    <a:alpha val="100000"/>
+                  </a:srgbClr>
+                </a:solidFill>
+                <a:latin typeface="Calibri"/>
+                <a:cs typeface="Calibri"/>
+                <a:ea typeface="Calibri"/>
+                <a:sym typeface="Calibri"/>
+              </a:defRPr>
+            </a:pPr>
+          </a:p>
+        </c:txPr>
+        <c:spPr>
+          <a:ln algn="ctr" w="12700">
+            <a:solidFill>
+              <a:srgbClr val="000000">
+                <a:alpha val="100000"/>
+              </a:srgbClr>
+            </a:solidFill>
+            <a:prstDash val="solid"/>
+          </a:ln>
+        </c:spPr>
+        <c:numFmt formatCode="General" sourceLinked="0"/>
+        <c:crossAx val="64453248"/>
+        <c:crosses val="autoZero"/>
+      </c:catAx>
+      <c:valAx>
+        <c:axId val="64453248"/>
+        <c:scaling>
+          <c:orientation val="minMax"/>
+          <c:max val="1.00"/>
+          <c:min val="0.00"/>
+        </c:scaling>
+        <c:delete val="0"/>
+        <c:axPos val="l"/>
+        <c:majorTickMark val="none"/>
+        <c:minorTickMark val="none"/>
+        <c:tickLblPos val="nextTo"/>
+        <c:txPr>
+          <a:bodyPr rot="0" vert="horz"/>
+          <a:lstStyle/>
+          <a:p>
+            <a:pPr>
+              <a:defRPr cap="none" sz="900" i="0" b="0" u="none">
+                <a:solidFill>
+                  <a:srgbClr val="000000">
+                    <a:alpha val="100000"/>
+                  </a:srgbClr>
+                </a:solidFill>
+                <a:latin typeface="Calibri"/>
+                <a:cs typeface="Calibri"/>
+                <a:ea typeface="Calibri"/>
+                <a:sym typeface="Calibri"/>
+              </a:defRPr>
+            </a:pPr>
+          </a:p>
+        </c:txPr>
+        <c:spPr>
+          <a:ln algn="ctr" w="12700">
+            <a:solidFill>
+              <a:srgbClr val="000000">
+                <a:alpha val="100000"/>
+              </a:srgbClr>
+            </a:solidFill>
+            <a:prstDash val="solid"/>
+          </a:ln>
+        </c:spPr>
+        <c:numFmt formatCode="0%" sourceLinked="0"/>
+        <c:crossAx val="64451712"/>
+        <c:crosses val="autoZero"/>
+      </c:valAx>
+    </c:plotArea>
+    <c:plotVisOnly val="1"/>
+    <c:dispBlanksAs val="gap"/>
+    <c:showDLblsOverMax val="0"/>
+  </c:chart>
+  <c:txPr>
+    <a:bodyPr/>
+    <a:lstStyle/>
+    <a:p>
+      <a:pPr>
+        <a:defRPr sz="1800"/>
+      </a:pPr>
+      <a:endParaRPr lang="fr-FR"/>
+    </a:p>
+  </c:txPr>
+  <c:externalData r:id="rId1">
+    <c:autoUpdate val="0"/>
+  </c:externalData>
+</c:chartSpace>
+</file>
+
+<file path=ppt/charts/chart436458e023b7.xml><?xml version="1.0" encoding="utf-8"?>
 <c:chartSpace xmlns:c="http://schemas.openxmlformats.org/drawingml/2006/chart" xmlns:a="http://schemas.openxmlformats.org/drawingml/2006/main" xmlns:r="http://schemas.openxmlformats.org/officeDocument/2006/relationships">
   <c:date1904 val="0"/>
   <c:lang val="fr-FR"/>
@@ -1342,13 +3099,13 @@
               <c:numCache>
                 <c:ptCount val="3"/>
                 <c:pt idx="0">
-                  <c:v>0.9011996</c:v>
+                  <c:v>0.8911974</c:v>
                 </c:pt>
                 <c:pt idx="1">
-                  <c:v>0.6969527</c:v>
+                  <c:v>0.7000854</c:v>
                 </c:pt>
                 <c:pt idx="2">
-                  <c:v>0.5893776</c:v>
+                  <c:v>0.5941587</c:v>
                 </c:pt>
               </c:numCache>
             </c:numRef>
@@ -1479,749 +3236,7 @@
 </c:chartSpace>
 </file>
 
-<file path=ppt/charts/chart49282d0a684a.xml><?xml version="1.0" encoding="utf-8"?>
-<c:chartSpace xmlns:c="http://schemas.openxmlformats.org/drawingml/2006/chart" xmlns:a="http://schemas.openxmlformats.org/drawingml/2006/main" xmlns:r="http://schemas.openxmlformats.org/officeDocument/2006/relationships">
-  <c:date1904 val="0"/>
-  <c:lang val="fr-FR"/>
-  <c:roundedCorners val="0"/>
-  <mc:AlternateContent xmlns:mc="http://schemas.openxmlformats.org/markup-compatibility/2006">
-    <mc:Choice xmlns:c14="http://schemas.microsoft.com/office/drawing/2007/8/2/chart" Requires="c14">
-      <c14:style val="118"/>
-    </mc:Choice>
-    <mc:Fallback>
-      <c:style val="18"/>
-    </mc:Fallback>
-  </mc:AlternateContent>
-  <c:chart>
-    <c:title xmlns:c="http://schemas.openxmlformats.org/drawingml/2006/chart" xmlns:a="http://schemas.openxmlformats.org/drawingml/2006/main" xmlns:r="http://schemas.openxmlformats.org/officeDocument/2006/relationships">
-      <c:tx>
-        <c:rich>
-          <a:bodyPr/>
-          <a:lstStyle/>
-          <a:p>
-            <a:pPr>
-              <a:defRPr/>
-            </a:pPr>
-            <a:r>
-              <a:rPr cap="none" sz="900" i="0" b="1" u="none">
-                <a:solidFill>
-                  <a:srgbClr val="000000">
-                    <a:alpha val="100000"/>
-                  </a:srgbClr>
-                </a:solidFill>
-                <a:latin typeface="Calibri"/>
-                <a:cs typeface="Calibri"/>
-                <a:ea typeface="Calibri"/>
-                <a:sym typeface="Calibri"/>
-              </a:rPr>
-              <a:t>Heeft psychische klachten</a:t>
-            </a:r>
-          </a:p>
-        </c:rich>
-      </c:tx>
-      <c:layout/>
-      <c:overlay val="0"/>
-    </c:title>
-    <c:autoTitleDeleted val="0"/>
-    <c:plotArea xmlns:c="http://schemas.openxmlformats.org/drawingml/2006/chart" xmlns:a="http://schemas.openxmlformats.org/drawingml/2006/main" xmlns:r="http://schemas.openxmlformats.org/officeDocument/2006/relationships">
-      <c:layout/>
-      <c:barChart>
-        <c:barDir val="bar"/>
-        <c:grouping val="clustered"/>
-        <c:varyColors val="0"/>
-        <c:ser>
-          <c:idx val="0"/>
-          <c:order val="0"/>
-          <c:tx>
-            <c:strRef>
-              <c:f>sheet1!$B$1</c:f>
-              <c:strCache>
-                <c:ptCount val="1"/>
-                <c:pt idx="0">
-                  <c:v>Jongen</c:v>
-                </c:pt>
-              </c:strCache>
-            </c:strRef>
-          </c:tx>
-          <c:spPr>
-            <a:solidFill>
-              <a:srgbClr val="005C96">
-                <a:alpha val="100000"/>
-              </a:srgbClr>
-            </a:solidFill>
-            <a:ln w="25400">
-              <a:solidFill>
-                <a:srgbClr val="FFFFFF">
-                  <a:alpha val="0"/>
-                </a:srgbClr>
-              </a:solidFill>
-            </a:ln>
-            <a:effectLst/>
-          </c:spPr>
-          <c:invertIfNegative val="0"/>
-          <c:dLbls>
-            <c:dLblPos val="outEnd"/>
-            <c:numFmt formatCode="0%" sourceLinked="0"/>
-            <c:separator val=", "/>
-            <c:showBubbleSize val="0"/>
-            <c:showCatName val="0"/>
-            <c:showLegendKey val="0"/>
-            <c:showPercent val="0"/>
-            <c:showSerName val="0"/>
-            <c:showVal val="1"/>
-            <c:txPr>
-              <a:bodyPr/>
-              <a:lstStyle/>
-              <a:p>
-                <a:pPr>
-                  <a:defRPr cap="none" sz="800" i="0" b="0" u="none">
-                    <a:solidFill>
-                      <a:srgbClr val="000000">
-                        <a:alpha val="100000"/>
-                      </a:srgbClr>
-                    </a:solidFill>
-                    <a:latin typeface="Calibri"/>
-                    <a:cs typeface="Calibri"/>
-                    <a:ea typeface="Calibri"/>
-                    <a:sym typeface="Calibri"/>
-                  </a:defRPr>
-                </a:pPr>
-              </a:p>
-            </c:txPr>
-          </c:dLbls>
-          <c:cat>
-            <c:strRef>
-              <c:f>sheet1!$A$2:$A$2</c:f>
-              <c:strCache>
-                <c:ptCount val="1"/>
-                <c:pt idx="0">
-                  <c:v>Ja</c:v>
-                </c:pt>
-              </c:strCache>
-            </c:strRef>
-          </c:cat>
-          <c:val>
-            <c:numRef>
-              <c:f>sheet1!$B$2:$B$2</c:f>
-              <c:numCache>
-                <c:ptCount val="1"/>
-                <c:pt idx="0">
-                  <c:v>0.2738279</c:v>
-                </c:pt>
-              </c:numCache>
-            </c:numRef>
-          </c:val>
-        </c:ser>
-        <c:ser>
-          <c:idx val="1"/>
-          <c:order val="1"/>
-          <c:tx>
-            <c:strRef>
-              <c:f>sheet1!$C$1</c:f>
-              <c:strCache>
-                <c:ptCount val="1"/>
-                <c:pt idx="0">
-                  <c:v>Meisje</c:v>
-                </c:pt>
-              </c:strCache>
-            </c:strRef>
-          </c:tx>
-          <c:spPr>
-            <a:solidFill>
-              <a:srgbClr val="6FC7FF">
-                <a:alpha val="100000"/>
-              </a:srgbClr>
-            </a:solidFill>
-            <a:ln w="25400">
-              <a:solidFill>
-                <a:srgbClr val="FFFFFF">
-                  <a:alpha val="0"/>
-                </a:srgbClr>
-              </a:solidFill>
-            </a:ln>
-            <a:effectLst/>
-          </c:spPr>
-          <c:invertIfNegative val="0"/>
-          <c:dLbls>
-            <c:dLblPos val="outEnd"/>
-            <c:numFmt formatCode="0%" sourceLinked="0"/>
-            <c:separator val=", "/>
-            <c:showBubbleSize val="0"/>
-            <c:showCatName val="0"/>
-            <c:showLegendKey val="0"/>
-            <c:showPercent val="0"/>
-            <c:showSerName val="0"/>
-            <c:showVal val="1"/>
-            <c:txPr>
-              <a:bodyPr/>
-              <a:lstStyle/>
-              <a:p>
-                <a:pPr>
-                  <a:defRPr cap="none" sz="800" i="0" b="0" u="none">
-                    <a:solidFill>
-                      <a:srgbClr val="000000">
-                        <a:alpha val="100000"/>
-                      </a:srgbClr>
-                    </a:solidFill>
-                    <a:latin typeface="Calibri"/>
-                    <a:cs typeface="Calibri"/>
-                    <a:ea typeface="Calibri"/>
-                    <a:sym typeface="Calibri"/>
-                  </a:defRPr>
-                </a:pPr>
-              </a:p>
-            </c:txPr>
-          </c:dLbls>
-          <c:cat>
-            <c:strRef>
-              <c:f>sheet1!$A$2:$A$2</c:f>
-              <c:strCache>
-                <c:ptCount val="1"/>
-                <c:pt idx="0">
-                  <c:v>Ja</c:v>
-                </c:pt>
-              </c:strCache>
-            </c:strRef>
-          </c:cat>
-          <c:val>
-            <c:numRef>
-              <c:f>sheet1!$C$2:$C$2</c:f>
-              <c:numCache>
-                <c:ptCount val="1"/>
-                <c:pt idx="0">
-                  <c:v>0.3138831</c:v>
-                </c:pt>
-              </c:numCache>
-            </c:numRef>
-          </c:val>
-        </c:ser>
-        <c:dLbls>
-          <c:dLblPos val="outEnd"/>
-          <c:numFmt formatCode="0%" sourceLinked="0"/>
-          <c:separator val=", "/>
-          <c:showBubbleSize val="0"/>
-          <c:showCatName val="0"/>
-          <c:showLegendKey val="0"/>
-          <c:showPercent val="0"/>
-          <c:showSerName val="0"/>
-          <c:showVal val="1"/>
-        </c:dLbls>
-        <c:gapWidth val="30"/>
-        <c:overlap val="-30"/>
-        <c:axId val="64451712"/>
-        <c:axId val="64453248"/>
-      </c:barChart>
-      <c:catAx>
-        <c:axId val="64451712"/>
-        <c:scaling>
-          <c:orientation val="minMax"/>
-        </c:scaling>
-        <c:delete val="0"/>
-        <c:axPos val="l"/>
-        <c:majorTickMark val="none"/>
-        <c:minorTickMark val="none"/>
-        <c:tickLblPos val="nextTo"/>
-        <c:txPr>
-          <a:bodyPr rot="0" vert="horz"/>
-          <a:lstStyle/>
-          <a:p>
-            <a:pPr>
-              <a:defRPr cap="none" sz="800" i="0" b="0" u="none">
-                <a:solidFill>
-                  <a:srgbClr val="000000">
-                    <a:alpha val="100000"/>
-                  </a:srgbClr>
-                </a:solidFill>
-                <a:latin typeface="Calibri"/>
-                <a:cs typeface="Calibri"/>
-                <a:ea typeface="Calibri"/>
-                <a:sym typeface="Calibri"/>
-              </a:defRPr>
-            </a:pPr>
-          </a:p>
-        </c:txPr>
-        <c:spPr>
-          <a:ln algn="ctr" w="12700">
-            <a:solidFill>
-              <a:srgbClr val="000000">
-                <a:alpha val="100000"/>
-              </a:srgbClr>
-            </a:solidFill>
-            <a:prstDash val="solid"/>
-          </a:ln>
-        </c:spPr>
-        <c:numFmt formatCode="General" sourceLinked="0"/>
-        <c:crossAx val="64453248"/>
-        <c:crosses val="autoZero"/>
-      </c:catAx>
-      <c:valAx>
-        <c:axId val="64453248"/>
-        <c:scaling>
-          <c:orientation val="minMax"/>
-          <c:max val="1.00"/>
-          <c:min val="0.00"/>
-        </c:scaling>
-        <c:delete val="0"/>
-        <c:axPos val="l"/>
-        <c:majorTickMark val="none"/>
-        <c:minorTickMark val="none"/>
-        <c:tickLblPos val="nextTo"/>
-        <c:txPr>
-          <a:bodyPr rot="0" vert="horz"/>
-          <a:lstStyle/>
-          <a:p>
-            <a:pPr>
-              <a:defRPr cap="none" sz="900" i="0" b="0" u="none">
-                <a:solidFill>
-                  <a:srgbClr val="000000">
-                    <a:alpha val="100000"/>
-                  </a:srgbClr>
-                </a:solidFill>
-                <a:latin typeface="Calibri"/>
-                <a:cs typeface="Calibri"/>
-                <a:ea typeface="Calibri"/>
-                <a:sym typeface="Calibri"/>
-              </a:defRPr>
-            </a:pPr>
-          </a:p>
-        </c:txPr>
-        <c:spPr>
-          <a:ln algn="ctr" w="12700">
-            <a:solidFill>
-              <a:srgbClr val="000000">
-                <a:alpha val="100000"/>
-              </a:srgbClr>
-            </a:solidFill>
-            <a:prstDash val="solid"/>
-          </a:ln>
-        </c:spPr>
-        <c:numFmt formatCode="0%" sourceLinked="0"/>
-        <c:crossAx val="64451712"/>
-        <c:crosses val="autoZero"/>
-      </c:valAx>
-    </c:plotArea>
-    <c:legend>
-      <c:legendPos val="b"/>
-      <c:layout/>
-      <c:overlay val="0"/>
-      <c:txPr xmlns:c="http://schemas.openxmlformats.org/drawingml/2006/chart" xmlns:a="http://schemas.openxmlformats.org/drawingml/2006/main">
-        <a:bodyPr/>
-        <a:lstStyle/>
-        <a:p>
-          <a:pPr>
-            <a:defRPr cap="none" sz="900" i="0" b="0" u="none">
-              <a:solidFill>
-                <a:srgbClr val="000000">
-                  <a:alpha val="100000"/>
-                </a:srgbClr>
-              </a:solidFill>
-              <a:latin typeface="Calibri"/>
-              <a:cs typeface="Calibri"/>
-              <a:ea typeface="Calibri"/>
-              <a:sym typeface="Calibri"/>
-            </a:defRPr>
-          </a:pPr>
-        </a:p>
-      </c:txPr>
-    </c:legend>
-    <c:plotVisOnly val="1"/>
-    <c:dispBlanksAs val="gap"/>
-    <c:showDLblsOverMax val="0"/>
-  </c:chart>
-  <c:txPr>
-    <a:bodyPr/>
-    <a:lstStyle/>
-    <a:p>
-      <a:pPr>
-        <a:defRPr sz="1800"/>
-      </a:pPr>
-      <a:endParaRPr lang="fr-FR"/>
-    </a:p>
-  </c:txPr>
-  <c:externalData r:id="rId1">
-    <c:autoUpdate val="0"/>
-  </c:externalData>
-</c:chartSpace>
-</file>
-
-<file path=ppt/charts/chart49284b43213c.xml><?xml version="1.0" encoding="utf-8"?>
-<c:chartSpace xmlns:c="http://schemas.openxmlformats.org/drawingml/2006/chart" xmlns:a="http://schemas.openxmlformats.org/drawingml/2006/main" xmlns:r="http://schemas.openxmlformats.org/officeDocument/2006/relationships">
-  <c:date1904 val="0"/>
-  <c:lang val="fr-FR"/>
-  <c:roundedCorners val="0"/>
-  <mc:AlternateContent xmlns:mc="http://schemas.openxmlformats.org/markup-compatibility/2006">
-    <mc:Choice xmlns:c14="http://schemas.microsoft.com/office/drawing/2007/8/2/chart" Requires="c14">
-      <c14:style val="118"/>
-    </mc:Choice>
-    <mc:Fallback>
-      <c:style val="18"/>
-    </mc:Fallback>
-  </mc:AlternateContent>
-  <c:chart>
-    <c:title xmlns:c="http://schemas.openxmlformats.org/drawingml/2006/chart" xmlns:a="http://schemas.openxmlformats.org/drawingml/2006/main" xmlns:r="http://schemas.openxmlformats.org/officeDocument/2006/relationships">
-      <c:tx>
-        <c:rich>
-          <a:bodyPr/>
-          <a:lstStyle/>
-          <a:p>
-            <a:pPr>
-              <a:defRPr/>
-            </a:pPr>
-            <a:r>
-              <a:rPr cap="none" sz="900" i="0" b="1" u="none">
-                <a:solidFill>
-                  <a:srgbClr val="000000">
-                    <a:alpha val="100000"/>
-                  </a:srgbClr>
-                </a:solidFill>
-                <a:latin typeface="Calibri"/>
-                <a:cs typeface="Calibri"/>
-                <a:ea typeface="Calibri"/>
-                <a:sym typeface="Calibri"/>
-              </a:rPr>
-              <a:t>Heeft psychische klachten</a:t>
-            </a:r>
-          </a:p>
-        </c:rich>
-      </c:tx>
-      <c:layout/>
-      <c:overlay val="0"/>
-    </c:title>
-    <c:autoTitleDeleted val="0"/>
-    <c:plotArea xmlns:c="http://schemas.openxmlformats.org/drawingml/2006/chart" xmlns:a="http://schemas.openxmlformats.org/drawingml/2006/main" xmlns:r="http://schemas.openxmlformats.org/officeDocument/2006/relationships">
-      <c:layout/>
-      <c:barChart>
-        <c:barDir val="col"/>
-        <c:grouping val="clustered"/>
-        <c:varyColors val="0"/>
-        <c:ser>
-          <c:idx val="0"/>
-          <c:order val="0"/>
-          <c:tx>
-            <c:strRef>
-              <c:f>sheet1!$B$1</c:f>
-              <c:strCache>
-                <c:ptCount val="1"/>
-                <c:pt idx="0">
-                  <c:v>Zandwijk</c:v>
-                </c:pt>
-              </c:strCache>
-            </c:strRef>
-          </c:tx>
-          <c:spPr>
-            <a:solidFill>
-              <a:srgbClr val="005C96">
-                <a:alpha val="100000"/>
-              </a:srgbClr>
-            </a:solidFill>
-            <a:ln w="25400">
-              <a:solidFill>
-                <a:srgbClr val="FFFFFF">
-                  <a:alpha val="0"/>
-                </a:srgbClr>
-              </a:solidFill>
-            </a:ln>
-            <a:effectLst/>
-          </c:spPr>
-          <c:invertIfNegative val="0"/>
-          <c:dLbls>
-            <c:dLblPos val="outEnd"/>
-            <c:numFmt formatCode="0%" sourceLinked="0"/>
-            <c:separator val=", "/>
-            <c:showBubbleSize val="0"/>
-            <c:showCatName val="0"/>
-            <c:showLegendKey val="0"/>
-            <c:showPercent val="0"/>
-            <c:showSerName val="0"/>
-            <c:showVal val="1"/>
-            <c:txPr>
-              <a:bodyPr/>
-              <a:lstStyle/>
-              <a:p>
-                <a:pPr>
-                  <a:defRPr cap="none" sz="800" i="0" b="0" u="none">
-                    <a:solidFill>
-                      <a:srgbClr val="000000">
-                        <a:alpha val="100000"/>
-                      </a:srgbClr>
-                    </a:solidFill>
-                    <a:latin typeface="Calibri"/>
-                    <a:cs typeface="Calibri"/>
-                    <a:ea typeface="Calibri"/>
-                    <a:sym typeface="Calibri"/>
-                  </a:defRPr>
-                </a:pPr>
-              </a:p>
-            </c:txPr>
-          </c:dLbls>
-          <c:cat>
-            <c:strRef>
-              <c:f>sheet1!$A$2:$A$3</c:f>
-              <c:strCache>
-                <c:ptCount val="2"/>
-                <c:pt idx="0">
-                  <c:v>Psychische klachten</c:v>
-                </c:pt>
-                <c:pt idx="1">
-                  <c:v>Ervaren gezondheid</c:v>
-                </c:pt>
-              </c:strCache>
-            </c:strRef>
-          </c:cat>
-          <c:val>
-            <c:numRef>
-              <c:f>sheet1!$B$2:$B$3</c:f>
-              <c:numCache>
-                <c:ptCount val="2"/>
-                <c:pt idx="0">
-                  <c:v>0.2904619</c:v>
-                </c:pt>
-                <c:pt idx="1">
-                  <c:v>0.3071076</c:v>
-                </c:pt>
-              </c:numCache>
-            </c:numRef>
-          </c:val>
-        </c:ser>
-        <c:ser>
-          <c:idx val="1"/>
-          <c:order val="1"/>
-          <c:tx>
-            <c:strRef>
-              <c:f>sheet1!$C$1</c:f>
-              <c:strCache>
-                <c:ptCount val="1"/>
-                <c:pt idx="0">
-                  <c:v>Nederland</c:v>
-                </c:pt>
-              </c:strCache>
-            </c:strRef>
-          </c:tx>
-          <c:spPr>
-            <a:solidFill>
-              <a:srgbClr val="E54800">
-                <a:alpha val="100000"/>
-              </a:srgbClr>
-            </a:solidFill>
-            <a:ln w="25400">
-              <a:solidFill>
-                <a:srgbClr val="FFFFFF">
-                  <a:alpha val="0"/>
-                </a:srgbClr>
-              </a:solidFill>
-            </a:ln>
-            <a:effectLst/>
-          </c:spPr>
-          <c:invertIfNegative val="0"/>
-          <c:dLbls>
-            <c:dLblPos val="outEnd"/>
-            <c:numFmt formatCode="0%" sourceLinked="0"/>
-            <c:separator val=", "/>
-            <c:showBubbleSize val="0"/>
-            <c:showCatName val="0"/>
-            <c:showLegendKey val="0"/>
-            <c:showPercent val="0"/>
-            <c:showSerName val="0"/>
-            <c:showVal val="1"/>
-            <c:txPr>
-              <a:bodyPr/>
-              <a:lstStyle/>
-              <a:p>
-                <a:pPr>
-                  <a:defRPr cap="none" sz="800" i="0" b="0" u="none">
-                    <a:solidFill>
-                      <a:srgbClr val="000000">
-                        <a:alpha val="100000"/>
-                      </a:srgbClr>
-                    </a:solidFill>
-                    <a:latin typeface="Calibri"/>
-                    <a:cs typeface="Calibri"/>
-                    <a:ea typeface="Calibri"/>
-                    <a:sym typeface="Calibri"/>
-                  </a:defRPr>
-                </a:pPr>
-              </a:p>
-            </c:txPr>
-          </c:dLbls>
-          <c:cat>
-            <c:strRef>
-              <c:f>sheet1!$A$2:$A$3</c:f>
-              <c:strCache>
-                <c:ptCount val="2"/>
-                <c:pt idx="0">
-                  <c:v>Psychische klachten</c:v>
-                </c:pt>
-                <c:pt idx="1">
-                  <c:v>Ervaren gezondheid</c:v>
-                </c:pt>
-              </c:strCache>
-            </c:strRef>
-          </c:cat>
-          <c:val>
-            <c:numRef>
-              <c:f>sheet1!$C$2:$C$3</c:f>
-              <c:numCache>
-                <c:ptCount val="2"/>
-                <c:pt idx="0">
-                  <c:v>0.2950545</c:v>
-                </c:pt>
-                <c:pt idx="1">
-                  <c:v>0.3113598</c:v>
-                </c:pt>
-              </c:numCache>
-            </c:numRef>
-          </c:val>
-        </c:ser>
-        <c:dLbls>
-          <c:dLblPos val="outEnd"/>
-          <c:numFmt formatCode="0%" sourceLinked="0"/>
-          <c:separator val=", "/>
-          <c:showBubbleSize val="0"/>
-          <c:showCatName val="0"/>
-          <c:showLegendKey val="0"/>
-          <c:showPercent val="0"/>
-          <c:showSerName val="0"/>
-          <c:showVal val="1"/>
-        </c:dLbls>
-        <c:gapWidth val="150"/>
-        <c:overlap val="0"/>
-        <c:axId val="64451712"/>
-        <c:axId val="64453248"/>
-      </c:barChart>
-      <c:catAx>
-        <c:axId val="64451712"/>
-        <c:scaling>
-          <c:orientation val="minMax"/>
-        </c:scaling>
-        <c:delete val="0"/>
-        <c:axPos val="l"/>
-        <c:majorTickMark val="none"/>
-        <c:minorTickMark val="none"/>
-        <c:tickLblPos val="nextTo"/>
-        <c:txPr>
-          <a:bodyPr rot="0" vert="horz"/>
-          <a:lstStyle/>
-          <a:p>
-            <a:pPr>
-              <a:defRPr cap="none" sz="800" i="0" b="0" u="none">
-                <a:solidFill>
-                  <a:srgbClr val="000000">
-                    <a:alpha val="100000"/>
-                  </a:srgbClr>
-                </a:solidFill>
-                <a:latin typeface="Calibri"/>
-                <a:cs typeface="Calibri"/>
-                <a:ea typeface="Calibri"/>
-                <a:sym typeface="Calibri"/>
-              </a:defRPr>
-            </a:pPr>
-          </a:p>
-        </c:txPr>
-        <c:spPr>
-          <a:ln algn="ctr" w="12700">
-            <a:solidFill>
-              <a:srgbClr val="000000">
-                <a:alpha val="100000"/>
-              </a:srgbClr>
-            </a:solidFill>
-            <a:prstDash val="solid"/>
-          </a:ln>
-        </c:spPr>
-        <c:numFmt formatCode="General" sourceLinked="0"/>
-        <c:crossAx val="64453248"/>
-        <c:crosses val="autoZero"/>
-      </c:catAx>
-      <c:valAx>
-        <c:axId val="64453248"/>
-        <c:scaling>
-          <c:orientation val="minMax"/>
-          <c:max val="0.30"/>
-          <c:min val="0.00"/>
-        </c:scaling>
-        <c:delete val="0"/>
-        <c:axPos val="l"/>
-        <c:majorTickMark val="none"/>
-        <c:minorTickMark val="none"/>
-        <c:tickLblPos val="nextTo"/>
-        <c:txPr>
-          <a:bodyPr rot="0" vert="horz"/>
-          <a:lstStyle/>
-          <a:p>
-            <a:pPr>
-              <a:defRPr cap="none" sz="900" i="0" b="0" u="none">
-                <a:solidFill>
-                  <a:srgbClr val="000000">
-                    <a:alpha val="100000"/>
-                  </a:srgbClr>
-                </a:solidFill>
-                <a:latin typeface="Calibri"/>
-                <a:cs typeface="Calibri"/>
-                <a:ea typeface="Calibri"/>
-                <a:sym typeface="Calibri"/>
-              </a:defRPr>
-            </a:pPr>
-          </a:p>
-        </c:txPr>
-        <c:spPr>
-          <a:ln algn="ctr" w="12700">
-            <a:solidFill>
-              <a:srgbClr val="000000">
-                <a:alpha val="100000"/>
-              </a:srgbClr>
-            </a:solidFill>
-            <a:prstDash val="solid"/>
-          </a:ln>
-        </c:spPr>
-        <c:numFmt formatCode="0%" sourceLinked="0"/>
-        <c:crossAx val="64451712"/>
-        <c:crosses val="autoZero"/>
-      </c:valAx>
-    </c:plotArea>
-    <c:legend>
-      <c:legendPos val="b"/>
-      <c:layout/>
-      <c:overlay val="0"/>
-      <c:txPr xmlns:c="http://schemas.openxmlformats.org/drawingml/2006/chart" xmlns:a="http://schemas.openxmlformats.org/drawingml/2006/main">
-        <a:bodyPr/>
-        <a:lstStyle/>
-        <a:p>
-          <a:pPr>
-            <a:defRPr cap="none" sz="900" i="0" b="0" u="none">
-              <a:solidFill>
-                <a:srgbClr val="000000">
-                  <a:alpha val="100000"/>
-                </a:srgbClr>
-              </a:solidFill>
-              <a:latin typeface="Calibri"/>
-              <a:cs typeface="Calibri"/>
-              <a:ea typeface="Calibri"/>
-              <a:sym typeface="Calibri"/>
-            </a:defRPr>
-          </a:pPr>
-        </a:p>
-      </c:txPr>
-    </c:legend>
-    <c:plotVisOnly val="1"/>
-    <c:dispBlanksAs val="gap"/>
-    <c:showDLblsOverMax val="0"/>
-  </c:chart>
-  <c:txPr>
-    <a:bodyPr/>
-    <a:lstStyle/>
-    <a:p>
-      <a:pPr>
-        <a:defRPr sz="1800"/>
-      </a:pPr>
-      <a:endParaRPr lang="fr-FR"/>
-    </a:p>
-  </c:txPr>
-  <c:externalData r:id="rId1">
-    <c:autoUpdate val="0"/>
-  </c:externalData>
-</c:chartSpace>
-</file>
-
-<file path=ppt/charts/chart49284ee571a.xml><?xml version="1.0" encoding="utf-8"?>
+<file path=ppt/charts/chart4364738e4e56.xml><?xml version="1.0" encoding="utf-8"?>
 <c:chartSpace xmlns:c="http://schemas.openxmlformats.org/drawingml/2006/chart" xmlns:a="http://schemas.openxmlformats.org/drawingml/2006/main" xmlns:r="http://schemas.openxmlformats.org/officeDocument/2006/relationships">
   <c:date1904 val="0"/>
   <c:lang val="fr-FR"/>
@@ -2357,16 +3372,16 @@
               <c:numCache>
                 <c:ptCount val="4"/>
                 <c:pt idx="0">
-                  <c:v>0.3138831</c:v>
+                  <c:v>0.2690928</c:v>
                 </c:pt>
                 <c:pt idx="1">
-                  <c:v>0.2738279</c:v>
+                  <c:v>0.2885178</c:v>
                 </c:pt>
                 <c:pt idx="2">
-                  <c:v>0.2787797</c:v>
+                  <c:v>0.2597708</c:v>
                 </c:pt>
                 <c:pt idx="3">
-                  <c:v>0.2948169</c:v>
+                  <c:v>0.2994161</c:v>
                 </c:pt>
               </c:numCache>
             </c:numRef>
@@ -2477,1018 +3492,6 @@
         <c:crosses val="autoZero"/>
       </c:valAx>
     </c:plotArea>
-    <c:plotVisOnly val="1"/>
-    <c:dispBlanksAs val="gap"/>
-    <c:showDLblsOverMax val="0"/>
-  </c:chart>
-  <c:txPr>
-    <a:bodyPr/>
-    <a:lstStyle/>
-    <a:p>
-      <a:pPr>
-        <a:defRPr sz="1800"/>
-      </a:pPr>
-      <a:endParaRPr lang="fr-FR"/>
-    </a:p>
-  </c:txPr>
-  <c:externalData r:id="rId1">
-    <c:autoUpdate val="0"/>
-  </c:externalData>
-</c:chartSpace>
-</file>
-
-<file path=ppt/charts/chart492859b35df7.xml><?xml version="1.0" encoding="utf-8"?>
-<c:chartSpace xmlns:c="http://schemas.openxmlformats.org/drawingml/2006/chart" xmlns:a="http://schemas.openxmlformats.org/drawingml/2006/main" xmlns:r="http://schemas.openxmlformats.org/officeDocument/2006/relationships">
-  <c:date1904 val="0"/>
-  <c:lang val="fr-FR"/>
-  <c:roundedCorners val="0"/>
-  <mc:AlternateContent xmlns:mc="http://schemas.openxmlformats.org/markup-compatibility/2006">
-    <mc:Choice xmlns:c14="http://schemas.microsoft.com/office/drawing/2007/8/2/chart" Requires="c14">
-      <c14:style val="118"/>
-    </mc:Choice>
-    <mc:Fallback>
-      <c:style val="18"/>
-    </mc:Fallback>
-  </mc:AlternateContent>
-  <c:chart>
-    <c:title xmlns:c="http://schemas.openxmlformats.org/drawingml/2006/chart" xmlns:a="http://schemas.openxmlformats.org/drawingml/2006/main" xmlns:r="http://schemas.openxmlformats.org/officeDocument/2006/relationships">
-      <c:tx>
-        <c:rich>
-          <a:bodyPr/>
-          <a:lstStyle/>
-          <a:p>
-            <a:pPr>
-              <a:defRPr/>
-            </a:pPr>
-            <a:r>
-              <a:rPr cap="none" sz="900" i="0" b="1" u="none">
-                <a:solidFill>
-                  <a:srgbClr val="000000">
-                    <a:alpha val="100000"/>
-                  </a:srgbClr>
-                </a:solidFill>
-                <a:latin typeface="Calibri"/>
-                <a:cs typeface="Calibri"/>
-                <a:ea typeface="Calibri"/>
-                <a:sym typeface="Calibri"/>
-              </a:rPr>
-              <a:t>Top 3 bronnen van stress</a:t>
-            </a:r>
-          </a:p>
-        </c:rich>
-      </c:tx>
-      <c:layout/>
-      <c:overlay val="0"/>
-    </c:title>
-    <c:autoTitleDeleted val="0"/>
-    <c:plotArea xmlns:c="http://schemas.openxmlformats.org/drawingml/2006/chart" xmlns:a="http://schemas.openxmlformats.org/drawingml/2006/main" xmlns:r="http://schemas.openxmlformats.org/officeDocument/2006/relationships">
-      <c:layout/>
-      <c:barChart>
-        <c:barDir val="bar"/>
-        <c:grouping val="clustered"/>
-        <c:varyColors val="0"/>
-        <c:ser>
-          <c:idx val="0"/>
-          <c:order val="0"/>
-          <c:tx>
-            <c:strRef>
-              <c:f>sheet1!$B$1</c:f>
-              <c:strCache>
-                <c:ptCount val="1"/>
-                <c:pt idx="0">
-                  <c:v>p</c:v>
-                </c:pt>
-              </c:strCache>
-            </c:strRef>
-          </c:tx>
-          <c:spPr>
-            <a:solidFill>
-              <a:srgbClr val="005C96">
-                <a:alpha val="100000"/>
-              </a:srgbClr>
-            </a:solidFill>
-            <a:ln w="25400">
-              <a:solidFill>
-                <a:srgbClr val="FFFFFF">
-                  <a:alpha val="0"/>
-                </a:srgbClr>
-              </a:solidFill>
-            </a:ln>
-            <a:effectLst/>
-          </c:spPr>
-          <c:invertIfNegative val="0"/>
-          <c:dLbls>
-            <c:dLblPos val="outEnd"/>
-            <c:numFmt formatCode="0%" sourceLinked="0"/>
-            <c:separator val=", "/>
-            <c:showBubbleSize val="0"/>
-            <c:showCatName val="0"/>
-            <c:showLegendKey val="0"/>
-            <c:showPercent val="0"/>
-            <c:showSerName val="0"/>
-            <c:showVal val="1"/>
-            <c:txPr>
-              <a:bodyPr/>
-              <a:lstStyle/>
-              <a:p>
-                <a:pPr>
-                  <a:defRPr cap="none" sz="800" i="0" b="0" u="none">
-                    <a:solidFill>
-                      <a:srgbClr val="000000">
-                        <a:alpha val="100000"/>
-                      </a:srgbClr>
-                    </a:solidFill>
-                    <a:latin typeface="Calibri"/>
-                    <a:cs typeface="Calibri"/>
-                    <a:ea typeface="Calibri"/>
-                    <a:sym typeface="Calibri"/>
-                  </a:defRPr>
-                </a:pPr>
-              </a:p>
-            </c:txPr>
-          </c:dLbls>
-          <c:cat>
-            <c:strRef>
-              <c:f>sheet1!$A$2:$A$4</c:f>
-              <c:strCache>
-                <c:ptCount val="3"/>
-                <c:pt idx="0">
-                  <c:v>Huiswerk</c:v>
-                </c:pt>
-                <c:pt idx="1">
-                  <c:v>Thuissituatie</c:v>
-                </c:pt>
-                <c:pt idx="2">
-                  <c:v>Werk</c:v>
-                </c:pt>
-              </c:strCache>
-            </c:strRef>
-          </c:cat>
-          <c:val>
-            <c:numRef>
-              <c:f>sheet1!$B$2:$B$4</c:f>
-              <c:numCache>
-                <c:ptCount val="3"/>
-                <c:pt idx="0">
-                  <c:v>0.5893776</c:v>
-                </c:pt>
-                <c:pt idx="1">
-                  <c:v>0.6969527</c:v>
-                </c:pt>
-                <c:pt idx="2">
-                  <c:v>0.9011996</c:v>
-                </c:pt>
-              </c:numCache>
-            </c:numRef>
-          </c:val>
-        </c:ser>
-        <c:dLbls>
-          <c:dLblPos val="outEnd"/>
-          <c:numFmt formatCode="0%" sourceLinked="0"/>
-          <c:separator val=", "/>
-          <c:showBubbleSize val="0"/>
-          <c:showCatName val="0"/>
-          <c:showLegendKey val="0"/>
-          <c:showPercent val="0"/>
-          <c:showSerName val="0"/>
-          <c:showVal val="1"/>
-        </c:dLbls>
-        <c:gapWidth val="30"/>
-        <c:overlap val="-30"/>
-        <c:axId val="64451712"/>
-        <c:axId val="64453248"/>
-      </c:barChart>
-      <c:catAx>
-        <c:axId val="64451712"/>
-        <c:scaling>
-          <c:orientation val="minMax"/>
-        </c:scaling>
-        <c:delete val="0"/>
-        <c:axPos val="l"/>
-        <c:majorTickMark val="none"/>
-        <c:minorTickMark val="none"/>
-        <c:tickLblPos val="nextTo"/>
-        <c:txPr>
-          <a:bodyPr rot="0" vert="horz"/>
-          <a:lstStyle/>
-          <a:p>
-            <a:pPr>
-              <a:defRPr cap="none" sz="800" i="0" b="0" u="none">
-                <a:solidFill>
-                  <a:srgbClr val="000000">
-                    <a:alpha val="100000"/>
-                  </a:srgbClr>
-                </a:solidFill>
-                <a:latin typeface="Calibri"/>
-                <a:cs typeface="Calibri"/>
-                <a:ea typeface="Calibri"/>
-                <a:sym typeface="Calibri"/>
-              </a:defRPr>
-            </a:pPr>
-          </a:p>
-        </c:txPr>
-        <c:spPr>
-          <a:ln algn="ctr" w="12700">
-            <a:solidFill>
-              <a:srgbClr val="000000">
-                <a:alpha val="100000"/>
-              </a:srgbClr>
-            </a:solidFill>
-            <a:prstDash val="solid"/>
-          </a:ln>
-        </c:spPr>
-        <c:numFmt formatCode="General" sourceLinked="0"/>
-        <c:crossAx val="64453248"/>
-        <c:crosses val="autoZero"/>
-      </c:catAx>
-      <c:valAx>
-        <c:axId val="64453248"/>
-        <c:scaling>
-          <c:orientation val="minMax"/>
-          <c:max val="1.00"/>
-          <c:min val="0.00"/>
-        </c:scaling>
-        <c:delete val="0"/>
-        <c:axPos val="l"/>
-        <c:majorTickMark val="none"/>
-        <c:minorTickMark val="none"/>
-        <c:tickLblPos val="nextTo"/>
-        <c:txPr>
-          <a:bodyPr rot="0" vert="horz"/>
-          <a:lstStyle/>
-          <a:p>
-            <a:pPr>
-              <a:defRPr cap="none" sz="900" i="0" b="0" u="none">
-                <a:solidFill>
-                  <a:srgbClr val="000000">
-                    <a:alpha val="100000"/>
-                  </a:srgbClr>
-                </a:solidFill>
-                <a:latin typeface="Calibri"/>
-                <a:cs typeface="Calibri"/>
-                <a:ea typeface="Calibri"/>
-                <a:sym typeface="Calibri"/>
-              </a:defRPr>
-            </a:pPr>
-          </a:p>
-        </c:txPr>
-        <c:spPr>
-          <a:ln algn="ctr" w="12700">
-            <a:solidFill>
-              <a:srgbClr val="000000">
-                <a:alpha val="100000"/>
-              </a:srgbClr>
-            </a:solidFill>
-            <a:prstDash val="solid"/>
-          </a:ln>
-        </c:spPr>
-        <c:numFmt formatCode="0%" sourceLinked="0"/>
-        <c:crossAx val="64451712"/>
-        <c:crosses val="autoZero"/>
-      </c:valAx>
-    </c:plotArea>
-    <c:plotVisOnly val="1"/>
-    <c:dispBlanksAs val="gap"/>
-    <c:showDLblsOverMax val="0"/>
-  </c:chart>
-  <c:txPr>
-    <a:bodyPr/>
-    <a:lstStyle/>
-    <a:p>
-      <a:pPr>
-        <a:defRPr sz="1800"/>
-      </a:pPr>
-      <a:endParaRPr lang="fr-FR"/>
-    </a:p>
-  </c:txPr>
-  <c:externalData r:id="rId1">
-    <c:autoUpdate val="0"/>
-  </c:externalData>
-</c:chartSpace>
-</file>
-
-<file path=ppt/charts/chart49286e46277f.xml><?xml version="1.0" encoding="utf-8"?>
-<c:chartSpace xmlns:c="http://schemas.openxmlformats.org/drawingml/2006/chart" xmlns:a="http://schemas.openxmlformats.org/drawingml/2006/main" xmlns:r="http://schemas.openxmlformats.org/officeDocument/2006/relationships">
-  <c:date1904 val="0"/>
-  <c:lang val="fr-FR"/>
-  <c:roundedCorners val="0"/>
-  <mc:AlternateContent xmlns:mc="http://schemas.openxmlformats.org/markup-compatibility/2006">
-    <mc:Choice xmlns:c14="http://schemas.microsoft.com/office/drawing/2007/8/2/chart" Requires="c14">
-      <c14:style val="118"/>
-    </mc:Choice>
-    <mc:Fallback>
-      <c:style val="18"/>
-    </mc:Fallback>
-  </mc:AlternateContent>
-  <c:chart>
-    <c:title xmlns:c="http://schemas.openxmlformats.org/drawingml/2006/chart" xmlns:a="http://schemas.openxmlformats.org/drawingml/2006/main" xmlns:r="http://schemas.openxmlformats.org/officeDocument/2006/relationships">
-      <c:tx>
-        <c:rich>
-          <a:bodyPr/>
-          <a:lstStyle/>
-          <a:p>
-            <a:pPr>
-              <a:defRPr/>
-            </a:pPr>
-            <a:r>
-              <a:rPr cap="none" sz="900" i="0" b="1" u="none">
-                <a:solidFill>
-                  <a:srgbClr val="000000">
-                    <a:alpha val="100000"/>
-                  </a:srgbClr>
-                </a:solidFill>
-                <a:latin typeface="Calibri"/>
-                <a:cs typeface="Calibri"/>
-                <a:ea typeface="Calibri"/>
-                <a:sym typeface="Calibri"/>
-              </a:rPr>
-              <a:t>Heeft psychische klachten</a:t>
-            </a:r>
-          </a:p>
-        </c:rich>
-      </c:tx>
-      <c:layout/>
-      <c:overlay val="0"/>
-    </c:title>
-    <c:autoTitleDeleted val="0"/>
-    <c:plotArea xmlns:c="http://schemas.openxmlformats.org/drawingml/2006/chart" xmlns:a="http://schemas.openxmlformats.org/drawingml/2006/main" xmlns:r="http://schemas.openxmlformats.org/officeDocument/2006/relationships">
-      <c:layout/>
-      <c:barChart>
-        <c:barDir val="col"/>
-        <c:grouping val="clustered"/>
-        <c:varyColors val="0"/>
-        <c:ser>
-          <c:idx val="0"/>
-          <c:order val="0"/>
-          <c:tx>
-            <c:strRef>
-              <c:f>sheet1!$B$1</c:f>
-              <c:strCache>
-                <c:ptCount val="1"/>
-                <c:pt idx="0">
-                  <c:v>Jongen</c:v>
-                </c:pt>
-              </c:strCache>
-            </c:strRef>
-          </c:tx>
-          <c:spPr>
-            <a:solidFill>
-              <a:srgbClr val="005C96">
-                <a:alpha val="100000"/>
-              </a:srgbClr>
-            </a:solidFill>
-            <a:ln w="25400">
-              <a:solidFill>
-                <a:srgbClr val="FFFFFF">
-                  <a:alpha val="0"/>
-                </a:srgbClr>
-              </a:solidFill>
-            </a:ln>
-            <a:effectLst/>
-          </c:spPr>
-          <c:invertIfNegative val="0"/>
-          <c:dLbls>
-            <c:dLblPos val="outEnd"/>
-            <c:numFmt formatCode="0%" sourceLinked="0"/>
-            <c:separator val=", "/>
-            <c:showBubbleSize val="0"/>
-            <c:showCatName val="0"/>
-            <c:showLegendKey val="0"/>
-            <c:showPercent val="0"/>
-            <c:showSerName val="0"/>
-            <c:showVal val="1"/>
-            <c:txPr>
-              <a:bodyPr/>
-              <a:lstStyle/>
-              <a:p>
-                <a:pPr>
-                  <a:defRPr cap="none" sz="800" i="0" b="0" u="none">
-                    <a:solidFill>
-                      <a:srgbClr val="000000">
-                        <a:alpha val="100000"/>
-                      </a:srgbClr>
-                    </a:solidFill>
-                    <a:latin typeface="Calibri"/>
-                    <a:cs typeface="Calibri"/>
-                    <a:ea typeface="Calibri"/>
-                    <a:sym typeface="Calibri"/>
-                  </a:defRPr>
-                </a:pPr>
-              </a:p>
-            </c:txPr>
-          </c:dLbls>
-          <c:cat>
-            <c:strRef>
-              <c:f>sheet1!$A$2:$A$3</c:f>
-              <c:strCache>
-                <c:ptCount val="2"/>
-                <c:pt idx="0">
-                  <c:v>Klas 2</c:v>
-                </c:pt>
-                <c:pt idx="1">
-                  <c:v>Klas 4</c:v>
-                </c:pt>
-              </c:strCache>
-            </c:strRef>
-          </c:cat>
-          <c:val>
-            <c:numRef>
-              <c:f>sheet1!$B$2:$B$3</c:f>
-              <c:numCache>
-                <c:ptCount val="2"/>
-                <c:pt idx="0">
-                  <c:v>0.2807977</c:v>
-                </c:pt>
-                <c:pt idx="1">
-                  <c:v>0.2509686</c:v>
-                </c:pt>
-              </c:numCache>
-            </c:numRef>
-          </c:val>
-        </c:ser>
-        <c:ser>
-          <c:idx val="1"/>
-          <c:order val="1"/>
-          <c:tx>
-            <c:strRef>
-              <c:f>sheet1!$C$1</c:f>
-              <c:strCache>
-                <c:ptCount val="1"/>
-                <c:pt idx="0">
-                  <c:v>Meisje</c:v>
-                </c:pt>
-              </c:strCache>
-            </c:strRef>
-          </c:tx>
-          <c:spPr>
-            <a:solidFill>
-              <a:srgbClr val="6FC7FF">
-                <a:alpha val="100000"/>
-              </a:srgbClr>
-            </a:solidFill>
-            <a:ln w="25400">
-              <a:solidFill>
-                <a:srgbClr val="FFFFFF">
-                  <a:alpha val="0"/>
-                </a:srgbClr>
-              </a:solidFill>
-            </a:ln>
-            <a:effectLst/>
-          </c:spPr>
-          <c:invertIfNegative val="0"/>
-          <c:dLbls>
-            <c:dLblPos val="outEnd"/>
-            <c:numFmt formatCode="0%" sourceLinked="0"/>
-            <c:separator val=", "/>
-            <c:showBubbleSize val="0"/>
-            <c:showCatName val="0"/>
-            <c:showLegendKey val="0"/>
-            <c:showPercent val="0"/>
-            <c:showSerName val="0"/>
-            <c:showVal val="1"/>
-            <c:txPr>
-              <a:bodyPr/>
-              <a:lstStyle/>
-              <a:p>
-                <a:pPr>
-                  <a:defRPr cap="none" sz="800" i="0" b="0" u="none">
-                    <a:solidFill>
-                      <a:srgbClr val="000000">
-                        <a:alpha val="100000"/>
-                      </a:srgbClr>
-                    </a:solidFill>
-                    <a:latin typeface="Calibri"/>
-                    <a:cs typeface="Calibri"/>
-                    <a:ea typeface="Calibri"/>
-                    <a:sym typeface="Calibri"/>
-                  </a:defRPr>
-                </a:pPr>
-              </a:p>
-            </c:txPr>
-          </c:dLbls>
-          <c:cat>
-            <c:strRef>
-              <c:f>sheet1!$A$2:$A$3</c:f>
-              <c:strCache>
-                <c:ptCount val="2"/>
-                <c:pt idx="0">
-                  <c:v>Klas 2</c:v>
-                </c:pt>
-                <c:pt idx="1">
-                  <c:v>Klas 4</c:v>
-                </c:pt>
-              </c:strCache>
-            </c:strRef>
-          </c:cat>
-          <c:val>
-            <c:numRef>
-              <c:f>sheet1!$C$2:$C$3</c:f>
-              <c:numCache>
-                <c:ptCount val="2"/>
-                <c:pt idx="0">
-                  <c:v>0.3162677</c:v>
-                </c:pt>
-                <c:pt idx="1">
-                  <c:v>0.3157002</c:v>
-                </c:pt>
-              </c:numCache>
-            </c:numRef>
-          </c:val>
-        </c:ser>
-        <c:dLbls>
-          <c:dLblPos val="outEnd"/>
-          <c:numFmt formatCode="0%" sourceLinked="0"/>
-          <c:separator val=", "/>
-          <c:showBubbleSize val="0"/>
-          <c:showCatName val="0"/>
-          <c:showLegendKey val="0"/>
-          <c:showPercent val="0"/>
-          <c:showSerName val="0"/>
-          <c:showVal val="1"/>
-        </c:dLbls>
-        <c:gapWidth val="150"/>
-        <c:overlap val="0"/>
-        <c:axId val="64451712"/>
-        <c:axId val="64453248"/>
-      </c:barChart>
-      <c:catAx>
-        <c:axId val="64451712"/>
-        <c:scaling>
-          <c:orientation val="minMax"/>
-        </c:scaling>
-        <c:delete val="0"/>
-        <c:axPos val="l"/>
-        <c:majorTickMark val="none"/>
-        <c:minorTickMark val="none"/>
-        <c:tickLblPos val="nextTo"/>
-        <c:txPr>
-          <a:bodyPr rot="0" vert="horz"/>
-          <a:lstStyle/>
-          <a:p>
-            <a:pPr>
-              <a:defRPr cap="none" sz="800" i="0" b="0" u="none">
-                <a:solidFill>
-                  <a:srgbClr val="000000">
-                    <a:alpha val="100000"/>
-                  </a:srgbClr>
-                </a:solidFill>
-                <a:latin typeface="Calibri"/>
-                <a:cs typeface="Calibri"/>
-                <a:ea typeface="Calibri"/>
-                <a:sym typeface="Calibri"/>
-              </a:defRPr>
-            </a:pPr>
-          </a:p>
-        </c:txPr>
-        <c:spPr>
-          <a:ln algn="ctr" w="12700">
-            <a:solidFill>
-              <a:srgbClr val="000000">
-                <a:alpha val="100000"/>
-              </a:srgbClr>
-            </a:solidFill>
-            <a:prstDash val="solid"/>
-          </a:ln>
-        </c:spPr>
-        <c:numFmt formatCode="General" sourceLinked="0"/>
-        <c:crossAx val="64453248"/>
-        <c:crosses val="autoZero"/>
-      </c:catAx>
-      <c:valAx>
-        <c:axId val="64453248"/>
-        <c:scaling>
-          <c:orientation val="minMax"/>
-          <c:max val="1.00"/>
-          <c:min val="0.00"/>
-        </c:scaling>
-        <c:delete val="0"/>
-        <c:axPos val="l"/>
-        <c:majorTickMark val="none"/>
-        <c:minorTickMark val="none"/>
-        <c:tickLblPos val="nextTo"/>
-        <c:txPr>
-          <a:bodyPr rot="0" vert="horz"/>
-          <a:lstStyle/>
-          <a:p>
-            <a:pPr>
-              <a:defRPr cap="none" sz="900" i="0" b="0" u="none">
-                <a:solidFill>
-                  <a:srgbClr val="000000">
-                    <a:alpha val="100000"/>
-                  </a:srgbClr>
-                </a:solidFill>
-                <a:latin typeface="Calibri"/>
-                <a:cs typeface="Calibri"/>
-                <a:ea typeface="Calibri"/>
-                <a:sym typeface="Calibri"/>
-              </a:defRPr>
-            </a:pPr>
-          </a:p>
-        </c:txPr>
-        <c:spPr>
-          <a:ln algn="ctr" w="12700">
-            <a:solidFill>
-              <a:srgbClr val="000000">
-                <a:alpha val="100000"/>
-              </a:srgbClr>
-            </a:solidFill>
-            <a:prstDash val="solid"/>
-          </a:ln>
-        </c:spPr>
-        <c:numFmt formatCode="0%" sourceLinked="0"/>
-        <c:crossAx val="64451712"/>
-        <c:crosses val="autoZero"/>
-      </c:valAx>
-    </c:plotArea>
-    <c:legend>
-      <c:legendPos val="b"/>
-      <c:layout/>
-      <c:overlay val="0"/>
-      <c:txPr xmlns:c="http://schemas.openxmlformats.org/drawingml/2006/chart" xmlns:a="http://schemas.openxmlformats.org/drawingml/2006/main">
-        <a:bodyPr/>
-        <a:lstStyle/>
-        <a:p>
-          <a:pPr>
-            <a:defRPr cap="none" sz="900" i="0" b="0" u="none">
-              <a:solidFill>
-                <a:srgbClr val="000000">
-                  <a:alpha val="100000"/>
-                </a:srgbClr>
-              </a:solidFill>
-              <a:latin typeface="Calibri"/>
-              <a:cs typeface="Calibri"/>
-              <a:ea typeface="Calibri"/>
-              <a:sym typeface="Calibri"/>
-            </a:defRPr>
-          </a:pPr>
-        </a:p>
-      </c:txPr>
-    </c:legend>
-    <c:plotVisOnly val="1"/>
-    <c:dispBlanksAs val="gap"/>
-    <c:showDLblsOverMax val="0"/>
-  </c:chart>
-  <c:txPr>
-    <a:bodyPr/>
-    <a:lstStyle/>
-    <a:p>
-      <a:pPr>
-        <a:defRPr sz="1800"/>
-      </a:pPr>
-      <a:endParaRPr lang="fr-FR"/>
-    </a:p>
-  </c:txPr>
-  <c:externalData r:id="rId1">
-    <c:autoUpdate val="0"/>
-  </c:externalData>
-</c:chartSpace>
-</file>
-
-<file path=ppt/charts/chart4928da847e4.xml><?xml version="1.0" encoding="utf-8"?>
-<c:chartSpace xmlns:c="http://schemas.openxmlformats.org/drawingml/2006/chart" xmlns:a="http://schemas.openxmlformats.org/drawingml/2006/main" xmlns:r="http://schemas.openxmlformats.org/officeDocument/2006/relationships">
-  <c:date1904 val="0"/>
-  <c:lang val="fr-FR"/>
-  <c:roundedCorners val="0"/>
-  <mc:AlternateContent xmlns:mc="http://schemas.openxmlformats.org/markup-compatibility/2006">
-    <mc:Choice xmlns:c14="http://schemas.microsoft.com/office/drawing/2007/8/2/chart" Requires="c14">
-      <c14:style val="118"/>
-    </mc:Choice>
-    <mc:Fallback>
-      <c:style val="18"/>
-    </mc:Fallback>
-  </mc:AlternateContent>
-  <c:chart>
-    <c:title xmlns:c="http://schemas.openxmlformats.org/drawingml/2006/chart" xmlns:a="http://schemas.openxmlformats.org/drawingml/2006/main" xmlns:r="http://schemas.openxmlformats.org/officeDocument/2006/relationships">
-      <c:tx>
-        <c:rich>
-          <a:bodyPr/>
-          <a:lstStyle/>
-          <a:p>
-            <a:pPr>
-              <a:defRPr/>
-            </a:pPr>
-            <a:r>
-              <a:rPr cap="none" sz="900" i="0" b="1" u="none">
-                <a:solidFill>
-                  <a:srgbClr val="000000">
-                    <a:alpha val="100000"/>
-                  </a:srgbClr>
-                </a:solidFill>
-                <a:latin typeface="Calibri"/>
-                <a:cs typeface="Calibri"/>
-                <a:ea typeface="Calibri"/>
-                <a:sym typeface="Calibri"/>
-              </a:rPr>
-              <a:t>Heeft psychische klachten</a:t>
-            </a:r>
-          </a:p>
-        </c:rich>
-      </c:tx>
-      <c:layout/>
-      <c:overlay val="0"/>
-    </c:title>
-    <c:autoTitleDeleted val="0"/>
-    <c:plotArea xmlns:c="http://schemas.openxmlformats.org/drawingml/2006/chart" xmlns:a="http://schemas.openxmlformats.org/drawingml/2006/main" xmlns:r="http://schemas.openxmlformats.org/officeDocument/2006/relationships">
-      <c:layout/>
-      <c:barChart>
-        <c:barDir val="col"/>
-        <c:grouping val="clustered"/>
-        <c:varyColors val="0"/>
-        <c:ser>
-          <c:idx val="0"/>
-          <c:order val="0"/>
-          <c:tx>
-            <c:strRef>
-              <c:f>sheet1!$B$1</c:f>
-              <c:strCache>
-                <c:ptCount val="1"/>
-                <c:pt idx="0">
-                  <c:v>Klas 2</c:v>
-                </c:pt>
-              </c:strCache>
-            </c:strRef>
-          </c:tx>
-          <c:spPr>
-            <a:solidFill>
-              <a:srgbClr val="005C96">
-                <a:alpha val="100000"/>
-              </a:srgbClr>
-            </a:solidFill>
-            <a:ln w="25400">
-              <a:solidFill>
-                <a:srgbClr val="FFFFFF">
-                  <a:alpha val="0"/>
-                </a:srgbClr>
-              </a:solidFill>
-            </a:ln>
-            <a:effectLst/>
-          </c:spPr>
-          <c:invertIfNegative val="0"/>
-          <c:dLbls>
-            <c:dLblPos val="outEnd"/>
-            <c:numFmt formatCode="0%" sourceLinked="0"/>
-            <c:separator val=", "/>
-            <c:showBubbleSize val="0"/>
-            <c:showCatName val="0"/>
-            <c:showLegendKey val="0"/>
-            <c:showPercent val="0"/>
-            <c:showSerName val="0"/>
-            <c:showVal val="1"/>
-            <c:txPr>
-              <a:bodyPr/>
-              <a:lstStyle/>
-              <a:p>
-                <a:pPr>
-                  <a:defRPr cap="none" sz="800" i="0" b="0" u="none">
-                    <a:solidFill>
-                      <a:srgbClr val="000000">
-                        <a:alpha val="100000"/>
-                      </a:srgbClr>
-                    </a:solidFill>
-                    <a:latin typeface="Calibri"/>
-                    <a:cs typeface="Calibri"/>
-                    <a:ea typeface="Calibri"/>
-                    <a:sym typeface="Calibri"/>
-                  </a:defRPr>
-                </a:pPr>
-              </a:p>
-            </c:txPr>
-          </c:dLbls>
-          <c:cat>
-            <c:strRef>
-              <c:f>sheet1!$A$2:$A$2</c:f>
-              <c:strCache>
-                <c:ptCount val="1"/>
-                <c:pt idx="0">
-                  <c:v>Ja</c:v>
-                </c:pt>
-              </c:strCache>
-            </c:strRef>
-          </c:cat>
-          <c:val>
-            <c:numRef>
-              <c:f>sheet1!$B$2:$B$2</c:f>
-              <c:numCache>
-                <c:ptCount val="1"/>
-                <c:pt idx="0">
-                  <c:v>0.2948169</c:v>
-                </c:pt>
-              </c:numCache>
-            </c:numRef>
-          </c:val>
-        </c:ser>
-        <c:ser>
-          <c:idx val="1"/>
-          <c:order val="1"/>
-          <c:tx>
-            <c:strRef>
-              <c:f>sheet1!$C$1</c:f>
-              <c:strCache>
-                <c:ptCount val="1"/>
-                <c:pt idx="0">
-                  <c:v>Klas 4</c:v>
-                </c:pt>
-              </c:strCache>
-            </c:strRef>
-          </c:tx>
-          <c:spPr>
-            <a:solidFill>
-              <a:srgbClr val="6FC7FF">
-                <a:alpha val="100000"/>
-              </a:srgbClr>
-            </a:solidFill>
-            <a:ln w="25400">
-              <a:solidFill>
-                <a:srgbClr val="FFFFFF">
-                  <a:alpha val="0"/>
-                </a:srgbClr>
-              </a:solidFill>
-            </a:ln>
-            <a:effectLst/>
-          </c:spPr>
-          <c:invertIfNegative val="0"/>
-          <c:dLbls>
-            <c:dLblPos val="outEnd"/>
-            <c:numFmt formatCode="0%" sourceLinked="0"/>
-            <c:separator val=", "/>
-            <c:showBubbleSize val="0"/>
-            <c:showCatName val="0"/>
-            <c:showLegendKey val="0"/>
-            <c:showPercent val="0"/>
-            <c:showSerName val="0"/>
-            <c:showVal val="1"/>
-            <c:txPr>
-              <a:bodyPr/>
-              <a:lstStyle/>
-              <a:p>
-                <a:pPr>
-                  <a:defRPr cap="none" sz="800" i="0" b="0" u="none">
-                    <a:solidFill>
-                      <a:srgbClr val="000000">
-                        <a:alpha val="100000"/>
-                      </a:srgbClr>
-                    </a:solidFill>
-                    <a:latin typeface="Calibri"/>
-                    <a:cs typeface="Calibri"/>
-                    <a:ea typeface="Calibri"/>
-                    <a:sym typeface="Calibri"/>
-                  </a:defRPr>
-                </a:pPr>
-              </a:p>
-            </c:txPr>
-          </c:dLbls>
-          <c:cat>
-            <c:strRef>
-              <c:f>sheet1!$A$2:$A$2</c:f>
-              <c:strCache>
-                <c:ptCount val="1"/>
-                <c:pt idx="0">
-                  <c:v>Ja</c:v>
-                </c:pt>
-              </c:strCache>
-            </c:strRef>
-          </c:cat>
-          <c:val>
-            <c:numRef>
-              <c:f>sheet1!$C$2:$C$2</c:f>
-              <c:numCache>
-                <c:ptCount val="1"/>
-                <c:pt idx="0">
-                  <c:v>0.2787797</c:v>
-                </c:pt>
-              </c:numCache>
-            </c:numRef>
-          </c:val>
-        </c:ser>
-        <c:dLbls>
-          <c:dLblPos val="outEnd"/>
-          <c:numFmt formatCode="0%" sourceLinked="0"/>
-          <c:separator val=", "/>
-          <c:showBubbleSize val="0"/>
-          <c:showCatName val="0"/>
-          <c:showLegendKey val="0"/>
-          <c:showPercent val="0"/>
-          <c:showSerName val="0"/>
-          <c:showVal val="1"/>
-        </c:dLbls>
-        <c:gapWidth val="150"/>
-        <c:overlap val="0"/>
-        <c:axId val="64451712"/>
-        <c:axId val="64453248"/>
-      </c:barChart>
-      <c:catAx>
-        <c:axId val="64451712"/>
-        <c:scaling>
-          <c:orientation val="minMax"/>
-        </c:scaling>
-        <c:delete val="0"/>
-        <c:axPos val="l"/>
-        <c:majorTickMark val="none"/>
-        <c:minorTickMark val="none"/>
-        <c:tickLblPos val="nextTo"/>
-        <c:txPr>
-          <a:bodyPr rot="0" vert="horz"/>
-          <a:lstStyle/>
-          <a:p>
-            <a:pPr>
-              <a:defRPr cap="none" sz="800" i="0" b="0" u="none">
-                <a:solidFill>
-                  <a:srgbClr val="000000">
-                    <a:alpha val="100000"/>
-                  </a:srgbClr>
-                </a:solidFill>
-                <a:latin typeface="Calibri"/>
-                <a:cs typeface="Calibri"/>
-                <a:ea typeface="Calibri"/>
-                <a:sym typeface="Calibri"/>
-              </a:defRPr>
-            </a:pPr>
-          </a:p>
-        </c:txPr>
-        <c:spPr>
-          <a:ln algn="ctr" w="12700">
-            <a:solidFill>
-              <a:srgbClr val="000000">
-                <a:alpha val="100000"/>
-              </a:srgbClr>
-            </a:solidFill>
-            <a:prstDash val="solid"/>
-          </a:ln>
-        </c:spPr>
-        <c:numFmt formatCode="General" sourceLinked="0"/>
-        <c:crossAx val="64453248"/>
-        <c:crosses val="autoZero"/>
-      </c:catAx>
-      <c:valAx>
-        <c:axId val="64453248"/>
-        <c:scaling>
-          <c:orientation val="minMax"/>
-          <c:max val="1.00"/>
-          <c:min val="0.00"/>
-        </c:scaling>
-        <c:delete val="0"/>
-        <c:axPos val="l"/>
-        <c:majorTickMark val="none"/>
-        <c:minorTickMark val="none"/>
-        <c:tickLblPos val="nextTo"/>
-        <c:txPr>
-          <a:bodyPr rot="0" vert="horz"/>
-          <a:lstStyle/>
-          <a:p>
-            <a:pPr>
-              <a:defRPr cap="none" sz="900" i="0" b="0" u="none">
-                <a:solidFill>
-                  <a:srgbClr val="000000">
-                    <a:alpha val="100000"/>
-                  </a:srgbClr>
-                </a:solidFill>
-                <a:latin typeface="Calibri"/>
-                <a:cs typeface="Calibri"/>
-                <a:ea typeface="Calibri"/>
-                <a:sym typeface="Calibri"/>
-              </a:defRPr>
-            </a:pPr>
-          </a:p>
-        </c:txPr>
-        <c:spPr>
-          <a:ln algn="ctr" w="12700">
-            <a:solidFill>
-              <a:srgbClr val="000000">
-                <a:alpha val="100000"/>
-              </a:srgbClr>
-            </a:solidFill>
-            <a:prstDash val="solid"/>
-          </a:ln>
-        </c:spPr>
-        <c:numFmt formatCode="0%" sourceLinked="0"/>
-        <c:crossAx val="64451712"/>
-        <c:crosses val="autoZero"/>
-      </c:valAx>
-    </c:plotArea>
-    <c:legend>
-      <c:legendPos val="b"/>
-      <c:layout/>
-      <c:overlay val="0"/>
-      <c:txPr xmlns:c="http://schemas.openxmlformats.org/drawingml/2006/chart" xmlns:a="http://schemas.openxmlformats.org/drawingml/2006/main">
-        <a:bodyPr/>
-        <a:lstStyle/>
-        <a:p>
-          <a:pPr>
-            <a:defRPr cap="none" sz="900" i="0" b="0" u="none">
-              <a:solidFill>
-                <a:srgbClr val="000000">
-                  <a:alpha val="100000"/>
-                </a:srgbClr>
-              </a:solidFill>
-              <a:latin typeface="Calibri"/>
-              <a:cs typeface="Calibri"/>
-              <a:ea typeface="Calibri"/>
-              <a:sym typeface="Calibri"/>
-            </a:defRPr>
-          </a:pPr>
-        </a:p>
-      </c:txPr>
-    </c:legend>
     <c:plotVisOnly val="1"/>
     <c:dispBlanksAs val="gap"/>
     <c:showDLblsOverMax val="0"/>
@@ -3603,7 +3606,7 @@
           <a:p>
             <a:fld id="{BBEDBBAB-6028-4680-9556-A8238B314949}" type="datetimeFigureOut">
               <a:rPr lang="nl-NL" smtClean="0"/>
-              <a:t>17-4-2025</a:t>
+              <a:t>30-4-2025</a:t>
             </a:fld>
             <a:endParaRPr lang="nl-NL"/>
           </a:p>
@@ -3779,7 +3782,7 @@
           </a:lstStyle>
           <a:p>
             <a:fld id="{37F81271-B6F7-4A7E-8F6C-1E1DF4AA2733}" type="datetimeFigureOut">
-              <a:t>17-4-2025</a:t>
+              <a:t>30-4-2025</a:t>
             </a:fld>
             <a:endParaRPr lang="nl-NL"/>
           </a:p>
@@ -4917,7 +4920,1381 @@
 </p:sldLayout>
 </file>
 
+<file path=ppt/slideLayouts/slideLayout10.xml><?xml version="1.0" encoding="utf-8"?>
+<p:sldLayout xmlns:a="http://schemas.openxmlformats.org/drawingml/2006/main" xmlns:r="http://schemas.openxmlformats.org/officeDocument/2006/relationships" xmlns:p="http://schemas.openxmlformats.org/presentationml/2006/main" preserve="1" userDrawn="1">
+  <p:cSld name="Rekenhulp">
+    <p:spTree>
+      <p:nvGrpSpPr>
+        <p:cNvPr id="1" name=""/>
+        <p:cNvGrpSpPr/>
+        <p:nvPr/>
+      </p:nvGrpSpPr>
+      <p:grpSpPr>
+        <a:xfrm>
+          <a:off x="0" y="0"/>
+          <a:ext cx="0" cy="0"/>
+          <a:chOff x="0" y="0"/>
+          <a:chExt cx="0" cy="0"/>
+        </a:xfrm>
+      </p:grpSpPr>
+      <p:cxnSp>
+        <p:nvCxnSpPr>
+          <p:cNvPr id="2" name="Rechter scheidingslijn" hidden="1">
+            <a:extLst>
+              <a:ext uri="{FF2B5EF4-FFF2-40B4-BE49-F238E27FC236}">
+                <a16:creationId xmlns:a16="http://schemas.microsoft.com/office/drawing/2014/main" id="{4F24702C-E64E-2547-EF7A-D18982DAC4CD}"/>
+              </a:ext>
+            </a:extLst>
+          </p:cNvPr>
+          <p:cNvCxnSpPr>
+            <a:cxnSpLocks/>
+          </p:cNvCxnSpPr>
+          <p:nvPr userDrawn="1"/>
+        </p:nvCxnSpPr>
+        <p:spPr>
+          <a:xfrm flipV="1">
+            <a:off x="8051825" y="1519200"/>
+            <a:ext cx="0" cy="4881600"/>
+          </a:xfrm>
+          <a:prstGeom prst="line">
+            <a:avLst/>
+          </a:prstGeom>
+          <a:ln w="12700">
+            <a:solidFill>
+              <a:schemeClr val="tx2">
+                <a:lumMod val="20000"/>
+                <a:lumOff val="80000"/>
+              </a:schemeClr>
+            </a:solidFill>
+          </a:ln>
+        </p:spPr>
+        <p:style>
+          <a:lnRef idx="1">
+            <a:schemeClr val="accent1"/>
+          </a:lnRef>
+          <a:fillRef idx="0">
+            <a:schemeClr val="accent1"/>
+          </a:fillRef>
+          <a:effectRef idx="0">
+            <a:schemeClr val="accent1"/>
+          </a:effectRef>
+          <a:fontRef idx="minor">
+            <a:schemeClr val="tx1"/>
+          </a:fontRef>
+        </p:style>
+      </p:cxnSp>
+      <p:cxnSp>
+        <p:nvCxnSpPr>
+          <p:cNvPr id="5" name="Linker scheidingslijn">
+            <a:extLst>
+              <a:ext uri="{FF2B5EF4-FFF2-40B4-BE49-F238E27FC236}">
+                <a16:creationId xmlns:a16="http://schemas.microsoft.com/office/drawing/2014/main" id="{024B5762-4C9B-2E1A-D584-EA7C43CAD9B0}"/>
+              </a:ext>
+            </a:extLst>
+          </p:cNvPr>
+          <p:cNvCxnSpPr>
+            <a:cxnSpLocks/>
+          </p:cNvCxnSpPr>
+          <p:nvPr userDrawn="1"/>
+        </p:nvCxnSpPr>
+        <p:spPr>
+          <a:xfrm flipV="1">
+            <a:off x="4140175" y="1519200"/>
+            <a:ext cx="0" cy="4881600"/>
+          </a:xfrm>
+          <a:prstGeom prst="line">
+            <a:avLst/>
+          </a:prstGeom>
+          <a:ln w="12700">
+            <a:solidFill>
+              <a:schemeClr val="tx2">
+                <a:lumMod val="20000"/>
+                <a:lumOff val="80000"/>
+              </a:schemeClr>
+            </a:solidFill>
+          </a:ln>
+        </p:spPr>
+        <p:style>
+          <a:lnRef idx="1">
+            <a:schemeClr val="accent1"/>
+          </a:lnRef>
+          <a:fillRef idx="0">
+            <a:schemeClr val="accent1"/>
+          </a:fillRef>
+          <a:effectRef idx="0">
+            <a:schemeClr val="accent1"/>
+          </a:effectRef>
+          <a:fontRef idx="minor">
+            <a:schemeClr val="tx1"/>
+          </a:fontRef>
+        </p:style>
+      </p:cxnSp>
+      <p:sp>
+        <p:nvSpPr>
+          <p:cNvPr id="6" name="Rechtervlak" hidden="1">
+            <a:extLst>
+              <a:ext uri="{FF2B5EF4-FFF2-40B4-BE49-F238E27FC236}">
+                <a16:creationId xmlns:a16="http://schemas.microsoft.com/office/drawing/2014/main" id="{C48817EE-9108-2543-1BCB-27B17B31E919}"/>
+              </a:ext>
+            </a:extLst>
+          </p:cNvPr>
+          <p:cNvSpPr/>
+          <p:nvPr userDrawn="1"/>
+        </p:nvSpPr>
+        <p:spPr>
+          <a:xfrm>
+            <a:off x="8280408" y="1520170"/>
+            <a:ext cx="3454375" cy="4880630"/>
+          </a:xfrm>
+          <a:prstGeom prst="rect">
+            <a:avLst/>
+          </a:prstGeom>
+          <a:solidFill>
+            <a:schemeClr val="bg1">
+              <a:lumMod val="95000"/>
+            </a:schemeClr>
+          </a:solidFill>
+          <a:ln>
+            <a:noFill/>
+          </a:ln>
+        </p:spPr>
+        <p:style>
+          <a:lnRef idx="2">
+            <a:schemeClr val="accent1">
+              <a:shade val="15000"/>
+            </a:schemeClr>
+          </a:lnRef>
+          <a:fillRef idx="1">
+            <a:schemeClr val="accent1"/>
+          </a:fillRef>
+          <a:effectRef idx="0">
+            <a:schemeClr val="accent1"/>
+          </a:effectRef>
+          <a:fontRef idx="minor">
+            <a:schemeClr val="lt1"/>
+          </a:fontRef>
+        </p:style>
+        <p:txBody>
+          <a:bodyPr rtlCol="0" anchor="ctr"/>
+          <a:lstStyle/>
+          <a:p>
+            <a:pPr algn="ctr"/>
+            <a:endParaRPr lang="nl-NL" sz="3124"/>
+          </a:p>
+        </p:txBody>
+      </p:sp>
+      <p:sp>
+        <p:nvSpPr>
+          <p:cNvPr id="7" name="Middenvlak" hidden="1">
+            <a:extLst>
+              <a:ext uri="{FF2B5EF4-FFF2-40B4-BE49-F238E27FC236}">
+                <a16:creationId xmlns:a16="http://schemas.microsoft.com/office/drawing/2014/main" id="{E136F790-08A3-3874-D920-266B03612B9F}"/>
+              </a:ext>
+            </a:extLst>
+          </p:cNvPr>
+          <p:cNvSpPr/>
+          <p:nvPr userDrawn="1"/>
+        </p:nvSpPr>
+        <p:spPr>
+          <a:xfrm>
+            <a:off x="4368869" y="1519200"/>
+            <a:ext cx="3454375" cy="4880630"/>
+          </a:xfrm>
+          <a:prstGeom prst="rect">
+            <a:avLst/>
+          </a:prstGeom>
+          <a:solidFill>
+            <a:schemeClr val="bg1">
+              <a:lumMod val="95000"/>
+            </a:schemeClr>
+          </a:solidFill>
+          <a:ln>
+            <a:noFill/>
+          </a:ln>
+        </p:spPr>
+        <p:style>
+          <a:lnRef idx="2">
+            <a:schemeClr val="accent1">
+              <a:shade val="15000"/>
+            </a:schemeClr>
+          </a:lnRef>
+          <a:fillRef idx="1">
+            <a:schemeClr val="accent1"/>
+          </a:fillRef>
+          <a:effectRef idx="0">
+            <a:schemeClr val="accent1"/>
+          </a:effectRef>
+          <a:fontRef idx="minor">
+            <a:schemeClr val="lt1"/>
+          </a:fontRef>
+        </p:style>
+        <p:txBody>
+          <a:bodyPr rtlCol="0" anchor="ctr"/>
+          <a:lstStyle/>
+          <a:p>
+            <a:pPr algn="ctr"/>
+            <a:endParaRPr lang="nl-NL" sz="3124"/>
+          </a:p>
+        </p:txBody>
+      </p:sp>
+      <p:sp>
+        <p:nvSpPr>
+          <p:cNvPr id="8" name="Linkervlak" hidden="1">
+            <a:extLst>
+              <a:ext uri="{FF2B5EF4-FFF2-40B4-BE49-F238E27FC236}">
+                <a16:creationId xmlns:a16="http://schemas.microsoft.com/office/drawing/2014/main" id="{D6EE9A9C-0C94-24AE-98D4-30E97FD9D95E}"/>
+              </a:ext>
+            </a:extLst>
+          </p:cNvPr>
+          <p:cNvSpPr/>
+          <p:nvPr userDrawn="1"/>
+        </p:nvSpPr>
+        <p:spPr>
+          <a:xfrm>
+            <a:off x="457220" y="1520170"/>
+            <a:ext cx="3454375" cy="4880630"/>
+          </a:xfrm>
+          <a:prstGeom prst="rect">
+            <a:avLst/>
+          </a:prstGeom>
+          <a:solidFill>
+            <a:schemeClr val="bg1">
+              <a:lumMod val="95000"/>
+            </a:schemeClr>
+          </a:solidFill>
+          <a:ln>
+            <a:noFill/>
+          </a:ln>
+        </p:spPr>
+        <p:style>
+          <a:lnRef idx="2">
+            <a:schemeClr val="accent1">
+              <a:shade val="15000"/>
+            </a:schemeClr>
+          </a:lnRef>
+          <a:fillRef idx="1">
+            <a:schemeClr val="accent1"/>
+          </a:fillRef>
+          <a:effectRef idx="0">
+            <a:schemeClr val="accent1"/>
+          </a:effectRef>
+          <a:fontRef idx="minor">
+            <a:schemeClr val="lt1"/>
+          </a:fontRef>
+        </p:style>
+        <p:txBody>
+          <a:bodyPr rtlCol="0" anchor="ctr"/>
+          <a:lstStyle/>
+          <a:p>
+            <a:pPr algn="ctr"/>
+            <a:endParaRPr lang="nl-NL" sz="3124"/>
+          </a:p>
+        </p:txBody>
+      </p:sp>
+      <p:sp>
+        <p:nvSpPr>
+          <p:cNvPr id="10" name="Driehoek">
+            <a:extLst>
+              <a:ext uri="{FF2B5EF4-FFF2-40B4-BE49-F238E27FC236}">
+                <a16:creationId xmlns:a16="http://schemas.microsoft.com/office/drawing/2014/main" id="{D382B982-138B-EF5F-A4A3-F952DD1C516E}"/>
+              </a:ext>
+            </a:extLst>
+          </p:cNvPr>
+          <p:cNvSpPr/>
+          <p:nvPr userDrawn="1"/>
+        </p:nvSpPr>
+        <p:spPr>
+          <a:xfrm rot="10800000" flipH="1">
+            <a:off x="9719594" y="0"/>
+            <a:ext cx="576000" cy="1066800"/>
+          </a:xfrm>
+          <a:prstGeom prst="rtTriangle">
+            <a:avLst/>
+          </a:prstGeom>
+          <a:solidFill>
+            <a:schemeClr val="accent1"/>
+          </a:solidFill>
+          <a:ln>
+            <a:noFill/>
+          </a:ln>
+        </p:spPr>
+        <p:style>
+          <a:lnRef idx="2">
+            <a:schemeClr val="accent1">
+              <a:shade val="50000"/>
+            </a:schemeClr>
+          </a:lnRef>
+          <a:fillRef idx="1">
+            <a:schemeClr val="accent1"/>
+          </a:fillRef>
+          <a:effectRef idx="0">
+            <a:schemeClr val="accent1"/>
+          </a:effectRef>
+          <a:fontRef idx="minor">
+            <a:schemeClr val="lt1"/>
+          </a:fontRef>
+        </p:style>
+        <p:txBody>
+          <a:bodyPr rtlCol="0" anchor="ctr"/>
+          <a:lstStyle/>
+          <a:p>
+            <a:pPr algn="l"/>
+            <a:endParaRPr lang="en-US" sz="2391" b="1">
+              <a:latin typeface="+mn-lt"/>
+            </a:endParaRPr>
+          </a:p>
+        </p:txBody>
+      </p:sp>
+      <p:sp>
+        <p:nvSpPr>
+          <p:cNvPr id="11" name="Titelblok">
+            <a:extLst>
+              <a:ext uri="{FF2B5EF4-FFF2-40B4-BE49-F238E27FC236}">
+                <a16:creationId xmlns:a16="http://schemas.microsoft.com/office/drawing/2014/main" id="{25BB0762-1AD0-F5A1-E01E-F53682EB8F5D}"/>
+              </a:ext>
+            </a:extLst>
+          </p:cNvPr>
+          <p:cNvSpPr/>
+          <p:nvPr userDrawn="1"/>
+        </p:nvSpPr>
+        <p:spPr>
+          <a:xfrm>
+            <a:off x="1" y="0"/>
+            <a:ext cx="9719589" cy="1066800"/>
+          </a:xfrm>
+          <a:prstGeom prst="rect">
+            <a:avLst/>
+          </a:prstGeom>
+          <a:solidFill>
+            <a:schemeClr val="accent1"/>
+          </a:solidFill>
+          <a:ln>
+            <a:noFill/>
+          </a:ln>
+        </p:spPr>
+        <p:style>
+          <a:lnRef idx="2">
+            <a:schemeClr val="accent1">
+              <a:shade val="50000"/>
+            </a:schemeClr>
+          </a:lnRef>
+          <a:fillRef idx="1">
+            <a:schemeClr val="accent1"/>
+          </a:fillRef>
+          <a:effectRef idx="0">
+            <a:schemeClr val="accent1"/>
+          </a:effectRef>
+          <a:fontRef idx="minor">
+            <a:schemeClr val="lt1"/>
+          </a:fontRef>
+        </p:style>
+        <p:txBody>
+          <a:bodyPr rtlCol="0" anchor="ctr"/>
+          <a:lstStyle/>
+          <a:p>
+            <a:pPr marL="0" indent="360388" algn="l"/>
+            <a:r>
+              <a:rPr lang="nl-NL" sz="2400" b="1" noProof="0" dirty="0">
+                <a:latin typeface="+mj-lt"/>
+              </a:rPr>
+              <a:t>Rekenhulp</a:t>
+            </a:r>
+          </a:p>
+        </p:txBody>
+      </p:sp>
+      <p:sp>
+        <p:nvSpPr>
+          <p:cNvPr id="13" name="Tekstvak">
+            <a:extLst>
+              <a:ext uri="{FF2B5EF4-FFF2-40B4-BE49-F238E27FC236}">
+                <a16:creationId xmlns:a16="http://schemas.microsoft.com/office/drawing/2014/main" id="{B5C74B2A-748B-0740-1934-6885F2B1E828}"/>
+              </a:ext>
+            </a:extLst>
+          </p:cNvPr>
+          <p:cNvSpPr txBox="1"/>
+          <p:nvPr userDrawn="1"/>
+        </p:nvSpPr>
+        <p:spPr>
+          <a:xfrm>
+            <a:off x="457218" y="1519201"/>
+            <a:ext cx="3456000" cy="577081"/>
+          </a:xfrm>
+          <a:prstGeom prst="rect">
+            <a:avLst/>
+          </a:prstGeom>
+          <a:noFill/>
+        </p:spPr>
+        <p:txBody>
+          <a:bodyPr rot="0" spcFirstLastPara="0" vert="horz" wrap="square" lIns="91440" tIns="45720" rIns="91440" bIns="45720" numCol="1" spcCol="0" rtlCol="0" fromWordArt="0" anchor="t" anchorCtr="0" forceAA="0" compatLnSpc="1">
+            <a:prstTxWarp prst="textNoShape">
+              <a:avLst/>
+            </a:prstTxWarp>
+            <a:spAutoFit/>
+          </a:bodyPr>
+          <a:lstStyle>
+            <a:defPPr>
+              <a:defRPr lang="nl-NL"/>
+            </a:defPPr>
+            <a:lvl1pPr marL="0" algn="l" defTabSz="839852" rtl="0" eaLnBrk="1" latinLnBrk="0" hangingPunct="1">
+              <a:defRPr sz="1653" kern="1200">
+                <a:solidFill>
+                  <a:schemeClr val="tx1"/>
+                </a:solidFill>
+                <a:latin typeface="+mn-lt"/>
+                <a:ea typeface="+mn-ea"/>
+                <a:cs typeface="+mn-cs"/>
+              </a:defRPr>
+            </a:lvl1pPr>
+            <a:lvl2pPr marL="419926" algn="l" defTabSz="839852" rtl="0" eaLnBrk="1" latinLnBrk="0" hangingPunct="1">
+              <a:defRPr sz="1653" kern="1200">
+                <a:solidFill>
+                  <a:schemeClr val="tx1"/>
+                </a:solidFill>
+                <a:latin typeface="+mn-lt"/>
+                <a:ea typeface="+mn-ea"/>
+                <a:cs typeface="+mn-cs"/>
+              </a:defRPr>
+            </a:lvl2pPr>
+            <a:lvl3pPr marL="839852" algn="l" defTabSz="839852" rtl="0" eaLnBrk="1" latinLnBrk="0" hangingPunct="1">
+              <a:defRPr sz="1653" kern="1200">
+                <a:solidFill>
+                  <a:schemeClr val="tx1"/>
+                </a:solidFill>
+                <a:latin typeface="+mn-lt"/>
+                <a:ea typeface="+mn-ea"/>
+                <a:cs typeface="+mn-cs"/>
+              </a:defRPr>
+            </a:lvl3pPr>
+            <a:lvl4pPr marL="1259779" algn="l" defTabSz="839852" rtl="0" eaLnBrk="1" latinLnBrk="0" hangingPunct="1">
+              <a:defRPr sz="1653" kern="1200">
+                <a:solidFill>
+                  <a:schemeClr val="tx1"/>
+                </a:solidFill>
+                <a:latin typeface="+mn-lt"/>
+                <a:ea typeface="+mn-ea"/>
+                <a:cs typeface="+mn-cs"/>
+              </a:defRPr>
+            </a:lvl4pPr>
+            <a:lvl5pPr marL="1679704" algn="l" defTabSz="839852" rtl="0" eaLnBrk="1" latinLnBrk="0" hangingPunct="1">
+              <a:defRPr sz="1653" kern="1200">
+                <a:solidFill>
+                  <a:schemeClr val="tx1"/>
+                </a:solidFill>
+                <a:latin typeface="+mn-lt"/>
+                <a:ea typeface="+mn-ea"/>
+                <a:cs typeface="+mn-cs"/>
+              </a:defRPr>
+            </a:lvl5pPr>
+            <a:lvl6pPr marL="2099630" algn="l" defTabSz="839852" rtl="0" eaLnBrk="1" latinLnBrk="0" hangingPunct="1">
+              <a:defRPr sz="1653" kern="1200">
+                <a:solidFill>
+                  <a:schemeClr val="tx1"/>
+                </a:solidFill>
+                <a:latin typeface="+mn-lt"/>
+                <a:ea typeface="+mn-ea"/>
+                <a:cs typeface="+mn-cs"/>
+              </a:defRPr>
+            </a:lvl6pPr>
+            <a:lvl7pPr marL="2519556" algn="l" defTabSz="839852" rtl="0" eaLnBrk="1" latinLnBrk="0" hangingPunct="1">
+              <a:defRPr sz="1653" kern="1200">
+                <a:solidFill>
+                  <a:schemeClr val="tx1"/>
+                </a:solidFill>
+                <a:latin typeface="+mn-lt"/>
+                <a:ea typeface="+mn-ea"/>
+                <a:cs typeface="+mn-cs"/>
+              </a:defRPr>
+            </a:lvl7pPr>
+            <a:lvl8pPr marL="2939482" algn="l" defTabSz="839852" rtl="0" eaLnBrk="1" latinLnBrk="0" hangingPunct="1">
+              <a:defRPr sz="1653" kern="1200">
+                <a:solidFill>
+                  <a:schemeClr val="tx1"/>
+                </a:solidFill>
+                <a:latin typeface="+mn-lt"/>
+                <a:ea typeface="+mn-ea"/>
+                <a:cs typeface="+mn-cs"/>
+              </a:defRPr>
+            </a:lvl8pPr>
+            <a:lvl9pPr marL="3359408" algn="l" defTabSz="839852" rtl="0" eaLnBrk="1" latinLnBrk="0" hangingPunct="1">
+              <a:defRPr sz="1653" kern="1200">
+                <a:solidFill>
+                  <a:schemeClr val="tx1"/>
+                </a:solidFill>
+                <a:latin typeface="+mn-lt"/>
+                <a:ea typeface="+mn-ea"/>
+                <a:cs typeface="+mn-cs"/>
+              </a:defRPr>
+            </a:lvl9pPr>
+          </a:lstStyle>
+          <a:p>
+            <a:pPr marL="0" marR="0" lvl="0" indent="0" algn="l" defTabSz="839909" rtl="0" eaLnBrk="1" fontAlgn="auto" latinLnBrk="0" hangingPunct="1">
+              <a:lnSpc>
+                <a:spcPct val="100000"/>
+              </a:lnSpc>
+              <a:spcBef>
+                <a:spcPts val="0"/>
+              </a:spcBef>
+              <a:spcAft>
+                <a:spcPts val="0"/>
+              </a:spcAft>
+              <a:buClrTx/>
+              <a:buSzTx/>
+              <a:buFontTx/>
+              <a:buNone/>
+              <a:tabLst/>
+              <a:defRPr/>
+            </a:pPr>
+            <a:r>
+              <a:rPr lang="nl-NL" sz="1050" b="1" noProof="0" dirty="0">
+                <a:latin typeface="+mj-lt"/>
+              </a:rPr>
+              <a:t>Rekenhulp</a:t>
+            </a:r>
+            <a:endParaRPr lang="nl-NL" sz="1050" b="1" kern="1200" dirty="0">
+              <a:solidFill>
+                <a:schemeClr val="tx1"/>
+              </a:solidFill>
+              <a:latin typeface="+mn-lt"/>
+              <a:ea typeface="+mn-ea"/>
+              <a:cs typeface="+mn-cs"/>
+            </a:endParaRPr>
+          </a:p>
+          <a:p>
+            <a:pPr marL="0" marR="0" lvl="0" indent="0" algn="l" defTabSz="839909" rtl="0" eaLnBrk="1" fontAlgn="auto" latinLnBrk="0" hangingPunct="1">
+              <a:lnSpc>
+                <a:spcPct val="100000"/>
+              </a:lnSpc>
+              <a:spcBef>
+                <a:spcPts val="0"/>
+              </a:spcBef>
+              <a:spcAft>
+                <a:spcPts val="0"/>
+              </a:spcAft>
+              <a:buClrTx/>
+              <a:buSzTx/>
+              <a:buFontTx/>
+              <a:buNone/>
+              <a:tabLst/>
+              <a:defRPr/>
+            </a:pPr>
+            <a:endParaRPr lang="nl-NL" sz="1050" b="1" kern="1200" dirty="0">
+              <a:solidFill>
+                <a:schemeClr val="tx1"/>
+              </a:solidFill>
+              <a:latin typeface="+mn-lt"/>
+              <a:ea typeface="+mn-ea"/>
+              <a:cs typeface="+mn-cs"/>
+            </a:endParaRPr>
+          </a:p>
+          <a:p>
+            <a:pPr marL="0" marR="0" lvl="0" indent="0" algn="l" defTabSz="839909" rtl="0" eaLnBrk="1" fontAlgn="auto" latinLnBrk="0" hangingPunct="1">
+              <a:lnSpc>
+                <a:spcPct val="100000"/>
+              </a:lnSpc>
+              <a:spcBef>
+                <a:spcPts val="0"/>
+              </a:spcBef>
+              <a:spcAft>
+                <a:spcPts val="0"/>
+              </a:spcAft>
+              <a:buClrTx/>
+              <a:buSzTx/>
+              <a:buFontTx/>
+              <a:buNone/>
+              <a:tabLst/>
+              <a:defRPr/>
+            </a:pPr>
+            <a:r>
+              <a:rPr lang="nl-NL" sz="1050" b="0" kern="1200" dirty="0">
+                <a:solidFill>
+                  <a:schemeClr val="tx1"/>
+                </a:solidFill>
+                <a:latin typeface="+mn-lt"/>
+                <a:ea typeface="+mn-ea"/>
+                <a:cs typeface="+mn-cs"/>
+              </a:rPr>
+              <a:t>Tekst.</a:t>
+            </a:r>
+          </a:p>
+        </p:txBody>
+      </p:sp>
+      <p:cxnSp>
+        <p:nvCxnSpPr>
+          <p:cNvPr id="21" name="Linker scheidingslijn">
+            <a:extLst>
+              <a:ext uri="{FF2B5EF4-FFF2-40B4-BE49-F238E27FC236}">
+                <a16:creationId xmlns:a16="http://schemas.microsoft.com/office/drawing/2014/main" id="{875B34E6-233B-E234-77F0-CA5380CB8849}"/>
+              </a:ext>
+            </a:extLst>
+          </p:cNvPr>
+          <p:cNvCxnSpPr>
+            <a:cxnSpLocks/>
+          </p:cNvCxnSpPr>
+          <p:nvPr userDrawn="1"/>
+        </p:nvCxnSpPr>
+        <p:spPr>
+          <a:xfrm flipV="1">
+            <a:off x="4140175" y="1519200"/>
+            <a:ext cx="0" cy="4881600"/>
+          </a:xfrm>
+          <a:prstGeom prst="line">
+            <a:avLst/>
+          </a:prstGeom>
+          <a:ln w="12700">
+            <a:solidFill>
+              <a:schemeClr val="tx2">
+                <a:lumMod val="20000"/>
+                <a:lumOff val="80000"/>
+              </a:schemeClr>
+            </a:solidFill>
+          </a:ln>
+        </p:spPr>
+        <p:style>
+          <a:lnRef idx="1">
+            <a:schemeClr val="accent1"/>
+          </a:lnRef>
+          <a:fillRef idx="0">
+            <a:schemeClr val="accent1"/>
+          </a:fillRef>
+          <a:effectRef idx="0">
+            <a:schemeClr val="accent1"/>
+          </a:effectRef>
+          <a:fontRef idx="minor">
+            <a:schemeClr val="tx1"/>
+          </a:fontRef>
+        </p:style>
+      </p:cxnSp>
+      <p:sp>
+        <p:nvSpPr>
+          <p:cNvPr id="17" name="Rekenhulp 1">
+            <a:extLst>
+              <a:ext uri="{FF2B5EF4-FFF2-40B4-BE49-F238E27FC236}">
+                <a16:creationId xmlns:a16="http://schemas.microsoft.com/office/drawing/2014/main" id="{3D7EF6FF-2FDF-DFF5-CEBD-A0147DE93889}"/>
+              </a:ext>
+            </a:extLst>
+          </p:cNvPr>
+          <p:cNvSpPr>
+            <a:spLocks noGrp="1"/>
+          </p:cNvSpPr>
+          <p:nvPr>
+            <p:ph type="chart" sz="quarter" idx="14"/>
+          </p:nvPr>
+        </p:nvSpPr>
+        <p:spPr>
+          <a:xfrm>
+            <a:off x="4368812" y="1519200"/>
+            <a:ext cx="7365851" cy="2376000"/>
+          </a:xfrm>
+          <a:prstGeom prst="rect">
+            <a:avLst/>
+          </a:prstGeom>
+        </p:spPr>
+        <p:txBody>
+          <a:bodyPr/>
+          <a:lstStyle>
+            <a:lvl1pPr marL="0" indent="0">
+              <a:buNone/>
+              <a:defRPr>
+                <a:latin typeface="+mn-lt"/>
+              </a:defRPr>
+            </a:lvl1pPr>
+          </a:lstStyle>
+          <a:p>
+            <a:endParaRPr lang="nl-NL" dirty="0"/>
+          </a:p>
+        </p:txBody>
+      </p:sp>
+    </p:spTree>
+    <p:extLst>
+      <p:ext uri="{BB962C8B-B14F-4D97-AF65-F5344CB8AC3E}">
+        <p14:creationId xmlns:p14="http://schemas.microsoft.com/office/powerpoint/2010/main" val="3849775906"/>
+      </p:ext>
+    </p:extLst>
+  </p:cSld>
+  <p:clrMapOvr>
+    <a:masterClrMapping/>
+  </p:clrMapOvr>
+</p:sldLayout>
+</file>
+
 <file path=ppt/slideLayouts/slideLayout2.xml><?xml version="1.0" encoding="utf-8"?>
+<p:sldLayout xmlns:a="http://schemas.openxmlformats.org/drawingml/2006/main" xmlns:r="http://schemas.openxmlformats.org/officeDocument/2006/relationships" xmlns:p="http://schemas.openxmlformats.org/presentationml/2006/main" preserve="1" userDrawn="1">
+  <p:cSld name="1_Tekst">
+    <p:spTree>
+      <p:nvGrpSpPr>
+        <p:cNvPr id="1" name=""/>
+        <p:cNvGrpSpPr/>
+        <p:nvPr/>
+      </p:nvGrpSpPr>
+      <p:grpSpPr>
+        <a:xfrm>
+          <a:off x="0" y="0"/>
+          <a:ext cx="0" cy="0"/>
+          <a:chOff x="0" y="0"/>
+          <a:chExt cx="0" cy="0"/>
+        </a:xfrm>
+      </p:grpSpPr>
+      <p:cxnSp>
+        <p:nvCxnSpPr>
+          <p:cNvPr id="2" name="Rechter scheidingslijn">
+            <a:extLst>
+              <a:ext uri="{FF2B5EF4-FFF2-40B4-BE49-F238E27FC236}">
+                <a16:creationId xmlns:a16="http://schemas.microsoft.com/office/drawing/2014/main" id="{4F24702C-E64E-2547-EF7A-D18982DAC4CD}"/>
+              </a:ext>
+            </a:extLst>
+          </p:cNvPr>
+          <p:cNvCxnSpPr>
+            <a:cxnSpLocks/>
+          </p:cNvCxnSpPr>
+          <p:nvPr userDrawn="1"/>
+        </p:nvCxnSpPr>
+        <p:spPr>
+          <a:xfrm flipV="1">
+            <a:off x="8051825" y="1519200"/>
+            <a:ext cx="0" cy="4881600"/>
+          </a:xfrm>
+          <a:prstGeom prst="line">
+            <a:avLst/>
+          </a:prstGeom>
+          <a:ln w="12700">
+            <a:solidFill>
+              <a:schemeClr val="tx2">
+                <a:lumMod val="20000"/>
+                <a:lumOff val="80000"/>
+              </a:schemeClr>
+            </a:solidFill>
+          </a:ln>
+        </p:spPr>
+        <p:style>
+          <a:lnRef idx="1">
+            <a:schemeClr val="accent1"/>
+          </a:lnRef>
+          <a:fillRef idx="0">
+            <a:schemeClr val="accent1"/>
+          </a:fillRef>
+          <a:effectRef idx="0">
+            <a:schemeClr val="accent1"/>
+          </a:effectRef>
+          <a:fontRef idx="minor">
+            <a:schemeClr val="tx1"/>
+          </a:fontRef>
+        </p:style>
+      </p:cxnSp>
+      <p:cxnSp>
+        <p:nvCxnSpPr>
+          <p:cNvPr id="5" name="Linker scheidingslijn">
+            <a:extLst>
+              <a:ext uri="{FF2B5EF4-FFF2-40B4-BE49-F238E27FC236}">
+                <a16:creationId xmlns:a16="http://schemas.microsoft.com/office/drawing/2014/main" id="{024B5762-4C9B-2E1A-D584-EA7C43CAD9B0}"/>
+              </a:ext>
+            </a:extLst>
+          </p:cNvPr>
+          <p:cNvCxnSpPr>
+            <a:cxnSpLocks/>
+          </p:cNvCxnSpPr>
+          <p:nvPr userDrawn="1"/>
+        </p:nvCxnSpPr>
+        <p:spPr>
+          <a:xfrm flipV="1">
+            <a:off x="4140175" y="1519200"/>
+            <a:ext cx="0" cy="4881600"/>
+          </a:xfrm>
+          <a:prstGeom prst="line">
+            <a:avLst/>
+          </a:prstGeom>
+          <a:ln w="12700">
+            <a:solidFill>
+              <a:schemeClr val="tx2">
+                <a:lumMod val="20000"/>
+                <a:lumOff val="80000"/>
+              </a:schemeClr>
+            </a:solidFill>
+          </a:ln>
+        </p:spPr>
+        <p:style>
+          <a:lnRef idx="1">
+            <a:schemeClr val="accent1"/>
+          </a:lnRef>
+          <a:fillRef idx="0">
+            <a:schemeClr val="accent1"/>
+          </a:fillRef>
+          <a:effectRef idx="0">
+            <a:schemeClr val="accent1"/>
+          </a:effectRef>
+          <a:fontRef idx="minor">
+            <a:schemeClr val="tx1"/>
+          </a:fontRef>
+        </p:style>
+      </p:cxnSp>
+      <p:sp>
+        <p:nvSpPr>
+          <p:cNvPr id="6" name="Rechtervlak" hidden="1">
+            <a:extLst>
+              <a:ext uri="{FF2B5EF4-FFF2-40B4-BE49-F238E27FC236}">
+                <a16:creationId xmlns:a16="http://schemas.microsoft.com/office/drawing/2014/main" id="{C48817EE-9108-2543-1BCB-27B17B31E919}"/>
+              </a:ext>
+            </a:extLst>
+          </p:cNvPr>
+          <p:cNvSpPr/>
+          <p:nvPr userDrawn="1"/>
+        </p:nvSpPr>
+        <p:spPr>
+          <a:xfrm>
+            <a:off x="8280408" y="1520170"/>
+            <a:ext cx="3454375" cy="4880630"/>
+          </a:xfrm>
+          <a:prstGeom prst="rect">
+            <a:avLst/>
+          </a:prstGeom>
+          <a:solidFill>
+            <a:schemeClr val="bg1">
+              <a:lumMod val="95000"/>
+            </a:schemeClr>
+          </a:solidFill>
+          <a:ln>
+            <a:noFill/>
+          </a:ln>
+        </p:spPr>
+        <p:style>
+          <a:lnRef idx="2">
+            <a:schemeClr val="accent1">
+              <a:shade val="15000"/>
+            </a:schemeClr>
+          </a:lnRef>
+          <a:fillRef idx="1">
+            <a:schemeClr val="accent1"/>
+          </a:fillRef>
+          <a:effectRef idx="0">
+            <a:schemeClr val="accent1"/>
+          </a:effectRef>
+          <a:fontRef idx="minor">
+            <a:schemeClr val="lt1"/>
+          </a:fontRef>
+        </p:style>
+        <p:txBody>
+          <a:bodyPr rtlCol="0" anchor="ctr"/>
+          <a:lstStyle/>
+          <a:p>
+            <a:pPr algn="ctr"/>
+            <a:endParaRPr lang="nl-NL" sz="3124"/>
+          </a:p>
+        </p:txBody>
+      </p:sp>
+      <p:sp>
+        <p:nvSpPr>
+          <p:cNvPr id="7" name="Middenvlak" hidden="1">
+            <a:extLst>
+              <a:ext uri="{FF2B5EF4-FFF2-40B4-BE49-F238E27FC236}">
+                <a16:creationId xmlns:a16="http://schemas.microsoft.com/office/drawing/2014/main" id="{E136F790-08A3-3874-D920-266B03612B9F}"/>
+              </a:ext>
+            </a:extLst>
+          </p:cNvPr>
+          <p:cNvSpPr/>
+          <p:nvPr userDrawn="1"/>
+        </p:nvSpPr>
+        <p:spPr>
+          <a:xfrm>
+            <a:off x="4368869" y="1519200"/>
+            <a:ext cx="3454375" cy="4880630"/>
+          </a:xfrm>
+          <a:prstGeom prst="rect">
+            <a:avLst/>
+          </a:prstGeom>
+          <a:solidFill>
+            <a:schemeClr val="bg1">
+              <a:lumMod val="95000"/>
+            </a:schemeClr>
+          </a:solidFill>
+          <a:ln>
+            <a:noFill/>
+          </a:ln>
+        </p:spPr>
+        <p:style>
+          <a:lnRef idx="2">
+            <a:schemeClr val="accent1">
+              <a:shade val="15000"/>
+            </a:schemeClr>
+          </a:lnRef>
+          <a:fillRef idx="1">
+            <a:schemeClr val="accent1"/>
+          </a:fillRef>
+          <a:effectRef idx="0">
+            <a:schemeClr val="accent1"/>
+          </a:effectRef>
+          <a:fontRef idx="minor">
+            <a:schemeClr val="lt1"/>
+          </a:fontRef>
+        </p:style>
+        <p:txBody>
+          <a:bodyPr rtlCol="0" anchor="ctr"/>
+          <a:lstStyle/>
+          <a:p>
+            <a:pPr algn="ctr"/>
+            <a:endParaRPr lang="nl-NL" sz="3124"/>
+          </a:p>
+        </p:txBody>
+      </p:sp>
+      <p:sp>
+        <p:nvSpPr>
+          <p:cNvPr id="8" name="Linkervlak" hidden="1">
+            <a:extLst>
+              <a:ext uri="{FF2B5EF4-FFF2-40B4-BE49-F238E27FC236}">
+                <a16:creationId xmlns:a16="http://schemas.microsoft.com/office/drawing/2014/main" id="{D6EE9A9C-0C94-24AE-98D4-30E97FD9D95E}"/>
+              </a:ext>
+            </a:extLst>
+          </p:cNvPr>
+          <p:cNvSpPr/>
+          <p:nvPr userDrawn="1"/>
+        </p:nvSpPr>
+        <p:spPr>
+          <a:xfrm>
+            <a:off x="457220" y="1520170"/>
+            <a:ext cx="3454375" cy="4880630"/>
+          </a:xfrm>
+          <a:prstGeom prst="rect">
+            <a:avLst/>
+          </a:prstGeom>
+          <a:solidFill>
+            <a:schemeClr val="bg1">
+              <a:lumMod val="95000"/>
+            </a:schemeClr>
+          </a:solidFill>
+          <a:ln>
+            <a:noFill/>
+          </a:ln>
+        </p:spPr>
+        <p:style>
+          <a:lnRef idx="2">
+            <a:schemeClr val="accent1">
+              <a:shade val="15000"/>
+            </a:schemeClr>
+          </a:lnRef>
+          <a:fillRef idx="1">
+            <a:schemeClr val="accent1"/>
+          </a:fillRef>
+          <a:effectRef idx="0">
+            <a:schemeClr val="accent1"/>
+          </a:effectRef>
+          <a:fontRef idx="minor">
+            <a:schemeClr val="lt1"/>
+          </a:fontRef>
+        </p:style>
+        <p:txBody>
+          <a:bodyPr rtlCol="0" anchor="ctr"/>
+          <a:lstStyle/>
+          <a:p>
+            <a:pPr algn="ctr"/>
+            <a:endParaRPr lang="nl-NL" sz="3124"/>
+          </a:p>
+        </p:txBody>
+      </p:sp>
+      <p:sp>
+        <p:nvSpPr>
+          <p:cNvPr id="10" name="Driehoek">
+            <a:extLst>
+              <a:ext uri="{FF2B5EF4-FFF2-40B4-BE49-F238E27FC236}">
+                <a16:creationId xmlns:a16="http://schemas.microsoft.com/office/drawing/2014/main" id="{D382B982-138B-EF5F-A4A3-F952DD1C516E}"/>
+              </a:ext>
+            </a:extLst>
+          </p:cNvPr>
+          <p:cNvSpPr/>
+          <p:nvPr userDrawn="1"/>
+        </p:nvSpPr>
+        <p:spPr>
+          <a:xfrm rot="10800000" flipH="1">
+            <a:off x="9719594" y="0"/>
+            <a:ext cx="576000" cy="1066800"/>
+          </a:xfrm>
+          <a:prstGeom prst="rtTriangle">
+            <a:avLst/>
+          </a:prstGeom>
+          <a:solidFill>
+            <a:schemeClr val="accent1"/>
+          </a:solidFill>
+          <a:ln>
+            <a:noFill/>
+          </a:ln>
+        </p:spPr>
+        <p:style>
+          <a:lnRef idx="2">
+            <a:schemeClr val="accent1">
+              <a:shade val="50000"/>
+            </a:schemeClr>
+          </a:lnRef>
+          <a:fillRef idx="1">
+            <a:schemeClr val="accent1"/>
+          </a:fillRef>
+          <a:effectRef idx="0">
+            <a:schemeClr val="accent1"/>
+          </a:effectRef>
+          <a:fontRef idx="minor">
+            <a:schemeClr val="lt1"/>
+          </a:fontRef>
+        </p:style>
+        <p:txBody>
+          <a:bodyPr rtlCol="0" anchor="ctr"/>
+          <a:lstStyle/>
+          <a:p>
+            <a:pPr algn="l"/>
+            <a:endParaRPr lang="en-US" sz="2391" b="1">
+              <a:latin typeface="+mn-lt"/>
+            </a:endParaRPr>
+          </a:p>
+        </p:txBody>
+      </p:sp>
+      <p:sp>
+        <p:nvSpPr>
+          <p:cNvPr id="11" name="Titelblok">
+            <a:extLst>
+              <a:ext uri="{FF2B5EF4-FFF2-40B4-BE49-F238E27FC236}">
+                <a16:creationId xmlns:a16="http://schemas.microsoft.com/office/drawing/2014/main" id="{25BB0762-1AD0-F5A1-E01E-F53682EB8F5D}"/>
+              </a:ext>
+            </a:extLst>
+          </p:cNvPr>
+          <p:cNvSpPr/>
+          <p:nvPr userDrawn="1"/>
+        </p:nvSpPr>
+        <p:spPr>
+          <a:xfrm>
+            <a:off x="1" y="0"/>
+            <a:ext cx="9719589" cy="1066800"/>
+          </a:xfrm>
+          <a:prstGeom prst="rect">
+            <a:avLst/>
+          </a:prstGeom>
+          <a:solidFill>
+            <a:schemeClr val="accent1"/>
+          </a:solidFill>
+          <a:ln>
+            <a:noFill/>
+          </a:ln>
+        </p:spPr>
+        <p:style>
+          <a:lnRef idx="2">
+            <a:schemeClr val="accent1">
+              <a:shade val="50000"/>
+            </a:schemeClr>
+          </a:lnRef>
+          <a:fillRef idx="1">
+            <a:schemeClr val="accent1"/>
+          </a:fillRef>
+          <a:effectRef idx="0">
+            <a:schemeClr val="accent1"/>
+          </a:effectRef>
+          <a:fontRef idx="minor">
+            <a:schemeClr val="lt1"/>
+          </a:fontRef>
+        </p:style>
+        <p:txBody>
+          <a:bodyPr rtlCol="0" anchor="ctr"/>
+          <a:lstStyle/>
+          <a:p>
+            <a:pPr marL="0" indent="360388" algn="l"/>
+            <a:r>
+              <a:rPr lang="nl-NL" sz="2400" b="1" noProof="0" dirty="0">
+                <a:latin typeface="+mj-lt"/>
+              </a:rPr>
+              <a:t>Respons</a:t>
+            </a:r>
+          </a:p>
+        </p:txBody>
+      </p:sp>
+      <p:sp>
+        <p:nvSpPr>
+          <p:cNvPr id="13" name="Tekstvak">
+            <a:extLst>
+              <a:ext uri="{FF2B5EF4-FFF2-40B4-BE49-F238E27FC236}">
+                <a16:creationId xmlns:a16="http://schemas.microsoft.com/office/drawing/2014/main" id="{B5C74B2A-748B-0740-1934-6885F2B1E828}"/>
+              </a:ext>
+            </a:extLst>
+          </p:cNvPr>
+          <p:cNvSpPr txBox="1"/>
+          <p:nvPr userDrawn="1"/>
+        </p:nvSpPr>
+        <p:spPr>
+          <a:xfrm>
+            <a:off x="458960" y="1519200"/>
+            <a:ext cx="3456000" cy="577081"/>
+          </a:xfrm>
+          <a:prstGeom prst="rect">
+            <a:avLst/>
+          </a:prstGeom>
+          <a:noFill/>
+        </p:spPr>
+        <p:txBody>
+          <a:bodyPr rot="0" spcFirstLastPara="0" vert="horz" wrap="square" lIns="91440" tIns="45720" rIns="91440" bIns="45720" numCol="1" spcCol="0" rtlCol="0" fromWordArt="0" anchor="t" anchorCtr="0" forceAA="0" compatLnSpc="1">
+            <a:prstTxWarp prst="textNoShape">
+              <a:avLst/>
+            </a:prstTxWarp>
+            <a:spAutoFit/>
+          </a:bodyPr>
+          <a:lstStyle>
+            <a:defPPr>
+              <a:defRPr lang="nl-NL"/>
+            </a:defPPr>
+            <a:lvl1pPr marL="0" algn="l" defTabSz="839852" rtl="0" eaLnBrk="1" latinLnBrk="0" hangingPunct="1">
+              <a:defRPr sz="1653" kern="1200">
+                <a:solidFill>
+                  <a:schemeClr val="tx1"/>
+                </a:solidFill>
+                <a:latin typeface="+mn-lt"/>
+                <a:ea typeface="+mn-ea"/>
+                <a:cs typeface="+mn-cs"/>
+              </a:defRPr>
+            </a:lvl1pPr>
+            <a:lvl2pPr marL="419926" algn="l" defTabSz="839852" rtl="0" eaLnBrk="1" latinLnBrk="0" hangingPunct="1">
+              <a:defRPr sz="1653" kern="1200">
+                <a:solidFill>
+                  <a:schemeClr val="tx1"/>
+                </a:solidFill>
+                <a:latin typeface="+mn-lt"/>
+                <a:ea typeface="+mn-ea"/>
+                <a:cs typeface="+mn-cs"/>
+              </a:defRPr>
+            </a:lvl2pPr>
+            <a:lvl3pPr marL="839852" algn="l" defTabSz="839852" rtl="0" eaLnBrk="1" latinLnBrk="0" hangingPunct="1">
+              <a:defRPr sz="1653" kern="1200">
+                <a:solidFill>
+                  <a:schemeClr val="tx1"/>
+                </a:solidFill>
+                <a:latin typeface="+mn-lt"/>
+                <a:ea typeface="+mn-ea"/>
+                <a:cs typeface="+mn-cs"/>
+              </a:defRPr>
+            </a:lvl3pPr>
+            <a:lvl4pPr marL="1259779" algn="l" defTabSz="839852" rtl="0" eaLnBrk="1" latinLnBrk="0" hangingPunct="1">
+              <a:defRPr sz="1653" kern="1200">
+                <a:solidFill>
+                  <a:schemeClr val="tx1"/>
+                </a:solidFill>
+                <a:latin typeface="+mn-lt"/>
+                <a:ea typeface="+mn-ea"/>
+                <a:cs typeface="+mn-cs"/>
+              </a:defRPr>
+            </a:lvl4pPr>
+            <a:lvl5pPr marL="1679704" algn="l" defTabSz="839852" rtl="0" eaLnBrk="1" latinLnBrk="0" hangingPunct="1">
+              <a:defRPr sz="1653" kern="1200">
+                <a:solidFill>
+                  <a:schemeClr val="tx1"/>
+                </a:solidFill>
+                <a:latin typeface="+mn-lt"/>
+                <a:ea typeface="+mn-ea"/>
+                <a:cs typeface="+mn-cs"/>
+              </a:defRPr>
+            </a:lvl5pPr>
+            <a:lvl6pPr marL="2099630" algn="l" defTabSz="839852" rtl="0" eaLnBrk="1" latinLnBrk="0" hangingPunct="1">
+              <a:defRPr sz="1653" kern="1200">
+                <a:solidFill>
+                  <a:schemeClr val="tx1"/>
+                </a:solidFill>
+                <a:latin typeface="+mn-lt"/>
+                <a:ea typeface="+mn-ea"/>
+                <a:cs typeface="+mn-cs"/>
+              </a:defRPr>
+            </a:lvl6pPr>
+            <a:lvl7pPr marL="2519556" algn="l" defTabSz="839852" rtl="0" eaLnBrk="1" latinLnBrk="0" hangingPunct="1">
+              <a:defRPr sz="1653" kern="1200">
+                <a:solidFill>
+                  <a:schemeClr val="tx1"/>
+                </a:solidFill>
+                <a:latin typeface="+mn-lt"/>
+                <a:ea typeface="+mn-ea"/>
+                <a:cs typeface="+mn-cs"/>
+              </a:defRPr>
+            </a:lvl7pPr>
+            <a:lvl8pPr marL="2939482" algn="l" defTabSz="839852" rtl="0" eaLnBrk="1" latinLnBrk="0" hangingPunct="1">
+              <a:defRPr sz="1653" kern="1200">
+                <a:solidFill>
+                  <a:schemeClr val="tx1"/>
+                </a:solidFill>
+                <a:latin typeface="+mn-lt"/>
+                <a:ea typeface="+mn-ea"/>
+                <a:cs typeface="+mn-cs"/>
+              </a:defRPr>
+            </a:lvl8pPr>
+            <a:lvl9pPr marL="3359408" algn="l" defTabSz="839852" rtl="0" eaLnBrk="1" latinLnBrk="0" hangingPunct="1">
+              <a:defRPr sz="1653" kern="1200">
+                <a:solidFill>
+                  <a:schemeClr val="tx1"/>
+                </a:solidFill>
+                <a:latin typeface="+mn-lt"/>
+                <a:ea typeface="+mn-ea"/>
+                <a:cs typeface="+mn-cs"/>
+              </a:defRPr>
+            </a:lvl9pPr>
+          </a:lstStyle>
+          <a:p>
+            <a:pPr marL="0" marR="0" lvl="0" indent="0" algn="l" defTabSz="839909" rtl="0" eaLnBrk="1" fontAlgn="auto" latinLnBrk="0" hangingPunct="1">
+              <a:lnSpc>
+                <a:spcPct val="100000"/>
+              </a:lnSpc>
+              <a:spcBef>
+                <a:spcPts val="0"/>
+              </a:spcBef>
+              <a:spcAft>
+                <a:spcPts val="0"/>
+              </a:spcAft>
+              <a:buClrTx/>
+              <a:buSzTx/>
+              <a:buFontTx/>
+              <a:buNone/>
+              <a:tabLst/>
+              <a:defRPr/>
+            </a:pPr>
+            <a:r>
+              <a:rPr lang="nl-NL" sz="1050" b="1" noProof="0" dirty="0">
+                <a:latin typeface="+mj-lt"/>
+              </a:rPr>
+              <a:t>Respons</a:t>
+            </a:r>
+            <a:endParaRPr lang="nl-NL" sz="1050" b="1" kern="1200" dirty="0">
+              <a:solidFill>
+                <a:schemeClr val="tx1"/>
+              </a:solidFill>
+              <a:latin typeface="+mn-lt"/>
+              <a:ea typeface="+mn-ea"/>
+              <a:cs typeface="+mn-cs"/>
+            </a:endParaRPr>
+          </a:p>
+          <a:p>
+            <a:pPr marL="0" marR="0" lvl="0" indent="0" algn="l" defTabSz="839909" rtl="0" eaLnBrk="1" fontAlgn="auto" latinLnBrk="0" hangingPunct="1">
+              <a:lnSpc>
+                <a:spcPct val="100000"/>
+              </a:lnSpc>
+              <a:spcBef>
+                <a:spcPts val="0"/>
+              </a:spcBef>
+              <a:spcAft>
+                <a:spcPts val="0"/>
+              </a:spcAft>
+              <a:buClrTx/>
+              <a:buSzTx/>
+              <a:buFontTx/>
+              <a:buNone/>
+              <a:tabLst/>
+              <a:defRPr/>
+            </a:pPr>
+            <a:endParaRPr lang="nl-NL" sz="1050" b="1" kern="1200" dirty="0">
+              <a:solidFill>
+                <a:schemeClr val="tx1"/>
+              </a:solidFill>
+              <a:latin typeface="+mn-lt"/>
+              <a:ea typeface="+mn-ea"/>
+              <a:cs typeface="+mn-cs"/>
+            </a:endParaRPr>
+          </a:p>
+          <a:p>
+            <a:pPr marL="0" marR="0" lvl="0" indent="0" algn="l" defTabSz="839909" rtl="0" eaLnBrk="1" fontAlgn="auto" latinLnBrk="0" hangingPunct="1">
+              <a:lnSpc>
+                <a:spcPct val="100000"/>
+              </a:lnSpc>
+              <a:spcBef>
+                <a:spcPts val="0"/>
+              </a:spcBef>
+              <a:spcAft>
+                <a:spcPts val="0"/>
+              </a:spcAft>
+              <a:buClrTx/>
+              <a:buSzTx/>
+              <a:buFontTx/>
+              <a:buNone/>
+              <a:tabLst/>
+              <a:defRPr/>
+            </a:pPr>
+            <a:r>
+              <a:rPr lang="nl-NL" sz="1050" b="0" kern="1200" dirty="0">
+                <a:solidFill>
+                  <a:schemeClr val="tx1"/>
+                </a:solidFill>
+                <a:latin typeface="+mn-lt"/>
+                <a:ea typeface="+mn-ea"/>
+                <a:cs typeface="+mn-cs"/>
+              </a:rPr>
+              <a:t>Tekst.</a:t>
+            </a:r>
+          </a:p>
+        </p:txBody>
+      </p:sp>
+      <p:sp>
+        <p:nvSpPr>
+          <p:cNvPr id="17" name="Respons">
+            <a:extLst>
+              <a:ext uri="{FF2B5EF4-FFF2-40B4-BE49-F238E27FC236}">
+                <a16:creationId xmlns:a16="http://schemas.microsoft.com/office/drawing/2014/main" id="{33EB2F31-A51E-D3F5-6CA3-3AC4B7CB1972}"/>
+              </a:ext>
+            </a:extLst>
+          </p:cNvPr>
+          <p:cNvSpPr>
+            <a:spLocks noGrp="1"/>
+          </p:cNvSpPr>
+          <p:nvPr>
+            <p:ph type="body" sz="quarter" idx="24"/>
+          </p:nvPr>
+        </p:nvSpPr>
+        <p:spPr>
+          <a:xfrm>
+            <a:off x="4368000" y="1519200"/>
+            <a:ext cx="3456000" cy="2376000"/>
+          </a:xfrm>
+          <a:prstGeom prst="rect">
+            <a:avLst/>
+          </a:prstGeom>
+        </p:spPr>
+        <p:txBody>
+          <a:bodyPr/>
+          <a:lstStyle>
+            <a:lvl1pPr marL="0" indent="0">
+              <a:buFont typeface="Arial" panose="020B0604020202020204" pitchFamily="34" charset="0"/>
+              <a:buNone/>
+              <a:defRPr sz="1050">
+                <a:latin typeface="+mn-lt"/>
+              </a:defRPr>
+            </a:lvl1pPr>
+            <a:lvl2pPr marL="669589" indent="0">
+              <a:buNone/>
+              <a:defRPr sz="1050">
+                <a:latin typeface="Century Gothic" panose="020B0502020202020204" pitchFamily="34" charset="0"/>
+              </a:defRPr>
+            </a:lvl2pPr>
+            <a:lvl3pPr marL="1339180" indent="0">
+              <a:buNone/>
+              <a:defRPr sz="1050">
+                <a:latin typeface="Century Gothic" panose="020B0502020202020204" pitchFamily="34" charset="0"/>
+              </a:defRPr>
+            </a:lvl3pPr>
+            <a:lvl4pPr marL="2008771" indent="0">
+              <a:buNone/>
+              <a:defRPr sz="1050">
+                <a:latin typeface="Century Gothic" panose="020B0502020202020204" pitchFamily="34" charset="0"/>
+              </a:defRPr>
+            </a:lvl4pPr>
+            <a:lvl5pPr marL="2678360" indent="0">
+              <a:buNone/>
+              <a:defRPr sz="1050">
+                <a:latin typeface="Century Gothic" panose="020B0502020202020204" pitchFamily="34" charset="0"/>
+              </a:defRPr>
+            </a:lvl5pPr>
+          </a:lstStyle>
+          <a:p>
+            <a:pPr lvl="0"/>
+            <a:endParaRPr lang="nl-NL" dirty="0"/>
+          </a:p>
+        </p:txBody>
+      </p:sp>
+    </p:spTree>
+    <p:extLst>
+      <p:ext uri="{BB962C8B-B14F-4D97-AF65-F5344CB8AC3E}">
+        <p14:creationId xmlns:p14="http://schemas.microsoft.com/office/powerpoint/2010/main" val="2726465838"/>
+      </p:ext>
+    </p:extLst>
+  </p:cSld>
+  <p:clrMapOvr>
+    <a:masterClrMapping/>
+  </p:clrMapOvr>
+</p:sldLayout>
+</file>
+
+<file path=ppt/slideLayouts/slideLayout3.xml><?xml version="1.0" encoding="utf-8"?>
 <p:sldLayout xmlns:a="http://schemas.openxmlformats.org/drawingml/2006/main" xmlns:r="http://schemas.openxmlformats.org/officeDocument/2006/relationships" xmlns:p="http://schemas.openxmlformats.org/presentationml/2006/main" preserve="1" userDrawn="1">
   <p:cSld name="Vergelijking in tekst">
     <p:spTree>
@@ -5789,7 +7166,7 @@
 </p:sldLayout>
 </file>
 
-<file path=ppt/slideLayouts/slideLayout3.xml><?xml version="1.0" encoding="utf-8"?>
+<file path=ppt/slideLayouts/slideLayout4.xml><?xml version="1.0" encoding="utf-8"?>
 <p:sldLayout xmlns:a="http://schemas.openxmlformats.org/drawingml/2006/main" xmlns:r="http://schemas.openxmlformats.org/officeDocument/2006/relationships" xmlns:p="http://schemas.openxmlformats.org/presentationml/2006/main" preserve="1" userDrawn="1">
   <p:cSld name="Percentage in tekst">
     <p:spTree>
@@ -6661,7 +8038,7 @@
 </p:sldLayout>
 </file>
 
-<file path=ppt/slideLayouts/slideLayout4.xml><?xml version="1.0" encoding="utf-8"?>
+<file path=ppt/slideLayouts/slideLayout5.xml><?xml version="1.0" encoding="utf-8"?>
 <p:sldLayout xmlns:a="http://schemas.openxmlformats.org/drawingml/2006/main" xmlns:r="http://schemas.openxmlformats.org/officeDocument/2006/relationships" xmlns:p="http://schemas.openxmlformats.org/presentationml/2006/main" preserve="1" userDrawn="1">
   <p:cSld name="Percentage">
     <p:spTree>
@@ -7801,7 +9178,7 @@
 </p:sldLayout>
 </file>
 
-<file path=ppt/slideLayouts/slideLayout5.xml><?xml version="1.0" encoding="utf-8"?>
+<file path=ppt/slideLayouts/slideLayout6.xml><?xml version="1.0" encoding="utf-8"?>
 <p:sldLayout xmlns:a="http://schemas.openxmlformats.org/drawingml/2006/main" xmlns:r="http://schemas.openxmlformats.org/officeDocument/2006/relationships" xmlns:p="http://schemas.openxmlformats.org/presentationml/2006/main" preserve="1" userDrawn="1">
   <p:cSld name="Staafgrafiek">
     <p:spTree>
@@ -8609,7 +9986,7 @@
 </p:sldLayout>
 </file>
 
-<file path=ppt/slideLayouts/slideLayout6.xml><?xml version="1.0" encoding="utf-8"?>
+<file path=ppt/slideLayouts/slideLayout7.xml><?xml version="1.0" encoding="utf-8"?>
 <p:sldLayout xmlns:a="http://schemas.openxmlformats.org/drawingml/2006/main" xmlns:r="http://schemas.openxmlformats.org/officeDocument/2006/relationships" xmlns:p="http://schemas.openxmlformats.org/presentationml/2006/main" preserve="1" userDrawn="1">
   <p:cSld name="Trendgrafiek">
     <p:spTree>
@@ -9377,7 +10754,7 @@
 </p:sldLayout>
 </file>
 
-<file path=ppt/slideLayouts/slideLayout7.xml><?xml version="1.0" encoding="utf-8"?>
+<file path=ppt/slideLayouts/slideLayout8.xml><?xml version="1.0" encoding="utf-8"?>
 <p:sldLayout xmlns:a="http://schemas.openxmlformats.org/drawingml/2006/main" xmlns:r="http://schemas.openxmlformats.org/officeDocument/2006/relationships" xmlns:p="http://schemas.openxmlformats.org/presentationml/2006/main" preserve="1" userDrawn="1">
   <p:cSld name="Staafgrafiek gestapeld">
     <p:spTree>
@@ -10145,7 +11522,7 @@
 </p:sldLayout>
 </file>
 
-<file path=ppt/slideLayouts/slideLayout8.xml><?xml version="1.0" encoding="utf-8"?>
+<file path=ppt/slideLayouts/slideLayout9.xml><?xml version="1.0" encoding="utf-8"?>
 <p:sldLayout xmlns:a="http://schemas.openxmlformats.org/drawingml/2006/main" xmlns:r="http://schemas.openxmlformats.org/officeDocument/2006/relationships" xmlns:p="http://schemas.openxmlformats.org/presentationml/2006/main" preserve="1" userDrawn="1">
   <p:cSld name="TopN">
     <p:spTree>
@@ -10904,866 +12281,6 @@
     <p:extLst>
       <p:ext uri="{BB962C8B-B14F-4D97-AF65-F5344CB8AC3E}">
         <p14:creationId xmlns:p14="http://schemas.microsoft.com/office/powerpoint/2010/main" val="605840244"/>
-      </p:ext>
-    </p:extLst>
-  </p:cSld>
-  <p:clrMapOvr>
-    <a:masterClrMapping/>
-  </p:clrMapOvr>
-</p:sldLayout>
-</file>
-
-<file path=ppt/slideLayouts/slideLayout9.xml><?xml version="1.0" encoding="utf-8"?>
-<p:sldLayout xmlns:a="http://schemas.openxmlformats.org/drawingml/2006/main" xmlns:r="http://schemas.openxmlformats.org/officeDocument/2006/relationships" xmlns:p="http://schemas.openxmlformats.org/presentationml/2006/main" preserve="1" userDrawn="1">
-  <p:cSld name="Tabel">
-    <p:spTree>
-      <p:nvGrpSpPr>
-        <p:cNvPr id="1" name=""/>
-        <p:cNvGrpSpPr/>
-        <p:nvPr/>
-      </p:nvGrpSpPr>
-      <p:grpSpPr>
-        <a:xfrm>
-          <a:off x="0" y="0"/>
-          <a:ext cx="0" cy="0"/>
-          <a:chOff x="0" y="0"/>
-          <a:chExt cx="0" cy="0"/>
-        </a:xfrm>
-      </p:grpSpPr>
-      <p:cxnSp>
-        <p:nvCxnSpPr>
-          <p:cNvPr id="2" name="Rechter scheidingslijn">
-            <a:extLst>
-              <a:ext uri="{FF2B5EF4-FFF2-40B4-BE49-F238E27FC236}">
-                <a16:creationId xmlns:a16="http://schemas.microsoft.com/office/drawing/2014/main" id="{4F24702C-E64E-2547-EF7A-D18982DAC4CD}"/>
-              </a:ext>
-            </a:extLst>
-          </p:cNvPr>
-          <p:cNvCxnSpPr>
-            <a:cxnSpLocks/>
-          </p:cNvCxnSpPr>
-          <p:nvPr userDrawn="1"/>
-        </p:nvCxnSpPr>
-        <p:spPr>
-          <a:xfrm flipV="1">
-            <a:off x="8051825" y="1519200"/>
-            <a:ext cx="0" cy="4881600"/>
-          </a:xfrm>
-          <a:prstGeom prst="line">
-            <a:avLst/>
-          </a:prstGeom>
-          <a:ln w="12700">
-            <a:solidFill>
-              <a:schemeClr val="tx2">
-                <a:lumMod val="20000"/>
-                <a:lumOff val="80000"/>
-              </a:schemeClr>
-            </a:solidFill>
-          </a:ln>
-        </p:spPr>
-        <p:style>
-          <a:lnRef idx="1">
-            <a:schemeClr val="accent1"/>
-          </a:lnRef>
-          <a:fillRef idx="0">
-            <a:schemeClr val="accent1"/>
-          </a:fillRef>
-          <a:effectRef idx="0">
-            <a:schemeClr val="accent1"/>
-          </a:effectRef>
-          <a:fontRef idx="minor">
-            <a:schemeClr val="tx1"/>
-          </a:fontRef>
-        </p:style>
-      </p:cxnSp>
-      <p:cxnSp>
-        <p:nvCxnSpPr>
-          <p:cNvPr id="5" name="Linker scheidingslijn">
-            <a:extLst>
-              <a:ext uri="{FF2B5EF4-FFF2-40B4-BE49-F238E27FC236}">
-                <a16:creationId xmlns:a16="http://schemas.microsoft.com/office/drawing/2014/main" id="{024B5762-4C9B-2E1A-D584-EA7C43CAD9B0}"/>
-              </a:ext>
-            </a:extLst>
-          </p:cNvPr>
-          <p:cNvCxnSpPr>
-            <a:cxnSpLocks/>
-          </p:cNvCxnSpPr>
-          <p:nvPr userDrawn="1"/>
-        </p:nvCxnSpPr>
-        <p:spPr>
-          <a:xfrm flipV="1">
-            <a:off x="4140175" y="1519200"/>
-            <a:ext cx="0" cy="4881600"/>
-          </a:xfrm>
-          <a:prstGeom prst="line">
-            <a:avLst/>
-          </a:prstGeom>
-          <a:ln w="12700">
-            <a:solidFill>
-              <a:schemeClr val="tx2">
-                <a:lumMod val="20000"/>
-                <a:lumOff val="80000"/>
-              </a:schemeClr>
-            </a:solidFill>
-          </a:ln>
-        </p:spPr>
-        <p:style>
-          <a:lnRef idx="1">
-            <a:schemeClr val="accent1"/>
-          </a:lnRef>
-          <a:fillRef idx="0">
-            <a:schemeClr val="accent1"/>
-          </a:fillRef>
-          <a:effectRef idx="0">
-            <a:schemeClr val="accent1"/>
-          </a:effectRef>
-          <a:fontRef idx="minor">
-            <a:schemeClr val="tx1"/>
-          </a:fontRef>
-        </p:style>
-      </p:cxnSp>
-      <p:sp>
-        <p:nvSpPr>
-          <p:cNvPr id="6" name="Rechtervlak" hidden="1">
-            <a:extLst>
-              <a:ext uri="{FF2B5EF4-FFF2-40B4-BE49-F238E27FC236}">
-                <a16:creationId xmlns:a16="http://schemas.microsoft.com/office/drawing/2014/main" id="{C48817EE-9108-2543-1BCB-27B17B31E919}"/>
-              </a:ext>
-            </a:extLst>
-          </p:cNvPr>
-          <p:cNvSpPr/>
-          <p:nvPr userDrawn="1"/>
-        </p:nvSpPr>
-        <p:spPr>
-          <a:xfrm>
-            <a:off x="8280408" y="1520170"/>
-            <a:ext cx="3454375" cy="4880630"/>
-          </a:xfrm>
-          <a:prstGeom prst="rect">
-            <a:avLst/>
-          </a:prstGeom>
-          <a:solidFill>
-            <a:schemeClr val="bg1">
-              <a:lumMod val="95000"/>
-            </a:schemeClr>
-          </a:solidFill>
-          <a:ln>
-            <a:noFill/>
-          </a:ln>
-        </p:spPr>
-        <p:style>
-          <a:lnRef idx="2">
-            <a:schemeClr val="accent1">
-              <a:shade val="15000"/>
-            </a:schemeClr>
-          </a:lnRef>
-          <a:fillRef idx="1">
-            <a:schemeClr val="accent1"/>
-          </a:fillRef>
-          <a:effectRef idx="0">
-            <a:schemeClr val="accent1"/>
-          </a:effectRef>
-          <a:fontRef idx="minor">
-            <a:schemeClr val="lt1"/>
-          </a:fontRef>
-        </p:style>
-        <p:txBody>
-          <a:bodyPr rtlCol="0" anchor="ctr"/>
-          <a:lstStyle/>
-          <a:p>
-            <a:pPr algn="ctr"/>
-            <a:endParaRPr lang="nl-NL" sz="3124"/>
-          </a:p>
-        </p:txBody>
-      </p:sp>
-      <p:sp>
-        <p:nvSpPr>
-          <p:cNvPr id="7" name="Middenvlak" hidden="1">
-            <a:extLst>
-              <a:ext uri="{FF2B5EF4-FFF2-40B4-BE49-F238E27FC236}">
-                <a16:creationId xmlns:a16="http://schemas.microsoft.com/office/drawing/2014/main" id="{E136F790-08A3-3874-D920-266B03612B9F}"/>
-              </a:ext>
-            </a:extLst>
-          </p:cNvPr>
-          <p:cNvSpPr/>
-          <p:nvPr userDrawn="1"/>
-        </p:nvSpPr>
-        <p:spPr>
-          <a:xfrm>
-            <a:off x="4368869" y="1519200"/>
-            <a:ext cx="3454375" cy="4880630"/>
-          </a:xfrm>
-          <a:prstGeom prst="rect">
-            <a:avLst/>
-          </a:prstGeom>
-          <a:solidFill>
-            <a:schemeClr val="bg1">
-              <a:lumMod val="95000"/>
-            </a:schemeClr>
-          </a:solidFill>
-          <a:ln>
-            <a:noFill/>
-          </a:ln>
-        </p:spPr>
-        <p:style>
-          <a:lnRef idx="2">
-            <a:schemeClr val="accent1">
-              <a:shade val="15000"/>
-            </a:schemeClr>
-          </a:lnRef>
-          <a:fillRef idx="1">
-            <a:schemeClr val="accent1"/>
-          </a:fillRef>
-          <a:effectRef idx="0">
-            <a:schemeClr val="accent1"/>
-          </a:effectRef>
-          <a:fontRef idx="minor">
-            <a:schemeClr val="lt1"/>
-          </a:fontRef>
-        </p:style>
-        <p:txBody>
-          <a:bodyPr rtlCol="0" anchor="ctr"/>
-          <a:lstStyle/>
-          <a:p>
-            <a:pPr algn="ctr"/>
-            <a:endParaRPr lang="nl-NL" sz="3124"/>
-          </a:p>
-        </p:txBody>
-      </p:sp>
-      <p:sp>
-        <p:nvSpPr>
-          <p:cNvPr id="8" name="Linkervlak" hidden="1">
-            <a:extLst>
-              <a:ext uri="{FF2B5EF4-FFF2-40B4-BE49-F238E27FC236}">
-                <a16:creationId xmlns:a16="http://schemas.microsoft.com/office/drawing/2014/main" id="{D6EE9A9C-0C94-24AE-98D4-30E97FD9D95E}"/>
-              </a:ext>
-            </a:extLst>
-          </p:cNvPr>
-          <p:cNvSpPr/>
-          <p:nvPr userDrawn="1"/>
-        </p:nvSpPr>
-        <p:spPr>
-          <a:xfrm>
-            <a:off x="457220" y="1520170"/>
-            <a:ext cx="3454375" cy="4880630"/>
-          </a:xfrm>
-          <a:prstGeom prst="rect">
-            <a:avLst/>
-          </a:prstGeom>
-          <a:solidFill>
-            <a:schemeClr val="bg1">
-              <a:lumMod val="95000"/>
-            </a:schemeClr>
-          </a:solidFill>
-          <a:ln>
-            <a:noFill/>
-          </a:ln>
-        </p:spPr>
-        <p:style>
-          <a:lnRef idx="2">
-            <a:schemeClr val="accent1">
-              <a:shade val="15000"/>
-            </a:schemeClr>
-          </a:lnRef>
-          <a:fillRef idx="1">
-            <a:schemeClr val="accent1"/>
-          </a:fillRef>
-          <a:effectRef idx="0">
-            <a:schemeClr val="accent1"/>
-          </a:effectRef>
-          <a:fontRef idx="minor">
-            <a:schemeClr val="lt1"/>
-          </a:fontRef>
-        </p:style>
-        <p:txBody>
-          <a:bodyPr rtlCol="0" anchor="ctr"/>
-          <a:lstStyle/>
-          <a:p>
-            <a:pPr algn="ctr"/>
-            <a:endParaRPr lang="nl-NL" sz="3124"/>
-          </a:p>
-        </p:txBody>
-      </p:sp>
-      <p:sp>
-        <p:nvSpPr>
-          <p:cNvPr id="10" name="Driehoek">
-            <a:extLst>
-              <a:ext uri="{FF2B5EF4-FFF2-40B4-BE49-F238E27FC236}">
-                <a16:creationId xmlns:a16="http://schemas.microsoft.com/office/drawing/2014/main" id="{D382B982-138B-EF5F-A4A3-F952DD1C516E}"/>
-              </a:ext>
-            </a:extLst>
-          </p:cNvPr>
-          <p:cNvSpPr/>
-          <p:nvPr userDrawn="1"/>
-        </p:nvSpPr>
-        <p:spPr>
-          <a:xfrm rot="10800000" flipH="1">
-            <a:off x="9719594" y="0"/>
-            <a:ext cx="576000" cy="1066800"/>
-          </a:xfrm>
-          <a:prstGeom prst="rtTriangle">
-            <a:avLst/>
-          </a:prstGeom>
-          <a:solidFill>
-            <a:schemeClr val="accent1"/>
-          </a:solidFill>
-          <a:ln>
-            <a:noFill/>
-          </a:ln>
-        </p:spPr>
-        <p:style>
-          <a:lnRef idx="2">
-            <a:schemeClr val="accent1">
-              <a:shade val="50000"/>
-            </a:schemeClr>
-          </a:lnRef>
-          <a:fillRef idx="1">
-            <a:schemeClr val="accent1"/>
-          </a:fillRef>
-          <a:effectRef idx="0">
-            <a:schemeClr val="accent1"/>
-          </a:effectRef>
-          <a:fontRef idx="minor">
-            <a:schemeClr val="lt1"/>
-          </a:fontRef>
-        </p:style>
-        <p:txBody>
-          <a:bodyPr rtlCol="0" anchor="ctr"/>
-          <a:lstStyle/>
-          <a:p>
-            <a:pPr algn="l"/>
-            <a:endParaRPr lang="en-US" sz="2391" b="1">
-              <a:latin typeface="+mn-lt"/>
-            </a:endParaRPr>
-          </a:p>
-        </p:txBody>
-      </p:sp>
-      <p:sp>
-        <p:nvSpPr>
-          <p:cNvPr id="11" name="Titelblok">
-            <a:extLst>
-              <a:ext uri="{FF2B5EF4-FFF2-40B4-BE49-F238E27FC236}">
-                <a16:creationId xmlns:a16="http://schemas.microsoft.com/office/drawing/2014/main" id="{25BB0762-1AD0-F5A1-E01E-F53682EB8F5D}"/>
-              </a:ext>
-            </a:extLst>
-          </p:cNvPr>
-          <p:cNvSpPr/>
-          <p:nvPr userDrawn="1"/>
-        </p:nvSpPr>
-        <p:spPr>
-          <a:xfrm>
-            <a:off x="1" y="0"/>
-            <a:ext cx="9719589" cy="1066800"/>
-          </a:xfrm>
-          <a:prstGeom prst="rect">
-            <a:avLst/>
-          </a:prstGeom>
-          <a:solidFill>
-            <a:schemeClr val="accent1"/>
-          </a:solidFill>
-          <a:ln>
-            <a:noFill/>
-          </a:ln>
-        </p:spPr>
-        <p:style>
-          <a:lnRef idx="2">
-            <a:schemeClr val="accent1">
-              <a:shade val="50000"/>
-            </a:schemeClr>
-          </a:lnRef>
-          <a:fillRef idx="1">
-            <a:schemeClr val="accent1"/>
-          </a:fillRef>
-          <a:effectRef idx="0">
-            <a:schemeClr val="accent1"/>
-          </a:effectRef>
-          <a:fontRef idx="minor">
-            <a:schemeClr val="lt1"/>
-          </a:fontRef>
-        </p:style>
-        <p:txBody>
-          <a:bodyPr rtlCol="0" anchor="ctr"/>
-          <a:lstStyle/>
-          <a:p>
-            <a:pPr marL="0" indent="360388" algn="l"/>
-            <a:r>
-              <a:rPr lang="nl-NL" sz="2400" b="1" noProof="0" dirty="0">
-                <a:latin typeface="+mj-lt"/>
-              </a:rPr>
-              <a:t>Tabel</a:t>
-            </a:r>
-          </a:p>
-        </p:txBody>
-      </p:sp>
-      <p:sp>
-        <p:nvSpPr>
-          <p:cNvPr id="13" name="Tekstvak">
-            <a:extLst>
-              <a:ext uri="{FF2B5EF4-FFF2-40B4-BE49-F238E27FC236}">
-                <a16:creationId xmlns:a16="http://schemas.microsoft.com/office/drawing/2014/main" id="{B5C74B2A-748B-0740-1934-6885F2B1E828}"/>
-              </a:ext>
-            </a:extLst>
-          </p:cNvPr>
-          <p:cNvSpPr txBox="1"/>
-          <p:nvPr userDrawn="1"/>
-        </p:nvSpPr>
-        <p:spPr>
-          <a:xfrm>
-            <a:off x="457218" y="1519201"/>
-            <a:ext cx="3456000" cy="577081"/>
-          </a:xfrm>
-          <a:prstGeom prst="rect">
-            <a:avLst/>
-          </a:prstGeom>
-          <a:noFill/>
-        </p:spPr>
-        <p:txBody>
-          <a:bodyPr rot="0" spcFirstLastPara="0" vert="horz" wrap="square" lIns="91440" tIns="45720" rIns="91440" bIns="45720" numCol="1" spcCol="0" rtlCol="0" fromWordArt="0" anchor="t" anchorCtr="0" forceAA="0" compatLnSpc="1">
-            <a:prstTxWarp prst="textNoShape">
-              <a:avLst/>
-            </a:prstTxWarp>
-            <a:spAutoFit/>
-          </a:bodyPr>
-          <a:lstStyle>
-            <a:defPPr>
-              <a:defRPr lang="nl-NL"/>
-            </a:defPPr>
-            <a:lvl1pPr marL="0" algn="l" defTabSz="839852" rtl="0" eaLnBrk="1" latinLnBrk="0" hangingPunct="1">
-              <a:defRPr sz="1653" kern="1200">
-                <a:solidFill>
-                  <a:schemeClr val="tx1"/>
-                </a:solidFill>
-                <a:latin typeface="+mn-lt"/>
-                <a:ea typeface="+mn-ea"/>
-                <a:cs typeface="+mn-cs"/>
-              </a:defRPr>
-            </a:lvl1pPr>
-            <a:lvl2pPr marL="419926" algn="l" defTabSz="839852" rtl="0" eaLnBrk="1" latinLnBrk="0" hangingPunct="1">
-              <a:defRPr sz="1653" kern="1200">
-                <a:solidFill>
-                  <a:schemeClr val="tx1"/>
-                </a:solidFill>
-                <a:latin typeface="+mn-lt"/>
-                <a:ea typeface="+mn-ea"/>
-                <a:cs typeface="+mn-cs"/>
-              </a:defRPr>
-            </a:lvl2pPr>
-            <a:lvl3pPr marL="839852" algn="l" defTabSz="839852" rtl="0" eaLnBrk="1" latinLnBrk="0" hangingPunct="1">
-              <a:defRPr sz="1653" kern="1200">
-                <a:solidFill>
-                  <a:schemeClr val="tx1"/>
-                </a:solidFill>
-                <a:latin typeface="+mn-lt"/>
-                <a:ea typeface="+mn-ea"/>
-                <a:cs typeface="+mn-cs"/>
-              </a:defRPr>
-            </a:lvl3pPr>
-            <a:lvl4pPr marL="1259779" algn="l" defTabSz="839852" rtl="0" eaLnBrk="1" latinLnBrk="0" hangingPunct="1">
-              <a:defRPr sz="1653" kern="1200">
-                <a:solidFill>
-                  <a:schemeClr val="tx1"/>
-                </a:solidFill>
-                <a:latin typeface="+mn-lt"/>
-                <a:ea typeface="+mn-ea"/>
-                <a:cs typeface="+mn-cs"/>
-              </a:defRPr>
-            </a:lvl4pPr>
-            <a:lvl5pPr marL="1679704" algn="l" defTabSz="839852" rtl="0" eaLnBrk="1" latinLnBrk="0" hangingPunct="1">
-              <a:defRPr sz="1653" kern="1200">
-                <a:solidFill>
-                  <a:schemeClr val="tx1"/>
-                </a:solidFill>
-                <a:latin typeface="+mn-lt"/>
-                <a:ea typeface="+mn-ea"/>
-                <a:cs typeface="+mn-cs"/>
-              </a:defRPr>
-            </a:lvl5pPr>
-            <a:lvl6pPr marL="2099630" algn="l" defTabSz="839852" rtl="0" eaLnBrk="1" latinLnBrk="0" hangingPunct="1">
-              <a:defRPr sz="1653" kern="1200">
-                <a:solidFill>
-                  <a:schemeClr val="tx1"/>
-                </a:solidFill>
-                <a:latin typeface="+mn-lt"/>
-                <a:ea typeface="+mn-ea"/>
-                <a:cs typeface="+mn-cs"/>
-              </a:defRPr>
-            </a:lvl6pPr>
-            <a:lvl7pPr marL="2519556" algn="l" defTabSz="839852" rtl="0" eaLnBrk="1" latinLnBrk="0" hangingPunct="1">
-              <a:defRPr sz="1653" kern="1200">
-                <a:solidFill>
-                  <a:schemeClr val="tx1"/>
-                </a:solidFill>
-                <a:latin typeface="+mn-lt"/>
-                <a:ea typeface="+mn-ea"/>
-                <a:cs typeface="+mn-cs"/>
-              </a:defRPr>
-            </a:lvl7pPr>
-            <a:lvl8pPr marL="2939482" algn="l" defTabSz="839852" rtl="0" eaLnBrk="1" latinLnBrk="0" hangingPunct="1">
-              <a:defRPr sz="1653" kern="1200">
-                <a:solidFill>
-                  <a:schemeClr val="tx1"/>
-                </a:solidFill>
-                <a:latin typeface="+mn-lt"/>
-                <a:ea typeface="+mn-ea"/>
-                <a:cs typeface="+mn-cs"/>
-              </a:defRPr>
-            </a:lvl8pPr>
-            <a:lvl9pPr marL="3359408" algn="l" defTabSz="839852" rtl="0" eaLnBrk="1" latinLnBrk="0" hangingPunct="1">
-              <a:defRPr sz="1653" kern="1200">
-                <a:solidFill>
-                  <a:schemeClr val="tx1"/>
-                </a:solidFill>
-                <a:latin typeface="+mn-lt"/>
-                <a:ea typeface="+mn-ea"/>
-                <a:cs typeface="+mn-cs"/>
-              </a:defRPr>
-            </a:lvl9pPr>
-          </a:lstStyle>
-          <a:p>
-            <a:pPr marL="0" marR="0" lvl="0" indent="0" algn="l" defTabSz="839909" rtl="0" eaLnBrk="1" fontAlgn="auto" latinLnBrk="0" hangingPunct="1">
-              <a:lnSpc>
-                <a:spcPct val="100000"/>
-              </a:lnSpc>
-              <a:spcBef>
-                <a:spcPts val="0"/>
-              </a:spcBef>
-              <a:spcAft>
-                <a:spcPts val="0"/>
-              </a:spcAft>
-              <a:buClrTx/>
-              <a:buSzTx/>
-              <a:buFontTx/>
-              <a:buNone/>
-              <a:tabLst/>
-              <a:defRPr/>
-            </a:pPr>
-            <a:r>
-              <a:rPr lang="nl-NL" sz="1050" b="1" kern="1200" dirty="0">
-                <a:solidFill>
-                  <a:schemeClr val="tx1"/>
-                </a:solidFill>
-                <a:latin typeface="+mn-lt"/>
-                <a:ea typeface="+mn-ea"/>
-                <a:cs typeface="+mn-cs"/>
-              </a:rPr>
-              <a:t>Tabel</a:t>
-            </a:r>
-          </a:p>
-          <a:p>
-            <a:pPr marL="0" marR="0" lvl="0" indent="0" algn="l" defTabSz="839909" rtl="0" eaLnBrk="1" fontAlgn="auto" latinLnBrk="0" hangingPunct="1">
-              <a:lnSpc>
-                <a:spcPct val="100000"/>
-              </a:lnSpc>
-              <a:spcBef>
-                <a:spcPts val="0"/>
-              </a:spcBef>
-              <a:spcAft>
-                <a:spcPts val="0"/>
-              </a:spcAft>
-              <a:buClrTx/>
-              <a:buSzTx/>
-              <a:buFontTx/>
-              <a:buNone/>
-              <a:tabLst/>
-              <a:defRPr/>
-            </a:pPr>
-            <a:endParaRPr lang="nl-NL" sz="1050" b="1" kern="1200" dirty="0">
-              <a:solidFill>
-                <a:schemeClr val="tx1"/>
-              </a:solidFill>
-              <a:latin typeface="+mn-lt"/>
-              <a:ea typeface="+mn-ea"/>
-              <a:cs typeface="+mn-cs"/>
-            </a:endParaRPr>
-          </a:p>
-          <a:p>
-            <a:pPr marL="0" marR="0" lvl="0" indent="0" algn="l" defTabSz="839909" rtl="0" eaLnBrk="1" fontAlgn="auto" latinLnBrk="0" hangingPunct="1">
-              <a:lnSpc>
-                <a:spcPct val="100000"/>
-              </a:lnSpc>
-              <a:spcBef>
-                <a:spcPts val="0"/>
-              </a:spcBef>
-              <a:spcAft>
-                <a:spcPts val="0"/>
-              </a:spcAft>
-              <a:buClrTx/>
-              <a:buSzTx/>
-              <a:buFontTx/>
-              <a:buNone/>
-              <a:tabLst/>
-              <a:defRPr/>
-            </a:pPr>
-            <a:r>
-              <a:rPr lang="nl-NL" sz="1050" b="0" kern="1200" dirty="0">
-                <a:solidFill>
-                  <a:schemeClr val="tx1"/>
-                </a:solidFill>
-                <a:latin typeface="+mn-lt"/>
-                <a:ea typeface="+mn-ea"/>
-                <a:cs typeface="+mn-cs"/>
-              </a:rPr>
-              <a:t>Tekst.</a:t>
-            </a:r>
-          </a:p>
-        </p:txBody>
-      </p:sp>
-      <p:cxnSp>
-        <p:nvCxnSpPr>
-          <p:cNvPr id="20" name="Rechter scheidingslijn">
-            <a:extLst>
-              <a:ext uri="{FF2B5EF4-FFF2-40B4-BE49-F238E27FC236}">
-                <a16:creationId xmlns:a16="http://schemas.microsoft.com/office/drawing/2014/main" id="{0AECDC42-FE32-55F5-E0D6-9EB431CF9F43}"/>
-              </a:ext>
-            </a:extLst>
-          </p:cNvPr>
-          <p:cNvCxnSpPr>
-            <a:cxnSpLocks/>
-          </p:cNvCxnSpPr>
-          <p:nvPr userDrawn="1"/>
-        </p:nvCxnSpPr>
-        <p:spPr>
-          <a:xfrm flipV="1">
-            <a:off x="8051825" y="1519200"/>
-            <a:ext cx="0" cy="4881600"/>
-          </a:xfrm>
-          <a:prstGeom prst="line">
-            <a:avLst/>
-          </a:prstGeom>
-          <a:ln w="12700">
-            <a:solidFill>
-              <a:schemeClr val="tx2">
-                <a:lumMod val="20000"/>
-                <a:lumOff val="80000"/>
-              </a:schemeClr>
-            </a:solidFill>
-          </a:ln>
-        </p:spPr>
-        <p:style>
-          <a:lnRef idx="1">
-            <a:schemeClr val="accent1"/>
-          </a:lnRef>
-          <a:fillRef idx="0">
-            <a:schemeClr val="accent1"/>
-          </a:fillRef>
-          <a:effectRef idx="0">
-            <a:schemeClr val="accent1"/>
-          </a:effectRef>
-          <a:fontRef idx="minor">
-            <a:schemeClr val="tx1"/>
-          </a:fontRef>
-        </p:style>
-      </p:cxnSp>
-      <p:cxnSp>
-        <p:nvCxnSpPr>
-          <p:cNvPr id="21" name="Linker scheidingslijn">
-            <a:extLst>
-              <a:ext uri="{FF2B5EF4-FFF2-40B4-BE49-F238E27FC236}">
-                <a16:creationId xmlns:a16="http://schemas.microsoft.com/office/drawing/2014/main" id="{875B34E6-233B-E234-77F0-CA5380CB8849}"/>
-              </a:ext>
-            </a:extLst>
-          </p:cNvPr>
-          <p:cNvCxnSpPr>
-            <a:cxnSpLocks/>
-          </p:cNvCxnSpPr>
-          <p:nvPr userDrawn="1"/>
-        </p:nvCxnSpPr>
-        <p:spPr>
-          <a:xfrm flipV="1">
-            <a:off x="4140175" y="1519200"/>
-            <a:ext cx="0" cy="4881600"/>
-          </a:xfrm>
-          <a:prstGeom prst="line">
-            <a:avLst/>
-          </a:prstGeom>
-          <a:ln w="12700">
-            <a:solidFill>
-              <a:schemeClr val="tx2">
-                <a:lumMod val="20000"/>
-                <a:lumOff val="80000"/>
-              </a:schemeClr>
-            </a:solidFill>
-          </a:ln>
-        </p:spPr>
-        <p:style>
-          <a:lnRef idx="1">
-            <a:schemeClr val="accent1"/>
-          </a:lnRef>
-          <a:fillRef idx="0">
-            <a:schemeClr val="accent1"/>
-          </a:fillRef>
-          <a:effectRef idx="0">
-            <a:schemeClr val="accent1"/>
-          </a:effectRef>
-          <a:fontRef idx="minor">
-            <a:schemeClr val="tx1"/>
-          </a:fontRef>
-        </p:style>
-      </p:cxnSp>
-      <p:sp>
-        <p:nvSpPr>
-          <p:cNvPr id="14" name="Tabel 4">
-            <a:extLst>
-              <a:ext uri="{FF2B5EF4-FFF2-40B4-BE49-F238E27FC236}">
-                <a16:creationId xmlns:a16="http://schemas.microsoft.com/office/drawing/2014/main" id="{5571B4FA-5AE5-9A9D-0255-A58C8CD0F28C}"/>
-              </a:ext>
-            </a:extLst>
-          </p:cNvPr>
-          <p:cNvSpPr>
-            <a:spLocks noGrp="1"/>
-          </p:cNvSpPr>
-          <p:nvPr>
-            <p:ph type="chart" sz="quarter" idx="17"/>
-          </p:nvPr>
-        </p:nvSpPr>
-        <p:spPr>
-          <a:xfrm>
-            <a:off x="8278669" y="4024800"/>
-            <a:ext cx="3454371" cy="2376000"/>
-          </a:xfrm>
-          <a:prstGeom prst="rect">
-            <a:avLst/>
-          </a:prstGeom>
-        </p:spPr>
-        <p:txBody>
-          <a:bodyPr/>
-          <a:lstStyle>
-            <a:lvl1pPr marL="0" indent="0">
-              <a:buNone/>
-              <a:defRPr>
-                <a:latin typeface="+mn-lt"/>
-              </a:defRPr>
-            </a:lvl1pPr>
-          </a:lstStyle>
-          <a:p>
-            <a:endParaRPr lang="nl-NL"/>
-          </a:p>
-        </p:txBody>
-      </p:sp>
-      <p:sp>
-        <p:nvSpPr>
-          <p:cNvPr id="15" name="Tabel 3">
-            <a:extLst>
-              <a:ext uri="{FF2B5EF4-FFF2-40B4-BE49-F238E27FC236}">
-                <a16:creationId xmlns:a16="http://schemas.microsoft.com/office/drawing/2014/main" id="{C2E38561-545A-6019-51B5-5CBFC5E5C694}"/>
-              </a:ext>
-            </a:extLst>
-          </p:cNvPr>
-          <p:cNvSpPr>
-            <a:spLocks noGrp="1"/>
-          </p:cNvSpPr>
-          <p:nvPr>
-            <p:ph type="chart" sz="quarter" idx="16"/>
-          </p:nvPr>
-        </p:nvSpPr>
-        <p:spPr>
-          <a:xfrm>
-            <a:off x="4370400" y="4024800"/>
-            <a:ext cx="3456000" cy="2376000"/>
-          </a:xfrm>
-          <a:prstGeom prst="rect">
-            <a:avLst/>
-          </a:prstGeom>
-        </p:spPr>
-        <p:txBody>
-          <a:bodyPr/>
-          <a:lstStyle>
-            <a:lvl1pPr marL="0" indent="0">
-              <a:buNone/>
-              <a:defRPr>
-                <a:latin typeface="+mn-lt"/>
-              </a:defRPr>
-            </a:lvl1pPr>
-          </a:lstStyle>
-          <a:p>
-            <a:endParaRPr lang="nl-NL"/>
-          </a:p>
-        </p:txBody>
-      </p:sp>
-      <p:sp>
-        <p:nvSpPr>
-          <p:cNvPr id="16" name="Tabel 2">
-            <a:extLst>
-              <a:ext uri="{FF2B5EF4-FFF2-40B4-BE49-F238E27FC236}">
-                <a16:creationId xmlns:a16="http://schemas.microsoft.com/office/drawing/2014/main" id="{264F8129-EEB5-1B75-B965-D4B83E379692}"/>
-              </a:ext>
-            </a:extLst>
-          </p:cNvPr>
-          <p:cNvSpPr>
-            <a:spLocks noGrp="1"/>
-          </p:cNvSpPr>
-          <p:nvPr>
-            <p:ph type="chart" sz="quarter" idx="15"/>
-          </p:nvPr>
-        </p:nvSpPr>
-        <p:spPr>
-          <a:xfrm>
-            <a:off x="8280294" y="1519200"/>
-            <a:ext cx="3454373" cy="2376000"/>
-          </a:xfrm>
-          <a:prstGeom prst="rect">
-            <a:avLst/>
-          </a:prstGeom>
-        </p:spPr>
-        <p:txBody>
-          <a:bodyPr/>
-          <a:lstStyle>
-            <a:lvl1pPr marL="0" indent="0">
-              <a:buNone/>
-              <a:defRPr>
-                <a:latin typeface="+mn-lt"/>
-              </a:defRPr>
-            </a:lvl1pPr>
-          </a:lstStyle>
-          <a:p>
-            <a:endParaRPr lang="nl-NL"/>
-          </a:p>
-        </p:txBody>
-      </p:sp>
-      <p:sp>
-        <p:nvSpPr>
-          <p:cNvPr id="17" name="Tabel 1">
-            <a:extLst>
-              <a:ext uri="{FF2B5EF4-FFF2-40B4-BE49-F238E27FC236}">
-                <a16:creationId xmlns:a16="http://schemas.microsoft.com/office/drawing/2014/main" id="{3D7EF6FF-2FDF-DFF5-CEBD-A0147DE93889}"/>
-              </a:ext>
-            </a:extLst>
-          </p:cNvPr>
-          <p:cNvSpPr>
-            <a:spLocks noGrp="1"/>
-          </p:cNvSpPr>
-          <p:nvPr>
-            <p:ph type="chart" sz="quarter" idx="14"/>
-          </p:nvPr>
-        </p:nvSpPr>
-        <p:spPr>
-          <a:xfrm>
-            <a:off x="4368813" y="1519200"/>
-            <a:ext cx="3454374" cy="2376000"/>
-          </a:xfrm>
-          <a:prstGeom prst="rect">
-            <a:avLst/>
-          </a:prstGeom>
-        </p:spPr>
-        <p:txBody>
-          <a:bodyPr/>
-          <a:lstStyle>
-            <a:lvl1pPr marL="0" indent="0">
-              <a:buNone/>
-              <a:defRPr>
-                <a:latin typeface="+mn-lt"/>
-              </a:defRPr>
-            </a:lvl1pPr>
-          </a:lstStyle>
-          <a:p>
-            <a:endParaRPr lang="nl-NL" dirty="0"/>
-          </a:p>
-        </p:txBody>
-      </p:sp>
-    </p:spTree>
-    <p:extLst>
-      <p:ext uri="{BB962C8B-B14F-4D97-AF65-F5344CB8AC3E}">
-        <p14:creationId xmlns:p14="http://schemas.microsoft.com/office/powerpoint/2010/main" val="3849775906"/>
       </p:ext>
     </p:extLst>
   </p:cSld>
@@ -12138,13 +12655,13 @@
             <p:nvPr userDrawn="1"/>
           </p:nvPicPr>
           <p:blipFill>
-            <a:blip r:embed="rId11" cstate="print">
+            <a:blip r:embed="rId12" cstate="print">
               <a:extLst>
                 <a:ext uri="{28A0092B-C50C-407E-A947-70E740481C1C}">
                   <a14:useLocalDpi xmlns:a14="http://schemas.microsoft.com/office/drawing/2010/main" val="0"/>
                 </a:ext>
                 <a:ext uri="{96DAC541-7B7A-43D3-8B79-37D633B846F1}">
-                  <asvg:svgBlip xmlns:asvg="http://schemas.microsoft.com/office/drawing/2016/SVG/main" r:embed="rId12"/>
+                  <asvg:svgBlip xmlns:asvg="http://schemas.microsoft.com/office/drawing/2016/SVG/main" r:embed="rId13"/>
                 </a:ext>
               </a:extLst>
             </a:blip>
@@ -12173,14 +12690,15 @@
   <p:clrMap bg1="lt1" tx1="dk1" bg2="lt2" tx2="dk2" accent1="accent1" accent2="accent2" accent3="accent3" accent4="accent4" accent5="accent5" accent6="accent6" hlink="hlink" folHlink="folHlink"/>
   <p:sldLayoutIdLst>
     <p:sldLayoutId id="2147483702" r:id="rId1"/>
-    <p:sldLayoutId id="2147483706" r:id="rId2"/>
-    <p:sldLayoutId id="2147483707" r:id="rId3"/>
-    <p:sldLayoutId id="2147483703" r:id="rId4"/>
-    <p:sldLayoutId id="2147483705" r:id="rId5"/>
-    <p:sldLayoutId id="2147483701" r:id="rId6"/>
-    <p:sldLayoutId id="2147483653" r:id="rId7"/>
-    <p:sldLayoutId id="2147483708" r:id="rId8"/>
-    <p:sldLayoutId id="2147483704" r:id="rId9"/>
+    <p:sldLayoutId id="2147483709" r:id="rId2"/>
+    <p:sldLayoutId id="2147483706" r:id="rId3"/>
+    <p:sldLayoutId id="2147483707" r:id="rId4"/>
+    <p:sldLayoutId id="2147483703" r:id="rId5"/>
+    <p:sldLayoutId id="2147483705" r:id="rId6"/>
+    <p:sldLayoutId id="2147483701" r:id="rId7"/>
+    <p:sldLayoutId id="2147483653" r:id="rId8"/>
+    <p:sldLayoutId id="2147483708" r:id="rId9"/>
+    <p:sldLayoutId id="2147483704" r:id="rId10"/>
   </p:sldLayoutIdLst>
   <p:txStyles>
     <p:titleStyle>
@@ -12501,7 +13019,7 @@
           <a:p>
             <a:r>
               <a:rPr/>
-              <a:t>23 april 2025</a:t>
+              <a:t> 6 mei 2025</a:t>
             </a:r>
           </a:p>
         </p:txBody>
@@ -12585,7 +13103,7 @@
           <a:p>
             <a:r>
               <a:rPr/>
-              <a:t>29%</a:t>
+              <a:t>28%</a:t>
             </a:r>
           </a:p>
         </p:txBody>
@@ -12612,7 +13130,7 @@
           <a:p>
             <a:r>
               <a:rPr/>
-              <a:t>71%</a:t>
+              <a:t>72%</a:t>
             </a:r>
           </a:p>
         </p:txBody>
@@ -12955,7 +13473,7 @@
           <a:p>
             <a:r>
               <a:rPr/>
-              <a:t>De ervaren gezondheid van jongeren in klas 2 is vergelijkbaar met jongeren in klas 4. De ervaren gezondheid van jongens is precies hetzelfde als meisjes.</a:t>
+              <a:t>De ervaren gezondheid van jongeren in klas 2 (33%) is vergelijkbaar met jongeren in klas 4 (29%). De ervaren gezondheid van jongens (31%) is precies hetzelfde als meisjes (32%).</a:t>
             </a:r>
           </a:p>
         </p:txBody>
@@ -12982,7 +13500,7 @@
           <a:p>
             <a:r>
               <a:rPr/>
-              <a:t>De ervaren gezondheid van jongens is vergelijkbaar met meisjes.</a:t>
+              <a:t>De ervaren gezondheid van jongens (31%) is vergelijkbaar met meisjes (32%).</a:t>
             </a:r>
           </a:p>
         </p:txBody>
@@ -13009,7 +13527,7 @@
           <a:p>
             <a:r>
               <a:rPr/>
-              <a:t>Het percentage inwoners in uw gemeente dat een goede gezondheid ervaart in 2024 is vergelijkbaar met Nederland.</a:t>
+              <a:t>Het percentage inwoners in uw gemeente dat een goede gezondheid ervaart in 2024 (31%) is vergelijkbaar met Nederland (31%).</a:t>
             </a:r>
           </a:p>
         </p:txBody>
@@ -13036,7 +13554,7 @@
           <a:p>
             <a:r>
               <a:rPr/>
-              <a:t>In uw gemeente is de ervaren gezondheid in 2024 gelijk gebleven ten opzichte van 2020.</a:t>
+              <a:t>In uw gemeente (31%) is de ervaren gezondheid in 2024 gelijk gebleven ten opzichte van 2020 (29%).</a:t>
             </a:r>
           </a:p>
         </p:txBody>
@@ -13153,7 +13671,7 @@
           <a:p>
             <a:r>
               <a:rPr/>
-              <a:t>In uw gemeente ervaart 31% van de inwoners een zeer goede gezondheid en heeft 29% psychische klachten.</a:t>
+              <a:t>In uw gemeente ervaart 31% van de inwoners een zeer goede gezondheid en heeft 28% psychische klachten.</a:t>
             </a:r>
           </a:p>
         </p:txBody>
@@ -13180,7 +13698,7 @@
           <a:p>
             <a:r>
               <a:rPr/>
-              <a:t>In Nederland ervaart 31% van de inwoners een zeer goede gezondheid en heeft 30% psychische klachten.</a:t>
+              <a:t>In Nederland ervaart 31% van de inwoners een zeer goede gezondheid en heeft 28% psychische klachten.</a:t>
             </a:r>
           </a:p>
         </p:txBody>
@@ -13255,6 +13773,1576 @@
     <p:extLst>
       <p:ext uri="{BB962C8B-B14F-4D97-AF65-F5344CB8AC3E}">
         <p14:creationId xmlns:p14="http://schemas.microsoft.com/office/powerpoint/2010/main" val="1769976180"/>
+      </p:ext>
+    </p:extLst>
+  </p:cSld>
+  <p:clrMapOvr>
+    <a:masterClrMapping/>
+  </p:clrMapOvr>
+</p:sld>
+</file>
+
+<file path=ppt/slides/slide9.xml><?xml version="1.0" encoding="utf-8"?>
+<p:sld xmlns:a="http://schemas.openxmlformats.org/drawingml/2006/main" xmlns:r="http://schemas.openxmlformats.org/officeDocument/2006/relationships" xmlns:p="http://schemas.openxmlformats.org/presentationml/2006/main">
+  <p:cSld>
+    <p:spTree>
+      <p:nvGrpSpPr>
+        <p:cNvPr id="1" name=""/>
+        <p:cNvGrpSpPr/>
+        <p:nvPr/>
+      </p:nvGrpSpPr>
+      <p:grpSpPr>
+        <a:xfrm>
+          <a:off x="0" y="0"/>
+          <a:ext cx="0" cy="0"/>
+          <a:chOff x="0" y="0"/>
+          <a:chExt cx="0" cy="0"/>
+        </a:xfrm>
+      </p:grpSpPr>
+      <p:graphicFrame>
+        <p:nvGraphicFramePr>
+          <p:cNvPr id="2" name="Rekenhulp 1"/>
+          <p:cNvGraphicFramePr>
+            <a:graphicFrameLocks noGrp="true"/>
+          </p:cNvGraphicFramePr>
+          <p:nvPr/>
+        </p:nvGraphicFramePr>
+        <p:xfrm rot="0">
+          <a:off x="4368812" y="1519200"/>
+          <a:ext cx="7365851" cy="2376000"/>
+        </p:xfrm>
+        <a:graphic>
+          <a:graphicData uri="http://schemas.openxmlformats.org/drawingml/2006/table">
+            <a:tbl>
+              <a:tblPr/>
+              <a:tblGrid>
+                <a:gridCol w="925714"/>
+                <a:gridCol w="925714"/>
+                <a:gridCol w="925714"/>
+                <a:gridCol w="925714"/>
+                <a:gridCol w="925714"/>
+                <a:gridCol w="925714"/>
+                <a:gridCol w="925714"/>
+              </a:tblGrid>
+              <a:tr h="480000">
+                <a:tc>
+                  <a:txBody>
+                    <a:bodyPr/>
+                    <a:lstStyle/>
+                    <a:p>
+                      <a:pPr algn="ctr" marL="63500" marR="63500">
+                        <a:lnSpc>
+                          <a:spcPct val="100000"/>
+                        </a:lnSpc>
+                        <a:spcBef>
+                          <a:spcPts val="500"/>
+                        </a:spcBef>
+                        <a:spcAft>
+                          <a:spcPts val="500"/>
+                        </a:spcAft>
+                        <a:buNone/>
+                      </a:pPr>
+                      <a:r>
+                        <a:rPr cap="none" sz="1000" i="0" b="0" u="none">
+                          <a:solidFill>
+                            <a:srgbClr val="FFFFFF">
+                              <a:alpha val="100000"/>
+                            </a:srgbClr>
+                          </a:solidFill>
+                          <a:latin typeface="Calibri"/>
+                          <a:cs typeface="Calibri"/>
+                          <a:ea typeface="Calibri"/>
+                          <a:sym typeface="Calibri"/>
+                        </a:rPr>
+                        <a:t/>
+                      </a:r>
+                    </a:p>
+                  </a:txBody>
+                  <a:tcPr anchor="ctr" marB="63500" marT="63500" marR="0" marL="0">
+                    <a:lnL algn="ctr" cmpd="sng" cap="flat" w="25400">
+                      <a:solidFill>
+                        <a:srgbClr val="FFFFFF">
+                          <a:alpha val="100000"/>
+                        </a:srgbClr>
+                      </a:solidFill>
+                      <a:prstDash val="solid"/>
+                    </a:lnL>
+                    <a:lnR algn="ctr" cmpd="sng" cap="flat" w="25400">
+                      <a:solidFill>
+                        <a:srgbClr val="FFFFFF">
+                          <a:alpha val="100000"/>
+                        </a:srgbClr>
+                      </a:solidFill>
+                      <a:prstDash val="solid"/>
+                    </a:lnR>
+                    <a:lnT algn="ctr" cmpd="sng" cap="flat" w="25400">
+                      <a:solidFill>
+                        <a:srgbClr val="FFFFFF">
+                          <a:alpha val="100000"/>
+                        </a:srgbClr>
+                      </a:solidFill>
+                      <a:prstDash val="solid"/>
+                    </a:lnT>
+                    <a:lnB algn="ctr" cmpd="sng" cap="flat" w="25400">
+                      <a:solidFill>
+                        <a:srgbClr val="FFFFFF">
+                          <a:alpha val="100000"/>
+                        </a:srgbClr>
+                      </a:solidFill>
+                      <a:prstDash val="solid"/>
+                    </a:lnB>
+                    <a:solidFill>
+                      <a:srgbClr val="005C96">
+                        <a:alpha val="100000"/>
+                      </a:srgbClr>
+                    </a:solidFill>
+                  </a:tcPr>
+                </a:tc>
+                <a:tc>
+                  <a:txBody>
+                    <a:bodyPr/>
+                    <a:lstStyle/>
+                    <a:p>
+                      <a:pPr algn="ctr" marL="63500" marR="63500">
+                        <a:lnSpc>
+                          <a:spcPct val="100000"/>
+                        </a:lnSpc>
+                        <a:spcBef>
+                          <a:spcPts val="500"/>
+                        </a:spcBef>
+                        <a:spcAft>
+                          <a:spcPts val="500"/>
+                        </a:spcAft>
+                        <a:buNone/>
+                      </a:pPr>
+                      <a:r>
+                        <a:rPr cap="none" sz="1000" i="0" b="0" u="none">
+                          <a:solidFill>
+                            <a:srgbClr val="FFFFFF">
+                              <a:alpha val="100000"/>
+                            </a:srgbClr>
+                          </a:solidFill>
+                          <a:latin typeface="Calibri"/>
+                          <a:cs typeface="Calibri"/>
+                          <a:ea typeface="Calibri"/>
+                          <a:sym typeface="Calibri"/>
+                        </a:rPr>
+                        <a:t>Inwoners (18+)</a:t>
+                      </a:r>
+                    </a:p>
+                  </a:txBody>
+                  <a:tcPr anchor="ctr" marB="63500" marT="63500" marR="0" marL="0">
+                    <a:lnL algn="ctr" cmpd="sng" cap="flat" w="25400">
+                      <a:solidFill>
+                        <a:srgbClr val="FFFFFF">
+                          <a:alpha val="100000"/>
+                        </a:srgbClr>
+                      </a:solidFill>
+                      <a:prstDash val="solid"/>
+                    </a:lnL>
+                    <a:lnR algn="ctr" cmpd="sng" cap="flat" w="25400">
+                      <a:solidFill>
+                        <a:srgbClr val="FFFFFF">
+                          <a:alpha val="100000"/>
+                        </a:srgbClr>
+                      </a:solidFill>
+                      <a:prstDash val="solid"/>
+                    </a:lnR>
+                    <a:lnT algn="ctr" cmpd="sng" cap="flat" w="25400">
+                      <a:solidFill>
+                        <a:srgbClr val="FFFFFF">
+                          <a:alpha val="100000"/>
+                        </a:srgbClr>
+                      </a:solidFill>
+                      <a:prstDash val="solid"/>
+                    </a:lnT>
+                    <a:lnB algn="ctr" cmpd="sng" cap="flat" w="25400">
+                      <a:solidFill>
+                        <a:srgbClr val="FFFFFF">
+                          <a:alpha val="100000"/>
+                        </a:srgbClr>
+                      </a:solidFill>
+                      <a:prstDash val="solid"/>
+                    </a:lnB>
+                    <a:solidFill>
+                      <a:srgbClr val="005C96">
+                        <a:alpha val="100000"/>
+                      </a:srgbClr>
+                    </a:solidFill>
+                  </a:tcPr>
+                </a:tc>
+                <a:tc>
+                  <a:txBody>
+                    <a:bodyPr/>
+                    <a:lstStyle/>
+                    <a:p>
+                      <a:pPr algn="ctr" marL="63500" marR="63500">
+                        <a:lnSpc>
+                          <a:spcPct val="100000"/>
+                        </a:lnSpc>
+                        <a:spcBef>
+                          <a:spcPts val="500"/>
+                        </a:spcBef>
+                        <a:spcAft>
+                          <a:spcPts val="500"/>
+                        </a:spcAft>
+                        <a:buNone/>
+                      </a:pPr>
+                      <a:r>
+                        <a:rPr cap="none" sz="1000" i="0" b="0" u="none">
+                          <a:solidFill>
+                            <a:srgbClr val="FFFFFF">
+                              <a:alpha val="100000"/>
+                            </a:srgbClr>
+                          </a:solidFill>
+                          <a:latin typeface="Calibri"/>
+                          <a:cs typeface="Calibri"/>
+                          <a:ea typeface="Calibri"/>
+                          <a:sym typeface="Calibri"/>
+                        </a:rPr>
+                        <a:t>1%</a:t>
+                      </a:r>
+                    </a:p>
+                  </a:txBody>
+                  <a:tcPr anchor="ctr" marB="63500" marT="63500" marR="0" marL="0">
+                    <a:lnL algn="ctr" cmpd="sng" cap="flat" w="25400">
+                      <a:solidFill>
+                        <a:srgbClr val="FFFFFF">
+                          <a:alpha val="100000"/>
+                        </a:srgbClr>
+                      </a:solidFill>
+                      <a:prstDash val="solid"/>
+                    </a:lnL>
+                    <a:lnR algn="ctr" cmpd="sng" cap="flat" w="25400">
+                      <a:solidFill>
+                        <a:srgbClr val="FFFFFF">
+                          <a:alpha val="100000"/>
+                        </a:srgbClr>
+                      </a:solidFill>
+                      <a:prstDash val="solid"/>
+                    </a:lnR>
+                    <a:lnT algn="ctr" cmpd="sng" cap="flat" w="25400">
+                      <a:solidFill>
+                        <a:srgbClr val="FFFFFF">
+                          <a:alpha val="100000"/>
+                        </a:srgbClr>
+                      </a:solidFill>
+                      <a:prstDash val="solid"/>
+                    </a:lnT>
+                    <a:lnB algn="ctr" cmpd="sng" cap="flat" w="25400">
+                      <a:solidFill>
+                        <a:srgbClr val="FFFFFF">
+                          <a:alpha val="100000"/>
+                        </a:srgbClr>
+                      </a:solidFill>
+                      <a:prstDash val="solid"/>
+                    </a:lnB>
+                    <a:solidFill>
+                      <a:srgbClr val="005C96">
+                        <a:alpha val="100000"/>
+                      </a:srgbClr>
+                    </a:solidFill>
+                  </a:tcPr>
+                </a:tc>
+                <a:tc>
+                  <a:txBody>
+                    <a:bodyPr/>
+                    <a:lstStyle/>
+                    <a:p>
+                      <a:pPr algn="ctr" marL="63500" marR="63500">
+                        <a:lnSpc>
+                          <a:spcPct val="100000"/>
+                        </a:lnSpc>
+                        <a:spcBef>
+                          <a:spcPts val="500"/>
+                        </a:spcBef>
+                        <a:spcAft>
+                          <a:spcPts val="500"/>
+                        </a:spcAft>
+                        <a:buNone/>
+                      </a:pPr>
+                      <a:r>
+                        <a:rPr cap="none" sz="1000" i="0" b="0" u="none">
+                          <a:solidFill>
+                            <a:srgbClr val="FFFFFF">
+                              <a:alpha val="100000"/>
+                            </a:srgbClr>
+                          </a:solidFill>
+                          <a:latin typeface="Calibri"/>
+                          <a:cs typeface="Calibri"/>
+                          <a:ea typeface="Calibri"/>
+                          <a:sym typeface="Calibri"/>
+                        </a:rPr>
+                        <a:t>5%</a:t>
+                      </a:r>
+                    </a:p>
+                  </a:txBody>
+                  <a:tcPr anchor="ctr" marB="63500" marT="63500" marR="0" marL="0">
+                    <a:lnL algn="ctr" cmpd="sng" cap="flat" w="25400">
+                      <a:solidFill>
+                        <a:srgbClr val="FFFFFF">
+                          <a:alpha val="100000"/>
+                        </a:srgbClr>
+                      </a:solidFill>
+                      <a:prstDash val="solid"/>
+                    </a:lnL>
+                    <a:lnR algn="ctr" cmpd="sng" cap="flat" w="25400">
+                      <a:solidFill>
+                        <a:srgbClr val="FFFFFF">
+                          <a:alpha val="100000"/>
+                        </a:srgbClr>
+                      </a:solidFill>
+                      <a:prstDash val="solid"/>
+                    </a:lnR>
+                    <a:lnT algn="ctr" cmpd="sng" cap="flat" w="25400">
+                      <a:solidFill>
+                        <a:srgbClr val="FFFFFF">
+                          <a:alpha val="100000"/>
+                        </a:srgbClr>
+                      </a:solidFill>
+                      <a:prstDash val="solid"/>
+                    </a:lnT>
+                    <a:lnB algn="ctr" cmpd="sng" cap="flat" w="25400">
+                      <a:solidFill>
+                        <a:srgbClr val="FFFFFF">
+                          <a:alpha val="100000"/>
+                        </a:srgbClr>
+                      </a:solidFill>
+                      <a:prstDash val="solid"/>
+                    </a:lnB>
+                    <a:solidFill>
+                      <a:srgbClr val="005C96">
+                        <a:alpha val="100000"/>
+                      </a:srgbClr>
+                    </a:solidFill>
+                  </a:tcPr>
+                </a:tc>
+                <a:tc>
+                  <a:txBody>
+                    <a:bodyPr/>
+                    <a:lstStyle/>
+                    <a:p>
+                      <a:pPr algn="ctr" marL="63500" marR="63500">
+                        <a:lnSpc>
+                          <a:spcPct val="100000"/>
+                        </a:lnSpc>
+                        <a:spcBef>
+                          <a:spcPts val="500"/>
+                        </a:spcBef>
+                        <a:spcAft>
+                          <a:spcPts val="500"/>
+                        </a:spcAft>
+                        <a:buNone/>
+                      </a:pPr>
+                      <a:r>
+                        <a:rPr cap="none" sz="1000" i="0" b="0" u="none">
+                          <a:solidFill>
+                            <a:srgbClr val="FFFFFF">
+                              <a:alpha val="100000"/>
+                            </a:srgbClr>
+                          </a:solidFill>
+                          <a:latin typeface="Calibri"/>
+                          <a:cs typeface="Calibri"/>
+                          <a:ea typeface="Calibri"/>
+                          <a:sym typeface="Calibri"/>
+                        </a:rPr>
+                        <a:t>10%</a:t>
+                      </a:r>
+                    </a:p>
+                  </a:txBody>
+                  <a:tcPr anchor="ctr" marB="63500" marT="63500" marR="0" marL="0">
+                    <a:lnL algn="ctr" cmpd="sng" cap="flat" w="25400">
+                      <a:solidFill>
+                        <a:srgbClr val="FFFFFF">
+                          <a:alpha val="100000"/>
+                        </a:srgbClr>
+                      </a:solidFill>
+                      <a:prstDash val="solid"/>
+                    </a:lnL>
+                    <a:lnR algn="ctr" cmpd="sng" cap="flat" w="25400">
+                      <a:solidFill>
+                        <a:srgbClr val="FFFFFF">
+                          <a:alpha val="100000"/>
+                        </a:srgbClr>
+                      </a:solidFill>
+                      <a:prstDash val="solid"/>
+                    </a:lnR>
+                    <a:lnT algn="ctr" cmpd="sng" cap="flat" w="25400">
+                      <a:solidFill>
+                        <a:srgbClr val="FFFFFF">
+                          <a:alpha val="100000"/>
+                        </a:srgbClr>
+                      </a:solidFill>
+                      <a:prstDash val="solid"/>
+                    </a:lnT>
+                    <a:lnB algn="ctr" cmpd="sng" cap="flat" w="25400">
+                      <a:solidFill>
+                        <a:srgbClr val="FFFFFF">
+                          <a:alpha val="100000"/>
+                        </a:srgbClr>
+                      </a:solidFill>
+                      <a:prstDash val="solid"/>
+                    </a:lnB>
+                    <a:solidFill>
+                      <a:srgbClr val="005C96">
+                        <a:alpha val="100000"/>
+                      </a:srgbClr>
+                    </a:solidFill>
+                  </a:tcPr>
+                </a:tc>
+                <a:tc>
+                  <a:txBody>
+                    <a:bodyPr/>
+                    <a:lstStyle/>
+                    <a:p>
+                      <a:pPr algn="ctr" marL="63500" marR="63500">
+                        <a:lnSpc>
+                          <a:spcPct val="100000"/>
+                        </a:lnSpc>
+                        <a:spcBef>
+                          <a:spcPts val="500"/>
+                        </a:spcBef>
+                        <a:spcAft>
+                          <a:spcPts val="500"/>
+                        </a:spcAft>
+                        <a:buNone/>
+                      </a:pPr>
+                      <a:r>
+                        <a:rPr cap="none" sz="1000" i="0" b="0" u="none">
+                          <a:solidFill>
+                            <a:srgbClr val="FFFFFF">
+                              <a:alpha val="100000"/>
+                            </a:srgbClr>
+                          </a:solidFill>
+                          <a:latin typeface="Calibri"/>
+                          <a:cs typeface="Calibri"/>
+                          <a:ea typeface="Calibri"/>
+                          <a:sym typeface="Calibri"/>
+                        </a:rPr>
+                        <a:t>25%</a:t>
+                      </a:r>
+                    </a:p>
+                  </a:txBody>
+                  <a:tcPr anchor="ctr" marB="63500" marT="63500" marR="0" marL="0">
+                    <a:lnL algn="ctr" cmpd="sng" cap="flat" w="25400">
+                      <a:solidFill>
+                        <a:srgbClr val="FFFFFF">
+                          <a:alpha val="100000"/>
+                        </a:srgbClr>
+                      </a:solidFill>
+                      <a:prstDash val="solid"/>
+                    </a:lnL>
+                    <a:lnR algn="ctr" cmpd="sng" cap="flat" w="25400">
+                      <a:solidFill>
+                        <a:srgbClr val="FFFFFF">
+                          <a:alpha val="100000"/>
+                        </a:srgbClr>
+                      </a:solidFill>
+                      <a:prstDash val="solid"/>
+                    </a:lnR>
+                    <a:lnT algn="ctr" cmpd="sng" cap="flat" w="25400">
+                      <a:solidFill>
+                        <a:srgbClr val="FFFFFF">
+                          <a:alpha val="100000"/>
+                        </a:srgbClr>
+                      </a:solidFill>
+                      <a:prstDash val="solid"/>
+                    </a:lnT>
+                    <a:lnB algn="ctr" cmpd="sng" cap="flat" w="25400">
+                      <a:solidFill>
+                        <a:srgbClr val="FFFFFF">
+                          <a:alpha val="100000"/>
+                        </a:srgbClr>
+                      </a:solidFill>
+                      <a:prstDash val="solid"/>
+                    </a:lnB>
+                    <a:solidFill>
+                      <a:srgbClr val="005C96">
+                        <a:alpha val="100000"/>
+                      </a:srgbClr>
+                    </a:solidFill>
+                  </a:tcPr>
+                </a:tc>
+                <a:tc>
+                  <a:txBody>
+                    <a:bodyPr/>
+                    <a:lstStyle/>
+                    <a:p>
+                      <a:pPr algn="ctr" marL="63500" marR="63500">
+                        <a:lnSpc>
+                          <a:spcPct val="100000"/>
+                        </a:lnSpc>
+                        <a:spcBef>
+                          <a:spcPts val="500"/>
+                        </a:spcBef>
+                        <a:spcAft>
+                          <a:spcPts val="500"/>
+                        </a:spcAft>
+                        <a:buNone/>
+                      </a:pPr>
+                      <a:r>
+                        <a:rPr cap="none" sz="1000" i="0" b="0" u="none">
+                          <a:solidFill>
+                            <a:srgbClr val="FFFFFF">
+                              <a:alpha val="100000"/>
+                            </a:srgbClr>
+                          </a:solidFill>
+                          <a:latin typeface="Calibri"/>
+                          <a:cs typeface="Calibri"/>
+                          <a:ea typeface="Calibri"/>
+                          <a:sym typeface="Calibri"/>
+                        </a:rPr>
+                        <a:t>50%</a:t>
+                      </a:r>
+                    </a:p>
+                  </a:txBody>
+                  <a:tcPr anchor="ctr" marB="63500" marT="63500" marR="0" marL="0">
+                    <a:lnL algn="ctr" cmpd="sng" cap="flat" w="25400">
+                      <a:solidFill>
+                        <a:srgbClr val="FFFFFF">
+                          <a:alpha val="100000"/>
+                        </a:srgbClr>
+                      </a:solidFill>
+                      <a:prstDash val="solid"/>
+                    </a:lnL>
+                    <a:lnR algn="ctr" cmpd="sng" cap="flat" w="25400">
+                      <a:solidFill>
+                        <a:srgbClr val="FFFFFF">
+                          <a:alpha val="100000"/>
+                        </a:srgbClr>
+                      </a:solidFill>
+                      <a:prstDash val="solid"/>
+                    </a:lnR>
+                    <a:lnT algn="ctr" cmpd="sng" cap="flat" w="25400">
+                      <a:solidFill>
+                        <a:srgbClr val="FFFFFF">
+                          <a:alpha val="100000"/>
+                        </a:srgbClr>
+                      </a:solidFill>
+                      <a:prstDash val="solid"/>
+                    </a:lnT>
+                    <a:lnB algn="ctr" cmpd="sng" cap="flat" w="25400">
+                      <a:solidFill>
+                        <a:srgbClr val="FFFFFF">
+                          <a:alpha val="100000"/>
+                        </a:srgbClr>
+                      </a:solidFill>
+                      <a:prstDash val="solid"/>
+                    </a:lnB>
+                    <a:solidFill>
+                      <a:srgbClr val="005C96">
+                        <a:alpha val="100000"/>
+                      </a:srgbClr>
+                    </a:solidFill>
+                  </a:tcPr>
+                </a:tc>
+              </a:tr>
+              <a:tr h="480000">
+                <a:tc>
+                  <a:txBody>
+                    <a:bodyPr/>
+                    <a:lstStyle/>
+                    <a:p>
+                      <a:pPr algn="ctr" marL="63500" marR="63500">
+                        <a:lnSpc>
+                          <a:spcPct val="100000"/>
+                        </a:lnSpc>
+                        <a:spcBef>
+                          <a:spcPts val="500"/>
+                        </a:spcBef>
+                        <a:spcAft>
+                          <a:spcPts val="500"/>
+                        </a:spcAft>
+                        <a:buNone/>
+                      </a:pPr>
+                      <a:r>
+                        <a:rPr cap="none" sz="1000" i="0" b="0" u="none">
+                          <a:solidFill>
+                            <a:srgbClr val="000000">
+                              <a:alpha val="100000"/>
+                            </a:srgbClr>
+                          </a:solidFill>
+                          <a:latin typeface="Calibri"/>
+                          <a:cs typeface="Calibri"/>
+                          <a:ea typeface="Calibri"/>
+                          <a:sym typeface="Calibri"/>
+                        </a:rPr>
+                        <a:t>Nederland</a:t>
+                      </a:r>
+                    </a:p>
+                  </a:txBody>
+                  <a:tcPr anchor="ctr" marB="63500" marT="63500" marR="0" marL="0">
+                    <a:lnL algn="ctr" cmpd="sng" cap="flat" w="25400">
+                      <a:solidFill>
+                        <a:srgbClr val="FFFFFF">
+                          <a:alpha val="100000"/>
+                        </a:srgbClr>
+                      </a:solidFill>
+                      <a:prstDash val="solid"/>
+                    </a:lnL>
+                    <a:lnR algn="ctr" cmpd="sng" cap="flat" w="25400">
+                      <a:solidFill>
+                        <a:srgbClr val="FFFFFF">
+                          <a:alpha val="100000"/>
+                        </a:srgbClr>
+                      </a:solidFill>
+                      <a:prstDash val="solid"/>
+                    </a:lnR>
+                    <a:lnT algn="ctr" cmpd="sng" cap="flat" w="0">
+                      <a:noFill/>
+                      <a:prstDash val="solid"/>
+                    </a:lnT>
+                    <a:lnB algn="ctr" cmpd="sng" cap="flat" w="25400">
+                      <a:solidFill>
+                        <a:srgbClr val="FFFFFF">
+                          <a:alpha val="100000"/>
+                        </a:srgbClr>
+                      </a:solidFill>
+                      <a:prstDash val="solid"/>
+                    </a:lnB>
+                    <a:solidFill>
+                      <a:srgbClr val="D3D3D3">
+                        <a:alpha val="100000"/>
+                      </a:srgbClr>
+                    </a:solidFill>
+                  </a:tcPr>
+                </a:tc>
+                <a:tc>
+                  <a:txBody>
+                    <a:bodyPr/>
+                    <a:lstStyle/>
+                    <a:p>
+                      <a:pPr algn="ctr" marL="63500" marR="63500">
+                        <a:lnSpc>
+                          <a:spcPct val="100000"/>
+                        </a:lnSpc>
+                        <a:spcBef>
+                          <a:spcPts val="500"/>
+                        </a:spcBef>
+                        <a:spcAft>
+                          <a:spcPts val="500"/>
+                        </a:spcAft>
+                        <a:buNone/>
+                      </a:pPr>
+                      <a:r>
+                        <a:rPr cap="none" sz="1000" i="0" b="0" u="none">
+                          <a:solidFill>
+                            <a:srgbClr val="000000">
+                              <a:alpha val="100000"/>
+                            </a:srgbClr>
+                          </a:solidFill>
+                          <a:latin typeface="Calibri"/>
+                          <a:cs typeface="Calibri"/>
+                          <a:ea typeface="Calibri"/>
+                          <a:sym typeface="Calibri"/>
+                        </a:rPr>
+                        <a:t>17,884,097</a:t>
+                      </a:r>
+                    </a:p>
+                  </a:txBody>
+                  <a:tcPr anchor="ctr" marB="63500" marT="63500" marR="0" marL="0">
+                    <a:lnL algn="ctr" cmpd="sng" cap="flat" w="25400">
+                      <a:solidFill>
+                        <a:srgbClr val="FFFFFF">
+                          <a:alpha val="100000"/>
+                        </a:srgbClr>
+                      </a:solidFill>
+                      <a:prstDash val="solid"/>
+                    </a:lnL>
+                    <a:lnR algn="ctr" cmpd="sng" cap="flat" w="25400">
+                      <a:solidFill>
+                        <a:srgbClr val="FFFFFF">
+                          <a:alpha val="100000"/>
+                        </a:srgbClr>
+                      </a:solidFill>
+                      <a:prstDash val="solid"/>
+                    </a:lnR>
+                    <a:lnT algn="ctr" cmpd="sng" cap="flat" w="0">
+                      <a:noFill/>
+                      <a:prstDash val="solid"/>
+                    </a:lnT>
+                    <a:lnB algn="ctr" cmpd="sng" cap="flat" w="25400">
+                      <a:solidFill>
+                        <a:srgbClr val="FFFFFF">
+                          <a:alpha val="100000"/>
+                        </a:srgbClr>
+                      </a:solidFill>
+                      <a:prstDash val="solid"/>
+                    </a:lnB>
+                    <a:solidFill>
+                      <a:srgbClr val="D3D3D3">
+                        <a:alpha val="100000"/>
+                      </a:srgbClr>
+                    </a:solidFill>
+                  </a:tcPr>
+                </a:tc>
+                <a:tc>
+                  <a:txBody>
+                    <a:bodyPr/>
+                    <a:lstStyle/>
+                    <a:p>
+                      <a:pPr algn="ctr" marL="63500" marR="63500">
+                        <a:lnSpc>
+                          <a:spcPct val="100000"/>
+                        </a:lnSpc>
+                        <a:spcBef>
+                          <a:spcPts val="500"/>
+                        </a:spcBef>
+                        <a:spcAft>
+                          <a:spcPts val="500"/>
+                        </a:spcAft>
+                        <a:buNone/>
+                      </a:pPr>
+                      <a:r>
+                        <a:rPr cap="none" sz="1000" i="0" b="0" u="none">
+                          <a:solidFill>
+                            <a:srgbClr val="000000">
+                              <a:alpha val="100000"/>
+                            </a:srgbClr>
+                          </a:solidFill>
+                          <a:latin typeface="Calibri"/>
+                          <a:cs typeface="Calibri"/>
+                          <a:ea typeface="Calibri"/>
+                          <a:sym typeface="Calibri"/>
+                        </a:rPr>
+                        <a:t>178,841</a:t>
+                      </a:r>
+                    </a:p>
+                  </a:txBody>
+                  <a:tcPr anchor="ctr" marB="63500" marT="63500" marR="0" marL="0">
+                    <a:lnL algn="ctr" cmpd="sng" cap="flat" w="25400">
+                      <a:solidFill>
+                        <a:srgbClr val="FFFFFF">
+                          <a:alpha val="100000"/>
+                        </a:srgbClr>
+                      </a:solidFill>
+                      <a:prstDash val="solid"/>
+                    </a:lnL>
+                    <a:lnR algn="ctr" cmpd="sng" cap="flat" w="25400">
+                      <a:solidFill>
+                        <a:srgbClr val="FFFFFF">
+                          <a:alpha val="100000"/>
+                        </a:srgbClr>
+                      </a:solidFill>
+                      <a:prstDash val="solid"/>
+                    </a:lnR>
+                    <a:lnT algn="ctr" cmpd="sng" cap="flat" w="0">
+                      <a:noFill/>
+                      <a:prstDash val="solid"/>
+                    </a:lnT>
+                    <a:lnB algn="ctr" cmpd="sng" cap="flat" w="25400">
+                      <a:solidFill>
+                        <a:srgbClr val="FFFFFF">
+                          <a:alpha val="100000"/>
+                        </a:srgbClr>
+                      </a:solidFill>
+                      <a:prstDash val="solid"/>
+                    </a:lnB>
+                    <a:solidFill>
+                      <a:srgbClr val="D3D3D3">
+                        <a:alpha val="100000"/>
+                      </a:srgbClr>
+                    </a:solidFill>
+                  </a:tcPr>
+                </a:tc>
+                <a:tc>
+                  <a:txBody>
+                    <a:bodyPr/>
+                    <a:lstStyle/>
+                    <a:p>
+                      <a:pPr algn="ctr" marL="63500" marR="63500">
+                        <a:lnSpc>
+                          <a:spcPct val="100000"/>
+                        </a:lnSpc>
+                        <a:spcBef>
+                          <a:spcPts val="500"/>
+                        </a:spcBef>
+                        <a:spcAft>
+                          <a:spcPts val="500"/>
+                        </a:spcAft>
+                        <a:buNone/>
+                      </a:pPr>
+                      <a:r>
+                        <a:rPr cap="none" sz="1000" i="0" b="0" u="none">
+                          <a:solidFill>
+                            <a:srgbClr val="000000">
+                              <a:alpha val="100000"/>
+                            </a:srgbClr>
+                          </a:solidFill>
+                          <a:latin typeface="Calibri"/>
+                          <a:cs typeface="Calibri"/>
+                          <a:ea typeface="Calibri"/>
+                          <a:sym typeface="Calibri"/>
+                        </a:rPr>
+                        <a:t>894,205</a:t>
+                      </a:r>
+                    </a:p>
+                  </a:txBody>
+                  <a:tcPr anchor="ctr" marB="63500" marT="63500" marR="0" marL="0">
+                    <a:lnL algn="ctr" cmpd="sng" cap="flat" w="25400">
+                      <a:solidFill>
+                        <a:srgbClr val="FFFFFF">
+                          <a:alpha val="100000"/>
+                        </a:srgbClr>
+                      </a:solidFill>
+                      <a:prstDash val="solid"/>
+                    </a:lnL>
+                    <a:lnR algn="ctr" cmpd="sng" cap="flat" w="25400">
+                      <a:solidFill>
+                        <a:srgbClr val="FFFFFF">
+                          <a:alpha val="100000"/>
+                        </a:srgbClr>
+                      </a:solidFill>
+                      <a:prstDash val="solid"/>
+                    </a:lnR>
+                    <a:lnT algn="ctr" cmpd="sng" cap="flat" w="0">
+                      <a:noFill/>
+                      <a:prstDash val="solid"/>
+                    </a:lnT>
+                    <a:lnB algn="ctr" cmpd="sng" cap="flat" w="25400">
+                      <a:solidFill>
+                        <a:srgbClr val="FFFFFF">
+                          <a:alpha val="100000"/>
+                        </a:srgbClr>
+                      </a:solidFill>
+                      <a:prstDash val="solid"/>
+                    </a:lnB>
+                    <a:solidFill>
+                      <a:srgbClr val="D3D3D3">
+                        <a:alpha val="100000"/>
+                      </a:srgbClr>
+                    </a:solidFill>
+                  </a:tcPr>
+                </a:tc>
+                <a:tc>
+                  <a:txBody>
+                    <a:bodyPr/>
+                    <a:lstStyle/>
+                    <a:p>
+                      <a:pPr algn="ctr" marL="63500" marR="63500">
+                        <a:lnSpc>
+                          <a:spcPct val="100000"/>
+                        </a:lnSpc>
+                        <a:spcBef>
+                          <a:spcPts val="500"/>
+                        </a:spcBef>
+                        <a:spcAft>
+                          <a:spcPts val="500"/>
+                        </a:spcAft>
+                        <a:buNone/>
+                      </a:pPr>
+                      <a:r>
+                        <a:rPr cap="none" sz="1000" i="0" b="0" u="none">
+                          <a:solidFill>
+                            <a:srgbClr val="000000">
+                              <a:alpha val="100000"/>
+                            </a:srgbClr>
+                          </a:solidFill>
+                          <a:latin typeface="Calibri"/>
+                          <a:cs typeface="Calibri"/>
+                          <a:ea typeface="Calibri"/>
+                          <a:sym typeface="Calibri"/>
+                        </a:rPr>
+                        <a:t>1,788,410</a:t>
+                      </a:r>
+                    </a:p>
+                  </a:txBody>
+                  <a:tcPr anchor="ctr" marB="63500" marT="63500" marR="0" marL="0">
+                    <a:lnL algn="ctr" cmpd="sng" cap="flat" w="25400">
+                      <a:solidFill>
+                        <a:srgbClr val="FFFFFF">
+                          <a:alpha val="100000"/>
+                        </a:srgbClr>
+                      </a:solidFill>
+                      <a:prstDash val="solid"/>
+                    </a:lnL>
+                    <a:lnR algn="ctr" cmpd="sng" cap="flat" w="25400">
+                      <a:solidFill>
+                        <a:srgbClr val="FFFFFF">
+                          <a:alpha val="100000"/>
+                        </a:srgbClr>
+                      </a:solidFill>
+                      <a:prstDash val="solid"/>
+                    </a:lnR>
+                    <a:lnT algn="ctr" cmpd="sng" cap="flat" w="0">
+                      <a:noFill/>
+                      <a:prstDash val="solid"/>
+                    </a:lnT>
+                    <a:lnB algn="ctr" cmpd="sng" cap="flat" w="25400">
+                      <a:solidFill>
+                        <a:srgbClr val="FFFFFF">
+                          <a:alpha val="100000"/>
+                        </a:srgbClr>
+                      </a:solidFill>
+                      <a:prstDash val="solid"/>
+                    </a:lnB>
+                    <a:solidFill>
+                      <a:srgbClr val="D3D3D3">
+                        <a:alpha val="100000"/>
+                      </a:srgbClr>
+                    </a:solidFill>
+                  </a:tcPr>
+                </a:tc>
+                <a:tc>
+                  <a:txBody>
+                    <a:bodyPr/>
+                    <a:lstStyle/>
+                    <a:p>
+                      <a:pPr algn="ctr" marL="63500" marR="63500">
+                        <a:lnSpc>
+                          <a:spcPct val="100000"/>
+                        </a:lnSpc>
+                        <a:spcBef>
+                          <a:spcPts val="500"/>
+                        </a:spcBef>
+                        <a:spcAft>
+                          <a:spcPts val="500"/>
+                        </a:spcAft>
+                        <a:buNone/>
+                      </a:pPr>
+                      <a:r>
+                        <a:rPr cap="none" sz="1000" i="0" b="0" u="none">
+                          <a:solidFill>
+                            <a:srgbClr val="000000">
+                              <a:alpha val="100000"/>
+                            </a:srgbClr>
+                          </a:solidFill>
+                          <a:latin typeface="Calibri"/>
+                          <a:cs typeface="Calibri"/>
+                          <a:ea typeface="Calibri"/>
+                          <a:sym typeface="Calibri"/>
+                        </a:rPr>
+                        <a:t>4,471,024</a:t>
+                      </a:r>
+                    </a:p>
+                  </a:txBody>
+                  <a:tcPr anchor="ctr" marB="63500" marT="63500" marR="0" marL="0">
+                    <a:lnL algn="ctr" cmpd="sng" cap="flat" w="25400">
+                      <a:solidFill>
+                        <a:srgbClr val="FFFFFF">
+                          <a:alpha val="100000"/>
+                        </a:srgbClr>
+                      </a:solidFill>
+                      <a:prstDash val="solid"/>
+                    </a:lnL>
+                    <a:lnR algn="ctr" cmpd="sng" cap="flat" w="25400">
+                      <a:solidFill>
+                        <a:srgbClr val="FFFFFF">
+                          <a:alpha val="100000"/>
+                        </a:srgbClr>
+                      </a:solidFill>
+                      <a:prstDash val="solid"/>
+                    </a:lnR>
+                    <a:lnT algn="ctr" cmpd="sng" cap="flat" w="0">
+                      <a:noFill/>
+                      <a:prstDash val="solid"/>
+                    </a:lnT>
+                    <a:lnB algn="ctr" cmpd="sng" cap="flat" w="25400">
+                      <a:solidFill>
+                        <a:srgbClr val="FFFFFF">
+                          <a:alpha val="100000"/>
+                        </a:srgbClr>
+                      </a:solidFill>
+                      <a:prstDash val="solid"/>
+                    </a:lnB>
+                    <a:solidFill>
+                      <a:srgbClr val="D3D3D3">
+                        <a:alpha val="100000"/>
+                      </a:srgbClr>
+                    </a:solidFill>
+                  </a:tcPr>
+                </a:tc>
+                <a:tc>
+                  <a:txBody>
+                    <a:bodyPr/>
+                    <a:lstStyle/>
+                    <a:p>
+                      <a:pPr algn="ctr" marL="63500" marR="63500">
+                        <a:lnSpc>
+                          <a:spcPct val="100000"/>
+                        </a:lnSpc>
+                        <a:spcBef>
+                          <a:spcPts val="500"/>
+                        </a:spcBef>
+                        <a:spcAft>
+                          <a:spcPts val="500"/>
+                        </a:spcAft>
+                        <a:buNone/>
+                      </a:pPr>
+                      <a:r>
+                        <a:rPr cap="none" sz="1000" i="0" b="0" u="none">
+                          <a:solidFill>
+                            <a:srgbClr val="000000">
+                              <a:alpha val="100000"/>
+                            </a:srgbClr>
+                          </a:solidFill>
+                          <a:latin typeface="Calibri"/>
+                          <a:cs typeface="Calibri"/>
+                          <a:ea typeface="Calibri"/>
+                          <a:sym typeface="Calibri"/>
+                        </a:rPr>
+                        <a:t>8,942,048</a:t>
+                      </a:r>
+                    </a:p>
+                  </a:txBody>
+                  <a:tcPr anchor="ctr" marB="63500" marT="63500" marR="0" marL="0">
+                    <a:lnL algn="ctr" cmpd="sng" cap="flat" w="25400">
+                      <a:solidFill>
+                        <a:srgbClr val="FFFFFF">
+                          <a:alpha val="100000"/>
+                        </a:srgbClr>
+                      </a:solidFill>
+                      <a:prstDash val="solid"/>
+                    </a:lnL>
+                    <a:lnR algn="ctr" cmpd="sng" cap="flat" w="25400">
+                      <a:solidFill>
+                        <a:srgbClr val="FFFFFF">
+                          <a:alpha val="100000"/>
+                        </a:srgbClr>
+                      </a:solidFill>
+                      <a:prstDash val="solid"/>
+                    </a:lnR>
+                    <a:lnT algn="ctr" cmpd="sng" cap="flat" w="0">
+                      <a:noFill/>
+                      <a:prstDash val="solid"/>
+                    </a:lnT>
+                    <a:lnB algn="ctr" cmpd="sng" cap="flat" w="25400">
+                      <a:solidFill>
+                        <a:srgbClr val="FFFFFF">
+                          <a:alpha val="100000"/>
+                        </a:srgbClr>
+                      </a:solidFill>
+                      <a:prstDash val="solid"/>
+                    </a:lnB>
+                    <a:solidFill>
+                      <a:srgbClr val="D3D3D3">
+                        <a:alpha val="100000"/>
+                      </a:srgbClr>
+                    </a:solidFill>
+                  </a:tcPr>
+                </a:tc>
+              </a:tr>
+              <a:tr h="480000">
+                <a:tc>
+                  <a:txBody>
+                    <a:bodyPr/>
+                    <a:lstStyle/>
+                    <a:p>
+                      <a:pPr algn="ctr" marL="63500" marR="63500">
+                        <a:lnSpc>
+                          <a:spcPct val="100000"/>
+                        </a:lnSpc>
+                        <a:spcBef>
+                          <a:spcPts val="500"/>
+                        </a:spcBef>
+                        <a:spcAft>
+                          <a:spcPts val="500"/>
+                        </a:spcAft>
+                        <a:buNone/>
+                      </a:pPr>
+                      <a:r>
+                        <a:rPr cap="none" sz="1000" i="0" b="0" u="none">
+                          <a:solidFill>
+                            <a:srgbClr val="000000">
+                              <a:alpha val="100000"/>
+                            </a:srgbClr>
+                          </a:solidFill>
+                          <a:latin typeface="Calibri"/>
+                          <a:cs typeface="Calibri"/>
+                          <a:ea typeface="Calibri"/>
+                          <a:sym typeface="Calibri"/>
+                        </a:rPr>
+                        <a:t>Zandwijk</a:t>
+                      </a:r>
+                    </a:p>
+                  </a:txBody>
+                  <a:tcPr anchor="ctr" marB="63500" marT="63500" marR="0" marL="0">
+                    <a:lnL algn="ctr" cmpd="sng" cap="flat" w="25400">
+                      <a:solidFill>
+                        <a:srgbClr val="FFFFFF">
+                          <a:alpha val="100000"/>
+                        </a:srgbClr>
+                      </a:solidFill>
+                      <a:prstDash val="solid"/>
+                    </a:lnL>
+                    <a:lnR algn="ctr" cmpd="sng" cap="flat" w="25400">
+                      <a:solidFill>
+                        <a:srgbClr val="FFFFFF">
+                          <a:alpha val="100000"/>
+                        </a:srgbClr>
+                      </a:solidFill>
+                      <a:prstDash val="solid"/>
+                    </a:lnR>
+                    <a:lnT algn="ctr" cmpd="sng" cap="flat" w="25400">
+                      <a:solidFill>
+                        <a:srgbClr val="FFFFFF">
+                          <a:alpha val="100000"/>
+                        </a:srgbClr>
+                      </a:solidFill>
+                      <a:prstDash val="solid"/>
+                    </a:lnT>
+                    <a:lnB algn="ctr" cmpd="sng" cap="flat" w="25400">
+                      <a:solidFill>
+                        <a:srgbClr val="FFFFFF">
+                          <a:alpha val="100000"/>
+                        </a:srgbClr>
+                      </a:solidFill>
+                      <a:prstDash val="solid"/>
+                    </a:lnB>
+                    <a:solidFill>
+                      <a:srgbClr val="D3D3D3">
+                        <a:alpha val="100000"/>
+                      </a:srgbClr>
+                    </a:solidFill>
+                  </a:tcPr>
+                </a:tc>
+                <a:tc>
+                  <a:txBody>
+                    <a:bodyPr/>
+                    <a:lstStyle/>
+                    <a:p>
+                      <a:pPr algn="ctr" marL="63500" marR="63500">
+                        <a:lnSpc>
+                          <a:spcPct val="100000"/>
+                        </a:lnSpc>
+                        <a:spcBef>
+                          <a:spcPts val="500"/>
+                        </a:spcBef>
+                        <a:spcAft>
+                          <a:spcPts val="500"/>
+                        </a:spcAft>
+                        <a:buNone/>
+                      </a:pPr>
+                      <a:r>
+                        <a:rPr cap="none" sz="1000" i="0" b="0" u="none">
+                          <a:solidFill>
+                            <a:srgbClr val="000000">
+                              <a:alpha val="100000"/>
+                            </a:srgbClr>
+                          </a:solidFill>
+                          <a:latin typeface="Calibri"/>
+                          <a:cs typeface="Calibri"/>
+                          <a:ea typeface="Calibri"/>
+                          <a:sym typeface="Calibri"/>
+                        </a:rPr>
+                        <a:t>57,084</a:t>
+                      </a:r>
+                    </a:p>
+                  </a:txBody>
+                  <a:tcPr anchor="ctr" marB="63500" marT="63500" marR="0" marL="0">
+                    <a:lnL algn="ctr" cmpd="sng" cap="flat" w="25400">
+                      <a:solidFill>
+                        <a:srgbClr val="FFFFFF">
+                          <a:alpha val="100000"/>
+                        </a:srgbClr>
+                      </a:solidFill>
+                      <a:prstDash val="solid"/>
+                    </a:lnL>
+                    <a:lnR algn="ctr" cmpd="sng" cap="flat" w="25400">
+                      <a:solidFill>
+                        <a:srgbClr val="FFFFFF">
+                          <a:alpha val="100000"/>
+                        </a:srgbClr>
+                      </a:solidFill>
+                      <a:prstDash val="solid"/>
+                    </a:lnR>
+                    <a:lnT algn="ctr" cmpd="sng" cap="flat" w="25400">
+                      <a:solidFill>
+                        <a:srgbClr val="FFFFFF">
+                          <a:alpha val="100000"/>
+                        </a:srgbClr>
+                      </a:solidFill>
+                      <a:prstDash val="solid"/>
+                    </a:lnT>
+                    <a:lnB algn="ctr" cmpd="sng" cap="flat" w="25400">
+                      <a:solidFill>
+                        <a:srgbClr val="FFFFFF">
+                          <a:alpha val="100000"/>
+                        </a:srgbClr>
+                      </a:solidFill>
+                      <a:prstDash val="solid"/>
+                    </a:lnB>
+                    <a:solidFill>
+                      <a:srgbClr val="D3D3D3">
+                        <a:alpha val="100000"/>
+                      </a:srgbClr>
+                    </a:solidFill>
+                  </a:tcPr>
+                </a:tc>
+                <a:tc>
+                  <a:txBody>
+                    <a:bodyPr/>
+                    <a:lstStyle/>
+                    <a:p>
+                      <a:pPr algn="ctr" marL="63500" marR="63500">
+                        <a:lnSpc>
+                          <a:spcPct val="100000"/>
+                        </a:lnSpc>
+                        <a:spcBef>
+                          <a:spcPts val="500"/>
+                        </a:spcBef>
+                        <a:spcAft>
+                          <a:spcPts val="500"/>
+                        </a:spcAft>
+                        <a:buNone/>
+                      </a:pPr>
+                      <a:r>
+                        <a:rPr cap="none" sz="1000" i="0" b="0" u="none">
+                          <a:solidFill>
+                            <a:srgbClr val="000000">
+                              <a:alpha val="100000"/>
+                            </a:srgbClr>
+                          </a:solidFill>
+                          <a:latin typeface="Calibri"/>
+                          <a:cs typeface="Calibri"/>
+                          <a:ea typeface="Calibri"/>
+                          <a:sym typeface="Calibri"/>
+                        </a:rPr>
+                        <a:t>571</a:t>
+                      </a:r>
+                    </a:p>
+                  </a:txBody>
+                  <a:tcPr anchor="ctr" marB="63500" marT="63500" marR="0" marL="0">
+                    <a:lnL algn="ctr" cmpd="sng" cap="flat" w="25400">
+                      <a:solidFill>
+                        <a:srgbClr val="FFFFFF">
+                          <a:alpha val="100000"/>
+                        </a:srgbClr>
+                      </a:solidFill>
+                      <a:prstDash val="solid"/>
+                    </a:lnL>
+                    <a:lnR algn="ctr" cmpd="sng" cap="flat" w="25400">
+                      <a:solidFill>
+                        <a:srgbClr val="FFFFFF">
+                          <a:alpha val="100000"/>
+                        </a:srgbClr>
+                      </a:solidFill>
+                      <a:prstDash val="solid"/>
+                    </a:lnR>
+                    <a:lnT algn="ctr" cmpd="sng" cap="flat" w="25400">
+                      <a:solidFill>
+                        <a:srgbClr val="FFFFFF">
+                          <a:alpha val="100000"/>
+                        </a:srgbClr>
+                      </a:solidFill>
+                      <a:prstDash val="solid"/>
+                    </a:lnT>
+                    <a:lnB algn="ctr" cmpd="sng" cap="flat" w="25400">
+                      <a:solidFill>
+                        <a:srgbClr val="FFFFFF">
+                          <a:alpha val="100000"/>
+                        </a:srgbClr>
+                      </a:solidFill>
+                      <a:prstDash val="solid"/>
+                    </a:lnB>
+                    <a:solidFill>
+                      <a:srgbClr val="D3D3D3">
+                        <a:alpha val="100000"/>
+                      </a:srgbClr>
+                    </a:solidFill>
+                  </a:tcPr>
+                </a:tc>
+                <a:tc>
+                  <a:txBody>
+                    <a:bodyPr/>
+                    <a:lstStyle/>
+                    <a:p>
+                      <a:pPr algn="ctr" marL="63500" marR="63500">
+                        <a:lnSpc>
+                          <a:spcPct val="100000"/>
+                        </a:lnSpc>
+                        <a:spcBef>
+                          <a:spcPts val="500"/>
+                        </a:spcBef>
+                        <a:spcAft>
+                          <a:spcPts val="500"/>
+                        </a:spcAft>
+                        <a:buNone/>
+                      </a:pPr>
+                      <a:r>
+                        <a:rPr cap="none" sz="1000" i="0" b="0" u="none">
+                          <a:solidFill>
+                            <a:srgbClr val="000000">
+                              <a:alpha val="100000"/>
+                            </a:srgbClr>
+                          </a:solidFill>
+                          <a:latin typeface="Calibri"/>
+                          <a:cs typeface="Calibri"/>
+                          <a:ea typeface="Calibri"/>
+                          <a:sym typeface="Calibri"/>
+                        </a:rPr>
+                        <a:t>2,854</a:t>
+                      </a:r>
+                    </a:p>
+                  </a:txBody>
+                  <a:tcPr anchor="ctr" marB="63500" marT="63500" marR="0" marL="0">
+                    <a:lnL algn="ctr" cmpd="sng" cap="flat" w="25400">
+                      <a:solidFill>
+                        <a:srgbClr val="FFFFFF">
+                          <a:alpha val="100000"/>
+                        </a:srgbClr>
+                      </a:solidFill>
+                      <a:prstDash val="solid"/>
+                    </a:lnL>
+                    <a:lnR algn="ctr" cmpd="sng" cap="flat" w="25400">
+                      <a:solidFill>
+                        <a:srgbClr val="FFFFFF">
+                          <a:alpha val="100000"/>
+                        </a:srgbClr>
+                      </a:solidFill>
+                      <a:prstDash val="solid"/>
+                    </a:lnR>
+                    <a:lnT algn="ctr" cmpd="sng" cap="flat" w="25400">
+                      <a:solidFill>
+                        <a:srgbClr val="FFFFFF">
+                          <a:alpha val="100000"/>
+                        </a:srgbClr>
+                      </a:solidFill>
+                      <a:prstDash val="solid"/>
+                    </a:lnT>
+                    <a:lnB algn="ctr" cmpd="sng" cap="flat" w="25400">
+                      <a:solidFill>
+                        <a:srgbClr val="FFFFFF">
+                          <a:alpha val="100000"/>
+                        </a:srgbClr>
+                      </a:solidFill>
+                      <a:prstDash val="solid"/>
+                    </a:lnB>
+                    <a:solidFill>
+                      <a:srgbClr val="D3D3D3">
+                        <a:alpha val="100000"/>
+                      </a:srgbClr>
+                    </a:solidFill>
+                  </a:tcPr>
+                </a:tc>
+                <a:tc>
+                  <a:txBody>
+                    <a:bodyPr/>
+                    <a:lstStyle/>
+                    <a:p>
+                      <a:pPr algn="ctr" marL="63500" marR="63500">
+                        <a:lnSpc>
+                          <a:spcPct val="100000"/>
+                        </a:lnSpc>
+                        <a:spcBef>
+                          <a:spcPts val="500"/>
+                        </a:spcBef>
+                        <a:spcAft>
+                          <a:spcPts val="500"/>
+                        </a:spcAft>
+                        <a:buNone/>
+                      </a:pPr>
+                      <a:r>
+                        <a:rPr cap="none" sz="1000" i="0" b="0" u="none">
+                          <a:solidFill>
+                            <a:srgbClr val="000000">
+                              <a:alpha val="100000"/>
+                            </a:srgbClr>
+                          </a:solidFill>
+                          <a:latin typeface="Calibri"/>
+                          <a:cs typeface="Calibri"/>
+                          <a:ea typeface="Calibri"/>
+                          <a:sym typeface="Calibri"/>
+                        </a:rPr>
+                        <a:t>5,708</a:t>
+                      </a:r>
+                    </a:p>
+                  </a:txBody>
+                  <a:tcPr anchor="ctr" marB="63500" marT="63500" marR="0" marL="0">
+                    <a:lnL algn="ctr" cmpd="sng" cap="flat" w="25400">
+                      <a:solidFill>
+                        <a:srgbClr val="FFFFFF">
+                          <a:alpha val="100000"/>
+                        </a:srgbClr>
+                      </a:solidFill>
+                      <a:prstDash val="solid"/>
+                    </a:lnL>
+                    <a:lnR algn="ctr" cmpd="sng" cap="flat" w="25400">
+                      <a:solidFill>
+                        <a:srgbClr val="FFFFFF">
+                          <a:alpha val="100000"/>
+                        </a:srgbClr>
+                      </a:solidFill>
+                      <a:prstDash val="solid"/>
+                    </a:lnR>
+                    <a:lnT algn="ctr" cmpd="sng" cap="flat" w="25400">
+                      <a:solidFill>
+                        <a:srgbClr val="FFFFFF">
+                          <a:alpha val="100000"/>
+                        </a:srgbClr>
+                      </a:solidFill>
+                      <a:prstDash val="solid"/>
+                    </a:lnT>
+                    <a:lnB algn="ctr" cmpd="sng" cap="flat" w="25400">
+                      <a:solidFill>
+                        <a:srgbClr val="FFFFFF">
+                          <a:alpha val="100000"/>
+                        </a:srgbClr>
+                      </a:solidFill>
+                      <a:prstDash val="solid"/>
+                    </a:lnB>
+                    <a:solidFill>
+                      <a:srgbClr val="D3D3D3">
+                        <a:alpha val="100000"/>
+                      </a:srgbClr>
+                    </a:solidFill>
+                  </a:tcPr>
+                </a:tc>
+                <a:tc>
+                  <a:txBody>
+                    <a:bodyPr/>
+                    <a:lstStyle/>
+                    <a:p>
+                      <a:pPr algn="ctr" marL="63500" marR="63500">
+                        <a:lnSpc>
+                          <a:spcPct val="100000"/>
+                        </a:lnSpc>
+                        <a:spcBef>
+                          <a:spcPts val="500"/>
+                        </a:spcBef>
+                        <a:spcAft>
+                          <a:spcPts val="500"/>
+                        </a:spcAft>
+                        <a:buNone/>
+                      </a:pPr>
+                      <a:r>
+                        <a:rPr cap="none" sz="1000" i="0" b="0" u="none">
+                          <a:solidFill>
+                            <a:srgbClr val="000000">
+                              <a:alpha val="100000"/>
+                            </a:srgbClr>
+                          </a:solidFill>
+                          <a:latin typeface="Calibri"/>
+                          <a:cs typeface="Calibri"/>
+                          <a:ea typeface="Calibri"/>
+                          <a:sym typeface="Calibri"/>
+                        </a:rPr>
+                        <a:t>14,271</a:t>
+                      </a:r>
+                    </a:p>
+                  </a:txBody>
+                  <a:tcPr anchor="ctr" marB="63500" marT="63500" marR="0" marL="0">
+                    <a:lnL algn="ctr" cmpd="sng" cap="flat" w="25400">
+                      <a:solidFill>
+                        <a:srgbClr val="FFFFFF">
+                          <a:alpha val="100000"/>
+                        </a:srgbClr>
+                      </a:solidFill>
+                      <a:prstDash val="solid"/>
+                    </a:lnL>
+                    <a:lnR algn="ctr" cmpd="sng" cap="flat" w="25400">
+                      <a:solidFill>
+                        <a:srgbClr val="FFFFFF">
+                          <a:alpha val="100000"/>
+                        </a:srgbClr>
+                      </a:solidFill>
+                      <a:prstDash val="solid"/>
+                    </a:lnR>
+                    <a:lnT algn="ctr" cmpd="sng" cap="flat" w="25400">
+                      <a:solidFill>
+                        <a:srgbClr val="FFFFFF">
+                          <a:alpha val="100000"/>
+                        </a:srgbClr>
+                      </a:solidFill>
+                      <a:prstDash val="solid"/>
+                    </a:lnT>
+                    <a:lnB algn="ctr" cmpd="sng" cap="flat" w="25400">
+                      <a:solidFill>
+                        <a:srgbClr val="FFFFFF">
+                          <a:alpha val="100000"/>
+                        </a:srgbClr>
+                      </a:solidFill>
+                      <a:prstDash val="solid"/>
+                    </a:lnB>
+                    <a:solidFill>
+                      <a:srgbClr val="D3D3D3">
+                        <a:alpha val="100000"/>
+                      </a:srgbClr>
+                    </a:solidFill>
+                  </a:tcPr>
+                </a:tc>
+                <a:tc>
+                  <a:txBody>
+                    <a:bodyPr/>
+                    <a:lstStyle/>
+                    <a:p>
+                      <a:pPr algn="ctr" marL="63500" marR="63500">
+                        <a:lnSpc>
+                          <a:spcPct val="100000"/>
+                        </a:lnSpc>
+                        <a:spcBef>
+                          <a:spcPts val="500"/>
+                        </a:spcBef>
+                        <a:spcAft>
+                          <a:spcPts val="500"/>
+                        </a:spcAft>
+                        <a:buNone/>
+                      </a:pPr>
+                      <a:r>
+                        <a:rPr cap="none" sz="1000" i="0" b="0" u="none">
+                          <a:solidFill>
+                            <a:srgbClr val="000000">
+                              <a:alpha val="100000"/>
+                            </a:srgbClr>
+                          </a:solidFill>
+                          <a:latin typeface="Calibri"/>
+                          <a:cs typeface="Calibri"/>
+                          <a:ea typeface="Calibri"/>
+                          <a:sym typeface="Calibri"/>
+                        </a:rPr>
+                        <a:t>28,542</a:t>
+                      </a:r>
+                    </a:p>
+                  </a:txBody>
+                  <a:tcPr anchor="ctr" marB="63500" marT="63500" marR="0" marL="0">
+                    <a:lnL algn="ctr" cmpd="sng" cap="flat" w="25400">
+                      <a:solidFill>
+                        <a:srgbClr val="FFFFFF">
+                          <a:alpha val="100000"/>
+                        </a:srgbClr>
+                      </a:solidFill>
+                      <a:prstDash val="solid"/>
+                    </a:lnL>
+                    <a:lnR algn="ctr" cmpd="sng" cap="flat" w="25400">
+                      <a:solidFill>
+                        <a:srgbClr val="FFFFFF">
+                          <a:alpha val="100000"/>
+                        </a:srgbClr>
+                      </a:solidFill>
+                      <a:prstDash val="solid"/>
+                    </a:lnR>
+                    <a:lnT algn="ctr" cmpd="sng" cap="flat" w="25400">
+                      <a:solidFill>
+                        <a:srgbClr val="FFFFFF">
+                          <a:alpha val="100000"/>
+                        </a:srgbClr>
+                      </a:solidFill>
+                      <a:prstDash val="solid"/>
+                    </a:lnT>
+                    <a:lnB algn="ctr" cmpd="sng" cap="flat" w="25400">
+                      <a:solidFill>
+                        <a:srgbClr val="FFFFFF">
+                          <a:alpha val="100000"/>
+                        </a:srgbClr>
+                      </a:solidFill>
+                      <a:prstDash val="solid"/>
+                    </a:lnB>
+                    <a:solidFill>
+                      <a:srgbClr val="D3D3D3">
+                        <a:alpha val="100000"/>
+                      </a:srgbClr>
+                    </a:solidFill>
+                  </a:tcPr>
+                </a:tc>
+              </a:tr>
+            </a:tbl>
+          </a:graphicData>
+        </a:graphic>
+      </p:graphicFrame>
+    </p:spTree>
+    <p:extLst>
+      <p:ext uri="{BB962C8B-B14F-4D97-AF65-F5344CB8AC3E}">
+        <p14:creationId xmlns:p14="http://schemas.microsoft.com/office/powerpoint/2010/main" val="1857189599"/>
       </p:ext>
     </p:extLst>
   </p:cSld>

--- a/example/Rapportage Zandwijk.pptx
+++ b/example/Rapportage Zandwijk.pptx
@@ -1483,7 +1483,7 @@
 </pc:chgInfo>
 </file>
 
-<file path=ppt/charts/chart4c4c13f20f3.xml><?xml version="1.0" encoding="utf-8"?>
+<file path=ppt/charts/chartc7011782dc9.xml><?xml version="1.0" encoding="utf-8"?>
 <c:chartSpace xmlns:c="http://schemas.openxmlformats.org/drawingml/2006/chart" xmlns:a="http://schemas.openxmlformats.org/drawingml/2006/main" xmlns:r="http://schemas.openxmlformats.org/officeDocument/2006/relationships">
   <c:date1904 val="0"/>
   <c:lang val="fr-FR"/>
@@ -1518,7 +1518,7 @@
                 <a:ea typeface="Calibri"/>
                 <a:sym typeface="Calibri"/>
               </a:rPr>
-              <a:t>Variant 4</a:t>
+              <a:t>Variant 13</a:t>
             </a:r>
           </a:p>
         </c:rich>
@@ -1542,7 +1542,7 @@
               <c:strCache>
                 <c:ptCount val="1"/>
                 <c:pt idx="0">
-                  <c:v>Zandwijk</c:v>
+                  <c:v>Jongen</c:v>
                 </c:pt>
               </c:strCache>
             </c:strRef>
@@ -1616,13 +1616,13 @@
               <c:numCache>
                 <c:ptCount val="3"/>
                 <c:pt idx="0">
-                  <c:v>0.2805121</c:v>
+                  <c:v>0.2885178</c:v>
                 </c:pt>
                 <c:pt idx="1">
-                  <c:v>0.8569226</c:v>
+                  <c:v>0.8528350</c:v>
                 </c:pt>
                 <c:pt idx="2">
-                  <c:v>0.3122552</c:v>
+                  <c:v>0.3093217</c:v>
                 </c:pt>
               </c:numCache>
             </c:numRef>
@@ -1637,7 +1637,102 @@
               <c:strCache>
                 <c:ptCount val="1"/>
                 <c:pt idx="0">
-                  <c:v>Nederland</c:v>
+                  <c:v>Meisje</c:v>
+                </c:pt>
+              </c:strCache>
+            </c:strRef>
+          </c:tx>
+          <c:spPr>
+            <a:solidFill>
+              <a:srgbClr val="6FC7FF">
+                <a:alpha val="100000"/>
+              </a:srgbClr>
+            </a:solidFill>
+            <a:ln w="25400">
+              <a:solidFill>
+                <a:srgbClr val="FFFFFF">
+                  <a:alpha val="0"/>
+                </a:srgbClr>
+              </a:solidFill>
+            </a:ln>
+            <a:effectLst/>
+          </c:spPr>
+          <c:invertIfNegative val="0"/>
+          <c:dLbls>
+            <c:dLblPos val="outEnd"/>
+            <c:numFmt formatCode="0%" sourceLinked="0"/>
+            <c:separator val=", "/>
+            <c:showBubbleSize val="0"/>
+            <c:showCatName val="0"/>
+            <c:showLegendKey val="0"/>
+            <c:showPercent val="0"/>
+            <c:showSerName val="0"/>
+            <c:showVal val="1"/>
+            <c:txPr>
+              <a:bodyPr/>
+              <a:lstStyle/>
+              <a:p>
+                <a:pPr>
+                  <a:defRPr cap="none" sz="800" i="0" b="0" u="none">
+                    <a:solidFill>
+                      <a:srgbClr val="000000">
+                        <a:alpha val="100000"/>
+                      </a:srgbClr>
+                    </a:solidFill>
+                    <a:latin typeface="Calibri"/>
+                    <a:cs typeface="Calibri"/>
+                    <a:ea typeface="Calibri"/>
+                    <a:sym typeface="Calibri"/>
+                  </a:defRPr>
+                </a:pPr>
+              </a:p>
+            </c:txPr>
+          </c:dLbls>
+          <c:cat>
+            <c:strRef>
+              <c:f>sheet1!$A$2:$A$4</c:f>
+              <c:strCache>
+                <c:ptCount val="3"/>
+                <c:pt idx="0">
+                  <c:v>Heeft psychische klachten</c:v>
+                </c:pt>
+                <c:pt idx="1">
+                  <c:v>Geeft geen mantelzorg</c:v>
+                </c:pt>
+                <c:pt idx="2">
+                  <c:v>Heeft een zeer goede gezondheid</c:v>
+                </c:pt>
+              </c:strCache>
+            </c:strRef>
+          </c:cat>
+          <c:val>
+            <c:numRef>
+              <c:f>sheet1!$C$2:$C$4</c:f>
+              <c:numCache>
+                <c:ptCount val="3"/>
+                <c:pt idx="0">
+                  <c:v>0.2690928</c:v>
+                </c:pt>
+                <c:pt idx="1">
+                  <c:v>0.8511010</c:v>
+                </c:pt>
+                <c:pt idx="2">
+                  <c:v>0.3223658</c:v>
+                </c:pt>
+              </c:numCache>
+            </c:numRef>
+          </c:val>
+        </c:ser>
+        <c:ser>
+          <c:idx val="2"/>
+          <c:order val="2"/>
+          <c:tx>
+            <c:strRef>
+              <c:f>sheet1!$D$1</c:f>
+              <c:strCache>
+                <c:ptCount val="1"/>
+                <c:pt idx="0">
+                  <c:v>Klas 2</c:v>
                 </c:pt>
               </c:strCache>
             </c:strRef>
@@ -1707,17 +1802,112 @@
           </c:cat>
           <c:val>
             <c:numRef>
-              <c:f>sheet1!$C$2:$C$4</c:f>
+              <c:f>sheet1!$D$2:$D$4</c:f>
               <c:numCache>
                 <c:ptCount val="3"/>
                 <c:pt idx="0">
-                  <c:v>0.2753591</c:v>
+                  <c:v>0.2994161</c:v>
                 </c:pt>
                 <c:pt idx="1">
-                  <c:v>0.8527339</c:v>
+                  <c:v>0.8586191</c:v>
                 </c:pt>
                 <c:pt idx="2">
-                  <c:v>0.3070725</c:v>
+                  <c:v>0.3294875</c:v>
+                </c:pt>
+              </c:numCache>
+            </c:numRef>
+          </c:val>
+        </c:ser>
+        <c:ser>
+          <c:idx val="3"/>
+          <c:order val="3"/>
+          <c:tx>
+            <c:strRef>
+              <c:f>sheet1!$E$1</c:f>
+              <c:strCache>
+                <c:ptCount val="1"/>
+                <c:pt idx="0">
+                  <c:v>Klas 4</c:v>
+                </c:pt>
+              </c:strCache>
+            </c:strRef>
+          </c:tx>
+          <c:spPr>
+            <a:solidFill>
+              <a:srgbClr val="FFB18E">
+                <a:alpha val="100000"/>
+              </a:srgbClr>
+            </a:solidFill>
+            <a:ln w="25400">
+              <a:solidFill>
+                <a:srgbClr val="FFFFFF">
+                  <a:alpha val="0"/>
+                </a:srgbClr>
+              </a:solidFill>
+            </a:ln>
+            <a:effectLst/>
+          </c:spPr>
+          <c:invertIfNegative val="0"/>
+          <c:dLbls>
+            <c:dLblPos val="outEnd"/>
+            <c:numFmt formatCode="0%" sourceLinked="0"/>
+            <c:separator val=", "/>
+            <c:showBubbleSize val="0"/>
+            <c:showCatName val="0"/>
+            <c:showLegendKey val="0"/>
+            <c:showPercent val="0"/>
+            <c:showSerName val="0"/>
+            <c:showVal val="1"/>
+            <c:txPr>
+              <a:bodyPr/>
+              <a:lstStyle/>
+              <a:p>
+                <a:pPr>
+                  <a:defRPr cap="none" sz="800" i="0" b="0" u="none">
+                    <a:solidFill>
+                      <a:srgbClr val="000000">
+                        <a:alpha val="100000"/>
+                      </a:srgbClr>
+                    </a:solidFill>
+                    <a:latin typeface="Calibri"/>
+                    <a:cs typeface="Calibri"/>
+                    <a:ea typeface="Calibri"/>
+                    <a:sym typeface="Calibri"/>
+                  </a:defRPr>
+                </a:pPr>
+              </a:p>
+            </c:txPr>
+          </c:dLbls>
+          <c:cat>
+            <c:strRef>
+              <c:f>sheet1!$A$2:$A$4</c:f>
+              <c:strCache>
+                <c:ptCount val="3"/>
+                <c:pt idx="0">
+                  <c:v>Heeft psychische klachten</c:v>
+                </c:pt>
+                <c:pt idx="1">
+                  <c:v>Geeft geen mantelzorg</c:v>
+                </c:pt>
+                <c:pt idx="2">
+                  <c:v>Heeft een zeer goede gezondheid</c:v>
+                </c:pt>
+              </c:strCache>
+            </c:strRef>
+          </c:cat>
+          <c:val>
+            <c:numRef>
+              <c:f>sheet1!$E$2:$E$4</c:f>
+              <c:numCache>
+                <c:ptCount val="3"/>
+                <c:pt idx="0">
+                  <c:v>0.2597708</c:v>
+                </c:pt>
+                <c:pt idx="1">
+                  <c:v>0.8596716</c:v>
+                </c:pt>
+                <c:pt idx="2">
+                  <c:v>0.2921700</c:v>
                 </c:pt>
               </c:numCache>
             </c:numRef>
@@ -1872,7 +2062,7 @@
 </c:chartSpace>
 </file>
 
-<file path=ppt/charts/chart4c4c20a04158.xml><?xml version="1.0" encoding="utf-8"?>
+<file path=ppt/charts/chartc7013f22c34.xml><?xml version="1.0" encoding="utf-8"?>
 <c:chartSpace xmlns:c="http://schemas.openxmlformats.org/drawingml/2006/chart" xmlns:a="http://schemas.openxmlformats.org/drawingml/2006/main" xmlns:r="http://schemas.openxmlformats.org/officeDocument/2006/relationships">
   <c:date1904 val="0"/>
   <c:lang val="fr-FR"/>
@@ -1907,7 +2097,7 @@
                 <a:ea typeface="Calibri"/>
                 <a:sym typeface="Calibri"/>
               </a:rPr>
-              <a:t>Variant 3</a:t>
+              <a:t>Variant 17</a:t>
             </a:r>
           </a:p>
         </c:rich>
@@ -1984,22 +2174,40 @@
           </c:dLbls>
           <c:cat>
             <c:strRef>
-              <c:f>sheet1!$A$2:$A$2</c:f>
+              <c:f>sheet1!$A$2:$A$5</c:f>
               <c:strCache>
-                <c:ptCount val="1"/>
+                <c:ptCount val="4"/>
                 <c:pt idx="0">
-                  <c:v>Heeft psychische klachten</c:v>
+                  <c:v>Jongen</c:v>
+                </c:pt>
+                <c:pt idx="1">
+                  <c:v>Meisje</c:v>
+                </c:pt>
+                <c:pt idx="2">
+                  <c:v>Klas 2</c:v>
+                </c:pt>
+                <c:pt idx="3">
+                  <c:v>Klas 4</c:v>
                 </c:pt>
               </c:strCache>
             </c:strRef>
           </c:cat>
           <c:val>
             <c:numRef>
-              <c:f>sheet1!$B$2:$B$2</c:f>
+              <c:f>sheet1!$B$2:$B$5</c:f>
               <c:numCache>
-                <c:ptCount val="1"/>
+                <c:ptCount val="4"/>
                 <c:pt idx="0">
-                  <c:v>0.2805121</c:v>
+                  <c:v>0.2885178</c:v>
+                </c:pt>
+                <c:pt idx="1">
+                  <c:v>0.2690928</c:v>
+                </c:pt>
+                <c:pt idx="2">
+                  <c:v>0.2994161</c:v>
+                </c:pt>
+                <c:pt idx="3">
+                  <c:v>0.2597708</c:v>
                 </c:pt>
               </c:numCache>
             </c:numRef>
@@ -2067,22 +2275,40 @@
           </c:dLbls>
           <c:cat>
             <c:strRef>
-              <c:f>sheet1!$A$2:$A$2</c:f>
+              <c:f>sheet1!$A$2:$A$5</c:f>
               <c:strCache>
-                <c:ptCount val="1"/>
+                <c:ptCount val="4"/>
                 <c:pt idx="0">
-                  <c:v>Heeft psychische klachten</c:v>
+                  <c:v>Jongen</c:v>
+                </c:pt>
+                <c:pt idx="1">
+                  <c:v>Meisje</c:v>
+                </c:pt>
+                <c:pt idx="2">
+                  <c:v>Klas 2</c:v>
+                </c:pt>
+                <c:pt idx="3">
+                  <c:v>Klas 4</c:v>
                 </c:pt>
               </c:strCache>
             </c:strRef>
           </c:cat>
           <c:val>
             <c:numRef>
-              <c:f>sheet1!$C$2:$C$2</c:f>
+              <c:f>sheet1!$C$2:$C$5</c:f>
               <c:numCache>
-                <c:ptCount val="1"/>
+                <c:ptCount val="4"/>
                 <c:pt idx="0">
-                  <c:v>0.2753591</c:v>
+                  <c:v>0.2810797</c:v>
+                </c:pt>
+                <c:pt idx="1">
+                  <c:v>0.2733080</c:v>
+                </c:pt>
+                <c:pt idx="2">
+                  <c:v>0.2818699</c:v>
+                </c:pt>
+                <c:pt idx="3">
+                  <c:v>0.2738343</c:v>
                 </c:pt>
               </c:numCache>
             </c:numRef>
@@ -2237,7 +2463,7 @@
 </c:chartSpace>
 </file>
 
-<file path=ppt/charts/chart4c4c231a3fc3.xml><?xml version="1.0" encoding="utf-8"?>
+<file path=ppt/charts/chartc70166b2a9f.xml><?xml version="1.0" encoding="utf-8"?>
 <c:chartSpace xmlns:c="http://schemas.openxmlformats.org/drawingml/2006/chart" xmlns:a="http://schemas.openxmlformats.org/drawingml/2006/main" xmlns:r="http://schemas.openxmlformats.org/officeDocument/2006/relationships">
   <c:date1904 val="0"/>
   <c:lang val="fr-FR"/>
@@ -2272,7 +2498,7 @@
                 <a:ea typeface="Calibri"/>
                 <a:sym typeface="Calibri"/>
               </a:rPr>
-              <a:t>Variant 7</a:t>
+              <a:t>Staafgrafiek Variant 17 liggend</a:t>
             </a:r>
           </a:p>
         </c:rich>
@@ -2284,7 +2510,7 @@
     <c:plotArea xmlns:c="http://schemas.openxmlformats.org/drawingml/2006/chart" xmlns:a="http://schemas.openxmlformats.org/drawingml/2006/main" xmlns:r="http://schemas.openxmlformats.org/officeDocument/2006/relationships">
       <c:layout/>
       <c:barChart>
-        <c:barDir val="col"/>
+        <c:barDir val="bar"/>
         <c:grouping val="clustered"/>
         <c:varyColors val="0"/>
         <c:ser>
@@ -2296,7 +2522,108 @@
               <c:strCache>
                 <c:ptCount val="1"/>
                 <c:pt idx="0">
+                  <c:v>Nederland</c:v>
+                </c:pt>
+              </c:strCache>
+            </c:strRef>
+          </c:tx>
+          <c:spPr>
+            <a:solidFill>
+              <a:srgbClr val="E54800">
+                <a:alpha val="100000"/>
+              </a:srgbClr>
+            </a:solidFill>
+            <a:ln w="25400">
+              <a:solidFill>
+                <a:srgbClr val="FFFFFF">
+                  <a:alpha val="0"/>
+                </a:srgbClr>
+              </a:solidFill>
+            </a:ln>
+            <a:effectLst/>
+          </c:spPr>
+          <c:invertIfNegative val="0"/>
+          <c:dLbls>
+            <c:dLblPos val="outEnd"/>
+            <c:numFmt formatCode="0%" sourceLinked="0"/>
+            <c:separator val=", "/>
+            <c:showBubbleSize val="0"/>
+            <c:showCatName val="0"/>
+            <c:showLegendKey val="0"/>
+            <c:showPercent val="0"/>
+            <c:showSerName val="0"/>
+            <c:showVal val="1"/>
+            <c:txPr>
+              <a:bodyPr/>
+              <a:lstStyle/>
+              <a:p>
+                <a:pPr>
+                  <a:defRPr cap="none" sz="800" i="0" b="0" u="none">
+                    <a:solidFill>
+                      <a:srgbClr val="000000">
+                        <a:alpha val="100000"/>
+                      </a:srgbClr>
+                    </a:solidFill>
+                    <a:latin typeface="Calibri"/>
+                    <a:cs typeface="Calibri"/>
+                    <a:ea typeface="Calibri"/>
+                    <a:sym typeface="Calibri"/>
+                  </a:defRPr>
+                </a:pPr>
+              </a:p>
+            </c:txPr>
+          </c:dLbls>
+          <c:cat>
+            <c:strRef>
+              <c:f>sheet1!$A$2:$A$5</c:f>
+              <c:strCache>
+                <c:ptCount val="4"/>
+                <c:pt idx="0">
+                  <c:v>Klas 4</c:v>
+                </c:pt>
+                <c:pt idx="1">
+                  <c:v>Klas 2</c:v>
+                </c:pt>
+                <c:pt idx="2">
+                  <c:v>Meisje</c:v>
+                </c:pt>
+                <c:pt idx="3">
                   <c:v>Jongen</c:v>
+                </c:pt>
+              </c:strCache>
+            </c:strRef>
+          </c:cat>
+          <c:val>
+            <c:numRef>
+              <c:f>sheet1!$B$2:$B$5</c:f>
+              <c:numCache>
+                <c:ptCount val="4"/>
+                <c:pt idx="0">
+                  <c:v>0.2738343</c:v>
+                </c:pt>
+                <c:pt idx="1">
+                  <c:v>0.2818699</c:v>
+                </c:pt>
+                <c:pt idx="2">
+                  <c:v>0.2733080</c:v>
+                </c:pt>
+                <c:pt idx="3">
+                  <c:v>0.2810797</c:v>
+                </c:pt>
+              </c:numCache>
+            </c:numRef>
+          </c:val>
+        </c:ser>
+        <c:ser>
+          <c:idx val="1"/>
+          <c:order val="1"/>
+          <c:tx>
+            <c:strRef>
+              <c:f>sheet1!$C$1</c:f>
+              <c:strCache>
+                <c:ptCount val="1"/>
+                <c:pt idx="0">
+                  <c:v>Zandwijk</c:v>
                 </c:pt>
               </c:strCache>
             </c:strRef>
@@ -2349,44 +2676,261 @@
           </c:dLbls>
           <c:cat>
             <c:strRef>
-              <c:f>sheet1!$A$2:$A$2</c:f>
+              <c:f>sheet1!$A$2:$A$5</c:f>
               <c:strCache>
-                <c:ptCount val="1"/>
+                <c:ptCount val="4"/>
                 <c:pt idx="0">
-                  <c:v>Heeft psychische klachten</c:v>
+                  <c:v>Klas 4</c:v>
+                </c:pt>
+                <c:pt idx="1">
+                  <c:v>Klas 2</c:v>
+                </c:pt>
+                <c:pt idx="2">
+                  <c:v>Meisje</c:v>
+                </c:pt>
+                <c:pt idx="3">
+                  <c:v>Jongen</c:v>
                 </c:pt>
               </c:strCache>
             </c:strRef>
           </c:cat>
           <c:val>
             <c:numRef>
-              <c:f>sheet1!$B$2:$B$2</c:f>
+              <c:f>sheet1!$C$2:$C$5</c:f>
               <c:numCache>
-                <c:ptCount val="1"/>
+                <c:ptCount val="4"/>
                 <c:pt idx="0">
+                  <c:v>0.2597708</c:v>
+                </c:pt>
+                <c:pt idx="1">
+                  <c:v>0.2994161</c:v>
+                </c:pt>
+                <c:pt idx="2">
+                  <c:v>0.2690928</c:v>
+                </c:pt>
+                <c:pt idx="3">
                   <c:v>0.2885178</c:v>
                 </c:pt>
               </c:numCache>
             </c:numRef>
           </c:val>
         </c:ser>
+        <c:dLbls>
+          <c:dLblPos val="outEnd"/>
+          <c:numFmt formatCode="0%" sourceLinked="0"/>
+          <c:separator val=", "/>
+          <c:showBubbleSize val="0"/>
+          <c:showCatName val="0"/>
+          <c:showLegendKey val="0"/>
+          <c:showPercent val="0"/>
+          <c:showSerName val="0"/>
+          <c:showVal val="1"/>
+        </c:dLbls>
+        <c:gapWidth val="30"/>
+        <c:overlap val="-30"/>
+        <c:axId val="64451712"/>
+        <c:axId val="64453248"/>
+      </c:barChart>
+      <c:catAx>
+        <c:axId val="64451712"/>
+        <c:scaling>
+          <c:orientation val="minMax"/>
+        </c:scaling>
+        <c:delete val="0"/>
+        <c:axPos val="l"/>
+        <c:majorTickMark val="none"/>
+        <c:minorTickMark val="none"/>
+        <c:tickLblPos val="nextTo"/>
+        <c:txPr>
+          <a:bodyPr rot="0" vert="horz"/>
+          <a:lstStyle/>
+          <a:p>
+            <a:pPr>
+              <a:defRPr cap="none" sz="800" i="0" b="0" u="none">
+                <a:solidFill>
+                  <a:srgbClr val="000000">
+                    <a:alpha val="100000"/>
+                  </a:srgbClr>
+                </a:solidFill>
+                <a:latin typeface="Calibri"/>
+                <a:cs typeface="Calibri"/>
+                <a:ea typeface="Calibri"/>
+                <a:sym typeface="Calibri"/>
+              </a:defRPr>
+            </a:pPr>
+          </a:p>
+        </c:txPr>
+        <c:spPr>
+          <a:ln algn="ctr" w="12700">
+            <a:solidFill>
+              <a:srgbClr val="000000">
+                <a:alpha val="100000"/>
+              </a:srgbClr>
+            </a:solidFill>
+            <a:prstDash val="solid"/>
+          </a:ln>
+        </c:spPr>
+        <c:numFmt formatCode="General" sourceLinked="0"/>
+        <c:crossAx val="64453248"/>
+        <c:crosses val="autoZero"/>
+      </c:catAx>
+      <c:valAx>
+        <c:axId val="64453248"/>
+        <c:scaling>
+          <c:orientation val="minMax"/>
+          <c:max val="1.00"/>
+          <c:min val="0.00"/>
+        </c:scaling>
+        <c:delete val="0"/>
+        <c:axPos val="l"/>
+        <c:majorTickMark val="none"/>
+        <c:minorTickMark val="none"/>
+        <c:tickLblPos val="nextTo"/>
+        <c:txPr>
+          <a:bodyPr rot="0" vert="horz"/>
+          <a:lstStyle/>
+          <a:p>
+            <a:pPr>
+              <a:defRPr cap="none" sz="900" i="0" b="0" u="none">
+                <a:solidFill>
+                  <a:srgbClr val="000000">
+                    <a:alpha val="100000"/>
+                  </a:srgbClr>
+                </a:solidFill>
+                <a:latin typeface="Calibri"/>
+                <a:cs typeface="Calibri"/>
+                <a:ea typeface="Calibri"/>
+                <a:sym typeface="Calibri"/>
+              </a:defRPr>
+            </a:pPr>
+          </a:p>
+        </c:txPr>
+        <c:spPr>
+          <a:ln algn="ctr" w="12700">
+            <a:solidFill>
+              <a:srgbClr val="000000">
+                <a:alpha val="100000"/>
+              </a:srgbClr>
+            </a:solidFill>
+            <a:prstDash val="solid"/>
+          </a:ln>
+        </c:spPr>
+        <c:numFmt formatCode="0%" sourceLinked="0"/>
+        <c:crossAx val="64451712"/>
+        <c:crosses val="autoZero"/>
+      </c:valAx>
+    </c:plotArea>
+    <c:legend>
+      <c:legendPos val="b"/>
+      <c:layout/>
+      <c:overlay val="0"/>
+      <c:txPr xmlns:c="http://schemas.openxmlformats.org/drawingml/2006/chart" xmlns:a="http://schemas.openxmlformats.org/drawingml/2006/main">
+        <a:bodyPr/>
+        <a:lstStyle/>
+        <a:p>
+          <a:pPr>
+            <a:defRPr cap="none" sz="900" i="0" b="0" u="none">
+              <a:solidFill>
+                <a:srgbClr val="000000">
+                  <a:alpha val="100000"/>
+                </a:srgbClr>
+              </a:solidFill>
+              <a:latin typeface="Calibri"/>
+              <a:cs typeface="Calibri"/>
+              <a:ea typeface="Calibri"/>
+              <a:sym typeface="Calibri"/>
+            </a:defRPr>
+          </a:pPr>
+        </a:p>
+      </c:txPr>
+    </c:legend>
+    <c:plotVisOnly val="1"/>
+    <c:dispBlanksAs val="gap"/>
+    <c:showDLblsOverMax val="0"/>
+  </c:chart>
+  <c:txPr>
+    <a:bodyPr/>
+    <a:lstStyle/>
+    <a:p>
+      <a:pPr>
+        <a:defRPr sz="1800"/>
+      </a:pPr>
+      <a:endParaRPr lang="fr-FR"/>
+    </a:p>
+  </c:txPr>
+  <c:externalData r:id="rId1">
+    <c:autoUpdate val="0"/>
+  </c:externalData>
+</c:chartSpace>
+</file>
+
+<file path=ppt/charts/chartc702be75159.xml><?xml version="1.0" encoding="utf-8"?>
+<c:chartSpace xmlns:c="http://schemas.openxmlformats.org/drawingml/2006/chart" xmlns:a="http://schemas.openxmlformats.org/drawingml/2006/main" xmlns:r="http://schemas.openxmlformats.org/officeDocument/2006/relationships">
+  <c:date1904 val="0"/>
+  <c:lang val="fr-FR"/>
+  <c:roundedCorners val="0"/>
+  <mc:AlternateContent xmlns:mc="http://schemas.openxmlformats.org/markup-compatibility/2006">
+    <mc:Choice xmlns:c14="http://schemas.microsoft.com/office/drawing/2007/8/2/chart" Requires="c14">
+      <c14:style val="118"/>
+    </mc:Choice>
+    <mc:Fallback>
+      <c:style val="18"/>
+    </mc:Fallback>
+  </mc:AlternateContent>
+  <c:chart>
+    <c:title xmlns:c="http://schemas.openxmlformats.org/drawingml/2006/chart" xmlns:a="http://schemas.openxmlformats.org/drawingml/2006/main" xmlns:r="http://schemas.openxmlformats.org/officeDocument/2006/relationships">
+      <c:tx>
+        <c:rich>
+          <a:bodyPr/>
+          <a:lstStyle/>
+          <a:p>
+            <a:pPr>
+              <a:defRPr/>
+            </a:pPr>
+            <a:r>
+              <a:rPr cap="none" sz="900" i="0" b="1" u="none">
+                <a:solidFill>
+                  <a:srgbClr val="000000">
+                    <a:alpha val="100000"/>
+                  </a:srgbClr>
+                </a:solidFill>
+                <a:latin typeface="Calibri"/>
+                <a:cs typeface="Calibri"/>
+                <a:ea typeface="Calibri"/>
+                <a:sym typeface="Calibri"/>
+              </a:rPr>
+              <a:t>Variant 4</a:t>
+            </a:r>
+          </a:p>
+        </c:rich>
+      </c:tx>
+      <c:layout/>
+      <c:overlay val="0"/>
+    </c:title>
+    <c:autoTitleDeleted val="0"/>
+    <c:plotArea xmlns:c="http://schemas.openxmlformats.org/drawingml/2006/chart" xmlns:a="http://schemas.openxmlformats.org/drawingml/2006/main" xmlns:r="http://schemas.openxmlformats.org/officeDocument/2006/relationships">
+      <c:layout/>
+      <c:barChart>
+        <c:barDir val="col"/>
+        <c:grouping val="clustered"/>
+        <c:varyColors val="0"/>
         <c:ser>
-          <c:idx val="1"/>
-          <c:order val="1"/>
+          <c:idx val="0"/>
+          <c:order val="0"/>
           <c:tx>
             <c:strRef>
-              <c:f>sheet1!$C$1</c:f>
+              <c:f>sheet1!$B$1</c:f>
               <c:strCache>
                 <c:ptCount val="1"/>
                 <c:pt idx="0">
-                  <c:v>Meisje</c:v>
+                  <c:v>Zandwijk</c:v>
                 </c:pt>
               </c:strCache>
             </c:strRef>
           </c:tx>
           <c:spPr>
             <a:solidFill>
-              <a:srgbClr val="6FC7FF">
+              <a:srgbClr val="005C96">
                 <a:alpha val="100000"/>
               </a:srgbClr>
             </a:solidFill>
@@ -2432,22 +2976,129 @@
           </c:dLbls>
           <c:cat>
             <c:strRef>
-              <c:f>sheet1!$A$2:$A$2</c:f>
+              <c:f>sheet1!$A$2:$A$4</c:f>
               <c:strCache>
-                <c:ptCount val="1"/>
+                <c:ptCount val="3"/>
                 <c:pt idx="0">
                   <c:v>Heeft psychische klachten</c:v>
+                </c:pt>
+                <c:pt idx="1">
+                  <c:v>Geeft geen mantelzorg</c:v>
+                </c:pt>
+                <c:pt idx="2">
+                  <c:v>Heeft een zeer goede gezondheid</c:v>
                 </c:pt>
               </c:strCache>
             </c:strRef>
           </c:cat>
           <c:val>
             <c:numRef>
-              <c:f>sheet1!$C$2:$C$2</c:f>
+              <c:f>sheet1!$B$2:$B$4</c:f>
               <c:numCache>
+                <c:ptCount val="3"/>
+                <c:pt idx="0">
+                  <c:v>0.2805121</c:v>
+                </c:pt>
+                <c:pt idx="1">
+                  <c:v>0.8569226</c:v>
+                </c:pt>
+                <c:pt idx="2">
+                  <c:v>0.3122552</c:v>
+                </c:pt>
+              </c:numCache>
+            </c:numRef>
+          </c:val>
+        </c:ser>
+        <c:ser>
+          <c:idx val="1"/>
+          <c:order val="1"/>
+          <c:tx>
+            <c:strRef>
+              <c:f>sheet1!$C$1</c:f>
+              <c:strCache>
                 <c:ptCount val="1"/>
                 <c:pt idx="0">
-                  <c:v>0.2690928</c:v>
+                  <c:v>Nederland</c:v>
+                </c:pt>
+              </c:strCache>
+            </c:strRef>
+          </c:tx>
+          <c:spPr>
+            <a:solidFill>
+              <a:srgbClr val="E54800">
+                <a:alpha val="100000"/>
+              </a:srgbClr>
+            </a:solidFill>
+            <a:ln w="25400">
+              <a:solidFill>
+                <a:srgbClr val="FFFFFF">
+                  <a:alpha val="0"/>
+                </a:srgbClr>
+              </a:solidFill>
+            </a:ln>
+            <a:effectLst/>
+          </c:spPr>
+          <c:invertIfNegative val="0"/>
+          <c:dLbls>
+            <c:dLblPos val="outEnd"/>
+            <c:numFmt formatCode="0%" sourceLinked="0"/>
+            <c:separator val=", "/>
+            <c:showBubbleSize val="0"/>
+            <c:showCatName val="0"/>
+            <c:showLegendKey val="0"/>
+            <c:showPercent val="0"/>
+            <c:showSerName val="0"/>
+            <c:showVal val="1"/>
+            <c:txPr>
+              <a:bodyPr/>
+              <a:lstStyle/>
+              <a:p>
+                <a:pPr>
+                  <a:defRPr cap="none" sz="800" i="0" b="0" u="none">
+                    <a:solidFill>
+                      <a:srgbClr val="000000">
+                        <a:alpha val="100000"/>
+                      </a:srgbClr>
+                    </a:solidFill>
+                    <a:latin typeface="Calibri"/>
+                    <a:cs typeface="Calibri"/>
+                    <a:ea typeface="Calibri"/>
+                    <a:sym typeface="Calibri"/>
+                  </a:defRPr>
+                </a:pPr>
+              </a:p>
+            </c:txPr>
+          </c:dLbls>
+          <c:cat>
+            <c:strRef>
+              <c:f>sheet1!$A$2:$A$4</c:f>
+              <c:strCache>
+                <c:ptCount val="3"/>
+                <c:pt idx="0">
+                  <c:v>Heeft psychische klachten</c:v>
+                </c:pt>
+                <c:pt idx="1">
+                  <c:v>Geeft geen mantelzorg</c:v>
+                </c:pt>
+                <c:pt idx="2">
+                  <c:v>Heeft een zeer goede gezondheid</c:v>
+                </c:pt>
+              </c:strCache>
+            </c:strRef>
+          </c:cat>
+          <c:val>
+            <c:numRef>
+              <c:f>sheet1!$C$2:$C$4</c:f>
+              <c:numCache>
+                <c:ptCount val="3"/>
+                <c:pt idx="0">
+                  <c:v>0.2753591</c:v>
+                </c:pt>
+                <c:pt idx="1">
+                  <c:v>0.8527339</c:v>
+                </c:pt>
+                <c:pt idx="2">
+                  <c:v>0.3070725</c:v>
                 </c:pt>
               </c:numCache>
             </c:numRef>
@@ -2602,7 +3253,7 @@
 </c:chartSpace>
 </file>
 
-<file path=ppt/charts/chart4c4c25933e2d.xml><?xml version="1.0" encoding="utf-8"?>
+<file path=ppt/charts/chartc702e614fc4.xml><?xml version="1.0" encoding="utf-8"?>
 <c:chartSpace xmlns:c="http://schemas.openxmlformats.org/drawingml/2006/chart" xmlns:a="http://schemas.openxmlformats.org/drawingml/2006/main" xmlns:r="http://schemas.openxmlformats.org/officeDocument/2006/relationships">
   <c:date1904 val="0"/>
   <c:lang val="fr-FR"/>
@@ -2637,7 +3288,7 @@
                 <a:ea typeface="Calibri"/>
                 <a:sym typeface="Calibri"/>
               </a:rPr>
-              <a:t>Variant 11</a:t>
+              <a:t>Variant 8</a:t>
             </a:r>
           </a:p>
         </c:rich>
@@ -2661,7 +3312,7 @@
               <c:strCache>
                 <c:ptCount val="1"/>
                 <c:pt idx="0">
-                  <c:v>Klas 2</c:v>
+                  <c:v>Jongen</c:v>
                 </c:pt>
               </c:strCache>
             </c:strRef>
@@ -2714,28 +3365,34 @@
           </c:dLbls>
           <c:cat>
             <c:strRef>
-              <c:f>sheet1!$A$2:$A$3</c:f>
+              <c:f>sheet1!$A$2:$A$4</c:f>
               <c:strCache>
-                <c:ptCount val="2"/>
+                <c:ptCount val="3"/>
                 <c:pt idx="0">
-                  <c:v>Zandwijk</c:v>
+                  <c:v>Heeft psychische klachten</c:v>
                 </c:pt>
                 <c:pt idx="1">
-                  <c:v>Nederland</c:v>
+                  <c:v>Geeft geen mantelzorg</c:v>
+                </c:pt>
+                <c:pt idx="2">
+                  <c:v>Heeft een zeer goede gezondheid</c:v>
                 </c:pt>
               </c:strCache>
             </c:strRef>
           </c:cat>
           <c:val>
             <c:numRef>
-              <c:f>sheet1!$B$2:$B$3</c:f>
+              <c:f>sheet1!$B$2:$B$4</c:f>
               <c:numCache>
-                <c:ptCount val="2"/>
+                <c:ptCount val="3"/>
                 <c:pt idx="0">
-                  <c:v>0.2994161</c:v>
+                  <c:v>0.2885178</c:v>
                 </c:pt>
                 <c:pt idx="1">
-                  <c:v>0.2818699</c:v>
+                  <c:v>0.8528350</c:v>
+                </c:pt>
+                <c:pt idx="2">
+                  <c:v>0.3093217</c:v>
                 </c:pt>
               </c:numCache>
             </c:numRef>
@@ -2750,7 +3407,7 @@
               <c:strCache>
                 <c:ptCount val="1"/>
                 <c:pt idx="0">
-                  <c:v>Klas 4</c:v>
+                  <c:v>Meisje</c:v>
                 </c:pt>
               </c:strCache>
             </c:strRef>
@@ -2803,28 +3460,34 @@
           </c:dLbls>
           <c:cat>
             <c:strRef>
-              <c:f>sheet1!$A$2:$A$3</c:f>
+              <c:f>sheet1!$A$2:$A$4</c:f>
               <c:strCache>
-                <c:ptCount val="2"/>
+                <c:ptCount val="3"/>
                 <c:pt idx="0">
-                  <c:v>Zandwijk</c:v>
+                  <c:v>Heeft psychische klachten</c:v>
                 </c:pt>
                 <c:pt idx="1">
-                  <c:v>Nederland</c:v>
+                  <c:v>Geeft geen mantelzorg</c:v>
+                </c:pt>
+                <c:pt idx="2">
+                  <c:v>Heeft een zeer goede gezondheid</c:v>
                 </c:pt>
               </c:strCache>
             </c:strRef>
           </c:cat>
           <c:val>
             <c:numRef>
-              <c:f>sheet1!$C$2:$C$3</c:f>
+              <c:f>sheet1!$C$2:$C$4</c:f>
               <c:numCache>
-                <c:ptCount val="2"/>
+                <c:ptCount val="3"/>
                 <c:pt idx="0">
-                  <c:v>0.2597708</c:v>
+                  <c:v>0.2690928</c:v>
                 </c:pt>
                 <c:pt idx="1">
-                  <c:v>0.2738343</c:v>
+                  <c:v>0.8511010</c:v>
+                </c:pt>
+                <c:pt idx="2">
+                  <c:v>0.3223658</c:v>
                 </c:pt>
               </c:numCache>
             </c:numRef>
@@ -2979,7 +3642,7 @@
 </c:chartSpace>
 </file>
 
-<file path=ppt/charts/chart4c4c280c3c98.xml><?xml version="1.0" encoding="utf-8"?>
+<file path=ppt/charts/chartc7030da4e2f.xml><?xml version="1.0" encoding="utf-8"?>
 <c:chartSpace xmlns:c="http://schemas.openxmlformats.org/drawingml/2006/chart" xmlns:a="http://schemas.openxmlformats.org/drawingml/2006/main" xmlns:r="http://schemas.openxmlformats.org/officeDocument/2006/relationships">
   <c:date1904 val="0"/>
   <c:lang val="fr-FR"/>
@@ -3014,7 +3677,7 @@
                 <a:ea typeface="Calibri"/>
                 <a:sym typeface="Calibri"/>
               </a:rPr>
-              <a:t>Variant 15</a:t>
+              <a:t>Variant 12</a:t>
             </a:r>
           </a:p>
         </c:rich>
@@ -3038,7 +3701,7 @@
               <c:strCache>
                 <c:ptCount val="1"/>
                 <c:pt idx="0">
-                  <c:v>Klas 2</c:v>
+                  <c:v>Zandwijk</c:v>
                 </c:pt>
               </c:strCache>
             </c:strRef>
@@ -3091,117 +3754,40 @@
           </c:dLbls>
           <c:cat>
             <c:strRef>
-              <c:f>sheet1!$A$2:$A$3</c:f>
+              <c:f>sheet1!$A$2:$A$5</c:f>
               <c:strCache>
-                <c:ptCount val="2"/>
+                <c:ptCount val="4"/>
                 <c:pt idx="0">
                   <c:v>Jongen</c:v>
                 </c:pt>
                 <c:pt idx="1">
                   <c:v>Meisje</c:v>
+                </c:pt>
+                <c:pt idx="2">
+                  <c:v>Klas 2</c:v>
+                </c:pt>
+                <c:pt idx="3">
+                  <c:v>Klas 4</c:v>
                 </c:pt>
               </c:strCache>
             </c:strRef>
           </c:cat>
           <c:val>
             <c:numRef>
-              <c:f>sheet1!$B$2:$B$3</c:f>
+              <c:f>sheet1!$B$2:$B$5</c:f>
               <c:numCache>
-                <c:ptCount val="2"/>
+                <c:ptCount val="4"/>
                 <c:pt idx="0">
-                  <c:v>0.2942601</c:v>
+                  <c:v>0.2885178</c:v>
                 </c:pt>
                 <c:pt idx="1">
-                  <c:v>0.2950323</c:v>
-                </c:pt>
-              </c:numCache>
-            </c:numRef>
-          </c:val>
-        </c:ser>
-        <c:ser>
-          <c:idx val="1"/>
-          <c:order val="1"/>
-          <c:tx>
-            <c:strRef>
-              <c:f>sheet1!$C$1</c:f>
-              <c:strCache>
-                <c:ptCount val="1"/>
-                <c:pt idx="0">
-                  <c:v>Klas 4</c:v>
-                </c:pt>
-              </c:strCache>
-            </c:strRef>
-          </c:tx>
-          <c:spPr>
-            <a:solidFill>
-              <a:srgbClr val="6FC7FF">
-                <a:alpha val="100000"/>
-              </a:srgbClr>
-            </a:solidFill>
-            <a:ln w="25400">
-              <a:solidFill>
-                <a:srgbClr val="FFFFFF">
-                  <a:alpha val="0"/>
-                </a:srgbClr>
-              </a:solidFill>
-            </a:ln>
-            <a:effectLst/>
-          </c:spPr>
-          <c:invertIfNegative val="0"/>
-          <c:dLbls>
-            <c:dLblPos val="outEnd"/>
-            <c:numFmt formatCode="0%" sourceLinked="0"/>
-            <c:separator val=", "/>
-            <c:showBubbleSize val="0"/>
-            <c:showCatName val="0"/>
-            <c:showLegendKey val="0"/>
-            <c:showPercent val="0"/>
-            <c:showSerName val="0"/>
-            <c:showVal val="1"/>
-            <c:txPr>
-              <a:bodyPr/>
-              <a:lstStyle/>
-              <a:p>
-                <a:pPr>
-                  <a:defRPr cap="none" sz="800" i="0" b="0" u="none">
-                    <a:solidFill>
-                      <a:srgbClr val="000000">
-                        <a:alpha val="100000"/>
-                      </a:srgbClr>
-                    </a:solidFill>
-                    <a:latin typeface="Calibri"/>
-                    <a:cs typeface="Calibri"/>
-                    <a:ea typeface="Calibri"/>
-                    <a:sym typeface="Calibri"/>
-                  </a:defRPr>
-                </a:pPr>
-              </a:p>
-            </c:txPr>
-          </c:dLbls>
-          <c:cat>
-            <c:strRef>
-              <c:f>sheet1!$A$2:$A$3</c:f>
-              <c:strCache>
-                <c:ptCount val="2"/>
-                <c:pt idx="0">
-                  <c:v>Jongen</c:v>
-                </c:pt>
-                <c:pt idx="1">
-                  <c:v>Meisje</c:v>
-                </c:pt>
-              </c:strCache>
-            </c:strRef>
-          </c:cat>
-          <c:val>
-            <c:numRef>
-              <c:f>sheet1!$C$2:$C$3</c:f>
-              <c:numCache>
-                <c:ptCount val="2"/>
-                <c:pt idx="0">
-                  <c:v>0.2788376</c:v>
-                </c:pt>
-                <c:pt idx="1">
-                  <c:v>0.2381023</c:v>
+                  <c:v>0.2690928</c:v>
+                </c:pt>
+                <c:pt idx="2">
+                  <c:v>0.2994161</c:v>
+                </c:pt>
+                <c:pt idx="3">
+                  <c:v>0.2597708</c:v>
                 </c:pt>
               </c:numCache>
             </c:numRef>
@@ -3356,7 +3942,7 @@
 </c:chartSpace>
 </file>
 
-<file path=ppt/charts/chart4c4c2a853b03.xml><?xml version="1.0" encoding="utf-8"?>
+<file path=ppt/charts/chartc7033534c99.xml><?xml version="1.0" encoding="utf-8"?>
 <c:chartSpace xmlns:c="http://schemas.openxmlformats.org/drawingml/2006/chart" xmlns:a="http://schemas.openxmlformats.org/drawingml/2006/main" xmlns:r="http://schemas.openxmlformats.org/officeDocument/2006/relationships">
   <c:date1904 val="0"/>
   <c:lang val="fr-FR"/>
@@ -3391,7 +3977,7 @@
                 <a:ea typeface="Calibri"/>
                 <a:sym typeface="Calibri"/>
               </a:rPr>
-              <a:t>Staafgrafiek Variant 17 zonder aanpassingen</a:t>
+              <a:t>Variant 16</a:t>
             </a:r>
           </a:p>
         </c:rich>
@@ -3415,7 +4001,7 @@
               <c:strCache>
                 <c:ptCount val="1"/>
                 <c:pt idx="0">
-                  <c:v>Zandwijk</c:v>
+                  <c:v>Jongen (Klas 2)</c:v>
                 </c:pt>
               </c:strCache>
             </c:strRef>
@@ -3468,40 +4054,34 @@
           </c:dLbls>
           <c:cat>
             <c:strRef>
-              <c:f>sheet1!$A$2:$A$5</c:f>
+              <c:f>sheet1!$A$2:$A$4</c:f>
               <c:strCache>
-                <c:ptCount val="4"/>
+                <c:ptCount val="3"/>
                 <c:pt idx="0">
-                  <c:v>Jongen</c:v>
+                  <c:v>Heeft psychische klachten</c:v>
                 </c:pt>
                 <c:pt idx="1">
-                  <c:v>Meisje</c:v>
+                  <c:v>Geeft geen mantelzorg</c:v>
                 </c:pt>
                 <c:pt idx="2">
-                  <c:v>Klas 2</c:v>
-                </c:pt>
-                <c:pt idx="3">
-                  <c:v>Klas 4</c:v>
+                  <c:v>Heeft een zeer goede gezondheid</c:v>
                 </c:pt>
               </c:strCache>
             </c:strRef>
           </c:cat>
           <c:val>
             <c:numRef>
-              <c:f>sheet1!$B$2:$B$5</c:f>
+              <c:f>sheet1!$B$2:$B$4</c:f>
               <c:numCache>
-                <c:ptCount val="4"/>
+                <c:ptCount val="3"/>
                 <c:pt idx="0">
-                  <c:v>0.2885178</c:v>
+                  <c:v>0.2942601</c:v>
                 </c:pt>
                 <c:pt idx="1">
-                  <c:v>0.2690928</c:v>
+                  <c:v>0.8574598</c:v>
                 </c:pt>
                 <c:pt idx="2">
-                  <c:v>0.2994161</c:v>
-                </c:pt>
-                <c:pt idx="3">
-                  <c:v>0.2597708</c:v>
+                  <c:v>0.3193977</c:v>
                 </c:pt>
               </c:numCache>
             </c:numRef>
@@ -3516,7 +4096,102 @@
               <c:strCache>
                 <c:ptCount val="1"/>
                 <c:pt idx="0">
-                  <c:v>Nederland</c:v>
+                  <c:v>Jongen (Klas 4)</c:v>
+                </c:pt>
+              </c:strCache>
+            </c:strRef>
+          </c:tx>
+          <c:spPr>
+            <a:solidFill>
+              <a:srgbClr val="6FC7FF">
+                <a:alpha val="100000"/>
+              </a:srgbClr>
+            </a:solidFill>
+            <a:ln w="25400">
+              <a:solidFill>
+                <a:srgbClr val="FFFFFF">
+                  <a:alpha val="0"/>
+                </a:srgbClr>
+              </a:solidFill>
+            </a:ln>
+            <a:effectLst/>
+          </c:spPr>
+          <c:invertIfNegative val="0"/>
+          <c:dLbls>
+            <c:dLblPos val="outEnd"/>
+            <c:numFmt formatCode="0%" sourceLinked="0"/>
+            <c:separator val=", "/>
+            <c:showBubbleSize val="0"/>
+            <c:showCatName val="0"/>
+            <c:showLegendKey val="0"/>
+            <c:showPercent val="0"/>
+            <c:showSerName val="0"/>
+            <c:showVal val="1"/>
+            <c:txPr>
+              <a:bodyPr/>
+              <a:lstStyle/>
+              <a:p>
+                <a:pPr>
+                  <a:defRPr cap="none" sz="800" i="0" b="0" u="none">
+                    <a:solidFill>
+                      <a:srgbClr val="000000">
+                        <a:alpha val="100000"/>
+                      </a:srgbClr>
+                    </a:solidFill>
+                    <a:latin typeface="Calibri"/>
+                    <a:cs typeface="Calibri"/>
+                    <a:ea typeface="Calibri"/>
+                    <a:sym typeface="Calibri"/>
+                  </a:defRPr>
+                </a:pPr>
+              </a:p>
+            </c:txPr>
+          </c:dLbls>
+          <c:cat>
+            <c:strRef>
+              <c:f>sheet1!$A$2:$A$4</c:f>
+              <c:strCache>
+                <c:ptCount val="3"/>
+                <c:pt idx="0">
+                  <c:v>Heeft psychische klachten</c:v>
+                </c:pt>
+                <c:pt idx="1">
+                  <c:v>Geeft geen mantelzorg</c:v>
+                </c:pt>
+                <c:pt idx="2">
+                  <c:v>Heeft een zeer goede gezondheid</c:v>
+                </c:pt>
+              </c:strCache>
+            </c:strRef>
+          </c:cat>
+          <c:val>
+            <c:numRef>
+              <c:f>sheet1!$C$2:$C$4</c:f>
+              <c:numCache>
+                <c:ptCount val="3"/>
+                <c:pt idx="0">
+                  <c:v>0.2788376</c:v>
+                </c:pt>
+                <c:pt idx="1">
+                  <c:v>0.8494683</c:v>
+                </c:pt>
+                <c:pt idx="2">
+                  <c:v>0.2946568</c:v>
+                </c:pt>
+              </c:numCache>
+            </c:numRef>
+          </c:val>
+        </c:ser>
+        <c:ser>
+          <c:idx val="2"/>
+          <c:order val="2"/>
+          <c:tx>
+            <c:strRef>
+              <c:f>sheet1!$D$1</c:f>
+              <c:strCache>
+                <c:ptCount val="1"/>
+                <c:pt idx="0">
+                  <c:v>Meisje (Klas 2)</c:v>
                 </c:pt>
               </c:strCache>
             </c:strRef>
@@ -3569,40 +4244,129 @@
           </c:dLbls>
           <c:cat>
             <c:strRef>
-              <c:f>sheet1!$A$2:$A$5</c:f>
+              <c:f>sheet1!$A$2:$A$4</c:f>
               <c:strCache>
-                <c:ptCount val="4"/>
+                <c:ptCount val="3"/>
                 <c:pt idx="0">
-                  <c:v>Jongen</c:v>
+                  <c:v>Heeft psychische klachten</c:v>
                 </c:pt>
                 <c:pt idx="1">
-                  <c:v>Meisje</c:v>
+                  <c:v>Geeft geen mantelzorg</c:v>
                 </c:pt>
                 <c:pt idx="2">
-                  <c:v>Klas 2</c:v>
-                </c:pt>
-                <c:pt idx="3">
-                  <c:v>Klas 4</c:v>
+                  <c:v>Heeft een zeer goede gezondheid</c:v>
                 </c:pt>
               </c:strCache>
             </c:strRef>
           </c:cat>
           <c:val>
             <c:numRef>
-              <c:f>sheet1!$C$2:$C$5</c:f>
+              <c:f>sheet1!$D$2:$D$4</c:f>
               <c:numCache>
-                <c:ptCount val="4"/>
+                <c:ptCount val="3"/>
                 <c:pt idx="0">
-                  <c:v>0.2810797</c:v>
+                  <c:v>0.2950323</c:v>
                 </c:pt>
                 <c:pt idx="1">
-                  <c:v>0.2733080</c:v>
+                  <c:v>0.8496340</c:v>
                 </c:pt>
                 <c:pt idx="2">
-                  <c:v>0.2818699</c:v>
-                </c:pt>
-                <c:pt idx="3">
-                  <c:v>0.2738343</c:v>
+                  <c:v>0.3416346</c:v>
+                </c:pt>
+              </c:numCache>
+            </c:numRef>
+          </c:val>
+        </c:ser>
+        <c:ser>
+          <c:idx val="3"/>
+          <c:order val="3"/>
+          <c:tx>
+            <c:strRef>
+              <c:f>sheet1!$E$1</c:f>
+              <c:strCache>
+                <c:ptCount val="1"/>
+                <c:pt idx="0">
+                  <c:v>Meisje (Klas 4)</c:v>
+                </c:pt>
+              </c:strCache>
+            </c:strRef>
+          </c:tx>
+          <c:spPr>
+            <a:solidFill>
+              <a:srgbClr val="FFB18E">
+                <a:alpha val="100000"/>
+              </a:srgbClr>
+            </a:solidFill>
+            <a:ln w="25400">
+              <a:solidFill>
+                <a:srgbClr val="FFFFFF">
+                  <a:alpha val="0"/>
+                </a:srgbClr>
+              </a:solidFill>
+            </a:ln>
+            <a:effectLst/>
+          </c:spPr>
+          <c:invertIfNegative val="0"/>
+          <c:dLbls>
+            <c:dLblPos val="outEnd"/>
+            <c:numFmt formatCode="0%" sourceLinked="0"/>
+            <c:separator val=", "/>
+            <c:showBubbleSize val="0"/>
+            <c:showCatName val="0"/>
+            <c:showLegendKey val="0"/>
+            <c:showPercent val="0"/>
+            <c:showSerName val="0"/>
+            <c:showVal val="1"/>
+            <c:txPr>
+              <a:bodyPr/>
+              <a:lstStyle/>
+              <a:p>
+                <a:pPr>
+                  <a:defRPr cap="none" sz="800" i="0" b="0" u="none">
+                    <a:solidFill>
+                      <a:srgbClr val="000000">
+                        <a:alpha val="100000"/>
+                      </a:srgbClr>
+                    </a:solidFill>
+                    <a:latin typeface="Calibri"/>
+                    <a:cs typeface="Calibri"/>
+                    <a:ea typeface="Calibri"/>
+                    <a:sym typeface="Calibri"/>
+                  </a:defRPr>
+                </a:pPr>
+              </a:p>
+            </c:txPr>
+          </c:dLbls>
+          <c:cat>
+            <c:strRef>
+              <c:f>sheet1!$A$2:$A$4</c:f>
+              <c:strCache>
+                <c:ptCount val="3"/>
+                <c:pt idx="0">
+                  <c:v>Heeft psychische klachten</c:v>
+                </c:pt>
+                <c:pt idx="1">
+                  <c:v>Geeft geen mantelzorg</c:v>
+                </c:pt>
+                <c:pt idx="2">
+                  <c:v>Heeft een zeer goede gezondheid</c:v>
+                </c:pt>
+              </c:strCache>
+            </c:strRef>
+          </c:cat>
+          <c:val>
+            <c:numRef>
+              <c:f>sheet1!$E$2:$E$4</c:f>
+              <c:numCache>
+                <c:ptCount val="3"/>
+                <c:pt idx="0">
+                  <c:v>0.2381023</c:v>
+                </c:pt>
+                <c:pt idx="1">
+                  <c:v>0.8590691</c:v>
+                </c:pt>
+                <c:pt idx="2">
+                  <c:v>0.2990743</c:v>
                 </c:pt>
               </c:numCache>
             </c:numRef>
@@ -3757,7 +4521,7 @@
 </c:chartSpace>
 </file>
 
-<file path=ppt/charts/chart4c4c3b81f5d.xml><?xml version="1.0" encoding="utf-8"?>
+<file path=ppt/charts/chartc7035cc4b04.xml><?xml version="1.0" encoding="utf-8"?>
 <c:chartSpace xmlns:c="http://schemas.openxmlformats.org/drawingml/2006/chart" xmlns:a="http://schemas.openxmlformats.org/drawingml/2006/main" xmlns:r="http://schemas.openxmlformats.org/officeDocument/2006/relationships">
   <c:date1904 val="0"/>
   <c:lang val="fr-FR"/>
@@ -3792,7 +4556,7 @@
                 <a:ea typeface="Calibri"/>
                 <a:sym typeface="Calibri"/>
               </a:rPr>
-              <a:t>Variant 8</a:t>
+              <a:t>Staafgrafiek Variant 17 met aangepaste y-as</a:t>
             </a:r>
           </a:p>
         </c:rich>
@@ -3816,7 +4580,408 @@
               <c:strCache>
                 <c:ptCount val="1"/>
                 <c:pt idx="0">
+                  <c:v>Zandwijk</c:v>
+                </c:pt>
+              </c:strCache>
+            </c:strRef>
+          </c:tx>
+          <c:spPr>
+            <a:solidFill>
+              <a:srgbClr val="005C96">
+                <a:alpha val="100000"/>
+              </a:srgbClr>
+            </a:solidFill>
+            <a:ln w="25400">
+              <a:solidFill>
+                <a:srgbClr val="FFFFFF">
+                  <a:alpha val="0"/>
+                </a:srgbClr>
+              </a:solidFill>
+            </a:ln>
+            <a:effectLst/>
+          </c:spPr>
+          <c:invertIfNegative val="0"/>
+          <c:dLbls>
+            <c:dLblPos val="outEnd"/>
+            <c:numFmt formatCode="0%" sourceLinked="0"/>
+            <c:separator val=", "/>
+            <c:showBubbleSize val="0"/>
+            <c:showCatName val="0"/>
+            <c:showLegendKey val="0"/>
+            <c:showPercent val="0"/>
+            <c:showSerName val="0"/>
+            <c:showVal val="1"/>
+            <c:txPr>
+              <a:bodyPr/>
+              <a:lstStyle/>
+              <a:p>
+                <a:pPr>
+                  <a:defRPr cap="none" sz="800" i="0" b="0" u="none">
+                    <a:solidFill>
+                      <a:srgbClr val="000000">
+                        <a:alpha val="100000"/>
+                      </a:srgbClr>
+                    </a:solidFill>
+                    <a:latin typeface="Calibri"/>
+                    <a:cs typeface="Calibri"/>
+                    <a:ea typeface="Calibri"/>
+                    <a:sym typeface="Calibri"/>
+                  </a:defRPr>
+                </a:pPr>
+              </a:p>
+            </c:txPr>
+          </c:dLbls>
+          <c:cat>
+            <c:strRef>
+              <c:f>sheet1!$A$2:$A$5</c:f>
+              <c:strCache>
+                <c:ptCount val="4"/>
+                <c:pt idx="0">
                   <c:v>Jongen</c:v>
+                </c:pt>
+                <c:pt idx="1">
+                  <c:v>Meisje</c:v>
+                </c:pt>
+                <c:pt idx="2">
+                  <c:v>Klas 2</c:v>
+                </c:pt>
+                <c:pt idx="3">
+                  <c:v>Klas 4</c:v>
+                </c:pt>
+              </c:strCache>
+            </c:strRef>
+          </c:cat>
+          <c:val>
+            <c:numRef>
+              <c:f>sheet1!$B$2:$B$5</c:f>
+              <c:numCache>
+                <c:ptCount val="4"/>
+                <c:pt idx="0">
+                  <c:v>0.2885178</c:v>
+                </c:pt>
+                <c:pt idx="1">
+                  <c:v>0.2690928</c:v>
+                </c:pt>
+                <c:pt idx="2">
+                  <c:v>0.2994161</c:v>
+                </c:pt>
+                <c:pt idx="3">
+                  <c:v>0.2597708</c:v>
+                </c:pt>
+              </c:numCache>
+            </c:numRef>
+          </c:val>
+        </c:ser>
+        <c:ser>
+          <c:idx val="1"/>
+          <c:order val="1"/>
+          <c:tx>
+            <c:strRef>
+              <c:f>sheet1!$C$1</c:f>
+              <c:strCache>
+                <c:ptCount val="1"/>
+                <c:pt idx="0">
+                  <c:v>Nederland</c:v>
+                </c:pt>
+              </c:strCache>
+            </c:strRef>
+          </c:tx>
+          <c:spPr>
+            <a:solidFill>
+              <a:srgbClr val="E54800">
+                <a:alpha val="100000"/>
+              </a:srgbClr>
+            </a:solidFill>
+            <a:ln w="25400">
+              <a:solidFill>
+                <a:srgbClr val="FFFFFF">
+                  <a:alpha val="0"/>
+                </a:srgbClr>
+              </a:solidFill>
+            </a:ln>
+            <a:effectLst/>
+          </c:spPr>
+          <c:invertIfNegative val="0"/>
+          <c:dLbls>
+            <c:dLblPos val="outEnd"/>
+            <c:numFmt formatCode="0%" sourceLinked="0"/>
+            <c:separator val=", "/>
+            <c:showBubbleSize val="0"/>
+            <c:showCatName val="0"/>
+            <c:showLegendKey val="0"/>
+            <c:showPercent val="0"/>
+            <c:showSerName val="0"/>
+            <c:showVal val="1"/>
+            <c:txPr>
+              <a:bodyPr/>
+              <a:lstStyle/>
+              <a:p>
+                <a:pPr>
+                  <a:defRPr cap="none" sz="800" i="0" b="0" u="none">
+                    <a:solidFill>
+                      <a:srgbClr val="000000">
+                        <a:alpha val="100000"/>
+                      </a:srgbClr>
+                    </a:solidFill>
+                    <a:latin typeface="Calibri"/>
+                    <a:cs typeface="Calibri"/>
+                    <a:ea typeface="Calibri"/>
+                    <a:sym typeface="Calibri"/>
+                  </a:defRPr>
+                </a:pPr>
+              </a:p>
+            </c:txPr>
+          </c:dLbls>
+          <c:cat>
+            <c:strRef>
+              <c:f>sheet1!$A$2:$A$5</c:f>
+              <c:strCache>
+                <c:ptCount val="4"/>
+                <c:pt idx="0">
+                  <c:v>Jongen</c:v>
+                </c:pt>
+                <c:pt idx="1">
+                  <c:v>Meisje</c:v>
+                </c:pt>
+                <c:pt idx="2">
+                  <c:v>Klas 2</c:v>
+                </c:pt>
+                <c:pt idx="3">
+                  <c:v>Klas 4</c:v>
+                </c:pt>
+              </c:strCache>
+            </c:strRef>
+          </c:cat>
+          <c:val>
+            <c:numRef>
+              <c:f>sheet1!$C$2:$C$5</c:f>
+              <c:numCache>
+                <c:ptCount val="4"/>
+                <c:pt idx="0">
+                  <c:v>0.2810797</c:v>
+                </c:pt>
+                <c:pt idx="1">
+                  <c:v>0.2733080</c:v>
+                </c:pt>
+                <c:pt idx="2">
+                  <c:v>0.2818699</c:v>
+                </c:pt>
+                <c:pt idx="3">
+                  <c:v>0.2738343</c:v>
+                </c:pt>
+              </c:numCache>
+            </c:numRef>
+          </c:val>
+        </c:ser>
+        <c:dLbls>
+          <c:dLblPos val="outEnd"/>
+          <c:numFmt formatCode="0%" sourceLinked="0"/>
+          <c:separator val=", "/>
+          <c:showBubbleSize val="0"/>
+          <c:showCatName val="0"/>
+          <c:showLegendKey val="0"/>
+          <c:showPercent val="0"/>
+          <c:showSerName val="0"/>
+          <c:showVal val="1"/>
+        </c:dLbls>
+        <c:gapWidth val="150"/>
+        <c:overlap val="0"/>
+        <c:axId val="64451712"/>
+        <c:axId val="64453248"/>
+      </c:barChart>
+      <c:catAx>
+        <c:axId val="64451712"/>
+        <c:scaling>
+          <c:orientation val="minMax"/>
+        </c:scaling>
+        <c:delete val="0"/>
+        <c:axPos val="l"/>
+        <c:majorTickMark val="none"/>
+        <c:minorTickMark val="none"/>
+        <c:tickLblPos val="nextTo"/>
+        <c:txPr>
+          <a:bodyPr rot="0" vert="horz"/>
+          <a:lstStyle/>
+          <a:p>
+            <a:pPr>
+              <a:defRPr cap="none" sz="800" i="0" b="0" u="none">
+                <a:solidFill>
+                  <a:srgbClr val="000000">
+                    <a:alpha val="100000"/>
+                  </a:srgbClr>
+                </a:solidFill>
+                <a:latin typeface="Calibri"/>
+                <a:cs typeface="Calibri"/>
+                <a:ea typeface="Calibri"/>
+                <a:sym typeface="Calibri"/>
+              </a:defRPr>
+            </a:pPr>
+          </a:p>
+        </c:txPr>
+        <c:spPr>
+          <a:ln algn="ctr" w="12700">
+            <a:solidFill>
+              <a:srgbClr val="000000">
+                <a:alpha val="100000"/>
+              </a:srgbClr>
+            </a:solidFill>
+            <a:prstDash val="solid"/>
+          </a:ln>
+        </c:spPr>
+        <c:numFmt formatCode="General" sourceLinked="0"/>
+        <c:crossAx val="64453248"/>
+        <c:crosses val="autoZero"/>
+      </c:catAx>
+      <c:valAx>
+        <c:axId val="64453248"/>
+        <c:scaling>
+          <c:orientation val="minMax"/>
+          <c:max val="0.50"/>
+          <c:min val="0.00"/>
+        </c:scaling>
+        <c:delete val="0"/>
+        <c:axPos val="l"/>
+        <c:majorTickMark val="none"/>
+        <c:minorTickMark val="none"/>
+        <c:tickLblPos val="nextTo"/>
+        <c:txPr>
+          <a:bodyPr rot="0" vert="horz"/>
+          <a:lstStyle/>
+          <a:p>
+            <a:pPr>
+              <a:defRPr cap="none" sz="900" i="0" b="0" u="none">
+                <a:solidFill>
+                  <a:srgbClr val="000000">
+                    <a:alpha val="100000"/>
+                  </a:srgbClr>
+                </a:solidFill>
+                <a:latin typeface="Calibri"/>
+                <a:cs typeface="Calibri"/>
+                <a:ea typeface="Calibri"/>
+                <a:sym typeface="Calibri"/>
+              </a:defRPr>
+            </a:pPr>
+          </a:p>
+        </c:txPr>
+        <c:spPr>
+          <a:ln algn="ctr" w="12700">
+            <a:solidFill>
+              <a:srgbClr val="000000">
+                <a:alpha val="100000"/>
+              </a:srgbClr>
+            </a:solidFill>
+            <a:prstDash val="solid"/>
+          </a:ln>
+        </c:spPr>
+        <c:numFmt formatCode="0%" sourceLinked="0"/>
+        <c:crossAx val="64451712"/>
+        <c:crosses val="autoZero"/>
+      </c:valAx>
+    </c:plotArea>
+    <c:legend>
+      <c:legendPos val="b"/>
+      <c:layout/>
+      <c:overlay val="0"/>
+      <c:txPr xmlns:c="http://schemas.openxmlformats.org/drawingml/2006/chart" xmlns:a="http://schemas.openxmlformats.org/drawingml/2006/main">
+        <a:bodyPr/>
+        <a:lstStyle/>
+        <a:p>
+          <a:pPr>
+            <a:defRPr cap="none" sz="900" i="0" b="0" u="none">
+              <a:solidFill>
+                <a:srgbClr val="000000">
+                  <a:alpha val="100000"/>
+                </a:srgbClr>
+              </a:solidFill>
+              <a:latin typeface="Calibri"/>
+              <a:cs typeface="Calibri"/>
+              <a:ea typeface="Calibri"/>
+              <a:sym typeface="Calibri"/>
+            </a:defRPr>
+          </a:pPr>
+        </a:p>
+      </c:txPr>
+    </c:legend>
+    <c:plotVisOnly val="1"/>
+    <c:dispBlanksAs val="gap"/>
+    <c:showDLblsOverMax val="0"/>
+  </c:chart>
+  <c:txPr>
+    <a:bodyPr/>
+    <a:lstStyle/>
+    <a:p>
+      <a:pPr>
+        <a:defRPr sz="1800"/>
+      </a:pPr>
+      <a:endParaRPr lang="fr-FR"/>
+    </a:p>
+  </c:txPr>
+  <c:externalData r:id="rId1">
+    <c:autoUpdate val="0"/>
+  </c:externalData>
+</c:chartSpace>
+</file>
+
+<file path=ppt/charts/chartc703846496f.xml><?xml version="1.0" encoding="utf-8"?>
+<c:chartSpace xmlns:c="http://schemas.openxmlformats.org/drawingml/2006/chart" xmlns:a="http://schemas.openxmlformats.org/drawingml/2006/main" xmlns:r="http://schemas.openxmlformats.org/officeDocument/2006/relationships">
+  <c:date1904 val="0"/>
+  <c:lang val="fr-FR"/>
+  <c:roundedCorners val="0"/>
+  <mc:AlternateContent xmlns:mc="http://schemas.openxmlformats.org/markup-compatibility/2006">
+    <mc:Choice xmlns:c14="http://schemas.microsoft.com/office/drawing/2007/8/2/chart" Requires="c14">
+      <c14:style val="118"/>
+    </mc:Choice>
+    <mc:Fallback>
+      <c:style val="18"/>
+    </mc:Fallback>
+  </mc:AlternateContent>
+  <c:chart>
+    <c:title xmlns:c="http://schemas.openxmlformats.org/drawingml/2006/chart" xmlns:a="http://schemas.openxmlformats.org/drawingml/2006/main" xmlns:r="http://schemas.openxmlformats.org/officeDocument/2006/relationships">
+      <c:tx>
+        <c:rich>
+          <a:bodyPr/>
+          <a:lstStyle/>
+          <a:p>
+            <a:pPr>
+              <a:defRPr/>
+            </a:pPr>
+            <a:r>
+              <a:rPr cap="none" sz="900" i="0" b="1" u="none">
+                <a:solidFill>
+                  <a:srgbClr val="000000">
+                    <a:alpha val="100000"/>
+                  </a:srgbClr>
+                </a:solidFill>
+                <a:latin typeface="Calibri"/>
+                <a:cs typeface="Calibri"/>
+                <a:ea typeface="Calibri"/>
+                <a:sym typeface="Calibri"/>
+              </a:rPr>
+              <a:t>Top 3 bronnen van stress</a:t>
+            </a:r>
+          </a:p>
+        </c:rich>
+      </c:tx>
+      <c:layout/>
+      <c:overlay val="0"/>
+    </c:title>
+    <c:autoTitleDeleted val="0"/>
+    <c:plotArea xmlns:c="http://schemas.openxmlformats.org/drawingml/2006/chart" xmlns:a="http://schemas.openxmlformats.org/drawingml/2006/main" xmlns:r="http://schemas.openxmlformats.org/officeDocument/2006/relationships">
+      <c:layout/>
+      <c:barChart>
+        <c:barDir val="bar"/>
+        <c:grouping val="clustered"/>
+        <c:varyColors val="0"/>
+        <c:ser>
+          <c:idx val="0"/>
+          <c:order val="0"/>
+          <c:tx>
+            <c:strRef>
+              <c:f>sheet1!$B$1</c:f>
+              <c:strCache>
+                <c:ptCount val="1"/>
+                <c:pt idx="0">
+                  <c:v>Zandwijk</c:v>
                 </c:pt>
               </c:strCache>
             </c:strRef>
@@ -3873,13 +5038,13 @@
               <c:strCache>
                 <c:ptCount val="3"/>
                 <c:pt idx="0">
-                  <c:v>Heeft psychische klachten</c:v>
+                  <c:v>Huiswerk</c:v>
                 </c:pt>
                 <c:pt idx="1">
-                  <c:v>Geeft geen mantelzorg</c:v>
+                  <c:v>Thuissituatie</c:v>
                 </c:pt>
                 <c:pt idx="2">
-                  <c:v>Heeft een zeer goede gezondheid</c:v>
+                  <c:v>Werk</c:v>
                 </c:pt>
               </c:strCache>
             </c:strRef>
@@ -3890,35 +5055,234 @@
               <c:numCache>
                 <c:ptCount val="3"/>
                 <c:pt idx="0">
-                  <c:v>0.2885178</c:v>
+                  <c:v>0.5941587</c:v>
                 </c:pt>
                 <c:pt idx="1">
-                  <c:v>0.8528350</c:v>
+                  <c:v>0.7000854</c:v>
                 </c:pt>
                 <c:pt idx="2">
-                  <c:v>0.3093217</c:v>
+                  <c:v>0.8911974</c:v>
                 </c:pt>
               </c:numCache>
             </c:numRef>
           </c:val>
         </c:ser>
+        <c:dLbls>
+          <c:dLblPos val="outEnd"/>
+          <c:numFmt formatCode="0%" sourceLinked="0"/>
+          <c:separator val=", "/>
+          <c:showBubbleSize val="0"/>
+          <c:showCatName val="0"/>
+          <c:showLegendKey val="0"/>
+          <c:showPercent val="0"/>
+          <c:showSerName val="0"/>
+          <c:showVal val="1"/>
+        </c:dLbls>
+        <c:gapWidth val="30"/>
+        <c:overlap val="-30"/>
+        <c:axId val="64451712"/>
+        <c:axId val="64453248"/>
+      </c:barChart>
+      <c:catAx>
+        <c:axId val="64451712"/>
+        <c:scaling>
+          <c:orientation val="minMax"/>
+        </c:scaling>
+        <c:delete val="0"/>
+        <c:axPos val="l"/>
+        <c:majorTickMark val="none"/>
+        <c:minorTickMark val="none"/>
+        <c:tickLblPos val="nextTo"/>
+        <c:txPr>
+          <a:bodyPr rot="0" vert="horz"/>
+          <a:lstStyle/>
+          <a:p>
+            <a:pPr>
+              <a:defRPr cap="none" sz="800" i="0" b="0" u="none">
+                <a:solidFill>
+                  <a:srgbClr val="000000">
+                    <a:alpha val="100000"/>
+                  </a:srgbClr>
+                </a:solidFill>
+                <a:latin typeface="Calibri"/>
+                <a:cs typeface="Calibri"/>
+                <a:ea typeface="Calibri"/>
+                <a:sym typeface="Calibri"/>
+              </a:defRPr>
+            </a:pPr>
+          </a:p>
+        </c:txPr>
+        <c:spPr>
+          <a:ln algn="ctr" w="12700">
+            <a:solidFill>
+              <a:srgbClr val="000000">
+                <a:alpha val="100000"/>
+              </a:srgbClr>
+            </a:solidFill>
+            <a:prstDash val="solid"/>
+          </a:ln>
+        </c:spPr>
+        <c:numFmt formatCode="General" sourceLinked="0"/>
+        <c:crossAx val="64453248"/>
+        <c:crosses val="autoZero"/>
+      </c:catAx>
+      <c:valAx>
+        <c:axId val="64453248"/>
+        <c:scaling>
+          <c:orientation val="minMax"/>
+          <c:max val="1.00"/>
+          <c:min val="0.00"/>
+        </c:scaling>
+        <c:delete val="0"/>
+        <c:axPos val="l"/>
+        <c:majorTickMark val="none"/>
+        <c:minorTickMark val="none"/>
+        <c:tickLblPos val="nextTo"/>
+        <c:txPr>
+          <a:bodyPr rot="0" vert="horz"/>
+          <a:lstStyle/>
+          <a:p>
+            <a:pPr>
+              <a:defRPr cap="none" sz="900" i="0" b="0" u="none">
+                <a:solidFill>
+                  <a:srgbClr val="000000">
+                    <a:alpha val="100000"/>
+                  </a:srgbClr>
+                </a:solidFill>
+                <a:latin typeface="Calibri"/>
+                <a:cs typeface="Calibri"/>
+                <a:ea typeface="Calibri"/>
+                <a:sym typeface="Calibri"/>
+              </a:defRPr>
+            </a:pPr>
+          </a:p>
+        </c:txPr>
+        <c:spPr>
+          <a:ln algn="ctr" w="12700">
+            <a:solidFill>
+              <a:srgbClr val="000000">
+                <a:alpha val="100000"/>
+              </a:srgbClr>
+            </a:solidFill>
+            <a:prstDash val="solid"/>
+          </a:ln>
+        </c:spPr>
+        <c:numFmt formatCode="0%" sourceLinked="0"/>
+        <c:crossAx val="64451712"/>
+        <c:crosses val="autoZero"/>
+      </c:valAx>
+    </c:plotArea>
+    <c:legend>
+      <c:legendPos val="b"/>
+      <c:layout/>
+      <c:overlay val="0"/>
+      <c:txPr xmlns:c="http://schemas.openxmlformats.org/drawingml/2006/chart" xmlns:a="http://schemas.openxmlformats.org/drawingml/2006/main">
+        <a:bodyPr/>
+        <a:lstStyle/>
+        <a:p>
+          <a:pPr>
+            <a:defRPr cap="none" sz="900" i="0" b="0" u="none">
+              <a:solidFill>
+                <a:srgbClr val="000000">
+                  <a:alpha val="100000"/>
+                </a:srgbClr>
+              </a:solidFill>
+              <a:latin typeface="Calibri"/>
+              <a:cs typeface="Calibri"/>
+              <a:ea typeface="Calibri"/>
+              <a:sym typeface="Calibri"/>
+            </a:defRPr>
+          </a:pPr>
+        </a:p>
+      </c:txPr>
+    </c:legend>
+    <c:plotVisOnly val="1"/>
+    <c:dispBlanksAs val="gap"/>
+    <c:showDLblsOverMax val="0"/>
+  </c:chart>
+  <c:txPr>
+    <a:bodyPr/>
+    <a:lstStyle/>
+    <a:p>
+      <a:pPr>
+        <a:defRPr sz="1800"/>
+      </a:pPr>
+      <a:endParaRPr lang="fr-FR"/>
+    </a:p>
+  </c:txPr>
+  <c:externalData r:id="rId1">
+    <c:autoUpdate val="0"/>
+  </c:externalData>
+</c:chartSpace>
+</file>
+
+<file path=ppt/charts/chartc7042e261ec.xml><?xml version="1.0" encoding="utf-8"?>
+<c:chartSpace xmlns:c="http://schemas.openxmlformats.org/drawingml/2006/chart" xmlns:a="http://schemas.openxmlformats.org/drawingml/2006/main" xmlns:r="http://schemas.openxmlformats.org/officeDocument/2006/relationships">
+  <c:date1904 val="0"/>
+  <c:lang val="fr-FR"/>
+  <c:roundedCorners val="0"/>
+  <mc:AlternateContent xmlns:mc="http://schemas.openxmlformats.org/markup-compatibility/2006">
+    <mc:Choice xmlns:c14="http://schemas.microsoft.com/office/drawing/2007/8/2/chart" Requires="c14">
+      <c14:style val="118"/>
+    </mc:Choice>
+    <mc:Fallback>
+      <c:style val="18"/>
+    </mc:Fallback>
+  </mc:AlternateContent>
+  <c:chart>
+    <c:title xmlns:c="http://schemas.openxmlformats.org/drawingml/2006/chart" xmlns:a="http://schemas.openxmlformats.org/drawingml/2006/main" xmlns:r="http://schemas.openxmlformats.org/officeDocument/2006/relationships">
+      <c:tx>
+        <c:rich>
+          <a:bodyPr/>
+          <a:lstStyle/>
+          <a:p>
+            <a:pPr>
+              <a:defRPr/>
+            </a:pPr>
+            <a:r>
+              <a:rPr cap="none" sz="900" i="0" b="1" u="none">
+                <a:solidFill>
+                  <a:srgbClr val="000000">
+                    <a:alpha val="100000"/>
+                  </a:srgbClr>
+                </a:solidFill>
+                <a:latin typeface="Calibri"/>
+                <a:cs typeface="Calibri"/>
+                <a:ea typeface="Calibri"/>
+                <a:sym typeface="Calibri"/>
+              </a:rPr>
+              <a:t>Variant 1</a:t>
+            </a:r>
+          </a:p>
+        </c:rich>
+      </c:tx>
+      <c:layout/>
+      <c:overlay val="0"/>
+    </c:title>
+    <c:autoTitleDeleted val="0"/>
+    <c:plotArea xmlns:c="http://schemas.openxmlformats.org/drawingml/2006/chart" xmlns:a="http://schemas.openxmlformats.org/drawingml/2006/main" xmlns:r="http://schemas.openxmlformats.org/officeDocument/2006/relationships">
+      <c:layout/>
+      <c:barChart>
+        <c:barDir val="col"/>
+        <c:grouping val="clustered"/>
+        <c:varyColors val="0"/>
         <c:ser>
-          <c:idx val="1"/>
-          <c:order val="1"/>
+          <c:idx val="0"/>
+          <c:order val="0"/>
           <c:tx>
             <c:strRef>
-              <c:f>sheet1!$C$1</c:f>
+              <c:f>sheet1!$B$1</c:f>
               <c:strCache>
                 <c:ptCount val="1"/>
                 <c:pt idx="0">
-                  <c:v>Meisje</c:v>
+                  <c:v>Zandwijk</c:v>
                 </c:pt>
               </c:strCache>
             </c:strRef>
           </c:tx>
           <c:spPr>
             <a:solidFill>
-              <a:srgbClr val="6FC7FF">
+              <a:srgbClr val="005C96">
                 <a:alpha val="100000"/>
               </a:srgbClr>
             </a:solidFill>
@@ -3964,34 +5328,22 @@
           </c:dLbls>
           <c:cat>
             <c:strRef>
-              <c:f>sheet1!$A$2:$A$4</c:f>
+              <c:f>sheet1!$A$2:$A$2</c:f>
               <c:strCache>
-                <c:ptCount val="3"/>
+                <c:ptCount val="1"/>
                 <c:pt idx="0">
                   <c:v>Heeft psychische klachten</c:v>
-                </c:pt>
-                <c:pt idx="1">
-                  <c:v>Geeft geen mantelzorg</c:v>
-                </c:pt>
-                <c:pt idx="2">
-                  <c:v>Heeft een zeer goede gezondheid</c:v>
                 </c:pt>
               </c:strCache>
             </c:strRef>
           </c:cat>
           <c:val>
             <c:numRef>
-              <c:f>sheet1!$C$2:$C$4</c:f>
+              <c:f>sheet1!$B$2:$B$2</c:f>
               <c:numCache>
-                <c:ptCount val="3"/>
+                <c:ptCount val="1"/>
                 <c:pt idx="0">
-                  <c:v>0.2690928</c:v>
-                </c:pt>
-                <c:pt idx="1">
-                  <c:v>0.8511010</c:v>
-                </c:pt>
-                <c:pt idx="2">
-                  <c:v>0.3223658</c:v>
+                  <c:v>0.2805121</c:v>
                 </c:pt>
               </c:numCache>
             </c:numRef>
@@ -4146,7 +5498,7 @@
 </c:chartSpace>
 </file>
 
-<file path=ppt/charts/chart4c4c3f5239b6.xml><?xml version="1.0" encoding="utf-8"?>
+<file path=ppt/charts/chartc704b4971be.xml><?xml version="1.0" encoding="utf-8"?>
 <c:chartSpace xmlns:c="http://schemas.openxmlformats.org/drawingml/2006/chart" xmlns:a="http://schemas.openxmlformats.org/drawingml/2006/main" xmlns:r="http://schemas.openxmlformats.org/officeDocument/2006/relationships">
   <c:date1904 val="0"/>
   <c:lang val="fr-FR"/>
@@ -4181,7 +5533,7 @@
                 <a:ea typeface="Calibri"/>
                 <a:sym typeface="Calibri"/>
               </a:rPr>
-              <a:t>Top 3 bronnen van stress</a:t>
+              <a:t>Variant 3</a:t>
             </a:r>
           </a:p>
         </c:rich>
@@ -4258,34 +5610,105 @@
           </c:dLbls>
           <c:cat>
             <c:strRef>
-              <c:f>sheet1!$A$2:$A$4</c:f>
+              <c:f>sheet1!$A$2:$A$2</c:f>
               <c:strCache>
-                <c:ptCount val="3"/>
+                <c:ptCount val="1"/>
                 <c:pt idx="0">
-                  <c:v>Werk</c:v>
-                </c:pt>
-                <c:pt idx="1">
-                  <c:v>Thuissituatie</c:v>
-                </c:pt>
-                <c:pt idx="2">
-                  <c:v>Huiswerk</c:v>
+                  <c:v>Heeft psychische klachten</c:v>
                 </c:pt>
               </c:strCache>
             </c:strRef>
           </c:cat>
           <c:val>
             <c:numRef>
-              <c:f>sheet1!$B$2:$B$4</c:f>
+              <c:f>sheet1!$B$2:$B$2</c:f>
               <c:numCache>
-                <c:ptCount val="3"/>
+                <c:ptCount val="1"/>
                 <c:pt idx="0">
-                  <c:v>0.8911974</c:v>
-                </c:pt>
-                <c:pt idx="1">
-                  <c:v>0.7000854</c:v>
-                </c:pt>
-                <c:pt idx="2">
-                  <c:v>0.5941587</c:v>
+                  <c:v>0.2805121</c:v>
+                </c:pt>
+              </c:numCache>
+            </c:numRef>
+          </c:val>
+        </c:ser>
+        <c:ser>
+          <c:idx val="1"/>
+          <c:order val="1"/>
+          <c:tx>
+            <c:strRef>
+              <c:f>sheet1!$C$1</c:f>
+              <c:strCache>
+                <c:ptCount val="1"/>
+                <c:pt idx="0">
+                  <c:v>Nederland</c:v>
+                </c:pt>
+              </c:strCache>
+            </c:strRef>
+          </c:tx>
+          <c:spPr>
+            <a:solidFill>
+              <a:srgbClr val="E54800">
+                <a:alpha val="100000"/>
+              </a:srgbClr>
+            </a:solidFill>
+            <a:ln w="25400">
+              <a:solidFill>
+                <a:srgbClr val="FFFFFF">
+                  <a:alpha val="0"/>
+                </a:srgbClr>
+              </a:solidFill>
+            </a:ln>
+            <a:effectLst/>
+          </c:spPr>
+          <c:invertIfNegative val="0"/>
+          <c:dLbls>
+            <c:dLblPos val="outEnd"/>
+            <c:numFmt formatCode="0%" sourceLinked="0"/>
+            <c:separator val=", "/>
+            <c:showBubbleSize val="0"/>
+            <c:showCatName val="0"/>
+            <c:showLegendKey val="0"/>
+            <c:showPercent val="0"/>
+            <c:showSerName val="0"/>
+            <c:showVal val="1"/>
+            <c:txPr>
+              <a:bodyPr/>
+              <a:lstStyle/>
+              <a:p>
+                <a:pPr>
+                  <a:defRPr cap="none" sz="800" i="0" b="0" u="none">
+                    <a:solidFill>
+                      <a:srgbClr val="000000">
+                        <a:alpha val="100000"/>
+                      </a:srgbClr>
+                    </a:solidFill>
+                    <a:latin typeface="Calibri"/>
+                    <a:cs typeface="Calibri"/>
+                    <a:ea typeface="Calibri"/>
+                    <a:sym typeface="Calibri"/>
+                  </a:defRPr>
+                </a:pPr>
+              </a:p>
+            </c:txPr>
+          </c:dLbls>
+          <c:cat>
+            <c:strRef>
+              <c:f>sheet1!$A$2:$A$2</c:f>
+              <c:strCache>
+                <c:ptCount val="1"/>
+                <c:pt idx="0">
+                  <c:v>Heeft psychische klachten</c:v>
+                </c:pt>
+              </c:strCache>
+            </c:strRef>
+          </c:cat>
+          <c:val>
+            <c:numRef>
+              <c:f>sheet1!$C$2:$C$2</c:f>
+              <c:numCache>
+                <c:ptCount val="1"/>
+                <c:pt idx="0">
+                  <c:v>0.2753591</c:v>
                 </c:pt>
               </c:numCache>
             </c:numRef>
@@ -4440,7 +5863,7 @@
 </c:chartSpace>
 </file>
 
-<file path=ppt/charts/chart4c4c400261bd.xml><?xml version="1.0" encoding="utf-8"?>
+<file path=ppt/charts/chartc704dc27029.xml><?xml version="1.0" encoding="utf-8"?>
 <c:chartSpace xmlns:c="http://schemas.openxmlformats.org/drawingml/2006/chart" xmlns:a="http://schemas.openxmlformats.org/drawingml/2006/main" xmlns:r="http://schemas.openxmlformats.org/officeDocument/2006/relationships">
   <c:date1904 val="0"/>
   <c:lang val="fr-FR"/>
@@ -4475,7 +5898,7 @@
                 <a:ea typeface="Calibri"/>
                 <a:sym typeface="Calibri"/>
               </a:rPr>
-              <a:t>Variant 2</a:t>
+              <a:t>Variant 7</a:t>
             </a:r>
           </a:p>
         </c:rich>
@@ -4499,7 +5922,7 @@
               <c:strCache>
                 <c:ptCount val="1"/>
                 <c:pt idx="0">
-                  <c:v>Zandwijk</c:v>
+                  <c:v>Jongen</c:v>
                 </c:pt>
               </c:strCache>
             </c:strRef>
@@ -4552,34 +5975,105 @@
           </c:dLbls>
           <c:cat>
             <c:strRef>
-              <c:f>sheet1!$A$2:$A$4</c:f>
+              <c:f>sheet1!$A$2:$A$2</c:f>
               <c:strCache>
-                <c:ptCount val="3"/>
+                <c:ptCount val="1"/>
                 <c:pt idx="0">
                   <c:v>Heeft psychische klachten</c:v>
-                </c:pt>
-                <c:pt idx="1">
-                  <c:v>Geeft geen mantelzorg</c:v>
-                </c:pt>
-                <c:pt idx="2">
-                  <c:v>Heeft een zeer goede gezondheid</c:v>
                 </c:pt>
               </c:strCache>
             </c:strRef>
           </c:cat>
           <c:val>
             <c:numRef>
-              <c:f>sheet1!$B$2:$B$4</c:f>
+              <c:f>sheet1!$B$2:$B$2</c:f>
               <c:numCache>
-                <c:ptCount val="3"/>
+                <c:ptCount val="1"/>
                 <c:pt idx="0">
-                  <c:v>0.2805121</c:v>
-                </c:pt>
-                <c:pt idx="1">
-                  <c:v>0.8569226</c:v>
-                </c:pt>
-                <c:pt idx="2">
-                  <c:v>0.3122552</c:v>
+                  <c:v>0.2885178</c:v>
+                </c:pt>
+              </c:numCache>
+            </c:numRef>
+          </c:val>
+        </c:ser>
+        <c:ser>
+          <c:idx val="1"/>
+          <c:order val="1"/>
+          <c:tx>
+            <c:strRef>
+              <c:f>sheet1!$C$1</c:f>
+              <c:strCache>
+                <c:ptCount val="1"/>
+                <c:pt idx="0">
+                  <c:v>Meisje</c:v>
+                </c:pt>
+              </c:strCache>
+            </c:strRef>
+          </c:tx>
+          <c:spPr>
+            <a:solidFill>
+              <a:srgbClr val="6FC7FF">
+                <a:alpha val="100000"/>
+              </a:srgbClr>
+            </a:solidFill>
+            <a:ln w="25400">
+              <a:solidFill>
+                <a:srgbClr val="FFFFFF">
+                  <a:alpha val="0"/>
+                </a:srgbClr>
+              </a:solidFill>
+            </a:ln>
+            <a:effectLst/>
+          </c:spPr>
+          <c:invertIfNegative val="0"/>
+          <c:dLbls>
+            <c:dLblPos val="outEnd"/>
+            <c:numFmt formatCode="0%" sourceLinked="0"/>
+            <c:separator val=", "/>
+            <c:showBubbleSize val="0"/>
+            <c:showCatName val="0"/>
+            <c:showLegendKey val="0"/>
+            <c:showPercent val="0"/>
+            <c:showSerName val="0"/>
+            <c:showVal val="1"/>
+            <c:txPr>
+              <a:bodyPr/>
+              <a:lstStyle/>
+              <a:p>
+                <a:pPr>
+                  <a:defRPr cap="none" sz="800" i="0" b="0" u="none">
+                    <a:solidFill>
+                      <a:srgbClr val="000000">
+                        <a:alpha val="100000"/>
+                      </a:srgbClr>
+                    </a:solidFill>
+                    <a:latin typeface="Calibri"/>
+                    <a:cs typeface="Calibri"/>
+                    <a:ea typeface="Calibri"/>
+                    <a:sym typeface="Calibri"/>
+                  </a:defRPr>
+                </a:pPr>
+              </a:p>
+            </c:txPr>
+          </c:dLbls>
+          <c:cat>
+            <c:strRef>
+              <c:f>sheet1!$A$2:$A$2</c:f>
+              <c:strCache>
+                <c:ptCount val="1"/>
+                <c:pt idx="0">
+                  <c:v>Heeft psychische klachten</c:v>
+                </c:pt>
+              </c:strCache>
+            </c:strRef>
+          </c:cat>
+          <c:val>
+            <c:numRef>
+              <c:f>sheet1!$C$2:$C$2</c:f>
+              <c:numCache>
+                <c:ptCount val="1"/>
+                <c:pt idx="0">
+                  <c:v>0.2690928</c:v>
                 </c:pt>
               </c:numCache>
             </c:numRef>
@@ -4734,7 +6228,7 @@
 </c:chartSpace>
 </file>
 
-<file path=ppt/charts/chart4c4c427b6028.xml><?xml version="1.0" encoding="utf-8"?>
+<file path=ppt/charts/chartc70503c6e94.xml><?xml version="1.0" encoding="utf-8"?>
 <c:chartSpace xmlns:c="http://schemas.openxmlformats.org/drawingml/2006/chart" xmlns:a="http://schemas.openxmlformats.org/drawingml/2006/main" xmlns:r="http://schemas.openxmlformats.org/officeDocument/2006/relationships">
   <c:date1904 val="0"/>
   <c:lang val="fr-FR"/>
@@ -4769,7 +6263,7 @@
                 <a:ea typeface="Calibri"/>
                 <a:sym typeface="Calibri"/>
               </a:rPr>
-              <a:t>Variant 6</a:t>
+              <a:t>Variant 11</a:t>
             </a:r>
           </a:p>
         </c:rich>
@@ -4793,7 +6287,7 @@
               <c:strCache>
                 <c:ptCount val="1"/>
                 <c:pt idx="0">
-                  <c:v>Jongen</c:v>
+                  <c:v>Klas 2</c:v>
                 </c:pt>
               </c:strCache>
             </c:strRef>
@@ -4846,34 +6340,28 @@
           </c:dLbls>
           <c:cat>
             <c:strRef>
-              <c:f>sheet1!$A$2:$A$4</c:f>
+              <c:f>sheet1!$A$2:$A$3</c:f>
               <c:strCache>
-                <c:ptCount val="3"/>
+                <c:ptCount val="2"/>
                 <c:pt idx="0">
-                  <c:v>Heeft psychische klachten</c:v>
+                  <c:v>Zandwijk</c:v>
                 </c:pt>
                 <c:pt idx="1">
-                  <c:v>Geeft geen mantelzorg</c:v>
-                </c:pt>
-                <c:pt idx="2">
-                  <c:v>Heeft een zeer goede gezondheid</c:v>
+                  <c:v>Nederland</c:v>
                 </c:pt>
               </c:strCache>
             </c:strRef>
           </c:cat>
           <c:val>
             <c:numRef>
-              <c:f>sheet1!$B$2:$B$4</c:f>
+              <c:f>sheet1!$B$2:$B$3</c:f>
               <c:numCache>
-                <c:ptCount val="3"/>
+                <c:ptCount val="2"/>
                 <c:pt idx="0">
-                  <c:v>0.2885178</c:v>
+                  <c:v>0.2994161</c:v>
                 </c:pt>
                 <c:pt idx="1">
-                  <c:v>0.8528350</c:v>
-                </c:pt>
-                <c:pt idx="2">
-                  <c:v>0.3093217</c:v>
+                  <c:v>0.2818699</c:v>
                 </c:pt>
               </c:numCache>
             </c:numRef>
@@ -4888,7 +6376,7 @@
               <c:strCache>
                 <c:ptCount val="1"/>
                 <c:pt idx="0">
-                  <c:v>Meisje</c:v>
+                  <c:v>Klas 4</c:v>
                 </c:pt>
               </c:strCache>
             </c:strRef>
@@ -4941,34 +6429,28 @@
           </c:dLbls>
           <c:cat>
             <c:strRef>
-              <c:f>sheet1!$A$2:$A$4</c:f>
+              <c:f>sheet1!$A$2:$A$3</c:f>
               <c:strCache>
-                <c:ptCount val="3"/>
+                <c:ptCount val="2"/>
                 <c:pt idx="0">
-                  <c:v>Heeft psychische klachten</c:v>
+                  <c:v>Zandwijk</c:v>
                 </c:pt>
                 <c:pt idx="1">
-                  <c:v>Geeft geen mantelzorg</c:v>
-                </c:pt>
-                <c:pt idx="2">
-                  <c:v>Heeft een zeer goede gezondheid</c:v>
+                  <c:v>Nederland</c:v>
                 </c:pt>
               </c:strCache>
             </c:strRef>
           </c:cat>
           <c:val>
             <c:numRef>
-              <c:f>sheet1!$C$2:$C$4</c:f>
+              <c:f>sheet1!$C$2:$C$3</c:f>
               <c:numCache>
-                <c:ptCount val="3"/>
+                <c:ptCount val="2"/>
                 <c:pt idx="0">
-                  <c:v>0.2690928</c:v>
+                  <c:v>0.2597708</c:v>
                 </c:pt>
                 <c:pt idx="1">
-                  <c:v>0.8511010</c:v>
-                </c:pt>
-                <c:pt idx="2">
-                  <c:v>0.3223658</c:v>
+                  <c:v>0.2738343</c:v>
                 </c:pt>
               </c:numCache>
             </c:numRef>
@@ -5123,7 +6605,7 @@
 </c:chartSpace>
 </file>
 
-<file path=ppt/charts/chart4c4c44f55e93.xml><?xml version="1.0" encoding="utf-8"?>
+<file path=ppt/charts/chartc7052b56cff.xml><?xml version="1.0" encoding="utf-8"?>
 <c:chartSpace xmlns:c="http://schemas.openxmlformats.org/drawingml/2006/chart" xmlns:a="http://schemas.openxmlformats.org/drawingml/2006/main" xmlns:r="http://schemas.openxmlformats.org/officeDocument/2006/relationships">
   <c:date1904 val="0"/>
   <c:lang val="fr-FR"/>
@@ -5158,7 +6640,7 @@
                 <a:ea typeface="Calibri"/>
                 <a:sym typeface="Calibri"/>
               </a:rPr>
-              <a:t>Variant 10</a:t>
+              <a:t>Variant 15</a:t>
             </a:r>
           </a:p>
         </c:rich>
@@ -5182,7 +6664,7 @@
               <c:strCache>
                 <c:ptCount val="1"/>
                 <c:pt idx="0">
-                  <c:v>Zandwijk</c:v>
+                  <c:v>Klas 2</c:v>
                 </c:pt>
               </c:strCache>
             </c:strRef>
@@ -5235,52 +6717,28 @@
           </c:dLbls>
           <c:cat>
             <c:strRef>
-              <c:f>sheet1!$A$2:$A$7</c:f>
+              <c:f>sheet1!$A$2:$A$3</c:f>
               <c:strCache>
-                <c:ptCount val="6"/>
+                <c:ptCount val="2"/>
                 <c:pt idx="0">
-                  <c:v>Heeft psychische klachten (Klas 2)</c:v>
+                  <c:v>Jongen</c:v>
                 </c:pt>
                 <c:pt idx="1">
-                  <c:v>Heeft psychische klachten (Klas 4)</c:v>
-                </c:pt>
-                <c:pt idx="2">
-                  <c:v>Geeft geen mantelzorg (Klas 2)</c:v>
-                </c:pt>
-                <c:pt idx="3">
-                  <c:v>Geeft geen mantelzorg (Klas 4)</c:v>
-                </c:pt>
-                <c:pt idx="4">
-                  <c:v>Heeft een zeer goede gezondheid (Klas 2)</c:v>
-                </c:pt>
-                <c:pt idx="5">
-                  <c:v>Heeft een zeer goede gezondheid (Klas 4)</c:v>
+                  <c:v>Meisje</c:v>
                 </c:pt>
               </c:strCache>
             </c:strRef>
           </c:cat>
           <c:val>
             <c:numRef>
-              <c:f>sheet1!$B$2:$B$7</c:f>
+              <c:f>sheet1!$B$2:$B$3</c:f>
               <c:numCache>
-                <c:ptCount val="6"/>
+                <c:ptCount val="2"/>
                 <c:pt idx="0">
-                  <c:v>0.2994161</c:v>
+                  <c:v>0.2942601</c:v>
                 </c:pt>
                 <c:pt idx="1">
-                  <c:v>0.2597708</c:v>
-                </c:pt>
-                <c:pt idx="2">
-                  <c:v>0.8586191</c:v>
-                </c:pt>
-                <c:pt idx="3">
-                  <c:v>0.8596716</c:v>
-                </c:pt>
-                <c:pt idx="4">
-                  <c:v>0.3294875</c:v>
-                </c:pt>
-                <c:pt idx="5">
-                  <c:v>0.2921700</c:v>
+                  <c:v>0.2950323</c:v>
                 </c:pt>
               </c:numCache>
             </c:numRef>
@@ -5295,14 +6753,14 @@
               <c:strCache>
                 <c:ptCount val="1"/>
                 <c:pt idx="0">
-                  <c:v>Nederland</c:v>
+                  <c:v>Klas 4</c:v>
                 </c:pt>
               </c:strCache>
             </c:strRef>
           </c:tx>
           <c:spPr>
             <a:solidFill>
-              <a:srgbClr val="E54800">
+              <a:srgbClr val="6FC7FF">
                 <a:alpha val="100000"/>
               </a:srgbClr>
             </a:solidFill>
@@ -5348,52 +6806,28 @@
           </c:dLbls>
           <c:cat>
             <c:strRef>
-              <c:f>sheet1!$A$2:$A$7</c:f>
+              <c:f>sheet1!$A$2:$A$3</c:f>
               <c:strCache>
-                <c:ptCount val="6"/>
+                <c:ptCount val="2"/>
                 <c:pt idx="0">
-                  <c:v>Heeft psychische klachten (Klas 2)</c:v>
+                  <c:v>Jongen</c:v>
                 </c:pt>
                 <c:pt idx="1">
-                  <c:v>Heeft psychische klachten (Klas 4)</c:v>
-                </c:pt>
-                <c:pt idx="2">
-                  <c:v>Geeft geen mantelzorg (Klas 2)</c:v>
-                </c:pt>
-                <c:pt idx="3">
-                  <c:v>Geeft geen mantelzorg (Klas 4)</c:v>
-                </c:pt>
-                <c:pt idx="4">
-                  <c:v>Heeft een zeer goede gezondheid (Klas 2)</c:v>
-                </c:pt>
-                <c:pt idx="5">
-                  <c:v>Heeft een zeer goede gezondheid (Klas 4)</c:v>
+                  <c:v>Meisje</c:v>
                 </c:pt>
               </c:strCache>
             </c:strRef>
           </c:cat>
           <c:val>
             <c:numRef>
-              <c:f>sheet1!$C$2:$C$7</c:f>
+              <c:f>sheet1!$C$2:$C$3</c:f>
               <c:numCache>
-                <c:ptCount val="6"/>
+                <c:ptCount val="2"/>
                 <c:pt idx="0">
-                  <c:v>0.2818699</c:v>
+                  <c:v>0.2788376</c:v>
                 </c:pt>
                 <c:pt idx="1">
-                  <c:v>0.2738343</c:v>
-                </c:pt>
-                <c:pt idx="2">
-                  <c:v>0.8523787</c:v>
-                </c:pt>
-                <c:pt idx="3">
-                  <c:v>0.8516908</c:v>
-                </c:pt>
-                <c:pt idx="4">
-                  <c:v>0.3191411</c:v>
-                </c:pt>
-                <c:pt idx="5">
-                  <c:v>0.2939317</c:v>
+                  <c:v>0.2381023</c:v>
                 </c:pt>
               </c:numCache>
             </c:numRef>
@@ -5548,7 +6982,7 @@
 </c:chartSpace>
 </file>
 
-<file path=ppt/charts/chart4c4c476e5cfe.xml><?xml version="1.0" encoding="utf-8"?>
+<file path=ppt/charts/chartc70552e6b69.xml><?xml version="1.0" encoding="utf-8"?>
 <c:chartSpace xmlns:c="http://schemas.openxmlformats.org/drawingml/2006/chart" xmlns:a="http://schemas.openxmlformats.org/drawingml/2006/main" xmlns:r="http://schemas.openxmlformats.org/officeDocument/2006/relationships">
   <c:date1904 val="0"/>
   <c:lang val="fr-FR"/>
@@ -5583,7 +7017,7 @@
                 <a:ea typeface="Calibri"/>
                 <a:sym typeface="Calibri"/>
               </a:rPr>
-              <a:t>Variant 14</a:t>
+              <a:t>Staafgrafiek Variant 17 zonder aanpassingen</a:t>
             </a:r>
           </a:p>
         </c:rich>
@@ -5607,7 +7041,7 @@
               <c:strCache>
                 <c:ptCount val="1"/>
                 <c:pt idx="0">
-                  <c:v>Jongen</c:v>
+                  <c:v>Zandwijk</c:v>
                 </c:pt>
               </c:strCache>
             </c:strRef>
@@ -5660,22 +7094,40 @@
           </c:dLbls>
           <c:cat>
             <c:strRef>
-              <c:f>sheet1!$A$2:$A$2</c:f>
+              <c:f>sheet1!$A$2:$A$5</c:f>
               <c:strCache>
-                <c:ptCount val="1"/>
+                <c:ptCount val="4"/>
                 <c:pt idx="0">
-                  <c:v>Zandwijk</c:v>
+                  <c:v>Jongen</c:v>
+                </c:pt>
+                <c:pt idx="1">
+                  <c:v>Meisje</c:v>
+                </c:pt>
+                <c:pt idx="2">
+                  <c:v>Klas 2</c:v>
+                </c:pt>
+                <c:pt idx="3">
+                  <c:v>Klas 4</c:v>
                 </c:pt>
               </c:strCache>
             </c:strRef>
           </c:cat>
           <c:val>
             <c:numRef>
-              <c:f>sheet1!$B$2:$B$2</c:f>
+              <c:f>sheet1!$B$2:$B$5</c:f>
               <c:numCache>
-                <c:ptCount val="1"/>
+                <c:ptCount val="4"/>
                 <c:pt idx="0">
                   <c:v>0.2885178</c:v>
+                </c:pt>
+                <c:pt idx="1">
+                  <c:v>0.2690928</c:v>
+                </c:pt>
+                <c:pt idx="2">
+                  <c:v>0.2994161</c:v>
+                </c:pt>
+                <c:pt idx="3">
+                  <c:v>0.2597708</c:v>
                 </c:pt>
               </c:numCache>
             </c:numRef>
@@ -5690,90 +7142,7 @@
               <c:strCache>
                 <c:ptCount val="1"/>
                 <c:pt idx="0">
-                  <c:v>Meisje</c:v>
-                </c:pt>
-              </c:strCache>
-            </c:strRef>
-          </c:tx>
-          <c:spPr>
-            <a:solidFill>
-              <a:srgbClr val="6FC7FF">
-                <a:alpha val="100000"/>
-              </a:srgbClr>
-            </a:solidFill>
-            <a:ln w="25400">
-              <a:solidFill>
-                <a:srgbClr val="FFFFFF">
-                  <a:alpha val="0"/>
-                </a:srgbClr>
-              </a:solidFill>
-            </a:ln>
-            <a:effectLst/>
-          </c:spPr>
-          <c:invertIfNegative val="0"/>
-          <c:dLbls>
-            <c:dLblPos val="outEnd"/>
-            <c:numFmt formatCode="0%" sourceLinked="0"/>
-            <c:separator val=", "/>
-            <c:showBubbleSize val="0"/>
-            <c:showCatName val="0"/>
-            <c:showLegendKey val="0"/>
-            <c:showPercent val="0"/>
-            <c:showSerName val="0"/>
-            <c:showVal val="1"/>
-            <c:txPr>
-              <a:bodyPr/>
-              <a:lstStyle/>
-              <a:p>
-                <a:pPr>
-                  <a:defRPr cap="none" sz="800" i="0" b="0" u="none">
-                    <a:solidFill>
-                      <a:srgbClr val="000000">
-                        <a:alpha val="100000"/>
-                      </a:srgbClr>
-                    </a:solidFill>
-                    <a:latin typeface="Calibri"/>
-                    <a:cs typeface="Calibri"/>
-                    <a:ea typeface="Calibri"/>
-                    <a:sym typeface="Calibri"/>
-                  </a:defRPr>
-                </a:pPr>
-              </a:p>
-            </c:txPr>
-          </c:dLbls>
-          <c:cat>
-            <c:strRef>
-              <c:f>sheet1!$A$2:$A$2</c:f>
-              <c:strCache>
-                <c:ptCount val="1"/>
-                <c:pt idx="0">
-                  <c:v>Zandwijk</c:v>
-                </c:pt>
-              </c:strCache>
-            </c:strRef>
-          </c:cat>
-          <c:val>
-            <c:numRef>
-              <c:f>sheet1!$C$2:$C$2</c:f>
-              <c:numCache>
-                <c:ptCount val="1"/>
-                <c:pt idx="0">
-                  <c:v>0.2690928</c:v>
-                </c:pt>
-              </c:numCache>
-            </c:numRef>
-          </c:val>
-        </c:ser>
-        <c:ser>
-          <c:idx val="2"/>
-          <c:order val="2"/>
-          <c:tx>
-            <c:strRef>
-              <c:f>sheet1!$D$1</c:f>
-              <c:strCache>
-                <c:ptCount val="1"/>
-                <c:pt idx="0">
-                  <c:v>Klas 2</c:v>
+                  <c:v>Nederland</c:v>
                 </c:pt>
               </c:strCache>
             </c:strRef>
@@ -5826,105 +7195,40 @@
           </c:dLbls>
           <c:cat>
             <c:strRef>
-              <c:f>sheet1!$A$2:$A$2</c:f>
+              <c:f>sheet1!$A$2:$A$5</c:f>
               <c:strCache>
-                <c:ptCount val="1"/>
+                <c:ptCount val="4"/>
                 <c:pt idx="0">
-                  <c:v>Zandwijk</c:v>
+                  <c:v>Jongen</c:v>
+                </c:pt>
+                <c:pt idx="1">
+                  <c:v>Meisje</c:v>
+                </c:pt>
+                <c:pt idx="2">
+                  <c:v>Klas 2</c:v>
+                </c:pt>
+                <c:pt idx="3">
+                  <c:v>Klas 4</c:v>
                 </c:pt>
               </c:strCache>
             </c:strRef>
           </c:cat>
           <c:val>
             <c:numRef>
-              <c:f>sheet1!$D$2:$D$2</c:f>
+              <c:f>sheet1!$C$2:$C$5</c:f>
               <c:numCache>
-                <c:ptCount val="1"/>
+                <c:ptCount val="4"/>
                 <c:pt idx="0">
-                  <c:v>0.2994161</c:v>
-                </c:pt>
-              </c:numCache>
-            </c:numRef>
-          </c:val>
-        </c:ser>
-        <c:ser>
-          <c:idx val="3"/>
-          <c:order val="3"/>
-          <c:tx>
-            <c:strRef>
-              <c:f>sheet1!$E$1</c:f>
-              <c:strCache>
-                <c:ptCount val="1"/>
-                <c:pt idx="0">
-                  <c:v>Klas 4</c:v>
-                </c:pt>
-              </c:strCache>
-            </c:strRef>
-          </c:tx>
-          <c:spPr>
-            <a:solidFill>
-              <a:srgbClr val="FFB18E">
-                <a:alpha val="100000"/>
-              </a:srgbClr>
-            </a:solidFill>
-            <a:ln w="25400">
-              <a:solidFill>
-                <a:srgbClr val="FFFFFF">
-                  <a:alpha val="0"/>
-                </a:srgbClr>
-              </a:solidFill>
-            </a:ln>
-            <a:effectLst/>
-          </c:spPr>
-          <c:invertIfNegative val="0"/>
-          <c:dLbls>
-            <c:dLblPos val="outEnd"/>
-            <c:numFmt formatCode="0%" sourceLinked="0"/>
-            <c:separator val=", "/>
-            <c:showBubbleSize val="0"/>
-            <c:showCatName val="0"/>
-            <c:showLegendKey val="0"/>
-            <c:showPercent val="0"/>
-            <c:showSerName val="0"/>
-            <c:showVal val="1"/>
-            <c:txPr>
-              <a:bodyPr/>
-              <a:lstStyle/>
-              <a:p>
-                <a:pPr>
-                  <a:defRPr cap="none" sz="800" i="0" b="0" u="none">
-                    <a:solidFill>
-                      <a:srgbClr val="000000">
-                        <a:alpha val="100000"/>
-                      </a:srgbClr>
-                    </a:solidFill>
-                    <a:latin typeface="Calibri"/>
-                    <a:cs typeface="Calibri"/>
-                    <a:ea typeface="Calibri"/>
-                    <a:sym typeface="Calibri"/>
-                  </a:defRPr>
-                </a:pPr>
-              </a:p>
-            </c:txPr>
-          </c:dLbls>
-          <c:cat>
-            <c:strRef>
-              <c:f>sheet1!$A$2:$A$2</c:f>
-              <c:strCache>
-                <c:ptCount val="1"/>
-                <c:pt idx="0">
-                  <c:v>Zandwijk</c:v>
-                </c:pt>
-              </c:strCache>
-            </c:strRef>
-          </c:cat>
-          <c:val>
-            <c:numRef>
-              <c:f>sheet1!$E$2:$E$2</c:f>
-              <c:numCache>
-                <c:ptCount val="1"/>
-                <c:pt idx="0">
-                  <c:v>0.2597708</c:v>
+                  <c:v>0.2810797</c:v>
+                </c:pt>
+                <c:pt idx="1">
+                  <c:v>0.2733080</c:v>
+                </c:pt>
+                <c:pt idx="2">
+                  <c:v>0.2818699</c:v>
+                </c:pt>
+                <c:pt idx="3">
+                  <c:v>0.2738343</c:v>
                 </c:pt>
               </c:numCache>
             </c:numRef>
@@ -6079,7 +7383,7 @@
 </c:chartSpace>
 </file>
 
-<file path=ppt/charts/chart4c4c49e75b68.xml><?xml version="1.0" encoding="utf-8"?>
+<file path=ppt/charts/chartc706aab1224.xml><?xml version="1.0" encoding="utf-8"?>
 <c:chartSpace xmlns:c="http://schemas.openxmlformats.org/drawingml/2006/chart" xmlns:a="http://schemas.openxmlformats.org/drawingml/2006/main" xmlns:r="http://schemas.openxmlformats.org/officeDocument/2006/relationships">
   <c:date1904 val="0"/>
   <c:lang val="fr-FR"/>
@@ -6114,7 +7418,7 @@
                 <a:ea typeface="Calibri"/>
                 <a:sym typeface="Calibri"/>
               </a:rPr>
-              <a:t>Variant 18</a:t>
+              <a:t>Variant 2</a:t>
             </a:r>
           </a:p>
         </c:rich>
@@ -6138,7 +7442,7 @@
               <c:strCache>
                 <c:ptCount val="1"/>
                 <c:pt idx="0">
-                  <c:v>Jongen</c:v>
+                  <c:v>Zandwijk</c:v>
                 </c:pt>
               </c:strCache>
             </c:strRef>
@@ -6191,295 +7495,34 @@
           </c:dLbls>
           <c:cat>
             <c:strRef>
-              <c:f>sheet1!$A$2:$A$3</c:f>
+              <c:f>sheet1!$A$2:$A$4</c:f>
               <c:strCache>
-                <c:ptCount val="2"/>
+                <c:ptCount val="3"/>
                 <c:pt idx="0">
-                  <c:v>Zandwijk</c:v>
+                  <c:v>Heeft psychische klachten</c:v>
                 </c:pt>
                 <c:pt idx="1">
-                  <c:v>Nederland</c:v>
+                  <c:v>Geeft geen mantelzorg</c:v>
+                </c:pt>
+                <c:pt idx="2">
+                  <c:v>Heeft een zeer goede gezondheid</c:v>
                 </c:pt>
               </c:strCache>
             </c:strRef>
           </c:cat>
           <c:val>
             <c:numRef>
-              <c:f>sheet1!$B$2:$B$3</c:f>
+              <c:f>sheet1!$B$2:$B$4</c:f>
               <c:numCache>
-                <c:ptCount val="2"/>
+                <c:ptCount val="3"/>
                 <c:pt idx="0">
-                  <c:v>0.2885178</c:v>
+                  <c:v>0.2805121</c:v>
                 </c:pt>
                 <c:pt idx="1">
-                  <c:v>0.2810797</c:v>
-                </c:pt>
-              </c:numCache>
-            </c:numRef>
-          </c:val>
-        </c:ser>
-        <c:ser>
-          <c:idx val="1"/>
-          <c:order val="1"/>
-          <c:tx>
-            <c:strRef>
-              <c:f>sheet1!$C$1</c:f>
-              <c:strCache>
-                <c:ptCount val="1"/>
-                <c:pt idx="0">
-                  <c:v>Meisje</c:v>
-                </c:pt>
-              </c:strCache>
-            </c:strRef>
-          </c:tx>
-          <c:spPr>
-            <a:solidFill>
-              <a:srgbClr val="6FC7FF">
-                <a:alpha val="100000"/>
-              </a:srgbClr>
-            </a:solidFill>
-            <a:ln w="25400">
-              <a:solidFill>
-                <a:srgbClr val="FFFFFF">
-                  <a:alpha val="0"/>
-                </a:srgbClr>
-              </a:solidFill>
-            </a:ln>
-            <a:effectLst/>
-          </c:spPr>
-          <c:invertIfNegative val="0"/>
-          <c:dLbls>
-            <c:dLblPos val="outEnd"/>
-            <c:numFmt formatCode="0%" sourceLinked="0"/>
-            <c:separator val=", "/>
-            <c:showBubbleSize val="0"/>
-            <c:showCatName val="0"/>
-            <c:showLegendKey val="0"/>
-            <c:showPercent val="0"/>
-            <c:showSerName val="0"/>
-            <c:showVal val="1"/>
-            <c:txPr>
-              <a:bodyPr/>
-              <a:lstStyle/>
-              <a:p>
-                <a:pPr>
-                  <a:defRPr cap="none" sz="800" i="0" b="0" u="none">
-                    <a:solidFill>
-                      <a:srgbClr val="000000">
-                        <a:alpha val="100000"/>
-                      </a:srgbClr>
-                    </a:solidFill>
-                    <a:latin typeface="Calibri"/>
-                    <a:cs typeface="Calibri"/>
-                    <a:ea typeface="Calibri"/>
-                    <a:sym typeface="Calibri"/>
-                  </a:defRPr>
-                </a:pPr>
-              </a:p>
-            </c:txPr>
-          </c:dLbls>
-          <c:cat>
-            <c:strRef>
-              <c:f>sheet1!$A$2:$A$3</c:f>
-              <c:strCache>
-                <c:ptCount val="2"/>
-                <c:pt idx="0">
-                  <c:v>Zandwijk</c:v>
-                </c:pt>
-                <c:pt idx="1">
-                  <c:v>Nederland</c:v>
-                </c:pt>
-              </c:strCache>
-            </c:strRef>
-          </c:cat>
-          <c:val>
-            <c:numRef>
-              <c:f>sheet1!$C$2:$C$3</c:f>
-              <c:numCache>
-                <c:ptCount val="2"/>
-                <c:pt idx="0">
-                  <c:v>0.2690928</c:v>
-                </c:pt>
-                <c:pt idx="1">
-                  <c:v>0.2733080</c:v>
-                </c:pt>
-              </c:numCache>
-            </c:numRef>
-          </c:val>
-        </c:ser>
-        <c:ser>
-          <c:idx val="2"/>
-          <c:order val="2"/>
-          <c:tx>
-            <c:strRef>
-              <c:f>sheet1!$D$1</c:f>
-              <c:strCache>
-                <c:ptCount val="1"/>
-                <c:pt idx="0">
-                  <c:v>Klas 2</c:v>
-                </c:pt>
-              </c:strCache>
-            </c:strRef>
-          </c:tx>
-          <c:spPr>
-            <a:solidFill>
-              <a:srgbClr val="E54800">
-                <a:alpha val="100000"/>
-              </a:srgbClr>
-            </a:solidFill>
-            <a:ln w="25400">
-              <a:solidFill>
-                <a:srgbClr val="FFFFFF">
-                  <a:alpha val="0"/>
-                </a:srgbClr>
-              </a:solidFill>
-            </a:ln>
-            <a:effectLst/>
-          </c:spPr>
-          <c:invertIfNegative val="0"/>
-          <c:dLbls>
-            <c:dLblPos val="outEnd"/>
-            <c:numFmt formatCode="0%" sourceLinked="0"/>
-            <c:separator val=", "/>
-            <c:showBubbleSize val="0"/>
-            <c:showCatName val="0"/>
-            <c:showLegendKey val="0"/>
-            <c:showPercent val="0"/>
-            <c:showSerName val="0"/>
-            <c:showVal val="1"/>
-            <c:txPr>
-              <a:bodyPr/>
-              <a:lstStyle/>
-              <a:p>
-                <a:pPr>
-                  <a:defRPr cap="none" sz="800" i="0" b="0" u="none">
-                    <a:solidFill>
-                      <a:srgbClr val="000000">
-                        <a:alpha val="100000"/>
-                      </a:srgbClr>
-                    </a:solidFill>
-                    <a:latin typeface="Calibri"/>
-                    <a:cs typeface="Calibri"/>
-                    <a:ea typeface="Calibri"/>
-                    <a:sym typeface="Calibri"/>
-                  </a:defRPr>
-                </a:pPr>
-              </a:p>
-            </c:txPr>
-          </c:dLbls>
-          <c:cat>
-            <c:strRef>
-              <c:f>sheet1!$A$2:$A$3</c:f>
-              <c:strCache>
-                <c:ptCount val="2"/>
-                <c:pt idx="0">
-                  <c:v>Zandwijk</c:v>
-                </c:pt>
-                <c:pt idx="1">
-                  <c:v>Nederland</c:v>
-                </c:pt>
-              </c:strCache>
-            </c:strRef>
-          </c:cat>
-          <c:val>
-            <c:numRef>
-              <c:f>sheet1!$D$2:$D$3</c:f>
-              <c:numCache>
-                <c:ptCount val="2"/>
-                <c:pt idx="0">
-                  <c:v>0.2994161</c:v>
-                </c:pt>
-                <c:pt idx="1">
-                  <c:v>0.2818699</c:v>
-                </c:pt>
-              </c:numCache>
-            </c:numRef>
-          </c:val>
-        </c:ser>
-        <c:ser>
-          <c:idx val="3"/>
-          <c:order val="3"/>
-          <c:tx>
-            <c:strRef>
-              <c:f>sheet1!$E$1</c:f>
-              <c:strCache>
-                <c:ptCount val="1"/>
-                <c:pt idx="0">
-                  <c:v>Klas 4</c:v>
-                </c:pt>
-              </c:strCache>
-            </c:strRef>
-          </c:tx>
-          <c:spPr>
-            <a:solidFill>
-              <a:srgbClr val="FFB18E">
-                <a:alpha val="100000"/>
-              </a:srgbClr>
-            </a:solidFill>
-            <a:ln w="25400">
-              <a:solidFill>
-                <a:srgbClr val="FFFFFF">
-                  <a:alpha val="0"/>
-                </a:srgbClr>
-              </a:solidFill>
-            </a:ln>
-            <a:effectLst/>
-          </c:spPr>
-          <c:invertIfNegative val="0"/>
-          <c:dLbls>
-            <c:dLblPos val="outEnd"/>
-            <c:numFmt formatCode="0%" sourceLinked="0"/>
-            <c:separator val=", "/>
-            <c:showBubbleSize val="0"/>
-            <c:showCatName val="0"/>
-            <c:showLegendKey val="0"/>
-            <c:showPercent val="0"/>
-            <c:showSerName val="0"/>
-            <c:showVal val="1"/>
-            <c:txPr>
-              <a:bodyPr/>
-              <a:lstStyle/>
-              <a:p>
-                <a:pPr>
-                  <a:defRPr cap="none" sz="800" i="0" b="0" u="none">
-                    <a:solidFill>
-                      <a:srgbClr val="000000">
-                        <a:alpha val="100000"/>
-                      </a:srgbClr>
-                    </a:solidFill>
-                    <a:latin typeface="Calibri"/>
-                    <a:cs typeface="Calibri"/>
-                    <a:ea typeface="Calibri"/>
-                    <a:sym typeface="Calibri"/>
-                  </a:defRPr>
-                </a:pPr>
-              </a:p>
-            </c:txPr>
-          </c:dLbls>
-          <c:cat>
-            <c:strRef>
-              <c:f>sheet1!$A$2:$A$3</c:f>
-              <c:strCache>
-                <c:ptCount val="2"/>
-                <c:pt idx="0">
-                  <c:v>Zandwijk</c:v>
-                </c:pt>
-                <c:pt idx="1">
-                  <c:v>Nederland</c:v>
-                </c:pt>
-              </c:strCache>
-            </c:strRef>
-          </c:cat>
-          <c:val>
-            <c:numRef>
-              <c:f>sheet1!$E$2:$E$3</c:f>
-              <c:numCache>
-                <c:ptCount val="2"/>
-                <c:pt idx="0">
-                  <c:v>0.2597708</c:v>
-                </c:pt>
-                <c:pt idx="1">
-                  <c:v>0.2738343</c:v>
+                  <c:v>0.8569226</c:v>
+                </c:pt>
+                <c:pt idx="2">
+                  <c:v>0.3122552</c:v>
                 </c:pt>
               </c:numCache>
             </c:numRef>
@@ -6634,7 +7677,1907 @@
 </c:chartSpace>
 </file>
 
-<file path=ppt/charts/chart4c4c4c6059d3.xml><?xml version="1.0" encoding="utf-8"?>
+<file path=ppt/charts/chartc706d24108e.xml><?xml version="1.0" encoding="utf-8"?>
+<c:chartSpace xmlns:c="http://schemas.openxmlformats.org/drawingml/2006/chart" xmlns:a="http://schemas.openxmlformats.org/drawingml/2006/main" xmlns:r="http://schemas.openxmlformats.org/officeDocument/2006/relationships">
+  <c:date1904 val="0"/>
+  <c:lang val="fr-FR"/>
+  <c:roundedCorners val="0"/>
+  <mc:AlternateContent xmlns:mc="http://schemas.openxmlformats.org/markup-compatibility/2006">
+    <mc:Choice xmlns:c14="http://schemas.microsoft.com/office/drawing/2007/8/2/chart" Requires="c14">
+      <c14:style val="118"/>
+    </mc:Choice>
+    <mc:Fallback>
+      <c:style val="18"/>
+    </mc:Fallback>
+  </mc:AlternateContent>
+  <c:chart>
+    <c:title xmlns:c="http://schemas.openxmlformats.org/drawingml/2006/chart" xmlns:a="http://schemas.openxmlformats.org/drawingml/2006/main" xmlns:r="http://schemas.openxmlformats.org/officeDocument/2006/relationships">
+      <c:tx>
+        <c:rich>
+          <a:bodyPr/>
+          <a:lstStyle/>
+          <a:p>
+            <a:pPr>
+              <a:defRPr/>
+            </a:pPr>
+            <a:r>
+              <a:rPr cap="none" sz="900" i="0" b="1" u="none">
+                <a:solidFill>
+                  <a:srgbClr val="000000">
+                    <a:alpha val="100000"/>
+                  </a:srgbClr>
+                </a:solidFill>
+                <a:latin typeface="Calibri"/>
+                <a:cs typeface="Calibri"/>
+                <a:ea typeface="Calibri"/>
+                <a:sym typeface="Calibri"/>
+              </a:rPr>
+              <a:t>Variant 6</a:t>
+            </a:r>
+          </a:p>
+        </c:rich>
+      </c:tx>
+      <c:layout/>
+      <c:overlay val="0"/>
+    </c:title>
+    <c:autoTitleDeleted val="0"/>
+    <c:plotArea xmlns:c="http://schemas.openxmlformats.org/drawingml/2006/chart" xmlns:a="http://schemas.openxmlformats.org/drawingml/2006/main" xmlns:r="http://schemas.openxmlformats.org/officeDocument/2006/relationships">
+      <c:layout/>
+      <c:barChart>
+        <c:barDir val="col"/>
+        <c:grouping val="clustered"/>
+        <c:varyColors val="0"/>
+        <c:ser>
+          <c:idx val="0"/>
+          <c:order val="0"/>
+          <c:tx>
+            <c:strRef>
+              <c:f>sheet1!$B$1</c:f>
+              <c:strCache>
+                <c:ptCount val="1"/>
+                <c:pt idx="0">
+                  <c:v>Jongen</c:v>
+                </c:pt>
+              </c:strCache>
+            </c:strRef>
+          </c:tx>
+          <c:spPr>
+            <a:solidFill>
+              <a:srgbClr val="005C96">
+                <a:alpha val="100000"/>
+              </a:srgbClr>
+            </a:solidFill>
+            <a:ln w="25400">
+              <a:solidFill>
+                <a:srgbClr val="FFFFFF">
+                  <a:alpha val="0"/>
+                </a:srgbClr>
+              </a:solidFill>
+            </a:ln>
+            <a:effectLst/>
+          </c:spPr>
+          <c:invertIfNegative val="0"/>
+          <c:dLbls>
+            <c:dLblPos val="outEnd"/>
+            <c:numFmt formatCode="0%" sourceLinked="0"/>
+            <c:separator val=", "/>
+            <c:showBubbleSize val="0"/>
+            <c:showCatName val="0"/>
+            <c:showLegendKey val="0"/>
+            <c:showPercent val="0"/>
+            <c:showSerName val="0"/>
+            <c:showVal val="1"/>
+            <c:txPr>
+              <a:bodyPr/>
+              <a:lstStyle/>
+              <a:p>
+                <a:pPr>
+                  <a:defRPr cap="none" sz="800" i="0" b="0" u="none">
+                    <a:solidFill>
+                      <a:srgbClr val="000000">
+                        <a:alpha val="100000"/>
+                      </a:srgbClr>
+                    </a:solidFill>
+                    <a:latin typeface="Calibri"/>
+                    <a:cs typeface="Calibri"/>
+                    <a:ea typeface="Calibri"/>
+                    <a:sym typeface="Calibri"/>
+                  </a:defRPr>
+                </a:pPr>
+              </a:p>
+            </c:txPr>
+          </c:dLbls>
+          <c:cat>
+            <c:strRef>
+              <c:f>sheet1!$A$2:$A$4</c:f>
+              <c:strCache>
+                <c:ptCount val="3"/>
+                <c:pt idx="0">
+                  <c:v>Heeft psychische klachten</c:v>
+                </c:pt>
+                <c:pt idx="1">
+                  <c:v>Geeft geen mantelzorg</c:v>
+                </c:pt>
+                <c:pt idx="2">
+                  <c:v>Heeft een zeer goede gezondheid</c:v>
+                </c:pt>
+              </c:strCache>
+            </c:strRef>
+          </c:cat>
+          <c:val>
+            <c:numRef>
+              <c:f>sheet1!$B$2:$B$4</c:f>
+              <c:numCache>
+                <c:ptCount val="3"/>
+                <c:pt idx="0">
+                  <c:v>0.2885178</c:v>
+                </c:pt>
+                <c:pt idx="1">
+                  <c:v>0.8528350</c:v>
+                </c:pt>
+                <c:pt idx="2">
+                  <c:v>0.3093217</c:v>
+                </c:pt>
+              </c:numCache>
+            </c:numRef>
+          </c:val>
+        </c:ser>
+        <c:ser>
+          <c:idx val="1"/>
+          <c:order val="1"/>
+          <c:tx>
+            <c:strRef>
+              <c:f>sheet1!$C$1</c:f>
+              <c:strCache>
+                <c:ptCount val="1"/>
+                <c:pt idx="0">
+                  <c:v>Meisje</c:v>
+                </c:pt>
+              </c:strCache>
+            </c:strRef>
+          </c:tx>
+          <c:spPr>
+            <a:solidFill>
+              <a:srgbClr val="6FC7FF">
+                <a:alpha val="100000"/>
+              </a:srgbClr>
+            </a:solidFill>
+            <a:ln w="25400">
+              <a:solidFill>
+                <a:srgbClr val="FFFFFF">
+                  <a:alpha val="0"/>
+                </a:srgbClr>
+              </a:solidFill>
+            </a:ln>
+            <a:effectLst/>
+          </c:spPr>
+          <c:invertIfNegative val="0"/>
+          <c:dLbls>
+            <c:dLblPos val="outEnd"/>
+            <c:numFmt formatCode="0%" sourceLinked="0"/>
+            <c:separator val=", "/>
+            <c:showBubbleSize val="0"/>
+            <c:showCatName val="0"/>
+            <c:showLegendKey val="0"/>
+            <c:showPercent val="0"/>
+            <c:showSerName val="0"/>
+            <c:showVal val="1"/>
+            <c:txPr>
+              <a:bodyPr/>
+              <a:lstStyle/>
+              <a:p>
+                <a:pPr>
+                  <a:defRPr cap="none" sz="800" i="0" b="0" u="none">
+                    <a:solidFill>
+                      <a:srgbClr val="000000">
+                        <a:alpha val="100000"/>
+                      </a:srgbClr>
+                    </a:solidFill>
+                    <a:latin typeface="Calibri"/>
+                    <a:cs typeface="Calibri"/>
+                    <a:ea typeface="Calibri"/>
+                    <a:sym typeface="Calibri"/>
+                  </a:defRPr>
+                </a:pPr>
+              </a:p>
+            </c:txPr>
+          </c:dLbls>
+          <c:cat>
+            <c:strRef>
+              <c:f>sheet1!$A$2:$A$4</c:f>
+              <c:strCache>
+                <c:ptCount val="3"/>
+                <c:pt idx="0">
+                  <c:v>Heeft psychische klachten</c:v>
+                </c:pt>
+                <c:pt idx="1">
+                  <c:v>Geeft geen mantelzorg</c:v>
+                </c:pt>
+                <c:pt idx="2">
+                  <c:v>Heeft een zeer goede gezondheid</c:v>
+                </c:pt>
+              </c:strCache>
+            </c:strRef>
+          </c:cat>
+          <c:val>
+            <c:numRef>
+              <c:f>sheet1!$C$2:$C$4</c:f>
+              <c:numCache>
+                <c:ptCount val="3"/>
+                <c:pt idx="0">
+                  <c:v>0.2690928</c:v>
+                </c:pt>
+                <c:pt idx="1">
+                  <c:v>0.8511010</c:v>
+                </c:pt>
+                <c:pt idx="2">
+                  <c:v>0.3223658</c:v>
+                </c:pt>
+              </c:numCache>
+            </c:numRef>
+          </c:val>
+        </c:ser>
+        <c:dLbls>
+          <c:dLblPos val="outEnd"/>
+          <c:numFmt formatCode="0%" sourceLinked="0"/>
+          <c:separator val=", "/>
+          <c:showBubbleSize val="0"/>
+          <c:showCatName val="0"/>
+          <c:showLegendKey val="0"/>
+          <c:showPercent val="0"/>
+          <c:showSerName val="0"/>
+          <c:showVal val="1"/>
+        </c:dLbls>
+        <c:gapWidth val="150"/>
+        <c:overlap val="0"/>
+        <c:axId val="64451712"/>
+        <c:axId val="64453248"/>
+      </c:barChart>
+      <c:catAx>
+        <c:axId val="64451712"/>
+        <c:scaling>
+          <c:orientation val="minMax"/>
+        </c:scaling>
+        <c:delete val="0"/>
+        <c:axPos val="l"/>
+        <c:majorTickMark val="none"/>
+        <c:minorTickMark val="none"/>
+        <c:tickLblPos val="nextTo"/>
+        <c:txPr>
+          <a:bodyPr rot="0" vert="horz"/>
+          <a:lstStyle/>
+          <a:p>
+            <a:pPr>
+              <a:defRPr cap="none" sz="800" i="0" b="0" u="none">
+                <a:solidFill>
+                  <a:srgbClr val="000000">
+                    <a:alpha val="100000"/>
+                  </a:srgbClr>
+                </a:solidFill>
+                <a:latin typeface="Calibri"/>
+                <a:cs typeface="Calibri"/>
+                <a:ea typeface="Calibri"/>
+                <a:sym typeface="Calibri"/>
+              </a:defRPr>
+            </a:pPr>
+          </a:p>
+        </c:txPr>
+        <c:spPr>
+          <a:ln algn="ctr" w="12700">
+            <a:solidFill>
+              <a:srgbClr val="000000">
+                <a:alpha val="100000"/>
+              </a:srgbClr>
+            </a:solidFill>
+            <a:prstDash val="solid"/>
+          </a:ln>
+        </c:spPr>
+        <c:numFmt formatCode="General" sourceLinked="0"/>
+        <c:crossAx val="64453248"/>
+        <c:crosses val="autoZero"/>
+      </c:catAx>
+      <c:valAx>
+        <c:axId val="64453248"/>
+        <c:scaling>
+          <c:orientation val="minMax"/>
+          <c:max val="1.00"/>
+          <c:min val="0.00"/>
+        </c:scaling>
+        <c:delete val="0"/>
+        <c:axPos val="l"/>
+        <c:majorTickMark val="none"/>
+        <c:minorTickMark val="none"/>
+        <c:tickLblPos val="nextTo"/>
+        <c:txPr>
+          <a:bodyPr rot="0" vert="horz"/>
+          <a:lstStyle/>
+          <a:p>
+            <a:pPr>
+              <a:defRPr cap="none" sz="900" i="0" b="0" u="none">
+                <a:solidFill>
+                  <a:srgbClr val="000000">
+                    <a:alpha val="100000"/>
+                  </a:srgbClr>
+                </a:solidFill>
+                <a:latin typeface="Calibri"/>
+                <a:cs typeface="Calibri"/>
+                <a:ea typeface="Calibri"/>
+                <a:sym typeface="Calibri"/>
+              </a:defRPr>
+            </a:pPr>
+          </a:p>
+        </c:txPr>
+        <c:spPr>
+          <a:ln algn="ctr" w="12700">
+            <a:solidFill>
+              <a:srgbClr val="000000">
+                <a:alpha val="100000"/>
+              </a:srgbClr>
+            </a:solidFill>
+            <a:prstDash val="solid"/>
+          </a:ln>
+        </c:spPr>
+        <c:numFmt formatCode="0%" sourceLinked="0"/>
+        <c:crossAx val="64451712"/>
+        <c:crosses val="autoZero"/>
+      </c:valAx>
+    </c:plotArea>
+    <c:legend>
+      <c:legendPos val="b"/>
+      <c:layout/>
+      <c:overlay val="0"/>
+      <c:txPr xmlns:c="http://schemas.openxmlformats.org/drawingml/2006/chart" xmlns:a="http://schemas.openxmlformats.org/drawingml/2006/main">
+        <a:bodyPr/>
+        <a:lstStyle/>
+        <a:p>
+          <a:pPr>
+            <a:defRPr cap="none" sz="900" i="0" b="0" u="none">
+              <a:solidFill>
+                <a:srgbClr val="000000">
+                  <a:alpha val="100000"/>
+                </a:srgbClr>
+              </a:solidFill>
+              <a:latin typeface="Calibri"/>
+              <a:cs typeface="Calibri"/>
+              <a:ea typeface="Calibri"/>
+              <a:sym typeface="Calibri"/>
+            </a:defRPr>
+          </a:pPr>
+        </a:p>
+      </c:txPr>
+    </c:legend>
+    <c:plotVisOnly val="1"/>
+    <c:dispBlanksAs val="gap"/>
+    <c:showDLblsOverMax val="0"/>
+  </c:chart>
+  <c:txPr>
+    <a:bodyPr/>
+    <a:lstStyle/>
+    <a:p>
+      <a:pPr>
+        <a:defRPr sz="1800"/>
+      </a:pPr>
+      <a:endParaRPr lang="fr-FR"/>
+    </a:p>
+  </c:txPr>
+  <c:externalData r:id="rId1">
+    <c:autoUpdate val="0"/>
+  </c:externalData>
+</c:chartSpace>
+</file>
+
+<file path=ppt/charts/chartc706f9def9.xml><?xml version="1.0" encoding="utf-8"?>
+<c:chartSpace xmlns:c="http://schemas.openxmlformats.org/drawingml/2006/chart" xmlns:a="http://schemas.openxmlformats.org/drawingml/2006/main" xmlns:r="http://schemas.openxmlformats.org/officeDocument/2006/relationships">
+  <c:date1904 val="0"/>
+  <c:lang val="fr-FR"/>
+  <c:roundedCorners val="0"/>
+  <mc:AlternateContent xmlns:mc="http://schemas.openxmlformats.org/markup-compatibility/2006">
+    <mc:Choice xmlns:c14="http://schemas.microsoft.com/office/drawing/2007/8/2/chart" Requires="c14">
+      <c14:style val="118"/>
+    </mc:Choice>
+    <mc:Fallback>
+      <c:style val="18"/>
+    </mc:Fallback>
+  </mc:AlternateContent>
+  <c:chart>
+    <c:title xmlns:c="http://schemas.openxmlformats.org/drawingml/2006/chart" xmlns:a="http://schemas.openxmlformats.org/drawingml/2006/main" xmlns:r="http://schemas.openxmlformats.org/officeDocument/2006/relationships">
+      <c:tx>
+        <c:rich>
+          <a:bodyPr/>
+          <a:lstStyle/>
+          <a:p>
+            <a:pPr>
+              <a:defRPr/>
+            </a:pPr>
+            <a:r>
+              <a:rPr cap="none" sz="900" i="0" b="1" u="none">
+                <a:solidFill>
+                  <a:srgbClr val="000000">
+                    <a:alpha val="100000"/>
+                  </a:srgbClr>
+                </a:solidFill>
+                <a:latin typeface="Calibri"/>
+                <a:cs typeface="Calibri"/>
+                <a:ea typeface="Calibri"/>
+                <a:sym typeface="Calibri"/>
+              </a:rPr>
+              <a:t>Variant 10</a:t>
+            </a:r>
+          </a:p>
+        </c:rich>
+      </c:tx>
+      <c:layout/>
+      <c:overlay val="0"/>
+    </c:title>
+    <c:autoTitleDeleted val="0"/>
+    <c:plotArea xmlns:c="http://schemas.openxmlformats.org/drawingml/2006/chart" xmlns:a="http://schemas.openxmlformats.org/drawingml/2006/main" xmlns:r="http://schemas.openxmlformats.org/officeDocument/2006/relationships">
+      <c:layout/>
+      <c:barChart>
+        <c:barDir val="col"/>
+        <c:grouping val="clustered"/>
+        <c:varyColors val="0"/>
+        <c:ser>
+          <c:idx val="0"/>
+          <c:order val="0"/>
+          <c:tx>
+            <c:strRef>
+              <c:f>sheet1!$B$1</c:f>
+              <c:strCache>
+                <c:ptCount val="1"/>
+                <c:pt idx="0">
+                  <c:v>Zandwijk</c:v>
+                </c:pt>
+              </c:strCache>
+            </c:strRef>
+          </c:tx>
+          <c:spPr>
+            <a:solidFill>
+              <a:srgbClr val="005C96">
+                <a:alpha val="100000"/>
+              </a:srgbClr>
+            </a:solidFill>
+            <a:ln w="25400">
+              <a:solidFill>
+                <a:srgbClr val="FFFFFF">
+                  <a:alpha val="0"/>
+                </a:srgbClr>
+              </a:solidFill>
+            </a:ln>
+            <a:effectLst/>
+          </c:spPr>
+          <c:invertIfNegative val="0"/>
+          <c:dLbls>
+            <c:dLblPos val="outEnd"/>
+            <c:numFmt formatCode="0%" sourceLinked="0"/>
+            <c:separator val=", "/>
+            <c:showBubbleSize val="0"/>
+            <c:showCatName val="0"/>
+            <c:showLegendKey val="0"/>
+            <c:showPercent val="0"/>
+            <c:showSerName val="0"/>
+            <c:showVal val="1"/>
+            <c:txPr>
+              <a:bodyPr/>
+              <a:lstStyle/>
+              <a:p>
+                <a:pPr>
+                  <a:defRPr cap="none" sz="800" i="0" b="0" u="none">
+                    <a:solidFill>
+                      <a:srgbClr val="000000">
+                        <a:alpha val="100000"/>
+                      </a:srgbClr>
+                    </a:solidFill>
+                    <a:latin typeface="Calibri"/>
+                    <a:cs typeface="Calibri"/>
+                    <a:ea typeface="Calibri"/>
+                    <a:sym typeface="Calibri"/>
+                  </a:defRPr>
+                </a:pPr>
+              </a:p>
+            </c:txPr>
+          </c:dLbls>
+          <c:cat>
+            <c:strRef>
+              <c:f>sheet1!$A$2:$A$7</c:f>
+              <c:strCache>
+                <c:ptCount val="6"/>
+                <c:pt idx="0">
+                  <c:v>Heeft psychische klachten (Klas 2)</c:v>
+                </c:pt>
+                <c:pt idx="1">
+                  <c:v>Heeft psychische klachten (Klas 4)</c:v>
+                </c:pt>
+                <c:pt idx="2">
+                  <c:v>Geeft geen mantelzorg (Klas 2)</c:v>
+                </c:pt>
+                <c:pt idx="3">
+                  <c:v>Geeft geen mantelzorg (Klas 4)</c:v>
+                </c:pt>
+                <c:pt idx="4">
+                  <c:v>Heeft een zeer goede gezondheid (Klas 2)</c:v>
+                </c:pt>
+                <c:pt idx="5">
+                  <c:v>Heeft een zeer goede gezondheid (Klas 4)</c:v>
+                </c:pt>
+              </c:strCache>
+            </c:strRef>
+          </c:cat>
+          <c:val>
+            <c:numRef>
+              <c:f>sheet1!$B$2:$B$7</c:f>
+              <c:numCache>
+                <c:ptCount val="6"/>
+                <c:pt idx="0">
+                  <c:v>0.2994161</c:v>
+                </c:pt>
+                <c:pt idx="1">
+                  <c:v>0.2597708</c:v>
+                </c:pt>
+                <c:pt idx="2">
+                  <c:v>0.8586191</c:v>
+                </c:pt>
+                <c:pt idx="3">
+                  <c:v>0.8596716</c:v>
+                </c:pt>
+                <c:pt idx="4">
+                  <c:v>0.3294875</c:v>
+                </c:pt>
+                <c:pt idx="5">
+                  <c:v>0.2921700</c:v>
+                </c:pt>
+              </c:numCache>
+            </c:numRef>
+          </c:val>
+        </c:ser>
+        <c:ser>
+          <c:idx val="1"/>
+          <c:order val="1"/>
+          <c:tx>
+            <c:strRef>
+              <c:f>sheet1!$C$1</c:f>
+              <c:strCache>
+                <c:ptCount val="1"/>
+                <c:pt idx="0">
+                  <c:v>Nederland</c:v>
+                </c:pt>
+              </c:strCache>
+            </c:strRef>
+          </c:tx>
+          <c:spPr>
+            <a:solidFill>
+              <a:srgbClr val="E54800">
+                <a:alpha val="100000"/>
+              </a:srgbClr>
+            </a:solidFill>
+            <a:ln w="25400">
+              <a:solidFill>
+                <a:srgbClr val="FFFFFF">
+                  <a:alpha val="0"/>
+                </a:srgbClr>
+              </a:solidFill>
+            </a:ln>
+            <a:effectLst/>
+          </c:spPr>
+          <c:invertIfNegative val="0"/>
+          <c:dLbls>
+            <c:dLblPos val="outEnd"/>
+            <c:numFmt formatCode="0%" sourceLinked="0"/>
+            <c:separator val=", "/>
+            <c:showBubbleSize val="0"/>
+            <c:showCatName val="0"/>
+            <c:showLegendKey val="0"/>
+            <c:showPercent val="0"/>
+            <c:showSerName val="0"/>
+            <c:showVal val="1"/>
+            <c:txPr>
+              <a:bodyPr/>
+              <a:lstStyle/>
+              <a:p>
+                <a:pPr>
+                  <a:defRPr cap="none" sz="800" i="0" b="0" u="none">
+                    <a:solidFill>
+                      <a:srgbClr val="000000">
+                        <a:alpha val="100000"/>
+                      </a:srgbClr>
+                    </a:solidFill>
+                    <a:latin typeface="Calibri"/>
+                    <a:cs typeface="Calibri"/>
+                    <a:ea typeface="Calibri"/>
+                    <a:sym typeface="Calibri"/>
+                  </a:defRPr>
+                </a:pPr>
+              </a:p>
+            </c:txPr>
+          </c:dLbls>
+          <c:cat>
+            <c:strRef>
+              <c:f>sheet1!$A$2:$A$7</c:f>
+              <c:strCache>
+                <c:ptCount val="6"/>
+                <c:pt idx="0">
+                  <c:v>Heeft psychische klachten (Klas 2)</c:v>
+                </c:pt>
+                <c:pt idx="1">
+                  <c:v>Heeft psychische klachten (Klas 4)</c:v>
+                </c:pt>
+                <c:pt idx="2">
+                  <c:v>Geeft geen mantelzorg (Klas 2)</c:v>
+                </c:pt>
+                <c:pt idx="3">
+                  <c:v>Geeft geen mantelzorg (Klas 4)</c:v>
+                </c:pt>
+                <c:pt idx="4">
+                  <c:v>Heeft een zeer goede gezondheid (Klas 2)</c:v>
+                </c:pt>
+                <c:pt idx="5">
+                  <c:v>Heeft een zeer goede gezondheid (Klas 4)</c:v>
+                </c:pt>
+              </c:strCache>
+            </c:strRef>
+          </c:cat>
+          <c:val>
+            <c:numRef>
+              <c:f>sheet1!$C$2:$C$7</c:f>
+              <c:numCache>
+                <c:ptCount val="6"/>
+                <c:pt idx="0">
+                  <c:v>0.2818699</c:v>
+                </c:pt>
+                <c:pt idx="1">
+                  <c:v>0.2738343</c:v>
+                </c:pt>
+                <c:pt idx="2">
+                  <c:v>0.8523787</c:v>
+                </c:pt>
+                <c:pt idx="3">
+                  <c:v>0.8516908</c:v>
+                </c:pt>
+                <c:pt idx="4">
+                  <c:v>0.3191411</c:v>
+                </c:pt>
+                <c:pt idx="5">
+                  <c:v>0.2939317</c:v>
+                </c:pt>
+              </c:numCache>
+            </c:numRef>
+          </c:val>
+        </c:ser>
+        <c:dLbls>
+          <c:dLblPos val="outEnd"/>
+          <c:numFmt formatCode="0%" sourceLinked="0"/>
+          <c:separator val=", "/>
+          <c:showBubbleSize val="0"/>
+          <c:showCatName val="0"/>
+          <c:showLegendKey val="0"/>
+          <c:showPercent val="0"/>
+          <c:showSerName val="0"/>
+          <c:showVal val="1"/>
+        </c:dLbls>
+        <c:gapWidth val="150"/>
+        <c:overlap val="0"/>
+        <c:axId val="64451712"/>
+        <c:axId val="64453248"/>
+      </c:barChart>
+      <c:catAx>
+        <c:axId val="64451712"/>
+        <c:scaling>
+          <c:orientation val="minMax"/>
+        </c:scaling>
+        <c:delete val="0"/>
+        <c:axPos val="l"/>
+        <c:majorTickMark val="none"/>
+        <c:minorTickMark val="none"/>
+        <c:tickLblPos val="nextTo"/>
+        <c:txPr>
+          <a:bodyPr rot="0" vert="horz"/>
+          <a:lstStyle/>
+          <a:p>
+            <a:pPr>
+              <a:defRPr cap="none" sz="800" i="0" b="0" u="none">
+                <a:solidFill>
+                  <a:srgbClr val="000000">
+                    <a:alpha val="100000"/>
+                  </a:srgbClr>
+                </a:solidFill>
+                <a:latin typeface="Calibri"/>
+                <a:cs typeface="Calibri"/>
+                <a:ea typeface="Calibri"/>
+                <a:sym typeface="Calibri"/>
+              </a:defRPr>
+            </a:pPr>
+          </a:p>
+        </c:txPr>
+        <c:spPr>
+          <a:ln algn="ctr" w="12700">
+            <a:solidFill>
+              <a:srgbClr val="000000">
+                <a:alpha val="100000"/>
+              </a:srgbClr>
+            </a:solidFill>
+            <a:prstDash val="solid"/>
+          </a:ln>
+        </c:spPr>
+        <c:numFmt formatCode="General" sourceLinked="0"/>
+        <c:crossAx val="64453248"/>
+        <c:crosses val="autoZero"/>
+      </c:catAx>
+      <c:valAx>
+        <c:axId val="64453248"/>
+        <c:scaling>
+          <c:orientation val="minMax"/>
+          <c:max val="1.00"/>
+          <c:min val="0.00"/>
+        </c:scaling>
+        <c:delete val="0"/>
+        <c:axPos val="l"/>
+        <c:majorTickMark val="none"/>
+        <c:minorTickMark val="none"/>
+        <c:tickLblPos val="nextTo"/>
+        <c:txPr>
+          <a:bodyPr rot="0" vert="horz"/>
+          <a:lstStyle/>
+          <a:p>
+            <a:pPr>
+              <a:defRPr cap="none" sz="900" i="0" b="0" u="none">
+                <a:solidFill>
+                  <a:srgbClr val="000000">
+                    <a:alpha val="100000"/>
+                  </a:srgbClr>
+                </a:solidFill>
+                <a:latin typeface="Calibri"/>
+                <a:cs typeface="Calibri"/>
+                <a:ea typeface="Calibri"/>
+                <a:sym typeface="Calibri"/>
+              </a:defRPr>
+            </a:pPr>
+          </a:p>
+        </c:txPr>
+        <c:spPr>
+          <a:ln algn="ctr" w="12700">
+            <a:solidFill>
+              <a:srgbClr val="000000">
+                <a:alpha val="100000"/>
+              </a:srgbClr>
+            </a:solidFill>
+            <a:prstDash val="solid"/>
+          </a:ln>
+        </c:spPr>
+        <c:numFmt formatCode="0%" sourceLinked="0"/>
+        <c:crossAx val="64451712"/>
+        <c:crosses val="autoZero"/>
+      </c:valAx>
+    </c:plotArea>
+    <c:legend>
+      <c:legendPos val="b"/>
+      <c:layout/>
+      <c:overlay val="0"/>
+      <c:txPr xmlns:c="http://schemas.openxmlformats.org/drawingml/2006/chart" xmlns:a="http://schemas.openxmlformats.org/drawingml/2006/main">
+        <a:bodyPr/>
+        <a:lstStyle/>
+        <a:p>
+          <a:pPr>
+            <a:defRPr cap="none" sz="900" i="0" b="0" u="none">
+              <a:solidFill>
+                <a:srgbClr val="000000">
+                  <a:alpha val="100000"/>
+                </a:srgbClr>
+              </a:solidFill>
+              <a:latin typeface="Calibri"/>
+              <a:cs typeface="Calibri"/>
+              <a:ea typeface="Calibri"/>
+              <a:sym typeface="Calibri"/>
+            </a:defRPr>
+          </a:pPr>
+        </a:p>
+      </c:txPr>
+    </c:legend>
+    <c:plotVisOnly val="1"/>
+    <c:dispBlanksAs val="gap"/>
+    <c:showDLblsOverMax val="0"/>
+  </c:chart>
+  <c:txPr>
+    <a:bodyPr/>
+    <a:lstStyle/>
+    <a:p>
+      <a:pPr>
+        <a:defRPr sz="1800"/>
+      </a:pPr>
+      <a:endParaRPr lang="fr-FR"/>
+    </a:p>
+  </c:txPr>
+  <c:externalData r:id="rId1">
+    <c:autoUpdate val="0"/>
+  </c:externalData>
+</c:chartSpace>
+</file>
+
+<file path=ppt/charts/chartc707217d64.xml><?xml version="1.0" encoding="utf-8"?>
+<c:chartSpace xmlns:c="http://schemas.openxmlformats.org/drawingml/2006/chart" xmlns:a="http://schemas.openxmlformats.org/drawingml/2006/main" xmlns:r="http://schemas.openxmlformats.org/officeDocument/2006/relationships">
+  <c:date1904 val="0"/>
+  <c:lang val="fr-FR"/>
+  <c:roundedCorners val="0"/>
+  <mc:AlternateContent xmlns:mc="http://schemas.openxmlformats.org/markup-compatibility/2006">
+    <mc:Choice xmlns:c14="http://schemas.microsoft.com/office/drawing/2007/8/2/chart" Requires="c14">
+      <c14:style val="118"/>
+    </mc:Choice>
+    <mc:Fallback>
+      <c:style val="18"/>
+    </mc:Fallback>
+  </mc:AlternateContent>
+  <c:chart>
+    <c:title xmlns:c="http://schemas.openxmlformats.org/drawingml/2006/chart" xmlns:a="http://schemas.openxmlformats.org/drawingml/2006/main" xmlns:r="http://schemas.openxmlformats.org/officeDocument/2006/relationships">
+      <c:tx>
+        <c:rich>
+          <a:bodyPr/>
+          <a:lstStyle/>
+          <a:p>
+            <a:pPr>
+              <a:defRPr/>
+            </a:pPr>
+            <a:r>
+              <a:rPr cap="none" sz="900" i="0" b="1" u="none">
+                <a:solidFill>
+                  <a:srgbClr val="000000">
+                    <a:alpha val="100000"/>
+                  </a:srgbClr>
+                </a:solidFill>
+                <a:latin typeface="Calibri"/>
+                <a:cs typeface="Calibri"/>
+                <a:ea typeface="Calibri"/>
+                <a:sym typeface="Calibri"/>
+              </a:rPr>
+              <a:t>Variant 14</a:t>
+            </a:r>
+          </a:p>
+        </c:rich>
+      </c:tx>
+      <c:layout/>
+      <c:overlay val="0"/>
+    </c:title>
+    <c:autoTitleDeleted val="0"/>
+    <c:plotArea xmlns:c="http://schemas.openxmlformats.org/drawingml/2006/chart" xmlns:a="http://schemas.openxmlformats.org/drawingml/2006/main" xmlns:r="http://schemas.openxmlformats.org/officeDocument/2006/relationships">
+      <c:layout/>
+      <c:barChart>
+        <c:barDir val="col"/>
+        <c:grouping val="clustered"/>
+        <c:varyColors val="0"/>
+        <c:ser>
+          <c:idx val="0"/>
+          <c:order val="0"/>
+          <c:tx>
+            <c:strRef>
+              <c:f>sheet1!$B$1</c:f>
+              <c:strCache>
+                <c:ptCount val="1"/>
+                <c:pt idx="0">
+                  <c:v>Jongen</c:v>
+                </c:pt>
+              </c:strCache>
+            </c:strRef>
+          </c:tx>
+          <c:spPr>
+            <a:solidFill>
+              <a:srgbClr val="005C96">
+                <a:alpha val="100000"/>
+              </a:srgbClr>
+            </a:solidFill>
+            <a:ln w="25400">
+              <a:solidFill>
+                <a:srgbClr val="FFFFFF">
+                  <a:alpha val="0"/>
+                </a:srgbClr>
+              </a:solidFill>
+            </a:ln>
+            <a:effectLst/>
+          </c:spPr>
+          <c:invertIfNegative val="0"/>
+          <c:dLbls>
+            <c:dLblPos val="outEnd"/>
+            <c:numFmt formatCode="0%" sourceLinked="0"/>
+            <c:separator val=", "/>
+            <c:showBubbleSize val="0"/>
+            <c:showCatName val="0"/>
+            <c:showLegendKey val="0"/>
+            <c:showPercent val="0"/>
+            <c:showSerName val="0"/>
+            <c:showVal val="1"/>
+            <c:txPr>
+              <a:bodyPr/>
+              <a:lstStyle/>
+              <a:p>
+                <a:pPr>
+                  <a:defRPr cap="none" sz="800" i="0" b="0" u="none">
+                    <a:solidFill>
+                      <a:srgbClr val="000000">
+                        <a:alpha val="100000"/>
+                      </a:srgbClr>
+                    </a:solidFill>
+                    <a:latin typeface="Calibri"/>
+                    <a:cs typeface="Calibri"/>
+                    <a:ea typeface="Calibri"/>
+                    <a:sym typeface="Calibri"/>
+                  </a:defRPr>
+                </a:pPr>
+              </a:p>
+            </c:txPr>
+          </c:dLbls>
+          <c:cat>
+            <c:strRef>
+              <c:f>sheet1!$A$2:$A$2</c:f>
+              <c:strCache>
+                <c:ptCount val="1"/>
+                <c:pt idx="0">
+                  <c:v>Zandwijk</c:v>
+                </c:pt>
+              </c:strCache>
+            </c:strRef>
+          </c:cat>
+          <c:val>
+            <c:numRef>
+              <c:f>sheet1!$B$2:$B$2</c:f>
+              <c:numCache>
+                <c:ptCount val="1"/>
+                <c:pt idx="0">
+                  <c:v>0.2885178</c:v>
+                </c:pt>
+              </c:numCache>
+            </c:numRef>
+          </c:val>
+        </c:ser>
+        <c:ser>
+          <c:idx val="1"/>
+          <c:order val="1"/>
+          <c:tx>
+            <c:strRef>
+              <c:f>sheet1!$C$1</c:f>
+              <c:strCache>
+                <c:ptCount val="1"/>
+                <c:pt idx="0">
+                  <c:v>Meisje</c:v>
+                </c:pt>
+              </c:strCache>
+            </c:strRef>
+          </c:tx>
+          <c:spPr>
+            <a:solidFill>
+              <a:srgbClr val="6FC7FF">
+                <a:alpha val="100000"/>
+              </a:srgbClr>
+            </a:solidFill>
+            <a:ln w="25400">
+              <a:solidFill>
+                <a:srgbClr val="FFFFFF">
+                  <a:alpha val="0"/>
+                </a:srgbClr>
+              </a:solidFill>
+            </a:ln>
+            <a:effectLst/>
+          </c:spPr>
+          <c:invertIfNegative val="0"/>
+          <c:dLbls>
+            <c:dLblPos val="outEnd"/>
+            <c:numFmt formatCode="0%" sourceLinked="0"/>
+            <c:separator val=", "/>
+            <c:showBubbleSize val="0"/>
+            <c:showCatName val="0"/>
+            <c:showLegendKey val="0"/>
+            <c:showPercent val="0"/>
+            <c:showSerName val="0"/>
+            <c:showVal val="1"/>
+            <c:txPr>
+              <a:bodyPr/>
+              <a:lstStyle/>
+              <a:p>
+                <a:pPr>
+                  <a:defRPr cap="none" sz="800" i="0" b="0" u="none">
+                    <a:solidFill>
+                      <a:srgbClr val="000000">
+                        <a:alpha val="100000"/>
+                      </a:srgbClr>
+                    </a:solidFill>
+                    <a:latin typeface="Calibri"/>
+                    <a:cs typeface="Calibri"/>
+                    <a:ea typeface="Calibri"/>
+                    <a:sym typeface="Calibri"/>
+                  </a:defRPr>
+                </a:pPr>
+              </a:p>
+            </c:txPr>
+          </c:dLbls>
+          <c:cat>
+            <c:strRef>
+              <c:f>sheet1!$A$2:$A$2</c:f>
+              <c:strCache>
+                <c:ptCount val="1"/>
+                <c:pt idx="0">
+                  <c:v>Zandwijk</c:v>
+                </c:pt>
+              </c:strCache>
+            </c:strRef>
+          </c:cat>
+          <c:val>
+            <c:numRef>
+              <c:f>sheet1!$C$2:$C$2</c:f>
+              <c:numCache>
+                <c:ptCount val="1"/>
+                <c:pt idx="0">
+                  <c:v>0.2690928</c:v>
+                </c:pt>
+              </c:numCache>
+            </c:numRef>
+          </c:val>
+        </c:ser>
+        <c:ser>
+          <c:idx val="2"/>
+          <c:order val="2"/>
+          <c:tx>
+            <c:strRef>
+              <c:f>sheet1!$D$1</c:f>
+              <c:strCache>
+                <c:ptCount val="1"/>
+                <c:pt idx="0">
+                  <c:v>Klas 2</c:v>
+                </c:pt>
+              </c:strCache>
+            </c:strRef>
+          </c:tx>
+          <c:spPr>
+            <a:solidFill>
+              <a:srgbClr val="E54800">
+                <a:alpha val="100000"/>
+              </a:srgbClr>
+            </a:solidFill>
+            <a:ln w="25400">
+              <a:solidFill>
+                <a:srgbClr val="FFFFFF">
+                  <a:alpha val="0"/>
+                </a:srgbClr>
+              </a:solidFill>
+            </a:ln>
+            <a:effectLst/>
+          </c:spPr>
+          <c:invertIfNegative val="0"/>
+          <c:dLbls>
+            <c:dLblPos val="outEnd"/>
+            <c:numFmt formatCode="0%" sourceLinked="0"/>
+            <c:separator val=", "/>
+            <c:showBubbleSize val="0"/>
+            <c:showCatName val="0"/>
+            <c:showLegendKey val="0"/>
+            <c:showPercent val="0"/>
+            <c:showSerName val="0"/>
+            <c:showVal val="1"/>
+            <c:txPr>
+              <a:bodyPr/>
+              <a:lstStyle/>
+              <a:p>
+                <a:pPr>
+                  <a:defRPr cap="none" sz="800" i="0" b="0" u="none">
+                    <a:solidFill>
+                      <a:srgbClr val="000000">
+                        <a:alpha val="100000"/>
+                      </a:srgbClr>
+                    </a:solidFill>
+                    <a:latin typeface="Calibri"/>
+                    <a:cs typeface="Calibri"/>
+                    <a:ea typeface="Calibri"/>
+                    <a:sym typeface="Calibri"/>
+                  </a:defRPr>
+                </a:pPr>
+              </a:p>
+            </c:txPr>
+          </c:dLbls>
+          <c:cat>
+            <c:strRef>
+              <c:f>sheet1!$A$2:$A$2</c:f>
+              <c:strCache>
+                <c:ptCount val="1"/>
+                <c:pt idx="0">
+                  <c:v>Zandwijk</c:v>
+                </c:pt>
+              </c:strCache>
+            </c:strRef>
+          </c:cat>
+          <c:val>
+            <c:numRef>
+              <c:f>sheet1!$D$2:$D$2</c:f>
+              <c:numCache>
+                <c:ptCount val="1"/>
+                <c:pt idx="0">
+                  <c:v>0.2994161</c:v>
+                </c:pt>
+              </c:numCache>
+            </c:numRef>
+          </c:val>
+        </c:ser>
+        <c:ser>
+          <c:idx val="3"/>
+          <c:order val="3"/>
+          <c:tx>
+            <c:strRef>
+              <c:f>sheet1!$E$1</c:f>
+              <c:strCache>
+                <c:ptCount val="1"/>
+                <c:pt idx="0">
+                  <c:v>Klas 4</c:v>
+                </c:pt>
+              </c:strCache>
+            </c:strRef>
+          </c:tx>
+          <c:spPr>
+            <a:solidFill>
+              <a:srgbClr val="FFB18E">
+                <a:alpha val="100000"/>
+              </a:srgbClr>
+            </a:solidFill>
+            <a:ln w="25400">
+              <a:solidFill>
+                <a:srgbClr val="FFFFFF">
+                  <a:alpha val="0"/>
+                </a:srgbClr>
+              </a:solidFill>
+            </a:ln>
+            <a:effectLst/>
+          </c:spPr>
+          <c:invertIfNegative val="0"/>
+          <c:dLbls>
+            <c:dLblPos val="outEnd"/>
+            <c:numFmt formatCode="0%" sourceLinked="0"/>
+            <c:separator val=", "/>
+            <c:showBubbleSize val="0"/>
+            <c:showCatName val="0"/>
+            <c:showLegendKey val="0"/>
+            <c:showPercent val="0"/>
+            <c:showSerName val="0"/>
+            <c:showVal val="1"/>
+            <c:txPr>
+              <a:bodyPr/>
+              <a:lstStyle/>
+              <a:p>
+                <a:pPr>
+                  <a:defRPr cap="none" sz="800" i="0" b="0" u="none">
+                    <a:solidFill>
+                      <a:srgbClr val="000000">
+                        <a:alpha val="100000"/>
+                      </a:srgbClr>
+                    </a:solidFill>
+                    <a:latin typeface="Calibri"/>
+                    <a:cs typeface="Calibri"/>
+                    <a:ea typeface="Calibri"/>
+                    <a:sym typeface="Calibri"/>
+                  </a:defRPr>
+                </a:pPr>
+              </a:p>
+            </c:txPr>
+          </c:dLbls>
+          <c:cat>
+            <c:strRef>
+              <c:f>sheet1!$A$2:$A$2</c:f>
+              <c:strCache>
+                <c:ptCount val="1"/>
+                <c:pt idx="0">
+                  <c:v>Zandwijk</c:v>
+                </c:pt>
+              </c:strCache>
+            </c:strRef>
+          </c:cat>
+          <c:val>
+            <c:numRef>
+              <c:f>sheet1!$E$2:$E$2</c:f>
+              <c:numCache>
+                <c:ptCount val="1"/>
+                <c:pt idx="0">
+                  <c:v>0.2597708</c:v>
+                </c:pt>
+              </c:numCache>
+            </c:numRef>
+          </c:val>
+        </c:ser>
+        <c:dLbls>
+          <c:dLblPos val="outEnd"/>
+          <c:numFmt formatCode="0%" sourceLinked="0"/>
+          <c:separator val=", "/>
+          <c:showBubbleSize val="0"/>
+          <c:showCatName val="0"/>
+          <c:showLegendKey val="0"/>
+          <c:showPercent val="0"/>
+          <c:showSerName val="0"/>
+          <c:showVal val="1"/>
+        </c:dLbls>
+        <c:gapWidth val="150"/>
+        <c:overlap val="0"/>
+        <c:axId val="64451712"/>
+        <c:axId val="64453248"/>
+      </c:barChart>
+      <c:catAx>
+        <c:axId val="64451712"/>
+        <c:scaling>
+          <c:orientation val="minMax"/>
+        </c:scaling>
+        <c:delete val="0"/>
+        <c:axPos val="l"/>
+        <c:majorTickMark val="none"/>
+        <c:minorTickMark val="none"/>
+        <c:tickLblPos val="nextTo"/>
+        <c:txPr>
+          <a:bodyPr rot="0" vert="horz"/>
+          <a:lstStyle/>
+          <a:p>
+            <a:pPr>
+              <a:defRPr cap="none" sz="800" i="0" b="0" u="none">
+                <a:solidFill>
+                  <a:srgbClr val="000000">
+                    <a:alpha val="100000"/>
+                  </a:srgbClr>
+                </a:solidFill>
+                <a:latin typeface="Calibri"/>
+                <a:cs typeface="Calibri"/>
+                <a:ea typeface="Calibri"/>
+                <a:sym typeface="Calibri"/>
+              </a:defRPr>
+            </a:pPr>
+          </a:p>
+        </c:txPr>
+        <c:spPr>
+          <a:ln algn="ctr" w="12700">
+            <a:solidFill>
+              <a:srgbClr val="000000">
+                <a:alpha val="100000"/>
+              </a:srgbClr>
+            </a:solidFill>
+            <a:prstDash val="solid"/>
+          </a:ln>
+        </c:spPr>
+        <c:numFmt formatCode="General" sourceLinked="0"/>
+        <c:crossAx val="64453248"/>
+        <c:crosses val="autoZero"/>
+      </c:catAx>
+      <c:valAx>
+        <c:axId val="64453248"/>
+        <c:scaling>
+          <c:orientation val="minMax"/>
+          <c:max val="1.00"/>
+          <c:min val="0.00"/>
+        </c:scaling>
+        <c:delete val="0"/>
+        <c:axPos val="l"/>
+        <c:majorTickMark val="none"/>
+        <c:minorTickMark val="none"/>
+        <c:tickLblPos val="nextTo"/>
+        <c:txPr>
+          <a:bodyPr rot="0" vert="horz"/>
+          <a:lstStyle/>
+          <a:p>
+            <a:pPr>
+              <a:defRPr cap="none" sz="900" i="0" b="0" u="none">
+                <a:solidFill>
+                  <a:srgbClr val="000000">
+                    <a:alpha val="100000"/>
+                  </a:srgbClr>
+                </a:solidFill>
+                <a:latin typeface="Calibri"/>
+                <a:cs typeface="Calibri"/>
+                <a:ea typeface="Calibri"/>
+                <a:sym typeface="Calibri"/>
+              </a:defRPr>
+            </a:pPr>
+          </a:p>
+        </c:txPr>
+        <c:spPr>
+          <a:ln algn="ctr" w="12700">
+            <a:solidFill>
+              <a:srgbClr val="000000">
+                <a:alpha val="100000"/>
+              </a:srgbClr>
+            </a:solidFill>
+            <a:prstDash val="solid"/>
+          </a:ln>
+        </c:spPr>
+        <c:numFmt formatCode="0%" sourceLinked="0"/>
+        <c:crossAx val="64451712"/>
+        <c:crosses val="autoZero"/>
+      </c:valAx>
+    </c:plotArea>
+    <c:legend>
+      <c:legendPos val="b"/>
+      <c:layout/>
+      <c:overlay val="0"/>
+      <c:txPr xmlns:c="http://schemas.openxmlformats.org/drawingml/2006/chart" xmlns:a="http://schemas.openxmlformats.org/drawingml/2006/main">
+        <a:bodyPr/>
+        <a:lstStyle/>
+        <a:p>
+          <a:pPr>
+            <a:defRPr cap="none" sz="900" i="0" b="0" u="none">
+              <a:solidFill>
+                <a:srgbClr val="000000">
+                  <a:alpha val="100000"/>
+                </a:srgbClr>
+              </a:solidFill>
+              <a:latin typeface="Calibri"/>
+              <a:cs typeface="Calibri"/>
+              <a:ea typeface="Calibri"/>
+              <a:sym typeface="Calibri"/>
+            </a:defRPr>
+          </a:pPr>
+        </a:p>
+      </c:txPr>
+    </c:legend>
+    <c:plotVisOnly val="1"/>
+    <c:dispBlanksAs val="gap"/>
+    <c:showDLblsOverMax val="0"/>
+  </c:chart>
+  <c:txPr>
+    <a:bodyPr/>
+    <a:lstStyle/>
+    <a:p>
+      <a:pPr>
+        <a:defRPr sz="1800"/>
+      </a:pPr>
+      <a:endParaRPr lang="fr-FR"/>
+    </a:p>
+  </c:txPr>
+  <c:externalData r:id="rId1">
+    <c:autoUpdate val="0"/>
+  </c:externalData>
+</c:chartSpace>
+</file>
+
+<file path=ppt/charts/chartc707490bcf.xml><?xml version="1.0" encoding="utf-8"?>
+<c:chartSpace xmlns:c="http://schemas.openxmlformats.org/drawingml/2006/chart" xmlns:a="http://schemas.openxmlformats.org/drawingml/2006/main" xmlns:r="http://schemas.openxmlformats.org/officeDocument/2006/relationships">
+  <c:date1904 val="0"/>
+  <c:lang val="fr-FR"/>
+  <c:roundedCorners val="0"/>
+  <mc:AlternateContent xmlns:mc="http://schemas.openxmlformats.org/markup-compatibility/2006">
+    <mc:Choice xmlns:c14="http://schemas.microsoft.com/office/drawing/2007/8/2/chart" Requires="c14">
+      <c14:style val="118"/>
+    </mc:Choice>
+    <mc:Fallback>
+      <c:style val="18"/>
+    </mc:Fallback>
+  </mc:AlternateContent>
+  <c:chart>
+    <c:title xmlns:c="http://schemas.openxmlformats.org/drawingml/2006/chart" xmlns:a="http://schemas.openxmlformats.org/drawingml/2006/main" xmlns:r="http://schemas.openxmlformats.org/officeDocument/2006/relationships">
+      <c:tx>
+        <c:rich>
+          <a:bodyPr/>
+          <a:lstStyle/>
+          <a:p>
+            <a:pPr>
+              <a:defRPr/>
+            </a:pPr>
+            <a:r>
+              <a:rPr cap="none" sz="900" i="0" b="1" u="none">
+                <a:solidFill>
+                  <a:srgbClr val="000000">
+                    <a:alpha val="100000"/>
+                  </a:srgbClr>
+                </a:solidFill>
+                <a:latin typeface="Calibri"/>
+                <a:cs typeface="Calibri"/>
+                <a:ea typeface="Calibri"/>
+                <a:sym typeface="Calibri"/>
+              </a:rPr>
+              <a:t>Variant 18</a:t>
+            </a:r>
+          </a:p>
+        </c:rich>
+      </c:tx>
+      <c:layout/>
+      <c:overlay val="0"/>
+    </c:title>
+    <c:autoTitleDeleted val="0"/>
+    <c:plotArea xmlns:c="http://schemas.openxmlformats.org/drawingml/2006/chart" xmlns:a="http://schemas.openxmlformats.org/drawingml/2006/main" xmlns:r="http://schemas.openxmlformats.org/officeDocument/2006/relationships">
+      <c:layout/>
+      <c:barChart>
+        <c:barDir val="col"/>
+        <c:grouping val="clustered"/>
+        <c:varyColors val="0"/>
+        <c:ser>
+          <c:idx val="0"/>
+          <c:order val="0"/>
+          <c:tx>
+            <c:strRef>
+              <c:f>sheet1!$B$1</c:f>
+              <c:strCache>
+                <c:ptCount val="1"/>
+                <c:pt idx="0">
+                  <c:v>Jongen</c:v>
+                </c:pt>
+              </c:strCache>
+            </c:strRef>
+          </c:tx>
+          <c:spPr>
+            <a:solidFill>
+              <a:srgbClr val="005C96">
+                <a:alpha val="100000"/>
+              </a:srgbClr>
+            </a:solidFill>
+            <a:ln w="25400">
+              <a:solidFill>
+                <a:srgbClr val="FFFFFF">
+                  <a:alpha val="0"/>
+                </a:srgbClr>
+              </a:solidFill>
+            </a:ln>
+            <a:effectLst/>
+          </c:spPr>
+          <c:invertIfNegative val="0"/>
+          <c:dLbls>
+            <c:dLblPos val="outEnd"/>
+            <c:numFmt formatCode="0%" sourceLinked="0"/>
+            <c:separator val=", "/>
+            <c:showBubbleSize val="0"/>
+            <c:showCatName val="0"/>
+            <c:showLegendKey val="0"/>
+            <c:showPercent val="0"/>
+            <c:showSerName val="0"/>
+            <c:showVal val="1"/>
+            <c:txPr>
+              <a:bodyPr/>
+              <a:lstStyle/>
+              <a:p>
+                <a:pPr>
+                  <a:defRPr cap="none" sz="800" i="0" b="0" u="none">
+                    <a:solidFill>
+                      <a:srgbClr val="000000">
+                        <a:alpha val="100000"/>
+                      </a:srgbClr>
+                    </a:solidFill>
+                    <a:latin typeface="Calibri"/>
+                    <a:cs typeface="Calibri"/>
+                    <a:ea typeface="Calibri"/>
+                    <a:sym typeface="Calibri"/>
+                  </a:defRPr>
+                </a:pPr>
+              </a:p>
+            </c:txPr>
+          </c:dLbls>
+          <c:cat>
+            <c:strRef>
+              <c:f>sheet1!$A$2:$A$3</c:f>
+              <c:strCache>
+                <c:ptCount val="2"/>
+                <c:pt idx="0">
+                  <c:v>Zandwijk</c:v>
+                </c:pt>
+                <c:pt idx="1">
+                  <c:v>Nederland</c:v>
+                </c:pt>
+              </c:strCache>
+            </c:strRef>
+          </c:cat>
+          <c:val>
+            <c:numRef>
+              <c:f>sheet1!$B$2:$B$3</c:f>
+              <c:numCache>
+                <c:ptCount val="2"/>
+                <c:pt idx="0">
+                  <c:v>0.2885178</c:v>
+                </c:pt>
+                <c:pt idx="1">
+                  <c:v>0.2810797</c:v>
+                </c:pt>
+              </c:numCache>
+            </c:numRef>
+          </c:val>
+        </c:ser>
+        <c:ser>
+          <c:idx val="1"/>
+          <c:order val="1"/>
+          <c:tx>
+            <c:strRef>
+              <c:f>sheet1!$C$1</c:f>
+              <c:strCache>
+                <c:ptCount val="1"/>
+                <c:pt idx="0">
+                  <c:v>Meisje</c:v>
+                </c:pt>
+              </c:strCache>
+            </c:strRef>
+          </c:tx>
+          <c:spPr>
+            <a:solidFill>
+              <a:srgbClr val="6FC7FF">
+                <a:alpha val="100000"/>
+              </a:srgbClr>
+            </a:solidFill>
+            <a:ln w="25400">
+              <a:solidFill>
+                <a:srgbClr val="FFFFFF">
+                  <a:alpha val="0"/>
+                </a:srgbClr>
+              </a:solidFill>
+            </a:ln>
+            <a:effectLst/>
+          </c:spPr>
+          <c:invertIfNegative val="0"/>
+          <c:dLbls>
+            <c:dLblPos val="outEnd"/>
+            <c:numFmt formatCode="0%" sourceLinked="0"/>
+            <c:separator val=", "/>
+            <c:showBubbleSize val="0"/>
+            <c:showCatName val="0"/>
+            <c:showLegendKey val="0"/>
+            <c:showPercent val="0"/>
+            <c:showSerName val="0"/>
+            <c:showVal val="1"/>
+            <c:txPr>
+              <a:bodyPr/>
+              <a:lstStyle/>
+              <a:p>
+                <a:pPr>
+                  <a:defRPr cap="none" sz="800" i="0" b="0" u="none">
+                    <a:solidFill>
+                      <a:srgbClr val="000000">
+                        <a:alpha val="100000"/>
+                      </a:srgbClr>
+                    </a:solidFill>
+                    <a:latin typeface="Calibri"/>
+                    <a:cs typeface="Calibri"/>
+                    <a:ea typeface="Calibri"/>
+                    <a:sym typeface="Calibri"/>
+                  </a:defRPr>
+                </a:pPr>
+              </a:p>
+            </c:txPr>
+          </c:dLbls>
+          <c:cat>
+            <c:strRef>
+              <c:f>sheet1!$A$2:$A$3</c:f>
+              <c:strCache>
+                <c:ptCount val="2"/>
+                <c:pt idx="0">
+                  <c:v>Zandwijk</c:v>
+                </c:pt>
+                <c:pt idx="1">
+                  <c:v>Nederland</c:v>
+                </c:pt>
+              </c:strCache>
+            </c:strRef>
+          </c:cat>
+          <c:val>
+            <c:numRef>
+              <c:f>sheet1!$C$2:$C$3</c:f>
+              <c:numCache>
+                <c:ptCount val="2"/>
+                <c:pt idx="0">
+                  <c:v>0.2690928</c:v>
+                </c:pt>
+                <c:pt idx="1">
+                  <c:v>0.2733080</c:v>
+                </c:pt>
+              </c:numCache>
+            </c:numRef>
+          </c:val>
+        </c:ser>
+        <c:ser>
+          <c:idx val="2"/>
+          <c:order val="2"/>
+          <c:tx>
+            <c:strRef>
+              <c:f>sheet1!$D$1</c:f>
+              <c:strCache>
+                <c:ptCount val="1"/>
+                <c:pt idx="0">
+                  <c:v>Klas 2</c:v>
+                </c:pt>
+              </c:strCache>
+            </c:strRef>
+          </c:tx>
+          <c:spPr>
+            <a:solidFill>
+              <a:srgbClr val="E54800">
+                <a:alpha val="100000"/>
+              </a:srgbClr>
+            </a:solidFill>
+            <a:ln w="25400">
+              <a:solidFill>
+                <a:srgbClr val="FFFFFF">
+                  <a:alpha val="0"/>
+                </a:srgbClr>
+              </a:solidFill>
+            </a:ln>
+            <a:effectLst/>
+          </c:spPr>
+          <c:invertIfNegative val="0"/>
+          <c:dLbls>
+            <c:dLblPos val="outEnd"/>
+            <c:numFmt formatCode="0%" sourceLinked="0"/>
+            <c:separator val=", "/>
+            <c:showBubbleSize val="0"/>
+            <c:showCatName val="0"/>
+            <c:showLegendKey val="0"/>
+            <c:showPercent val="0"/>
+            <c:showSerName val="0"/>
+            <c:showVal val="1"/>
+            <c:txPr>
+              <a:bodyPr/>
+              <a:lstStyle/>
+              <a:p>
+                <a:pPr>
+                  <a:defRPr cap="none" sz="800" i="0" b="0" u="none">
+                    <a:solidFill>
+                      <a:srgbClr val="000000">
+                        <a:alpha val="100000"/>
+                      </a:srgbClr>
+                    </a:solidFill>
+                    <a:latin typeface="Calibri"/>
+                    <a:cs typeface="Calibri"/>
+                    <a:ea typeface="Calibri"/>
+                    <a:sym typeface="Calibri"/>
+                  </a:defRPr>
+                </a:pPr>
+              </a:p>
+            </c:txPr>
+          </c:dLbls>
+          <c:cat>
+            <c:strRef>
+              <c:f>sheet1!$A$2:$A$3</c:f>
+              <c:strCache>
+                <c:ptCount val="2"/>
+                <c:pt idx="0">
+                  <c:v>Zandwijk</c:v>
+                </c:pt>
+                <c:pt idx="1">
+                  <c:v>Nederland</c:v>
+                </c:pt>
+              </c:strCache>
+            </c:strRef>
+          </c:cat>
+          <c:val>
+            <c:numRef>
+              <c:f>sheet1!$D$2:$D$3</c:f>
+              <c:numCache>
+                <c:ptCount val="2"/>
+                <c:pt idx="0">
+                  <c:v>0.2994161</c:v>
+                </c:pt>
+                <c:pt idx="1">
+                  <c:v>0.2818699</c:v>
+                </c:pt>
+              </c:numCache>
+            </c:numRef>
+          </c:val>
+        </c:ser>
+        <c:ser>
+          <c:idx val="3"/>
+          <c:order val="3"/>
+          <c:tx>
+            <c:strRef>
+              <c:f>sheet1!$E$1</c:f>
+              <c:strCache>
+                <c:ptCount val="1"/>
+                <c:pt idx="0">
+                  <c:v>Klas 4</c:v>
+                </c:pt>
+              </c:strCache>
+            </c:strRef>
+          </c:tx>
+          <c:spPr>
+            <a:solidFill>
+              <a:srgbClr val="FFB18E">
+                <a:alpha val="100000"/>
+              </a:srgbClr>
+            </a:solidFill>
+            <a:ln w="25400">
+              <a:solidFill>
+                <a:srgbClr val="FFFFFF">
+                  <a:alpha val="0"/>
+                </a:srgbClr>
+              </a:solidFill>
+            </a:ln>
+            <a:effectLst/>
+          </c:spPr>
+          <c:invertIfNegative val="0"/>
+          <c:dLbls>
+            <c:dLblPos val="outEnd"/>
+            <c:numFmt formatCode="0%" sourceLinked="0"/>
+            <c:separator val=", "/>
+            <c:showBubbleSize val="0"/>
+            <c:showCatName val="0"/>
+            <c:showLegendKey val="0"/>
+            <c:showPercent val="0"/>
+            <c:showSerName val="0"/>
+            <c:showVal val="1"/>
+            <c:txPr>
+              <a:bodyPr/>
+              <a:lstStyle/>
+              <a:p>
+                <a:pPr>
+                  <a:defRPr cap="none" sz="800" i="0" b="0" u="none">
+                    <a:solidFill>
+                      <a:srgbClr val="000000">
+                        <a:alpha val="100000"/>
+                      </a:srgbClr>
+                    </a:solidFill>
+                    <a:latin typeface="Calibri"/>
+                    <a:cs typeface="Calibri"/>
+                    <a:ea typeface="Calibri"/>
+                    <a:sym typeface="Calibri"/>
+                  </a:defRPr>
+                </a:pPr>
+              </a:p>
+            </c:txPr>
+          </c:dLbls>
+          <c:cat>
+            <c:strRef>
+              <c:f>sheet1!$A$2:$A$3</c:f>
+              <c:strCache>
+                <c:ptCount val="2"/>
+                <c:pt idx="0">
+                  <c:v>Zandwijk</c:v>
+                </c:pt>
+                <c:pt idx="1">
+                  <c:v>Nederland</c:v>
+                </c:pt>
+              </c:strCache>
+            </c:strRef>
+          </c:cat>
+          <c:val>
+            <c:numRef>
+              <c:f>sheet1!$E$2:$E$3</c:f>
+              <c:numCache>
+                <c:ptCount val="2"/>
+                <c:pt idx="0">
+                  <c:v>0.2597708</c:v>
+                </c:pt>
+                <c:pt idx="1">
+                  <c:v>0.2738343</c:v>
+                </c:pt>
+              </c:numCache>
+            </c:numRef>
+          </c:val>
+        </c:ser>
+        <c:dLbls>
+          <c:dLblPos val="outEnd"/>
+          <c:numFmt formatCode="0%" sourceLinked="0"/>
+          <c:separator val=", "/>
+          <c:showBubbleSize val="0"/>
+          <c:showCatName val="0"/>
+          <c:showLegendKey val="0"/>
+          <c:showPercent val="0"/>
+          <c:showSerName val="0"/>
+          <c:showVal val="1"/>
+        </c:dLbls>
+        <c:gapWidth val="150"/>
+        <c:overlap val="0"/>
+        <c:axId val="64451712"/>
+        <c:axId val="64453248"/>
+      </c:barChart>
+      <c:catAx>
+        <c:axId val="64451712"/>
+        <c:scaling>
+          <c:orientation val="minMax"/>
+        </c:scaling>
+        <c:delete val="0"/>
+        <c:axPos val="l"/>
+        <c:majorTickMark val="none"/>
+        <c:minorTickMark val="none"/>
+        <c:tickLblPos val="nextTo"/>
+        <c:txPr>
+          <a:bodyPr rot="0" vert="horz"/>
+          <a:lstStyle/>
+          <a:p>
+            <a:pPr>
+              <a:defRPr cap="none" sz="800" i="0" b="0" u="none">
+                <a:solidFill>
+                  <a:srgbClr val="000000">
+                    <a:alpha val="100000"/>
+                  </a:srgbClr>
+                </a:solidFill>
+                <a:latin typeface="Calibri"/>
+                <a:cs typeface="Calibri"/>
+                <a:ea typeface="Calibri"/>
+                <a:sym typeface="Calibri"/>
+              </a:defRPr>
+            </a:pPr>
+          </a:p>
+        </c:txPr>
+        <c:spPr>
+          <a:ln algn="ctr" w="12700">
+            <a:solidFill>
+              <a:srgbClr val="000000">
+                <a:alpha val="100000"/>
+              </a:srgbClr>
+            </a:solidFill>
+            <a:prstDash val="solid"/>
+          </a:ln>
+        </c:spPr>
+        <c:numFmt formatCode="General" sourceLinked="0"/>
+        <c:crossAx val="64453248"/>
+        <c:crosses val="autoZero"/>
+      </c:catAx>
+      <c:valAx>
+        <c:axId val="64453248"/>
+        <c:scaling>
+          <c:orientation val="minMax"/>
+          <c:max val="1.00"/>
+          <c:min val="0.00"/>
+        </c:scaling>
+        <c:delete val="0"/>
+        <c:axPos val="l"/>
+        <c:majorTickMark val="none"/>
+        <c:minorTickMark val="none"/>
+        <c:tickLblPos val="nextTo"/>
+        <c:txPr>
+          <a:bodyPr rot="0" vert="horz"/>
+          <a:lstStyle/>
+          <a:p>
+            <a:pPr>
+              <a:defRPr cap="none" sz="900" i="0" b="0" u="none">
+                <a:solidFill>
+                  <a:srgbClr val="000000">
+                    <a:alpha val="100000"/>
+                  </a:srgbClr>
+                </a:solidFill>
+                <a:latin typeface="Calibri"/>
+                <a:cs typeface="Calibri"/>
+                <a:ea typeface="Calibri"/>
+                <a:sym typeface="Calibri"/>
+              </a:defRPr>
+            </a:pPr>
+          </a:p>
+        </c:txPr>
+        <c:spPr>
+          <a:ln algn="ctr" w="12700">
+            <a:solidFill>
+              <a:srgbClr val="000000">
+                <a:alpha val="100000"/>
+              </a:srgbClr>
+            </a:solidFill>
+            <a:prstDash val="solid"/>
+          </a:ln>
+        </c:spPr>
+        <c:numFmt formatCode="0%" sourceLinked="0"/>
+        <c:crossAx val="64451712"/>
+        <c:crosses val="autoZero"/>
+      </c:valAx>
+    </c:plotArea>
+    <c:legend>
+      <c:legendPos val="b"/>
+      <c:layout/>
+      <c:overlay val="0"/>
+      <c:txPr xmlns:c="http://schemas.openxmlformats.org/drawingml/2006/chart" xmlns:a="http://schemas.openxmlformats.org/drawingml/2006/main">
+        <a:bodyPr/>
+        <a:lstStyle/>
+        <a:p>
+          <a:pPr>
+            <a:defRPr cap="none" sz="900" i="0" b="0" u="none">
+              <a:solidFill>
+                <a:srgbClr val="000000">
+                  <a:alpha val="100000"/>
+                </a:srgbClr>
+              </a:solidFill>
+              <a:latin typeface="Calibri"/>
+              <a:cs typeface="Calibri"/>
+              <a:ea typeface="Calibri"/>
+              <a:sym typeface="Calibri"/>
+            </a:defRPr>
+          </a:pPr>
+        </a:p>
+      </c:txPr>
+    </c:legend>
+    <c:plotVisOnly val="1"/>
+    <c:dispBlanksAs val="gap"/>
+    <c:showDLblsOverMax val="0"/>
+  </c:chart>
+  <c:txPr>
+    <a:bodyPr/>
+    <a:lstStyle/>
+    <a:p>
+      <a:pPr>
+        <a:defRPr sz="1800"/>
+      </a:pPr>
+      <a:endParaRPr lang="fr-FR"/>
+    </a:p>
+  </c:txPr>
+  <c:externalData r:id="rId1">
+    <c:autoUpdate val="0"/>
+  </c:externalData>
+</c:chartSpace>
+</file>
+
+<file path=ppt/charts/chartc707709a3a.xml><?xml version="1.0" encoding="utf-8"?>
 <c:chartSpace xmlns:c="http://schemas.openxmlformats.org/drawingml/2006/chart" xmlns:a="http://schemas.openxmlformats.org/drawingml/2006/main" xmlns:r="http://schemas.openxmlformats.org/officeDocument/2006/relationships">
   <c:date1904 val="0"/>
   <c:lang val="fr-FR"/>
@@ -7035,7 +9978,7 @@
 </c:chartSpace>
 </file>
 
-<file path=ppt/charts/chart4c4c61dd8d.xml><?xml version="1.0" encoding="utf-8"?>
+<file path=ppt/charts/chartc7092c30b7.xml><?xml version="1.0" encoding="utf-8"?>
 <c:chartSpace xmlns:c="http://schemas.openxmlformats.org/drawingml/2006/chart" xmlns:a="http://schemas.openxmlformats.org/drawingml/2006/main" xmlns:r="http://schemas.openxmlformats.org/officeDocument/2006/relationships">
   <c:date1904 val="0"/>
   <c:lang val="fr-FR"/>
@@ -7070,7 +10013,7 @@
                 <a:ea typeface="Calibri"/>
                 <a:sym typeface="Calibri"/>
               </a:rPr>
-              <a:t>Variant 5</a:t>
+              <a:t>Top 3 bronnen van stress</a:t>
             </a:r>
           </a:p>
         </c:rich>
@@ -7147,28 +10090,34 @@
           </c:dLbls>
           <c:cat>
             <c:strRef>
-              <c:f>sheet1!$A$2:$A$3</c:f>
+              <c:f>sheet1!$A$2:$A$4</c:f>
               <c:strCache>
-                <c:ptCount val="2"/>
+                <c:ptCount val="3"/>
                 <c:pt idx="0">
-                  <c:v>Jongen</c:v>
+                  <c:v>Werk</c:v>
                 </c:pt>
                 <c:pt idx="1">
-                  <c:v>Meisje</c:v>
+                  <c:v>Thuissituatie</c:v>
+                </c:pt>
+                <c:pt idx="2">
+                  <c:v>Huiswerk</c:v>
                 </c:pt>
               </c:strCache>
             </c:strRef>
           </c:cat>
           <c:val>
             <c:numRef>
-              <c:f>sheet1!$B$2:$B$3</c:f>
+              <c:f>sheet1!$B$2:$B$4</c:f>
               <c:numCache>
-                <c:ptCount val="2"/>
+                <c:ptCount val="3"/>
                 <c:pt idx="0">
-                  <c:v>0.2885178</c:v>
+                  <c:v>0.8911974</c:v>
                 </c:pt>
                 <c:pt idx="1">
-                  <c:v>0.2690928</c:v>
+                  <c:v>0.7000854</c:v>
+                </c:pt>
+                <c:pt idx="2">
+                  <c:v>0.5941587</c:v>
                 </c:pt>
               </c:numCache>
             </c:numRef>
@@ -7323,7 +10272,7 @@
 </c:chartSpace>
 </file>
 
-<file path=ppt/charts/chart4c4c6311dc8.xml><?xml version="1.0" encoding="utf-8"?>
+<file path=ppt/charts/chartc70c8630f4.xml><?xml version="1.0" encoding="utf-8"?>
 <c:chartSpace xmlns:c="http://schemas.openxmlformats.org/drawingml/2006/chart" xmlns:a="http://schemas.openxmlformats.org/drawingml/2006/main" xmlns:r="http://schemas.openxmlformats.org/officeDocument/2006/relationships">
   <c:date1904 val="0"/>
   <c:lang val="fr-FR"/>
@@ -7358,7 +10307,7 @@
                 <a:ea typeface="Calibri"/>
                 <a:sym typeface="Calibri"/>
               </a:rPr>
-              <a:t>Variant 12</a:t>
+              <a:t>Variant 5</a:t>
             </a:r>
           </a:p>
         </c:rich>
@@ -7435,40 +10384,28 @@
           </c:dLbls>
           <c:cat>
             <c:strRef>
-              <c:f>sheet1!$A$2:$A$5</c:f>
+              <c:f>sheet1!$A$2:$A$3</c:f>
               <c:strCache>
-                <c:ptCount val="4"/>
+                <c:ptCount val="2"/>
                 <c:pt idx="0">
                   <c:v>Jongen</c:v>
                 </c:pt>
                 <c:pt idx="1">
                   <c:v>Meisje</c:v>
-                </c:pt>
-                <c:pt idx="2">
-                  <c:v>Klas 2</c:v>
-                </c:pt>
-                <c:pt idx="3">
-                  <c:v>Klas 4</c:v>
                 </c:pt>
               </c:strCache>
             </c:strRef>
           </c:cat>
           <c:val>
             <c:numRef>
-              <c:f>sheet1!$B$2:$B$5</c:f>
+              <c:f>sheet1!$B$2:$B$3</c:f>
               <c:numCache>
-                <c:ptCount val="4"/>
+                <c:ptCount val="2"/>
                 <c:pt idx="0">
                   <c:v>0.2885178</c:v>
                 </c:pt>
                 <c:pt idx="1">
                   <c:v>0.2690928</c:v>
-                </c:pt>
-                <c:pt idx="2">
-                  <c:v>0.2994161</c:v>
-                </c:pt>
-                <c:pt idx="3">
-                  <c:v>0.2597708</c:v>
                 </c:pt>
               </c:numCache>
             </c:numRef>
@@ -7623,7 +10560,7 @@
 </c:chartSpace>
 </file>
 
-<file path=ppt/charts/chart4c4c64567ef8.xml><?xml version="1.0" encoding="utf-8"?>
+<file path=ppt/charts/chartc70eff2f5e.xml><?xml version="1.0" encoding="utf-8"?>
 <c:chartSpace xmlns:c="http://schemas.openxmlformats.org/drawingml/2006/chart" xmlns:a="http://schemas.openxmlformats.org/drawingml/2006/main" xmlns:r="http://schemas.openxmlformats.org/officeDocument/2006/relationships">
   <c:date1904 val="0"/>
   <c:lang val="fr-FR"/>
@@ -7864,2943 +10801,6 @@
         </c:dLbls>
         <c:gapWidth val="150"/>
         <c:overlap val="0"/>
-        <c:axId val="64451712"/>
-        <c:axId val="64453248"/>
-      </c:barChart>
-      <c:catAx>
-        <c:axId val="64451712"/>
-        <c:scaling>
-          <c:orientation val="minMax"/>
-        </c:scaling>
-        <c:delete val="0"/>
-        <c:axPos val="l"/>
-        <c:majorTickMark val="none"/>
-        <c:minorTickMark val="none"/>
-        <c:tickLblPos val="nextTo"/>
-        <c:txPr>
-          <a:bodyPr rot="0" vert="horz"/>
-          <a:lstStyle/>
-          <a:p>
-            <a:pPr>
-              <a:defRPr cap="none" sz="800" i="0" b="0" u="none">
-                <a:solidFill>
-                  <a:srgbClr val="000000">
-                    <a:alpha val="100000"/>
-                  </a:srgbClr>
-                </a:solidFill>
-                <a:latin typeface="Calibri"/>
-                <a:cs typeface="Calibri"/>
-                <a:ea typeface="Calibri"/>
-                <a:sym typeface="Calibri"/>
-              </a:defRPr>
-            </a:pPr>
-          </a:p>
-        </c:txPr>
-        <c:spPr>
-          <a:ln algn="ctr" w="12700">
-            <a:solidFill>
-              <a:srgbClr val="000000">
-                <a:alpha val="100000"/>
-              </a:srgbClr>
-            </a:solidFill>
-            <a:prstDash val="solid"/>
-          </a:ln>
-        </c:spPr>
-        <c:numFmt formatCode="General" sourceLinked="0"/>
-        <c:crossAx val="64453248"/>
-        <c:crosses val="autoZero"/>
-      </c:catAx>
-      <c:valAx>
-        <c:axId val="64453248"/>
-        <c:scaling>
-          <c:orientation val="minMax"/>
-          <c:max val="1.00"/>
-          <c:min val="0.00"/>
-        </c:scaling>
-        <c:delete val="0"/>
-        <c:axPos val="l"/>
-        <c:majorTickMark val="none"/>
-        <c:minorTickMark val="none"/>
-        <c:tickLblPos val="nextTo"/>
-        <c:txPr>
-          <a:bodyPr rot="0" vert="horz"/>
-          <a:lstStyle/>
-          <a:p>
-            <a:pPr>
-              <a:defRPr cap="none" sz="900" i="0" b="0" u="none">
-                <a:solidFill>
-                  <a:srgbClr val="000000">
-                    <a:alpha val="100000"/>
-                  </a:srgbClr>
-                </a:solidFill>
-                <a:latin typeface="Calibri"/>
-                <a:cs typeface="Calibri"/>
-                <a:ea typeface="Calibri"/>
-                <a:sym typeface="Calibri"/>
-              </a:defRPr>
-            </a:pPr>
-          </a:p>
-        </c:txPr>
-        <c:spPr>
-          <a:ln algn="ctr" w="12700">
-            <a:solidFill>
-              <a:srgbClr val="000000">
-                <a:alpha val="100000"/>
-              </a:srgbClr>
-            </a:solidFill>
-            <a:prstDash val="solid"/>
-          </a:ln>
-        </c:spPr>
-        <c:numFmt formatCode="0%" sourceLinked="0"/>
-        <c:crossAx val="64451712"/>
-        <c:crosses val="autoZero"/>
-      </c:valAx>
-    </c:plotArea>
-    <c:legend>
-      <c:legendPos val="b"/>
-      <c:layout/>
-      <c:overlay val="0"/>
-      <c:txPr xmlns:c="http://schemas.openxmlformats.org/drawingml/2006/chart" xmlns:a="http://schemas.openxmlformats.org/drawingml/2006/main">
-        <a:bodyPr/>
-        <a:lstStyle/>
-        <a:p>
-          <a:pPr>
-            <a:defRPr cap="none" sz="900" i="0" b="0" u="none">
-              <a:solidFill>
-                <a:srgbClr val="000000">
-                  <a:alpha val="100000"/>
-                </a:srgbClr>
-              </a:solidFill>
-              <a:latin typeface="Calibri"/>
-              <a:cs typeface="Calibri"/>
-              <a:ea typeface="Calibri"/>
-              <a:sym typeface="Calibri"/>
-            </a:defRPr>
-          </a:pPr>
-        </a:p>
-      </c:txPr>
-    </c:legend>
-    <c:plotVisOnly val="1"/>
-    <c:dispBlanksAs val="gap"/>
-    <c:showDLblsOverMax val="0"/>
-  </c:chart>
-  <c:txPr>
-    <a:bodyPr/>
-    <a:lstStyle/>
-    <a:p>
-      <a:pPr>
-        <a:defRPr sz="1800"/>
-      </a:pPr>
-      <a:endParaRPr lang="fr-FR"/>
-    </a:p>
-  </c:txPr>
-  <c:externalData r:id="rId1">
-    <c:autoUpdate val="0"/>
-  </c:externalData>
-</c:chartSpace>
-</file>
-
-<file path=ppt/charts/chart4c4c66cf7d63.xml><?xml version="1.0" encoding="utf-8"?>
-<c:chartSpace xmlns:c="http://schemas.openxmlformats.org/drawingml/2006/chart" xmlns:a="http://schemas.openxmlformats.org/drawingml/2006/main" xmlns:r="http://schemas.openxmlformats.org/officeDocument/2006/relationships">
-  <c:date1904 val="0"/>
-  <c:lang val="fr-FR"/>
-  <c:roundedCorners val="0"/>
-  <mc:AlternateContent xmlns:mc="http://schemas.openxmlformats.org/markup-compatibility/2006">
-    <mc:Choice xmlns:c14="http://schemas.microsoft.com/office/drawing/2007/8/2/chart" Requires="c14">
-      <c14:style val="118"/>
-    </mc:Choice>
-    <mc:Fallback>
-      <c:style val="18"/>
-    </mc:Fallback>
-  </mc:AlternateContent>
-  <c:chart>
-    <c:title xmlns:c="http://schemas.openxmlformats.org/drawingml/2006/chart" xmlns:a="http://schemas.openxmlformats.org/drawingml/2006/main" xmlns:r="http://schemas.openxmlformats.org/officeDocument/2006/relationships">
-      <c:tx>
-        <c:rich>
-          <a:bodyPr/>
-          <a:lstStyle/>
-          <a:p>
-            <a:pPr>
-              <a:defRPr/>
-            </a:pPr>
-            <a:r>
-              <a:rPr cap="none" sz="900" i="0" b="1" u="none">
-                <a:solidFill>
-                  <a:srgbClr val="000000">
-                    <a:alpha val="100000"/>
-                  </a:srgbClr>
-                </a:solidFill>
-                <a:latin typeface="Calibri"/>
-                <a:cs typeface="Calibri"/>
-                <a:ea typeface="Calibri"/>
-                <a:sym typeface="Calibri"/>
-              </a:rPr>
-              <a:t>Variant 13</a:t>
-            </a:r>
-          </a:p>
-        </c:rich>
-      </c:tx>
-      <c:layout/>
-      <c:overlay val="0"/>
-    </c:title>
-    <c:autoTitleDeleted val="0"/>
-    <c:plotArea xmlns:c="http://schemas.openxmlformats.org/drawingml/2006/chart" xmlns:a="http://schemas.openxmlformats.org/drawingml/2006/main" xmlns:r="http://schemas.openxmlformats.org/officeDocument/2006/relationships">
-      <c:layout/>
-      <c:barChart>
-        <c:barDir val="col"/>
-        <c:grouping val="clustered"/>
-        <c:varyColors val="0"/>
-        <c:ser>
-          <c:idx val="0"/>
-          <c:order val="0"/>
-          <c:tx>
-            <c:strRef>
-              <c:f>sheet1!$B$1</c:f>
-              <c:strCache>
-                <c:ptCount val="1"/>
-                <c:pt idx="0">
-                  <c:v>Jongen</c:v>
-                </c:pt>
-              </c:strCache>
-            </c:strRef>
-          </c:tx>
-          <c:spPr>
-            <a:solidFill>
-              <a:srgbClr val="005C96">
-                <a:alpha val="100000"/>
-              </a:srgbClr>
-            </a:solidFill>
-            <a:ln w="25400">
-              <a:solidFill>
-                <a:srgbClr val="FFFFFF">
-                  <a:alpha val="0"/>
-                </a:srgbClr>
-              </a:solidFill>
-            </a:ln>
-            <a:effectLst/>
-          </c:spPr>
-          <c:invertIfNegative val="0"/>
-          <c:dLbls>
-            <c:dLblPos val="outEnd"/>
-            <c:numFmt formatCode="0%" sourceLinked="0"/>
-            <c:separator val=", "/>
-            <c:showBubbleSize val="0"/>
-            <c:showCatName val="0"/>
-            <c:showLegendKey val="0"/>
-            <c:showPercent val="0"/>
-            <c:showSerName val="0"/>
-            <c:showVal val="1"/>
-            <c:txPr>
-              <a:bodyPr/>
-              <a:lstStyle/>
-              <a:p>
-                <a:pPr>
-                  <a:defRPr cap="none" sz="800" i="0" b="0" u="none">
-                    <a:solidFill>
-                      <a:srgbClr val="000000">
-                        <a:alpha val="100000"/>
-                      </a:srgbClr>
-                    </a:solidFill>
-                    <a:latin typeface="Calibri"/>
-                    <a:cs typeface="Calibri"/>
-                    <a:ea typeface="Calibri"/>
-                    <a:sym typeface="Calibri"/>
-                  </a:defRPr>
-                </a:pPr>
-              </a:p>
-            </c:txPr>
-          </c:dLbls>
-          <c:cat>
-            <c:strRef>
-              <c:f>sheet1!$A$2:$A$4</c:f>
-              <c:strCache>
-                <c:ptCount val="3"/>
-                <c:pt idx="0">
-                  <c:v>Heeft psychische klachten</c:v>
-                </c:pt>
-                <c:pt idx="1">
-                  <c:v>Geeft geen mantelzorg</c:v>
-                </c:pt>
-                <c:pt idx="2">
-                  <c:v>Heeft een zeer goede gezondheid</c:v>
-                </c:pt>
-              </c:strCache>
-            </c:strRef>
-          </c:cat>
-          <c:val>
-            <c:numRef>
-              <c:f>sheet1!$B$2:$B$4</c:f>
-              <c:numCache>
-                <c:ptCount val="3"/>
-                <c:pt idx="0">
-                  <c:v>0.2885178</c:v>
-                </c:pt>
-                <c:pt idx="1">
-                  <c:v>0.8528350</c:v>
-                </c:pt>
-                <c:pt idx="2">
-                  <c:v>0.3093217</c:v>
-                </c:pt>
-              </c:numCache>
-            </c:numRef>
-          </c:val>
-        </c:ser>
-        <c:ser>
-          <c:idx val="1"/>
-          <c:order val="1"/>
-          <c:tx>
-            <c:strRef>
-              <c:f>sheet1!$C$1</c:f>
-              <c:strCache>
-                <c:ptCount val="1"/>
-                <c:pt idx="0">
-                  <c:v>Meisje</c:v>
-                </c:pt>
-              </c:strCache>
-            </c:strRef>
-          </c:tx>
-          <c:spPr>
-            <a:solidFill>
-              <a:srgbClr val="6FC7FF">
-                <a:alpha val="100000"/>
-              </a:srgbClr>
-            </a:solidFill>
-            <a:ln w="25400">
-              <a:solidFill>
-                <a:srgbClr val="FFFFFF">
-                  <a:alpha val="0"/>
-                </a:srgbClr>
-              </a:solidFill>
-            </a:ln>
-            <a:effectLst/>
-          </c:spPr>
-          <c:invertIfNegative val="0"/>
-          <c:dLbls>
-            <c:dLblPos val="outEnd"/>
-            <c:numFmt formatCode="0%" sourceLinked="0"/>
-            <c:separator val=", "/>
-            <c:showBubbleSize val="0"/>
-            <c:showCatName val="0"/>
-            <c:showLegendKey val="0"/>
-            <c:showPercent val="0"/>
-            <c:showSerName val="0"/>
-            <c:showVal val="1"/>
-            <c:txPr>
-              <a:bodyPr/>
-              <a:lstStyle/>
-              <a:p>
-                <a:pPr>
-                  <a:defRPr cap="none" sz="800" i="0" b="0" u="none">
-                    <a:solidFill>
-                      <a:srgbClr val="000000">
-                        <a:alpha val="100000"/>
-                      </a:srgbClr>
-                    </a:solidFill>
-                    <a:latin typeface="Calibri"/>
-                    <a:cs typeface="Calibri"/>
-                    <a:ea typeface="Calibri"/>
-                    <a:sym typeface="Calibri"/>
-                  </a:defRPr>
-                </a:pPr>
-              </a:p>
-            </c:txPr>
-          </c:dLbls>
-          <c:cat>
-            <c:strRef>
-              <c:f>sheet1!$A$2:$A$4</c:f>
-              <c:strCache>
-                <c:ptCount val="3"/>
-                <c:pt idx="0">
-                  <c:v>Heeft psychische klachten</c:v>
-                </c:pt>
-                <c:pt idx="1">
-                  <c:v>Geeft geen mantelzorg</c:v>
-                </c:pt>
-                <c:pt idx="2">
-                  <c:v>Heeft een zeer goede gezondheid</c:v>
-                </c:pt>
-              </c:strCache>
-            </c:strRef>
-          </c:cat>
-          <c:val>
-            <c:numRef>
-              <c:f>sheet1!$C$2:$C$4</c:f>
-              <c:numCache>
-                <c:ptCount val="3"/>
-                <c:pt idx="0">
-                  <c:v>0.2690928</c:v>
-                </c:pt>
-                <c:pt idx="1">
-                  <c:v>0.8511010</c:v>
-                </c:pt>
-                <c:pt idx="2">
-                  <c:v>0.3223658</c:v>
-                </c:pt>
-              </c:numCache>
-            </c:numRef>
-          </c:val>
-        </c:ser>
-        <c:ser>
-          <c:idx val="2"/>
-          <c:order val="2"/>
-          <c:tx>
-            <c:strRef>
-              <c:f>sheet1!$D$1</c:f>
-              <c:strCache>
-                <c:ptCount val="1"/>
-                <c:pt idx="0">
-                  <c:v>Klas 2</c:v>
-                </c:pt>
-              </c:strCache>
-            </c:strRef>
-          </c:tx>
-          <c:spPr>
-            <a:solidFill>
-              <a:srgbClr val="E54800">
-                <a:alpha val="100000"/>
-              </a:srgbClr>
-            </a:solidFill>
-            <a:ln w="25400">
-              <a:solidFill>
-                <a:srgbClr val="FFFFFF">
-                  <a:alpha val="0"/>
-                </a:srgbClr>
-              </a:solidFill>
-            </a:ln>
-            <a:effectLst/>
-          </c:spPr>
-          <c:invertIfNegative val="0"/>
-          <c:dLbls>
-            <c:dLblPos val="outEnd"/>
-            <c:numFmt formatCode="0%" sourceLinked="0"/>
-            <c:separator val=", "/>
-            <c:showBubbleSize val="0"/>
-            <c:showCatName val="0"/>
-            <c:showLegendKey val="0"/>
-            <c:showPercent val="0"/>
-            <c:showSerName val="0"/>
-            <c:showVal val="1"/>
-            <c:txPr>
-              <a:bodyPr/>
-              <a:lstStyle/>
-              <a:p>
-                <a:pPr>
-                  <a:defRPr cap="none" sz="800" i="0" b="0" u="none">
-                    <a:solidFill>
-                      <a:srgbClr val="000000">
-                        <a:alpha val="100000"/>
-                      </a:srgbClr>
-                    </a:solidFill>
-                    <a:latin typeface="Calibri"/>
-                    <a:cs typeface="Calibri"/>
-                    <a:ea typeface="Calibri"/>
-                    <a:sym typeface="Calibri"/>
-                  </a:defRPr>
-                </a:pPr>
-              </a:p>
-            </c:txPr>
-          </c:dLbls>
-          <c:cat>
-            <c:strRef>
-              <c:f>sheet1!$A$2:$A$4</c:f>
-              <c:strCache>
-                <c:ptCount val="3"/>
-                <c:pt idx="0">
-                  <c:v>Heeft psychische klachten</c:v>
-                </c:pt>
-                <c:pt idx="1">
-                  <c:v>Geeft geen mantelzorg</c:v>
-                </c:pt>
-                <c:pt idx="2">
-                  <c:v>Heeft een zeer goede gezondheid</c:v>
-                </c:pt>
-              </c:strCache>
-            </c:strRef>
-          </c:cat>
-          <c:val>
-            <c:numRef>
-              <c:f>sheet1!$D$2:$D$4</c:f>
-              <c:numCache>
-                <c:ptCount val="3"/>
-                <c:pt idx="0">
-                  <c:v>0.2994161</c:v>
-                </c:pt>
-                <c:pt idx="1">
-                  <c:v>0.8586191</c:v>
-                </c:pt>
-                <c:pt idx="2">
-                  <c:v>0.3294875</c:v>
-                </c:pt>
-              </c:numCache>
-            </c:numRef>
-          </c:val>
-        </c:ser>
-        <c:ser>
-          <c:idx val="3"/>
-          <c:order val="3"/>
-          <c:tx>
-            <c:strRef>
-              <c:f>sheet1!$E$1</c:f>
-              <c:strCache>
-                <c:ptCount val="1"/>
-                <c:pt idx="0">
-                  <c:v>Klas 4</c:v>
-                </c:pt>
-              </c:strCache>
-            </c:strRef>
-          </c:tx>
-          <c:spPr>
-            <a:solidFill>
-              <a:srgbClr val="FFB18E">
-                <a:alpha val="100000"/>
-              </a:srgbClr>
-            </a:solidFill>
-            <a:ln w="25400">
-              <a:solidFill>
-                <a:srgbClr val="FFFFFF">
-                  <a:alpha val="0"/>
-                </a:srgbClr>
-              </a:solidFill>
-            </a:ln>
-            <a:effectLst/>
-          </c:spPr>
-          <c:invertIfNegative val="0"/>
-          <c:dLbls>
-            <c:dLblPos val="outEnd"/>
-            <c:numFmt formatCode="0%" sourceLinked="0"/>
-            <c:separator val=", "/>
-            <c:showBubbleSize val="0"/>
-            <c:showCatName val="0"/>
-            <c:showLegendKey val="0"/>
-            <c:showPercent val="0"/>
-            <c:showSerName val="0"/>
-            <c:showVal val="1"/>
-            <c:txPr>
-              <a:bodyPr/>
-              <a:lstStyle/>
-              <a:p>
-                <a:pPr>
-                  <a:defRPr cap="none" sz="800" i="0" b="0" u="none">
-                    <a:solidFill>
-                      <a:srgbClr val="000000">
-                        <a:alpha val="100000"/>
-                      </a:srgbClr>
-                    </a:solidFill>
-                    <a:latin typeface="Calibri"/>
-                    <a:cs typeface="Calibri"/>
-                    <a:ea typeface="Calibri"/>
-                    <a:sym typeface="Calibri"/>
-                  </a:defRPr>
-                </a:pPr>
-              </a:p>
-            </c:txPr>
-          </c:dLbls>
-          <c:cat>
-            <c:strRef>
-              <c:f>sheet1!$A$2:$A$4</c:f>
-              <c:strCache>
-                <c:ptCount val="3"/>
-                <c:pt idx="0">
-                  <c:v>Heeft psychische klachten</c:v>
-                </c:pt>
-                <c:pt idx="1">
-                  <c:v>Geeft geen mantelzorg</c:v>
-                </c:pt>
-                <c:pt idx="2">
-                  <c:v>Heeft een zeer goede gezondheid</c:v>
-                </c:pt>
-              </c:strCache>
-            </c:strRef>
-          </c:cat>
-          <c:val>
-            <c:numRef>
-              <c:f>sheet1!$E$2:$E$4</c:f>
-              <c:numCache>
-                <c:ptCount val="3"/>
-                <c:pt idx="0">
-                  <c:v>0.2597708</c:v>
-                </c:pt>
-                <c:pt idx="1">
-                  <c:v>0.8596716</c:v>
-                </c:pt>
-                <c:pt idx="2">
-                  <c:v>0.2921700</c:v>
-                </c:pt>
-              </c:numCache>
-            </c:numRef>
-          </c:val>
-        </c:ser>
-        <c:dLbls>
-          <c:dLblPos val="outEnd"/>
-          <c:numFmt formatCode="0%" sourceLinked="0"/>
-          <c:separator val=", "/>
-          <c:showBubbleSize val="0"/>
-          <c:showCatName val="0"/>
-          <c:showLegendKey val="0"/>
-          <c:showPercent val="0"/>
-          <c:showSerName val="0"/>
-          <c:showVal val="1"/>
-        </c:dLbls>
-        <c:gapWidth val="150"/>
-        <c:overlap val="0"/>
-        <c:axId val="64451712"/>
-        <c:axId val="64453248"/>
-      </c:barChart>
-      <c:catAx>
-        <c:axId val="64451712"/>
-        <c:scaling>
-          <c:orientation val="minMax"/>
-        </c:scaling>
-        <c:delete val="0"/>
-        <c:axPos val="l"/>
-        <c:majorTickMark val="none"/>
-        <c:minorTickMark val="none"/>
-        <c:tickLblPos val="nextTo"/>
-        <c:txPr>
-          <a:bodyPr rot="0" vert="horz"/>
-          <a:lstStyle/>
-          <a:p>
-            <a:pPr>
-              <a:defRPr cap="none" sz="800" i="0" b="0" u="none">
-                <a:solidFill>
-                  <a:srgbClr val="000000">
-                    <a:alpha val="100000"/>
-                  </a:srgbClr>
-                </a:solidFill>
-                <a:latin typeface="Calibri"/>
-                <a:cs typeface="Calibri"/>
-                <a:ea typeface="Calibri"/>
-                <a:sym typeface="Calibri"/>
-              </a:defRPr>
-            </a:pPr>
-          </a:p>
-        </c:txPr>
-        <c:spPr>
-          <a:ln algn="ctr" w="12700">
-            <a:solidFill>
-              <a:srgbClr val="000000">
-                <a:alpha val="100000"/>
-              </a:srgbClr>
-            </a:solidFill>
-            <a:prstDash val="solid"/>
-          </a:ln>
-        </c:spPr>
-        <c:numFmt formatCode="General" sourceLinked="0"/>
-        <c:crossAx val="64453248"/>
-        <c:crosses val="autoZero"/>
-      </c:catAx>
-      <c:valAx>
-        <c:axId val="64453248"/>
-        <c:scaling>
-          <c:orientation val="minMax"/>
-          <c:max val="1.00"/>
-          <c:min val="0.00"/>
-        </c:scaling>
-        <c:delete val="0"/>
-        <c:axPos val="l"/>
-        <c:majorTickMark val="none"/>
-        <c:minorTickMark val="none"/>
-        <c:tickLblPos val="nextTo"/>
-        <c:txPr>
-          <a:bodyPr rot="0" vert="horz"/>
-          <a:lstStyle/>
-          <a:p>
-            <a:pPr>
-              <a:defRPr cap="none" sz="900" i="0" b="0" u="none">
-                <a:solidFill>
-                  <a:srgbClr val="000000">
-                    <a:alpha val="100000"/>
-                  </a:srgbClr>
-                </a:solidFill>
-                <a:latin typeface="Calibri"/>
-                <a:cs typeface="Calibri"/>
-                <a:ea typeface="Calibri"/>
-                <a:sym typeface="Calibri"/>
-              </a:defRPr>
-            </a:pPr>
-          </a:p>
-        </c:txPr>
-        <c:spPr>
-          <a:ln algn="ctr" w="12700">
-            <a:solidFill>
-              <a:srgbClr val="000000">
-                <a:alpha val="100000"/>
-              </a:srgbClr>
-            </a:solidFill>
-            <a:prstDash val="solid"/>
-          </a:ln>
-        </c:spPr>
-        <c:numFmt formatCode="0%" sourceLinked="0"/>
-        <c:crossAx val="64451712"/>
-        <c:crosses val="autoZero"/>
-      </c:valAx>
-    </c:plotArea>
-    <c:legend>
-      <c:legendPos val="b"/>
-      <c:layout/>
-      <c:overlay val="0"/>
-      <c:txPr xmlns:c="http://schemas.openxmlformats.org/drawingml/2006/chart" xmlns:a="http://schemas.openxmlformats.org/drawingml/2006/main">
-        <a:bodyPr/>
-        <a:lstStyle/>
-        <a:p>
-          <a:pPr>
-            <a:defRPr cap="none" sz="900" i="0" b="0" u="none">
-              <a:solidFill>
-                <a:srgbClr val="000000">
-                  <a:alpha val="100000"/>
-                </a:srgbClr>
-              </a:solidFill>
-              <a:latin typeface="Calibri"/>
-              <a:cs typeface="Calibri"/>
-              <a:ea typeface="Calibri"/>
-              <a:sym typeface="Calibri"/>
-            </a:defRPr>
-          </a:pPr>
-        </a:p>
-      </c:txPr>
-    </c:legend>
-    <c:plotVisOnly val="1"/>
-    <c:dispBlanksAs val="gap"/>
-    <c:showDLblsOverMax val="0"/>
-  </c:chart>
-  <c:txPr>
-    <a:bodyPr/>
-    <a:lstStyle/>
-    <a:p>
-      <a:pPr>
-        <a:defRPr sz="1800"/>
-      </a:pPr>
-      <a:endParaRPr lang="fr-FR"/>
-    </a:p>
-  </c:txPr>
-  <c:externalData r:id="rId1">
-    <c:autoUpdate val="0"/>
-  </c:externalData>
-</c:chartSpace>
-</file>
-
-<file path=ppt/charts/chart4c4c69497bce.xml><?xml version="1.0" encoding="utf-8"?>
-<c:chartSpace xmlns:c="http://schemas.openxmlformats.org/drawingml/2006/chart" xmlns:a="http://schemas.openxmlformats.org/drawingml/2006/main" xmlns:r="http://schemas.openxmlformats.org/officeDocument/2006/relationships">
-  <c:date1904 val="0"/>
-  <c:lang val="fr-FR"/>
-  <c:roundedCorners val="0"/>
-  <mc:AlternateContent xmlns:mc="http://schemas.openxmlformats.org/markup-compatibility/2006">
-    <mc:Choice xmlns:c14="http://schemas.microsoft.com/office/drawing/2007/8/2/chart" Requires="c14">
-      <c14:style val="118"/>
-    </mc:Choice>
-    <mc:Fallback>
-      <c:style val="18"/>
-    </mc:Fallback>
-  </mc:AlternateContent>
-  <c:chart>
-    <c:title xmlns:c="http://schemas.openxmlformats.org/drawingml/2006/chart" xmlns:a="http://schemas.openxmlformats.org/drawingml/2006/main" xmlns:r="http://schemas.openxmlformats.org/officeDocument/2006/relationships">
-      <c:tx>
-        <c:rich>
-          <a:bodyPr/>
-          <a:lstStyle/>
-          <a:p>
-            <a:pPr>
-              <a:defRPr/>
-            </a:pPr>
-            <a:r>
-              <a:rPr cap="none" sz="900" i="0" b="1" u="none">
-                <a:solidFill>
-                  <a:srgbClr val="000000">
-                    <a:alpha val="100000"/>
-                  </a:srgbClr>
-                </a:solidFill>
-                <a:latin typeface="Calibri"/>
-                <a:cs typeface="Calibri"/>
-                <a:ea typeface="Calibri"/>
-                <a:sym typeface="Calibri"/>
-              </a:rPr>
-              <a:t>Variant 17</a:t>
-            </a:r>
-          </a:p>
-        </c:rich>
-      </c:tx>
-      <c:layout/>
-      <c:overlay val="0"/>
-    </c:title>
-    <c:autoTitleDeleted val="0"/>
-    <c:plotArea xmlns:c="http://schemas.openxmlformats.org/drawingml/2006/chart" xmlns:a="http://schemas.openxmlformats.org/drawingml/2006/main" xmlns:r="http://schemas.openxmlformats.org/officeDocument/2006/relationships">
-      <c:layout/>
-      <c:barChart>
-        <c:barDir val="col"/>
-        <c:grouping val="clustered"/>
-        <c:varyColors val="0"/>
-        <c:ser>
-          <c:idx val="0"/>
-          <c:order val="0"/>
-          <c:tx>
-            <c:strRef>
-              <c:f>sheet1!$B$1</c:f>
-              <c:strCache>
-                <c:ptCount val="1"/>
-                <c:pt idx="0">
-                  <c:v>Zandwijk</c:v>
-                </c:pt>
-              </c:strCache>
-            </c:strRef>
-          </c:tx>
-          <c:spPr>
-            <a:solidFill>
-              <a:srgbClr val="005C96">
-                <a:alpha val="100000"/>
-              </a:srgbClr>
-            </a:solidFill>
-            <a:ln w="25400">
-              <a:solidFill>
-                <a:srgbClr val="FFFFFF">
-                  <a:alpha val="0"/>
-                </a:srgbClr>
-              </a:solidFill>
-            </a:ln>
-            <a:effectLst/>
-          </c:spPr>
-          <c:invertIfNegative val="0"/>
-          <c:dLbls>
-            <c:dLblPos val="outEnd"/>
-            <c:numFmt formatCode="0%" sourceLinked="0"/>
-            <c:separator val=", "/>
-            <c:showBubbleSize val="0"/>
-            <c:showCatName val="0"/>
-            <c:showLegendKey val="0"/>
-            <c:showPercent val="0"/>
-            <c:showSerName val="0"/>
-            <c:showVal val="1"/>
-            <c:txPr>
-              <a:bodyPr/>
-              <a:lstStyle/>
-              <a:p>
-                <a:pPr>
-                  <a:defRPr cap="none" sz="800" i="0" b="0" u="none">
-                    <a:solidFill>
-                      <a:srgbClr val="000000">
-                        <a:alpha val="100000"/>
-                      </a:srgbClr>
-                    </a:solidFill>
-                    <a:latin typeface="Calibri"/>
-                    <a:cs typeface="Calibri"/>
-                    <a:ea typeface="Calibri"/>
-                    <a:sym typeface="Calibri"/>
-                  </a:defRPr>
-                </a:pPr>
-              </a:p>
-            </c:txPr>
-          </c:dLbls>
-          <c:cat>
-            <c:strRef>
-              <c:f>sheet1!$A$2:$A$5</c:f>
-              <c:strCache>
-                <c:ptCount val="4"/>
-                <c:pt idx="0">
-                  <c:v>Jongen</c:v>
-                </c:pt>
-                <c:pt idx="1">
-                  <c:v>Meisje</c:v>
-                </c:pt>
-                <c:pt idx="2">
-                  <c:v>Klas 2</c:v>
-                </c:pt>
-                <c:pt idx="3">
-                  <c:v>Klas 4</c:v>
-                </c:pt>
-              </c:strCache>
-            </c:strRef>
-          </c:cat>
-          <c:val>
-            <c:numRef>
-              <c:f>sheet1!$B$2:$B$5</c:f>
-              <c:numCache>
-                <c:ptCount val="4"/>
-                <c:pt idx="0">
-                  <c:v>0.2885178</c:v>
-                </c:pt>
-                <c:pt idx="1">
-                  <c:v>0.2690928</c:v>
-                </c:pt>
-                <c:pt idx="2">
-                  <c:v>0.2994161</c:v>
-                </c:pt>
-                <c:pt idx="3">
-                  <c:v>0.2597708</c:v>
-                </c:pt>
-              </c:numCache>
-            </c:numRef>
-          </c:val>
-        </c:ser>
-        <c:ser>
-          <c:idx val="1"/>
-          <c:order val="1"/>
-          <c:tx>
-            <c:strRef>
-              <c:f>sheet1!$C$1</c:f>
-              <c:strCache>
-                <c:ptCount val="1"/>
-                <c:pt idx="0">
-                  <c:v>Nederland</c:v>
-                </c:pt>
-              </c:strCache>
-            </c:strRef>
-          </c:tx>
-          <c:spPr>
-            <a:solidFill>
-              <a:srgbClr val="E54800">
-                <a:alpha val="100000"/>
-              </a:srgbClr>
-            </a:solidFill>
-            <a:ln w="25400">
-              <a:solidFill>
-                <a:srgbClr val="FFFFFF">
-                  <a:alpha val="0"/>
-                </a:srgbClr>
-              </a:solidFill>
-            </a:ln>
-            <a:effectLst/>
-          </c:spPr>
-          <c:invertIfNegative val="0"/>
-          <c:dLbls>
-            <c:dLblPos val="outEnd"/>
-            <c:numFmt formatCode="0%" sourceLinked="0"/>
-            <c:separator val=", "/>
-            <c:showBubbleSize val="0"/>
-            <c:showCatName val="0"/>
-            <c:showLegendKey val="0"/>
-            <c:showPercent val="0"/>
-            <c:showSerName val="0"/>
-            <c:showVal val="1"/>
-            <c:txPr>
-              <a:bodyPr/>
-              <a:lstStyle/>
-              <a:p>
-                <a:pPr>
-                  <a:defRPr cap="none" sz="800" i="0" b="0" u="none">
-                    <a:solidFill>
-                      <a:srgbClr val="000000">
-                        <a:alpha val="100000"/>
-                      </a:srgbClr>
-                    </a:solidFill>
-                    <a:latin typeface="Calibri"/>
-                    <a:cs typeface="Calibri"/>
-                    <a:ea typeface="Calibri"/>
-                    <a:sym typeface="Calibri"/>
-                  </a:defRPr>
-                </a:pPr>
-              </a:p>
-            </c:txPr>
-          </c:dLbls>
-          <c:cat>
-            <c:strRef>
-              <c:f>sheet1!$A$2:$A$5</c:f>
-              <c:strCache>
-                <c:ptCount val="4"/>
-                <c:pt idx="0">
-                  <c:v>Jongen</c:v>
-                </c:pt>
-                <c:pt idx="1">
-                  <c:v>Meisje</c:v>
-                </c:pt>
-                <c:pt idx="2">
-                  <c:v>Klas 2</c:v>
-                </c:pt>
-                <c:pt idx="3">
-                  <c:v>Klas 4</c:v>
-                </c:pt>
-              </c:strCache>
-            </c:strRef>
-          </c:cat>
-          <c:val>
-            <c:numRef>
-              <c:f>sheet1!$C$2:$C$5</c:f>
-              <c:numCache>
-                <c:ptCount val="4"/>
-                <c:pt idx="0">
-                  <c:v>0.2810797</c:v>
-                </c:pt>
-                <c:pt idx="1">
-                  <c:v>0.2733080</c:v>
-                </c:pt>
-                <c:pt idx="2">
-                  <c:v>0.2818699</c:v>
-                </c:pt>
-                <c:pt idx="3">
-                  <c:v>0.2738343</c:v>
-                </c:pt>
-              </c:numCache>
-            </c:numRef>
-          </c:val>
-        </c:ser>
-        <c:dLbls>
-          <c:dLblPos val="outEnd"/>
-          <c:numFmt formatCode="0%" sourceLinked="0"/>
-          <c:separator val=", "/>
-          <c:showBubbleSize val="0"/>
-          <c:showCatName val="0"/>
-          <c:showLegendKey val="0"/>
-          <c:showPercent val="0"/>
-          <c:showSerName val="0"/>
-          <c:showVal val="1"/>
-        </c:dLbls>
-        <c:gapWidth val="150"/>
-        <c:overlap val="0"/>
-        <c:axId val="64451712"/>
-        <c:axId val="64453248"/>
-      </c:barChart>
-      <c:catAx>
-        <c:axId val="64451712"/>
-        <c:scaling>
-          <c:orientation val="minMax"/>
-        </c:scaling>
-        <c:delete val="0"/>
-        <c:axPos val="l"/>
-        <c:majorTickMark val="none"/>
-        <c:minorTickMark val="none"/>
-        <c:tickLblPos val="nextTo"/>
-        <c:txPr>
-          <a:bodyPr rot="0" vert="horz"/>
-          <a:lstStyle/>
-          <a:p>
-            <a:pPr>
-              <a:defRPr cap="none" sz="800" i="0" b="0" u="none">
-                <a:solidFill>
-                  <a:srgbClr val="000000">
-                    <a:alpha val="100000"/>
-                  </a:srgbClr>
-                </a:solidFill>
-                <a:latin typeface="Calibri"/>
-                <a:cs typeface="Calibri"/>
-                <a:ea typeface="Calibri"/>
-                <a:sym typeface="Calibri"/>
-              </a:defRPr>
-            </a:pPr>
-          </a:p>
-        </c:txPr>
-        <c:spPr>
-          <a:ln algn="ctr" w="12700">
-            <a:solidFill>
-              <a:srgbClr val="000000">
-                <a:alpha val="100000"/>
-              </a:srgbClr>
-            </a:solidFill>
-            <a:prstDash val="solid"/>
-          </a:ln>
-        </c:spPr>
-        <c:numFmt formatCode="General" sourceLinked="0"/>
-        <c:crossAx val="64453248"/>
-        <c:crosses val="autoZero"/>
-      </c:catAx>
-      <c:valAx>
-        <c:axId val="64453248"/>
-        <c:scaling>
-          <c:orientation val="minMax"/>
-          <c:max val="1.00"/>
-          <c:min val="0.00"/>
-        </c:scaling>
-        <c:delete val="0"/>
-        <c:axPos val="l"/>
-        <c:majorTickMark val="none"/>
-        <c:minorTickMark val="none"/>
-        <c:tickLblPos val="nextTo"/>
-        <c:txPr>
-          <a:bodyPr rot="0" vert="horz"/>
-          <a:lstStyle/>
-          <a:p>
-            <a:pPr>
-              <a:defRPr cap="none" sz="900" i="0" b="0" u="none">
-                <a:solidFill>
-                  <a:srgbClr val="000000">
-                    <a:alpha val="100000"/>
-                  </a:srgbClr>
-                </a:solidFill>
-                <a:latin typeface="Calibri"/>
-                <a:cs typeface="Calibri"/>
-                <a:ea typeface="Calibri"/>
-                <a:sym typeface="Calibri"/>
-              </a:defRPr>
-            </a:pPr>
-          </a:p>
-        </c:txPr>
-        <c:spPr>
-          <a:ln algn="ctr" w="12700">
-            <a:solidFill>
-              <a:srgbClr val="000000">
-                <a:alpha val="100000"/>
-              </a:srgbClr>
-            </a:solidFill>
-            <a:prstDash val="solid"/>
-          </a:ln>
-        </c:spPr>
-        <c:numFmt formatCode="0%" sourceLinked="0"/>
-        <c:crossAx val="64451712"/>
-        <c:crosses val="autoZero"/>
-      </c:valAx>
-    </c:plotArea>
-    <c:legend>
-      <c:legendPos val="b"/>
-      <c:layout/>
-      <c:overlay val="0"/>
-      <c:txPr xmlns:c="http://schemas.openxmlformats.org/drawingml/2006/chart" xmlns:a="http://schemas.openxmlformats.org/drawingml/2006/main">
-        <a:bodyPr/>
-        <a:lstStyle/>
-        <a:p>
-          <a:pPr>
-            <a:defRPr cap="none" sz="900" i="0" b="0" u="none">
-              <a:solidFill>
-                <a:srgbClr val="000000">
-                  <a:alpha val="100000"/>
-                </a:srgbClr>
-              </a:solidFill>
-              <a:latin typeface="Calibri"/>
-              <a:cs typeface="Calibri"/>
-              <a:ea typeface="Calibri"/>
-              <a:sym typeface="Calibri"/>
-            </a:defRPr>
-          </a:pPr>
-        </a:p>
-      </c:txPr>
-    </c:legend>
-    <c:plotVisOnly val="1"/>
-    <c:dispBlanksAs val="gap"/>
-    <c:showDLblsOverMax val="0"/>
-  </c:chart>
-  <c:txPr>
-    <a:bodyPr/>
-    <a:lstStyle/>
-    <a:p>
-      <a:pPr>
-        <a:defRPr sz="1800"/>
-      </a:pPr>
-      <a:endParaRPr lang="fr-FR"/>
-    </a:p>
-  </c:txPr>
-  <c:externalData r:id="rId1">
-    <c:autoUpdate val="0"/>
-  </c:externalData>
-</c:chartSpace>
-</file>
-
-<file path=ppt/charts/chart4c4c6bc27a39.xml><?xml version="1.0" encoding="utf-8"?>
-<c:chartSpace xmlns:c="http://schemas.openxmlformats.org/drawingml/2006/chart" xmlns:a="http://schemas.openxmlformats.org/drawingml/2006/main" xmlns:r="http://schemas.openxmlformats.org/officeDocument/2006/relationships">
-  <c:date1904 val="0"/>
-  <c:lang val="fr-FR"/>
-  <c:roundedCorners val="0"/>
-  <mc:AlternateContent xmlns:mc="http://schemas.openxmlformats.org/markup-compatibility/2006">
-    <mc:Choice xmlns:c14="http://schemas.microsoft.com/office/drawing/2007/8/2/chart" Requires="c14">
-      <c14:style val="118"/>
-    </mc:Choice>
-    <mc:Fallback>
-      <c:style val="18"/>
-    </mc:Fallback>
-  </mc:AlternateContent>
-  <c:chart>
-    <c:title xmlns:c="http://schemas.openxmlformats.org/drawingml/2006/chart" xmlns:a="http://schemas.openxmlformats.org/drawingml/2006/main" xmlns:r="http://schemas.openxmlformats.org/officeDocument/2006/relationships">
-      <c:tx>
-        <c:rich>
-          <a:bodyPr/>
-          <a:lstStyle/>
-          <a:p>
-            <a:pPr>
-              <a:defRPr/>
-            </a:pPr>
-            <a:r>
-              <a:rPr cap="none" sz="900" i="0" b="1" u="none">
-                <a:solidFill>
-                  <a:srgbClr val="000000">
-                    <a:alpha val="100000"/>
-                  </a:srgbClr>
-                </a:solidFill>
-                <a:latin typeface="Calibri"/>
-                <a:cs typeface="Calibri"/>
-                <a:ea typeface="Calibri"/>
-                <a:sym typeface="Calibri"/>
-              </a:rPr>
-              <a:t>Staafgrafiek Variant 17 liggend</a:t>
-            </a:r>
-          </a:p>
-        </c:rich>
-      </c:tx>
-      <c:layout/>
-      <c:overlay val="0"/>
-    </c:title>
-    <c:autoTitleDeleted val="0"/>
-    <c:plotArea xmlns:c="http://schemas.openxmlformats.org/drawingml/2006/chart" xmlns:a="http://schemas.openxmlformats.org/drawingml/2006/main" xmlns:r="http://schemas.openxmlformats.org/officeDocument/2006/relationships">
-      <c:layout/>
-      <c:barChart>
-        <c:barDir val="bar"/>
-        <c:grouping val="clustered"/>
-        <c:varyColors val="0"/>
-        <c:ser>
-          <c:idx val="0"/>
-          <c:order val="0"/>
-          <c:tx>
-            <c:strRef>
-              <c:f>sheet1!$B$1</c:f>
-              <c:strCache>
-                <c:ptCount val="1"/>
-                <c:pt idx="0">
-                  <c:v>Nederland</c:v>
-                </c:pt>
-              </c:strCache>
-            </c:strRef>
-          </c:tx>
-          <c:spPr>
-            <a:solidFill>
-              <a:srgbClr val="E54800">
-                <a:alpha val="100000"/>
-              </a:srgbClr>
-            </a:solidFill>
-            <a:ln w="25400">
-              <a:solidFill>
-                <a:srgbClr val="FFFFFF">
-                  <a:alpha val="0"/>
-                </a:srgbClr>
-              </a:solidFill>
-            </a:ln>
-            <a:effectLst/>
-          </c:spPr>
-          <c:invertIfNegative val="0"/>
-          <c:dLbls>
-            <c:dLblPos val="outEnd"/>
-            <c:numFmt formatCode="0%" sourceLinked="0"/>
-            <c:separator val=", "/>
-            <c:showBubbleSize val="0"/>
-            <c:showCatName val="0"/>
-            <c:showLegendKey val="0"/>
-            <c:showPercent val="0"/>
-            <c:showSerName val="0"/>
-            <c:showVal val="1"/>
-            <c:txPr>
-              <a:bodyPr/>
-              <a:lstStyle/>
-              <a:p>
-                <a:pPr>
-                  <a:defRPr cap="none" sz="800" i="0" b="0" u="none">
-                    <a:solidFill>
-                      <a:srgbClr val="000000">
-                        <a:alpha val="100000"/>
-                      </a:srgbClr>
-                    </a:solidFill>
-                    <a:latin typeface="Calibri"/>
-                    <a:cs typeface="Calibri"/>
-                    <a:ea typeface="Calibri"/>
-                    <a:sym typeface="Calibri"/>
-                  </a:defRPr>
-                </a:pPr>
-              </a:p>
-            </c:txPr>
-          </c:dLbls>
-          <c:cat>
-            <c:strRef>
-              <c:f>sheet1!$A$2:$A$5</c:f>
-              <c:strCache>
-                <c:ptCount val="4"/>
-                <c:pt idx="0">
-                  <c:v>Klas 4</c:v>
-                </c:pt>
-                <c:pt idx="1">
-                  <c:v>Klas 2</c:v>
-                </c:pt>
-                <c:pt idx="2">
-                  <c:v>Meisje</c:v>
-                </c:pt>
-                <c:pt idx="3">
-                  <c:v>Jongen</c:v>
-                </c:pt>
-              </c:strCache>
-            </c:strRef>
-          </c:cat>
-          <c:val>
-            <c:numRef>
-              <c:f>sheet1!$B$2:$B$5</c:f>
-              <c:numCache>
-                <c:ptCount val="4"/>
-                <c:pt idx="0">
-                  <c:v>0.2738343</c:v>
-                </c:pt>
-                <c:pt idx="1">
-                  <c:v>0.2818699</c:v>
-                </c:pt>
-                <c:pt idx="2">
-                  <c:v>0.2733080</c:v>
-                </c:pt>
-                <c:pt idx="3">
-                  <c:v>0.2810797</c:v>
-                </c:pt>
-              </c:numCache>
-            </c:numRef>
-          </c:val>
-        </c:ser>
-        <c:ser>
-          <c:idx val="1"/>
-          <c:order val="1"/>
-          <c:tx>
-            <c:strRef>
-              <c:f>sheet1!$C$1</c:f>
-              <c:strCache>
-                <c:ptCount val="1"/>
-                <c:pt idx="0">
-                  <c:v>Zandwijk</c:v>
-                </c:pt>
-              </c:strCache>
-            </c:strRef>
-          </c:tx>
-          <c:spPr>
-            <a:solidFill>
-              <a:srgbClr val="005C96">
-                <a:alpha val="100000"/>
-              </a:srgbClr>
-            </a:solidFill>
-            <a:ln w="25400">
-              <a:solidFill>
-                <a:srgbClr val="FFFFFF">
-                  <a:alpha val="0"/>
-                </a:srgbClr>
-              </a:solidFill>
-            </a:ln>
-            <a:effectLst/>
-          </c:spPr>
-          <c:invertIfNegative val="0"/>
-          <c:dLbls>
-            <c:dLblPos val="outEnd"/>
-            <c:numFmt formatCode="0%" sourceLinked="0"/>
-            <c:separator val=", "/>
-            <c:showBubbleSize val="0"/>
-            <c:showCatName val="0"/>
-            <c:showLegendKey val="0"/>
-            <c:showPercent val="0"/>
-            <c:showSerName val="0"/>
-            <c:showVal val="1"/>
-            <c:txPr>
-              <a:bodyPr/>
-              <a:lstStyle/>
-              <a:p>
-                <a:pPr>
-                  <a:defRPr cap="none" sz="800" i="0" b="0" u="none">
-                    <a:solidFill>
-                      <a:srgbClr val="000000">
-                        <a:alpha val="100000"/>
-                      </a:srgbClr>
-                    </a:solidFill>
-                    <a:latin typeface="Calibri"/>
-                    <a:cs typeface="Calibri"/>
-                    <a:ea typeface="Calibri"/>
-                    <a:sym typeface="Calibri"/>
-                  </a:defRPr>
-                </a:pPr>
-              </a:p>
-            </c:txPr>
-          </c:dLbls>
-          <c:cat>
-            <c:strRef>
-              <c:f>sheet1!$A$2:$A$5</c:f>
-              <c:strCache>
-                <c:ptCount val="4"/>
-                <c:pt idx="0">
-                  <c:v>Klas 4</c:v>
-                </c:pt>
-                <c:pt idx="1">
-                  <c:v>Klas 2</c:v>
-                </c:pt>
-                <c:pt idx="2">
-                  <c:v>Meisje</c:v>
-                </c:pt>
-                <c:pt idx="3">
-                  <c:v>Jongen</c:v>
-                </c:pt>
-              </c:strCache>
-            </c:strRef>
-          </c:cat>
-          <c:val>
-            <c:numRef>
-              <c:f>sheet1!$C$2:$C$5</c:f>
-              <c:numCache>
-                <c:ptCount val="4"/>
-                <c:pt idx="0">
-                  <c:v>0.2597708</c:v>
-                </c:pt>
-                <c:pt idx="1">
-                  <c:v>0.2994161</c:v>
-                </c:pt>
-                <c:pt idx="2">
-                  <c:v>0.2690928</c:v>
-                </c:pt>
-                <c:pt idx="3">
-                  <c:v>0.2885178</c:v>
-                </c:pt>
-              </c:numCache>
-            </c:numRef>
-          </c:val>
-        </c:ser>
-        <c:dLbls>
-          <c:dLblPos val="outEnd"/>
-          <c:numFmt formatCode="0%" sourceLinked="0"/>
-          <c:separator val=", "/>
-          <c:showBubbleSize val="0"/>
-          <c:showCatName val="0"/>
-          <c:showLegendKey val="0"/>
-          <c:showPercent val="0"/>
-          <c:showSerName val="0"/>
-          <c:showVal val="1"/>
-        </c:dLbls>
-        <c:gapWidth val="30"/>
-        <c:overlap val="-30"/>
-        <c:axId val="64451712"/>
-        <c:axId val="64453248"/>
-      </c:barChart>
-      <c:catAx>
-        <c:axId val="64451712"/>
-        <c:scaling>
-          <c:orientation val="minMax"/>
-        </c:scaling>
-        <c:delete val="0"/>
-        <c:axPos val="l"/>
-        <c:majorTickMark val="none"/>
-        <c:minorTickMark val="none"/>
-        <c:tickLblPos val="nextTo"/>
-        <c:txPr>
-          <a:bodyPr rot="0" vert="horz"/>
-          <a:lstStyle/>
-          <a:p>
-            <a:pPr>
-              <a:defRPr cap="none" sz="800" i="0" b="0" u="none">
-                <a:solidFill>
-                  <a:srgbClr val="000000">
-                    <a:alpha val="100000"/>
-                  </a:srgbClr>
-                </a:solidFill>
-                <a:latin typeface="Calibri"/>
-                <a:cs typeface="Calibri"/>
-                <a:ea typeface="Calibri"/>
-                <a:sym typeface="Calibri"/>
-              </a:defRPr>
-            </a:pPr>
-          </a:p>
-        </c:txPr>
-        <c:spPr>
-          <a:ln algn="ctr" w="12700">
-            <a:solidFill>
-              <a:srgbClr val="000000">
-                <a:alpha val="100000"/>
-              </a:srgbClr>
-            </a:solidFill>
-            <a:prstDash val="solid"/>
-          </a:ln>
-        </c:spPr>
-        <c:numFmt formatCode="General" sourceLinked="0"/>
-        <c:crossAx val="64453248"/>
-        <c:crosses val="autoZero"/>
-      </c:catAx>
-      <c:valAx>
-        <c:axId val="64453248"/>
-        <c:scaling>
-          <c:orientation val="minMax"/>
-          <c:max val="1.00"/>
-          <c:min val="0.00"/>
-        </c:scaling>
-        <c:delete val="0"/>
-        <c:axPos val="l"/>
-        <c:majorTickMark val="none"/>
-        <c:minorTickMark val="none"/>
-        <c:tickLblPos val="nextTo"/>
-        <c:txPr>
-          <a:bodyPr rot="0" vert="horz"/>
-          <a:lstStyle/>
-          <a:p>
-            <a:pPr>
-              <a:defRPr cap="none" sz="900" i="0" b="0" u="none">
-                <a:solidFill>
-                  <a:srgbClr val="000000">
-                    <a:alpha val="100000"/>
-                  </a:srgbClr>
-                </a:solidFill>
-                <a:latin typeface="Calibri"/>
-                <a:cs typeface="Calibri"/>
-                <a:ea typeface="Calibri"/>
-                <a:sym typeface="Calibri"/>
-              </a:defRPr>
-            </a:pPr>
-          </a:p>
-        </c:txPr>
-        <c:spPr>
-          <a:ln algn="ctr" w="12700">
-            <a:solidFill>
-              <a:srgbClr val="000000">
-                <a:alpha val="100000"/>
-              </a:srgbClr>
-            </a:solidFill>
-            <a:prstDash val="solid"/>
-          </a:ln>
-        </c:spPr>
-        <c:numFmt formatCode="0%" sourceLinked="0"/>
-        <c:crossAx val="64451712"/>
-        <c:crosses val="autoZero"/>
-      </c:valAx>
-    </c:plotArea>
-    <c:legend>
-      <c:legendPos val="b"/>
-      <c:layout/>
-      <c:overlay val="0"/>
-      <c:txPr xmlns:c="http://schemas.openxmlformats.org/drawingml/2006/chart" xmlns:a="http://schemas.openxmlformats.org/drawingml/2006/main">
-        <a:bodyPr/>
-        <a:lstStyle/>
-        <a:p>
-          <a:pPr>
-            <a:defRPr cap="none" sz="900" i="0" b="0" u="none">
-              <a:solidFill>
-                <a:srgbClr val="000000">
-                  <a:alpha val="100000"/>
-                </a:srgbClr>
-              </a:solidFill>
-              <a:latin typeface="Calibri"/>
-              <a:cs typeface="Calibri"/>
-              <a:ea typeface="Calibri"/>
-              <a:sym typeface="Calibri"/>
-            </a:defRPr>
-          </a:pPr>
-        </a:p>
-      </c:txPr>
-    </c:legend>
-    <c:plotVisOnly val="1"/>
-    <c:dispBlanksAs val="gap"/>
-    <c:showDLblsOverMax val="0"/>
-  </c:chart>
-  <c:txPr>
-    <a:bodyPr/>
-    <a:lstStyle/>
-    <a:p>
-      <a:pPr>
-        <a:defRPr sz="1800"/>
-      </a:pPr>
-      <a:endParaRPr lang="fr-FR"/>
-    </a:p>
-  </c:txPr>
-  <c:externalData r:id="rId1">
-    <c:autoUpdate val="0"/>
-  </c:externalData>
-</c:chartSpace>
-</file>
-
-<file path=ppt/charts/chart4c4c8aa1c33.xml><?xml version="1.0" encoding="utf-8"?>
-<c:chartSpace xmlns:c="http://schemas.openxmlformats.org/drawingml/2006/chart" xmlns:a="http://schemas.openxmlformats.org/drawingml/2006/main" xmlns:r="http://schemas.openxmlformats.org/officeDocument/2006/relationships">
-  <c:date1904 val="0"/>
-  <c:lang val="fr-FR"/>
-  <c:roundedCorners val="0"/>
-  <mc:AlternateContent xmlns:mc="http://schemas.openxmlformats.org/markup-compatibility/2006">
-    <mc:Choice xmlns:c14="http://schemas.microsoft.com/office/drawing/2007/8/2/chart" Requires="c14">
-      <c14:style val="118"/>
-    </mc:Choice>
-    <mc:Fallback>
-      <c:style val="18"/>
-    </mc:Fallback>
-  </mc:AlternateContent>
-  <c:chart>
-    <c:title xmlns:c="http://schemas.openxmlformats.org/drawingml/2006/chart" xmlns:a="http://schemas.openxmlformats.org/drawingml/2006/main" xmlns:r="http://schemas.openxmlformats.org/officeDocument/2006/relationships">
-      <c:tx>
-        <c:rich>
-          <a:bodyPr/>
-          <a:lstStyle/>
-          <a:p>
-            <a:pPr>
-              <a:defRPr/>
-            </a:pPr>
-            <a:r>
-              <a:rPr cap="none" sz="900" i="0" b="1" u="none">
-                <a:solidFill>
-                  <a:srgbClr val="000000">
-                    <a:alpha val="100000"/>
-                  </a:srgbClr>
-                </a:solidFill>
-                <a:latin typeface="Calibri"/>
-                <a:cs typeface="Calibri"/>
-                <a:ea typeface="Calibri"/>
-                <a:sym typeface="Calibri"/>
-              </a:rPr>
-              <a:t>Variant 16</a:t>
-            </a:r>
-          </a:p>
-        </c:rich>
-      </c:tx>
-      <c:layout/>
-      <c:overlay val="0"/>
-    </c:title>
-    <c:autoTitleDeleted val="0"/>
-    <c:plotArea xmlns:c="http://schemas.openxmlformats.org/drawingml/2006/chart" xmlns:a="http://schemas.openxmlformats.org/drawingml/2006/main" xmlns:r="http://schemas.openxmlformats.org/officeDocument/2006/relationships">
-      <c:layout/>
-      <c:barChart>
-        <c:barDir val="col"/>
-        <c:grouping val="clustered"/>
-        <c:varyColors val="0"/>
-        <c:ser>
-          <c:idx val="0"/>
-          <c:order val="0"/>
-          <c:tx>
-            <c:strRef>
-              <c:f>sheet1!$B$1</c:f>
-              <c:strCache>
-                <c:ptCount val="1"/>
-                <c:pt idx="0">
-                  <c:v>Jongen (Klas 2)</c:v>
-                </c:pt>
-              </c:strCache>
-            </c:strRef>
-          </c:tx>
-          <c:spPr>
-            <a:solidFill>
-              <a:srgbClr val="005C96">
-                <a:alpha val="100000"/>
-              </a:srgbClr>
-            </a:solidFill>
-            <a:ln w="25400">
-              <a:solidFill>
-                <a:srgbClr val="FFFFFF">
-                  <a:alpha val="0"/>
-                </a:srgbClr>
-              </a:solidFill>
-            </a:ln>
-            <a:effectLst/>
-          </c:spPr>
-          <c:invertIfNegative val="0"/>
-          <c:dLbls>
-            <c:dLblPos val="outEnd"/>
-            <c:numFmt formatCode="0%" sourceLinked="0"/>
-            <c:separator val=", "/>
-            <c:showBubbleSize val="0"/>
-            <c:showCatName val="0"/>
-            <c:showLegendKey val="0"/>
-            <c:showPercent val="0"/>
-            <c:showSerName val="0"/>
-            <c:showVal val="1"/>
-            <c:txPr>
-              <a:bodyPr/>
-              <a:lstStyle/>
-              <a:p>
-                <a:pPr>
-                  <a:defRPr cap="none" sz="800" i="0" b="0" u="none">
-                    <a:solidFill>
-                      <a:srgbClr val="000000">
-                        <a:alpha val="100000"/>
-                      </a:srgbClr>
-                    </a:solidFill>
-                    <a:latin typeface="Calibri"/>
-                    <a:cs typeface="Calibri"/>
-                    <a:ea typeface="Calibri"/>
-                    <a:sym typeface="Calibri"/>
-                  </a:defRPr>
-                </a:pPr>
-              </a:p>
-            </c:txPr>
-          </c:dLbls>
-          <c:cat>
-            <c:strRef>
-              <c:f>sheet1!$A$2:$A$4</c:f>
-              <c:strCache>
-                <c:ptCount val="3"/>
-                <c:pt idx="0">
-                  <c:v>Heeft psychische klachten</c:v>
-                </c:pt>
-                <c:pt idx="1">
-                  <c:v>Geeft geen mantelzorg</c:v>
-                </c:pt>
-                <c:pt idx="2">
-                  <c:v>Heeft een zeer goede gezondheid</c:v>
-                </c:pt>
-              </c:strCache>
-            </c:strRef>
-          </c:cat>
-          <c:val>
-            <c:numRef>
-              <c:f>sheet1!$B$2:$B$4</c:f>
-              <c:numCache>
-                <c:ptCount val="3"/>
-                <c:pt idx="0">
-                  <c:v>0.2942601</c:v>
-                </c:pt>
-                <c:pt idx="1">
-                  <c:v>0.8574598</c:v>
-                </c:pt>
-                <c:pt idx="2">
-                  <c:v>0.3193977</c:v>
-                </c:pt>
-              </c:numCache>
-            </c:numRef>
-          </c:val>
-        </c:ser>
-        <c:ser>
-          <c:idx val="1"/>
-          <c:order val="1"/>
-          <c:tx>
-            <c:strRef>
-              <c:f>sheet1!$C$1</c:f>
-              <c:strCache>
-                <c:ptCount val="1"/>
-                <c:pt idx="0">
-                  <c:v>Jongen (Klas 4)</c:v>
-                </c:pt>
-              </c:strCache>
-            </c:strRef>
-          </c:tx>
-          <c:spPr>
-            <a:solidFill>
-              <a:srgbClr val="6FC7FF">
-                <a:alpha val="100000"/>
-              </a:srgbClr>
-            </a:solidFill>
-            <a:ln w="25400">
-              <a:solidFill>
-                <a:srgbClr val="FFFFFF">
-                  <a:alpha val="0"/>
-                </a:srgbClr>
-              </a:solidFill>
-            </a:ln>
-            <a:effectLst/>
-          </c:spPr>
-          <c:invertIfNegative val="0"/>
-          <c:dLbls>
-            <c:dLblPos val="outEnd"/>
-            <c:numFmt formatCode="0%" sourceLinked="0"/>
-            <c:separator val=", "/>
-            <c:showBubbleSize val="0"/>
-            <c:showCatName val="0"/>
-            <c:showLegendKey val="0"/>
-            <c:showPercent val="0"/>
-            <c:showSerName val="0"/>
-            <c:showVal val="1"/>
-            <c:txPr>
-              <a:bodyPr/>
-              <a:lstStyle/>
-              <a:p>
-                <a:pPr>
-                  <a:defRPr cap="none" sz="800" i="0" b="0" u="none">
-                    <a:solidFill>
-                      <a:srgbClr val="000000">
-                        <a:alpha val="100000"/>
-                      </a:srgbClr>
-                    </a:solidFill>
-                    <a:latin typeface="Calibri"/>
-                    <a:cs typeface="Calibri"/>
-                    <a:ea typeface="Calibri"/>
-                    <a:sym typeface="Calibri"/>
-                  </a:defRPr>
-                </a:pPr>
-              </a:p>
-            </c:txPr>
-          </c:dLbls>
-          <c:cat>
-            <c:strRef>
-              <c:f>sheet1!$A$2:$A$4</c:f>
-              <c:strCache>
-                <c:ptCount val="3"/>
-                <c:pt idx="0">
-                  <c:v>Heeft psychische klachten</c:v>
-                </c:pt>
-                <c:pt idx="1">
-                  <c:v>Geeft geen mantelzorg</c:v>
-                </c:pt>
-                <c:pt idx="2">
-                  <c:v>Heeft een zeer goede gezondheid</c:v>
-                </c:pt>
-              </c:strCache>
-            </c:strRef>
-          </c:cat>
-          <c:val>
-            <c:numRef>
-              <c:f>sheet1!$C$2:$C$4</c:f>
-              <c:numCache>
-                <c:ptCount val="3"/>
-                <c:pt idx="0">
-                  <c:v>0.2788376</c:v>
-                </c:pt>
-                <c:pt idx="1">
-                  <c:v>0.8494683</c:v>
-                </c:pt>
-                <c:pt idx="2">
-                  <c:v>0.2946568</c:v>
-                </c:pt>
-              </c:numCache>
-            </c:numRef>
-          </c:val>
-        </c:ser>
-        <c:ser>
-          <c:idx val="2"/>
-          <c:order val="2"/>
-          <c:tx>
-            <c:strRef>
-              <c:f>sheet1!$D$1</c:f>
-              <c:strCache>
-                <c:ptCount val="1"/>
-                <c:pt idx="0">
-                  <c:v>Meisje (Klas 2)</c:v>
-                </c:pt>
-              </c:strCache>
-            </c:strRef>
-          </c:tx>
-          <c:spPr>
-            <a:solidFill>
-              <a:srgbClr val="E54800">
-                <a:alpha val="100000"/>
-              </a:srgbClr>
-            </a:solidFill>
-            <a:ln w="25400">
-              <a:solidFill>
-                <a:srgbClr val="FFFFFF">
-                  <a:alpha val="0"/>
-                </a:srgbClr>
-              </a:solidFill>
-            </a:ln>
-            <a:effectLst/>
-          </c:spPr>
-          <c:invertIfNegative val="0"/>
-          <c:dLbls>
-            <c:dLblPos val="outEnd"/>
-            <c:numFmt formatCode="0%" sourceLinked="0"/>
-            <c:separator val=", "/>
-            <c:showBubbleSize val="0"/>
-            <c:showCatName val="0"/>
-            <c:showLegendKey val="0"/>
-            <c:showPercent val="0"/>
-            <c:showSerName val="0"/>
-            <c:showVal val="1"/>
-            <c:txPr>
-              <a:bodyPr/>
-              <a:lstStyle/>
-              <a:p>
-                <a:pPr>
-                  <a:defRPr cap="none" sz="800" i="0" b="0" u="none">
-                    <a:solidFill>
-                      <a:srgbClr val="000000">
-                        <a:alpha val="100000"/>
-                      </a:srgbClr>
-                    </a:solidFill>
-                    <a:latin typeface="Calibri"/>
-                    <a:cs typeface="Calibri"/>
-                    <a:ea typeface="Calibri"/>
-                    <a:sym typeface="Calibri"/>
-                  </a:defRPr>
-                </a:pPr>
-              </a:p>
-            </c:txPr>
-          </c:dLbls>
-          <c:cat>
-            <c:strRef>
-              <c:f>sheet1!$A$2:$A$4</c:f>
-              <c:strCache>
-                <c:ptCount val="3"/>
-                <c:pt idx="0">
-                  <c:v>Heeft psychische klachten</c:v>
-                </c:pt>
-                <c:pt idx="1">
-                  <c:v>Geeft geen mantelzorg</c:v>
-                </c:pt>
-                <c:pt idx="2">
-                  <c:v>Heeft een zeer goede gezondheid</c:v>
-                </c:pt>
-              </c:strCache>
-            </c:strRef>
-          </c:cat>
-          <c:val>
-            <c:numRef>
-              <c:f>sheet1!$D$2:$D$4</c:f>
-              <c:numCache>
-                <c:ptCount val="3"/>
-                <c:pt idx="0">
-                  <c:v>0.2950323</c:v>
-                </c:pt>
-                <c:pt idx="1">
-                  <c:v>0.8496340</c:v>
-                </c:pt>
-                <c:pt idx="2">
-                  <c:v>0.3416346</c:v>
-                </c:pt>
-              </c:numCache>
-            </c:numRef>
-          </c:val>
-        </c:ser>
-        <c:ser>
-          <c:idx val="3"/>
-          <c:order val="3"/>
-          <c:tx>
-            <c:strRef>
-              <c:f>sheet1!$E$1</c:f>
-              <c:strCache>
-                <c:ptCount val="1"/>
-                <c:pt idx="0">
-                  <c:v>Meisje (Klas 4)</c:v>
-                </c:pt>
-              </c:strCache>
-            </c:strRef>
-          </c:tx>
-          <c:spPr>
-            <a:solidFill>
-              <a:srgbClr val="FFB18E">
-                <a:alpha val="100000"/>
-              </a:srgbClr>
-            </a:solidFill>
-            <a:ln w="25400">
-              <a:solidFill>
-                <a:srgbClr val="FFFFFF">
-                  <a:alpha val="0"/>
-                </a:srgbClr>
-              </a:solidFill>
-            </a:ln>
-            <a:effectLst/>
-          </c:spPr>
-          <c:invertIfNegative val="0"/>
-          <c:dLbls>
-            <c:dLblPos val="outEnd"/>
-            <c:numFmt formatCode="0%" sourceLinked="0"/>
-            <c:separator val=", "/>
-            <c:showBubbleSize val="0"/>
-            <c:showCatName val="0"/>
-            <c:showLegendKey val="0"/>
-            <c:showPercent val="0"/>
-            <c:showSerName val="0"/>
-            <c:showVal val="1"/>
-            <c:txPr>
-              <a:bodyPr/>
-              <a:lstStyle/>
-              <a:p>
-                <a:pPr>
-                  <a:defRPr cap="none" sz="800" i="0" b="0" u="none">
-                    <a:solidFill>
-                      <a:srgbClr val="000000">
-                        <a:alpha val="100000"/>
-                      </a:srgbClr>
-                    </a:solidFill>
-                    <a:latin typeface="Calibri"/>
-                    <a:cs typeface="Calibri"/>
-                    <a:ea typeface="Calibri"/>
-                    <a:sym typeface="Calibri"/>
-                  </a:defRPr>
-                </a:pPr>
-              </a:p>
-            </c:txPr>
-          </c:dLbls>
-          <c:cat>
-            <c:strRef>
-              <c:f>sheet1!$A$2:$A$4</c:f>
-              <c:strCache>
-                <c:ptCount val="3"/>
-                <c:pt idx="0">
-                  <c:v>Heeft psychische klachten</c:v>
-                </c:pt>
-                <c:pt idx="1">
-                  <c:v>Geeft geen mantelzorg</c:v>
-                </c:pt>
-                <c:pt idx="2">
-                  <c:v>Heeft een zeer goede gezondheid</c:v>
-                </c:pt>
-              </c:strCache>
-            </c:strRef>
-          </c:cat>
-          <c:val>
-            <c:numRef>
-              <c:f>sheet1!$E$2:$E$4</c:f>
-              <c:numCache>
-                <c:ptCount val="3"/>
-                <c:pt idx="0">
-                  <c:v>0.2381023</c:v>
-                </c:pt>
-                <c:pt idx="1">
-                  <c:v>0.8590691</c:v>
-                </c:pt>
-                <c:pt idx="2">
-                  <c:v>0.2990743</c:v>
-                </c:pt>
-              </c:numCache>
-            </c:numRef>
-          </c:val>
-        </c:ser>
-        <c:dLbls>
-          <c:dLblPos val="outEnd"/>
-          <c:numFmt formatCode="0%" sourceLinked="0"/>
-          <c:separator val=", "/>
-          <c:showBubbleSize val="0"/>
-          <c:showCatName val="0"/>
-          <c:showLegendKey val="0"/>
-          <c:showPercent val="0"/>
-          <c:showSerName val="0"/>
-          <c:showVal val="1"/>
-        </c:dLbls>
-        <c:gapWidth val="150"/>
-        <c:overlap val="0"/>
-        <c:axId val="64451712"/>
-        <c:axId val="64453248"/>
-      </c:barChart>
-      <c:catAx>
-        <c:axId val="64451712"/>
-        <c:scaling>
-          <c:orientation val="minMax"/>
-        </c:scaling>
-        <c:delete val="0"/>
-        <c:axPos val="l"/>
-        <c:majorTickMark val="none"/>
-        <c:minorTickMark val="none"/>
-        <c:tickLblPos val="nextTo"/>
-        <c:txPr>
-          <a:bodyPr rot="0" vert="horz"/>
-          <a:lstStyle/>
-          <a:p>
-            <a:pPr>
-              <a:defRPr cap="none" sz="800" i="0" b="0" u="none">
-                <a:solidFill>
-                  <a:srgbClr val="000000">
-                    <a:alpha val="100000"/>
-                  </a:srgbClr>
-                </a:solidFill>
-                <a:latin typeface="Calibri"/>
-                <a:cs typeface="Calibri"/>
-                <a:ea typeface="Calibri"/>
-                <a:sym typeface="Calibri"/>
-              </a:defRPr>
-            </a:pPr>
-          </a:p>
-        </c:txPr>
-        <c:spPr>
-          <a:ln algn="ctr" w="12700">
-            <a:solidFill>
-              <a:srgbClr val="000000">
-                <a:alpha val="100000"/>
-              </a:srgbClr>
-            </a:solidFill>
-            <a:prstDash val="solid"/>
-          </a:ln>
-        </c:spPr>
-        <c:numFmt formatCode="General" sourceLinked="0"/>
-        <c:crossAx val="64453248"/>
-        <c:crosses val="autoZero"/>
-      </c:catAx>
-      <c:valAx>
-        <c:axId val="64453248"/>
-        <c:scaling>
-          <c:orientation val="minMax"/>
-          <c:max val="1.00"/>
-          <c:min val="0.00"/>
-        </c:scaling>
-        <c:delete val="0"/>
-        <c:axPos val="l"/>
-        <c:majorTickMark val="none"/>
-        <c:minorTickMark val="none"/>
-        <c:tickLblPos val="nextTo"/>
-        <c:txPr>
-          <a:bodyPr rot="0" vert="horz"/>
-          <a:lstStyle/>
-          <a:p>
-            <a:pPr>
-              <a:defRPr cap="none" sz="900" i="0" b="0" u="none">
-                <a:solidFill>
-                  <a:srgbClr val="000000">
-                    <a:alpha val="100000"/>
-                  </a:srgbClr>
-                </a:solidFill>
-                <a:latin typeface="Calibri"/>
-                <a:cs typeface="Calibri"/>
-                <a:ea typeface="Calibri"/>
-                <a:sym typeface="Calibri"/>
-              </a:defRPr>
-            </a:pPr>
-          </a:p>
-        </c:txPr>
-        <c:spPr>
-          <a:ln algn="ctr" w="12700">
-            <a:solidFill>
-              <a:srgbClr val="000000">
-                <a:alpha val="100000"/>
-              </a:srgbClr>
-            </a:solidFill>
-            <a:prstDash val="solid"/>
-          </a:ln>
-        </c:spPr>
-        <c:numFmt formatCode="0%" sourceLinked="0"/>
-        <c:crossAx val="64451712"/>
-        <c:crosses val="autoZero"/>
-      </c:valAx>
-    </c:plotArea>
-    <c:legend>
-      <c:legendPos val="b"/>
-      <c:layout/>
-      <c:overlay val="0"/>
-      <c:txPr xmlns:c="http://schemas.openxmlformats.org/drawingml/2006/chart" xmlns:a="http://schemas.openxmlformats.org/drawingml/2006/main">
-        <a:bodyPr/>
-        <a:lstStyle/>
-        <a:p>
-          <a:pPr>
-            <a:defRPr cap="none" sz="900" i="0" b="0" u="none">
-              <a:solidFill>
-                <a:srgbClr val="000000">
-                  <a:alpha val="100000"/>
-                </a:srgbClr>
-              </a:solidFill>
-              <a:latin typeface="Calibri"/>
-              <a:cs typeface="Calibri"/>
-              <a:ea typeface="Calibri"/>
-              <a:sym typeface="Calibri"/>
-            </a:defRPr>
-          </a:pPr>
-        </a:p>
-      </c:txPr>
-    </c:legend>
-    <c:plotVisOnly val="1"/>
-    <c:dispBlanksAs val="gap"/>
-    <c:showDLblsOverMax val="0"/>
-  </c:chart>
-  <c:txPr>
-    <a:bodyPr/>
-    <a:lstStyle/>
-    <a:p>
-      <a:pPr>
-        <a:defRPr sz="1800"/>
-      </a:pPr>
-      <a:endParaRPr lang="fr-FR"/>
-    </a:p>
-  </c:txPr>
-  <c:externalData r:id="rId1">
-    <c:autoUpdate val="0"/>
-  </c:externalData>
-</c:chartSpace>
-</file>
-
-<file path=ppt/charts/chart4c4cb241a9e.xml><?xml version="1.0" encoding="utf-8"?>
-<c:chartSpace xmlns:c="http://schemas.openxmlformats.org/drawingml/2006/chart" xmlns:a="http://schemas.openxmlformats.org/drawingml/2006/main" xmlns:r="http://schemas.openxmlformats.org/officeDocument/2006/relationships">
-  <c:date1904 val="0"/>
-  <c:lang val="fr-FR"/>
-  <c:roundedCorners val="0"/>
-  <mc:AlternateContent xmlns:mc="http://schemas.openxmlformats.org/markup-compatibility/2006">
-    <mc:Choice xmlns:c14="http://schemas.microsoft.com/office/drawing/2007/8/2/chart" Requires="c14">
-      <c14:style val="118"/>
-    </mc:Choice>
-    <mc:Fallback>
-      <c:style val="18"/>
-    </mc:Fallback>
-  </mc:AlternateContent>
-  <c:chart>
-    <c:title xmlns:c="http://schemas.openxmlformats.org/drawingml/2006/chart" xmlns:a="http://schemas.openxmlformats.org/drawingml/2006/main" xmlns:r="http://schemas.openxmlformats.org/officeDocument/2006/relationships">
-      <c:tx>
-        <c:rich>
-          <a:bodyPr/>
-          <a:lstStyle/>
-          <a:p>
-            <a:pPr>
-              <a:defRPr/>
-            </a:pPr>
-            <a:r>
-              <a:rPr cap="none" sz="900" i="0" b="1" u="none">
-                <a:solidFill>
-                  <a:srgbClr val="000000">
-                    <a:alpha val="100000"/>
-                  </a:srgbClr>
-                </a:solidFill>
-                <a:latin typeface="Calibri"/>
-                <a:cs typeface="Calibri"/>
-                <a:ea typeface="Calibri"/>
-                <a:sym typeface="Calibri"/>
-              </a:rPr>
-              <a:t>Staafgrafiek Variant 17 met aangepaste y-as</a:t>
-            </a:r>
-          </a:p>
-        </c:rich>
-      </c:tx>
-      <c:layout/>
-      <c:overlay val="0"/>
-    </c:title>
-    <c:autoTitleDeleted val="0"/>
-    <c:plotArea xmlns:c="http://schemas.openxmlformats.org/drawingml/2006/chart" xmlns:a="http://schemas.openxmlformats.org/drawingml/2006/main" xmlns:r="http://schemas.openxmlformats.org/officeDocument/2006/relationships">
-      <c:layout/>
-      <c:barChart>
-        <c:barDir val="col"/>
-        <c:grouping val="clustered"/>
-        <c:varyColors val="0"/>
-        <c:ser>
-          <c:idx val="0"/>
-          <c:order val="0"/>
-          <c:tx>
-            <c:strRef>
-              <c:f>sheet1!$B$1</c:f>
-              <c:strCache>
-                <c:ptCount val="1"/>
-                <c:pt idx="0">
-                  <c:v>Zandwijk</c:v>
-                </c:pt>
-              </c:strCache>
-            </c:strRef>
-          </c:tx>
-          <c:spPr>
-            <a:solidFill>
-              <a:srgbClr val="005C96">
-                <a:alpha val="100000"/>
-              </a:srgbClr>
-            </a:solidFill>
-            <a:ln w="25400">
-              <a:solidFill>
-                <a:srgbClr val="FFFFFF">
-                  <a:alpha val="0"/>
-                </a:srgbClr>
-              </a:solidFill>
-            </a:ln>
-            <a:effectLst/>
-          </c:spPr>
-          <c:invertIfNegative val="0"/>
-          <c:dLbls>
-            <c:dLblPos val="outEnd"/>
-            <c:numFmt formatCode="0%" sourceLinked="0"/>
-            <c:separator val=", "/>
-            <c:showBubbleSize val="0"/>
-            <c:showCatName val="0"/>
-            <c:showLegendKey val="0"/>
-            <c:showPercent val="0"/>
-            <c:showSerName val="0"/>
-            <c:showVal val="1"/>
-            <c:txPr>
-              <a:bodyPr/>
-              <a:lstStyle/>
-              <a:p>
-                <a:pPr>
-                  <a:defRPr cap="none" sz="800" i="0" b="0" u="none">
-                    <a:solidFill>
-                      <a:srgbClr val="000000">
-                        <a:alpha val="100000"/>
-                      </a:srgbClr>
-                    </a:solidFill>
-                    <a:latin typeface="Calibri"/>
-                    <a:cs typeface="Calibri"/>
-                    <a:ea typeface="Calibri"/>
-                    <a:sym typeface="Calibri"/>
-                  </a:defRPr>
-                </a:pPr>
-              </a:p>
-            </c:txPr>
-          </c:dLbls>
-          <c:cat>
-            <c:strRef>
-              <c:f>sheet1!$A$2:$A$5</c:f>
-              <c:strCache>
-                <c:ptCount val="4"/>
-                <c:pt idx="0">
-                  <c:v>Jongen</c:v>
-                </c:pt>
-                <c:pt idx="1">
-                  <c:v>Meisje</c:v>
-                </c:pt>
-                <c:pt idx="2">
-                  <c:v>Klas 2</c:v>
-                </c:pt>
-                <c:pt idx="3">
-                  <c:v>Klas 4</c:v>
-                </c:pt>
-              </c:strCache>
-            </c:strRef>
-          </c:cat>
-          <c:val>
-            <c:numRef>
-              <c:f>sheet1!$B$2:$B$5</c:f>
-              <c:numCache>
-                <c:ptCount val="4"/>
-                <c:pt idx="0">
-                  <c:v>0.2885178</c:v>
-                </c:pt>
-                <c:pt idx="1">
-                  <c:v>0.2690928</c:v>
-                </c:pt>
-                <c:pt idx="2">
-                  <c:v>0.2994161</c:v>
-                </c:pt>
-                <c:pt idx="3">
-                  <c:v>0.2597708</c:v>
-                </c:pt>
-              </c:numCache>
-            </c:numRef>
-          </c:val>
-        </c:ser>
-        <c:ser>
-          <c:idx val="1"/>
-          <c:order val="1"/>
-          <c:tx>
-            <c:strRef>
-              <c:f>sheet1!$C$1</c:f>
-              <c:strCache>
-                <c:ptCount val="1"/>
-                <c:pt idx="0">
-                  <c:v>Nederland</c:v>
-                </c:pt>
-              </c:strCache>
-            </c:strRef>
-          </c:tx>
-          <c:spPr>
-            <a:solidFill>
-              <a:srgbClr val="E54800">
-                <a:alpha val="100000"/>
-              </a:srgbClr>
-            </a:solidFill>
-            <a:ln w="25400">
-              <a:solidFill>
-                <a:srgbClr val="FFFFFF">
-                  <a:alpha val="0"/>
-                </a:srgbClr>
-              </a:solidFill>
-            </a:ln>
-            <a:effectLst/>
-          </c:spPr>
-          <c:invertIfNegative val="0"/>
-          <c:dLbls>
-            <c:dLblPos val="outEnd"/>
-            <c:numFmt formatCode="0%" sourceLinked="0"/>
-            <c:separator val=", "/>
-            <c:showBubbleSize val="0"/>
-            <c:showCatName val="0"/>
-            <c:showLegendKey val="0"/>
-            <c:showPercent val="0"/>
-            <c:showSerName val="0"/>
-            <c:showVal val="1"/>
-            <c:txPr>
-              <a:bodyPr/>
-              <a:lstStyle/>
-              <a:p>
-                <a:pPr>
-                  <a:defRPr cap="none" sz="800" i="0" b="0" u="none">
-                    <a:solidFill>
-                      <a:srgbClr val="000000">
-                        <a:alpha val="100000"/>
-                      </a:srgbClr>
-                    </a:solidFill>
-                    <a:latin typeface="Calibri"/>
-                    <a:cs typeface="Calibri"/>
-                    <a:ea typeface="Calibri"/>
-                    <a:sym typeface="Calibri"/>
-                  </a:defRPr>
-                </a:pPr>
-              </a:p>
-            </c:txPr>
-          </c:dLbls>
-          <c:cat>
-            <c:strRef>
-              <c:f>sheet1!$A$2:$A$5</c:f>
-              <c:strCache>
-                <c:ptCount val="4"/>
-                <c:pt idx="0">
-                  <c:v>Jongen</c:v>
-                </c:pt>
-                <c:pt idx="1">
-                  <c:v>Meisje</c:v>
-                </c:pt>
-                <c:pt idx="2">
-                  <c:v>Klas 2</c:v>
-                </c:pt>
-                <c:pt idx="3">
-                  <c:v>Klas 4</c:v>
-                </c:pt>
-              </c:strCache>
-            </c:strRef>
-          </c:cat>
-          <c:val>
-            <c:numRef>
-              <c:f>sheet1!$C$2:$C$5</c:f>
-              <c:numCache>
-                <c:ptCount val="4"/>
-                <c:pt idx="0">
-                  <c:v>0.2810797</c:v>
-                </c:pt>
-                <c:pt idx="1">
-                  <c:v>0.2733080</c:v>
-                </c:pt>
-                <c:pt idx="2">
-                  <c:v>0.2818699</c:v>
-                </c:pt>
-                <c:pt idx="3">
-                  <c:v>0.2738343</c:v>
-                </c:pt>
-              </c:numCache>
-            </c:numRef>
-          </c:val>
-        </c:ser>
-        <c:dLbls>
-          <c:dLblPos val="outEnd"/>
-          <c:numFmt formatCode="0%" sourceLinked="0"/>
-          <c:separator val=", "/>
-          <c:showBubbleSize val="0"/>
-          <c:showCatName val="0"/>
-          <c:showLegendKey val="0"/>
-          <c:showPercent val="0"/>
-          <c:showSerName val="0"/>
-          <c:showVal val="1"/>
-        </c:dLbls>
-        <c:gapWidth val="150"/>
-        <c:overlap val="0"/>
-        <c:axId val="64451712"/>
-        <c:axId val="64453248"/>
-      </c:barChart>
-      <c:catAx>
-        <c:axId val="64451712"/>
-        <c:scaling>
-          <c:orientation val="minMax"/>
-        </c:scaling>
-        <c:delete val="0"/>
-        <c:axPos val="l"/>
-        <c:majorTickMark val="none"/>
-        <c:minorTickMark val="none"/>
-        <c:tickLblPos val="nextTo"/>
-        <c:txPr>
-          <a:bodyPr rot="0" vert="horz"/>
-          <a:lstStyle/>
-          <a:p>
-            <a:pPr>
-              <a:defRPr cap="none" sz="800" i="0" b="0" u="none">
-                <a:solidFill>
-                  <a:srgbClr val="000000">
-                    <a:alpha val="100000"/>
-                  </a:srgbClr>
-                </a:solidFill>
-                <a:latin typeface="Calibri"/>
-                <a:cs typeface="Calibri"/>
-                <a:ea typeface="Calibri"/>
-                <a:sym typeface="Calibri"/>
-              </a:defRPr>
-            </a:pPr>
-          </a:p>
-        </c:txPr>
-        <c:spPr>
-          <a:ln algn="ctr" w="12700">
-            <a:solidFill>
-              <a:srgbClr val="000000">
-                <a:alpha val="100000"/>
-              </a:srgbClr>
-            </a:solidFill>
-            <a:prstDash val="solid"/>
-          </a:ln>
-        </c:spPr>
-        <c:numFmt formatCode="General" sourceLinked="0"/>
-        <c:crossAx val="64453248"/>
-        <c:crosses val="autoZero"/>
-      </c:catAx>
-      <c:valAx>
-        <c:axId val="64453248"/>
-        <c:scaling>
-          <c:orientation val="minMax"/>
-          <c:max val="0.50"/>
-          <c:min val="0.00"/>
-        </c:scaling>
-        <c:delete val="0"/>
-        <c:axPos val="l"/>
-        <c:majorTickMark val="none"/>
-        <c:minorTickMark val="none"/>
-        <c:tickLblPos val="nextTo"/>
-        <c:txPr>
-          <a:bodyPr rot="0" vert="horz"/>
-          <a:lstStyle/>
-          <a:p>
-            <a:pPr>
-              <a:defRPr cap="none" sz="900" i="0" b="0" u="none">
-                <a:solidFill>
-                  <a:srgbClr val="000000">
-                    <a:alpha val="100000"/>
-                  </a:srgbClr>
-                </a:solidFill>
-                <a:latin typeface="Calibri"/>
-                <a:cs typeface="Calibri"/>
-                <a:ea typeface="Calibri"/>
-                <a:sym typeface="Calibri"/>
-              </a:defRPr>
-            </a:pPr>
-          </a:p>
-        </c:txPr>
-        <c:spPr>
-          <a:ln algn="ctr" w="12700">
-            <a:solidFill>
-              <a:srgbClr val="000000">
-                <a:alpha val="100000"/>
-              </a:srgbClr>
-            </a:solidFill>
-            <a:prstDash val="solid"/>
-          </a:ln>
-        </c:spPr>
-        <c:numFmt formatCode="0%" sourceLinked="0"/>
-        <c:crossAx val="64451712"/>
-        <c:crosses val="autoZero"/>
-      </c:valAx>
-    </c:plotArea>
-    <c:legend>
-      <c:legendPos val="b"/>
-      <c:layout/>
-      <c:overlay val="0"/>
-      <c:txPr xmlns:c="http://schemas.openxmlformats.org/drawingml/2006/chart" xmlns:a="http://schemas.openxmlformats.org/drawingml/2006/main">
-        <a:bodyPr/>
-        <a:lstStyle/>
-        <a:p>
-          <a:pPr>
-            <a:defRPr cap="none" sz="900" i="0" b="0" u="none">
-              <a:solidFill>
-                <a:srgbClr val="000000">
-                  <a:alpha val="100000"/>
-                </a:srgbClr>
-              </a:solidFill>
-              <a:latin typeface="Calibri"/>
-              <a:cs typeface="Calibri"/>
-              <a:ea typeface="Calibri"/>
-              <a:sym typeface="Calibri"/>
-            </a:defRPr>
-          </a:pPr>
-        </a:p>
-      </c:txPr>
-    </c:legend>
-    <c:plotVisOnly val="1"/>
-    <c:dispBlanksAs val="gap"/>
-    <c:showDLblsOverMax val="0"/>
-  </c:chart>
-  <c:txPr>
-    <a:bodyPr/>
-    <a:lstStyle/>
-    <a:p>
-      <a:pPr>
-        <a:defRPr sz="1800"/>
-      </a:pPr>
-      <a:endParaRPr lang="fr-FR"/>
-    </a:p>
-  </c:txPr>
-  <c:externalData r:id="rId1">
-    <c:autoUpdate val="0"/>
-  </c:externalData>
-</c:chartSpace>
-</file>
-
-<file path=ppt/charts/chart4c4cc6737a8.xml><?xml version="1.0" encoding="utf-8"?>
-<c:chartSpace xmlns:c="http://schemas.openxmlformats.org/drawingml/2006/chart" xmlns:a="http://schemas.openxmlformats.org/drawingml/2006/main" xmlns:r="http://schemas.openxmlformats.org/officeDocument/2006/relationships">
-  <c:date1904 val="0"/>
-  <c:lang val="fr-FR"/>
-  <c:roundedCorners val="0"/>
-  <mc:AlternateContent xmlns:mc="http://schemas.openxmlformats.org/markup-compatibility/2006">
-    <mc:Choice xmlns:c14="http://schemas.microsoft.com/office/drawing/2007/8/2/chart" Requires="c14">
-      <c14:style val="118"/>
-    </mc:Choice>
-    <mc:Fallback>
-      <c:style val="18"/>
-    </mc:Fallback>
-  </mc:AlternateContent>
-  <c:chart>
-    <c:title xmlns:c="http://schemas.openxmlformats.org/drawingml/2006/chart" xmlns:a="http://schemas.openxmlformats.org/drawingml/2006/main" xmlns:r="http://schemas.openxmlformats.org/officeDocument/2006/relationships">
-      <c:tx>
-        <c:rich>
-          <a:bodyPr/>
-          <a:lstStyle/>
-          <a:p>
-            <a:pPr>
-              <a:defRPr/>
-            </a:pPr>
-            <a:r>
-              <a:rPr cap="none" sz="900" i="0" b="1" u="none">
-                <a:solidFill>
-                  <a:srgbClr val="000000">
-                    <a:alpha val="100000"/>
-                  </a:srgbClr>
-                </a:solidFill>
-                <a:latin typeface="Calibri"/>
-                <a:cs typeface="Calibri"/>
-                <a:ea typeface="Calibri"/>
-                <a:sym typeface="Calibri"/>
-              </a:rPr>
-              <a:t>Variant 1</a:t>
-            </a:r>
-          </a:p>
-        </c:rich>
-      </c:tx>
-      <c:layout/>
-      <c:overlay val="0"/>
-    </c:title>
-    <c:autoTitleDeleted val="0"/>
-    <c:plotArea xmlns:c="http://schemas.openxmlformats.org/drawingml/2006/chart" xmlns:a="http://schemas.openxmlformats.org/drawingml/2006/main" xmlns:r="http://schemas.openxmlformats.org/officeDocument/2006/relationships">
-      <c:layout/>
-      <c:barChart>
-        <c:barDir val="col"/>
-        <c:grouping val="clustered"/>
-        <c:varyColors val="0"/>
-        <c:ser>
-          <c:idx val="0"/>
-          <c:order val="0"/>
-          <c:tx>
-            <c:strRef>
-              <c:f>sheet1!$B$1</c:f>
-              <c:strCache>
-                <c:ptCount val="1"/>
-                <c:pt idx="0">
-                  <c:v>Zandwijk</c:v>
-                </c:pt>
-              </c:strCache>
-            </c:strRef>
-          </c:tx>
-          <c:spPr>
-            <a:solidFill>
-              <a:srgbClr val="005C96">
-                <a:alpha val="100000"/>
-              </a:srgbClr>
-            </a:solidFill>
-            <a:ln w="25400">
-              <a:solidFill>
-                <a:srgbClr val="FFFFFF">
-                  <a:alpha val="0"/>
-                </a:srgbClr>
-              </a:solidFill>
-            </a:ln>
-            <a:effectLst/>
-          </c:spPr>
-          <c:invertIfNegative val="0"/>
-          <c:dLbls>
-            <c:dLblPos val="outEnd"/>
-            <c:numFmt formatCode="0%" sourceLinked="0"/>
-            <c:separator val=", "/>
-            <c:showBubbleSize val="0"/>
-            <c:showCatName val="0"/>
-            <c:showLegendKey val="0"/>
-            <c:showPercent val="0"/>
-            <c:showSerName val="0"/>
-            <c:showVal val="1"/>
-            <c:txPr>
-              <a:bodyPr/>
-              <a:lstStyle/>
-              <a:p>
-                <a:pPr>
-                  <a:defRPr cap="none" sz="800" i="0" b="0" u="none">
-                    <a:solidFill>
-                      <a:srgbClr val="000000">
-                        <a:alpha val="100000"/>
-                      </a:srgbClr>
-                    </a:solidFill>
-                    <a:latin typeface="Calibri"/>
-                    <a:cs typeface="Calibri"/>
-                    <a:ea typeface="Calibri"/>
-                    <a:sym typeface="Calibri"/>
-                  </a:defRPr>
-                </a:pPr>
-              </a:p>
-            </c:txPr>
-          </c:dLbls>
-          <c:cat>
-            <c:strRef>
-              <c:f>sheet1!$A$2:$A$2</c:f>
-              <c:strCache>
-                <c:ptCount val="1"/>
-                <c:pt idx="0">
-                  <c:v>Heeft psychische klachten</c:v>
-                </c:pt>
-              </c:strCache>
-            </c:strRef>
-          </c:cat>
-          <c:val>
-            <c:numRef>
-              <c:f>sheet1!$B$2:$B$2</c:f>
-              <c:numCache>
-                <c:ptCount val="1"/>
-                <c:pt idx="0">
-                  <c:v>0.2805121</c:v>
-                </c:pt>
-              </c:numCache>
-            </c:numRef>
-          </c:val>
-        </c:ser>
-        <c:dLbls>
-          <c:dLblPos val="outEnd"/>
-          <c:numFmt formatCode="0%" sourceLinked="0"/>
-          <c:separator val=", "/>
-          <c:showBubbleSize val="0"/>
-          <c:showCatName val="0"/>
-          <c:showLegendKey val="0"/>
-          <c:showPercent val="0"/>
-          <c:showSerName val="0"/>
-          <c:showVal val="1"/>
-        </c:dLbls>
-        <c:gapWidth val="150"/>
-        <c:overlap val="0"/>
-        <c:axId val="64451712"/>
-        <c:axId val="64453248"/>
-      </c:barChart>
-      <c:catAx>
-        <c:axId val="64451712"/>
-        <c:scaling>
-          <c:orientation val="minMax"/>
-        </c:scaling>
-        <c:delete val="0"/>
-        <c:axPos val="l"/>
-        <c:majorTickMark val="none"/>
-        <c:minorTickMark val="none"/>
-        <c:tickLblPos val="nextTo"/>
-        <c:txPr>
-          <a:bodyPr rot="0" vert="horz"/>
-          <a:lstStyle/>
-          <a:p>
-            <a:pPr>
-              <a:defRPr cap="none" sz="800" i="0" b="0" u="none">
-                <a:solidFill>
-                  <a:srgbClr val="000000">
-                    <a:alpha val="100000"/>
-                  </a:srgbClr>
-                </a:solidFill>
-                <a:latin typeface="Calibri"/>
-                <a:cs typeface="Calibri"/>
-                <a:ea typeface="Calibri"/>
-                <a:sym typeface="Calibri"/>
-              </a:defRPr>
-            </a:pPr>
-          </a:p>
-        </c:txPr>
-        <c:spPr>
-          <a:ln algn="ctr" w="12700">
-            <a:solidFill>
-              <a:srgbClr val="000000">
-                <a:alpha val="100000"/>
-              </a:srgbClr>
-            </a:solidFill>
-            <a:prstDash val="solid"/>
-          </a:ln>
-        </c:spPr>
-        <c:numFmt formatCode="General" sourceLinked="0"/>
-        <c:crossAx val="64453248"/>
-        <c:crosses val="autoZero"/>
-      </c:catAx>
-      <c:valAx>
-        <c:axId val="64453248"/>
-        <c:scaling>
-          <c:orientation val="minMax"/>
-          <c:max val="1.00"/>
-          <c:min val="0.00"/>
-        </c:scaling>
-        <c:delete val="0"/>
-        <c:axPos val="l"/>
-        <c:majorTickMark val="none"/>
-        <c:minorTickMark val="none"/>
-        <c:tickLblPos val="nextTo"/>
-        <c:txPr>
-          <a:bodyPr rot="0" vert="horz"/>
-          <a:lstStyle/>
-          <a:p>
-            <a:pPr>
-              <a:defRPr cap="none" sz="900" i="0" b="0" u="none">
-                <a:solidFill>
-                  <a:srgbClr val="000000">
-                    <a:alpha val="100000"/>
-                  </a:srgbClr>
-                </a:solidFill>
-                <a:latin typeface="Calibri"/>
-                <a:cs typeface="Calibri"/>
-                <a:ea typeface="Calibri"/>
-                <a:sym typeface="Calibri"/>
-              </a:defRPr>
-            </a:pPr>
-          </a:p>
-        </c:txPr>
-        <c:spPr>
-          <a:ln algn="ctr" w="12700">
-            <a:solidFill>
-              <a:srgbClr val="000000">
-                <a:alpha val="100000"/>
-              </a:srgbClr>
-            </a:solidFill>
-            <a:prstDash val="solid"/>
-          </a:ln>
-        </c:spPr>
-        <c:numFmt formatCode="0%" sourceLinked="0"/>
-        <c:crossAx val="64451712"/>
-        <c:crosses val="autoZero"/>
-      </c:valAx>
-    </c:plotArea>
-    <c:legend>
-      <c:legendPos val="b"/>
-      <c:layout/>
-      <c:overlay val="0"/>
-      <c:txPr xmlns:c="http://schemas.openxmlformats.org/drawingml/2006/chart" xmlns:a="http://schemas.openxmlformats.org/drawingml/2006/main">
-        <a:bodyPr/>
-        <a:lstStyle/>
-        <a:p>
-          <a:pPr>
-            <a:defRPr cap="none" sz="900" i="0" b="0" u="none">
-              <a:solidFill>
-                <a:srgbClr val="000000">
-                  <a:alpha val="100000"/>
-                </a:srgbClr>
-              </a:solidFill>
-              <a:latin typeface="Calibri"/>
-              <a:cs typeface="Calibri"/>
-              <a:ea typeface="Calibri"/>
-              <a:sym typeface="Calibri"/>
-            </a:defRPr>
-          </a:pPr>
-        </a:p>
-      </c:txPr>
-    </c:legend>
-    <c:plotVisOnly val="1"/>
-    <c:dispBlanksAs val="gap"/>
-    <c:showDLblsOverMax val="0"/>
-  </c:chart>
-  <c:txPr>
-    <a:bodyPr/>
-    <a:lstStyle/>
-    <a:p>
-      <a:pPr>
-        <a:defRPr sz="1800"/>
-      </a:pPr>
-      <a:endParaRPr lang="fr-FR"/>
-    </a:p>
-  </c:txPr>
-  <c:externalData r:id="rId1">
-    <c:autoUpdate val="0"/>
-  </c:externalData>
-</c:chartSpace>
-</file>
-
-<file path=ppt/charts/chart4c4cd9d1909.xml><?xml version="1.0" encoding="utf-8"?>
-<c:chartSpace xmlns:c="http://schemas.openxmlformats.org/drawingml/2006/chart" xmlns:a="http://schemas.openxmlformats.org/drawingml/2006/main" xmlns:r="http://schemas.openxmlformats.org/officeDocument/2006/relationships">
-  <c:date1904 val="0"/>
-  <c:lang val="fr-FR"/>
-  <c:roundedCorners val="0"/>
-  <mc:AlternateContent xmlns:mc="http://schemas.openxmlformats.org/markup-compatibility/2006">
-    <mc:Choice xmlns:c14="http://schemas.microsoft.com/office/drawing/2007/8/2/chart" Requires="c14">
-      <c14:style val="118"/>
-    </mc:Choice>
-    <mc:Fallback>
-      <c:style val="18"/>
-    </mc:Fallback>
-  </mc:AlternateContent>
-  <c:chart>
-    <c:title xmlns:c="http://schemas.openxmlformats.org/drawingml/2006/chart" xmlns:a="http://schemas.openxmlformats.org/drawingml/2006/main" xmlns:r="http://schemas.openxmlformats.org/officeDocument/2006/relationships">
-      <c:tx>
-        <c:rich>
-          <a:bodyPr/>
-          <a:lstStyle/>
-          <a:p>
-            <a:pPr>
-              <a:defRPr/>
-            </a:pPr>
-            <a:r>
-              <a:rPr cap="none" sz="900" i="0" b="1" u="none">
-                <a:solidFill>
-                  <a:srgbClr val="000000">
-                    <a:alpha val="100000"/>
-                  </a:srgbClr>
-                </a:solidFill>
-                <a:latin typeface="Calibri"/>
-                <a:cs typeface="Calibri"/>
-                <a:ea typeface="Calibri"/>
-                <a:sym typeface="Calibri"/>
-              </a:rPr>
-              <a:t>Top 3 bronnen van stress</a:t>
-            </a:r>
-          </a:p>
-        </c:rich>
-      </c:tx>
-      <c:layout/>
-      <c:overlay val="0"/>
-    </c:title>
-    <c:autoTitleDeleted val="0"/>
-    <c:plotArea xmlns:c="http://schemas.openxmlformats.org/drawingml/2006/chart" xmlns:a="http://schemas.openxmlformats.org/drawingml/2006/main" xmlns:r="http://schemas.openxmlformats.org/officeDocument/2006/relationships">
-      <c:layout/>
-      <c:barChart>
-        <c:barDir val="bar"/>
-        <c:grouping val="clustered"/>
-        <c:varyColors val="0"/>
-        <c:ser>
-          <c:idx val="0"/>
-          <c:order val="0"/>
-          <c:tx>
-            <c:strRef>
-              <c:f>sheet1!$B$1</c:f>
-              <c:strCache>
-                <c:ptCount val="1"/>
-                <c:pt idx="0">
-                  <c:v>Zandwijk</c:v>
-                </c:pt>
-              </c:strCache>
-            </c:strRef>
-          </c:tx>
-          <c:spPr>
-            <a:solidFill>
-              <a:srgbClr val="005C96">
-                <a:alpha val="100000"/>
-              </a:srgbClr>
-            </a:solidFill>
-            <a:ln w="25400">
-              <a:solidFill>
-                <a:srgbClr val="FFFFFF">
-                  <a:alpha val="0"/>
-                </a:srgbClr>
-              </a:solidFill>
-            </a:ln>
-            <a:effectLst/>
-          </c:spPr>
-          <c:invertIfNegative val="0"/>
-          <c:dLbls>
-            <c:dLblPos val="outEnd"/>
-            <c:numFmt formatCode="0%" sourceLinked="0"/>
-            <c:separator val=", "/>
-            <c:showBubbleSize val="0"/>
-            <c:showCatName val="0"/>
-            <c:showLegendKey val="0"/>
-            <c:showPercent val="0"/>
-            <c:showSerName val="0"/>
-            <c:showVal val="1"/>
-            <c:txPr>
-              <a:bodyPr/>
-              <a:lstStyle/>
-              <a:p>
-                <a:pPr>
-                  <a:defRPr cap="none" sz="800" i="0" b="0" u="none">
-                    <a:solidFill>
-                      <a:srgbClr val="000000">
-                        <a:alpha val="100000"/>
-                      </a:srgbClr>
-                    </a:solidFill>
-                    <a:latin typeface="Calibri"/>
-                    <a:cs typeface="Calibri"/>
-                    <a:ea typeface="Calibri"/>
-                    <a:sym typeface="Calibri"/>
-                  </a:defRPr>
-                </a:pPr>
-              </a:p>
-            </c:txPr>
-          </c:dLbls>
-          <c:cat>
-            <c:strRef>
-              <c:f>sheet1!$A$2:$A$4</c:f>
-              <c:strCache>
-                <c:ptCount val="3"/>
-                <c:pt idx="0">
-                  <c:v>Huiswerk</c:v>
-                </c:pt>
-                <c:pt idx="1">
-                  <c:v>Thuissituatie</c:v>
-                </c:pt>
-                <c:pt idx="2">
-                  <c:v>Werk</c:v>
-                </c:pt>
-              </c:strCache>
-            </c:strRef>
-          </c:cat>
-          <c:val>
-            <c:numRef>
-              <c:f>sheet1!$B$2:$B$4</c:f>
-              <c:numCache>
-                <c:ptCount val="3"/>
-                <c:pt idx="0">
-                  <c:v>0.5941587</c:v>
-                </c:pt>
-                <c:pt idx="1">
-                  <c:v>0.7000854</c:v>
-                </c:pt>
-                <c:pt idx="2">
-                  <c:v>0.8911974</c:v>
-                </c:pt>
-              </c:numCache>
-            </c:numRef>
-          </c:val>
-        </c:ser>
-        <c:dLbls>
-          <c:dLblPos val="outEnd"/>
-          <c:numFmt formatCode="0%" sourceLinked="0"/>
-          <c:separator val=", "/>
-          <c:showBubbleSize val="0"/>
-          <c:showCatName val="0"/>
-          <c:showLegendKey val="0"/>
-          <c:showPercent val="0"/>
-          <c:showSerName val="0"/>
-          <c:showVal val="1"/>
-        </c:dLbls>
-        <c:gapWidth val="30"/>
-        <c:overlap val="-30"/>
         <c:axId val="64451712"/>
         <c:axId val="64453248"/>
       </c:barChart>
@@ -22834,7 +22834,7 @@
           <a:p>
             <a:r>
               <a:rPr/>
-              <a:t>16 mei 2025</a:t>
+              <a:t>20 mei 2025</a:t>
             </a:r>
           </a:p>
         </p:txBody>

--- a/example/Rapportage Zandwijk.pptx
+++ b/example/Rapportage Zandwijk.pptx
@@ -1483,7 +1483,7 @@
 </pc:chgInfo>
 </file>
 
-<file path=ppt/charts/chartc7011782dc9.xml><?xml version="1.0" encoding="utf-8"?>
+<file path=ppt/charts/chart56d4110f2997.xml><?xml version="1.0" encoding="utf-8"?>
 <c:chartSpace xmlns:c="http://schemas.openxmlformats.org/drawingml/2006/chart" xmlns:a="http://schemas.openxmlformats.org/drawingml/2006/main" xmlns:r="http://schemas.openxmlformats.org/officeDocument/2006/relationships">
   <c:date1904 val="0"/>
   <c:lang val="fr-FR"/>
@@ -1518,7 +1518,7 @@
                 <a:ea typeface="Calibri"/>
                 <a:sym typeface="Calibri"/>
               </a:rPr>
-              <a:t>Variant 13</a:t>
+              <a:t>Staafgrafiek Variant 17 liggend met aangepaste y-as</a:t>
             </a:r>
           </a:p>
         </c:rich>
@@ -1530,7 +1530,7 @@
     <c:plotArea xmlns:c="http://schemas.openxmlformats.org/drawingml/2006/chart" xmlns:a="http://schemas.openxmlformats.org/drawingml/2006/main" xmlns:r="http://schemas.openxmlformats.org/officeDocument/2006/relationships">
       <c:layout/>
       <c:barChart>
-        <c:barDir val="col"/>
+        <c:barDir val="bar"/>
         <c:grouping val="clustered"/>
         <c:varyColors val="0"/>
         <c:ser>
@@ -1542,7 +1542,108 @@
               <c:strCache>
                 <c:ptCount val="1"/>
                 <c:pt idx="0">
+                  <c:v>Nederland</c:v>
+                </c:pt>
+              </c:strCache>
+            </c:strRef>
+          </c:tx>
+          <c:spPr>
+            <a:solidFill>
+              <a:srgbClr val="E54800">
+                <a:alpha val="100000"/>
+              </a:srgbClr>
+            </a:solidFill>
+            <a:ln w="25400">
+              <a:solidFill>
+                <a:srgbClr val="FFFFFF">
+                  <a:alpha val="0"/>
+                </a:srgbClr>
+              </a:solidFill>
+            </a:ln>
+            <a:effectLst/>
+          </c:spPr>
+          <c:invertIfNegative val="0"/>
+          <c:dLbls>
+            <c:dLblPos val="outEnd"/>
+            <c:numFmt formatCode="0%" sourceLinked="0"/>
+            <c:separator val=", "/>
+            <c:showBubbleSize val="0"/>
+            <c:showCatName val="0"/>
+            <c:showLegendKey val="0"/>
+            <c:showPercent val="0"/>
+            <c:showSerName val="0"/>
+            <c:showVal val="1"/>
+            <c:txPr>
+              <a:bodyPr/>
+              <a:lstStyle/>
+              <a:p>
+                <a:pPr>
+                  <a:defRPr cap="none" sz="800" i="0" b="0" u="none">
+                    <a:solidFill>
+                      <a:srgbClr val="000000">
+                        <a:alpha val="100000"/>
+                      </a:srgbClr>
+                    </a:solidFill>
+                    <a:latin typeface="Calibri"/>
+                    <a:cs typeface="Calibri"/>
+                    <a:ea typeface="Calibri"/>
+                    <a:sym typeface="Calibri"/>
+                  </a:defRPr>
+                </a:pPr>
+              </a:p>
+            </c:txPr>
+          </c:dLbls>
+          <c:cat>
+            <c:strRef>
+              <c:f>sheet1!$A$2:$A$5</c:f>
+              <c:strCache>
+                <c:ptCount val="4"/>
+                <c:pt idx="0">
+                  <c:v>Klas 4</c:v>
+                </c:pt>
+                <c:pt idx="1">
+                  <c:v>Klas 2</c:v>
+                </c:pt>
+                <c:pt idx="2">
+                  <c:v>Meisje</c:v>
+                </c:pt>
+                <c:pt idx="3">
                   <c:v>Jongen</c:v>
+                </c:pt>
+              </c:strCache>
+            </c:strRef>
+          </c:cat>
+          <c:val>
+            <c:numRef>
+              <c:f>sheet1!$B$2:$B$5</c:f>
+              <c:numCache>
+                <c:ptCount val="4"/>
+                <c:pt idx="0">
+                  <c:v>0.2915095</c:v>
+                </c:pt>
+                <c:pt idx="1">
+                  <c:v>0.2909934</c:v>
+                </c:pt>
+                <c:pt idx="2">
+                  <c:v>0.2947784</c:v>
+                </c:pt>
+                <c:pt idx="3">
+                  <c:v>0.2953391</c:v>
+                </c:pt>
+              </c:numCache>
+            </c:numRef>
+          </c:val>
+        </c:ser>
+        <c:ser>
+          <c:idx val="1"/>
+          <c:order val="1"/>
+          <c:tx>
+            <c:strRef>
+              <c:f>sheet1!$C$1</c:f>
+              <c:strCache>
+                <c:ptCount val="1"/>
+                <c:pt idx="0">
+                  <c:v>Zandwijk</c:v>
                 </c:pt>
               </c:strCache>
             </c:strRef>
@@ -1595,319 +1696,40 @@
           </c:dLbls>
           <c:cat>
             <c:strRef>
-              <c:f>sheet1!$A$2:$A$4</c:f>
+              <c:f>sheet1!$A$2:$A$5</c:f>
               <c:strCache>
-                <c:ptCount val="3"/>
+                <c:ptCount val="4"/>
                 <c:pt idx="0">
-                  <c:v>Heeft psychische klachten</c:v>
+                  <c:v>Klas 4</c:v>
                 </c:pt>
                 <c:pt idx="1">
-                  <c:v>Geeft geen mantelzorg</c:v>
+                  <c:v>Klas 2</c:v>
                 </c:pt>
                 <c:pt idx="2">
-                  <c:v>Heeft een zeer goede gezondheid</c:v>
+                  <c:v>Meisje</c:v>
+                </c:pt>
+                <c:pt idx="3">
+                  <c:v>Jongen</c:v>
                 </c:pt>
               </c:strCache>
             </c:strRef>
           </c:cat>
           <c:val>
             <c:numRef>
-              <c:f>sheet1!$B$2:$B$4</c:f>
+              <c:f>sheet1!$C$2:$C$5</c:f>
               <c:numCache>
-                <c:ptCount val="3"/>
+                <c:ptCount val="4"/>
                 <c:pt idx="0">
-                  <c:v>0.2885178</c:v>
+                  <c:v>0.2960578</c:v>
                 </c:pt>
                 <c:pt idx="1">
-                  <c:v>0.8528350</c:v>
+                  <c:v>0.2737045</c:v>
                 </c:pt>
                 <c:pt idx="2">
-                  <c:v>0.3093217</c:v>
-                </c:pt>
-              </c:numCache>
-            </c:numRef>
-          </c:val>
-        </c:ser>
-        <c:ser>
-          <c:idx val="1"/>
-          <c:order val="1"/>
-          <c:tx>
-            <c:strRef>
-              <c:f>sheet1!$C$1</c:f>
-              <c:strCache>
-                <c:ptCount val="1"/>
-                <c:pt idx="0">
-                  <c:v>Meisje</c:v>
-                </c:pt>
-              </c:strCache>
-            </c:strRef>
-          </c:tx>
-          <c:spPr>
-            <a:solidFill>
-              <a:srgbClr val="6FC7FF">
-                <a:alpha val="100000"/>
-              </a:srgbClr>
-            </a:solidFill>
-            <a:ln w="25400">
-              <a:solidFill>
-                <a:srgbClr val="FFFFFF">
-                  <a:alpha val="0"/>
-                </a:srgbClr>
-              </a:solidFill>
-            </a:ln>
-            <a:effectLst/>
-          </c:spPr>
-          <c:invertIfNegative val="0"/>
-          <c:dLbls>
-            <c:dLblPos val="outEnd"/>
-            <c:numFmt formatCode="0%" sourceLinked="0"/>
-            <c:separator val=", "/>
-            <c:showBubbleSize val="0"/>
-            <c:showCatName val="0"/>
-            <c:showLegendKey val="0"/>
-            <c:showPercent val="0"/>
-            <c:showSerName val="0"/>
-            <c:showVal val="1"/>
-            <c:txPr>
-              <a:bodyPr/>
-              <a:lstStyle/>
-              <a:p>
-                <a:pPr>
-                  <a:defRPr cap="none" sz="800" i="0" b="0" u="none">
-                    <a:solidFill>
-                      <a:srgbClr val="000000">
-                        <a:alpha val="100000"/>
-                      </a:srgbClr>
-                    </a:solidFill>
-                    <a:latin typeface="Calibri"/>
-                    <a:cs typeface="Calibri"/>
-                    <a:ea typeface="Calibri"/>
-                    <a:sym typeface="Calibri"/>
-                  </a:defRPr>
-                </a:pPr>
-              </a:p>
-            </c:txPr>
-          </c:dLbls>
-          <c:cat>
-            <c:strRef>
-              <c:f>sheet1!$A$2:$A$4</c:f>
-              <c:strCache>
-                <c:ptCount val="3"/>
-                <c:pt idx="0">
-                  <c:v>Heeft psychische klachten</c:v>
-                </c:pt>
-                <c:pt idx="1">
-                  <c:v>Geeft geen mantelzorg</c:v>
-                </c:pt>
-                <c:pt idx="2">
-                  <c:v>Heeft een zeer goede gezondheid</c:v>
-                </c:pt>
-              </c:strCache>
-            </c:strRef>
-          </c:cat>
-          <c:val>
-            <c:numRef>
-              <c:f>sheet1!$C$2:$C$4</c:f>
-              <c:numCache>
-                <c:ptCount val="3"/>
-                <c:pt idx="0">
-                  <c:v>0.2690928</c:v>
-                </c:pt>
-                <c:pt idx="1">
-                  <c:v>0.8511010</c:v>
-                </c:pt>
-                <c:pt idx="2">
-                  <c:v>0.3223658</c:v>
-                </c:pt>
-              </c:numCache>
-            </c:numRef>
-          </c:val>
-        </c:ser>
-        <c:ser>
-          <c:idx val="2"/>
-          <c:order val="2"/>
-          <c:tx>
-            <c:strRef>
-              <c:f>sheet1!$D$1</c:f>
-              <c:strCache>
-                <c:ptCount val="1"/>
-                <c:pt idx="0">
-                  <c:v>Klas 2</c:v>
-                </c:pt>
-              </c:strCache>
-            </c:strRef>
-          </c:tx>
-          <c:spPr>
-            <a:solidFill>
-              <a:srgbClr val="E54800">
-                <a:alpha val="100000"/>
-              </a:srgbClr>
-            </a:solidFill>
-            <a:ln w="25400">
-              <a:solidFill>
-                <a:srgbClr val="FFFFFF">
-                  <a:alpha val="0"/>
-                </a:srgbClr>
-              </a:solidFill>
-            </a:ln>
-            <a:effectLst/>
-          </c:spPr>
-          <c:invertIfNegative val="0"/>
-          <c:dLbls>
-            <c:dLblPos val="outEnd"/>
-            <c:numFmt formatCode="0%" sourceLinked="0"/>
-            <c:separator val=", "/>
-            <c:showBubbleSize val="0"/>
-            <c:showCatName val="0"/>
-            <c:showLegendKey val="0"/>
-            <c:showPercent val="0"/>
-            <c:showSerName val="0"/>
-            <c:showVal val="1"/>
-            <c:txPr>
-              <a:bodyPr/>
-              <a:lstStyle/>
-              <a:p>
-                <a:pPr>
-                  <a:defRPr cap="none" sz="800" i="0" b="0" u="none">
-                    <a:solidFill>
-                      <a:srgbClr val="000000">
-                        <a:alpha val="100000"/>
-                      </a:srgbClr>
-                    </a:solidFill>
-                    <a:latin typeface="Calibri"/>
-                    <a:cs typeface="Calibri"/>
-                    <a:ea typeface="Calibri"/>
-                    <a:sym typeface="Calibri"/>
-                  </a:defRPr>
-                </a:pPr>
-              </a:p>
-            </c:txPr>
-          </c:dLbls>
-          <c:cat>
-            <c:strRef>
-              <c:f>sheet1!$A$2:$A$4</c:f>
-              <c:strCache>
-                <c:ptCount val="3"/>
-                <c:pt idx="0">
-                  <c:v>Heeft psychische klachten</c:v>
-                </c:pt>
-                <c:pt idx="1">
-                  <c:v>Geeft geen mantelzorg</c:v>
-                </c:pt>
-                <c:pt idx="2">
-                  <c:v>Heeft een zeer goede gezondheid</c:v>
-                </c:pt>
-              </c:strCache>
-            </c:strRef>
-          </c:cat>
-          <c:val>
-            <c:numRef>
-              <c:f>sheet1!$D$2:$D$4</c:f>
-              <c:numCache>
-                <c:ptCount val="3"/>
-                <c:pt idx="0">
-                  <c:v>0.2994161</c:v>
-                </c:pt>
-                <c:pt idx="1">
-                  <c:v>0.8586191</c:v>
-                </c:pt>
-                <c:pt idx="2">
-                  <c:v>0.3294875</c:v>
-                </c:pt>
-              </c:numCache>
-            </c:numRef>
-          </c:val>
-        </c:ser>
-        <c:ser>
-          <c:idx val="3"/>
-          <c:order val="3"/>
-          <c:tx>
-            <c:strRef>
-              <c:f>sheet1!$E$1</c:f>
-              <c:strCache>
-                <c:ptCount val="1"/>
-                <c:pt idx="0">
-                  <c:v>Klas 4</c:v>
-                </c:pt>
-              </c:strCache>
-            </c:strRef>
-          </c:tx>
-          <c:spPr>
-            <a:solidFill>
-              <a:srgbClr val="FFB18E">
-                <a:alpha val="100000"/>
-              </a:srgbClr>
-            </a:solidFill>
-            <a:ln w="25400">
-              <a:solidFill>
-                <a:srgbClr val="FFFFFF">
-                  <a:alpha val="0"/>
-                </a:srgbClr>
-              </a:solidFill>
-            </a:ln>
-            <a:effectLst/>
-          </c:spPr>
-          <c:invertIfNegative val="0"/>
-          <c:dLbls>
-            <c:dLblPos val="outEnd"/>
-            <c:numFmt formatCode="0%" sourceLinked="0"/>
-            <c:separator val=", "/>
-            <c:showBubbleSize val="0"/>
-            <c:showCatName val="0"/>
-            <c:showLegendKey val="0"/>
-            <c:showPercent val="0"/>
-            <c:showSerName val="0"/>
-            <c:showVal val="1"/>
-            <c:txPr>
-              <a:bodyPr/>
-              <a:lstStyle/>
-              <a:p>
-                <a:pPr>
-                  <a:defRPr cap="none" sz="800" i="0" b="0" u="none">
-                    <a:solidFill>
-                      <a:srgbClr val="000000">
-                        <a:alpha val="100000"/>
-                      </a:srgbClr>
-                    </a:solidFill>
-                    <a:latin typeface="Calibri"/>
-                    <a:cs typeface="Calibri"/>
-                    <a:ea typeface="Calibri"/>
-                    <a:sym typeface="Calibri"/>
-                  </a:defRPr>
-                </a:pPr>
-              </a:p>
-            </c:txPr>
-          </c:dLbls>
-          <c:cat>
-            <c:strRef>
-              <c:f>sheet1!$A$2:$A$4</c:f>
-              <c:strCache>
-                <c:ptCount val="3"/>
-                <c:pt idx="0">
-                  <c:v>Heeft psychische klachten</c:v>
-                </c:pt>
-                <c:pt idx="1">
-                  <c:v>Geeft geen mantelzorg</c:v>
-                </c:pt>
-                <c:pt idx="2">
-                  <c:v>Heeft een zeer goede gezondheid</c:v>
-                </c:pt>
-              </c:strCache>
-            </c:strRef>
-          </c:cat>
-          <c:val>
-            <c:numRef>
-              <c:f>sheet1!$E$2:$E$4</c:f>
-              <c:numCache>
-                <c:ptCount val="3"/>
-                <c:pt idx="0">
-                  <c:v>0.2597708</c:v>
-                </c:pt>
-                <c:pt idx="1">
-                  <c:v>0.8596716</c:v>
-                </c:pt>
-                <c:pt idx="2">
-                  <c:v>0.2921700</c:v>
+                  <c:v>0.3004174</c:v>
+                </c:pt>
+                <c:pt idx="3">
+                  <c:v>0.2701879</c:v>
                 </c:pt>
               </c:numCache>
             </c:numRef>
@@ -1924,7 +1746,7 @@
           <c:showSerName val="0"/>
           <c:showVal val="1"/>
         </c:dLbls>
-        <c:gapWidth val="150"/>
+        <c:gapWidth val="50"/>
         <c:overlap val="0"/>
         <c:axId val="64451712"/>
         <c:axId val="64453248"/>
@@ -1976,7 +1798,7 @@
         <c:axId val="64453248"/>
         <c:scaling>
           <c:orientation val="minMax"/>
-          <c:max val="1.00"/>
+          <c:max val="0.50"/>
           <c:min val="0.00"/>
         </c:scaling>
         <c:delete val="0"/>
@@ -2062,7 +1884,7 @@
 </c:chartSpace>
 </file>
 
-<file path=ppt/charts/chartc7013f22c34.xml><?xml version="1.0" encoding="utf-8"?>
+<file path=ppt/charts/chart56d41110149a.xml><?xml version="1.0" encoding="utf-8"?>
 <c:chartSpace xmlns:c="http://schemas.openxmlformats.org/drawingml/2006/chart" xmlns:a="http://schemas.openxmlformats.org/drawingml/2006/main" xmlns:r="http://schemas.openxmlformats.org/officeDocument/2006/relationships">
   <c:date1904 val="0"/>
   <c:lang val="fr-FR"/>
@@ -2097,7 +1919,7 @@
                 <a:ea typeface="Calibri"/>
                 <a:sym typeface="Calibri"/>
               </a:rPr>
-              <a:t>Variant 17</a:t>
+              <a:t>Variant 1</a:t>
             </a:r>
           </a:p>
         </c:rich>
@@ -2174,141 +1996,22 @@
           </c:dLbls>
           <c:cat>
             <c:strRef>
-              <c:f>sheet1!$A$2:$A$5</c:f>
+              <c:f>sheet1!$A$2:$A$2</c:f>
               <c:strCache>
-                <c:ptCount val="4"/>
+                <c:ptCount val="1"/>
                 <c:pt idx="0">
-                  <c:v>Jongen</c:v>
-                </c:pt>
-                <c:pt idx="1">
-                  <c:v>Meisje</c:v>
-                </c:pt>
-                <c:pt idx="2">
-                  <c:v>Klas 2</c:v>
-                </c:pt>
-                <c:pt idx="3">
-                  <c:v>Klas 4</c:v>
+                  <c:v>Heeft psychische klachten</c:v>
                 </c:pt>
               </c:strCache>
             </c:strRef>
           </c:cat>
           <c:val>
             <c:numRef>
-              <c:f>sheet1!$B$2:$B$5</c:f>
+              <c:f>sheet1!$B$2:$B$2</c:f>
               <c:numCache>
-                <c:ptCount val="4"/>
-                <c:pt idx="0">
-                  <c:v>0.2885178</c:v>
-                </c:pt>
-                <c:pt idx="1">
-                  <c:v>0.2690928</c:v>
-                </c:pt>
-                <c:pt idx="2">
-                  <c:v>0.2994161</c:v>
-                </c:pt>
-                <c:pt idx="3">
-                  <c:v>0.2597708</c:v>
-                </c:pt>
-              </c:numCache>
-            </c:numRef>
-          </c:val>
-        </c:ser>
-        <c:ser>
-          <c:idx val="1"/>
-          <c:order val="1"/>
-          <c:tx>
-            <c:strRef>
-              <c:f>sheet1!$C$1</c:f>
-              <c:strCache>
                 <c:ptCount val="1"/>
                 <c:pt idx="0">
-                  <c:v>Nederland</c:v>
-                </c:pt>
-              </c:strCache>
-            </c:strRef>
-          </c:tx>
-          <c:spPr>
-            <a:solidFill>
-              <a:srgbClr val="E54800">
-                <a:alpha val="100000"/>
-              </a:srgbClr>
-            </a:solidFill>
-            <a:ln w="25400">
-              <a:solidFill>
-                <a:srgbClr val="FFFFFF">
-                  <a:alpha val="0"/>
-                </a:srgbClr>
-              </a:solidFill>
-            </a:ln>
-            <a:effectLst/>
-          </c:spPr>
-          <c:invertIfNegative val="0"/>
-          <c:dLbls>
-            <c:dLblPos val="outEnd"/>
-            <c:numFmt formatCode="0%" sourceLinked="0"/>
-            <c:separator val=", "/>
-            <c:showBubbleSize val="0"/>
-            <c:showCatName val="0"/>
-            <c:showLegendKey val="0"/>
-            <c:showPercent val="0"/>
-            <c:showSerName val="0"/>
-            <c:showVal val="1"/>
-            <c:txPr>
-              <a:bodyPr/>
-              <a:lstStyle/>
-              <a:p>
-                <a:pPr>
-                  <a:defRPr cap="none" sz="800" i="0" b="0" u="none">
-                    <a:solidFill>
-                      <a:srgbClr val="000000">
-                        <a:alpha val="100000"/>
-                      </a:srgbClr>
-                    </a:solidFill>
-                    <a:latin typeface="Calibri"/>
-                    <a:cs typeface="Calibri"/>
-                    <a:ea typeface="Calibri"/>
-                    <a:sym typeface="Calibri"/>
-                  </a:defRPr>
-                </a:pPr>
-              </a:p>
-            </c:txPr>
-          </c:dLbls>
-          <c:cat>
-            <c:strRef>
-              <c:f>sheet1!$A$2:$A$5</c:f>
-              <c:strCache>
-                <c:ptCount val="4"/>
-                <c:pt idx="0">
-                  <c:v>Jongen</c:v>
-                </c:pt>
-                <c:pt idx="1">
-                  <c:v>Meisje</c:v>
-                </c:pt>
-                <c:pt idx="2">
-                  <c:v>Klas 2</c:v>
-                </c:pt>
-                <c:pt idx="3">
-                  <c:v>Klas 4</c:v>
-                </c:pt>
-              </c:strCache>
-            </c:strRef>
-          </c:cat>
-          <c:val>
-            <c:numRef>
-              <c:f>sheet1!$C$2:$C$5</c:f>
-              <c:numCache>
-                <c:ptCount val="4"/>
-                <c:pt idx="0">
-                  <c:v>0.2810797</c:v>
-                </c:pt>
-                <c:pt idx="1">
-                  <c:v>0.2733080</c:v>
-                </c:pt>
-                <c:pt idx="2">
-                  <c:v>0.2818699</c:v>
-                </c:pt>
-                <c:pt idx="3">
-                  <c:v>0.2738343</c:v>
+                  <c:v>0.282985</c:v>
                 </c:pt>
               </c:numCache>
             </c:numRef>
@@ -2325,7 +2028,7 @@
           <c:showSerName val="0"/>
           <c:showVal val="1"/>
         </c:dLbls>
-        <c:gapWidth val="150"/>
+        <c:gapWidth val="50"/>
         <c:overlap val="0"/>
         <c:axId val="64451712"/>
         <c:axId val="64453248"/>
@@ -2463,7 +2166,7 @@
 </c:chartSpace>
 </file>
 
-<file path=ppt/charts/chartc70166b2a9f.xml><?xml version="1.0" encoding="utf-8"?>
+<file path=ppt/charts/chart56d4268b5051.xml><?xml version="1.0" encoding="utf-8"?>
 <c:chartSpace xmlns:c="http://schemas.openxmlformats.org/drawingml/2006/chart" xmlns:a="http://schemas.openxmlformats.org/drawingml/2006/main" xmlns:r="http://schemas.openxmlformats.org/officeDocument/2006/relationships">
   <c:date1904 val="0"/>
   <c:lang val="fr-FR"/>
@@ -2498,7 +2201,7 @@
                 <a:ea typeface="Calibri"/>
                 <a:sym typeface="Calibri"/>
               </a:rPr>
-              <a:t>Staafgrafiek Variant 17 liggend</a:t>
+              <a:t>Variant 5</a:t>
             </a:r>
           </a:p>
         </c:rich>
@@ -2510,7 +2213,7 @@
     <c:plotArea xmlns:c="http://schemas.openxmlformats.org/drawingml/2006/chart" xmlns:a="http://schemas.openxmlformats.org/drawingml/2006/main" xmlns:r="http://schemas.openxmlformats.org/officeDocument/2006/relationships">
       <c:layout/>
       <c:barChart>
-        <c:barDir val="bar"/>
+        <c:barDir val="col"/>
         <c:grouping val="clustered"/>
         <c:varyColors val="0"/>
         <c:ser>
@@ -2519,107 +2222,6 @@
           <c:tx>
             <c:strRef>
               <c:f>sheet1!$B$1</c:f>
-              <c:strCache>
-                <c:ptCount val="1"/>
-                <c:pt idx="0">
-                  <c:v>Nederland</c:v>
-                </c:pt>
-              </c:strCache>
-            </c:strRef>
-          </c:tx>
-          <c:spPr>
-            <a:solidFill>
-              <a:srgbClr val="E54800">
-                <a:alpha val="100000"/>
-              </a:srgbClr>
-            </a:solidFill>
-            <a:ln w="25400">
-              <a:solidFill>
-                <a:srgbClr val="FFFFFF">
-                  <a:alpha val="0"/>
-                </a:srgbClr>
-              </a:solidFill>
-            </a:ln>
-            <a:effectLst/>
-          </c:spPr>
-          <c:invertIfNegative val="0"/>
-          <c:dLbls>
-            <c:dLblPos val="outEnd"/>
-            <c:numFmt formatCode="0%" sourceLinked="0"/>
-            <c:separator val=", "/>
-            <c:showBubbleSize val="0"/>
-            <c:showCatName val="0"/>
-            <c:showLegendKey val="0"/>
-            <c:showPercent val="0"/>
-            <c:showSerName val="0"/>
-            <c:showVal val="1"/>
-            <c:txPr>
-              <a:bodyPr/>
-              <a:lstStyle/>
-              <a:p>
-                <a:pPr>
-                  <a:defRPr cap="none" sz="800" i="0" b="0" u="none">
-                    <a:solidFill>
-                      <a:srgbClr val="000000">
-                        <a:alpha val="100000"/>
-                      </a:srgbClr>
-                    </a:solidFill>
-                    <a:latin typeface="Calibri"/>
-                    <a:cs typeface="Calibri"/>
-                    <a:ea typeface="Calibri"/>
-                    <a:sym typeface="Calibri"/>
-                  </a:defRPr>
-                </a:pPr>
-              </a:p>
-            </c:txPr>
-          </c:dLbls>
-          <c:cat>
-            <c:strRef>
-              <c:f>sheet1!$A$2:$A$5</c:f>
-              <c:strCache>
-                <c:ptCount val="4"/>
-                <c:pt idx="0">
-                  <c:v>Klas 4</c:v>
-                </c:pt>
-                <c:pt idx="1">
-                  <c:v>Klas 2</c:v>
-                </c:pt>
-                <c:pt idx="2">
-                  <c:v>Meisje</c:v>
-                </c:pt>
-                <c:pt idx="3">
-                  <c:v>Jongen</c:v>
-                </c:pt>
-              </c:strCache>
-            </c:strRef>
-          </c:cat>
-          <c:val>
-            <c:numRef>
-              <c:f>sheet1!$B$2:$B$5</c:f>
-              <c:numCache>
-                <c:ptCount val="4"/>
-                <c:pt idx="0">
-                  <c:v>0.2738343</c:v>
-                </c:pt>
-                <c:pt idx="1">
-                  <c:v>0.2818699</c:v>
-                </c:pt>
-                <c:pt idx="2">
-                  <c:v>0.2733080</c:v>
-                </c:pt>
-                <c:pt idx="3">
-                  <c:v>0.2810797</c:v>
-                </c:pt>
-              </c:numCache>
-            </c:numRef>
-          </c:val>
-        </c:ser>
-        <c:ser>
-          <c:idx val="1"/>
-          <c:order val="1"/>
-          <c:tx>
-            <c:strRef>
-              <c:f>sheet1!$C$1</c:f>
               <c:strCache>
                 <c:ptCount val="1"/>
                 <c:pt idx="0">
@@ -2676,40 +2278,28 @@
           </c:dLbls>
           <c:cat>
             <c:strRef>
-              <c:f>sheet1!$A$2:$A$5</c:f>
+              <c:f>sheet1!$A$2:$A$3</c:f>
               <c:strCache>
-                <c:ptCount val="4"/>
+                <c:ptCount val="2"/>
                 <c:pt idx="0">
-                  <c:v>Klas 4</c:v>
+                  <c:v>Jongen</c:v>
                 </c:pt>
                 <c:pt idx="1">
-                  <c:v>Klas 2</c:v>
-                </c:pt>
-                <c:pt idx="2">
                   <c:v>Meisje</c:v>
-                </c:pt>
-                <c:pt idx="3">
-                  <c:v>Jongen</c:v>
                 </c:pt>
               </c:strCache>
             </c:strRef>
           </c:cat>
           <c:val>
             <c:numRef>
-              <c:f>sheet1!$C$2:$C$5</c:f>
+              <c:f>sheet1!$B$2:$B$3</c:f>
               <c:numCache>
-                <c:ptCount val="4"/>
+                <c:ptCount val="2"/>
                 <c:pt idx="0">
-                  <c:v>0.2597708</c:v>
+                  <c:v>0.2701879</c:v>
                 </c:pt>
                 <c:pt idx="1">
-                  <c:v>0.2994161</c:v>
-                </c:pt>
-                <c:pt idx="2">
-                  <c:v>0.2690928</c:v>
-                </c:pt>
-                <c:pt idx="3">
-                  <c:v>0.2885178</c:v>
+                  <c:v>0.3004174</c:v>
                 </c:pt>
               </c:numCache>
             </c:numRef>
@@ -2726,8 +2316,8 @@
           <c:showSerName val="0"/>
           <c:showVal val="1"/>
         </c:dLbls>
-        <c:gapWidth val="30"/>
-        <c:overlap val="-30"/>
+        <c:gapWidth val="50"/>
+        <c:overlap val="0"/>
         <c:axId val="64451712"/>
         <c:axId val="64453248"/>
       </c:barChart>
@@ -2864,7 +2454,7 @@
 </c:chartSpace>
 </file>
 
-<file path=ppt/charts/chartc702be75159.xml><?xml version="1.0" encoding="utf-8"?>
+<file path=ppt/charts/chart56d429044ebb.xml><?xml version="1.0" encoding="utf-8"?>
 <c:chartSpace xmlns:c="http://schemas.openxmlformats.org/drawingml/2006/chart" xmlns:a="http://schemas.openxmlformats.org/drawingml/2006/main" xmlns:r="http://schemas.openxmlformats.org/officeDocument/2006/relationships">
   <c:date1904 val="0"/>
   <c:lang val="fr-FR"/>
@@ -2899,7 +2489,7 @@
                 <a:ea typeface="Calibri"/>
                 <a:sym typeface="Calibri"/>
               </a:rPr>
-              <a:t>Variant 4</a:t>
+              <a:t>Variant 9</a:t>
             </a:r>
           </a:p>
         </c:rich>
@@ -2976,34 +2566,28 @@
           </c:dLbls>
           <c:cat>
             <c:strRef>
-              <c:f>sheet1!$A$2:$A$4</c:f>
+              <c:f>sheet1!$A$2:$A$3</c:f>
               <c:strCache>
-                <c:ptCount val="3"/>
+                <c:ptCount val="2"/>
                 <c:pt idx="0">
-                  <c:v>Heeft psychische klachten</c:v>
+                  <c:v>Klas 2</c:v>
                 </c:pt>
                 <c:pt idx="1">
-                  <c:v>Geeft geen mantelzorg</c:v>
-                </c:pt>
-                <c:pt idx="2">
-                  <c:v>Heeft een zeer goede gezondheid</c:v>
+                  <c:v>Klas 4</c:v>
                 </c:pt>
               </c:strCache>
             </c:strRef>
           </c:cat>
           <c:val>
             <c:numRef>
-              <c:f>sheet1!$B$2:$B$4</c:f>
+              <c:f>sheet1!$B$2:$B$3</c:f>
               <c:numCache>
-                <c:ptCount val="3"/>
+                <c:ptCount val="2"/>
                 <c:pt idx="0">
-                  <c:v>0.2805121</c:v>
+                  <c:v>0.2737045</c:v>
                 </c:pt>
                 <c:pt idx="1">
-                  <c:v>0.8569226</c:v>
-                </c:pt>
-                <c:pt idx="2">
-                  <c:v>0.3122552</c:v>
+                  <c:v>0.2960578</c:v>
                 </c:pt>
               </c:numCache>
             </c:numRef>
@@ -3071,34 +2655,28 @@
           </c:dLbls>
           <c:cat>
             <c:strRef>
-              <c:f>sheet1!$A$2:$A$4</c:f>
+              <c:f>sheet1!$A$2:$A$3</c:f>
               <c:strCache>
-                <c:ptCount val="3"/>
+                <c:ptCount val="2"/>
                 <c:pt idx="0">
-                  <c:v>Heeft psychische klachten</c:v>
+                  <c:v>Klas 2</c:v>
                 </c:pt>
                 <c:pt idx="1">
-                  <c:v>Geeft geen mantelzorg</c:v>
-                </c:pt>
-                <c:pt idx="2">
-                  <c:v>Heeft een zeer goede gezondheid</c:v>
+                  <c:v>Klas 4</c:v>
                 </c:pt>
               </c:strCache>
             </c:strRef>
           </c:cat>
           <c:val>
             <c:numRef>
-              <c:f>sheet1!$C$2:$C$4</c:f>
+              <c:f>sheet1!$C$2:$C$3</c:f>
               <c:numCache>
-                <c:ptCount val="3"/>
+                <c:ptCount val="2"/>
                 <c:pt idx="0">
-                  <c:v>0.2753591</c:v>
+                  <c:v>0.2909934</c:v>
                 </c:pt>
                 <c:pt idx="1">
-                  <c:v>0.8527339</c:v>
-                </c:pt>
-                <c:pt idx="2">
-                  <c:v>0.3070725</c:v>
+                  <c:v>0.2915095</c:v>
                 </c:pt>
               </c:numCache>
             </c:numRef>
@@ -3115,7 +2693,7 @@
           <c:showSerName val="0"/>
           <c:showVal val="1"/>
         </c:dLbls>
-        <c:gapWidth val="150"/>
+        <c:gapWidth val="50"/>
         <c:overlap val="0"/>
         <c:axId val="64451712"/>
         <c:axId val="64453248"/>
@@ -3253,7 +2831,7 @@
 </c:chartSpace>
 </file>
 
-<file path=ppt/charts/chartc702e614fc4.xml><?xml version="1.0" encoding="utf-8"?>
+<file path=ppt/charts/chart56d42df74b91.xml><?xml version="1.0" encoding="utf-8"?>
 <c:chartSpace xmlns:c="http://schemas.openxmlformats.org/drawingml/2006/chart" xmlns:a="http://schemas.openxmlformats.org/drawingml/2006/main" xmlns:r="http://schemas.openxmlformats.org/officeDocument/2006/relationships">
   <c:date1904 val="0"/>
   <c:lang val="fr-FR"/>
@@ -3288,7 +2866,7 @@
                 <a:ea typeface="Calibri"/>
                 <a:sym typeface="Calibri"/>
               </a:rPr>
-              <a:t>Variant 8</a:t>
+              <a:t>Variant 17</a:t>
             </a:r>
           </a:p>
         </c:rich>
@@ -3312,7 +2890,7 @@
               <c:strCache>
                 <c:ptCount val="1"/>
                 <c:pt idx="0">
-                  <c:v>Jongen</c:v>
+                  <c:v>Zandwijk</c:v>
                 </c:pt>
               </c:strCache>
             </c:strRef>
@@ -3365,34 +2943,40 @@
           </c:dLbls>
           <c:cat>
             <c:strRef>
-              <c:f>sheet1!$A$2:$A$4</c:f>
+              <c:f>sheet1!$A$2:$A$5</c:f>
               <c:strCache>
-                <c:ptCount val="3"/>
+                <c:ptCount val="4"/>
                 <c:pt idx="0">
-                  <c:v>Heeft psychische klachten</c:v>
+                  <c:v>Jongen</c:v>
                 </c:pt>
                 <c:pt idx="1">
-                  <c:v>Geeft geen mantelzorg</c:v>
+                  <c:v>Meisje</c:v>
                 </c:pt>
                 <c:pt idx="2">
-                  <c:v>Heeft een zeer goede gezondheid</c:v>
+                  <c:v>Klas 2</c:v>
+                </c:pt>
+                <c:pt idx="3">
+                  <c:v>Klas 4</c:v>
                 </c:pt>
               </c:strCache>
             </c:strRef>
           </c:cat>
           <c:val>
             <c:numRef>
-              <c:f>sheet1!$B$2:$B$4</c:f>
+              <c:f>sheet1!$B$2:$B$5</c:f>
               <c:numCache>
-                <c:ptCount val="3"/>
+                <c:ptCount val="4"/>
                 <c:pt idx="0">
-                  <c:v>0.2885178</c:v>
+                  <c:v>0.2701879</c:v>
                 </c:pt>
                 <c:pt idx="1">
-                  <c:v>0.8528350</c:v>
+                  <c:v>0.3004174</c:v>
                 </c:pt>
                 <c:pt idx="2">
-                  <c:v>0.3093217</c:v>
+                  <c:v>0.2737045</c:v>
+                </c:pt>
+                <c:pt idx="3">
+                  <c:v>0.2960578</c:v>
                 </c:pt>
               </c:numCache>
             </c:numRef>
@@ -3407,14 +2991,14 @@
               <c:strCache>
                 <c:ptCount val="1"/>
                 <c:pt idx="0">
-                  <c:v>Meisje</c:v>
+                  <c:v>Nederland</c:v>
                 </c:pt>
               </c:strCache>
             </c:strRef>
           </c:tx>
           <c:spPr>
             <a:solidFill>
-              <a:srgbClr val="6FC7FF">
+              <a:srgbClr val="E54800">
                 <a:alpha val="100000"/>
               </a:srgbClr>
             </a:solidFill>
@@ -3460,34 +3044,40 @@
           </c:dLbls>
           <c:cat>
             <c:strRef>
-              <c:f>sheet1!$A$2:$A$4</c:f>
+              <c:f>sheet1!$A$2:$A$5</c:f>
               <c:strCache>
-                <c:ptCount val="3"/>
+                <c:ptCount val="4"/>
                 <c:pt idx="0">
-                  <c:v>Heeft psychische klachten</c:v>
+                  <c:v>Jongen</c:v>
                 </c:pt>
                 <c:pt idx="1">
-                  <c:v>Geeft geen mantelzorg</c:v>
+                  <c:v>Meisje</c:v>
                 </c:pt>
                 <c:pt idx="2">
-                  <c:v>Heeft een zeer goede gezondheid</c:v>
+                  <c:v>Klas 2</c:v>
+                </c:pt>
+                <c:pt idx="3">
+                  <c:v>Klas 4</c:v>
                 </c:pt>
               </c:strCache>
             </c:strRef>
           </c:cat>
           <c:val>
             <c:numRef>
-              <c:f>sheet1!$C$2:$C$4</c:f>
+              <c:f>sheet1!$C$2:$C$5</c:f>
               <c:numCache>
-                <c:ptCount val="3"/>
+                <c:ptCount val="4"/>
                 <c:pt idx="0">
-                  <c:v>0.2690928</c:v>
+                  <c:v>0.2953391</c:v>
                 </c:pt>
                 <c:pt idx="1">
-                  <c:v>0.8511010</c:v>
+                  <c:v>0.2947784</c:v>
                 </c:pt>
                 <c:pt idx="2">
-                  <c:v>0.3223658</c:v>
+                  <c:v>0.2909934</c:v>
+                </c:pt>
+                <c:pt idx="3">
+                  <c:v>0.2915095</c:v>
                 </c:pt>
               </c:numCache>
             </c:numRef>
@@ -3504,7 +3094,7 @@
           <c:showSerName val="0"/>
           <c:showVal val="1"/>
         </c:dLbls>
-        <c:gapWidth val="150"/>
+        <c:gapWidth val="50"/>
         <c:overlap val="0"/>
         <c:axId val="64451712"/>
         <c:axId val="64453248"/>
@@ -3642,7 +3232,7 @@
 </c:chartSpace>
 </file>
 
-<file path=ppt/charts/chartc7030da4e2f.xml><?xml version="1.0" encoding="utf-8"?>
+<file path=ppt/charts/chart56d4307049fc.xml><?xml version="1.0" encoding="utf-8"?>
 <c:chartSpace xmlns:c="http://schemas.openxmlformats.org/drawingml/2006/chart" xmlns:a="http://schemas.openxmlformats.org/drawingml/2006/main" xmlns:r="http://schemas.openxmlformats.org/officeDocument/2006/relationships">
   <c:date1904 val="0"/>
   <c:lang val="fr-FR"/>
@@ -3677,7 +3267,7 @@
                 <a:ea typeface="Calibri"/>
                 <a:sym typeface="Calibri"/>
               </a:rPr>
-              <a:t>Variant 12</a:t>
+              <a:t>Staafgrafiek Variant 17 liggend</a:t>
             </a:r>
           </a:p>
         </c:rich>
@@ -3689,7 +3279,7 @@
     <c:plotArea xmlns:c="http://schemas.openxmlformats.org/drawingml/2006/chart" xmlns:a="http://schemas.openxmlformats.org/drawingml/2006/main" xmlns:r="http://schemas.openxmlformats.org/officeDocument/2006/relationships">
       <c:layout/>
       <c:barChart>
-        <c:barDir val="col"/>
+        <c:barDir val="bar"/>
         <c:grouping val="clustered"/>
         <c:varyColors val="0"/>
         <c:ser>
@@ -3698,6 +3288,107 @@
           <c:tx>
             <c:strRef>
               <c:f>sheet1!$B$1</c:f>
+              <c:strCache>
+                <c:ptCount val="1"/>
+                <c:pt idx="0">
+                  <c:v>Nederland</c:v>
+                </c:pt>
+              </c:strCache>
+            </c:strRef>
+          </c:tx>
+          <c:spPr>
+            <a:solidFill>
+              <a:srgbClr val="E54800">
+                <a:alpha val="100000"/>
+              </a:srgbClr>
+            </a:solidFill>
+            <a:ln w="25400">
+              <a:solidFill>
+                <a:srgbClr val="FFFFFF">
+                  <a:alpha val="0"/>
+                </a:srgbClr>
+              </a:solidFill>
+            </a:ln>
+            <a:effectLst/>
+          </c:spPr>
+          <c:invertIfNegative val="0"/>
+          <c:dLbls>
+            <c:dLblPos val="outEnd"/>
+            <c:numFmt formatCode="0%" sourceLinked="0"/>
+            <c:separator val=", "/>
+            <c:showBubbleSize val="0"/>
+            <c:showCatName val="0"/>
+            <c:showLegendKey val="0"/>
+            <c:showPercent val="0"/>
+            <c:showSerName val="0"/>
+            <c:showVal val="1"/>
+            <c:txPr>
+              <a:bodyPr/>
+              <a:lstStyle/>
+              <a:p>
+                <a:pPr>
+                  <a:defRPr cap="none" sz="800" i="0" b="0" u="none">
+                    <a:solidFill>
+                      <a:srgbClr val="000000">
+                        <a:alpha val="100000"/>
+                      </a:srgbClr>
+                    </a:solidFill>
+                    <a:latin typeface="Calibri"/>
+                    <a:cs typeface="Calibri"/>
+                    <a:ea typeface="Calibri"/>
+                    <a:sym typeface="Calibri"/>
+                  </a:defRPr>
+                </a:pPr>
+              </a:p>
+            </c:txPr>
+          </c:dLbls>
+          <c:cat>
+            <c:strRef>
+              <c:f>sheet1!$A$2:$A$5</c:f>
+              <c:strCache>
+                <c:ptCount val="4"/>
+                <c:pt idx="0">
+                  <c:v>Klas 4</c:v>
+                </c:pt>
+                <c:pt idx="1">
+                  <c:v>Klas 2</c:v>
+                </c:pt>
+                <c:pt idx="2">
+                  <c:v>Meisje</c:v>
+                </c:pt>
+                <c:pt idx="3">
+                  <c:v>Jongen</c:v>
+                </c:pt>
+              </c:strCache>
+            </c:strRef>
+          </c:cat>
+          <c:val>
+            <c:numRef>
+              <c:f>sheet1!$B$2:$B$5</c:f>
+              <c:numCache>
+                <c:ptCount val="4"/>
+                <c:pt idx="0">
+                  <c:v>0.2915095</c:v>
+                </c:pt>
+                <c:pt idx="1">
+                  <c:v>0.2909934</c:v>
+                </c:pt>
+                <c:pt idx="2">
+                  <c:v>0.2947784</c:v>
+                </c:pt>
+                <c:pt idx="3">
+                  <c:v>0.2953391</c:v>
+                </c:pt>
+              </c:numCache>
+            </c:numRef>
+          </c:val>
+        </c:ser>
+        <c:ser>
+          <c:idx val="1"/>
+          <c:order val="1"/>
+          <c:tx>
+            <c:strRef>
+              <c:f>sheet1!$C$1</c:f>
               <c:strCache>
                 <c:ptCount val="1"/>
                 <c:pt idx="0">
@@ -3758,36 +3449,36 @@
               <c:strCache>
                 <c:ptCount val="4"/>
                 <c:pt idx="0">
+                  <c:v>Klas 4</c:v>
+                </c:pt>
+                <c:pt idx="1">
+                  <c:v>Klas 2</c:v>
+                </c:pt>
+                <c:pt idx="2">
+                  <c:v>Meisje</c:v>
+                </c:pt>
+                <c:pt idx="3">
                   <c:v>Jongen</c:v>
-                </c:pt>
-                <c:pt idx="1">
-                  <c:v>Meisje</c:v>
-                </c:pt>
-                <c:pt idx="2">
-                  <c:v>Klas 2</c:v>
-                </c:pt>
-                <c:pt idx="3">
-                  <c:v>Klas 4</c:v>
                 </c:pt>
               </c:strCache>
             </c:strRef>
           </c:cat>
           <c:val>
             <c:numRef>
-              <c:f>sheet1!$B$2:$B$5</c:f>
+              <c:f>sheet1!$C$2:$C$5</c:f>
               <c:numCache>
                 <c:ptCount val="4"/>
                 <c:pt idx="0">
-                  <c:v>0.2885178</c:v>
+                  <c:v>0.2960578</c:v>
                 </c:pt>
                 <c:pt idx="1">
-                  <c:v>0.2690928</c:v>
+                  <c:v>0.2737045</c:v>
                 </c:pt>
                 <c:pt idx="2">
-                  <c:v>0.2994161</c:v>
+                  <c:v>0.3004174</c:v>
                 </c:pt>
                 <c:pt idx="3">
-                  <c:v>0.2597708</c:v>
+                  <c:v>0.2701879</c:v>
                 </c:pt>
               </c:numCache>
             </c:numRef>
@@ -3804,7 +3495,7 @@
           <c:showSerName val="0"/>
           <c:showVal val="1"/>
         </c:dLbls>
-        <c:gapWidth val="150"/>
+        <c:gapWidth val="50"/>
         <c:overlap val="0"/>
         <c:axId val="64451712"/>
         <c:axId val="64453248"/>
@@ -3942,7 +3633,7 @@
 </c:chartSpace>
 </file>
 
-<file path=ppt/charts/chartc7033534c99.xml><?xml version="1.0" encoding="utf-8"?>
+<file path=ppt/charts/chart56d445ed70b6.xml><?xml version="1.0" encoding="utf-8"?>
 <c:chartSpace xmlns:c="http://schemas.openxmlformats.org/drawingml/2006/chart" xmlns:a="http://schemas.openxmlformats.org/drawingml/2006/main" xmlns:r="http://schemas.openxmlformats.org/officeDocument/2006/relationships">
   <c:date1904 val="0"/>
   <c:lang val="fr-FR"/>
@@ -3977,7 +3668,7 @@
                 <a:ea typeface="Calibri"/>
                 <a:sym typeface="Calibri"/>
               </a:rPr>
-              <a:t>Variant 16</a:t>
+              <a:t>Variant 4</a:t>
             </a:r>
           </a:p>
         </c:rich>
@@ -4001,7 +3692,7 @@
               <c:strCache>
                 <c:ptCount val="1"/>
                 <c:pt idx="0">
-                  <c:v>Jongen (Klas 2)</c:v>
+                  <c:v>Zandwijk</c:v>
                 </c:pt>
               </c:strCache>
             </c:strRef>
@@ -4075,13 +3766,13 @@
               <c:numCache>
                 <c:ptCount val="3"/>
                 <c:pt idx="0">
-                  <c:v>0.2942601</c:v>
+                  <c:v>0.2829850</c:v>
                 </c:pt>
                 <c:pt idx="1">
-                  <c:v>0.8574598</c:v>
+                  <c:v>0.8470744</c:v>
                 </c:pt>
                 <c:pt idx="2">
-                  <c:v>0.3193977</c:v>
+                  <c:v>0.2967139</c:v>
                 </c:pt>
               </c:numCache>
             </c:numRef>
@@ -4096,102 +3787,7 @@
               <c:strCache>
                 <c:ptCount val="1"/>
                 <c:pt idx="0">
-                  <c:v>Jongen (Klas 4)</c:v>
-                </c:pt>
-              </c:strCache>
-            </c:strRef>
-          </c:tx>
-          <c:spPr>
-            <a:solidFill>
-              <a:srgbClr val="6FC7FF">
-                <a:alpha val="100000"/>
-              </a:srgbClr>
-            </a:solidFill>
-            <a:ln w="25400">
-              <a:solidFill>
-                <a:srgbClr val="FFFFFF">
-                  <a:alpha val="0"/>
-                </a:srgbClr>
-              </a:solidFill>
-            </a:ln>
-            <a:effectLst/>
-          </c:spPr>
-          <c:invertIfNegative val="0"/>
-          <c:dLbls>
-            <c:dLblPos val="outEnd"/>
-            <c:numFmt formatCode="0%" sourceLinked="0"/>
-            <c:separator val=", "/>
-            <c:showBubbleSize val="0"/>
-            <c:showCatName val="0"/>
-            <c:showLegendKey val="0"/>
-            <c:showPercent val="0"/>
-            <c:showSerName val="0"/>
-            <c:showVal val="1"/>
-            <c:txPr>
-              <a:bodyPr/>
-              <a:lstStyle/>
-              <a:p>
-                <a:pPr>
-                  <a:defRPr cap="none" sz="800" i="0" b="0" u="none">
-                    <a:solidFill>
-                      <a:srgbClr val="000000">
-                        <a:alpha val="100000"/>
-                      </a:srgbClr>
-                    </a:solidFill>
-                    <a:latin typeface="Calibri"/>
-                    <a:cs typeface="Calibri"/>
-                    <a:ea typeface="Calibri"/>
-                    <a:sym typeface="Calibri"/>
-                  </a:defRPr>
-                </a:pPr>
-              </a:p>
-            </c:txPr>
-          </c:dLbls>
-          <c:cat>
-            <c:strRef>
-              <c:f>sheet1!$A$2:$A$4</c:f>
-              <c:strCache>
-                <c:ptCount val="3"/>
-                <c:pt idx="0">
-                  <c:v>Heeft psychische klachten</c:v>
-                </c:pt>
-                <c:pt idx="1">
-                  <c:v>Geeft geen mantelzorg</c:v>
-                </c:pt>
-                <c:pt idx="2">
-                  <c:v>Heeft een zeer goede gezondheid</c:v>
-                </c:pt>
-              </c:strCache>
-            </c:strRef>
-          </c:cat>
-          <c:val>
-            <c:numRef>
-              <c:f>sheet1!$C$2:$C$4</c:f>
-              <c:numCache>
-                <c:ptCount val="3"/>
-                <c:pt idx="0">
-                  <c:v>0.2788376</c:v>
-                </c:pt>
-                <c:pt idx="1">
-                  <c:v>0.8494683</c:v>
-                </c:pt>
-                <c:pt idx="2">
-                  <c:v>0.2946568</c:v>
-                </c:pt>
-              </c:numCache>
-            </c:numRef>
-          </c:val>
-        </c:ser>
-        <c:ser>
-          <c:idx val="2"/>
-          <c:order val="2"/>
-          <c:tx>
-            <c:strRef>
-              <c:f>sheet1!$D$1</c:f>
-              <c:strCache>
-                <c:ptCount val="1"/>
-                <c:pt idx="0">
-                  <c:v>Meisje (Klas 2)</c:v>
+                  <c:v>Nederland</c:v>
                 </c:pt>
               </c:strCache>
             </c:strRef>
@@ -4261,112 +3857,17 @@
           </c:cat>
           <c:val>
             <c:numRef>
-              <c:f>sheet1!$D$2:$D$4</c:f>
+              <c:f>sheet1!$C$2:$C$4</c:f>
               <c:numCache>
                 <c:ptCount val="3"/>
                 <c:pt idx="0">
-                  <c:v>0.2950323</c:v>
+                  <c:v>0.2915709</c:v>
                 </c:pt>
                 <c:pt idx="1">
-                  <c:v>0.8496340</c:v>
+                  <c:v>0.8570118</c:v>
                 </c:pt>
                 <c:pt idx="2">
-                  <c:v>0.3416346</c:v>
-                </c:pt>
-              </c:numCache>
-            </c:numRef>
-          </c:val>
-        </c:ser>
-        <c:ser>
-          <c:idx val="3"/>
-          <c:order val="3"/>
-          <c:tx>
-            <c:strRef>
-              <c:f>sheet1!$E$1</c:f>
-              <c:strCache>
-                <c:ptCount val="1"/>
-                <c:pt idx="0">
-                  <c:v>Meisje (Klas 4)</c:v>
-                </c:pt>
-              </c:strCache>
-            </c:strRef>
-          </c:tx>
-          <c:spPr>
-            <a:solidFill>
-              <a:srgbClr val="FFB18E">
-                <a:alpha val="100000"/>
-              </a:srgbClr>
-            </a:solidFill>
-            <a:ln w="25400">
-              <a:solidFill>
-                <a:srgbClr val="FFFFFF">
-                  <a:alpha val="0"/>
-                </a:srgbClr>
-              </a:solidFill>
-            </a:ln>
-            <a:effectLst/>
-          </c:spPr>
-          <c:invertIfNegative val="0"/>
-          <c:dLbls>
-            <c:dLblPos val="outEnd"/>
-            <c:numFmt formatCode="0%" sourceLinked="0"/>
-            <c:separator val=", "/>
-            <c:showBubbleSize val="0"/>
-            <c:showCatName val="0"/>
-            <c:showLegendKey val="0"/>
-            <c:showPercent val="0"/>
-            <c:showSerName val="0"/>
-            <c:showVal val="1"/>
-            <c:txPr>
-              <a:bodyPr/>
-              <a:lstStyle/>
-              <a:p>
-                <a:pPr>
-                  <a:defRPr cap="none" sz="800" i="0" b="0" u="none">
-                    <a:solidFill>
-                      <a:srgbClr val="000000">
-                        <a:alpha val="100000"/>
-                      </a:srgbClr>
-                    </a:solidFill>
-                    <a:latin typeface="Calibri"/>
-                    <a:cs typeface="Calibri"/>
-                    <a:ea typeface="Calibri"/>
-                    <a:sym typeface="Calibri"/>
-                  </a:defRPr>
-                </a:pPr>
-              </a:p>
-            </c:txPr>
-          </c:dLbls>
-          <c:cat>
-            <c:strRef>
-              <c:f>sheet1!$A$2:$A$4</c:f>
-              <c:strCache>
-                <c:ptCount val="3"/>
-                <c:pt idx="0">
-                  <c:v>Heeft psychische klachten</c:v>
-                </c:pt>
-                <c:pt idx="1">
-                  <c:v>Geeft geen mantelzorg</c:v>
-                </c:pt>
-                <c:pt idx="2">
-                  <c:v>Heeft een zeer goede gezondheid</c:v>
-                </c:pt>
-              </c:strCache>
-            </c:strRef>
-          </c:cat>
-          <c:val>
-            <c:numRef>
-              <c:f>sheet1!$E$2:$E$4</c:f>
-              <c:numCache>
-                <c:ptCount val="3"/>
-                <c:pt idx="0">
-                  <c:v>0.2381023</c:v>
-                </c:pt>
-                <c:pt idx="1">
-                  <c:v>0.8590691</c:v>
-                </c:pt>
-                <c:pt idx="2">
-                  <c:v>0.2990743</c:v>
+                  <c:v>0.3045860</c:v>
                 </c:pt>
               </c:numCache>
             </c:numRef>
@@ -4383,7 +3884,7 @@
           <c:showSerName val="0"/>
           <c:showVal val="1"/>
         </c:dLbls>
-        <c:gapWidth val="150"/>
+        <c:gapWidth val="50"/>
         <c:overlap val="0"/>
         <c:axId val="64451712"/>
         <c:axId val="64453248"/>
@@ -4521,7 +4022,7 @@
 </c:chartSpace>
 </file>
 
-<file path=ppt/charts/chartc7035cc4b04.xml><?xml version="1.0" encoding="utf-8"?>
+<file path=ppt/charts/chart56d448666f21.xml><?xml version="1.0" encoding="utf-8"?>
 <c:chartSpace xmlns:c="http://schemas.openxmlformats.org/drawingml/2006/chart" xmlns:a="http://schemas.openxmlformats.org/drawingml/2006/main" xmlns:r="http://schemas.openxmlformats.org/officeDocument/2006/relationships">
   <c:date1904 val="0"/>
   <c:lang val="fr-FR"/>
@@ -4556,7 +4057,7 @@
                 <a:ea typeface="Calibri"/>
                 <a:sym typeface="Calibri"/>
               </a:rPr>
-              <a:t>Staafgrafiek Variant 17 met aangepaste y-as</a:t>
+              <a:t>Variant 8</a:t>
             </a:r>
           </a:p>
         </c:rich>
@@ -4580,7 +4081,7 @@
               <c:strCache>
                 <c:ptCount val="1"/>
                 <c:pt idx="0">
-                  <c:v>Zandwijk</c:v>
+                  <c:v>Jongen</c:v>
                 </c:pt>
               </c:strCache>
             </c:strRef>
@@ -4633,40 +4134,34 @@
           </c:dLbls>
           <c:cat>
             <c:strRef>
-              <c:f>sheet1!$A$2:$A$5</c:f>
+              <c:f>sheet1!$A$2:$A$4</c:f>
               <c:strCache>
-                <c:ptCount val="4"/>
+                <c:ptCount val="3"/>
                 <c:pt idx="0">
-                  <c:v>Jongen</c:v>
+                  <c:v>Heeft psychische klachten</c:v>
                 </c:pt>
                 <c:pt idx="1">
-                  <c:v>Meisje</c:v>
+                  <c:v>Geeft geen mantelzorg</c:v>
                 </c:pt>
                 <c:pt idx="2">
-                  <c:v>Klas 2</c:v>
-                </c:pt>
-                <c:pt idx="3">
-                  <c:v>Klas 4</c:v>
+                  <c:v>Heeft een zeer goede gezondheid</c:v>
                 </c:pt>
               </c:strCache>
             </c:strRef>
           </c:cat>
           <c:val>
             <c:numRef>
-              <c:f>sheet1!$B$2:$B$5</c:f>
+              <c:f>sheet1!$B$2:$B$4</c:f>
               <c:numCache>
-                <c:ptCount val="4"/>
+                <c:ptCount val="3"/>
                 <c:pt idx="0">
-                  <c:v>0.2885178</c:v>
+                  <c:v>0.2701879</c:v>
                 </c:pt>
                 <c:pt idx="1">
-                  <c:v>0.2690928</c:v>
+                  <c:v>0.8287007</c:v>
                 </c:pt>
                 <c:pt idx="2">
-                  <c:v>0.2994161</c:v>
-                </c:pt>
-                <c:pt idx="3">
-                  <c:v>0.2597708</c:v>
+                  <c:v>0.2980087</c:v>
                 </c:pt>
               </c:numCache>
             </c:numRef>
@@ -4681,14 +4176,14 @@
               <c:strCache>
                 <c:ptCount val="1"/>
                 <c:pt idx="0">
-                  <c:v>Nederland</c:v>
+                  <c:v>Meisje</c:v>
                 </c:pt>
               </c:strCache>
             </c:strRef>
           </c:tx>
           <c:spPr>
             <a:solidFill>
-              <a:srgbClr val="E54800">
+              <a:srgbClr val="6FC7FF">
                 <a:alpha val="100000"/>
               </a:srgbClr>
             </a:solidFill>
@@ -4734,40 +4229,34 @@
           </c:dLbls>
           <c:cat>
             <c:strRef>
-              <c:f>sheet1!$A$2:$A$5</c:f>
+              <c:f>sheet1!$A$2:$A$4</c:f>
               <c:strCache>
-                <c:ptCount val="4"/>
+                <c:ptCount val="3"/>
                 <c:pt idx="0">
-                  <c:v>Jongen</c:v>
+                  <c:v>Heeft psychische klachten</c:v>
                 </c:pt>
                 <c:pt idx="1">
-                  <c:v>Meisje</c:v>
+                  <c:v>Geeft geen mantelzorg</c:v>
                 </c:pt>
                 <c:pt idx="2">
-                  <c:v>Klas 2</c:v>
-                </c:pt>
-                <c:pt idx="3">
-                  <c:v>Klas 4</c:v>
+                  <c:v>Heeft een zeer goede gezondheid</c:v>
                 </c:pt>
               </c:strCache>
             </c:strRef>
           </c:cat>
           <c:val>
             <c:numRef>
-              <c:f>sheet1!$C$2:$C$5</c:f>
+              <c:f>sheet1!$C$2:$C$4</c:f>
               <c:numCache>
-                <c:ptCount val="4"/>
+                <c:ptCount val="3"/>
                 <c:pt idx="0">
-                  <c:v>0.2810797</c:v>
+                  <c:v>0.3004174</c:v>
                 </c:pt>
                 <c:pt idx="1">
-                  <c:v>0.2733080</c:v>
+                  <c:v>0.8551878</c:v>
                 </c:pt>
                 <c:pt idx="2">
-                  <c:v>0.2818699</c:v>
-                </c:pt>
-                <c:pt idx="3">
-                  <c:v>0.2738343</c:v>
+                  <c:v>0.2960982</c:v>
                 </c:pt>
               </c:numCache>
             </c:numRef>
@@ -4784,7 +4273,7 @@
           <c:showSerName val="0"/>
           <c:showVal val="1"/>
         </c:dLbls>
-        <c:gapWidth val="150"/>
+        <c:gapWidth val="50"/>
         <c:overlap val="0"/>
         <c:axId val="64451712"/>
         <c:axId val="64453248"/>
@@ -4836,7 +4325,7 @@
         <c:axId val="64453248"/>
         <c:scaling>
           <c:orientation val="minMax"/>
-          <c:max val="0.50"/>
+          <c:max val="1.00"/>
           <c:min val="0.00"/>
         </c:scaling>
         <c:delete val="0"/>
@@ -4922,7 +4411,7 @@
 </c:chartSpace>
 </file>
 
-<file path=ppt/charts/chartc703846496f.xml><?xml version="1.0" encoding="utf-8"?>
+<file path=ppt/charts/chart56d44adf6d8c.xml><?xml version="1.0" encoding="utf-8"?>
 <c:chartSpace xmlns:c="http://schemas.openxmlformats.org/drawingml/2006/chart" xmlns:a="http://schemas.openxmlformats.org/drawingml/2006/main" xmlns:r="http://schemas.openxmlformats.org/officeDocument/2006/relationships">
   <c:date1904 val="0"/>
   <c:lang val="fr-FR"/>
@@ -4957,7 +4446,7 @@
                 <a:ea typeface="Calibri"/>
                 <a:sym typeface="Calibri"/>
               </a:rPr>
-              <a:t>Top 3 bronnen van stress</a:t>
+              <a:t>Variant 12</a:t>
             </a:r>
           </a:p>
         </c:rich>
@@ -4970,6 +4459,496 @@
       <c:layout/>
       <c:barChart>
         <c:barDir val="bar"/>
+        <c:grouping val="clustered"/>
+        <c:varyColors val="0"/>
+        <c:ser>
+          <c:idx val="0"/>
+          <c:order val="0"/>
+          <c:tx>
+            <c:strRef>
+              <c:f>sheet1!$B$1</c:f>
+              <c:strCache>
+                <c:ptCount val="1"/>
+                <c:pt idx="0">
+                  <c:v>MBOKK3S32</c:v>
+                </c:pt>
+              </c:strCache>
+            </c:strRef>
+          </c:tx>
+          <c:spPr>
+            <a:solidFill>
+              <a:srgbClr val="E54800">
+                <a:alpha val="100000"/>
+              </a:srgbClr>
+            </a:solidFill>
+            <a:ln w="25400">
+              <a:solidFill>
+                <a:srgbClr val="FFFFFF">
+                  <a:alpha val="0"/>
+                </a:srgbClr>
+              </a:solidFill>
+            </a:ln>
+            <a:effectLst/>
+          </c:spPr>
+          <c:invertIfNegative val="0"/>
+          <c:dLbls>
+            <c:dLblPos val="outEnd"/>
+            <c:numFmt formatCode="0%" sourceLinked="0"/>
+            <c:separator val=", "/>
+            <c:showBubbleSize val="0"/>
+            <c:showCatName val="0"/>
+            <c:showLegendKey val="0"/>
+            <c:showPercent val="0"/>
+            <c:showSerName val="0"/>
+            <c:showVal val="1"/>
+            <c:txPr>
+              <a:bodyPr/>
+              <a:lstStyle/>
+              <a:p>
+                <a:pPr>
+                  <a:defRPr cap="none" sz="800" i="0" b="0" u="none">
+                    <a:solidFill>
+                      <a:srgbClr val="000000">
+                        <a:alpha val="100000"/>
+                      </a:srgbClr>
+                    </a:solidFill>
+                    <a:latin typeface="Calibri"/>
+                    <a:cs typeface="Calibri"/>
+                    <a:ea typeface="Calibri"/>
+                    <a:sym typeface="Calibri"/>
+                  </a:defRPr>
+                </a:pPr>
+              </a:p>
+            </c:txPr>
+          </c:dLbls>
+          <c:cat>
+            <c:strRef>
+              <c:f>sheet1!$A$2:$A$8</c:f>
+              <c:strCache>
+                <c:ptCount val="7"/>
+                <c:pt idx="0">
+                  <c:v>Vwo</c:v>
+                </c:pt>
+                <c:pt idx="1">
+                  <c:v>Havo</c:v>
+                </c:pt>
+                <c:pt idx="2">
+                  <c:v>Vmbo</c:v>
+                </c:pt>
+                <c:pt idx="3">
+                  <c:v>Klas 4</c:v>
+                </c:pt>
+                <c:pt idx="4">
+                  <c:v>Klas 2</c:v>
+                </c:pt>
+                <c:pt idx="5">
+                  <c:v>Meisje</c:v>
+                </c:pt>
+                <c:pt idx="6">
+                  <c:v>Jongen</c:v>
+                </c:pt>
+              </c:strCache>
+            </c:strRef>
+          </c:cat>
+          <c:val>
+            <c:numRef>
+              <c:f>sheet1!$B$2:$B$8</c:f>
+              <c:numCache>
+                <c:ptCount val="7"/>
+                <c:pt idx="0">
+                  <c:v>0.2870887</c:v>
+                </c:pt>
+                <c:pt idx="1">
+                  <c:v>0.2926324</c:v>
+                </c:pt>
+                <c:pt idx="2">
+                  <c:v>0.2778354</c:v>
+                </c:pt>
+              </c:numCache>
+            </c:numRef>
+          </c:val>
+        </c:ser>
+        <c:ser>
+          <c:idx val="1"/>
+          <c:order val="1"/>
+          <c:tx>
+            <c:strRef>
+              <c:f>sheet1!$C$1</c:f>
+              <c:strCache>
+                <c:ptCount val="1"/>
+                <c:pt idx="0">
+                  <c:v>KLAS</c:v>
+                </c:pt>
+              </c:strCache>
+            </c:strRef>
+          </c:tx>
+          <c:spPr>
+            <a:solidFill>
+              <a:srgbClr val="6FC7FF">
+                <a:alpha val="100000"/>
+              </a:srgbClr>
+            </a:solidFill>
+            <a:ln w="25400">
+              <a:solidFill>
+                <a:srgbClr val="FFFFFF">
+                  <a:alpha val="0"/>
+                </a:srgbClr>
+              </a:solidFill>
+            </a:ln>
+            <a:effectLst/>
+          </c:spPr>
+          <c:invertIfNegative val="0"/>
+          <c:dLbls>
+            <c:dLblPos val="outEnd"/>
+            <c:numFmt formatCode="0%" sourceLinked="0"/>
+            <c:separator val=", "/>
+            <c:showBubbleSize val="0"/>
+            <c:showCatName val="0"/>
+            <c:showLegendKey val="0"/>
+            <c:showPercent val="0"/>
+            <c:showSerName val="0"/>
+            <c:showVal val="1"/>
+            <c:txPr>
+              <a:bodyPr/>
+              <a:lstStyle/>
+              <a:p>
+                <a:pPr>
+                  <a:defRPr cap="none" sz="800" i="0" b="0" u="none">
+                    <a:solidFill>
+                      <a:srgbClr val="000000">
+                        <a:alpha val="100000"/>
+                      </a:srgbClr>
+                    </a:solidFill>
+                    <a:latin typeface="Calibri"/>
+                    <a:cs typeface="Calibri"/>
+                    <a:ea typeface="Calibri"/>
+                    <a:sym typeface="Calibri"/>
+                  </a:defRPr>
+                </a:pPr>
+              </a:p>
+            </c:txPr>
+          </c:dLbls>
+          <c:cat>
+            <c:strRef>
+              <c:f>sheet1!$A$2:$A$8</c:f>
+              <c:strCache>
+                <c:ptCount val="7"/>
+                <c:pt idx="0">
+                  <c:v>Vwo</c:v>
+                </c:pt>
+                <c:pt idx="1">
+                  <c:v>Havo</c:v>
+                </c:pt>
+                <c:pt idx="2">
+                  <c:v>Vmbo</c:v>
+                </c:pt>
+                <c:pt idx="3">
+                  <c:v>Klas 4</c:v>
+                </c:pt>
+                <c:pt idx="4">
+                  <c:v>Klas 2</c:v>
+                </c:pt>
+                <c:pt idx="5">
+                  <c:v>Meisje</c:v>
+                </c:pt>
+                <c:pt idx="6">
+                  <c:v>Jongen</c:v>
+                </c:pt>
+              </c:strCache>
+            </c:strRef>
+          </c:cat>
+          <c:val>
+            <c:numRef>
+              <c:f>sheet1!$C$2:$C$8</c:f>
+              <c:numCache>
+                <c:ptCount val="7"/>
+                <c:pt idx="3">
+                  <c:v>0.2960578</c:v>
+                </c:pt>
+                <c:pt idx="4">
+                  <c:v>0.2737045</c:v>
+                </c:pt>
+              </c:numCache>
+            </c:numRef>
+          </c:val>
+        </c:ser>
+        <c:ser>
+          <c:idx val="2"/>
+          <c:order val="2"/>
+          <c:tx>
+            <c:strRef>
+              <c:f>sheet1!$D$1</c:f>
+              <c:strCache>
+                <c:ptCount val="1"/>
+                <c:pt idx="0">
+                  <c:v>GENDER</c:v>
+                </c:pt>
+              </c:strCache>
+            </c:strRef>
+          </c:tx>
+          <c:spPr>
+            <a:solidFill>
+              <a:srgbClr val="005C96">
+                <a:alpha val="100000"/>
+              </a:srgbClr>
+            </a:solidFill>
+            <a:ln w="25400">
+              <a:solidFill>
+                <a:srgbClr val="FFFFFF">
+                  <a:alpha val="0"/>
+                </a:srgbClr>
+              </a:solidFill>
+            </a:ln>
+            <a:effectLst/>
+          </c:spPr>
+          <c:invertIfNegative val="0"/>
+          <c:dLbls>
+            <c:dLblPos val="outEnd"/>
+            <c:numFmt formatCode="0%" sourceLinked="0"/>
+            <c:separator val=", "/>
+            <c:showBubbleSize val="0"/>
+            <c:showCatName val="0"/>
+            <c:showLegendKey val="0"/>
+            <c:showPercent val="0"/>
+            <c:showSerName val="0"/>
+            <c:showVal val="1"/>
+            <c:txPr>
+              <a:bodyPr/>
+              <a:lstStyle/>
+              <a:p>
+                <a:pPr>
+                  <a:defRPr cap="none" sz="800" i="0" b="0" u="none">
+                    <a:solidFill>
+                      <a:srgbClr val="000000">
+                        <a:alpha val="100000"/>
+                      </a:srgbClr>
+                    </a:solidFill>
+                    <a:latin typeface="Calibri"/>
+                    <a:cs typeface="Calibri"/>
+                    <a:ea typeface="Calibri"/>
+                    <a:sym typeface="Calibri"/>
+                  </a:defRPr>
+                </a:pPr>
+              </a:p>
+            </c:txPr>
+          </c:dLbls>
+          <c:cat>
+            <c:strRef>
+              <c:f>sheet1!$A$2:$A$8</c:f>
+              <c:strCache>
+                <c:ptCount val="7"/>
+                <c:pt idx="0">
+                  <c:v>Vwo</c:v>
+                </c:pt>
+                <c:pt idx="1">
+                  <c:v>Havo</c:v>
+                </c:pt>
+                <c:pt idx="2">
+                  <c:v>Vmbo</c:v>
+                </c:pt>
+                <c:pt idx="3">
+                  <c:v>Klas 4</c:v>
+                </c:pt>
+                <c:pt idx="4">
+                  <c:v>Klas 2</c:v>
+                </c:pt>
+                <c:pt idx="5">
+                  <c:v>Meisje</c:v>
+                </c:pt>
+                <c:pt idx="6">
+                  <c:v>Jongen</c:v>
+                </c:pt>
+              </c:strCache>
+            </c:strRef>
+          </c:cat>
+          <c:val>
+            <c:numRef>
+              <c:f>sheet1!$D$2:$D$8</c:f>
+              <c:numCache>
+                <c:ptCount val="7"/>
+                <c:pt idx="5">
+                  <c:v>0.3004174</c:v>
+                </c:pt>
+                <c:pt idx="6">
+                  <c:v>0.2701879</c:v>
+                </c:pt>
+              </c:numCache>
+            </c:numRef>
+          </c:val>
+        </c:ser>
+        <c:dLbls>
+          <c:dLblPos val="outEnd"/>
+          <c:numFmt formatCode="0%" sourceLinked="0"/>
+          <c:separator val=", "/>
+          <c:showBubbleSize val="0"/>
+          <c:showCatName val="0"/>
+          <c:showLegendKey val="0"/>
+          <c:showPercent val="0"/>
+          <c:showSerName val="0"/>
+          <c:showVal val="1"/>
+        </c:dLbls>
+        <c:gapWidth val="50"/>
+        <c:overlap val="100"/>
+        <c:axId val="64451712"/>
+        <c:axId val="64453248"/>
+      </c:barChart>
+      <c:catAx>
+        <c:axId val="64451712"/>
+        <c:scaling>
+          <c:orientation val="minMax"/>
+        </c:scaling>
+        <c:delete val="0"/>
+        <c:axPos val="l"/>
+        <c:majorTickMark val="none"/>
+        <c:minorTickMark val="none"/>
+        <c:tickLblPos val="nextTo"/>
+        <c:txPr>
+          <a:bodyPr rot="0" vert="horz"/>
+          <a:lstStyle/>
+          <a:p>
+            <a:pPr>
+              <a:defRPr cap="none" sz="800" i="0" b="0" u="none">
+                <a:solidFill>
+                  <a:srgbClr val="000000">
+                    <a:alpha val="100000"/>
+                  </a:srgbClr>
+                </a:solidFill>
+                <a:latin typeface="Calibri"/>
+                <a:cs typeface="Calibri"/>
+                <a:ea typeface="Calibri"/>
+                <a:sym typeface="Calibri"/>
+              </a:defRPr>
+            </a:pPr>
+          </a:p>
+        </c:txPr>
+        <c:spPr>
+          <a:ln algn="ctr" w="12700">
+            <a:solidFill>
+              <a:srgbClr val="000000">
+                <a:alpha val="100000"/>
+              </a:srgbClr>
+            </a:solidFill>
+            <a:prstDash val="solid"/>
+          </a:ln>
+        </c:spPr>
+        <c:numFmt formatCode="General" sourceLinked="0"/>
+        <c:crossAx val="64453248"/>
+        <c:crosses val="autoZero"/>
+      </c:catAx>
+      <c:valAx>
+        <c:axId val="64453248"/>
+        <c:scaling>
+          <c:orientation val="minMax"/>
+          <c:max val="1.00"/>
+          <c:min val="0.00"/>
+        </c:scaling>
+        <c:delete val="0"/>
+        <c:axPos val="l"/>
+        <c:majorTickMark val="none"/>
+        <c:minorTickMark val="none"/>
+        <c:tickLblPos val="nextTo"/>
+        <c:txPr>
+          <a:bodyPr rot="0" vert="horz"/>
+          <a:lstStyle/>
+          <a:p>
+            <a:pPr>
+              <a:defRPr cap="none" sz="900" i="0" b="0" u="none">
+                <a:solidFill>
+                  <a:srgbClr val="000000">
+                    <a:alpha val="100000"/>
+                  </a:srgbClr>
+                </a:solidFill>
+                <a:latin typeface="Calibri"/>
+                <a:cs typeface="Calibri"/>
+                <a:ea typeface="Calibri"/>
+                <a:sym typeface="Calibri"/>
+              </a:defRPr>
+            </a:pPr>
+          </a:p>
+        </c:txPr>
+        <c:spPr>
+          <a:ln algn="ctr" w="12700">
+            <a:solidFill>
+              <a:srgbClr val="000000">
+                <a:alpha val="100000"/>
+              </a:srgbClr>
+            </a:solidFill>
+            <a:prstDash val="solid"/>
+          </a:ln>
+        </c:spPr>
+        <c:numFmt formatCode="0%" sourceLinked="0"/>
+        <c:crossAx val="64451712"/>
+        <c:crosses val="autoZero"/>
+      </c:valAx>
+    </c:plotArea>
+    <c:plotVisOnly val="1"/>
+    <c:dispBlanksAs val="gap"/>
+    <c:showDLblsOverMax val="0"/>
+  </c:chart>
+  <c:txPr>
+    <a:bodyPr/>
+    <a:lstStyle/>
+    <a:p>
+      <a:pPr>
+        <a:defRPr sz="1800"/>
+      </a:pPr>
+      <a:endParaRPr lang="fr-FR"/>
+    </a:p>
+  </c:txPr>
+  <c:externalData r:id="rId1">
+    <c:autoUpdate val="0"/>
+  </c:externalData>
+</c:chartSpace>
+</file>
+
+<file path=ppt/charts/chart56d44b03181.xml><?xml version="1.0" encoding="utf-8"?>
+<c:chartSpace xmlns:c="http://schemas.openxmlformats.org/drawingml/2006/chart" xmlns:a="http://schemas.openxmlformats.org/drawingml/2006/main" xmlns:r="http://schemas.openxmlformats.org/officeDocument/2006/relationships">
+  <c:date1904 val="0"/>
+  <c:lang val="fr-FR"/>
+  <c:roundedCorners val="0"/>
+  <mc:AlternateContent xmlns:mc="http://schemas.openxmlformats.org/markup-compatibility/2006">
+    <mc:Choice xmlns:c14="http://schemas.microsoft.com/office/drawing/2007/8/2/chart" Requires="c14">
+      <c14:style val="118"/>
+    </mc:Choice>
+    <mc:Fallback>
+      <c:style val="18"/>
+    </mc:Fallback>
+  </mc:AlternateContent>
+  <c:chart>
+    <c:title xmlns:c="http://schemas.openxmlformats.org/drawingml/2006/chart" xmlns:a="http://schemas.openxmlformats.org/drawingml/2006/main" xmlns:r="http://schemas.openxmlformats.org/officeDocument/2006/relationships">
+      <c:tx>
+        <c:rich>
+          <a:bodyPr/>
+          <a:lstStyle/>
+          <a:p>
+            <a:pPr>
+              <a:defRPr/>
+            </a:pPr>
+            <a:r>
+              <a:rPr cap="none" sz="900" i="0" b="1" u="none">
+                <a:solidFill>
+                  <a:srgbClr val="000000">
+                    <a:alpha val="100000"/>
+                  </a:srgbClr>
+                </a:solidFill>
+                <a:latin typeface="Calibri"/>
+                <a:cs typeface="Calibri"/>
+                <a:ea typeface="Calibri"/>
+                <a:sym typeface="Calibri"/>
+              </a:rPr>
+              <a:t>Variant 2</a:t>
+            </a:r>
+          </a:p>
+        </c:rich>
+      </c:tx>
+      <c:layout/>
+      <c:overlay val="0"/>
+    </c:title>
+    <c:autoTitleDeleted val="0"/>
+    <c:plotArea xmlns:c="http://schemas.openxmlformats.org/drawingml/2006/chart" xmlns:a="http://schemas.openxmlformats.org/drawingml/2006/main" xmlns:r="http://schemas.openxmlformats.org/officeDocument/2006/relationships">
+      <c:layout/>
+      <c:barChart>
+        <c:barDir val="col"/>
         <c:grouping val="clustered"/>
         <c:varyColors val="0"/>
         <c:ser>
@@ -5038,13 +5017,13 @@
               <c:strCache>
                 <c:ptCount val="3"/>
                 <c:pt idx="0">
-                  <c:v>Huiswerk</c:v>
+                  <c:v>Heeft psychische klachten</c:v>
                 </c:pt>
                 <c:pt idx="1">
-                  <c:v>Thuissituatie</c:v>
+                  <c:v>Geeft geen mantelzorg</c:v>
                 </c:pt>
                 <c:pt idx="2">
-                  <c:v>Werk</c:v>
+                  <c:v>Heeft een zeer goede gezondheid</c:v>
                 </c:pt>
               </c:strCache>
             </c:strRef>
@@ -5055,13 +5034,13 @@
               <c:numCache>
                 <c:ptCount val="3"/>
                 <c:pt idx="0">
-                  <c:v>0.5941587</c:v>
+                  <c:v>0.2829850</c:v>
                 </c:pt>
                 <c:pt idx="1">
-                  <c:v>0.7000854</c:v>
+                  <c:v>0.8470744</c:v>
                 </c:pt>
                 <c:pt idx="2">
-                  <c:v>0.8911974</c:v>
+                  <c:v>0.2967139</c:v>
                 </c:pt>
               </c:numCache>
             </c:numRef>
@@ -5078,8 +5057,8 @@
           <c:showSerName val="0"/>
           <c:showVal val="1"/>
         </c:dLbls>
-        <c:gapWidth val="30"/>
-        <c:overlap val="-30"/>
+        <c:gapWidth val="50"/>
+        <c:overlap val="0"/>
         <c:axId val="64451712"/>
         <c:axId val="64453248"/>
       </c:barChart>
@@ -5216,7 +5195,7 @@
 </c:chartSpace>
 </file>
 
-<file path=ppt/charts/chartc7042e261ec.xml><?xml version="1.0" encoding="utf-8"?>
+<file path=ppt/charts/chart56d44d596bf6.xml><?xml version="1.0" encoding="utf-8"?>
 <c:chartSpace xmlns:c="http://schemas.openxmlformats.org/drawingml/2006/chart" xmlns:a="http://schemas.openxmlformats.org/drawingml/2006/main" xmlns:r="http://schemas.openxmlformats.org/officeDocument/2006/relationships">
   <c:date1904 val="0"/>
   <c:lang val="fr-FR"/>
@@ -5251,7 +5230,7 @@
                 <a:ea typeface="Calibri"/>
                 <a:sym typeface="Calibri"/>
               </a:rPr>
-              <a:t>Variant 1</a:t>
+              <a:t>Variant 16</a:t>
             </a:r>
           </a:p>
         </c:rich>
@@ -5275,7 +5254,7 @@
               <c:strCache>
                 <c:ptCount val="1"/>
                 <c:pt idx="0">
-                  <c:v>Zandwijk</c:v>
+                  <c:v>Jongen (Klas 2)</c:v>
                 </c:pt>
               </c:strCache>
             </c:strRef>
@@ -5328,22 +5307,319 @@
           </c:dLbls>
           <c:cat>
             <c:strRef>
-              <c:f>sheet1!$A$2:$A$2</c:f>
+              <c:f>sheet1!$A$2:$A$4</c:f>
               <c:strCache>
-                <c:ptCount val="1"/>
+                <c:ptCount val="3"/>
                 <c:pt idx="0">
                   <c:v>Heeft psychische klachten</c:v>
+                </c:pt>
+                <c:pt idx="1">
+                  <c:v>Geeft geen mantelzorg</c:v>
+                </c:pt>
+                <c:pt idx="2">
+                  <c:v>Heeft een zeer goede gezondheid</c:v>
                 </c:pt>
               </c:strCache>
             </c:strRef>
           </c:cat>
           <c:val>
             <c:numRef>
-              <c:f>sheet1!$B$2:$B$2</c:f>
+              <c:f>sheet1!$B$2:$B$4</c:f>
               <c:numCache>
+                <c:ptCount val="3"/>
+                <c:pt idx="0">
+                  <c:v>0.2788403</c:v>
+                </c:pt>
+                <c:pt idx="1">
+                  <c:v>0.8333168</c:v>
+                </c:pt>
+                <c:pt idx="2">
+                  <c:v>0.2928710</c:v>
+                </c:pt>
+              </c:numCache>
+            </c:numRef>
+          </c:val>
+        </c:ser>
+        <c:ser>
+          <c:idx val="1"/>
+          <c:order val="1"/>
+          <c:tx>
+            <c:strRef>
+              <c:f>sheet1!$C$1</c:f>
+              <c:strCache>
                 <c:ptCount val="1"/>
                 <c:pt idx="0">
-                  <c:v>0.2805121</c:v>
+                  <c:v>Jongen (Klas 4)</c:v>
+                </c:pt>
+              </c:strCache>
+            </c:strRef>
+          </c:tx>
+          <c:spPr>
+            <a:solidFill>
+              <a:srgbClr val="6FC7FF">
+                <a:alpha val="100000"/>
+              </a:srgbClr>
+            </a:solidFill>
+            <a:ln w="25400">
+              <a:solidFill>
+                <a:srgbClr val="FFFFFF">
+                  <a:alpha val="0"/>
+                </a:srgbClr>
+              </a:solidFill>
+            </a:ln>
+            <a:effectLst/>
+          </c:spPr>
+          <c:invertIfNegative val="0"/>
+          <c:dLbls>
+            <c:dLblPos val="outEnd"/>
+            <c:numFmt formatCode="0%" sourceLinked="0"/>
+            <c:separator val=", "/>
+            <c:showBubbleSize val="0"/>
+            <c:showCatName val="0"/>
+            <c:showLegendKey val="0"/>
+            <c:showPercent val="0"/>
+            <c:showSerName val="0"/>
+            <c:showVal val="1"/>
+            <c:txPr>
+              <a:bodyPr/>
+              <a:lstStyle/>
+              <a:p>
+                <a:pPr>
+                  <a:defRPr cap="none" sz="800" i="0" b="0" u="none">
+                    <a:solidFill>
+                      <a:srgbClr val="000000">
+                        <a:alpha val="100000"/>
+                      </a:srgbClr>
+                    </a:solidFill>
+                    <a:latin typeface="Calibri"/>
+                    <a:cs typeface="Calibri"/>
+                    <a:ea typeface="Calibri"/>
+                    <a:sym typeface="Calibri"/>
+                  </a:defRPr>
+                </a:pPr>
+              </a:p>
+            </c:txPr>
+          </c:dLbls>
+          <c:cat>
+            <c:strRef>
+              <c:f>sheet1!$A$2:$A$4</c:f>
+              <c:strCache>
+                <c:ptCount val="3"/>
+                <c:pt idx="0">
+                  <c:v>Heeft psychische klachten</c:v>
+                </c:pt>
+                <c:pt idx="1">
+                  <c:v>Geeft geen mantelzorg</c:v>
+                </c:pt>
+                <c:pt idx="2">
+                  <c:v>Heeft een zeer goede gezondheid</c:v>
+                </c:pt>
+              </c:strCache>
+            </c:strRef>
+          </c:cat>
+          <c:val>
+            <c:numRef>
+              <c:f>sheet1!$C$2:$C$4</c:f>
+              <c:numCache>
+                <c:ptCount val="3"/>
+                <c:pt idx="0">
+                  <c:v>0.2757898</c:v>
+                </c:pt>
+                <c:pt idx="1">
+                  <c:v>0.8288636</c:v>
+                </c:pt>
+                <c:pt idx="2">
+                  <c:v>0.2974292</c:v>
+                </c:pt>
+              </c:numCache>
+            </c:numRef>
+          </c:val>
+        </c:ser>
+        <c:ser>
+          <c:idx val="2"/>
+          <c:order val="2"/>
+          <c:tx>
+            <c:strRef>
+              <c:f>sheet1!$D$1</c:f>
+              <c:strCache>
+                <c:ptCount val="1"/>
+                <c:pt idx="0">
+                  <c:v>Meisje (Klas 2)</c:v>
+                </c:pt>
+              </c:strCache>
+            </c:strRef>
+          </c:tx>
+          <c:spPr>
+            <a:solidFill>
+              <a:srgbClr val="E54800">
+                <a:alpha val="100000"/>
+              </a:srgbClr>
+            </a:solidFill>
+            <a:ln w="25400">
+              <a:solidFill>
+                <a:srgbClr val="FFFFFF">
+                  <a:alpha val="0"/>
+                </a:srgbClr>
+              </a:solidFill>
+            </a:ln>
+            <a:effectLst/>
+          </c:spPr>
+          <c:invertIfNegative val="0"/>
+          <c:dLbls>
+            <c:dLblPos val="outEnd"/>
+            <c:numFmt formatCode="0%" sourceLinked="0"/>
+            <c:separator val=", "/>
+            <c:showBubbleSize val="0"/>
+            <c:showCatName val="0"/>
+            <c:showLegendKey val="0"/>
+            <c:showPercent val="0"/>
+            <c:showSerName val="0"/>
+            <c:showVal val="1"/>
+            <c:txPr>
+              <a:bodyPr/>
+              <a:lstStyle/>
+              <a:p>
+                <a:pPr>
+                  <a:defRPr cap="none" sz="800" i="0" b="0" u="none">
+                    <a:solidFill>
+                      <a:srgbClr val="000000">
+                        <a:alpha val="100000"/>
+                      </a:srgbClr>
+                    </a:solidFill>
+                    <a:latin typeface="Calibri"/>
+                    <a:cs typeface="Calibri"/>
+                    <a:ea typeface="Calibri"/>
+                    <a:sym typeface="Calibri"/>
+                  </a:defRPr>
+                </a:pPr>
+              </a:p>
+            </c:txPr>
+          </c:dLbls>
+          <c:cat>
+            <c:strRef>
+              <c:f>sheet1!$A$2:$A$4</c:f>
+              <c:strCache>
+                <c:ptCount val="3"/>
+                <c:pt idx="0">
+                  <c:v>Heeft psychische klachten</c:v>
+                </c:pt>
+                <c:pt idx="1">
+                  <c:v>Geeft geen mantelzorg</c:v>
+                </c:pt>
+                <c:pt idx="2">
+                  <c:v>Heeft een zeer goede gezondheid</c:v>
+                </c:pt>
+              </c:strCache>
+            </c:strRef>
+          </c:cat>
+          <c:val>
+            <c:numRef>
+              <c:f>sheet1!$D$2:$D$4</c:f>
+              <c:numCache>
+                <c:ptCount val="3"/>
+                <c:pt idx="0">
+                  <c:v>0.2726357</c:v>
+                </c:pt>
+                <c:pt idx="1">
+                  <c:v>0.8809136</c:v>
+                </c:pt>
+                <c:pt idx="2">
+                  <c:v>0.2976050</c:v>
+                </c:pt>
+              </c:numCache>
+            </c:numRef>
+          </c:val>
+        </c:ser>
+        <c:ser>
+          <c:idx val="3"/>
+          <c:order val="3"/>
+          <c:tx>
+            <c:strRef>
+              <c:f>sheet1!$E$1</c:f>
+              <c:strCache>
+                <c:ptCount val="1"/>
+                <c:pt idx="0">
+                  <c:v>Meisje (Klas 4)</c:v>
+                </c:pt>
+              </c:strCache>
+            </c:strRef>
+          </c:tx>
+          <c:spPr>
+            <a:solidFill>
+              <a:srgbClr val="FFB18E">
+                <a:alpha val="100000"/>
+              </a:srgbClr>
+            </a:solidFill>
+            <a:ln w="25400">
+              <a:solidFill>
+                <a:srgbClr val="FFFFFF">
+                  <a:alpha val="0"/>
+                </a:srgbClr>
+              </a:solidFill>
+            </a:ln>
+            <a:effectLst/>
+          </c:spPr>
+          <c:invertIfNegative val="0"/>
+          <c:dLbls>
+            <c:dLblPos val="outEnd"/>
+            <c:numFmt formatCode="0%" sourceLinked="0"/>
+            <c:separator val=", "/>
+            <c:showBubbleSize val="0"/>
+            <c:showCatName val="0"/>
+            <c:showLegendKey val="0"/>
+            <c:showPercent val="0"/>
+            <c:showSerName val="0"/>
+            <c:showVal val="1"/>
+            <c:txPr>
+              <a:bodyPr/>
+              <a:lstStyle/>
+              <a:p>
+                <a:pPr>
+                  <a:defRPr cap="none" sz="800" i="0" b="0" u="none">
+                    <a:solidFill>
+                      <a:srgbClr val="000000">
+                        <a:alpha val="100000"/>
+                      </a:srgbClr>
+                    </a:solidFill>
+                    <a:latin typeface="Calibri"/>
+                    <a:cs typeface="Calibri"/>
+                    <a:ea typeface="Calibri"/>
+                    <a:sym typeface="Calibri"/>
+                  </a:defRPr>
+                </a:pPr>
+              </a:p>
+            </c:txPr>
+          </c:dLbls>
+          <c:cat>
+            <c:strRef>
+              <c:f>sheet1!$A$2:$A$4</c:f>
+              <c:strCache>
+                <c:ptCount val="3"/>
+                <c:pt idx="0">
+                  <c:v>Heeft psychische klachten</c:v>
+                </c:pt>
+                <c:pt idx="1">
+                  <c:v>Geeft geen mantelzorg</c:v>
+                </c:pt>
+                <c:pt idx="2">
+                  <c:v>Heeft een zeer goede gezondheid</c:v>
+                </c:pt>
+              </c:strCache>
+            </c:strRef>
+          </c:cat>
+          <c:val>
+            <c:numRef>
+              <c:f>sheet1!$E$2:$E$4</c:f>
+              <c:numCache>
+                <c:ptCount val="3"/>
+                <c:pt idx="0">
+                  <c:v>0.3225119</c:v>
+                </c:pt>
+                <c:pt idx="1">
+                  <c:v>0.8522522</c:v>
+                </c:pt>
+                <c:pt idx="2">
+                  <c:v>0.2943052</c:v>
                 </c:pt>
               </c:numCache>
             </c:numRef>
@@ -5360,7 +5636,7 @@
           <c:showSerName val="0"/>
           <c:showVal val="1"/>
         </c:dLbls>
-        <c:gapWidth val="150"/>
+        <c:gapWidth val="50"/>
         <c:overlap val="0"/>
         <c:axId val="64451712"/>
         <c:axId val="64453248"/>
@@ -5498,7 +5774,7 @@
 </c:chartSpace>
 </file>
 
-<file path=ppt/charts/chartc704b4971be.xml><?xml version="1.0" encoding="utf-8"?>
+<file path=ppt/charts/chart56d44fd26a61.xml><?xml version="1.0" encoding="utf-8"?>
 <c:chartSpace xmlns:c="http://schemas.openxmlformats.org/drawingml/2006/chart" xmlns:a="http://schemas.openxmlformats.org/drawingml/2006/main" xmlns:r="http://schemas.openxmlformats.org/officeDocument/2006/relationships">
   <c:date1904 val="0"/>
   <c:lang val="fr-FR"/>
@@ -5533,7 +5809,7 @@
                 <a:ea typeface="Calibri"/>
                 <a:sym typeface="Calibri"/>
               </a:rPr>
-              <a:t>Variant 3</a:t>
+              <a:t>Staafgrafiek Variant 17 met aangepaste y-as</a:t>
             </a:r>
           </a:p>
         </c:rich>
@@ -5610,22 +5886,40 @@
           </c:dLbls>
           <c:cat>
             <c:strRef>
-              <c:f>sheet1!$A$2:$A$2</c:f>
+              <c:f>sheet1!$A$2:$A$5</c:f>
               <c:strCache>
-                <c:ptCount val="1"/>
+                <c:ptCount val="4"/>
                 <c:pt idx="0">
-                  <c:v>Heeft psychische klachten</c:v>
+                  <c:v>Jongen</c:v>
+                </c:pt>
+                <c:pt idx="1">
+                  <c:v>Meisje</c:v>
+                </c:pt>
+                <c:pt idx="2">
+                  <c:v>Klas 2</c:v>
+                </c:pt>
+                <c:pt idx="3">
+                  <c:v>Klas 4</c:v>
                 </c:pt>
               </c:strCache>
             </c:strRef>
           </c:cat>
           <c:val>
             <c:numRef>
-              <c:f>sheet1!$B$2:$B$2</c:f>
+              <c:f>sheet1!$B$2:$B$5</c:f>
               <c:numCache>
-                <c:ptCount val="1"/>
+                <c:ptCount val="4"/>
                 <c:pt idx="0">
-                  <c:v>0.2805121</c:v>
+                  <c:v>0.2701879</c:v>
+                </c:pt>
+                <c:pt idx="1">
+                  <c:v>0.3004174</c:v>
+                </c:pt>
+                <c:pt idx="2">
+                  <c:v>0.2737045</c:v>
+                </c:pt>
+                <c:pt idx="3">
+                  <c:v>0.2960578</c:v>
                 </c:pt>
               </c:numCache>
             </c:numRef>
@@ -5693,22 +5987,40 @@
           </c:dLbls>
           <c:cat>
             <c:strRef>
-              <c:f>sheet1!$A$2:$A$2</c:f>
+              <c:f>sheet1!$A$2:$A$5</c:f>
               <c:strCache>
-                <c:ptCount val="1"/>
+                <c:ptCount val="4"/>
                 <c:pt idx="0">
-                  <c:v>Heeft psychische klachten</c:v>
+                  <c:v>Jongen</c:v>
+                </c:pt>
+                <c:pt idx="1">
+                  <c:v>Meisje</c:v>
+                </c:pt>
+                <c:pt idx="2">
+                  <c:v>Klas 2</c:v>
+                </c:pt>
+                <c:pt idx="3">
+                  <c:v>Klas 4</c:v>
                 </c:pt>
               </c:strCache>
             </c:strRef>
           </c:cat>
           <c:val>
             <c:numRef>
-              <c:f>sheet1!$C$2:$C$2</c:f>
+              <c:f>sheet1!$C$2:$C$5</c:f>
               <c:numCache>
-                <c:ptCount val="1"/>
+                <c:ptCount val="4"/>
                 <c:pt idx="0">
-                  <c:v>0.2753591</c:v>
+                  <c:v>0.2953391</c:v>
+                </c:pt>
+                <c:pt idx="1">
+                  <c:v>0.2947784</c:v>
+                </c:pt>
+                <c:pt idx="2">
+                  <c:v>0.2909934</c:v>
+                </c:pt>
+                <c:pt idx="3">
+                  <c:v>0.2915095</c:v>
                 </c:pt>
               </c:numCache>
             </c:numRef>
@@ -5725,7 +6037,7 @@
           <c:showSerName val="0"/>
           <c:showVal val="1"/>
         </c:dLbls>
-        <c:gapWidth val="150"/>
+        <c:gapWidth val="50"/>
         <c:overlap val="0"/>
         <c:axId val="64451712"/>
         <c:axId val="64453248"/>
@@ -5777,7 +6089,7 @@
         <c:axId val="64453248"/>
         <c:scaling>
           <c:orientation val="minMax"/>
-          <c:max val="1.00"/>
+          <c:max val="0.50"/>
           <c:min val="0.00"/>
         </c:scaling>
         <c:delete val="0"/>
@@ -5863,7 +6175,7 @@
 </c:chartSpace>
 </file>
 
-<file path=ppt/charts/chartc704dc27029.xml><?xml version="1.0" encoding="utf-8"?>
+<file path=ppt/charts/chart56d4524b68cc.xml><?xml version="1.0" encoding="utf-8"?>
 <c:chartSpace xmlns:c="http://schemas.openxmlformats.org/drawingml/2006/chart" xmlns:a="http://schemas.openxmlformats.org/drawingml/2006/main" xmlns:r="http://schemas.openxmlformats.org/officeDocument/2006/relationships">
   <c:date1904 val="0"/>
   <c:lang val="fr-FR"/>
@@ -5898,7 +6210,7 @@
                 <a:ea typeface="Calibri"/>
                 <a:sym typeface="Calibri"/>
               </a:rPr>
-              <a:t>Variant 7</a:t>
+              <a:t>Top 3 bronnen van stress</a:t>
             </a:r>
           </a:p>
         </c:rich>
@@ -5910,7 +6222,7 @@
     <c:plotArea xmlns:c="http://schemas.openxmlformats.org/drawingml/2006/chart" xmlns:a="http://schemas.openxmlformats.org/drawingml/2006/main" xmlns:r="http://schemas.openxmlformats.org/officeDocument/2006/relationships">
       <c:layout/>
       <c:barChart>
-        <c:barDir val="col"/>
+        <c:barDir val="bar"/>
         <c:grouping val="clustered"/>
         <c:varyColors val="0"/>
         <c:ser>
@@ -5922,7 +6234,7 @@
               <c:strCache>
                 <c:ptCount val="1"/>
                 <c:pt idx="0">
-                  <c:v>Jongen</c:v>
+                  <c:v>Zandwijk</c:v>
                 </c:pt>
               </c:strCache>
             </c:strRef>
@@ -5975,105 +6287,34 @@
           </c:dLbls>
           <c:cat>
             <c:strRef>
-              <c:f>sheet1!$A$2:$A$2</c:f>
+              <c:f>sheet1!$A$2:$A$4</c:f>
               <c:strCache>
-                <c:ptCount val="1"/>
+                <c:ptCount val="3"/>
                 <c:pt idx="0">
-                  <c:v>Heeft psychische klachten</c:v>
+                  <c:v>Huiswerk</c:v>
+                </c:pt>
+                <c:pt idx="1">
+                  <c:v>Thuissituatie</c:v>
+                </c:pt>
+                <c:pt idx="2">
+                  <c:v>Werk</c:v>
                 </c:pt>
               </c:strCache>
             </c:strRef>
           </c:cat>
           <c:val>
             <c:numRef>
-              <c:f>sheet1!$B$2:$B$2</c:f>
+              <c:f>sheet1!$B$2:$B$4</c:f>
               <c:numCache>
-                <c:ptCount val="1"/>
+                <c:ptCount val="3"/>
                 <c:pt idx="0">
-                  <c:v>0.2885178</c:v>
-                </c:pt>
-              </c:numCache>
-            </c:numRef>
-          </c:val>
-        </c:ser>
-        <c:ser>
-          <c:idx val="1"/>
-          <c:order val="1"/>
-          <c:tx>
-            <c:strRef>
-              <c:f>sheet1!$C$1</c:f>
-              <c:strCache>
-                <c:ptCount val="1"/>
-                <c:pt idx="0">
-                  <c:v>Meisje</c:v>
-                </c:pt>
-              </c:strCache>
-            </c:strRef>
-          </c:tx>
-          <c:spPr>
-            <a:solidFill>
-              <a:srgbClr val="6FC7FF">
-                <a:alpha val="100000"/>
-              </a:srgbClr>
-            </a:solidFill>
-            <a:ln w="25400">
-              <a:solidFill>
-                <a:srgbClr val="FFFFFF">
-                  <a:alpha val="0"/>
-                </a:srgbClr>
-              </a:solidFill>
-            </a:ln>
-            <a:effectLst/>
-          </c:spPr>
-          <c:invertIfNegative val="0"/>
-          <c:dLbls>
-            <c:dLblPos val="outEnd"/>
-            <c:numFmt formatCode="0%" sourceLinked="0"/>
-            <c:separator val=", "/>
-            <c:showBubbleSize val="0"/>
-            <c:showCatName val="0"/>
-            <c:showLegendKey val="0"/>
-            <c:showPercent val="0"/>
-            <c:showSerName val="0"/>
-            <c:showVal val="1"/>
-            <c:txPr>
-              <a:bodyPr/>
-              <a:lstStyle/>
-              <a:p>
-                <a:pPr>
-                  <a:defRPr cap="none" sz="800" i="0" b="0" u="none">
-                    <a:solidFill>
-                      <a:srgbClr val="000000">
-                        <a:alpha val="100000"/>
-                      </a:srgbClr>
-                    </a:solidFill>
-                    <a:latin typeface="Calibri"/>
-                    <a:cs typeface="Calibri"/>
-                    <a:ea typeface="Calibri"/>
-                    <a:sym typeface="Calibri"/>
-                  </a:defRPr>
-                </a:pPr>
-              </a:p>
-            </c:txPr>
-          </c:dLbls>
-          <c:cat>
-            <c:strRef>
-              <c:f>sheet1!$A$2:$A$2</c:f>
-              <c:strCache>
-                <c:ptCount val="1"/>
-                <c:pt idx="0">
-                  <c:v>Heeft psychische klachten</c:v>
-                </c:pt>
-              </c:strCache>
-            </c:strRef>
-          </c:cat>
-          <c:val>
-            <c:numRef>
-              <c:f>sheet1!$C$2:$C$2</c:f>
-              <c:numCache>
-                <c:ptCount val="1"/>
-                <c:pt idx="0">
-                  <c:v>0.2690928</c:v>
+                  <c:v>0.5995156</c:v>
+                </c:pt>
+                <c:pt idx="1">
+                  <c:v>0.7096832</c:v>
+                </c:pt>
+                <c:pt idx="2">
+                  <c:v>0.9013182</c:v>
                 </c:pt>
               </c:numCache>
             </c:numRef>
@@ -6090,8 +6331,8 @@
           <c:showSerName val="0"/>
           <c:showVal val="1"/>
         </c:dLbls>
-        <c:gapWidth val="150"/>
-        <c:overlap val="0"/>
+        <c:gapWidth val="30"/>
+        <c:overlap val="-30"/>
         <c:axId val="64451712"/>
         <c:axId val="64453248"/>
       </c:barChart>
@@ -6228,7 +6469,7 @@
 </c:chartSpace>
 </file>
 
-<file path=ppt/charts/chartc70503c6e94.xml><?xml version="1.0" encoding="utf-8"?>
+<file path=ppt/charts/chart56d4618df2.xml><?xml version="1.0" encoding="utf-8"?>
 <c:chartSpace xmlns:c="http://schemas.openxmlformats.org/drawingml/2006/chart" xmlns:a="http://schemas.openxmlformats.org/drawingml/2006/main" xmlns:r="http://schemas.openxmlformats.org/officeDocument/2006/relationships">
   <c:date1904 val="0"/>
   <c:lang val="fr-FR"/>
@@ -6263,7 +6504,7 @@
                 <a:ea typeface="Calibri"/>
                 <a:sym typeface="Calibri"/>
               </a:rPr>
-              <a:t>Variant 11</a:t>
+              <a:t>Variant 13</a:t>
             </a:r>
           </a:p>
         </c:rich>
@@ -6287,7 +6528,7 @@
               <c:strCache>
                 <c:ptCount val="1"/>
                 <c:pt idx="0">
-                  <c:v>Klas 2</c:v>
+                  <c:v>Jongen</c:v>
                 </c:pt>
               </c:strCache>
             </c:strRef>
@@ -6340,28 +6581,34 @@
           </c:dLbls>
           <c:cat>
             <c:strRef>
-              <c:f>sheet1!$A$2:$A$3</c:f>
+              <c:f>sheet1!$A$2:$A$4</c:f>
               <c:strCache>
-                <c:ptCount val="2"/>
+                <c:ptCount val="3"/>
                 <c:pt idx="0">
-                  <c:v>Zandwijk</c:v>
+                  <c:v>Heeft psychische klachten</c:v>
                 </c:pt>
                 <c:pt idx="1">
-                  <c:v>Nederland</c:v>
+                  <c:v>Geeft geen mantelzorg</c:v>
+                </c:pt>
+                <c:pt idx="2">
+                  <c:v>Heeft een zeer goede gezondheid</c:v>
                 </c:pt>
               </c:strCache>
             </c:strRef>
           </c:cat>
           <c:val>
             <c:numRef>
-              <c:f>sheet1!$B$2:$B$3</c:f>
+              <c:f>sheet1!$B$2:$B$4</c:f>
               <c:numCache>
-                <c:ptCount val="2"/>
+                <c:ptCount val="3"/>
                 <c:pt idx="0">
-                  <c:v>0.2994161</c:v>
+                  <c:v>0.2701879</c:v>
                 </c:pt>
                 <c:pt idx="1">
-                  <c:v>0.2818699</c:v>
+                  <c:v>0.8287007</c:v>
+                </c:pt>
+                <c:pt idx="2">
+                  <c:v>0.2980087</c:v>
                 </c:pt>
               </c:numCache>
             </c:numRef>
@@ -6376,7 +6623,7 @@
               <c:strCache>
                 <c:ptCount val="1"/>
                 <c:pt idx="0">
-                  <c:v>Klas 4</c:v>
+                  <c:v>Meisje</c:v>
                 </c:pt>
               </c:strCache>
             </c:strRef>
@@ -6429,28 +6676,224 @@
           </c:dLbls>
           <c:cat>
             <c:strRef>
-              <c:f>sheet1!$A$2:$A$3</c:f>
+              <c:f>sheet1!$A$2:$A$4</c:f>
               <c:strCache>
-                <c:ptCount val="2"/>
+                <c:ptCount val="3"/>
                 <c:pt idx="0">
-                  <c:v>Zandwijk</c:v>
+                  <c:v>Heeft psychische klachten</c:v>
                 </c:pt>
                 <c:pt idx="1">
-                  <c:v>Nederland</c:v>
+                  <c:v>Geeft geen mantelzorg</c:v>
+                </c:pt>
+                <c:pt idx="2">
+                  <c:v>Heeft een zeer goede gezondheid</c:v>
                 </c:pt>
               </c:strCache>
             </c:strRef>
           </c:cat>
           <c:val>
             <c:numRef>
-              <c:f>sheet1!$C$2:$C$3</c:f>
+              <c:f>sheet1!$C$2:$C$4</c:f>
               <c:numCache>
-                <c:ptCount val="2"/>
+                <c:ptCount val="3"/>
                 <c:pt idx="0">
-                  <c:v>0.2597708</c:v>
+                  <c:v>0.3004174</c:v>
                 </c:pt>
                 <c:pt idx="1">
-                  <c:v>0.2738343</c:v>
+                  <c:v>0.8551878</c:v>
+                </c:pt>
+                <c:pt idx="2">
+                  <c:v>0.2960982</c:v>
+                </c:pt>
+              </c:numCache>
+            </c:numRef>
+          </c:val>
+        </c:ser>
+        <c:ser>
+          <c:idx val="2"/>
+          <c:order val="2"/>
+          <c:tx>
+            <c:strRef>
+              <c:f>sheet1!$D$1</c:f>
+              <c:strCache>
+                <c:ptCount val="1"/>
+                <c:pt idx="0">
+                  <c:v>Klas 2</c:v>
+                </c:pt>
+              </c:strCache>
+            </c:strRef>
+          </c:tx>
+          <c:spPr>
+            <a:solidFill>
+              <a:srgbClr val="E54800">
+                <a:alpha val="100000"/>
+              </a:srgbClr>
+            </a:solidFill>
+            <a:ln w="25400">
+              <a:solidFill>
+                <a:srgbClr val="FFFFFF">
+                  <a:alpha val="0"/>
+                </a:srgbClr>
+              </a:solidFill>
+            </a:ln>
+            <a:effectLst/>
+          </c:spPr>
+          <c:invertIfNegative val="0"/>
+          <c:dLbls>
+            <c:dLblPos val="outEnd"/>
+            <c:numFmt formatCode="0%" sourceLinked="0"/>
+            <c:separator val=", "/>
+            <c:showBubbleSize val="0"/>
+            <c:showCatName val="0"/>
+            <c:showLegendKey val="0"/>
+            <c:showPercent val="0"/>
+            <c:showSerName val="0"/>
+            <c:showVal val="1"/>
+            <c:txPr>
+              <a:bodyPr/>
+              <a:lstStyle/>
+              <a:p>
+                <a:pPr>
+                  <a:defRPr cap="none" sz="800" i="0" b="0" u="none">
+                    <a:solidFill>
+                      <a:srgbClr val="000000">
+                        <a:alpha val="100000"/>
+                      </a:srgbClr>
+                    </a:solidFill>
+                    <a:latin typeface="Calibri"/>
+                    <a:cs typeface="Calibri"/>
+                    <a:ea typeface="Calibri"/>
+                    <a:sym typeface="Calibri"/>
+                  </a:defRPr>
+                </a:pPr>
+              </a:p>
+            </c:txPr>
+          </c:dLbls>
+          <c:cat>
+            <c:strRef>
+              <c:f>sheet1!$A$2:$A$4</c:f>
+              <c:strCache>
+                <c:ptCount val="3"/>
+                <c:pt idx="0">
+                  <c:v>Heeft psychische klachten</c:v>
+                </c:pt>
+                <c:pt idx="1">
+                  <c:v>Geeft geen mantelzorg</c:v>
+                </c:pt>
+                <c:pt idx="2">
+                  <c:v>Heeft een zeer goede gezondheid</c:v>
+                </c:pt>
+              </c:strCache>
+            </c:strRef>
+          </c:cat>
+          <c:val>
+            <c:numRef>
+              <c:f>sheet1!$D$2:$D$4</c:f>
+              <c:numCache>
+                <c:ptCount val="3"/>
+                <c:pt idx="0">
+                  <c:v>0.2737045</c:v>
+                </c:pt>
+                <c:pt idx="1">
+                  <c:v>0.8624647</c:v>
+                </c:pt>
+                <c:pt idx="2">
+                  <c:v>0.3008764</c:v>
+                </c:pt>
+              </c:numCache>
+            </c:numRef>
+          </c:val>
+        </c:ser>
+        <c:ser>
+          <c:idx val="3"/>
+          <c:order val="3"/>
+          <c:tx>
+            <c:strRef>
+              <c:f>sheet1!$E$1</c:f>
+              <c:strCache>
+                <c:ptCount val="1"/>
+                <c:pt idx="0">
+                  <c:v>Klas 4</c:v>
+                </c:pt>
+              </c:strCache>
+            </c:strRef>
+          </c:tx>
+          <c:spPr>
+            <a:solidFill>
+              <a:srgbClr val="FFB18E">
+                <a:alpha val="100000"/>
+              </a:srgbClr>
+            </a:solidFill>
+            <a:ln w="25400">
+              <a:solidFill>
+                <a:srgbClr val="FFFFFF">
+                  <a:alpha val="0"/>
+                </a:srgbClr>
+              </a:solidFill>
+            </a:ln>
+            <a:effectLst/>
+          </c:spPr>
+          <c:invertIfNegative val="0"/>
+          <c:dLbls>
+            <c:dLblPos val="outEnd"/>
+            <c:numFmt formatCode="0%" sourceLinked="0"/>
+            <c:separator val=", "/>
+            <c:showBubbleSize val="0"/>
+            <c:showCatName val="0"/>
+            <c:showLegendKey val="0"/>
+            <c:showPercent val="0"/>
+            <c:showSerName val="0"/>
+            <c:showVal val="1"/>
+            <c:txPr>
+              <a:bodyPr/>
+              <a:lstStyle/>
+              <a:p>
+                <a:pPr>
+                  <a:defRPr cap="none" sz="800" i="0" b="0" u="none">
+                    <a:solidFill>
+                      <a:srgbClr val="000000">
+                        <a:alpha val="100000"/>
+                      </a:srgbClr>
+                    </a:solidFill>
+                    <a:latin typeface="Calibri"/>
+                    <a:cs typeface="Calibri"/>
+                    <a:ea typeface="Calibri"/>
+                    <a:sym typeface="Calibri"/>
+                  </a:defRPr>
+                </a:pPr>
+              </a:p>
+            </c:txPr>
+          </c:dLbls>
+          <c:cat>
+            <c:strRef>
+              <c:f>sheet1!$A$2:$A$4</c:f>
+              <c:strCache>
+                <c:ptCount val="3"/>
+                <c:pt idx="0">
+                  <c:v>Heeft psychische klachten</c:v>
+                </c:pt>
+                <c:pt idx="1">
+                  <c:v>Geeft geen mantelzorg</c:v>
+                </c:pt>
+                <c:pt idx="2">
+                  <c:v>Heeft een zeer goede gezondheid</c:v>
+                </c:pt>
+              </c:strCache>
+            </c:strRef>
+          </c:cat>
+          <c:val>
+            <c:numRef>
+              <c:f>sheet1!$E$2:$E$4</c:f>
+              <c:numCache>
+                <c:ptCount val="3"/>
+                <c:pt idx="0">
+                  <c:v>0.2960578</c:v>
+                </c:pt>
+                <c:pt idx="1">
+                  <c:v>0.8423576</c:v>
+                </c:pt>
+                <c:pt idx="2">
+                  <c:v>0.2920322</c:v>
                 </c:pt>
               </c:numCache>
             </c:numRef>
@@ -6467,7 +6910,7 @@
           <c:showSerName val="0"/>
           <c:showVal val="1"/>
         </c:dLbls>
-        <c:gapWidth val="150"/>
+        <c:gapWidth val="50"/>
         <c:overlap val="0"/>
         <c:axId val="64451712"/>
         <c:axId val="64453248"/>
@@ -6605,7 +7048,7 @@
 </c:chartSpace>
 </file>
 
-<file path=ppt/charts/chartc7052b56cff.xml><?xml version="1.0" encoding="utf-8"?>
+<file path=ppt/charts/chart56d4654f111b.xml><?xml version="1.0" encoding="utf-8"?>
 <c:chartSpace xmlns:c="http://schemas.openxmlformats.org/drawingml/2006/chart" xmlns:a="http://schemas.openxmlformats.org/drawingml/2006/main" xmlns:r="http://schemas.openxmlformats.org/officeDocument/2006/relationships">
   <c:date1904 val="0"/>
   <c:lang val="fr-FR"/>
@@ -6640,7 +7083,7 @@
                 <a:ea typeface="Calibri"/>
                 <a:sym typeface="Calibri"/>
               </a:rPr>
-              <a:t>Variant 15</a:t>
+              <a:t>Variant 3</a:t>
             </a:r>
           </a:p>
         </c:rich>
@@ -6664,7 +7107,7 @@
               <c:strCache>
                 <c:ptCount val="1"/>
                 <c:pt idx="0">
-                  <c:v>Klas 2</c:v>
+                  <c:v>Zandwijk</c:v>
                 </c:pt>
               </c:strCache>
             </c:strRef>
@@ -6717,28 +7160,22 @@
           </c:dLbls>
           <c:cat>
             <c:strRef>
-              <c:f>sheet1!$A$2:$A$3</c:f>
+              <c:f>sheet1!$A$2:$A$2</c:f>
               <c:strCache>
-                <c:ptCount val="2"/>
+                <c:ptCount val="1"/>
                 <c:pt idx="0">
-                  <c:v>Jongen</c:v>
-                </c:pt>
-                <c:pt idx="1">
-                  <c:v>Meisje</c:v>
+                  <c:v>Heeft psychische klachten</c:v>
                 </c:pt>
               </c:strCache>
             </c:strRef>
           </c:cat>
           <c:val>
             <c:numRef>
-              <c:f>sheet1!$B$2:$B$3</c:f>
+              <c:f>sheet1!$B$2:$B$2</c:f>
               <c:numCache>
-                <c:ptCount val="2"/>
+                <c:ptCount val="1"/>
                 <c:pt idx="0">
-                  <c:v>0.2942601</c:v>
-                </c:pt>
-                <c:pt idx="1">
-                  <c:v>0.2950323</c:v>
+                  <c:v>0.282985</c:v>
                 </c:pt>
               </c:numCache>
             </c:numRef>
@@ -6753,14 +7190,14 @@
               <c:strCache>
                 <c:ptCount val="1"/>
                 <c:pt idx="0">
-                  <c:v>Klas 4</c:v>
+                  <c:v>Nederland</c:v>
                 </c:pt>
               </c:strCache>
             </c:strRef>
           </c:tx>
           <c:spPr>
             <a:solidFill>
-              <a:srgbClr val="6FC7FF">
+              <a:srgbClr val="E54800">
                 <a:alpha val="100000"/>
               </a:srgbClr>
             </a:solidFill>
@@ -6806,28 +7243,22 @@
           </c:dLbls>
           <c:cat>
             <c:strRef>
-              <c:f>sheet1!$A$2:$A$3</c:f>
+              <c:f>sheet1!$A$2:$A$2</c:f>
               <c:strCache>
-                <c:ptCount val="2"/>
+                <c:ptCount val="1"/>
                 <c:pt idx="0">
-                  <c:v>Jongen</c:v>
-                </c:pt>
-                <c:pt idx="1">
-                  <c:v>Meisje</c:v>
+                  <c:v>Heeft psychische klachten</c:v>
                 </c:pt>
               </c:strCache>
             </c:strRef>
           </c:cat>
           <c:val>
             <c:numRef>
-              <c:f>sheet1!$C$2:$C$3</c:f>
+              <c:f>sheet1!$C$2:$C$2</c:f>
               <c:numCache>
-                <c:ptCount val="2"/>
+                <c:ptCount val="1"/>
                 <c:pt idx="0">
-                  <c:v>0.2788376</c:v>
-                </c:pt>
-                <c:pt idx="1">
-                  <c:v>0.2381023</c:v>
+                  <c:v>0.2915709</c:v>
                 </c:pt>
               </c:numCache>
             </c:numRef>
@@ -6844,7 +7275,7 @@
           <c:showSerName val="0"/>
           <c:showVal val="1"/>
         </c:dLbls>
-        <c:gapWidth val="150"/>
+        <c:gapWidth val="50"/>
         <c:overlap val="0"/>
         <c:axId val="64451712"/>
         <c:axId val="64453248"/>
@@ -6982,7 +7413,7 @@
 </c:chartSpace>
 </file>
 
-<file path=ppt/charts/chartc70552e6b69.xml><?xml version="1.0" encoding="utf-8"?>
+<file path=ppt/charts/chart56d467c8f86.xml><?xml version="1.0" encoding="utf-8"?>
 <c:chartSpace xmlns:c="http://schemas.openxmlformats.org/drawingml/2006/chart" xmlns:a="http://schemas.openxmlformats.org/drawingml/2006/main" xmlns:r="http://schemas.openxmlformats.org/officeDocument/2006/relationships">
   <c:date1904 val="0"/>
   <c:lang val="fr-FR"/>
@@ -7017,7 +7448,7 @@
                 <a:ea typeface="Calibri"/>
                 <a:sym typeface="Calibri"/>
               </a:rPr>
-              <a:t>Staafgrafiek Variant 17 zonder aanpassingen</a:t>
+              <a:t>Variant 7</a:t>
             </a:r>
           </a:p>
         </c:rich>
@@ -7041,7 +7472,7 @@
               <c:strCache>
                 <c:ptCount val="1"/>
                 <c:pt idx="0">
-                  <c:v>Zandwijk</c:v>
+                  <c:v>Jongen</c:v>
                 </c:pt>
               </c:strCache>
             </c:strRef>
@@ -7094,40 +7525,22 @@
           </c:dLbls>
           <c:cat>
             <c:strRef>
-              <c:f>sheet1!$A$2:$A$5</c:f>
+              <c:f>sheet1!$A$2:$A$2</c:f>
               <c:strCache>
-                <c:ptCount val="4"/>
+                <c:ptCount val="1"/>
                 <c:pt idx="0">
-                  <c:v>Jongen</c:v>
-                </c:pt>
-                <c:pt idx="1">
-                  <c:v>Meisje</c:v>
-                </c:pt>
-                <c:pt idx="2">
-                  <c:v>Klas 2</c:v>
-                </c:pt>
-                <c:pt idx="3">
-                  <c:v>Klas 4</c:v>
+                  <c:v>Heeft psychische klachten</c:v>
                 </c:pt>
               </c:strCache>
             </c:strRef>
           </c:cat>
           <c:val>
             <c:numRef>
-              <c:f>sheet1!$B$2:$B$5</c:f>
+              <c:f>sheet1!$B$2:$B$2</c:f>
               <c:numCache>
-                <c:ptCount val="4"/>
+                <c:ptCount val="1"/>
                 <c:pt idx="0">
-                  <c:v>0.2885178</c:v>
-                </c:pt>
-                <c:pt idx="1">
-                  <c:v>0.2690928</c:v>
-                </c:pt>
-                <c:pt idx="2">
-                  <c:v>0.2994161</c:v>
-                </c:pt>
-                <c:pt idx="3">
-                  <c:v>0.2597708</c:v>
+                  <c:v>0.2701879</c:v>
                 </c:pt>
               </c:numCache>
             </c:numRef>
@@ -7142,14 +7555,14 @@
               <c:strCache>
                 <c:ptCount val="1"/>
                 <c:pt idx="0">
-                  <c:v>Nederland</c:v>
+                  <c:v>Meisje</c:v>
                 </c:pt>
               </c:strCache>
             </c:strRef>
           </c:tx>
           <c:spPr>
             <a:solidFill>
-              <a:srgbClr val="E54800">
+              <a:srgbClr val="6FC7FF">
                 <a:alpha val="100000"/>
               </a:srgbClr>
             </a:solidFill>
@@ -7195,40 +7608,22 @@
           </c:dLbls>
           <c:cat>
             <c:strRef>
-              <c:f>sheet1!$A$2:$A$5</c:f>
+              <c:f>sheet1!$A$2:$A$2</c:f>
               <c:strCache>
-                <c:ptCount val="4"/>
+                <c:ptCount val="1"/>
                 <c:pt idx="0">
-                  <c:v>Jongen</c:v>
-                </c:pt>
-                <c:pt idx="1">
-                  <c:v>Meisje</c:v>
-                </c:pt>
-                <c:pt idx="2">
-                  <c:v>Klas 2</c:v>
-                </c:pt>
-                <c:pt idx="3">
-                  <c:v>Klas 4</c:v>
+                  <c:v>Heeft psychische klachten</c:v>
                 </c:pt>
               </c:strCache>
             </c:strRef>
           </c:cat>
           <c:val>
             <c:numRef>
-              <c:f>sheet1!$C$2:$C$5</c:f>
+              <c:f>sheet1!$C$2:$C$2</c:f>
               <c:numCache>
-                <c:ptCount val="4"/>
+                <c:ptCount val="1"/>
                 <c:pt idx="0">
-                  <c:v>0.2810797</c:v>
-                </c:pt>
-                <c:pt idx="1">
-                  <c:v>0.2733080</c:v>
-                </c:pt>
-                <c:pt idx="2">
-                  <c:v>0.2818699</c:v>
-                </c:pt>
-                <c:pt idx="3">
-                  <c:v>0.2738343</c:v>
+                  <c:v>0.3004174</c:v>
                 </c:pt>
               </c:numCache>
             </c:numRef>
@@ -7245,7 +7640,7 @@
           <c:showSerName val="0"/>
           <c:showVal val="1"/>
         </c:dLbls>
-        <c:gapWidth val="150"/>
+        <c:gapWidth val="50"/>
         <c:overlap val="0"/>
         <c:axId val="64451712"/>
         <c:axId val="64453248"/>
@@ -7383,7 +7778,7 @@
 </c:chartSpace>
 </file>
 
-<file path=ppt/charts/chartc706aab1224.xml><?xml version="1.0" encoding="utf-8"?>
+<file path=ppt/charts/chart56d46a41df1.xml><?xml version="1.0" encoding="utf-8"?>
 <c:chartSpace xmlns:c="http://schemas.openxmlformats.org/drawingml/2006/chart" xmlns:a="http://schemas.openxmlformats.org/drawingml/2006/main" xmlns:r="http://schemas.openxmlformats.org/officeDocument/2006/relationships">
   <c:date1904 val="0"/>
   <c:lang val="fr-FR"/>
@@ -7418,7 +7813,7 @@
                 <a:ea typeface="Calibri"/>
                 <a:sym typeface="Calibri"/>
               </a:rPr>
-              <a:t>Variant 2</a:t>
+              <a:t>Variant 11</a:t>
             </a:r>
           </a:p>
         </c:rich>
@@ -7442,7 +7837,7 @@
               <c:strCache>
                 <c:ptCount val="1"/>
                 <c:pt idx="0">
-                  <c:v>Zandwijk</c:v>
+                  <c:v>Klas 2</c:v>
                 </c:pt>
               </c:strCache>
             </c:strRef>
@@ -7495,34 +7890,117 @@
           </c:dLbls>
           <c:cat>
             <c:strRef>
-              <c:f>sheet1!$A$2:$A$4</c:f>
+              <c:f>sheet1!$A$2:$A$3</c:f>
               <c:strCache>
-                <c:ptCount val="3"/>
+                <c:ptCount val="2"/>
                 <c:pt idx="0">
-                  <c:v>Heeft psychische klachten</c:v>
+                  <c:v>Zandwijk</c:v>
                 </c:pt>
                 <c:pt idx="1">
-                  <c:v>Geeft geen mantelzorg</c:v>
-                </c:pt>
-                <c:pt idx="2">
-                  <c:v>Heeft een zeer goede gezondheid</c:v>
+                  <c:v>Nederland</c:v>
                 </c:pt>
               </c:strCache>
             </c:strRef>
           </c:cat>
           <c:val>
             <c:numRef>
-              <c:f>sheet1!$B$2:$B$4</c:f>
+              <c:f>sheet1!$B$2:$B$3</c:f>
               <c:numCache>
-                <c:ptCount val="3"/>
+                <c:ptCount val="2"/>
                 <c:pt idx="0">
-                  <c:v>0.2805121</c:v>
+                  <c:v>0.2737045</c:v>
                 </c:pt>
                 <c:pt idx="1">
-                  <c:v>0.8569226</c:v>
-                </c:pt>
-                <c:pt idx="2">
-                  <c:v>0.3122552</c:v>
+                  <c:v>0.2909934</c:v>
+                </c:pt>
+              </c:numCache>
+            </c:numRef>
+          </c:val>
+        </c:ser>
+        <c:ser>
+          <c:idx val="1"/>
+          <c:order val="1"/>
+          <c:tx>
+            <c:strRef>
+              <c:f>sheet1!$C$1</c:f>
+              <c:strCache>
+                <c:ptCount val="1"/>
+                <c:pt idx="0">
+                  <c:v>Klas 4</c:v>
+                </c:pt>
+              </c:strCache>
+            </c:strRef>
+          </c:tx>
+          <c:spPr>
+            <a:solidFill>
+              <a:srgbClr val="6FC7FF">
+                <a:alpha val="100000"/>
+              </a:srgbClr>
+            </a:solidFill>
+            <a:ln w="25400">
+              <a:solidFill>
+                <a:srgbClr val="FFFFFF">
+                  <a:alpha val="0"/>
+                </a:srgbClr>
+              </a:solidFill>
+            </a:ln>
+            <a:effectLst/>
+          </c:spPr>
+          <c:invertIfNegative val="0"/>
+          <c:dLbls>
+            <c:dLblPos val="outEnd"/>
+            <c:numFmt formatCode="0%" sourceLinked="0"/>
+            <c:separator val=", "/>
+            <c:showBubbleSize val="0"/>
+            <c:showCatName val="0"/>
+            <c:showLegendKey val="0"/>
+            <c:showPercent val="0"/>
+            <c:showSerName val="0"/>
+            <c:showVal val="1"/>
+            <c:txPr>
+              <a:bodyPr/>
+              <a:lstStyle/>
+              <a:p>
+                <a:pPr>
+                  <a:defRPr cap="none" sz="800" i="0" b="0" u="none">
+                    <a:solidFill>
+                      <a:srgbClr val="000000">
+                        <a:alpha val="100000"/>
+                      </a:srgbClr>
+                    </a:solidFill>
+                    <a:latin typeface="Calibri"/>
+                    <a:cs typeface="Calibri"/>
+                    <a:ea typeface="Calibri"/>
+                    <a:sym typeface="Calibri"/>
+                  </a:defRPr>
+                </a:pPr>
+              </a:p>
+            </c:txPr>
+          </c:dLbls>
+          <c:cat>
+            <c:strRef>
+              <c:f>sheet1!$A$2:$A$3</c:f>
+              <c:strCache>
+                <c:ptCount val="2"/>
+                <c:pt idx="0">
+                  <c:v>Zandwijk</c:v>
+                </c:pt>
+                <c:pt idx="1">
+                  <c:v>Nederland</c:v>
+                </c:pt>
+              </c:strCache>
+            </c:strRef>
+          </c:cat>
+          <c:val>
+            <c:numRef>
+              <c:f>sheet1!$C$2:$C$3</c:f>
+              <c:numCache>
+                <c:ptCount val="2"/>
+                <c:pt idx="0">
+                  <c:v>0.2960578</c:v>
+                </c:pt>
+                <c:pt idx="1">
+                  <c:v>0.2915095</c:v>
                 </c:pt>
               </c:numCache>
             </c:numRef>
@@ -7539,7 +8017,7 @@
           <c:showSerName val="0"/>
           <c:showVal val="1"/>
         </c:dLbls>
-        <c:gapWidth val="150"/>
+        <c:gapWidth val="50"/>
         <c:overlap val="0"/>
         <c:axId val="64451712"/>
         <c:axId val="64453248"/>
@@ -7677,7 +8155,7 @@
 </c:chartSpace>
 </file>
 
-<file path=ppt/charts/chartc706d24108e.xml><?xml version="1.0" encoding="utf-8"?>
+<file path=ppt/charts/chart56d46cbac5c.xml><?xml version="1.0" encoding="utf-8"?>
 <c:chartSpace xmlns:c="http://schemas.openxmlformats.org/drawingml/2006/chart" xmlns:a="http://schemas.openxmlformats.org/drawingml/2006/main" xmlns:r="http://schemas.openxmlformats.org/officeDocument/2006/relationships">
   <c:date1904 val="0"/>
   <c:lang val="fr-FR"/>
@@ -7712,7 +8190,7 @@
                 <a:ea typeface="Calibri"/>
                 <a:sym typeface="Calibri"/>
               </a:rPr>
-              <a:t>Variant 6</a:t>
+              <a:t>Variant 15</a:t>
             </a:r>
           </a:p>
         </c:rich>
@@ -7736,7 +8214,7 @@
               <c:strCache>
                 <c:ptCount val="1"/>
                 <c:pt idx="0">
-                  <c:v>Jongen</c:v>
+                  <c:v>Klas 2</c:v>
                 </c:pt>
               </c:strCache>
             </c:strRef>
@@ -7789,34 +8267,28 @@
           </c:dLbls>
           <c:cat>
             <c:strRef>
-              <c:f>sheet1!$A$2:$A$4</c:f>
+              <c:f>sheet1!$A$2:$A$3</c:f>
               <c:strCache>
-                <c:ptCount val="3"/>
+                <c:ptCount val="2"/>
                 <c:pt idx="0">
-                  <c:v>Heeft psychische klachten</c:v>
+                  <c:v>Jongen</c:v>
                 </c:pt>
                 <c:pt idx="1">
-                  <c:v>Geeft geen mantelzorg</c:v>
-                </c:pt>
-                <c:pt idx="2">
-                  <c:v>Heeft een zeer goede gezondheid</c:v>
+                  <c:v>Meisje</c:v>
                 </c:pt>
               </c:strCache>
             </c:strRef>
           </c:cat>
           <c:val>
             <c:numRef>
-              <c:f>sheet1!$B$2:$B$4</c:f>
+              <c:f>sheet1!$B$2:$B$3</c:f>
               <c:numCache>
-                <c:ptCount val="3"/>
+                <c:ptCount val="2"/>
                 <c:pt idx="0">
-                  <c:v>0.2885178</c:v>
+                  <c:v>0.2788403</c:v>
                 </c:pt>
                 <c:pt idx="1">
-                  <c:v>0.8528350</c:v>
-                </c:pt>
-                <c:pt idx="2">
-                  <c:v>0.3093217</c:v>
+                  <c:v>0.2726357</c:v>
                 </c:pt>
               </c:numCache>
             </c:numRef>
@@ -7831,7 +8303,7 @@
               <c:strCache>
                 <c:ptCount val="1"/>
                 <c:pt idx="0">
-                  <c:v>Meisje</c:v>
+                  <c:v>Klas 4</c:v>
                 </c:pt>
               </c:strCache>
             </c:strRef>
@@ -7884,34 +8356,28 @@
           </c:dLbls>
           <c:cat>
             <c:strRef>
-              <c:f>sheet1!$A$2:$A$4</c:f>
+              <c:f>sheet1!$A$2:$A$3</c:f>
               <c:strCache>
-                <c:ptCount val="3"/>
+                <c:ptCount val="2"/>
                 <c:pt idx="0">
-                  <c:v>Heeft psychische klachten</c:v>
+                  <c:v>Jongen</c:v>
                 </c:pt>
                 <c:pt idx="1">
-                  <c:v>Geeft geen mantelzorg</c:v>
-                </c:pt>
-                <c:pt idx="2">
-                  <c:v>Heeft een zeer goede gezondheid</c:v>
+                  <c:v>Meisje</c:v>
                 </c:pt>
               </c:strCache>
             </c:strRef>
           </c:cat>
           <c:val>
             <c:numRef>
-              <c:f>sheet1!$C$2:$C$4</c:f>
+              <c:f>sheet1!$C$2:$C$3</c:f>
               <c:numCache>
-                <c:ptCount val="3"/>
+                <c:ptCount val="2"/>
                 <c:pt idx="0">
-                  <c:v>0.2690928</c:v>
+                  <c:v>0.2757898</c:v>
                 </c:pt>
                 <c:pt idx="1">
-                  <c:v>0.8511010</c:v>
-                </c:pt>
-                <c:pt idx="2">
-                  <c:v>0.3223658</c:v>
+                  <c:v>0.3225119</c:v>
                 </c:pt>
               </c:numCache>
             </c:numRef>
@@ -7928,7 +8394,7 @@
           <c:showSerName val="0"/>
           <c:showVal val="1"/>
         </c:dLbls>
-        <c:gapWidth val="150"/>
+        <c:gapWidth val="50"/>
         <c:overlap val="0"/>
         <c:axId val="64451712"/>
         <c:axId val="64453248"/>
@@ -8066,7 +8532,7 @@
 </c:chartSpace>
 </file>
 
-<file path=ppt/charts/chartc706f9def9.xml><?xml version="1.0" encoding="utf-8"?>
+<file path=ppt/charts/chart56d46f34ac7.xml><?xml version="1.0" encoding="utf-8"?>
 <c:chartSpace xmlns:c="http://schemas.openxmlformats.org/drawingml/2006/chart" xmlns:a="http://schemas.openxmlformats.org/drawingml/2006/main" xmlns:r="http://schemas.openxmlformats.org/officeDocument/2006/relationships">
   <c:date1904 val="0"/>
   <c:lang val="fr-FR"/>
@@ -8101,7 +8567,7 @@
                 <a:ea typeface="Calibri"/>
                 <a:sym typeface="Calibri"/>
               </a:rPr>
-              <a:t>Variant 10</a:t>
+              <a:t>Staafgrafiek Variant 17 zonder aanpassingen</a:t>
             </a:r>
           </a:p>
         </c:rich>
@@ -8178,52 +8644,40 @@
           </c:dLbls>
           <c:cat>
             <c:strRef>
-              <c:f>sheet1!$A$2:$A$7</c:f>
+              <c:f>sheet1!$A$2:$A$5</c:f>
               <c:strCache>
-                <c:ptCount val="6"/>
+                <c:ptCount val="4"/>
                 <c:pt idx="0">
-                  <c:v>Heeft psychische klachten (Klas 2)</c:v>
+                  <c:v>Jongen</c:v>
                 </c:pt>
                 <c:pt idx="1">
-                  <c:v>Heeft psychische klachten (Klas 4)</c:v>
+                  <c:v>Meisje</c:v>
                 </c:pt>
                 <c:pt idx="2">
-                  <c:v>Geeft geen mantelzorg (Klas 2)</c:v>
+                  <c:v>Klas 2</c:v>
                 </c:pt>
                 <c:pt idx="3">
-                  <c:v>Geeft geen mantelzorg (Klas 4)</c:v>
-                </c:pt>
-                <c:pt idx="4">
-                  <c:v>Heeft een zeer goede gezondheid (Klas 2)</c:v>
-                </c:pt>
-                <c:pt idx="5">
-                  <c:v>Heeft een zeer goede gezondheid (Klas 4)</c:v>
+                  <c:v>Klas 4</c:v>
                 </c:pt>
               </c:strCache>
             </c:strRef>
           </c:cat>
           <c:val>
             <c:numRef>
-              <c:f>sheet1!$B$2:$B$7</c:f>
+              <c:f>sheet1!$B$2:$B$5</c:f>
               <c:numCache>
-                <c:ptCount val="6"/>
+                <c:ptCount val="4"/>
                 <c:pt idx="0">
-                  <c:v>0.2994161</c:v>
+                  <c:v>0.2701879</c:v>
                 </c:pt>
                 <c:pt idx="1">
-                  <c:v>0.2597708</c:v>
+                  <c:v>0.3004174</c:v>
                 </c:pt>
                 <c:pt idx="2">
-                  <c:v>0.8586191</c:v>
+                  <c:v>0.2737045</c:v>
                 </c:pt>
                 <c:pt idx="3">
-                  <c:v>0.8596716</c:v>
-                </c:pt>
-                <c:pt idx="4">
-                  <c:v>0.3294875</c:v>
-                </c:pt>
-                <c:pt idx="5">
-                  <c:v>0.2921700</c:v>
+                  <c:v>0.2960578</c:v>
                 </c:pt>
               </c:numCache>
             </c:numRef>
@@ -8291,52 +8745,40 @@
           </c:dLbls>
           <c:cat>
             <c:strRef>
-              <c:f>sheet1!$A$2:$A$7</c:f>
+              <c:f>sheet1!$A$2:$A$5</c:f>
               <c:strCache>
-                <c:ptCount val="6"/>
+                <c:ptCount val="4"/>
                 <c:pt idx="0">
-                  <c:v>Heeft psychische klachten (Klas 2)</c:v>
+                  <c:v>Jongen</c:v>
                 </c:pt>
                 <c:pt idx="1">
-                  <c:v>Heeft psychische klachten (Klas 4)</c:v>
+                  <c:v>Meisje</c:v>
                 </c:pt>
                 <c:pt idx="2">
-                  <c:v>Geeft geen mantelzorg (Klas 2)</c:v>
+                  <c:v>Klas 2</c:v>
                 </c:pt>
                 <c:pt idx="3">
-                  <c:v>Geeft geen mantelzorg (Klas 4)</c:v>
-                </c:pt>
-                <c:pt idx="4">
-                  <c:v>Heeft een zeer goede gezondheid (Klas 2)</c:v>
-                </c:pt>
-                <c:pt idx="5">
-                  <c:v>Heeft een zeer goede gezondheid (Klas 4)</c:v>
+                  <c:v>Klas 4</c:v>
                 </c:pt>
               </c:strCache>
             </c:strRef>
           </c:cat>
           <c:val>
             <c:numRef>
-              <c:f>sheet1!$C$2:$C$7</c:f>
+              <c:f>sheet1!$C$2:$C$5</c:f>
               <c:numCache>
-                <c:ptCount val="6"/>
+                <c:ptCount val="4"/>
                 <c:pt idx="0">
-                  <c:v>0.2818699</c:v>
+                  <c:v>0.2953391</c:v>
                 </c:pt>
                 <c:pt idx="1">
-                  <c:v>0.2738343</c:v>
+                  <c:v>0.2947784</c:v>
                 </c:pt>
                 <c:pt idx="2">
-                  <c:v>0.8523787</c:v>
+                  <c:v>0.2909934</c:v>
                 </c:pt>
                 <c:pt idx="3">
-                  <c:v>0.8516908</c:v>
-                </c:pt>
-                <c:pt idx="4">
-                  <c:v>0.3191411</c:v>
-                </c:pt>
-                <c:pt idx="5">
-                  <c:v>0.2939317</c:v>
+                  <c:v>0.2915095</c:v>
                 </c:pt>
               </c:numCache>
             </c:numRef>
@@ -8353,7 +8795,7 @@
           <c:showSerName val="0"/>
           <c:showVal val="1"/>
         </c:dLbls>
-        <c:gapWidth val="150"/>
+        <c:gapWidth val="50"/>
         <c:overlap val="0"/>
         <c:axId val="64451712"/>
         <c:axId val="64453248"/>
@@ -8491,7 +8933,7 @@
 </c:chartSpace>
 </file>
 
-<file path=ppt/charts/chartc707217d64.xml><?xml version="1.0" encoding="utf-8"?>
+<file path=ppt/charts/chart56d46f693490.xml><?xml version="1.0" encoding="utf-8"?>
 <c:chartSpace xmlns:c="http://schemas.openxmlformats.org/drawingml/2006/chart" xmlns:a="http://schemas.openxmlformats.org/drawingml/2006/main" xmlns:r="http://schemas.openxmlformats.org/officeDocument/2006/relationships">
   <c:date1904 val="0"/>
   <c:lang val="fr-FR"/>
@@ -8526,7 +8968,7 @@
                 <a:ea typeface="Calibri"/>
                 <a:sym typeface="Calibri"/>
               </a:rPr>
-              <a:t>Variant 14</a:t>
+              <a:t>Top 3 bronnen van stress</a:t>
             </a:r>
           </a:p>
         </c:rich>
@@ -8550,7 +8992,7 @@
               <c:strCache>
                 <c:ptCount val="1"/>
                 <c:pt idx="0">
-                  <c:v>Jongen</c:v>
+                  <c:v>Zandwijk</c:v>
                 </c:pt>
               </c:strCache>
             </c:strRef>
@@ -8603,271 +9045,34 @@
           </c:dLbls>
           <c:cat>
             <c:strRef>
-              <c:f>sheet1!$A$2:$A$2</c:f>
+              <c:f>sheet1!$A$2:$A$4</c:f>
               <c:strCache>
-                <c:ptCount val="1"/>
+                <c:ptCount val="3"/>
                 <c:pt idx="0">
-                  <c:v>Zandwijk</c:v>
+                  <c:v>Werk</c:v>
+                </c:pt>
+                <c:pt idx="1">
+                  <c:v>Thuissituatie</c:v>
+                </c:pt>
+                <c:pt idx="2">
+                  <c:v>Huiswerk</c:v>
                 </c:pt>
               </c:strCache>
             </c:strRef>
           </c:cat>
           <c:val>
             <c:numRef>
-              <c:f>sheet1!$B$2:$B$2</c:f>
+              <c:f>sheet1!$B$2:$B$4</c:f>
               <c:numCache>
-                <c:ptCount val="1"/>
+                <c:ptCount val="3"/>
                 <c:pt idx="0">
-                  <c:v>0.2885178</c:v>
-                </c:pt>
-              </c:numCache>
-            </c:numRef>
-          </c:val>
-        </c:ser>
-        <c:ser>
-          <c:idx val="1"/>
-          <c:order val="1"/>
-          <c:tx>
-            <c:strRef>
-              <c:f>sheet1!$C$1</c:f>
-              <c:strCache>
-                <c:ptCount val="1"/>
-                <c:pt idx="0">
-                  <c:v>Meisje</c:v>
-                </c:pt>
-              </c:strCache>
-            </c:strRef>
-          </c:tx>
-          <c:spPr>
-            <a:solidFill>
-              <a:srgbClr val="6FC7FF">
-                <a:alpha val="100000"/>
-              </a:srgbClr>
-            </a:solidFill>
-            <a:ln w="25400">
-              <a:solidFill>
-                <a:srgbClr val="FFFFFF">
-                  <a:alpha val="0"/>
-                </a:srgbClr>
-              </a:solidFill>
-            </a:ln>
-            <a:effectLst/>
-          </c:spPr>
-          <c:invertIfNegative val="0"/>
-          <c:dLbls>
-            <c:dLblPos val="outEnd"/>
-            <c:numFmt formatCode="0%" sourceLinked="0"/>
-            <c:separator val=", "/>
-            <c:showBubbleSize val="0"/>
-            <c:showCatName val="0"/>
-            <c:showLegendKey val="0"/>
-            <c:showPercent val="0"/>
-            <c:showSerName val="0"/>
-            <c:showVal val="1"/>
-            <c:txPr>
-              <a:bodyPr/>
-              <a:lstStyle/>
-              <a:p>
-                <a:pPr>
-                  <a:defRPr cap="none" sz="800" i="0" b="0" u="none">
-                    <a:solidFill>
-                      <a:srgbClr val="000000">
-                        <a:alpha val="100000"/>
-                      </a:srgbClr>
-                    </a:solidFill>
-                    <a:latin typeface="Calibri"/>
-                    <a:cs typeface="Calibri"/>
-                    <a:ea typeface="Calibri"/>
-                    <a:sym typeface="Calibri"/>
-                  </a:defRPr>
-                </a:pPr>
-              </a:p>
-            </c:txPr>
-          </c:dLbls>
-          <c:cat>
-            <c:strRef>
-              <c:f>sheet1!$A$2:$A$2</c:f>
-              <c:strCache>
-                <c:ptCount val="1"/>
-                <c:pt idx="0">
-                  <c:v>Zandwijk</c:v>
-                </c:pt>
-              </c:strCache>
-            </c:strRef>
-          </c:cat>
-          <c:val>
-            <c:numRef>
-              <c:f>sheet1!$C$2:$C$2</c:f>
-              <c:numCache>
-                <c:ptCount val="1"/>
-                <c:pt idx="0">
-                  <c:v>0.2690928</c:v>
-                </c:pt>
-              </c:numCache>
-            </c:numRef>
-          </c:val>
-        </c:ser>
-        <c:ser>
-          <c:idx val="2"/>
-          <c:order val="2"/>
-          <c:tx>
-            <c:strRef>
-              <c:f>sheet1!$D$1</c:f>
-              <c:strCache>
-                <c:ptCount val="1"/>
-                <c:pt idx="0">
-                  <c:v>Klas 2</c:v>
-                </c:pt>
-              </c:strCache>
-            </c:strRef>
-          </c:tx>
-          <c:spPr>
-            <a:solidFill>
-              <a:srgbClr val="E54800">
-                <a:alpha val="100000"/>
-              </a:srgbClr>
-            </a:solidFill>
-            <a:ln w="25400">
-              <a:solidFill>
-                <a:srgbClr val="FFFFFF">
-                  <a:alpha val="0"/>
-                </a:srgbClr>
-              </a:solidFill>
-            </a:ln>
-            <a:effectLst/>
-          </c:spPr>
-          <c:invertIfNegative val="0"/>
-          <c:dLbls>
-            <c:dLblPos val="outEnd"/>
-            <c:numFmt formatCode="0%" sourceLinked="0"/>
-            <c:separator val=", "/>
-            <c:showBubbleSize val="0"/>
-            <c:showCatName val="0"/>
-            <c:showLegendKey val="0"/>
-            <c:showPercent val="0"/>
-            <c:showSerName val="0"/>
-            <c:showVal val="1"/>
-            <c:txPr>
-              <a:bodyPr/>
-              <a:lstStyle/>
-              <a:p>
-                <a:pPr>
-                  <a:defRPr cap="none" sz="800" i="0" b="0" u="none">
-                    <a:solidFill>
-                      <a:srgbClr val="000000">
-                        <a:alpha val="100000"/>
-                      </a:srgbClr>
-                    </a:solidFill>
-                    <a:latin typeface="Calibri"/>
-                    <a:cs typeface="Calibri"/>
-                    <a:ea typeface="Calibri"/>
-                    <a:sym typeface="Calibri"/>
-                  </a:defRPr>
-                </a:pPr>
-              </a:p>
-            </c:txPr>
-          </c:dLbls>
-          <c:cat>
-            <c:strRef>
-              <c:f>sheet1!$A$2:$A$2</c:f>
-              <c:strCache>
-                <c:ptCount val="1"/>
-                <c:pt idx="0">
-                  <c:v>Zandwijk</c:v>
-                </c:pt>
-              </c:strCache>
-            </c:strRef>
-          </c:cat>
-          <c:val>
-            <c:numRef>
-              <c:f>sheet1!$D$2:$D$2</c:f>
-              <c:numCache>
-                <c:ptCount val="1"/>
-                <c:pt idx="0">
-                  <c:v>0.2994161</c:v>
-                </c:pt>
-              </c:numCache>
-            </c:numRef>
-          </c:val>
-        </c:ser>
-        <c:ser>
-          <c:idx val="3"/>
-          <c:order val="3"/>
-          <c:tx>
-            <c:strRef>
-              <c:f>sheet1!$E$1</c:f>
-              <c:strCache>
-                <c:ptCount val="1"/>
-                <c:pt idx="0">
-                  <c:v>Klas 4</c:v>
-                </c:pt>
-              </c:strCache>
-            </c:strRef>
-          </c:tx>
-          <c:spPr>
-            <a:solidFill>
-              <a:srgbClr val="FFB18E">
-                <a:alpha val="100000"/>
-              </a:srgbClr>
-            </a:solidFill>
-            <a:ln w="25400">
-              <a:solidFill>
-                <a:srgbClr val="FFFFFF">
-                  <a:alpha val="0"/>
-                </a:srgbClr>
-              </a:solidFill>
-            </a:ln>
-            <a:effectLst/>
-          </c:spPr>
-          <c:invertIfNegative val="0"/>
-          <c:dLbls>
-            <c:dLblPos val="outEnd"/>
-            <c:numFmt formatCode="0%" sourceLinked="0"/>
-            <c:separator val=", "/>
-            <c:showBubbleSize val="0"/>
-            <c:showCatName val="0"/>
-            <c:showLegendKey val="0"/>
-            <c:showPercent val="0"/>
-            <c:showSerName val="0"/>
-            <c:showVal val="1"/>
-            <c:txPr>
-              <a:bodyPr/>
-              <a:lstStyle/>
-              <a:p>
-                <a:pPr>
-                  <a:defRPr cap="none" sz="800" i="0" b="0" u="none">
-                    <a:solidFill>
-                      <a:srgbClr val="000000">
-                        <a:alpha val="100000"/>
-                      </a:srgbClr>
-                    </a:solidFill>
-                    <a:latin typeface="Calibri"/>
-                    <a:cs typeface="Calibri"/>
-                    <a:ea typeface="Calibri"/>
-                    <a:sym typeface="Calibri"/>
-                  </a:defRPr>
-                </a:pPr>
-              </a:p>
-            </c:txPr>
-          </c:dLbls>
-          <c:cat>
-            <c:strRef>
-              <c:f>sheet1!$A$2:$A$2</c:f>
-              <c:strCache>
-                <c:ptCount val="1"/>
-                <c:pt idx="0">
-                  <c:v>Zandwijk</c:v>
-                </c:pt>
-              </c:strCache>
-            </c:strRef>
-          </c:cat>
-          <c:val>
-            <c:numRef>
-              <c:f>sheet1!$E$2:$E$2</c:f>
-              <c:numCache>
-                <c:ptCount val="1"/>
-                <c:pt idx="0">
-                  <c:v>0.2597708</c:v>
+                  <c:v>0.9013182</c:v>
+                </c:pt>
+                <c:pt idx="1">
+                  <c:v>0.7096832</c:v>
+                </c:pt>
+                <c:pt idx="2">
+                  <c:v>0.5995156</c:v>
                 </c:pt>
               </c:numCache>
             </c:numRef>
@@ -9022,7 +9227,7 @@
 </c:chartSpace>
 </file>
 
-<file path=ppt/charts/chartc707490bcf.xml><?xml version="1.0" encoding="utf-8"?>
+<file path=ppt/charts/chart56d472a2feb.xml><?xml version="1.0" encoding="utf-8"?>
 <c:chartSpace xmlns:c="http://schemas.openxmlformats.org/drawingml/2006/chart" xmlns:a="http://schemas.openxmlformats.org/drawingml/2006/main" xmlns:r="http://schemas.openxmlformats.org/officeDocument/2006/relationships">
   <c:date1904 val="0"/>
   <c:lang val="fr-FR"/>
@@ -9057,7 +9262,7 @@
                 <a:ea typeface="Calibri"/>
                 <a:sym typeface="Calibri"/>
               </a:rPr>
-              <a:t>Variant 18</a:t>
+              <a:t>Variant 6</a:t>
             </a:r>
           </a:p>
         </c:rich>
@@ -9134,28 +9339,34 @@
           </c:dLbls>
           <c:cat>
             <c:strRef>
-              <c:f>sheet1!$A$2:$A$3</c:f>
+              <c:f>sheet1!$A$2:$A$4</c:f>
               <c:strCache>
-                <c:ptCount val="2"/>
+                <c:ptCount val="3"/>
                 <c:pt idx="0">
-                  <c:v>Zandwijk</c:v>
+                  <c:v>Heeft psychische klachten</c:v>
                 </c:pt>
                 <c:pt idx="1">
-                  <c:v>Nederland</c:v>
+                  <c:v>Geeft geen mantelzorg</c:v>
+                </c:pt>
+                <c:pt idx="2">
+                  <c:v>Heeft een zeer goede gezondheid</c:v>
                 </c:pt>
               </c:strCache>
             </c:strRef>
           </c:cat>
           <c:val>
             <c:numRef>
-              <c:f>sheet1!$B$2:$B$3</c:f>
+              <c:f>sheet1!$B$2:$B$4</c:f>
               <c:numCache>
-                <c:ptCount val="2"/>
+                <c:ptCount val="3"/>
                 <c:pt idx="0">
-                  <c:v>0.2885178</c:v>
+                  <c:v>0.2701879</c:v>
                 </c:pt>
                 <c:pt idx="1">
-                  <c:v>0.2810797</c:v>
+                  <c:v>0.8287007</c:v>
+                </c:pt>
+                <c:pt idx="2">
+                  <c:v>0.2980087</c:v>
                 </c:pt>
               </c:numCache>
             </c:numRef>
@@ -9223,206 +9434,34 @@
           </c:dLbls>
           <c:cat>
             <c:strRef>
-              <c:f>sheet1!$A$2:$A$3</c:f>
+              <c:f>sheet1!$A$2:$A$4</c:f>
               <c:strCache>
-                <c:ptCount val="2"/>
+                <c:ptCount val="3"/>
                 <c:pt idx="0">
-                  <c:v>Zandwijk</c:v>
+                  <c:v>Heeft psychische klachten</c:v>
                 </c:pt>
                 <c:pt idx="1">
-                  <c:v>Nederland</c:v>
+                  <c:v>Geeft geen mantelzorg</c:v>
+                </c:pt>
+                <c:pt idx="2">
+                  <c:v>Heeft een zeer goede gezondheid</c:v>
                 </c:pt>
               </c:strCache>
             </c:strRef>
           </c:cat>
           <c:val>
             <c:numRef>
-              <c:f>sheet1!$C$2:$C$3</c:f>
+              <c:f>sheet1!$C$2:$C$4</c:f>
               <c:numCache>
-                <c:ptCount val="2"/>
+                <c:ptCount val="3"/>
                 <c:pt idx="0">
-                  <c:v>0.2690928</c:v>
+                  <c:v>0.3004174</c:v>
                 </c:pt>
                 <c:pt idx="1">
-                  <c:v>0.2733080</c:v>
-                </c:pt>
-              </c:numCache>
-            </c:numRef>
-          </c:val>
-        </c:ser>
-        <c:ser>
-          <c:idx val="2"/>
-          <c:order val="2"/>
-          <c:tx>
-            <c:strRef>
-              <c:f>sheet1!$D$1</c:f>
-              <c:strCache>
-                <c:ptCount val="1"/>
-                <c:pt idx="0">
-                  <c:v>Klas 2</c:v>
-                </c:pt>
-              </c:strCache>
-            </c:strRef>
-          </c:tx>
-          <c:spPr>
-            <a:solidFill>
-              <a:srgbClr val="E54800">
-                <a:alpha val="100000"/>
-              </a:srgbClr>
-            </a:solidFill>
-            <a:ln w="25400">
-              <a:solidFill>
-                <a:srgbClr val="FFFFFF">
-                  <a:alpha val="0"/>
-                </a:srgbClr>
-              </a:solidFill>
-            </a:ln>
-            <a:effectLst/>
-          </c:spPr>
-          <c:invertIfNegative val="0"/>
-          <c:dLbls>
-            <c:dLblPos val="outEnd"/>
-            <c:numFmt formatCode="0%" sourceLinked="0"/>
-            <c:separator val=", "/>
-            <c:showBubbleSize val="0"/>
-            <c:showCatName val="0"/>
-            <c:showLegendKey val="0"/>
-            <c:showPercent val="0"/>
-            <c:showSerName val="0"/>
-            <c:showVal val="1"/>
-            <c:txPr>
-              <a:bodyPr/>
-              <a:lstStyle/>
-              <a:p>
-                <a:pPr>
-                  <a:defRPr cap="none" sz="800" i="0" b="0" u="none">
-                    <a:solidFill>
-                      <a:srgbClr val="000000">
-                        <a:alpha val="100000"/>
-                      </a:srgbClr>
-                    </a:solidFill>
-                    <a:latin typeface="Calibri"/>
-                    <a:cs typeface="Calibri"/>
-                    <a:ea typeface="Calibri"/>
-                    <a:sym typeface="Calibri"/>
-                  </a:defRPr>
-                </a:pPr>
-              </a:p>
-            </c:txPr>
-          </c:dLbls>
-          <c:cat>
-            <c:strRef>
-              <c:f>sheet1!$A$2:$A$3</c:f>
-              <c:strCache>
-                <c:ptCount val="2"/>
-                <c:pt idx="0">
-                  <c:v>Zandwijk</c:v>
-                </c:pt>
-                <c:pt idx="1">
-                  <c:v>Nederland</c:v>
-                </c:pt>
-              </c:strCache>
-            </c:strRef>
-          </c:cat>
-          <c:val>
-            <c:numRef>
-              <c:f>sheet1!$D$2:$D$3</c:f>
-              <c:numCache>
-                <c:ptCount val="2"/>
-                <c:pt idx="0">
-                  <c:v>0.2994161</c:v>
-                </c:pt>
-                <c:pt idx="1">
-                  <c:v>0.2818699</c:v>
-                </c:pt>
-              </c:numCache>
-            </c:numRef>
-          </c:val>
-        </c:ser>
-        <c:ser>
-          <c:idx val="3"/>
-          <c:order val="3"/>
-          <c:tx>
-            <c:strRef>
-              <c:f>sheet1!$E$1</c:f>
-              <c:strCache>
-                <c:ptCount val="1"/>
-                <c:pt idx="0">
-                  <c:v>Klas 4</c:v>
-                </c:pt>
-              </c:strCache>
-            </c:strRef>
-          </c:tx>
-          <c:spPr>
-            <a:solidFill>
-              <a:srgbClr val="FFB18E">
-                <a:alpha val="100000"/>
-              </a:srgbClr>
-            </a:solidFill>
-            <a:ln w="25400">
-              <a:solidFill>
-                <a:srgbClr val="FFFFFF">
-                  <a:alpha val="0"/>
-                </a:srgbClr>
-              </a:solidFill>
-            </a:ln>
-            <a:effectLst/>
-          </c:spPr>
-          <c:invertIfNegative val="0"/>
-          <c:dLbls>
-            <c:dLblPos val="outEnd"/>
-            <c:numFmt formatCode="0%" sourceLinked="0"/>
-            <c:separator val=", "/>
-            <c:showBubbleSize val="0"/>
-            <c:showCatName val="0"/>
-            <c:showLegendKey val="0"/>
-            <c:showPercent val="0"/>
-            <c:showSerName val="0"/>
-            <c:showVal val="1"/>
-            <c:txPr>
-              <a:bodyPr/>
-              <a:lstStyle/>
-              <a:p>
-                <a:pPr>
-                  <a:defRPr cap="none" sz="800" i="0" b="0" u="none">
-                    <a:solidFill>
-                      <a:srgbClr val="000000">
-                        <a:alpha val="100000"/>
-                      </a:srgbClr>
-                    </a:solidFill>
-                    <a:latin typeface="Calibri"/>
-                    <a:cs typeface="Calibri"/>
-                    <a:ea typeface="Calibri"/>
-                    <a:sym typeface="Calibri"/>
-                  </a:defRPr>
-                </a:pPr>
-              </a:p>
-            </c:txPr>
-          </c:dLbls>
-          <c:cat>
-            <c:strRef>
-              <c:f>sheet1!$A$2:$A$3</c:f>
-              <c:strCache>
-                <c:ptCount val="2"/>
-                <c:pt idx="0">
-                  <c:v>Zandwijk</c:v>
-                </c:pt>
-                <c:pt idx="1">
-                  <c:v>Nederland</c:v>
-                </c:pt>
-              </c:strCache>
-            </c:strRef>
-          </c:cat>
-          <c:val>
-            <c:numRef>
-              <c:f>sheet1!$E$2:$E$3</c:f>
-              <c:numCache>
-                <c:ptCount val="2"/>
-                <c:pt idx="0">
-                  <c:v>0.2597708</c:v>
-                </c:pt>
-                <c:pt idx="1">
-                  <c:v>0.2738343</c:v>
+                  <c:v>0.8551878</c:v>
+                </c:pt>
+                <c:pt idx="2">
+                  <c:v>0.2960982</c:v>
                 </c:pt>
               </c:numCache>
             </c:numRef>
@@ -9439,7 +9478,7 @@
           <c:showSerName val="0"/>
           <c:showVal val="1"/>
         </c:dLbls>
-        <c:gapWidth val="150"/>
+        <c:gapWidth val="50"/>
         <c:overlap val="0"/>
         <c:axId val="64451712"/>
         <c:axId val="64453248"/>
@@ -9577,7 +9616,7 @@
 </c:chartSpace>
 </file>
 
-<file path=ppt/charts/chartc707709a3a.xml><?xml version="1.0" encoding="utf-8"?>
+<file path=ppt/charts/chart56d49a32e56.xml><?xml version="1.0" encoding="utf-8"?>
 <c:chartSpace xmlns:c="http://schemas.openxmlformats.org/drawingml/2006/chart" xmlns:a="http://schemas.openxmlformats.org/drawingml/2006/main" xmlns:r="http://schemas.openxmlformats.org/officeDocument/2006/relationships">
   <c:date1904 val="0"/>
   <c:lang val="fr-FR"/>
@@ -9612,7 +9651,7 @@
                 <a:ea typeface="Calibri"/>
                 <a:sym typeface="Calibri"/>
               </a:rPr>
-              <a:t>Staafgrafiek Variant 17 liggend met aangepaste y-as</a:t>
+              <a:t>Variant 10</a:t>
             </a:r>
           </a:p>
         </c:rich>
@@ -9624,7 +9663,7 @@
     <c:plotArea xmlns:c="http://schemas.openxmlformats.org/drawingml/2006/chart" xmlns:a="http://schemas.openxmlformats.org/drawingml/2006/main" xmlns:r="http://schemas.openxmlformats.org/officeDocument/2006/relationships">
       <c:layout/>
       <c:barChart>
-        <c:barDir val="bar"/>
+        <c:barDir val="col"/>
         <c:grouping val="clustered"/>
         <c:varyColors val="0"/>
         <c:ser>
@@ -9633,6 +9672,119 @@
           <c:tx>
             <c:strRef>
               <c:f>sheet1!$B$1</c:f>
+              <c:strCache>
+                <c:ptCount val="1"/>
+                <c:pt idx="0">
+                  <c:v>Zandwijk</c:v>
+                </c:pt>
+              </c:strCache>
+            </c:strRef>
+          </c:tx>
+          <c:spPr>
+            <a:solidFill>
+              <a:srgbClr val="005C96">
+                <a:alpha val="100000"/>
+              </a:srgbClr>
+            </a:solidFill>
+            <a:ln w="25400">
+              <a:solidFill>
+                <a:srgbClr val="FFFFFF">
+                  <a:alpha val="0"/>
+                </a:srgbClr>
+              </a:solidFill>
+            </a:ln>
+            <a:effectLst/>
+          </c:spPr>
+          <c:invertIfNegative val="0"/>
+          <c:dLbls>
+            <c:dLblPos val="outEnd"/>
+            <c:numFmt formatCode="0%" sourceLinked="0"/>
+            <c:separator val=", "/>
+            <c:showBubbleSize val="0"/>
+            <c:showCatName val="0"/>
+            <c:showLegendKey val="0"/>
+            <c:showPercent val="0"/>
+            <c:showSerName val="0"/>
+            <c:showVal val="1"/>
+            <c:txPr>
+              <a:bodyPr/>
+              <a:lstStyle/>
+              <a:p>
+                <a:pPr>
+                  <a:defRPr cap="none" sz="800" i="0" b="0" u="none">
+                    <a:solidFill>
+                      <a:srgbClr val="000000">
+                        <a:alpha val="100000"/>
+                      </a:srgbClr>
+                    </a:solidFill>
+                    <a:latin typeface="Calibri"/>
+                    <a:cs typeface="Calibri"/>
+                    <a:ea typeface="Calibri"/>
+                    <a:sym typeface="Calibri"/>
+                  </a:defRPr>
+                </a:pPr>
+              </a:p>
+            </c:txPr>
+          </c:dLbls>
+          <c:cat>
+            <c:strRef>
+              <c:f>sheet1!$A$2:$A$7</c:f>
+              <c:strCache>
+                <c:ptCount val="6"/>
+                <c:pt idx="0">
+                  <c:v>Heeft psychische klachten (Klas 2)</c:v>
+                </c:pt>
+                <c:pt idx="1">
+                  <c:v>Heeft psychische klachten (Klas 4)</c:v>
+                </c:pt>
+                <c:pt idx="2">
+                  <c:v>Geeft geen mantelzorg (Klas 2)</c:v>
+                </c:pt>
+                <c:pt idx="3">
+                  <c:v>Geeft geen mantelzorg (Klas 4)</c:v>
+                </c:pt>
+                <c:pt idx="4">
+                  <c:v>Heeft een zeer goede gezondheid (Klas 2)</c:v>
+                </c:pt>
+                <c:pt idx="5">
+                  <c:v>Heeft een zeer goede gezondheid (Klas 4)</c:v>
+                </c:pt>
+              </c:strCache>
+            </c:strRef>
+          </c:cat>
+          <c:val>
+            <c:numRef>
+              <c:f>sheet1!$B$2:$B$7</c:f>
+              <c:numCache>
+                <c:ptCount val="6"/>
+                <c:pt idx="0">
+                  <c:v>0.2737045</c:v>
+                </c:pt>
+                <c:pt idx="1">
+                  <c:v>0.2960578</c:v>
+                </c:pt>
+                <c:pt idx="2">
+                  <c:v>0.8624647</c:v>
+                </c:pt>
+                <c:pt idx="3">
+                  <c:v>0.8423576</c:v>
+                </c:pt>
+                <c:pt idx="4">
+                  <c:v>0.3008764</c:v>
+                </c:pt>
+                <c:pt idx="5">
+                  <c:v>0.2920322</c:v>
+                </c:pt>
+              </c:numCache>
+            </c:numRef>
+          </c:val>
+        </c:ser>
+        <c:ser>
+          <c:idx val="1"/>
+          <c:order val="1"/>
+          <c:tx>
+            <c:strRef>
+              <c:f>sheet1!$C$1</c:f>
               <c:strCache>
                 <c:ptCount val="1"/>
                 <c:pt idx="0">
@@ -9689,141 +9841,52 @@
           </c:dLbls>
           <c:cat>
             <c:strRef>
-              <c:f>sheet1!$A$2:$A$5</c:f>
+              <c:f>sheet1!$A$2:$A$7</c:f>
               <c:strCache>
-                <c:ptCount val="4"/>
+                <c:ptCount val="6"/>
                 <c:pt idx="0">
-                  <c:v>Klas 4</c:v>
+                  <c:v>Heeft psychische klachten (Klas 2)</c:v>
                 </c:pt>
                 <c:pt idx="1">
-                  <c:v>Klas 2</c:v>
+                  <c:v>Heeft psychische klachten (Klas 4)</c:v>
                 </c:pt>
                 <c:pt idx="2">
-                  <c:v>Meisje</c:v>
+                  <c:v>Geeft geen mantelzorg (Klas 2)</c:v>
                 </c:pt>
                 <c:pt idx="3">
-                  <c:v>Jongen</c:v>
+                  <c:v>Geeft geen mantelzorg (Klas 4)</c:v>
+                </c:pt>
+                <c:pt idx="4">
+                  <c:v>Heeft een zeer goede gezondheid (Klas 2)</c:v>
+                </c:pt>
+                <c:pt idx="5">
+                  <c:v>Heeft een zeer goede gezondheid (Klas 4)</c:v>
                 </c:pt>
               </c:strCache>
             </c:strRef>
           </c:cat>
           <c:val>
             <c:numRef>
-              <c:f>sheet1!$B$2:$B$5</c:f>
+              <c:f>sheet1!$C$2:$C$7</c:f>
               <c:numCache>
-                <c:ptCount val="4"/>
+                <c:ptCount val="6"/>
                 <c:pt idx="0">
-                  <c:v>0.2738343</c:v>
+                  <c:v>0.2909934</c:v>
                 </c:pt>
                 <c:pt idx="1">
-                  <c:v>0.2818699</c:v>
+                  <c:v>0.2915095</c:v>
                 </c:pt>
                 <c:pt idx="2">
-                  <c:v>0.2733080</c:v>
+                  <c:v>0.8652417</c:v>
                 </c:pt>
                 <c:pt idx="3">
-                  <c:v>0.2810797</c:v>
-                </c:pt>
-              </c:numCache>
-            </c:numRef>
-          </c:val>
-        </c:ser>
-        <c:ser>
-          <c:idx val="1"/>
-          <c:order val="1"/>
-          <c:tx>
-            <c:strRef>
-              <c:f>sheet1!$C$1</c:f>
-              <c:strCache>
-                <c:ptCount val="1"/>
-                <c:pt idx="0">
-                  <c:v>Zandwijk</c:v>
-                </c:pt>
-              </c:strCache>
-            </c:strRef>
-          </c:tx>
-          <c:spPr>
-            <a:solidFill>
-              <a:srgbClr val="005C96">
-                <a:alpha val="100000"/>
-              </a:srgbClr>
-            </a:solidFill>
-            <a:ln w="25400">
-              <a:solidFill>
-                <a:srgbClr val="FFFFFF">
-                  <a:alpha val="0"/>
-                </a:srgbClr>
-              </a:solidFill>
-            </a:ln>
-            <a:effectLst/>
-          </c:spPr>
-          <c:invertIfNegative val="0"/>
-          <c:dLbls>
-            <c:dLblPos val="outEnd"/>
-            <c:numFmt formatCode="0%" sourceLinked="0"/>
-            <c:separator val=", "/>
-            <c:showBubbleSize val="0"/>
-            <c:showCatName val="0"/>
-            <c:showLegendKey val="0"/>
-            <c:showPercent val="0"/>
-            <c:showSerName val="0"/>
-            <c:showVal val="1"/>
-            <c:txPr>
-              <a:bodyPr/>
-              <a:lstStyle/>
-              <a:p>
-                <a:pPr>
-                  <a:defRPr cap="none" sz="800" i="0" b="0" u="none">
-                    <a:solidFill>
-                      <a:srgbClr val="000000">
-                        <a:alpha val="100000"/>
-                      </a:srgbClr>
-                    </a:solidFill>
-                    <a:latin typeface="Calibri"/>
-                    <a:cs typeface="Calibri"/>
-                    <a:ea typeface="Calibri"/>
-                    <a:sym typeface="Calibri"/>
-                  </a:defRPr>
-                </a:pPr>
-              </a:p>
-            </c:txPr>
-          </c:dLbls>
-          <c:cat>
-            <c:strRef>
-              <c:f>sheet1!$A$2:$A$5</c:f>
-              <c:strCache>
-                <c:ptCount val="4"/>
-                <c:pt idx="0">
-                  <c:v>Klas 4</c:v>
-                </c:pt>
-                <c:pt idx="1">
-                  <c:v>Klas 2</c:v>
-                </c:pt>
-                <c:pt idx="2">
-                  <c:v>Meisje</c:v>
-                </c:pt>
-                <c:pt idx="3">
-                  <c:v>Jongen</c:v>
-                </c:pt>
-              </c:strCache>
-            </c:strRef>
-          </c:cat>
-          <c:val>
-            <c:numRef>
-              <c:f>sheet1!$C$2:$C$5</c:f>
-              <c:numCache>
-                <c:ptCount val="4"/>
-                <c:pt idx="0">
-                  <c:v>0.2597708</c:v>
-                </c:pt>
-                <c:pt idx="1">
-                  <c:v>0.2994161</c:v>
-                </c:pt>
-                <c:pt idx="2">
-                  <c:v>0.2690928</c:v>
-                </c:pt>
-                <c:pt idx="3">
-                  <c:v>0.2885178</c:v>
+                  <c:v>0.8561228</c:v>
+                </c:pt>
+                <c:pt idx="4">
+                  <c:v>0.3008328</c:v>
+                </c:pt>
+                <c:pt idx="5">
+                  <c:v>0.3078520</c:v>
                 </c:pt>
               </c:numCache>
             </c:numRef>
@@ -9840,8 +9903,8 @@
           <c:showSerName val="0"/>
           <c:showVal val="1"/>
         </c:dLbls>
-        <c:gapWidth val="30"/>
-        <c:overlap val="-30"/>
+        <c:gapWidth val="50"/>
+        <c:overlap val="0"/>
         <c:axId val="64451712"/>
         <c:axId val="64453248"/>
       </c:barChart>
@@ -9892,7 +9955,7 @@
         <c:axId val="64453248"/>
         <c:scaling>
           <c:orientation val="minMax"/>
-          <c:max val="0.50"/>
+          <c:max val="1.00"/>
           <c:min val="0.00"/>
         </c:scaling>
         <c:delete val="0"/>
@@ -9978,7 +10041,7 @@
 </c:chartSpace>
 </file>
 
-<file path=ppt/charts/chartc7092c30b7.xml><?xml version="1.0" encoding="utf-8"?>
+<file path=ppt/charts/chart56d4c1c2cc1.xml><?xml version="1.0" encoding="utf-8"?>
 <c:chartSpace xmlns:c="http://schemas.openxmlformats.org/drawingml/2006/chart" xmlns:a="http://schemas.openxmlformats.org/drawingml/2006/main" xmlns:r="http://schemas.openxmlformats.org/officeDocument/2006/relationships">
   <c:date1904 val="0"/>
   <c:lang val="fr-FR"/>
@@ -10013,7 +10076,7 @@
                 <a:ea typeface="Calibri"/>
                 <a:sym typeface="Calibri"/>
               </a:rPr>
-              <a:t>Top 3 bronnen van stress</a:t>
+              <a:t>Variant 14</a:t>
             </a:r>
           </a:p>
         </c:rich>
@@ -10037,7 +10100,7 @@
               <c:strCache>
                 <c:ptCount val="1"/>
                 <c:pt idx="0">
-                  <c:v>Zandwijk</c:v>
+                  <c:v>Jongen</c:v>
                 </c:pt>
               </c:strCache>
             </c:strRef>
@@ -10090,34 +10153,271 @@
           </c:dLbls>
           <c:cat>
             <c:strRef>
-              <c:f>sheet1!$A$2:$A$4</c:f>
+              <c:f>sheet1!$A$2:$A$2</c:f>
               <c:strCache>
-                <c:ptCount val="3"/>
+                <c:ptCount val="1"/>
                 <c:pt idx="0">
-                  <c:v>Werk</c:v>
-                </c:pt>
-                <c:pt idx="1">
-                  <c:v>Thuissituatie</c:v>
-                </c:pt>
-                <c:pt idx="2">
-                  <c:v>Huiswerk</c:v>
+                  <c:v>Zandwijk</c:v>
                 </c:pt>
               </c:strCache>
             </c:strRef>
           </c:cat>
           <c:val>
             <c:numRef>
-              <c:f>sheet1!$B$2:$B$4</c:f>
+              <c:f>sheet1!$B$2:$B$2</c:f>
               <c:numCache>
-                <c:ptCount val="3"/>
+                <c:ptCount val="1"/>
                 <c:pt idx="0">
-                  <c:v>0.8911974</c:v>
-                </c:pt>
-                <c:pt idx="1">
-                  <c:v>0.7000854</c:v>
-                </c:pt>
-                <c:pt idx="2">
-                  <c:v>0.5941587</c:v>
+                  <c:v>0.2701879</c:v>
+                </c:pt>
+              </c:numCache>
+            </c:numRef>
+          </c:val>
+        </c:ser>
+        <c:ser>
+          <c:idx val="1"/>
+          <c:order val="1"/>
+          <c:tx>
+            <c:strRef>
+              <c:f>sheet1!$C$1</c:f>
+              <c:strCache>
+                <c:ptCount val="1"/>
+                <c:pt idx="0">
+                  <c:v>Meisje</c:v>
+                </c:pt>
+              </c:strCache>
+            </c:strRef>
+          </c:tx>
+          <c:spPr>
+            <a:solidFill>
+              <a:srgbClr val="6FC7FF">
+                <a:alpha val="100000"/>
+              </a:srgbClr>
+            </a:solidFill>
+            <a:ln w="25400">
+              <a:solidFill>
+                <a:srgbClr val="FFFFFF">
+                  <a:alpha val="0"/>
+                </a:srgbClr>
+              </a:solidFill>
+            </a:ln>
+            <a:effectLst/>
+          </c:spPr>
+          <c:invertIfNegative val="0"/>
+          <c:dLbls>
+            <c:dLblPos val="outEnd"/>
+            <c:numFmt formatCode="0%" sourceLinked="0"/>
+            <c:separator val=", "/>
+            <c:showBubbleSize val="0"/>
+            <c:showCatName val="0"/>
+            <c:showLegendKey val="0"/>
+            <c:showPercent val="0"/>
+            <c:showSerName val="0"/>
+            <c:showVal val="1"/>
+            <c:txPr>
+              <a:bodyPr/>
+              <a:lstStyle/>
+              <a:p>
+                <a:pPr>
+                  <a:defRPr cap="none" sz="800" i="0" b="0" u="none">
+                    <a:solidFill>
+                      <a:srgbClr val="000000">
+                        <a:alpha val="100000"/>
+                      </a:srgbClr>
+                    </a:solidFill>
+                    <a:latin typeface="Calibri"/>
+                    <a:cs typeface="Calibri"/>
+                    <a:ea typeface="Calibri"/>
+                    <a:sym typeface="Calibri"/>
+                  </a:defRPr>
+                </a:pPr>
+              </a:p>
+            </c:txPr>
+          </c:dLbls>
+          <c:cat>
+            <c:strRef>
+              <c:f>sheet1!$A$2:$A$2</c:f>
+              <c:strCache>
+                <c:ptCount val="1"/>
+                <c:pt idx="0">
+                  <c:v>Zandwijk</c:v>
+                </c:pt>
+              </c:strCache>
+            </c:strRef>
+          </c:cat>
+          <c:val>
+            <c:numRef>
+              <c:f>sheet1!$C$2:$C$2</c:f>
+              <c:numCache>
+                <c:ptCount val="1"/>
+                <c:pt idx="0">
+                  <c:v>0.3004174</c:v>
+                </c:pt>
+              </c:numCache>
+            </c:numRef>
+          </c:val>
+        </c:ser>
+        <c:ser>
+          <c:idx val="2"/>
+          <c:order val="2"/>
+          <c:tx>
+            <c:strRef>
+              <c:f>sheet1!$D$1</c:f>
+              <c:strCache>
+                <c:ptCount val="1"/>
+                <c:pt idx="0">
+                  <c:v>Klas 2</c:v>
+                </c:pt>
+              </c:strCache>
+            </c:strRef>
+          </c:tx>
+          <c:spPr>
+            <a:solidFill>
+              <a:srgbClr val="E54800">
+                <a:alpha val="100000"/>
+              </a:srgbClr>
+            </a:solidFill>
+            <a:ln w="25400">
+              <a:solidFill>
+                <a:srgbClr val="FFFFFF">
+                  <a:alpha val="0"/>
+                </a:srgbClr>
+              </a:solidFill>
+            </a:ln>
+            <a:effectLst/>
+          </c:spPr>
+          <c:invertIfNegative val="0"/>
+          <c:dLbls>
+            <c:dLblPos val="outEnd"/>
+            <c:numFmt formatCode="0%" sourceLinked="0"/>
+            <c:separator val=", "/>
+            <c:showBubbleSize val="0"/>
+            <c:showCatName val="0"/>
+            <c:showLegendKey val="0"/>
+            <c:showPercent val="0"/>
+            <c:showSerName val="0"/>
+            <c:showVal val="1"/>
+            <c:txPr>
+              <a:bodyPr/>
+              <a:lstStyle/>
+              <a:p>
+                <a:pPr>
+                  <a:defRPr cap="none" sz="800" i="0" b="0" u="none">
+                    <a:solidFill>
+                      <a:srgbClr val="000000">
+                        <a:alpha val="100000"/>
+                      </a:srgbClr>
+                    </a:solidFill>
+                    <a:latin typeface="Calibri"/>
+                    <a:cs typeface="Calibri"/>
+                    <a:ea typeface="Calibri"/>
+                    <a:sym typeface="Calibri"/>
+                  </a:defRPr>
+                </a:pPr>
+              </a:p>
+            </c:txPr>
+          </c:dLbls>
+          <c:cat>
+            <c:strRef>
+              <c:f>sheet1!$A$2:$A$2</c:f>
+              <c:strCache>
+                <c:ptCount val="1"/>
+                <c:pt idx="0">
+                  <c:v>Zandwijk</c:v>
+                </c:pt>
+              </c:strCache>
+            </c:strRef>
+          </c:cat>
+          <c:val>
+            <c:numRef>
+              <c:f>sheet1!$D$2:$D$2</c:f>
+              <c:numCache>
+                <c:ptCount val="1"/>
+                <c:pt idx="0">
+                  <c:v>0.2737045</c:v>
+                </c:pt>
+              </c:numCache>
+            </c:numRef>
+          </c:val>
+        </c:ser>
+        <c:ser>
+          <c:idx val="3"/>
+          <c:order val="3"/>
+          <c:tx>
+            <c:strRef>
+              <c:f>sheet1!$E$1</c:f>
+              <c:strCache>
+                <c:ptCount val="1"/>
+                <c:pt idx="0">
+                  <c:v>Klas 4</c:v>
+                </c:pt>
+              </c:strCache>
+            </c:strRef>
+          </c:tx>
+          <c:spPr>
+            <a:solidFill>
+              <a:srgbClr val="FFB18E">
+                <a:alpha val="100000"/>
+              </a:srgbClr>
+            </a:solidFill>
+            <a:ln w="25400">
+              <a:solidFill>
+                <a:srgbClr val="FFFFFF">
+                  <a:alpha val="0"/>
+                </a:srgbClr>
+              </a:solidFill>
+            </a:ln>
+            <a:effectLst/>
+          </c:spPr>
+          <c:invertIfNegative val="0"/>
+          <c:dLbls>
+            <c:dLblPos val="outEnd"/>
+            <c:numFmt formatCode="0%" sourceLinked="0"/>
+            <c:separator val=", "/>
+            <c:showBubbleSize val="0"/>
+            <c:showCatName val="0"/>
+            <c:showLegendKey val="0"/>
+            <c:showPercent val="0"/>
+            <c:showSerName val="0"/>
+            <c:showVal val="1"/>
+            <c:txPr>
+              <a:bodyPr/>
+              <a:lstStyle/>
+              <a:p>
+                <a:pPr>
+                  <a:defRPr cap="none" sz="800" i="0" b="0" u="none">
+                    <a:solidFill>
+                      <a:srgbClr val="000000">
+                        <a:alpha val="100000"/>
+                      </a:srgbClr>
+                    </a:solidFill>
+                    <a:latin typeface="Calibri"/>
+                    <a:cs typeface="Calibri"/>
+                    <a:ea typeface="Calibri"/>
+                    <a:sym typeface="Calibri"/>
+                  </a:defRPr>
+                </a:pPr>
+              </a:p>
+            </c:txPr>
+          </c:dLbls>
+          <c:cat>
+            <c:strRef>
+              <c:f>sheet1!$A$2:$A$2</c:f>
+              <c:strCache>
+                <c:ptCount val="1"/>
+                <c:pt idx="0">
+                  <c:v>Zandwijk</c:v>
+                </c:pt>
+              </c:strCache>
+            </c:strRef>
+          </c:cat>
+          <c:val>
+            <c:numRef>
+              <c:f>sheet1!$E$2:$E$2</c:f>
+              <c:numCache>
+                <c:ptCount val="1"/>
+                <c:pt idx="0">
+                  <c:v>0.2960578</c:v>
                 </c:pt>
               </c:numCache>
             </c:numRef>
@@ -10134,7 +10434,7 @@
           <c:showSerName val="0"/>
           <c:showVal val="1"/>
         </c:dLbls>
-        <c:gapWidth val="150"/>
+        <c:gapWidth val="50"/>
         <c:overlap val="0"/>
         <c:axId val="64451712"/>
         <c:axId val="64453248"/>
@@ -10272,7 +10572,7 @@
 </c:chartSpace>
 </file>
 
-<file path=ppt/charts/chartc70c8630f4.xml><?xml version="1.0" encoding="utf-8"?>
+<file path=ppt/charts/chart56d4e952b2c.xml><?xml version="1.0" encoding="utf-8"?>
 <c:chartSpace xmlns:c="http://schemas.openxmlformats.org/drawingml/2006/chart" xmlns:a="http://schemas.openxmlformats.org/drawingml/2006/main" xmlns:r="http://schemas.openxmlformats.org/officeDocument/2006/relationships">
   <c:date1904 val="0"/>
   <c:lang val="fr-FR"/>
@@ -10307,7 +10607,7 @@
                 <a:ea typeface="Calibri"/>
                 <a:sym typeface="Calibri"/>
               </a:rPr>
-              <a:t>Variant 5</a:t>
+              <a:t>Variant 18</a:t>
             </a:r>
           </a:p>
         </c:rich>
@@ -10331,7 +10631,7 @@
               <c:strCache>
                 <c:ptCount val="1"/>
                 <c:pt idx="0">
-                  <c:v>Zandwijk</c:v>
+                  <c:v>Jongen</c:v>
                 </c:pt>
               </c:strCache>
             </c:strRef>
@@ -10388,10 +10688,10 @@
               <c:strCache>
                 <c:ptCount val="2"/>
                 <c:pt idx="0">
-                  <c:v>Jongen</c:v>
+                  <c:v>Zandwijk</c:v>
                 </c:pt>
                 <c:pt idx="1">
-                  <c:v>Meisje</c:v>
+                  <c:v>Nederland</c:v>
                 </c:pt>
               </c:strCache>
             </c:strRef>
@@ -10402,231 +10702,32 @@
               <c:numCache>
                 <c:ptCount val="2"/>
                 <c:pt idx="0">
-                  <c:v>0.2885178</c:v>
+                  <c:v>0.2701879</c:v>
                 </c:pt>
                 <c:pt idx="1">
-                  <c:v>0.2690928</c:v>
+                  <c:v>0.2953391</c:v>
                 </c:pt>
               </c:numCache>
             </c:numRef>
           </c:val>
         </c:ser>
-        <c:dLbls>
-          <c:dLblPos val="outEnd"/>
-          <c:numFmt formatCode="0%" sourceLinked="0"/>
-          <c:separator val=", "/>
-          <c:showBubbleSize val="0"/>
-          <c:showCatName val="0"/>
-          <c:showLegendKey val="0"/>
-          <c:showPercent val="0"/>
-          <c:showSerName val="0"/>
-          <c:showVal val="1"/>
-        </c:dLbls>
-        <c:gapWidth val="150"/>
-        <c:overlap val="0"/>
-        <c:axId val="64451712"/>
-        <c:axId val="64453248"/>
-      </c:barChart>
-      <c:catAx>
-        <c:axId val="64451712"/>
-        <c:scaling>
-          <c:orientation val="minMax"/>
-        </c:scaling>
-        <c:delete val="0"/>
-        <c:axPos val="l"/>
-        <c:majorTickMark val="none"/>
-        <c:minorTickMark val="none"/>
-        <c:tickLblPos val="nextTo"/>
-        <c:txPr>
-          <a:bodyPr rot="0" vert="horz"/>
-          <a:lstStyle/>
-          <a:p>
-            <a:pPr>
-              <a:defRPr cap="none" sz="800" i="0" b="0" u="none">
-                <a:solidFill>
-                  <a:srgbClr val="000000">
-                    <a:alpha val="100000"/>
-                  </a:srgbClr>
-                </a:solidFill>
-                <a:latin typeface="Calibri"/>
-                <a:cs typeface="Calibri"/>
-                <a:ea typeface="Calibri"/>
-                <a:sym typeface="Calibri"/>
-              </a:defRPr>
-            </a:pPr>
-          </a:p>
-        </c:txPr>
-        <c:spPr>
-          <a:ln algn="ctr" w="12700">
-            <a:solidFill>
-              <a:srgbClr val="000000">
-                <a:alpha val="100000"/>
-              </a:srgbClr>
-            </a:solidFill>
-            <a:prstDash val="solid"/>
-          </a:ln>
-        </c:spPr>
-        <c:numFmt formatCode="General" sourceLinked="0"/>
-        <c:crossAx val="64453248"/>
-        <c:crosses val="autoZero"/>
-      </c:catAx>
-      <c:valAx>
-        <c:axId val="64453248"/>
-        <c:scaling>
-          <c:orientation val="minMax"/>
-          <c:max val="1.00"/>
-          <c:min val="0.00"/>
-        </c:scaling>
-        <c:delete val="0"/>
-        <c:axPos val="l"/>
-        <c:majorTickMark val="none"/>
-        <c:minorTickMark val="none"/>
-        <c:tickLblPos val="nextTo"/>
-        <c:txPr>
-          <a:bodyPr rot="0" vert="horz"/>
-          <a:lstStyle/>
-          <a:p>
-            <a:pPr>
-              <a:defRPr cap="none" sz="900" i="0" b="0" u="none">
-                <a:solidFill>
-                  <a:srgbClr val="000000">
-                    <a:alpha val="100000"/>
-                  </a:srgbClr>
-                </a:solidFill>
-                <a:latin typeface="Calibri"/>
-                <a:cs typeface="Calibri"/>
-                <a:ea typeface="Calibri"/>
-                <a:sym typeface="Calibri"/>
-              </a:defRPr>
-            </a:pPr>
-          </a:p>
-        </c:txPr>
-        <c:spPr>
-          <a:ln algn="ctr" w="12700">
-            <a:solidFill>
-              <a:srgbClr val="000000">
-                <a:alpha val="100000"/>
-              </a:srgbClr>
-            </a:solidFill>
-            <a:prstDash val="solid"/>
-          </a:ln>
-        </c:spPr>
-        <c:numFmt formatCode="0%" sourceLinked="0"/>
-        <c:crossAx val="64451712"/>
-        <c:crosses val="autoZero"/>
-      </c:valAx>
-    </c:plotArea>
-    <c:legend>
-      <c:legendPos val="b"/>
-      <c:layout/>
-      <c:overlay val="0"/>
-      <c:txPr xmlns:c="http://schemas.openxmlformats.org/drawingml/2006/chart" xmlns:a="http://schemas.openxmlformats.org/drawingml/2006/main">
-        <a:bodyPr/>
-        <a:lstStyle/>
-        <a:p>
-          <a:pPr>
-            <a:defRPr cap="none" sz="900" i="0" b="0" u="none">
-              <a:solidFill>
-                <a:srgbClr val="000000">
-                  <a:alpha val="100000"/>
-                </a:srgbClr>
-              </a:solidFill>
-              <a:latin typeface="Calibri"/>
-              <a:cs typeface="Calibri"/>
-              <a:ea typeface="Calibri"/>
-              <a:sym typeface="Calibri"/>
-            </a:defRPr>
-          </a:pPr>
-        </a:p>
-      </c:txPr>
-    </c:legend>
-    <c:plotVisOnly val="1"/>
-    <c:dispBlanksAs val="gap"/>
-    <c:showDLblsOverMax val="0"/>
-  </c:chart>
-  <c:txPr>
-    <a:bodyPr/>
-    <a:lstStyle/>
-    <a:p>
-      <a:pPr>
-        <a:defRPr sz="1800"/>
-      </a:pPr>
-      <a:endParaRPr lang="fr-FR"/>
-    </a:p>
-  </c:txPr>
-  <c:externalData r:id="rId1">
-    <c:autoUpdate val="0"/>
-  </c:externalData>
-</c:chartSpace>
-</file>
-
-<file path=ppt/charts/chartc70eff2f5e.xml><?xml version="1.0" encoding="utf-8"?>
-<c:chartSpace xmlns:c="http://schemas.openxmlformats.org/drawingml/2006/chart" xmlns:a="http://schemas.openxmlformats.org/drawingml/2006/main" xmlns:r="http://schemas.openxmlformats.org/officeDocument/2006/relationships">
-  <c:date1904 val="0"/>
-  <c:lang val="fr-FR"/>
-  <c:roundedCorners val="0"/>
-  <mc:AlternateContent xmlns:mc="http://schemas.openxmlformats.org/markup-compatibility/2006">
-    <mc:Choice xmlns:c14="http://schemas.microsoft.com/office/drawing/2007/8/2/chart" Requires="c14">
-      <c14:style val="118"/>
-    </mc:Choice>
-    <mc:Fallback>
-      <c:style val="18"/>
-    </mc:Fallback>
-  </mc:AlternateContent>
-  <c:chart>
-    <c:title xmlns:c="http://schemas.openxmlformats.org/drawingml/2006/chart" xmlns:a="http://schemas.openxmlformats.org/drawingml/2006/main" xmlns:r="http://schemas.openxmlformats.org/officeDocument/2006/relationships">
-      <c:tx>
-        <c:rich>
-          <a:bodyPr/>
-          <a:lstStyle/>
-          <a:p>
-            <a:pPr>
-              <a:defRPr/>
-            </a:pPr>
-            <a:r>
-              <a:rPr cap="none" sz="900" i="0" b="1" u="none">
-                <a:solidFill>
-                  <a:srgbClr val="000000">
-                    <a:alpha val="100000"/>
-                  </a:srgbClr>
-                </a:solidFill>
-                <a:latin typeface="Calibri"/>
-                <a:cs typeface="Calibri"/>
-                <a:ea typeface="Calibri"/>
-                <a:sym typeface="Calibri"/>
-              </a:rPr>
-              <a:t>Variant 9</a:t>
-            </a:r>
-          </a:p>
-        </c:rich>
-      </c:tx>
-      <c:layout/>
-      <c:overlay val="0"/>
-    </c:title>
-    <c:autoTitleDeleted val="0"/>
-    <c:plotArea xmlns:c="http://schemas.openxmlformats.org/drawingml/2006/chart" xmlns:a="http://schemas.openxmlformats.org/drawingml/2006/main" xmlns:r="http://schemas.openxmlformats.org/officeDocument/2006/relationships">
-      <c:layout/>
-      <c:barChart>
-        <c:barDir val="col"/>
-        <c:grouping val="clustered"/>
-        <c:varyColors val="0"/>
         <c:ser>
-          <c:idx val="0"/>
-          <c:order val="0"/>
+          <c:idx val="1"/>
+          <c:order val="1"/>
           <c:tx>
             <c:strRef>
-              <c:f>sheet1!$B$1</c:f>
+              <c:f>sheet1!$C$1</c:f>
               <c:strCache>
                 <c:ptCount val="1"/>
                 <c:pt idx="0">
-                  <c:v>Zandwijk</c:v>
+                  <c:v>Meisje</c:v>
                 </c:pt>
               </c:strCache>
             </c:strRef>
           </c:tx>
           <c:spPr>
             <a:solidFill>
-              <a:srgbClr val="005C96">
+              <a:srgbClr val="6FC7FF">
                 <a:alpha val="100000"/>
               </a:srgbClr>
             </a:solidFill>
@@ -10676,39 +10777,39 @@
               <c:strCache>
                 <c:ptCount val="2"/>
                 <c:pt idx="0">
-                  <c:v>Klas 2</c:v>
+                  <c:v>Zandwijk</c:v>
                 </c:pt>
                 <c:pt idx="1">
-                  <c:v>Klas 4</c:v>
+                  <c:v>Nederland</c:v>
                 </c:pt>
               </c:strCache>
             </c:strRef>
           </c:cat>
           <c:val>
             <c:numRef>
-              <c:f>sheet1!$B$2:$B$3</c:f>
+              <c:f>sheet1!$C$2:$C$3</c:f>
               <c:numCache>
                 <c:ptCount val="2"/>
                 <c:pt idx="0">
-                  <c:v>0.2994161</c:v>
+                  <c:v>0.3004174</c:v>
                 </c:pt>
                 <c:pt idx="1">
-                  <c:v>0.2597708</c:v>
+                  <c:v>0.2947784</c:v>
                 </c:pt>
               </c:numCache>
             </c:numRef>
           </c:val>
         </c:ser>
         <c:ser>
-          <c:idx val="1"/>
-          <c:order val="1"/>
+          <c:idx val="2"/>
+          <c:order val="2"/>
           <c:tx>
             <c:strRef>
-              <c:f>sheet1!$C$1</c:f>
+              <c:f>sheet1!$D$1</c:f>
               <c:strCache>
                 <c:ptCount val="1"/>
                 <c:pt idx="0">
-                  <c:v>Nederland</c:v>
+                  <c:v>Klas 2</c:v>
                 </c:pt>
               </c:strCache>
             </c:strRef>
@@ -10765,24 +10866,113 @@
               <c:strCache>
                 <c:ptCount val="2"/>
                 <c:pt idx="0">
-                  <c:v>Klas 2</c:v>
+                  <c:v>Zandwijk</c:v>
                 </c:pt>
                 <c:pt idx="1">
-                  <c:v>Klas 4</c:v>
+                  <c:v>Nederland</c:v>
                 </c:pt>
               </c:strCache>
             </c:strRef>
           </c:cat>
           <c:val>
             <c:numRef>
-              <c:f>sheet1!$C$2:$C$3</c:f>
+              <c:f>sheet1!$D$2:$D$3</c:f>
               <c:numCache>
                 <c:ptCount val="2"/>
                 <c:pt idx="0">
-                  <c:v>0.2818699</c:v>
+                  <c:v>0.2737045</c:v>
                 </c:pt>
                 <c:pt idx="1">
-                  <c:v>0.2738343</c:v>
+                  <c:v>0.2909934</c:v>
+                </c:pt>
+              </c:numCache>
+            </c:numRef>
+          </c:val>
+        </c:ser>
+        <c:ser>
+          <c:idx val="3"/>
+          <c:order val="3"/>
+          <c:tx>
+            <c:strRef>
+              <c:f>sheet1!$E$1</c:f>
+              <c:strCache>
+                <c:ptCount val="1"/>
+                <c:pt idx="0">
+                  <c:v>Klas 4</c:v>
+                </c:pt>
+              </c:strCache>
+            </c:strRef>
+          </c:tx>
+          <c:spPr>
+            <a:solidFill>
+              <a:srgbClr val="FFB18E">
+                <a:alpha val="100000"/>
+              </a:srgbClr>
+            </a:solidFill>
+            <a:ln w="25400">
+              <a:solidFill>
+                <a:srgbClr val="FFFFFF">
+                  <a:alpha val="0"/>
+                </a:srgbClr>
+              </a:solidFill>
+            </a:ln>
+            <a:effectLst/>
+          </c:spPr>
+          <c:invertIfNegative val="0"/>
+          <c:dLbls>
+            <c:dLblPos val="outEnd"/>
+            <c:numFmt formatCode="0%" sourceLinked="0"/>
+            <c:separator val=", "/>
+            <c:showBubbleSize val="0"/>
+            <c:showCatName val="0"/>
+            <c:showLegendKey val="0"/>
+            <c:showPercent val="0"/>
+            <c:showSerName val="0"/>
+            <c:showVal val="1"/>
+            <c:txPr>
+              <a:bodyPr/>
+              <a:lstStyle/>
+              <a:p>
+                <a:pPr>
+                  <a:defRPr cap="none" sz="800" i="0" b="0" u="none">
+                    <a:solidFill>
+                      <a:srgbClr val="000000">
+                        <a:alpha val="100000"/>
+                      </a:srgbClr>
+                    </a:solidFill>
+                    <a:latin typeface="Calibri"/>
+                    <a:cs typeface="Calibri"/>
+                    <a:ea typeface="Calibri"/>
+                    <a:sym typeface="Calibri"/>
+                  </a:defRPr>
+                </a:pPr>
+              </a:p>
+            </c:txPr>
+          </c:dLbls>
+          <c:cat>
+            <c:strRef>
+              <c:f>sheet1!$A$2:$A$3</c:f>
+              <c:strCache>
+                <c:ptCount val="2"/>
+                <c:pt idx="0">
+                  <c:v>Zandwijk</c:v>
+                </c:pt>
+                <c:pt idx="1">
+                  <c:v>Nederland</c:v>
+                </c:pt>
+              </c:strCache>
+            </c:strRef>
+          </c:cat>
+          <c:val>
+            <c:numRef>
+              <c:f>sheet1!$E$2:$E$3</c:f>
+              <c:numCache>
+                <c:ptCount val="2"/>
+                <c:pt idx="0">
+                  <c:v>0.2960578</c:v>
+                </c:pt>
+                <c:pt idx="1">
+                  <c:v>0.2915095</c:v>
                 </c:pt>
               </c:numCache>
             </c:numRef>
@@ -10799,7 +10989,7 @@
           <c:showSerName val="0"/>
           <c:showVal val="1"/>
         </c:dLbls>
-        <c:gapWidth val="150"/>
+        <c:gapWidth val="50"/>
         <c:overlap val="0"/>
         <c:axId val="64451712"/>
         <c:axId val="64453248"/>
@@ -22834,7 +23024,7 @@
           <a:p>
             <a:r>
               <a:rPr/>
-              <a:t>20 mei 2025</a:t>
+              <a:t>21 mei 2025</a:t>
             </a:r>
           </a:p>
         </p:txBody>
@@ -22924,7 +23114,7 @@
           <a:p>
             <a:r>
               <a:rPr/>
-              <a:t>In uw gemeente ervaart 31% van de inwoners een zeer goede gezondheid.</a:t>
+              <a:t>In uw gemeente ervaart 30% van de inwoners een zeer goede gezondheid.</a:t>
             </a:r>
           </a:p>
         </p:txBody>
@@ -22951,7 +23141,7 @@
           <a:p>
             <a:r>
               <a:rPr/>
-              <a:t>In Nederland ervaart 31% van de inwoners een zeer goede gezondheid.</a:t>
+              <a:t>In Nederland ervaart 30% van de inwoners een zeer goede gezondheid.</a:t>
             </a:r>
           </a:p>
         </p:txBody>
@@ -22978,7 +23168,7 @@
           <a:p>
             <a:r>
               <a:rPr/>
-              <a:t>In uw gemeente ervaart 31% van de inwoners een zeer goede gezondheid en heeft 28% psychische klachten.</a:t>
+              <a:t>In uw gemeente ervaart 30% van de inwoners een zeer goede gezondheid en heeft 28% psychische klachten.</a:t>
             </a:r>
           </a:p>
         </p:txBody>
@@ -23005,7 +23195,7 @@
           <a:p>
             <a:r>
               <a:rPr/>
-              <a:t>In Nederland ervaart 31% van de inwoners een zeer goede gezondheid en heeft 28% psychische klachten.</a:t>
+              <a:t>In Nederland ervaart 30% van de inwoners een zeer goede gezondheid en heeft 29% psychische klachten.</a:t>
             </a:r>
           </a:p>
         </p:txBody>
@@ -23106,890 +23296,33 @@
           <a:chExt cx="0" cy="0"/>
         </a:xfrm>
       </p:grpSpPr>
-      <p:graphicFrame>
-        <p:nvGraphicFramePr>
+      <p:sp>
+        <p:nvSpPr>
           <p:cNvPr id="2" name="Rekenhulp 1"/>
-          <p:cNvGraphicFramePr>
-            <a:graphicFrameLocks noGrp="true"/>
-          </p:cNvGraphicFramePr>
-          <p:nvPr/>
-        </p:nvGraphicFramePr>
-        <p:xfrm rot="0">
-          <a:off x="4368812" y="1519200"/>
-          <a:ext cx="7365851" cy="2376000"/>
-        </p:xfrm>
-        <a:graphic>
-          <a:graphicData uri="http://schemas.openxmlformats.org/drawingml/2006/table">
-            <a:tbl>
-              <a:tblPr/>
-              <a:tblGrid>
-                <a:gridCol w="762000"/>
-                <a:gridCol w="514286"/>
-                <a:gridCol w="514286"/>
-                <a:gridCol w="514286"/>
-                <a:gridCol w="514286"/>
-                <a:gridCol w="514286"/>
-              </a:tblGrid>
-              <a:tr h="228600">
-                <a:tc>
-                  <a:txBody>
-                    <a:bodyPr/>
-                    <a:lstStyle/>
-                    <a:p>
-                      <a:pPr algn="ctr" marL="63500" marR="63500">
-                        <a:lnSpc>
-                          <a:spcPct val="100000"/>
-                        </a:lnSpc>
-                        <a:spcBef>
-                          <a:spcPts val="500"/>
-                        </a:spcBef>
-                        <a:spcAft>
-                          <a:spcPts val="500"/>
-                        </a:spcAft>
-                        <a:buNone/>
-                      </a:pPr>
-                      <a:r>
-                        <a:rPr cap="none" sz="1000" i="0" b="0" u="none">
-                          <a:solidFill>
-                            <a:srgbClr val="FFFFFF">
-                              <a:alpha val="100000"/>
-                            </a:srgbClr>
-                          </a:solidFill>
-                          <a:latin typeface="Calibri"/>
-                          <a:cs typeface="Calibri"/>
-                          <a:ea typeface="Calibri"/>
-                          <a:sym typeface="Calibri"/>
-                        </a:rPr>
-                        <a:t>Zandwijk</a:t>
-                      </a:r>
-                    </a:p>
-                  </a:txBody>
-                  <a:tcPr anchor="ctr" marB="63500" marT="63500" marR="0" marL="0">
-                    <a:lnL algn="ctr" cmpd="sng" cap="flat" w="25400">
-                      <a:solidFill>
-                        <a:srgbClr val="FFFFFF">
-                          <a:alpha val="100000"/>
-                        </a:srgbClr>
-                      </a:solidFill>
-                      <a:prstDash val="solid"/>
-                    </a:lnL>
-                    <a:lnR algn="ctr" cmpd="sng" cap="flat" w="25400">
-                      <a:solidFill>
-                        <a:srgbClr val="FFFFFF">
-                          <a:alpha val="100000"/>
-                        </a:srgbClr>
-                      </a:solidFill>
-                      <a:prstDash val="solid"/>
-                    </a:lnR>
-                    <a:lnT algn="ctr" cmpd="sng" cap="flat" w="25400">
-                      <a:solidFill>
-                        <a:srgbClr val="FFFFFF">
-                          <a:alpha val="100000"/>
-                        </a:srgbClr>
-                      </a:solidFill>
-                      <a:prstDash val="solid"/>
-                    </a:lnT>
-                    <a:lnB algn="ctr" cmpd="sng" cap="flat" w="25400">
-                      <a:solidFill>
-                        <a:srgbClr val="FFFFFF">
-                          <a:alpha val="100000"/>
-                        </a:srgbClr>
-                      </a:solidFill>
-                      <a:prstDash val="solid"/>
-                    </a:lnB>
-                    <a:solidFill>
-                      <a:srgbClr val="005C96">
-                        <a:alpha val="100000"/>
-                      </a:srgbClr>
-                    </a:solidFill>
-                  </a:tcPr>
-                </a:tc>
-                <a:tc>
-                  <a:txBody>
-                    <a:bodyPr/>
-                    <a:lstStyle/>
-                    <a:p>
-                      <a:pPr algn="ctr" marL="63500" marR="63500">
-                        <a:lnSpc>
-                          <a:spcPct val="100000"/>
-                        </a:lnSpc>
-                        <a:spcBef>
-                          <a:spcPts val="500"/>
-                        </a:spcBef>
-                        <a:spcAft>
-                          <a:spcPts val="500"/>
-                        </a:spcAft>
-                        <a:buNone/>
-                      </a:pPr>
-                      <a:r>
-                        <a:rPr cap="none" sz="1000" i="0" b="0" u="none">
-                          <a:solidFill>
-                            <a:srgbClr val="FFFFFF">
-                              <a:alpha val="100000"/>
-                            </a:srgbClr>
-                          </a:solidFill>
-                          <a:latin typeface="Calibri"/>
-                          <a:cs typeface="Calibri"/>
-                          <a:ea typeface="Calibri"/>
-                          <a:sym typeface="Calibri"/>
-                        </a:rPr>
-                        <a:t>1%</a:t>
-                      </a:r>
-                    </a:p>
-                  </a:txBody>
-                  <a:tcPr anchor="ctr" marB="63500" marT="63500" marR="0" marL="0">
-                    <a:lnL algn="ctr" cmpd="sng" cap="flat" w="25400">
-                      <a:solidFill>
-                        <a:srgbClr val="FFFFFF">
-                          <a:alpha val="100000"/>
-                        </a:srgbClr>
-                      </a:solidFill>
-                      <a:prstDash val="solid"/>
-                    </a:lnL>
-                    <a:lnR algn="ctr" cmpd="sng" cap="flat" w="25400">
-                      <a:solidFill>
-                        <a:srgbClr val="FFFFFF">
-                          <a:alpha val="100000"/>
-                        </a:srgbClr>
-                      </a:solidFill>
-                      <a:prstDash val="solid"/>
-                    </a:lnR>
-                    <a:lnT algn="ctr" cmpd="sng" cap="flat" w="25400">
-                      <a:solidFill>
-                        <a:srgbClr val="FFFFFF">
-                          <a:alpha val="100000"/>
-                        </a:srgbClr>
-                      </a:solidFill>
-                      <a:prstDash val="solid"/>
-                    </a:lnT>
-                    <a:lnB algn="ctr" cmpd="sng" cap="flat" w="25400">
-                      <a:solidFill>
-                        <a:srgbClr val="FFFFFF">
-                          <a:alpha val="100000"/>
-                        </a:srgbClr>
-                      </a:solidFill>
-                      <a:prstDash val="solid"/>
-                    </a:lnB>
-                    <a:solidFill>
-                      <a:srgbClr val="005C96">
-                        <a:alpha val="100000"/>
-                      </a:srgbClr>
-                    </a:solidFill>
-                  </a:tcPr>
-                </a:tc>
-                <a:tc>
-                  <a:txBody>
-                    <a:bodyPr/>
-                    <a:lstStyle/>
-                    <a:p>
-                      <a:pPr algn="ctr" marL="63500" marR="63500">
-                        <a:lnSpc>
-                          <a:spcPct val="100000"/>
-                        </a:lnSpc>
-                        <a:spcBef>
-                          <a:spcPts val="500"/>
-                        </a:spcBef>
-                        <a:spcAft>
-                          <a:spcPts val="500"/>
-                        </a:spcAft>
-                        <a:buNone/>
-                      </a:pPr>
-                      <a:r>
-                        <a:rPr cap="none" sz="1000" i="0" b="0" u="none">
-                          <a:solidFill>
-                            <a:srgbClr val="FFFFFF">
-                              <a:alpha val="100000"/>
-                            </a:srgbClr>
-                          </a:solidFill>
-                          <a:latin typeface="Calibri"/>
-                          <a:cs typeface="Calibri"/>
-                          <a:ea typeface="Calibri"/>
-                          <a:sym typeface="Calibri"/>
-                        </a:rPr>
-                        <a:t>5%</a:t>
-                      </a:r>
-                    </a:p>
-                  </a:txBody>
-                  <a:tcPr anchor="ctr" marB="63500" marT="63500" marR="0" marL="0">
-                    <a:lnL algn="ctr" cmpd="sng" cap="flat" w="25400">
-                      <a:solidFill>
-                        <a:srgbClr val="FFFFFF">
-                          <a:alpha val="100000"/>
-                        </a:srgbClr>
-                      </a:solidFill>
-                      <a:prstDash val="solid"/>
-                    </a:lnL>
-                    <a:lnR algn="ctr" cmpd="sng" cap="flat" w="25400">
-                      <a:solidFill>
-                        <a:srgbClr val="FFFFFF">
-                          <a:alpha val="100000"/>
-                        </a:srgbClr>
-                      </a:solidFill>
-                      <a:prstDash val="solid"/>
-                    </a:lnR>
-                    <a:lnT algn="ctr" cmpd="sng" cap="flat" w="25400">
-                      <a:solidFill>
-                        <a:srgbClr val="FFFFFF">
-                          <a:alpha val="100000"/>
-                        </a:srgbClr>
-                      </a:solidFill>
-                      <a:prstDash val="solid"/>
-                    </a:lnT>
-                    <a:lnB algn="ctr" cmpd="sng" cap="flat" w="25400">
-                      <a:solidFill>
-                        <a:srgbClr val="FFFFFF">
-                          <a:alpha val="100000"/>
-                        </a:srgbClr>
-                      </a:solidFill>
-                      <a:prstDash val="solid"/>
-                    </a:lnB>
-                    <a:solidFill>
-                      <a:srgbClr val="005C96">
-                        <a:alpha val="100000"/>
-                      </a:srgbClr>
-                    </a:solidFill>
-                  </a:tcPr>
-                </a:tc>
-                <a:tc>
-                  <a:txBody>
-                    <a:bodyPr/>
-                    <a:lstStyle/>
-                    <a:p>
-                      <a:pPr algn="ctr" marL="63500" marR="63500">
-                        <a:lnSpc>
-                          <a:spcPct val="100000"/>
-                        </a:lnSpc>
-                        <a:spcBef>
-                          <a:spcPts val="500"/>
-                        </a:spcBef>
-                        <a:spcAft>
-                          <a:spcPts val="500"/>
-                        </a:spcAft>
-                        <a:buNone/>
-                      </a:pPr>
-                      <a:r>
-                        <a:rPr cap="none" sz="1000" i="0" b="0" u="none">
-                          <a:solidFill>
-                            <a:srgbClr val="FFFFFF">
-                              <a:alpha val="100000"/>
-                            </a:srgbClr>
-                          </a:solidFill>
-                          <a:latin typeface="Calibri"/>
-                          <a:cs typeface="Calibri"/>
-                          <a:ea typeface="Calibri"/>
-                          <a:sym typeface="Calibri"/>
-                        </a:rPr>
-                        <a:t>10%</a:t>
-                      </a:r>
-                    </a:p>
-                  </a:txBody>
-                  <a:tcPr anchor="ctr" marB="63500" marT="63500" marR="0" marL="0">
-                    <a:lnL algn="ctr" cmpd="sng" cap="flat" w="25400">
-                      <a:solidFill>
-                        <a:srgbClr val="FFFFFF">
-                          <a:alpha val="100000"/>
-                        </a:srgbClr>
-                      </a:solidFill>
-                      <a:prstDash val="solid"/>
-                    </a:lnL>
-                    <a:lnR algn="ctr" cmpd="sng" cap="flat" w="25400">
-                      <a:solidFill>
-                        <a:srgbClr val="FFFFFF">
-                          <a:alpha val="100000"/>
-                        </a:srgbClr>
-                      </a:solidFill>
-                      <a:prstDash val="solid"/>
-                    </a:lnR>
-                    <a:lnT algn="ctr" cmpd="sng" cap="flat" w="25400">
-                      <a:solidFill>
-                        <a:srgbClr val="FFFFFF">
-                          <a:alpha val="100000"/>
-                        </a:srgbClr>
-                      </a:solidFill>
-                      <a:prstDash val="solid"/>
-                    </a:lnT>
-                    <a:lnB algn="ctr" cmpd="sng" cap="flat" w="25400">
-                      <a:solidFill>
-                        <a:srgbClr val="FFFFFF">
-                          <a:alpha val="100000"/>
-                        </a:srgbClr>
-                      </a:solidFill>
-                      <a:prstDash val="solid"/>
-                    </a:lnB>
-                    <a:solidFill>
-                      <a:srgbClr val="005C96">
-                        <a:alpha val="100000"/>
-                      </a:srgbClr>
-                    </a:solidFill>
-                  </a:tcPr>
-                </a:tc>
-                <a:tc>
-                  <a:txBody>
-                    <a:bodyPr/>
-                    <a:lstStyle/>
-                    <a:p>
-                      <a:pPr algn="ctr" marL="63500" marR="63500">
-                        <a:lnSpc>
-                          <a:spcPct val="100000"/>
-                        </a:lnSpc>
-                        <a:spcBef>
-                          <a:spcPts val="500"/>
-                        </a:spcBef>
-                        <a:spcAft>
-                          <a:spcPts val="500"/>
-                        </a:spcAft>
-                        <a:buNone/>
-                      </a:pPr>
-                      <a:r>
-                        <a:rPr cap="none" sz="1000" i="0" b="0" u="none">
-                          <a:solidFill>
-                            <a:srgbClr val="FFFFFF">
-                              <a:alpha val="100000"/>
-                            </a:srgbClr>
-                          </a:solidFill>
-                          <a:latin typeface="Calibri"/>
-                          <a:cs typeface="Calibri"/>
-                          <a:ea typeface="Calibri"/>
-                          <a:sym typeface="Calibri"/>
-                        </a:rPr>
-                        <a:t>25%</a:t>
-                      </a:r>
-                    </a:p>
-                  </a:txBody>
-                  <a:tcPr anchor="ctr" marB="63500" marT="63500" marR="0" marL="0">
-                    <a:lnL algn="ctr" cmpd="sng" cap="flat" w="25400">
-                      <a:solidFill>
-                        <a:srgbClr val="FFFFFF">
-                          <a:alpha val="100000"/>
-                        </a:srgbClr>
-                      </a:solidFill>
-                      <a:prstDash val="solid"/>
-                    </a:lnL>
-                    <a:lnR algn="ctr" cmpd="sng" cap="flat" w="25400">
-                      <a:solidFill>
-                        <a:srgbClr val="FFFFFF">
-                          <a:alpha val="100000"/>
-                        </a:srgbClr>
-                      </a:solidFill>
-                      <a:prstDash val="solid"/>
-                    </a:lnR>
-                    <a:lnT algn="ctr" cmpd="sng" cap="flat" w="25400">
-                      <a:solidFill>
-                        <a:srgbClr val="FFFFFF">
-                          <a:alpha val="100000"/>
-                        </a:srgbClr>
-                      </a:solidFill>
-                      <a:prstDash val="solid"/>
-                    </a:lnT>
-                    <a:lnB algn="ctr" cmpd="sng" cap="flat" w="25400">
-                      <a:solidFill>
-                        <a:srgbClr val="FFFFFF">
-                          <a:alpha val="100000"/>
-                        </a:srgbClr>
-                      </a:solidFill>
-                      <a:prstDash val="solid"/>
-                    </a:lnB>
-                    <a:solidFill>
-                      <a:srgbClr val="005C96">
-                        <a:alpha val="100000"/>
-                      </a:srgbClr>
-                    </a:solidFill>
-                  </a:tcPr>
-                </a:tc>
-                <a:tc>
-                  <a:txBody>
-                    <a:bodyPr/>
-                    <a:lstStyle/>
-                    <a:p>
-                      <a:pPr algn="ctr" marL="63500" marR="63500">
-                        <a:lnSpc>
-                          <a:spcPct val="100000"/>
-                        </a:lnSpc>
-                        <a:spcBef>
-                          <a:spcPts val="500"/>
-                        </a:spcBef>
-                        <a:spcAft>
-                          <a:spcPts val="500"/>
-                        </a:spcAft>
-                        <a:buNone/>
-                      </a:pPr>
-                      <a:r>
-                        <a:rPr cap="none" sz="1000" i="0" b="0" u="none">
-                          <a:solidFill>
-                            <a:srgbClr val="FFFFFF">
-                              <a:alpha val="100000"/>
-                            </a:srgbClr>
-                          </a:solidFill>
-                          <a:latin typeface="Calibri"/>
-                          <a:cs typeface="Calibri"/>
-                          <a:ea typeface="Calibri"/>
-                          <a:sym typeface="Calibri"/>
-                        </a:rPr>
-                        <a:t>50%</a:t>
-                      </a:r>
-                    </a:p>
-                  </a:txBody>
-                  <a:tcPr anchor="ctr" marB="63500" marT="63500" marR="0" marL="0">
-                    <a:lnL algn="ctr" cmpd="sng" cap="flat" w="25400">
-                      <a:solidFill>
-                        <a:srgbClr val="FFFFFF">
-                          <a:alpha val="100000"/>
-                        </a:srgbClr>
-                      </a:solidFill>
-                      <a:prstDash val="solid"/>
-                    </a:lnL>
-                    <a:lnR algn="ctr" cmpd="sng" cap="flat" w="25400">
-                      <a:solidFill>
-                        <a:srgbClr val="FFFFFF">
-                          <a:alpha val="100000"/>
-                        </a:srgbClr>
-                      </a:solidFill>
-                      <a:prstDash val="solid"/>
-                    </a:lnR>
-                    <a:lnT algn="ctr" cmpd="sng" cap="flat" w="25400">
-                      <a:solidFill>
-                        <a:srgbClr val="FFFFFF">
-                          <a:alpha val="100000"/>
-                        </a:srgbClr>
-                      </a:solidFill>
-                      <a:prstDash val="solid"/>
-                    </a:lnT>
-                    <a:lnB algn="ctr" cmpd="sng" cap="flat" w="25400">
-                      <a:solidFill>
-                        <a:srgbClr val="FFFFFF">
-                          <a:alpha val="100000"/>
-                        </a:srgbClr>
-                      </a:solidFill>
-                      <a:prstDash val="solid"/>
-                    </a:lnB>
-                    <a:solidFill>
-                      <a:srgbClr val="005C96">
-                        <a:alpha val="100000"/>
-                      </a:srgbClr>
-                    </a:solidFill>
-                  </a:tcPr>
-                </a:tc>
-              </a:tr>
-              <a:tr h="228600">
-                <a:tc>
-                  <a:txBody>
-                    <a:bodyPr/>
-                    <a:lstStyle/>
-                    <a:p>
-                      <a:pPr algn="ctr" marL="63500" marR="63500">
-                        <a:lnSpc>
-                          <a:spcPct val="100000"/>
-                        </a:lnSpc>
-                        <a:spcBef>
-                          <a:spcPts val="500"/>
-                        </a:spcBef>
-                        <a:spcAft>
-                          <a:spcPts val="500"/>
-                        </a:spcAft>
-                        <a:buNone/>
-                      </a:pPr>
-                      <a:r>
-                        <a:rPr cap="none" sz="1000" i="0" b="0" u="none">
-                          <a:solidFill>
-                            <a:srgbClr val="000000">
-                              <a:alpha val="100000"/>
-                            </a:srgbClr>
-                          </a:solidFill>
-                          <a:latin typeface="Calibri"/>
-                          <a:cs typeface="Calibri"/>
-                          <a:ea typeface="Calibri"/>
-                          <a:sym typeface="Calibri"/>
-                        </a:rPr>
-                        <a:t>13702</a:t>
-                      </a:r>
-                    </a:p>
-                  </a:txBody>
-                  <a:tcPr anchor="ctr" marB="63500" marT="63500" marR="0" marL="0">
-                    <a:lnL algn="ctr" cmpd="sng" cap="flat" w="25400">
-                      <a:solidFill>
-                        <a:srgbClr val="FFFFFF">
-                          <a:alpha val="100000"/>
-                        </a:srgbClr>
-                      </a:solidFill>
-                      <a:prstDash val="solid"/>
-                    </a:lnL>
-                    <a:lnR algn="ctr" cmpd="sng" cap="flat" w="25400">
-                      <a:solidFill>
-                        <a:srgbClr val="FFFFFF">
-                          <a:alpha val="100000"/>
-                        </a:srgbClr>
-                      </a:solidFill>
-                      <a:prstDash val="solid"/>
-                    </a:lnR>
-                    <a:lnT algn="ctr" cmpd="sng" cap="flat" w="0">
-                      <a:noFill/>
-                      <a:prstDash val="solid"/>
-                    </a:lnT>
-                    <a:lnB algn="ctr" cmpd="sng" cap="flat" w="25400">
-                      <a:solidFill>
-                        <a:srgbClr val="FFFFFF">
-                          <a:alpha val="100000"/>
-                        </a:srgbClr>
-                      </a:solidFill>
-                      <a:prstDash val="solid"/>
-                    </a:lnB>
-                    <a:solidFill>
-                      <a:srgbClr val="D3D3D3">
-                        <a:alpha val="100000"/>
-                      </a:srgbClr>
-                    </a:solidFill>
-                  </a:tcPr>
-                </a:tc>
-                <a:tc>
-                  <a:txBody>
-                    <a:bodyPr/>
-                    <a:lstStyle/>
-                    <a:p>
-                      <a:pPr algn="ctr" marL="63500" marR="63500">
-                        <a:lnSpc>
-                          <a:spcPct val="100000"/>
-                        </a:lnSpc>
-                        <a:spcBef>
-                          <a:spcPts val="500"/>
-                        </a:spcBef>
-                        <a:spcAft>
-                          <a:spcPts val="500"/>
-                        </a:spcAft>
-                        <a:buNone/>
-                      </a:pPr>
-                      <a:r>
-                        <a:rPr cap="none" sz="1000" i="0" b="0" u="none">
-                          <a:solidFill>
-                            <a:srgbClr val="000000">
-                              <a:alpha val="100000"/>
-                            </a:srgbClr>
-                          </a:solidFill>
-                          <a:latin typeface="Calibri"/>
-                          <a:cs typeface="Calibri"/>
-                          <a:ea typeface="Calibri"/>
-                          <a:sym typeface="Calibri"/>
-                        </a:rPr>
-                        <a:t>137</a:t>
-                      </a:r>
-                    </a:p>
-                  </a:txBody>
-                  <a:tcPr anchor="ctr" marB="63500" marT="63500" marR="0" marL="0">
-                    <a:lnL algn="ctr" cmpd="sng" cap="flat" w="25400">
-                      <a:solidFill>
-                        <a:srgbClr val="FFFFFF">
-                          <a:alpha val="100000"/>
-                        </a:srgbClr>
-                      </a:solidFill>
-                      <a:prstDash val="solid"/>
-                    </a:lnL>
-                    <a:lnR algn="ctr" cmpd="sng" cap="flat" w="25400">
-                      <a:solidFill>
-                        <a:srgbClr val="FFFFFF">
-                          <a:alpha val="100000"/>
-                        </a:srgbClr>
-                      </a:solidFill>
-                      <a:prstDash val="solid"/>
-                    </a:lnR>
-                    <a:lnT algn="ctr" cmpd="sng" cap="flat" w="0">
-                      <a:noFill/>
-                      <a:prstDash val="solid"/>
-                    </a:lnT>
-                    <a:lnB algn="ctr" cmpd="sng" cap="flat" w="25400">
-                      <a:solidFill>
-                        <a:srgbClr val="FFFFFF">
-                          <a:alpha val="100000"/>
-                        </a:srgbClr>
-                      </a:solidFill>
-                      <a:prstDash val="solid"/>
-                    </a:lnB>
-                    <a:solidFill>
-                      <a:srgbClr val="D3D3D3">
-                        <a:alpha val="100000"/>
-                      </a:srgbClr>
-                    </a:solidFill>
-                  </a:tcPr>
-                </a:tc>
-                <a:tc>
-                  <a:txBody>
-                    <a:bodyPr/>
-                    <a:lstStyle/>
-                    <a:p>
-                      <a:pPr algn="ctr" marL="63500" marR="63500">
-                        <a:lnSpc>
-                          <a:spcPct val="100000"/>
-                        </a:lnSpc>
-                        <a:spcBef>
-                          <a:spcPts val="500"/>
-                        </a:spcBef>
-                        <a:spcAft>
-                          <a:spcPts val="500"/>
-                        </a:spcAft>
-                        <a:buNone/>
-                      </a:pPr>
-                      <a:r>
-                        <a:rPr cap="none" sz="1000" i="0" b="0" u="none">
-                          <a:solidFill>
-                            <a:srgbClr val="000000">
-                              <a:alpha val="100000"/>
-                            </a:srgbClr>
-                          </a:solidFill>
-                          <a:latin typeface="Calibri"/>
-                          <a:cs typeface="Calibri"/>
-                          <a:ea typeface="Calibri"/>
-                          <a:sym typeface="Calibri"/>
-                        </a:rPr>
-                        <a:t>685</a:t>
-                      </a:r>
-                    </a:p>
-                  </a:txBody>
-                  <a:tcPr anchor="ctr" marB="63500" marT="63500" marR="0" marL="0">
-                    <a:lnL algn="ctr" cmpd="sng" cap="flat" w="25400">
-                      <a:solidFill>
-                        <a:srgbClr val="FFFFFF">
-                          <a:alpha val="100000"/>
-                        </a:srgbClr>
-                      </a:solidFill>
-                      <a:prstDash val="solid"/>
-                    </a:lnL>
-                    <a:lnR algn="ctr" cmpd="sng" cap="flat" w="25400">
-                      <a:solidFill>
-                        <a:srgbClr val="FFFFFF">
-                          <a:alpha val="100000"/>
-                        </a:srgbClr>
-                      </a:solidFill>
-                      <a:prstDash val="solid"/>
-                    </a:lnR>
-                    <a:lnT algn="ctr" cmpd="sng" cap="flat" w="0">
-                      <a:noFill/>
-                      <a:prstDash val="solid"/>
-                    </a:lnT>
-                    <a:lnB algn="ctr" cmpd="sng" cap="flat" w="25400">
-                      <a:solidFill>
-                        <a:srgbClr val="FFFFFF">
-                          <a:alpha val="100000"/>
-                        </a:srgbClr>
-                      </a:solidFill>
-                      <a:prstDash val="solid"/>
-                    </a:lnB>
-                    <a:solidFill>
-                      <a:srgbClr val="D3D3D3">
-                        <a:alpha val="100000"/>
-                      </a:srgbClr>
-                    </a:solidFill>
-                  </a:tcPr>
-                </a:tc>
-                <a:tc>
-                  <a:txBody>
-                    <a:bodyPr/>
-                    <a:lstStyle/>
-                    <a:p>
-                      <a:pPr algn="ctr" marL="63500" marR="63500">
-                        <a:lnSpc>
-                          <a:spcPct val="100000"/>
-                        </a:lnSpc>
-                        <a:spcBef>
-                          <a:spcPts val="500"/>
-                        </a:spcBef>
-                        <a:spcAft>
-                          <a:spcPts val="500"/>
-                        </a:spcAft>
-                        <a:buNone/>
-                      </a:pPr>
-                      <a:r>
-                        <a:rPr cap="none" sz="1000" i="0" b="0" u="none">
-                          <a:solidFill>
-                            <a:srgbClr val="000000">
-                              <a:alpha val="100000"/>
-                            </a:srgbClr>
-                          </a:solidFill>
-                          <a:latin typeface="Calibri"/>
-                          <a:cs typeface="Calibri"/>
-                          <a:ea typeface="Calibri"/>
-                          <a:sym typeface="Calibri"/>
-                        </a:rPr>
-                        <a:t>1370</a:t>
-                      </a:r>
-                    </a:p>
-                  </a:txBody>
-                  <a:tcPr anchor="ctr" marB="63500" marT="63500" marR="0" marL="0">
-                    <a:lnL algn="ctr" cmpd="sng" cap="flat" w="25400">
-                      <a:solidFill>
-                        <a:srgbClr val="FFFFFF">
-                          <a:alpha val="100000"/>
-                        </a:srgbClr>
-                      </a:solidFill>
-                      <a:prstDash val="solid"/>
-                    </a:lnL>
-                    <a:lnR algn="ctr" cmpd="sng" cap="flat" w="25400">
-                      <a:solidFill>
-                        <a:srgbClr val="FFFFFF">
-                          <a:alpha val="100000"/>
-                        </a:srgbClr>
-                      </a:solidFill>
-                      <a:prstDash val="solid"/>
-                    </a:lnR>
-                    <a:lnT algn="ctr" cmpd="sng" cap="flat" w="0">
-                      <a:noFill/>
-                      <a:prstDash val="solid"/>
-                    </a:lnT>
-                    <a:lnB algn="ctr" cmpd="sng" cap="flat" w="25400">
-                      <a:solidFill>
-                        <a:srgbClr val="FFFFFF">
-                          <a:alpha val="100000"/>
-                        </a:srgbClr>
-                      </a:solidFill>
-                      <a:prstDash val="solid"/>
-                    </a:lnB>
-                    <a:solidFill>
-                      <a:srgbClr val="D3D3D3">
-                        <a:alpha val="100000"/>
-                      </a:srgbClr>
-                    </a:solidFill>
-                  </a:tcPr>
-                </a:tc>
-                <a:tc>
-                  <a:txBody>
-                    <a:bodyPr/>
-                    <a:lstStyle/>
-                    <a:p>
-                      <a:pPr algn="ctr" marL="63500" marR="63500">
-                        <a:lnSpc>
-                          <a:spcPct val="100000"/>
-                        </a:lnSpc>
-                        <a:spcBef>
-                          <a:spcPts val="500"/>
-                        </a:spcBef>
-                        <a:spcAft>
-                          <a:spcPts val="500"/>
-                        </a:spcAft>
-                        <a:buNone/>
-                      </a:pPr>
-                      <a:r>
-                        <a:rPr cap="none" sz="1000" i="0" b="0" u="none">
-                          <a:solidFill>
-                            <a:srgbClr val="000000">
-                              <a:alpha val="100000"/>
-                            </a:srgbClr>
-                          </a:solidFill>
-                          <a:latin typeface="Calibri"/>
-                          <a:cs typeface="Calibri"/>
-                          <a:ea typeface="Calibri"/>
-                          <a:sym typeface="Calibri"/>
-                        </a:rPr>
-                        <a:t>3426</a:t>
-                      </a:r>
-                    </a:p>
-                  </a:txBody>
-                  <a:tcPr anchor="ctr" marB="63500" marT="63500" marR="0" marL="0">
-                    <a:lnL algn="ctr" cmpd="sng" cap="flat" w="25400">
-                      <a:solidFill>
-                        <a:srgbClr val="FFFFFF">
-                          <a:alpha val="100000"/>
-                        </a:srgbClr>
-                      </a:solidFill>
-                      <a:prstDash val="solid"/>
-                    </a:lnL>
-                    <a:lnR algn="ctr" cmpd="sng" cap="flat" w="25400">
-                      <a:solidFill>
-                        <a:srgbClr val="FFFFFF">
-                          <a:alpha val="100000"/>
-                        </a:srgbClr>
-                      </a:solidFill>
-                      <a:prstDash val="solid"/>
-                    </a:lnR>
-                    <a:lnT algn="ctr" cmpd="sng" cap="flat" w="0">
-                      <a:noFill/>
-                      <a:prstDash val="solid"/>
-                    </a:lnT>
-                    <a:lnB algn="ctr" cmpd="sng" cap="flat" w="25400">
-                      <a:solidFill>
-                        <a:srgbClr val="FFFFFF">
-                          <a:alpha val="100000"/>
-                        </a:srgbClr>
-                      </a:solidFill>
-                      <a:prstDash val="solid"/>
-                    </a:lnB>
-                    <a:solidFill>
-                      <a:srgbClr val="D3D3D3">
-                        <a:alpha val="100000"/>
-                      </a:srgbClr>
-                    </a:solidFill>
-                  </a:tcPr>
-                </a:tc>
-                <a:tc>
-                  <a:txBody>
-                    <a:bodyPr/>
-                    <a:lstStyle/>
-                    <a:p>
-                      <a:pPr algn="ctr" marL="63500" marR="63500">
-                        <a:lnSpc>
-                          <a:spcPct val="100000"/>
-                        </a:lnSpc>
-                        <a:spcBef>
-                          <a:spcPts val="500"/>
-                        </a:spcBef>
-                        <a:spcAft>
-                          <a:spcPts val="500"/>
-                        </a:spcAft>
-                        <a:buNone/>
-                      </a:pPr>
-                      <a:r>
-                        <a:rPr cap="none" sz="1000" i="0" b="0" u="none">
-                          <a:solidFill>
-                            <a:srgbClr val="000000">
-                              <a:alpha val="100000"/>
-                            </a:srgbClr>
-                          </a:solidFill>
-                          <a:latin typeface="Calibri"/>
-                          <a:cs typeface="Calibri"/>
-                          <a:ea typeface="Calibri"/>
-                          <a:sym typeface="Calibri"/>
-                        </a:rPr>
-                        <a:t>6851</a:t>
-                      </a:r>
-                    </a:p>
-                  </a:txBody>
-                  <a:tcPr anchor="ctr" marB="63500" marT="63500" marR="0" marL="0">
-                    <a:lnL algn="ctr" cmpd="sng" cap="flat" w="25400">
-                      <a:solidFill>
-                        <a:srgbClr val="FFFFFF">
-                          <a:alpha val="100000"/>
-                        </a:srgbClr>
-                      </a:solidFill>
-                      <a:prstDash val="solid"/>
-                    </a:lnL>
-                    <a:lnR algn="ctr" cmpd="sng" cap="flat" w="25400">
-                      <a:solidFill>
-                        <a:srgbClr val="FFFFFF">
-                          <a:alpha val="100000"/>
-                        </a:srgbClr>
-                      </a:solidFill>
-                      <a:prstDash val="solid"/>
-                    </a:lnR>
-                    <a:lnT algn="ctr" cmpd="sng" cap="flat" w="0">
-                      <a:noFill/>
-                      <a:prstDash val="solid"/>
-                    </a:lnT>
-                    <a:lnB algn="ctr" cmpd="sng" cap="flat" w="25400">
-                      <a:solidFill>
-                        <a:srgbClr val="FFFFFF">
-                          <a:alpha val="100000"/>
-                        </a:srgbClr>
-                      </a:solidFill>
-                      <a:prstDash val="solid"/>
-                    </a:lnB>
-                    <a:solidFill>
-                      <a:srgbClr val="D3D3D3">
-                        <a:alpha val="100000"/>
-                      </a:srgbClr>
-                    </a:solidFill>
-                  </a:tcPr>
-                </a:tc>
-              </a:tr>
-            </a:tbl>
-          </a:graphicData>
-        </a:graphic>
-      </p:graphicFrame>
+          <p:cNvSpPr>
+            <a:spLocks noGrp="1"/>
+          </p:cNvSpPr>
+          <p:nvPr>
+            <p:ph type="chart" sz="quarter" idx="14"/>
+          </p:nvPr>
+        </p:nvSpPr>
+        <p:spPr>
+          <a:xfrm>
+            <a:off x="4368812" y="1519200"/>
+            <a:ext cx="7365851" cy="2376000"/>
+          </a:xfrm>
+        </p:spPr>
+        <p:txBody>
+          <a:bodyPr/>
+          <a:lstStyle/>
+          <a:p>
+            <a:r>
+              <a:rPr/>
+              <a:t>Niet uitgedraaid vanwege geen reactie cbs package</a:t>
+            </a:r>
+          </a:p>
+        </p:txBody>
+      </p:sp>
     </p:spTree>
     <p:extLst>
       <p:ext uri="{BB962C8B-B14F-4D97-AF65-F5344CB8AC3E}">
@@ -24123,7 +23456,7 @@
           <a:p>
             <a:r>
               <a:rPr/>
-              <a:t>31%</a:t>
+              <a:t>30%</a:t>
             </a:r>
           </a:p>
         </p:txBody>
@@ -24808,7 +24141,7 @@
           <a:p>
             <a:r>
               <a:rPr/>
-              <a:t>De ervaren gezondheid van jongeren in klas 2 (33%) is vergelijkbaar met jongeren in klas 4 (29%). De ervaren gezondheid van jongens (31%) is precies hetzelfde als meisjes (32%).</a:t>
+              <a:t>De ervaren gezondheid van jongeren in klas 2 (30%) is vergelijkbaar met jongeren in klas 4 (29%). De ervaren gezondheid van jongens (30%) is precies hetzelfde als meisjes (30%).</a:t>
             </a:r>
           </a:p>
         </p:txBody>
@@ -24835,7 +24168,7 @@
           <a:p>
             <a:r>
               <a:rPr/>
-              <a:t>De ervaren gezondheid van jongens (31%) is vergelijkbaar met meisjes (32%).</a:t>
+              <a:t>De ervaren gezondheid van jongens (30%) is vergelijkbaar met meisjes (30%).</a:t>
             </a:r>
           </a:p>
         </p:txBody>
@@ -24862,7 +24195,7 @@
           <a:p>
             <a:r>
               <a:rPr/>
-              <a:t>Het percentage inwoners in uw gemeente dat een goede gezondheid ervaart in 2024 (31%) is vergelijkbaar met Nederland (31%).</a:t>
+              <a:t>Het percentage inwoners in uw gemeente dat een goede gezondheid ervaart in 2024 (30%) is vergelijkbaar met Nederland (30%).</a:t>
             </a:r>
           </a:p>
         </p:txBody>
@@ -24889,7 +24222,7 @@
           <a:p>
             <a:r>
               <a:rPr/>
-              <a:t>In uw gemeente (31%) is de ervaren gezondheid in 2024 gelijk gebleven ten opzichte van 2020 (29%).</a:t>
+              <a:t>In uw gemeente (30%) is de ervaren gezondheid in 2024 gelijk gebleven ten opzichte van 2020 (30%).</a:t>
             </a:r>
           </a:p>
         </p:txBody>
